--- a/Aurora/Demo/Aurora Demo.pptx
+++ b/Aurora/Demo/Aurora Demo.pptx
@@ -1,23 +1,23 @@
 
 <file path=ppt/presentation.xml><?xml version="1.0" encoding="utf-8"?>
-<p:presentation xmlns:a="http://schemas.openxmlformats.org/drawingml/2006/main" xmlns:r="http://schemas.openxmlformats.org/officeDocument/2006/relationships" xmlns:p="http://schemas.openxmlformats.org/presentationml/2006/main" strictFirstAndLastChars="0" saveSubsetFonts="1" autoCompressPictures="0">
+<p:presentation xmlns:a="http://schemas.openxmlformats.org/drawingml/2006/main" xmlns:r="http://schemas.openxmlformats.org/officeDocument/2006/relationships" xmlns:p="http://schemas.openxmlformats.org/presentationml/2006/main" strictFirstAndLastChars="0" autoCompressPictures="0">
   <p:sldMasterIdLst>
-    <p:sldMasterId id="2147483672" r:id="rId1"/>
+    <p:sldMasterId id="2147483648" r:id="rId1"/>
   </p:sldMasterIdLst>
   <p:sldIdLst>
-    <p:sldId id="256" r:id="rId2"/>
-    <p:sldId id="257" r:id="rId3"/>
-    <p:sldId id="258" r:id="rId4"/>
-    <p:sldId id="259" r:id="rId5"/>
-    <p:sldId id="260" r:id="rId6"/>
-    <p:sldId id="267" r:id="rId7"/>
-    <p:sldId id="261" r:id="rId8"/>
-    <p:sldId id="262" r:id="rId9"/>
-    <p:sldId id="263" r:id="rId10"/>
-    <p:sldId id="264" r:id="rId11"/>
-    <p:sldId id="265" r:id="rId12"/>
-    <p:sldId id="268" r:id="rId13"/>
-    <p:sldId id="266" r:id="rId14"/>
+    <p:sldId id="256" r:id="rId3"/>
+    <p:sldId id="257" r:id="rId4"/>
+    <p:sldId id="258" r:id="rId5"/>
+    <p:sldId id="259" r:id="rId6"/>
+    <p:sldId id="260" r:id="rId7"/>
+    <p:sldId id="267" r:id="rId8"/>
+    <p:sldId id="261" r:id="rId9"/>
+    <p:sldId id="262" r:id="rId10"/>
+    <p:sldId id="263" r:id="rId11"/>
+    <p:sldId id="264" r:id="rId12"/>
+    <p:sldId id="265" r:id="rId13"/>
+    <p:sldId id="268" r:id="rId14"/>
+    <p:sldId id="266" r:id="rId15"/>
   </p:sldIdLst>
   <p:sldSz cx="12192000" cy="6858000"/>
   <p:notesSz cx="6858000" cy="9144000"/>
@@ -119,25 +119,8 @@
 </p:presentation>
 </file>
 
-<file path=ppt/revisionInfo.xml><?xml version="1.0" encoding="utf-8"?>
-<p1510:revInfo xmlns:a="http://schemas.openxmlformats.org/drawingml/2006/main" xmlns:r="http://schemas.openxmlformats.org/officeDocument/2006/relationships" xmlns:p1510="http://schemas.microsoft.com/office/powerpoint/2015/10/main">
-  <p1510:revLst>
-    <p1510:client id="{1FCC13A7-B680-4356-2855-AB94BD635E79}" v="270" dt="2022-07-14T04:19:40.692"/>
-    <p1510:client id="{6E4572D1-C08F-D033-A716-AD2E9F9DD504}" v="691" dt="2022-07-18T06:09:04.362"/>
-    <p1510:client id="{70488FFF-4380-11ED-23B6-F56B6BAA697C}" v="522" dt="2022-07-18T03:21:01.882"/>
-    <p1510:client id="{7E04A547-C460-4A8A-A0B8-30A41E27C305}" v="10" dt="2022-07-18T04:29:26.737"/>
-    <p1510:client id="{877AB700-D69B-894A-43B3-3589E9848A06}" v="108" dt="2022-07-18T02:07:09.943"/>
-    <p1510:client id="{9E5A8A14-A88E-463B-B84E-803F5AA02259}" v="4" dt="2022-07-17T05:57:17.977"/>
-    <p1510:client id="{9F0CD0BB-B1BE-4D27-9727-8E4B3D86EC6B}" v="9" dt="2022-07-17T06:02:12.067"/>
-    <p1510:client id="{BCC069F3-233D-2FC3-19DD-E4DB74F9BC9C}" v="49" dt="2022-07-14T13:30:48.077"/>
-    <p1510:client id="{ED9B5B05-7722-439B-08BC-B0CC3B0E61CD}" v="913" dt="2022-07-14T02:23:02.563"/>
-    <p1510:client id="{F32EE2B6-AB3A-22B1-6321-B4B631868ED2}" v="810" dt="2022-07-13T17:49:24.944"/>
-  </p1510:revLst>
-</p1510:revInfo>
-</file>
-
 <file path=ppt/slideLayouts/slideLayout1.xml><?xml version="1.0" encoding="utf-8"?>
-<p:sldLayout xmlns:a="http://schemas.openxmlformats.org/drawingml/2006/main" xmlns:r="http://schemas.openxmlformats.org/officeDocument/2006/relationships" xmlns:p="http://schemas.openxmlformats.org/presentationml/2006/main" showMasterSp="0" type="title" preserve="1">
+<p:sldLayout xmlns:a="http://schemas.openxmlformats.org/drawingml/2006/main" xmlns:r="http://schemas.openxmlformats.org/officeDocument/2006/relationships" xmlns:p="http://schemas.openxmlformats.org/presentationml/2006/main" type="title" preserve="1" showMasterSp="0">
   <p:cSld name="Title Slide">
     <p:spTree>
       <p:nvGrpSpPr>
@@ -8824,6 +8807,7 @@
               <a:rPr lang="en-US"/>
               <a:t>Click to edit Master title style</a:t>
             </a:r>
+            <a:endParaRPr lang="en-US"/>
           </a:p>
         </p:txBody>
       </p:sp>
@@ -8903,6 +8887,7 @@
               <a:rPr lang="en-US"/>
               <a:t>Click to edit Master subtitle style</a:t>
             </a:r>
+            <a:endParaRPr lang="en-US"/>
           </a:p>
         </p:txBody>
       </p:sp>
@@ -8927,7 +8912,6 @@
           <a:p>
             <a:fld id="{6AD6EE87-EBD5-4F12-A48A-63ACA297AC8F}" type="datetimeFigureOut">
               <a:rPr lang="en-US" dirty="0"/>
-              <a:t>7/17/2022</a:t>
             </a:fld>
             <a:endParaRPr lang="en-US"/>
           </a:p>
@@ -8969,7 +8953,6 @@
           <a:p>
             <a:fld id="{4FAB73BC-B049-4115-A692-8D63A059BFB8}" type="slidenum">
               <a:rPr lang="en-US" dirty="0"/>
-              <a:t>‹#›</a:t>
             </a:fld>
             <a:endParaRPr lang="en-US"/>
           </a:p>
@@ -9013,11 +8996,6 @@
         </p:style>
       </p:cxnSp>
     </p:spTree>
-    <p:extLst>
-      <p:ext uri="{BB962C8B-B14F-4D97-AF65-F5344CB8AC3E}">
-        <p14:creationId xmlns:p14="http://schemas.microsoft.com/office/powerpoint/2010/main" val="1334180439"/>
-      </p:ext>
-    </p:extLst>
   </p:cSld>
   <p:clrMapOvr>
     <a:masterClrMapping/>
@@ -9061,6 +9039,7 @@
               <a:rPr lang="en-US"/>
               <a:t>Click to edit Master title style</a:t>
             </a:r>
+            <a:endParaRPr lang="en-US"/>
           </a:p>
         </p:txBody>
       </p:sp>
@@ -9084,6 +9063,7 @@
               <a:rPr lang="en-US"/>
               <a:t>Click to edit Master text styles</a:t>
             </a:r>
+            <a:endParaRPr lang="en-US"/>
           </a:p>
           <a:p>
             <a:pPr lvl="1"/>
@@ -9091,6 +9071,7 @@
               <a:rPr lang="en-US"/>
               <a:t>Second level</a:t>
             </a:r>
+            <a:endParaRPr lang="en-US"/>
           </a:p>
           <a:p>
             <a:pPr lvl="2"/>
@@ -9098,6 +9079,7 @@
               <a:rPr lang="en-US"/>
               <a:t>Third level</a:t>
             </a:r>
+            <a:endParaRPr lang="en-US"/>
           </a:p>
           <a:p>
             <a:pPr lvl="3"/>
@@ -9105,6 +9087,7 @@
               <a:rPr lang="en-US"/>
               <a:t>Fourth level</a:t>
             </a:r>
+            <a:endParaRPr lang="en-US"/>
           </a:p>
           <a:p>
             <a:pPr lvl="4"/>
@@ -9112,6 +9095,7 @@
               <a:rPr lang="en-US"/>
               <a:t>Fifth level</a:t>
             </a:r>
+            <a:endParaRPr lang="en-US"/>
           </a:p>
         </p:txBody>
       </p:sp>
@@ -9132,7 +9116,6 @@
           <a:p>
             <a:fld id="{4CD73815-2707-4475-8F1A-B873CB631BB4}" type="datetimeFigureOut">
               <a:rPr lang="en-US" dirty="0"/>
-              <a:t>7/17/2022</a:t>
             </a:fld>
             <a:endParaRPr lang="en-US"/>
           </a:p>
@@ -9174,18 +9157,12 @@
           <a:p>
             <a:fld id="{4FAB73BC-B049-4115-A692-8D63A059BFB8}" type="slidenum">
               <a:rPr lang="en-US" dirty="0"/>
-              <a:t>‹#›</a:t>
             </a:fld>
             <a:endParaRPr lang="en-US"/>
           </a:p>
         </p:txBody>
       </p:sp>
     </p:spTree>
-    <p:extLst>
-      <p:ext uri="{BB962C8B-B14F-4D97-AF65-F5344CB8AC3E}">
-        <p14:creationId xmlns:p14="http://schemas.microsoft.com/office/powerpoint/2010/main" val="1237444396"/>
-      </p:ext>
-    </p:extLst>
   </p:cSld>
   <p:clrMapOvr>
     <a:masterClrMapping/>
@@ -9194,7 +9171,7 @@
 </file>
 
 <file path=ppt/slideLayouts/slideLayout11.xml><?xml version="1.0" encoding="utf-8"?>
-<p:sldLayout xmlns:a="http://schemas.openxmlformats.org/drawingml/2006/main" xmlns:r="http://schemas.openxmlformats.org/officeDocument/2006/relationships" xmlns:p="http://schemas.openxmlformats.org/presentationml/2006/main" showMasterSp="0" type="vertTitleAndTx" preserve="1">
+<p:sldLayout xmlns:a="http://schemas.openxmlformats.org/drawingml/2006/main" xmlns:r="http://schemas.openxmlformats.org/officeDocument/2006/relationships" xmlns:p="http://schemas.openxmlformats.org/presentationml/2006/main" type="vertTitleAndTx" preserve="1" showMasterSp="0">
   <p:cSld name="Vertical Title and Text">
     <p:spTree>
       <p:nvGrpSpPr>
@@ -9234,6 +9211,7 @@
               <a:rPr lang="en-US"/>
               <a:t>Click to edit Master title style</a:t>
             </a:r>
+            <a:endParaRPr lang="en-US"/>
           </a:p>
         </p:txBody>
       </p:sp>
@@ -9262,6 +9240,7 @@
               <a:rPr lang="en-US"/>
               <a:t>Click to edit Master text styles</a:t>
             </a:r>
+            <a:endParaRPr lang="en-US"/>
           </a:p>
           <a:p>
             <a:pPr lvl="1"/>
@@ -9269,6 +9248,7 @@
               <a:rPr lang="en-US"/>
               <a:t>Second level</a:t>
             </a:r>
+            <a:endParaRPr lang="en-US"/>
           </a:p>
           <a:p>
             <a:pPr lvl="2"/>
@@ -9276,6 +9256,7 @@
               <a:rPr lang="en-US"/>
               <a:t>Third level</a:t>
             </a:r>
+            <a:endParaRPr lang="en-US"/>
           </a:p>
           <a:p>
             <a:pPr lvl="3"/>
@@ -9283,6 +9264,7 @@
               <a:rPr lang="en-US"/>
               <a:t>Fourth level</a:t>
             </a:r>
+            <a:endParaRPr lang="en-US"/>
           </a:p>
           <a:p>
             <a:pPr lvl="4"/>
@@ -9290,6 +9272,7 @@
               <a:rPr lang="en-US"/>
               <a:t>Fifth level</a:t>
             </a:r>
+            <a:endParaRPr lang="en-US"/>
           </a:p>
         </p:txBody>
       </p:sp>
@@ -9310,7 +9293,6 @@
           <a:p>
             <a:fld id="{2A4AFB99-0EAB-4182-AFF8-E214C82A68F6}" type="datetimeFigureOut">
               <a:rPr lang="en-US" dirty="0"/>
-              <a:t>7/17/2022</a:t>
             </a:fld>
             <a:endParaRPr lang="en-US"/>
           </a:p>
@@ -9352,7 +9334,6 @@
           <a:p>
             <a:fld id="{4FAB73BC-B049-4115-A692-8D63A059BFB8}" type="slidenum">
               <a:rPr lang="en-US" dirty="0"/>
-              <a:t>‹#›</a:t>
             </a:fld>
             <a:endParaRPr lang="en-US"/>
           </a:p>
@@ -9394,11 +9375,6 @@
         </p:style>
       </p:cxnSp>
     </p:spTree>
-    <p:extLst>
-      <p:ext uri="{BB962C8B-B14F-4D97-AF65-F5344CB8AC3E}">
-        <p14:creationId xmlns:p14="http://schemas.microsoft.com/office/powerpoint/2010/main" val="1012876954"/>
-      </p:ext>
-    </p:extLst>
   </p:cSld>
   <p:clrMapOvr>
     <a:masterClrMapping/>
@@ -9442,6 +9418,7 @@
               <a:rPr lang="en-US"/>
               <a:t>Click to edit Master title style</a:t>
             </a:r>
+            <a:endParaRPr lang="en-US"/>
           </a:p>
         </p:txBody>
       </p:sp>
@@ -9465,6 +9442,7 @@
               <a:rPr lang="en-US"/>
               <a:t>Click to edit Master text styles</a:t>
             </a:r>
+            <a:endParaRPr lang="en-US"/>
           </a:p>
           <a:p>
             <a:pPr lvl="1"/>
@@ -9472,6 +9450,7 @@
               <a:rPr lang="en-US"/>
               <a:t>Second level</a:t>
             </a:r>
+            <a:endParaRPr lang="en-US"/>
           </a:p>
           <a:p>
             <a:pPr lvl="2"/>
@@ -9479,6 +9458,7 @@
               <a:rPr lang="en-US"/>
               <a:t>Third level</a:t>
             </a:r>
+            <a:endParaRPr lang="en-US"/>
           </a:p>
           <a:p>
             <a:pPr lvl="3"/>
@@ -9486,6 +9466,7 @@
               <a:rPr lang="en-US"/>
               <a:t>Fourth level</a:t>
             </a:r>
+            <a:endParaRPr lang="en-US"/>
           </a:p>
           <a:p>
             <a:pPr lvl="4"/>
@@ -9493,6 +9474,7 @@
               <a:rPr lang="en-US"/>
               <a:t>Fifth level</a:t>
             </a:r>
+            <a:endParaRPr lang="en-US"/>
           </a:p>
         </p:txBody>
       </p:sp>
@@ -9513,7 +9495,6 @@
           <a:p>
             <a:fld id="{A5D3794B-289A-4A80-97D7-111025398D45}" type="datetimeFigureOut">
               <a:rPr lang="en-US" dirty="0"/>
-              <a:t>7/17/2022</a:t>
             </a:fld>
             <a:endParaRPr lang="en-US"/>
           </a:p>
@@ -9555,18 +9536,12 @@
           <a:p>
             <a:fld id="{4FAB73BC-B049-4115-A692-8D63A059BFB8}" type="slidenum">
               <a:rPr lang="en-US" dirty="0"/>
-              <a:t>‹#›</a:t>
             </a:fld>
             <a:endParaRPr lang="en-US"/>
           </a:p>
         </p:txBody>
       </p:sp>
     </p:spTree>
-    <p:extLst>
-      <p:ext uri="{BB962C8B-B14F-4D97-AF65-F5344CB8AC3E}">
-        <p14:creationId xmlns:p14="http://schemas.microsoft.com/office/powerpoint/2010/main" val="2832869217"/>
-      </p:ext>
-    </p:extLst>
   </p:cSld>
   <p:clrMapOvr>
     <a:masterClrMapping/>
@@ -9575,7 +9550,7 @@
 </file>
 
 <file path=ppt/slideLayouts/slideLayout3.xml><?xml version="1.0" encoding="utf-8"?>
-<p:sldLayout xmlns:a="http://schemas.openxmlformats.org/drawingml/2006/main" xmlns:r="http://schemas.openxmlformats.org/officeDocument/2006/relationships" xmlns:p="http://schemas.openxmlformats.org/presentationml/2006/main" showMasterSp="0" type="secHead" preserve="1">
+<p:sldLayout xmlns:a="http://schemas.openxmlformats.org/drawingml/2006/main" xmlns:r="http://schemas.openxmlformats.org/officeDocument/2006/relationships" xmlns:p="http://schemas.openxmlformats.org/presentationml/2006/main" type="secHead" preserve="1" showMasterSp="0">
   <p:cSld name="Section Header">
     <p:spTree>
       <p:nvGrpSpPr>
@@ -18262,6 +18237,7 @@
               <a:rPr lang="en-US"/>
               <a:t>Click to edit Master title style</a:t>
             </a:r>
+            <a:endParaRPr lang="en-US"/>
           </a:p>
         </p:txBody>
       </p:sp>
@@ -18390,6 +18366,7 @@
               <a:rPr lang="en-US"/>
               <a:t>Click to edit Master text styles</a:t>
             </a:r>
+            <a:endParaRPr lang="en-US"/>
           </a:p>
         </p:txBody>
       </p:sp>
@@ -18410,7 +18387,6 @@
           <a:p>
             <a:fld id="{5A61015F-7CC6-4D0A-9D87-873EA4C304CC}" type="datetimeFigureOut">
               <a:rPr lang="en-US" dirty="0"/>
-              <a:t>7/17/2022</a:t>
             </a:fld>
             <a:endParaRPr lang="en-US"/>
           </a:p>
@@ -18452,7 +18428,6 @@
           <a:p>
             <a:fld id="{4FAB73BC-B049-4115-A692-8D63A059BFB8}" type="slidenum">
               <a:rPr lang="en-US" dirty="0"/>
-              <a:t>‹#›</a:t>
             </a:fld>
             <a:endParaRPr lang="en-US"/>
           </a:p>
@@ -18496,11 +18471,6 @@
         </p:style>
       </p:cxnSp>
     </p:spTree>
-    <p:extLst>
-      <p:ext uri="{BB962C8B-B14F-4D97-AF65-F5344CB8AC3E}">
-        <p14:creationId xmlns:p14="http://schemas.microsoft.com/office/powerpoint/2010/main" val="2016244614"/>
-      </p:ext>
-    </p:extLst>
   </p:cSld>
   <p:clrMapOvr>
     <a:masterClrMapping/>
@@ -18549,6 +18519,7 @@
               <a:rPr lang="en-US"/>
               <a:t>Click to edit Master title style</a:t>
             </a:r>
+            <a:endParaRPr lang="en-US"/>
           </a:p>
         </p:txBody>
       </p:sp>
@@ -18577,6 +18548,7 @@
               <a:rPr lang="en-US"/>
               <a:t>Click to edit Master text styles</a:t>
             </a:r>
+            <a:endParaRPr lang="en-US"/>
           </a:p>
           <a:p>
             <a:pPr lvl="1"/>
@@ -18584,6 +18556,7 @@
               <a:rPr lang="en-US"/>
               <a:t>Second level</a:t>
             </a:r>
+            <a:endParaRPr lang="en-US"/>
           </a:p>
           <a:p>
             <a:pPr lvl="2"/>
@@ -18591,6 +18564,7 @@
               <a:rPr lang="en-US"/>
               <a:t>Third level</a:t>
             </a:r>
+            <a:endParaRPr lang="en-US"/>
           </a:p>
           <a:p>
             <a:pPr lvl="3"/>
@@ -18598,6 +18572,7 @@
               <a:rPr lang="en-US"/>
               <a:t>Fourth level</a:t>
             </a:r>
+            <a:endParaRPr lang="en-US"/>
           </a:p>
           <a:p>
             <a:pPr lvl="4"/>
@@ -18605,6 +18580,7 @@
               <a:rPr lang="en-US"/>
               <a:t>Fifth level</a:t>
             </a:r>
+            <a:endParaRPr lang="en-US"/>
           </a:p>
         </p:txBody>
       </p:sp>
@@ -18633,6 +18609,7 @@
               <a:rPr lang="en-US"/>
               <a:t>Click to edit Master text styles</a:t>
             </a:r>
+            <a:endParaRPr lang="en-US"/>
           </a:p>
           <a:p>
             <a:pPr lvl="1"/>
@@ -18640,6 +18617,7 @@
               <a:rPr lang="en-US"/>
               <a:t>Second level</a:t>
             </a:r>
+            <a:endParaRPr lang="en-US"/>
           </a:p>
           <a:p>
             <a:pPr lvl="2"/>
@@ -18647,6 +18625,7 @@
               <a:rPr lang="en-US"/>
               <a:t>Third level</a:t>
             </a:r>
+            <a:endParaRPr lang="en-US"/>
           </a:p>
           <a:p>
             <a:pPr lvl="3"/>
@@ -18654,6 +18633,7 @@
               <a:rPr lang="en-US"/>
               <a:t>Fourth level</a:t>
             </a:r>
+            <a:endParaRPr lang="en-US"/>
           </a:p>
           <a:p>
             <a:pPr lvl="4"/>
@@ -18661,6 +18641,7 @@
               <a:rPr lang="en-US"/>
               <a:t>Fifth level</a:t>
             </a:r>
+            <a:endParaRPr lang="en-US"/>
           </a:p>
         </p:txBody>
       </p:sp>
@@ -18681,7 +18662,6 @@
           <a:p>
             <a:fld id="{93C6A301-0538-44EC-B09D-202E1042A48B}" type="datetimeFigureOut">
               <a:rPr lang="en-US" dirty="0"/>
-              <a:t>7/17/2022</a:t>
             </a:fld>
             <a:endParaRPr lang="en-US"/>
           </a:p>
@@ -18723,18 +18703,12 @@
           <a:p>
             <a:fld id="{4FAB73BC-B049-4115-A692-8D63A059BFB8}" type="slidenum">
               <a:rPr lang="en-US" dirty="0"/>
-              <a:t>‹#›</a:t>
             </a:fld>
             <a:endParaRPr lang="en-US"/>
           </a:p>
         </p:txBody>
       </p:sp>
     </p:spTree>
-    <p:extLst>
-      <p:ext uri="{BB962C8B-B14F-4D97-AF65-F5344CB8AC3E}">
-        <p14:creationId xmlns:p14="http://schemas.microsoft.com/office/powerpoint/2010/main" val="3919288356"/>
-      </p:ext>
-    </p:extLst>
   </p:cSld>
   <p:clrMapOvr>
     <a:masterClrMapping/>
@@ -18778,6 +18752,7 @@
               <a:rPr lang="en-US"/>
               <a:t>Click to edit Master title style</a:t>
             </a:r>
+            <a:endParaRPr lang="en-US"/>
           </a:p>
         </p:txBody>
       </p:sp>
@@ -18856,6 +18831,7 @@
               <a:rPr lang="en-US"/>
               <a:t>Click to edit Master text styles</a:t>
             </a:r>
+            <a:endParaRPr lang="en-US"/>
           </a:p>
         </p:txBody>
       </p:sp>
@@ -18884,6 +18860,7 @@
               <a:rPr lang="en-US"/>
               <a:t>Click to edit Master text styles</a:t>
             </a:r>
+            <a:endParaRPr lang="en-US"/>
           </a:p>
           <a:p>
             <a:pPr lvl="1"/>
@@ -18891,6 +18868,7 @@
               <a:rPr lang="en-US"/>
               <a:t>Second level</a:t>
             </a:r>
+            <a:endParaRPr lang="en-US"/>
           </a:p>
           <a:p>
             <a:pPr lvl="2"/>
@@ -18898,6 +18876,7 @@
               <a:rPr lang="en-US"/>
               <a:t>Third level</a:t>
             </a:r>
+            <a:endParaRPr lang="en-US"/>
           </a:p>
           <a:p>
             <a:pPr lvl="3"/>
@@ -18905,6 +18884,7 @@
               <a:rPr lang="en-US"/>
               <a:t>Fourth level</a:t>
             </a:r>
+            <a:endParaRPr lang="en-US"/>
           </a:p>
           <a:p>
             <a:pPr lvl="4"/>
@@ -18912,6 +18892,7 @@
               <a:rPr lang="en-US"/>
               <a:t>Fifth level</a:t>
             </a:r>
+            <a:endParaRPr lang="en-US"/>
           </a:p>
         </p:txBody>
       </p:sp>
@@ -19000,6 +18981,7 @@
               <a:rPr lang="en-US"/>
               <a:t>Click to edit Master text styles</a:t>
             </a:r>
+            <a:endParaRPr lang="en-US"/>
           </a:p>
         </p:txBody>
       </p:sp>
@@ -19028,6 +19010,7 @@
               <a:rPr lang="en-US"/>
               <a:t>Click to edit Master text styles</a:t>
             </a:r>
+            <a:endParaRPr lang="en-US"/>
           </a:p>
           <a:p>
             <a:pPr lvl="1"/>
@@ -19035,6 +19018,7 @@
               <a:rPr lang="en-US"/>
               <a:t>Second level</a:t>
             </a:r>
+            <a:endParaRPr lang="en-US"/>
           </a:p>
           <a:p>
             <a:pPr lvl="2"/>
@@ -19042,6 +19026,7 @@
               <a:rPr lang="en-US"/>
               <a:t>Third level</a:t>
             </a:r>
+            <a:endParaRPr lang="en-US"/>
           </a:p>
           <a:p>
             <a:pPr lvl="3"/>
@@ -19049,6 +19034,7 @@
               <a:rPr lang="en-US"/>
               <a:t>Fourth level</a:t>
             </a:r>
+            <a:endParaRPr lang="en-US"/>
           </a:p>
           <a:p>
             <a:pPr lvl="4"/>
@@ -19056,6 +19042,7 @@
               <a:rPr lang="en-US"/>
               <a:t>Fifth level</a:t>
             </a:r>
+            <a:endParaRPr lang="en-US"/>
           </a:p>
         </p:txBody>
       </p:sp>
@@ -19076,7 +19063,6 @@
           <a:p>
             <a:fld id="{D789574A-8875-45EF-8EA2-3CAA0F7ABC4C}" type="datetimeFigureOut">
               <a:rPr lang="en-US" dirty="0"/>
-              <a:t>7/17/2022</a:t>
             </a:fld>
             <a:endParaRPr lang="en-US"/>
           </a:p>
@@ -19118,18 +19104,12 @@
           <a:p>
             <a:fld id="{4FAB73BC-B049-4115-A692-8D63A059BFB8}" type="slidenum">
               <a:rPr lang="en-US" dirty="0"/>
-              <a:t>‹#›</a:t>
             </a:fld>
             <a:endParaRPr lang="en-US"/>
           </a:p>
         </p:txBody>
       </p:sp>
     </p:spTree>
-    <p:extLst>
-      <p:ext uri="{BB962C8B-B14F-4D97-AF65-F5344CB8AC3E}">
-        <p14:creationId xmlns:p14="http://schemas.microsoft.com/office/powerpoint/2010/main" val="60923676"/>
-      </p:ext>
-    </p:extLst>
   </p:cSld>
   <p:clrMapOvr>
     <a:masterClrMapping/>
@@ -19173,6 +19153,7 @@
               <a:rPr lang="en-US"/>
               <a:t>Click to edit Master title style</a:t>
             </a:r>
+            <a:endParaRPr lang="en-US"/>
           </a:p>
         </p:txBody>
       </p:sp>
@@ -19193,7 +19174,6 @@
           <a:p>
             <a:fld id="{67EF4D4C-5367-4C26-9E2B-D8088D7FCA81}" type="datetimeFigureOut">
               <a:rPr lang="en-US" dirty="0"/>
-              <a:t>7/17/2022</a:t>
             </a:fld>
             <a:endParaRPr lang="en-US"/>
           </a:p>
@@ -19235,18 +19215,12 @@
           <a:p>
             <a:fld id="{4FAB73BC-B049-4115-A692-8D63A059BFB8}" type="slidenum">
               <a:rPr lang="en-US" dirty="0"/>
-              <a:t>‹#›</a:t>
             </a:fld>
             <a:endParaRPr lang="en-US"/>
           </a:p>
         </p:txBody>
       </p:sp>
     </p:spTree>
-    <p:extLst>
-      <p:ext uri="{BB962C8B-B14F-4D97-AF65-F5344CB8AC3E}">
-        <p14:creationId xmlns:p14="http://schemas.microsoft.com/office/powerpoint/2010/main" val="2263303725"/>
-      </p:ext>
-    </p:extLst>
   </p:cSld>
   <p:clrMapOvr>
     <a:masterClrMapping/>
@@ -19255,7 +19229,7 @@
 </file>
 
 <file path=ppt/slideLayouts/slideLayout7.xml><?xml version="1.0" encoding="utf-8"?>
-<p:sldLayout xmlns:a="http://schemas.openxmlformats.org/drawingml/2006/main" xmlns:r="http://schemas.openxmlformats.org/officeDocument/2006/relationships" xmlns:p="http://schemas.openxmlformats.org/presentationml/2006/main" showMasterSp="0" type="blank" preserve="1">
+<p:sldLayout xmlns:a="http://schemas.openxmlformats.org/drawingml/2006/main" xmlns:r="http://schemas.openxmlformats.org/officeDocument/2006/relationships" xmlns:p="http://schemas.openxmlformats.org/presentationml/2006/main" type="blank" preserve="1" showMasterSp="0">
   <p:cSld name="Blank">
     <p:spTree>
       <p:nvGrpSpPr>
@@ -19288,7 +19262,6 @@
           <a:p>
             <a:fld id="{56E91E96-98B0-4413-9547-46F3504108EF}" type="datetimeFigureOut">
               <a:rPr lang="en-US" dirty="0"/>
-              <a:t>7/17/2022</a:t>
             </a:fld>
             <a:endParaRPr lang="en-US"/>
           </a:p>
@@ -19330,18 +19303,12 @@
           <a:p>
             <a:fld id="{4FAB73BC-B049-4115-A692-8D63A059BFB8}" type="slidenum">
               <a:rPr lang="en-US" dirty="0"/>
-              <a:t>‹#›</a:t>
             </a:fld>
             <a:endParaRPr lang="en-US"/>
           </a:p>
         </p:txBody>
       </p:sp>
     </p:spTree>
-    <p:extLst>
-      <p:ext uri="{BB962C8B-B14F-4D97-AF65-F5344CB8AC3E}">
-        <p14:creationId xmlns:p14="http://schemas.microsoft.com/office/powerpoint/2010/main" val="482577552"/>
-      </p:ext>
-    </p:extLst>
   </p:cSld>
   <p:clrMapOvr>
     <a:masterClrMapping/>
@@ -19399,6 +19366,7 @@
               <a:rPr lang="en-US"/>
               <a:t>Click to edit Master title style</a:t>
             </a:r>
+            <a:endParaRPr lang="en-US"/>
           </a:p>
         </p:txBody>
       </p:sp>
@@ -19455,6 +19423,7 @@
               <a:rPr lang="en-US"/>
               <a:t>Click to edit Master text styles</a:t>
             </a:r>
+            <a:endParaRPr lang="en-US"/>
           </a:p>
           <a:p>
             <a:pPr lvl="1"/>
@@ -19462,6 +19431,7 @@
               <a:rPr lang="en-US"/>
               <a:t>Second level</a:t>
             </a:r>
+            <a:endParaRPr lang="en-US"/>
           </a:p>
           <a:p>
             <a:pPr lvl="2"/>
@@ -19469,6 +19439,7 @@
               <a:rPr lang="en-US"/>
               <a:t>Third level</a:t>
             </a:r>
+            <a:endParaRPr lang="en-US"/>
           </a:p>
           <a:p>
             <a:pPr lvl="3"/>
@@ -19476,6 +19447,7 @@
               <a:rPr lang="en-US"/>
               <a:t>Fourth level</a:t>
             </a:r>
+            <a:endParaRPr lang="en-US"/>
           </a:p>
           <a:p>
             <a:pPr lvl="4"/>
@@ -19483,6 +19455,7 @@
               <a:rPr lang="en-US"/>
               <a:t>Fifth level</a:t>
             </a:r>
+            <a:endParaRPr lang="en-US"/>
           </a:p>
         </p:txBody>
       </p:sp>
@@ -19556,6 +19529,7 @@
               <a:rPr lang="en-US"/>
               <a:t>Click to edit Master text styles</a:t>
             </a:r>
+            <a:endParaRPr lang="en-US"/>
           </a:p>
         </p:txBody>
       </p:sp>
@@ -19576,7 +19550,6 @@
           <a:p>
             <a:fld id="{05C68B11-C5A8-448C-8CE9-B1A273C79CFC}" type="datetimeFigureOut">
               <a:rPr lang="en-US" dirty="0"/>
-              <a:t>7/17/2022</a:t>
             </a:fld>
             <a:endParaRPr lang="en-US"/>
           </a:p>
@@ -19618,18 +19591,12 @@
           <a:p>
             <a:fld id="{4FAB73BC-B049-4115-A692-8D63A059BFB8}" type="slidenum">
               <a:rPr lang="en-US" dirty="0"/>
-              <a:t>‹#›</a:t>
             </a:fld>
             <a:endParaRPr lang="en-US"/>
           </a:p>
         </p:txBody>
       </p:sp>
     </p:spTree>
-    <p:extLst>
-      <p:ext uri="{BB962C8B-B14F-4D97-AF65-F5344CB8AC3E}">
-        <p14:creationId xmlns:p14="http://schemas.microsoft.com/office/powerpoint/2010/main" val="2518651616"/>
-      </p:ext>
-    </p:extLst>
   </p:cSld>
   <p:clrMapOvr>
     <a:masterClrMapping/>
@@ -19638,7 +19605,7 @@
 </file>
 
 <file path=ppt/slideLayouts/slideLayout9.xml><?xml version="1.0" encoding="utf-8"?>
-<p:sldLayout xmlns:a="http://schemas.openxmlformats.org/drawingml/2006/main" xmlns:r="http://schemas.openxmlformats.org/officeDocument/2006/relationships" xmlns:p="http://schemas.openxmlformats.org/presentationml/2006/main" showMasterSp="0" type="picTx" preserve="1">
+<p:sldLayout xmlns:a="http://schemas.openxmlformats.org/drawingml/2006/main" xmlns:r="http://schemas.openxmlformats.org/officeDocument/2006/relationships" xmlns:p="http://schemas.openxmlformats.org/presentationml/2006/main" type="picTx" preserve="1" showMasterSp="0">
   <p:cSld name="Picture with Caption">
     <p:spTree>
       <p:nvGrpSpPr>
@@ -19684,6 +19651,7 @@
               <a:rPr lang="en-US"/>
               <a:t>Click to edit Master title style</a:t>
             </a:r>
+            <a:endParaRPr lang="en-US"/>
           </a:p>
         </p:txBody>
       </p:sp>
@@ -19831,6 +19799,7 @@
               <a:rPr lang="en-US"/>
               <a:t>Click to edit Master text styles</a:t>
             </a:r>
+            <a:endParaRPr lang="en-US"/>
           </a:p>
         </p:txBody>
       </p:sp>
@@ -19851,7 +19820,6 @@
           <a:p>
             <a:fld id="{C7616CA0-919D-4A49-9C8A-62FDFB3A5183}" type="datetimeFigureOut">
               <a:rPr lang="en-US" dirty="0"/>
-              <a:t>7/17/2022</a:t>
             </a:fld>
             <a:endParaRPr lang="en-US"/>
           </a:p>
@@ -19893,7 +19861,6 @@
           <a:p>
             <a:fld id="{867E5644-1E61-4311-A31E-84CB9C7AA8A9}" type="slidenum">
               <a:rPr lang="en-US" dirty="0"/>
-              <a:t>‹#›</a:t>
             </a:fld>
             <a:endParaRPr lang="en-US"/>
           </a:p>
@@ -19935,11 +19902,6 @@
         </p:style>
       </p:cxnSp>
     </p:spTree>
-    <p:extLst>
-      <p:ext uri="{BB962C8B-B14F-4D97-AF65-F5344CB8AC3E}">
-        <p14:creationId xmlns:p14="http://schemas.microsoft.com/office/powerpoint/2010/main" val="3761450762"/>
-      </p:ext>
-    </p:extLst>
   </p:cSld>
   <p:clrMapOvr>
     <a:masterClrMapping/>
@@ -19998,6 +19960,7 @@
               <a:rPr lang="en-US"/>
               <a:t>Click to edit Master title style</a:t>
             </a:r>
+            <a:endParaRPr lang="en-US"/>
           </a:p>
         </p:txBody>
       </p:sp>
@@ -20031,6 +19994,7 @@
               <a:rPr lang="en-US"/>
               <a:t>Click to edit Master text styles</a:t>
             </a:r>
+            <a:endParaRPr lang="en-US"/>
           </a:p>
           <a:p>
             <a:pPr lvl="1"/>
@@ -20038,6 +20002,7 @@
               <a:rPr lang="en-US"/>
               <a:t>Second level</a:t>
             </a:r>
+            <a:endParaRPr lang="en-US"/>
           </a:p>
           <a:p>
             <a:pPr lvl="2"/>
@@ -20045,6 +20010,7 @@
               <a:rPr lang="en-US"/>
               <a:t>Third level</a:t>
             </a:r>
+            <a:endParaRPr lang="en-US"/>
           </a:p>
           <a:p>
             <a:pPr lvl="3"/>
@@ -20052,6 +20018,7 @@
               <a:rPr lang="en-US"/>
               <a:t>Fourth level</a:t>
             </a:r>
+            <a:endParaRPr lang="en-US"/>
           </a:p>
           <a:p>
             <a:pPr lvl="4"/>
@@ -20059,6 +20026,7 @@
               <a:rPr lang="en-US"/>
               <a:t>Fifth level</a:t>
             </a:r>
+            <a:endParaRPr lang="en-US"/>
           </a:p>
         </p:txBody>
       </p:sp>
@@ -20099,8 +20067,6 @@
           <a:p>
             <a:fld id="{90298CD5-6C1E-4009-B41F-6DF62E31D3BE}" type="datetimeFigureOut">
               <a:rPr lang="en-US" dirty="0"/>
-              <a:pPr/>
-              <a:t>7/17/2022</a:t>
             </a:fld>
             <a:endParaRPr lang="en-US"/>
           </a:p>
@@ -20182,8 +20148,6 @@
           <a:p>
             <a:fld id="{4FAB73BC-B049-4115-A692-8D63A059BFB8}" type="slidenum">
               <a:rPr lang="en-US" dirty="0"/>
-              <a:pPr/>
-              <a:t>‹#›</a:t>
             </a:fld>
             <a:endParaRPr lang="en-US"/>
           </a:p>
@@ -20225,25 +20189,20 @@
         </p:style>
       </p:cxnSp>
     </p:spTree>
-    <p:extLst>
-      <p:ext uri="{BB962C8B-B14F-4D97-AF65-F5344CB8AC3E}">
-        <p14:creationId xmlns:p14="http://schemas.microsoft.com/office/powerpoint/2010/main" val="1661487379"/>
-      </p:ext>
-    </p:extLst>
   </p:cSld>
   <p:clrMap bg1="lt1" tx1="dk1" bg2="lt2" tx2="dk2" accent1="accent1" accent2="accent2" accent3="accent3" accent4="accent4" accent5="accent5" accent6="accent6" hlink="hlink" folHlink="folHlink"/>
   <p:sldLayoutIdLst>
-    <p:sldLayoutId id="2147483673" r:id="rId1"/>
-    <p:sldLayoutId id="2147483674" r:id="rId2"/>
-    <p:sldLayoutId id="2147483675" r:id="rId3"/>
-    <p:sldLayoutId id="2147483676" r:id="rId4"/>
-    <p:sldLayoutId id="2147483677" r:id="rId5"/>
-    <p:sldLayoutId id="2147483678" r:id="rId6"/>
-    <p:sldLayoutId id="2147483679" r:id="rId7"/>
-    <p:sldLayoutId id="2147483680" r:id="rId8"/>
-    <p:sldLayoutId id="2147483681" r:id="rId9"/>
-    <p:sldLayoutId id="2147483682" r:id="rId10"/>
-    <p:sldLayoutId id="2147483683" r:id="rId11"/>
+    <p:sldLayoutId id="2147483649" r:id="rId1"/>
+    <p:sldLayoutId id="2147483650" r:id="rId2"/>
+    <p:sldLayoutId id="2147483651" r:id="rId3"/>
+    <p:sldLayoutId id="2147483652" r:id="rId4"/>
+    <p:sldLayoutId id="2147483653" r:id="rId5"/>
+    <p:sldLayoutId id="2147483654" r:id="rId6"/>
+    <p:sldLayoutId id="2147483655" r:id="rId7"/>
+    <p:sldLayoutId id="2147483656" r:id="rId8"/>
+    <p:sldLayoutId id="2147483657" r:id="rId9"/>
+    <p:sldLayoutId id="2147483658" r:id="rId10"/>
+    <p:sldLayoutId id="2147483659" r:id="rId11"/>
   </p:sldLayoutIdLst>
   <p:txStyles>
     <p:titleStyle>
@@ -20294,7 +20253,7 @@
           <a:cs typeface="+mn-cs"/>
         </a:defRPr>
       </a:lvl1pPr>
-      <a:lvl2pPr marL="265176" indent="-137160" algn="l" defTabSz="914400" rtl="0" eaLnBrk="1" latinLnBrk="0" hangingPunct="1">
+      <a:lvl2pPr marL="265430" indent="-137160" algn="l" defTabSz="914400" rtl="0" eaLnBrk="1" latinLnBrk="0" hangingPunct="1">
         <a:lnSpc>
           <a:spcPct val="90000"/>
         </a:lnSpc>
@@ -20318,7 +20277,7 @@
           <a:cs typeface="+mn-cs"/>
         </a:defRPr>
       </a:lvl2pPr>
-      <a:lvl3pPr marL="448056" indent="-137160" algn="l" defTabSz="914400" rtl="0" eaLnBrk="1" latinLnBrk="0" hangingPunct="1">
+      <a:lvl3pPr marL="448310" indent="-137160" algn="l" defTabSz="914400" rtl="0" eaLnBrk="1" latinLnBrk="0" hangingPunct="1">
         <a:lnSpc>
           <a:spcPct val="90000"/>
         </a:lnSpc>
@@ -20414,7 +20373,7 @@
           <a:cs typeface="+mn-cs"/>
         </a:defRPr>
       </a:lvl6pPr>
-      <a:lvl7pPr marL="1060704" indent="-137160" algn="l" defTabSz="914400" rtl="0" eaLnBrk="1" latinLnBrk="0" hangingPunct="1">
+      <a:lvl7pPr marL="1060450" indent="-137160" algn="l" defTabSz="914400" rtl="0" eaLnBrk="1" latinLnBrk="0" hangingPunct="1">
         <a:lnSpc>
           <a:spcPct val="90000"/>
         </a:lnSpc>
@@ -20438,7 +20397,7 @@
           <a:cs typeface="+mn-cs"/>
         </a:defRPr>
       </a:lvl7pPr>
-      <a:lvl8pPr marL="1216152" indent="-137160" algn="l" defTabSz="914400" rtl="0" eaLnBrk="1" latinLnBrk="0" hangingPunct="1">
+      <a:lvl8pPr marL="1216025" indent="-137160" algn="l" defTabSz="914400" rtl="0" eaLnBrk="1" latinLnBrk="0" hangingPunct="1">
         <a:lnSpc>
           <a:spcPct val="90000"/>
         </a:lnSpc>
@@ -20462,7 +20421,7 @@
           <a:cs typeface="+mn-cs"/>
         </a:defRPr>
       </a:lvl8pPr>
-      <a:lvl9pPr marL="1362456" indent="-137160" algn="l" defTabSz="914400" rtl="0" eaLnBrk="1" latinLnBrk="0" hangingPunct="1">
+      <a:lvl9pPr marL="1362710" indent="-137160" algn="l" defTabSz="914400" rtl="0" eaLnBrk="1" latinLnBrk="0" hangingPunct="1">
         <a:lnSpc>
           <a:spcPct val="90000"/>
         </a:lnSpc>
@@ -20613,26 +20572,11 @@
       </p:grpSpPr>
       <p:sp useBgFill="1">
         <p:nvSpPr>
-          <p:cNvPr id="18" name="Rectangle 7">
-            <a:extLst>
-              <a:ext uri="{FF2B5EF4-FFF2-40B4-BE49-F238E27FC236}">
-                <a16:creationId xmlns:a16="http://schemas.microsoft.com/office/drawing/2014/main" id="{62AE8E50-35D4-4D5A-A4BB-168CBB027DA2}"/>
-              </a:ext>
-              <a:ext uri="{C183D7F6-B498-43B3-948B-1728B52AA6E4}">
-                <adec:decorative xmlns:adec="http://schemas.microsoft.com/office/drawing/2017/decorative" val="1"/>
-              </a:ext>
-            </a:extLst>
-          </p:cNvPr>
+          <p:cNvPr id="18" name="Rectangle 7"/>
           <p:cNvSpPr>
             <a:spLocks noGrp="1" noRot="1" noChangeAspect="1" noMove="1" noResize="1" noEditPoints="1" noAdjustHandles="1" noChangeArrowheads="1" noChangeShapeType="1" noTextEdit="1"/>
           </p:cNvSpPr>
-          <p:nvPr>
-            <p:extLst>
-              <p:ext uri="{386F3935-93C4-4BCD-93E2-E3B085C9AB24}">
-                <p16:designElem xmlns:p16="http://schemas.microsoft.com/office/powerpoint/2015/main" val="1"/>
-              </p:ext>
-            </p:extLst>
-          </p:nvPr>
+          <p:nvPr/>
         </p:nvSpPr>
         <p:spPr>
           <a:xfrm flipH="1">
@@ -20673,26 +20617,11 @@
       </p:sp>
       <p:sp>
         <p:nvSpPr>
-          <p:cNvPr id="19" name="Freeform 16">
-            <a:extLst>
-              <a:ext uri="{FF2B5EF4-FFF2-40B4-BE49-F238E27FC236}">
-                <a16:creationId xmlns:a16="http://schemas.microsoft.com/office/drawing/2014/main" id="{C37D1D6D-17D8-4296-B000-665D1892D01E}"/>
-              </a:ext>
-              <a:ext uri="{C183D7F6-B498-43B3-948B-1728B52AA6E4}">
-                <adec:decorative xmlns:adec="http://schemas.microsoft.com/office/drawing/2017/decorative" val="1"/>
-              </a:ext>
-            </a:extLst>
-          </p:cNvPr>
+          <p:cNvPr id="19" name="Freeform 16"/>
           <p:cNvSpPr>
             <a:spLocks noGrp="1" noRot="1" noChangeAspect="1" noMove="1" noResize="1" noEditPoints="1" noAdjustHandles="1" noChangeArrowheads="1" noChangeShapeType="1" noTextEdit="1"/>
           </p:cNvSpPr>
-          <p:nvPr>
-            <p:extLst>
-              <p:ext uri="{386F3935-93C4-4BCD-93E2-E3B085C9AB24}">
-                <p16:designElem xmlns:p16="http://schemas.microsoft.com/office/powerpoint/2015/main" val="1"/>
-              </p:ext>
-            </p:extLst>
-          </p:nvPr>
+          <p:nvPr/>
         </p:nvSpPr>
         <p:spPr>
           <a:xfrm rot="5400000">
@@ -29922,26 +29851,11 @@
       </p:sp>
       <p:sp>
         <p:nvSpPr>
-          <p:cNvPr id="20" name="Rectangle 11">
-            <a:extLst>
-              <a:ext uri="{FF2B5EF4-FFF2-40B4-BE49-F238E27FC236}">
-                <a16:creationId xmlns:a16="http://schemas.microsoft.com/office/drawing/2014/main" id="{1B26E892-1320-40AA-9CA1-246721C18768}"/>
-              </a:ext>
-              <a:ext uri="{C183D7F6-B498-43B3-948B-1728B52AA6E4}">
-                <adec:decorative xmlns:adec="http://schemas.microsoft.com/office/drawing/2017/decorative" val="1"/>
-              </a:ext>
-            </a:extLst>
-          </p:cNvPr>
+          <p:cNvPr id="20" name="Rectangle 11"/>
           <p:cNvSpPr>
             <a:spLocks noGrp="1" noRot="1" noChangeAspect="1" noMove="1" noResize="1" noEditPoints="1" noAdjustHandles="1" noChangeArrowheads="1" noChangeShapeType="1" noTextEdit="1"/>
           </p:cNvSpPr>
-          <p:nvPr>
-            <p:extLst>
-              <p:ext uri="{386F3935-93C4-4BCD-93E2-E3B085C9AB24}">
-                <p16:designElem xmlns:p16="http://schemas.microsoft.com/office/powerpoint/2015/main" val="1"/>
-              </p:ext>
-            </p:extLst>
-          </p:nvPr>
+          <p:nvPr/>
         </p:nvSpPr>
         <p:spPr>
           <a:xfrm>
@@ -29985,13 +29899,7 @@
       </p:sp>
       <p:sp>
         <p:nvSpPr>
-          <p:cNvPr id="2" name="Title 1">
-            <a:extLst>
-              <a:ext uri="{FF2B5EF4-FFF2-40B4-BE49-F238E27FC236}">
-                <a16:creationId xmlns:a16="http://schemas.microsoft.com/office/drawing/2014/main" id="{A2FFD971-8D12-EEF8-182A-48D00E42F99B}"/>
-              </a:ext>
-            </a:extLst>
-          </p:cNvPr>
+          <p:cNvPr id="2" name="Title 1"/>
           <p:cNvSpPr>
             <a:spLocks noGrp="1"/>
           </p:cNvSpPr>
@@ -30020,18 +29928,17 @@
               </a:rPr>
               <a:t>ASPIRE OVERFLOW</a:t>
             </a:r>
+            <a:endParaRPr lang="en-IN" sz="4800">
+              <a:solidFill>
+                <a:srgbClr val="FFFFFF"/>
+              </a:solidFill>
+            </a:endParaRPr>
           </a:p>
         </p:txBody>
       </p:sp>
       <p:sp>
         <p:nvSpPr>
-          <p:cNvPr id="3" name="Subtitle 2">
-            <a:extLst>
-              <a:ext uri="{FF2B5EF4-FFF2-40B4-BE49-F238E27FC236}">
-                <a16:creationId xmlns:a16="http://schemas.microsoft.com/office/drawing/2014/main" id="{ACB78615-207D-AAB7-9A4F-782353AAD440}"/>
-              </a:ext>
-            </a:extLst>
-          </p:cNvPr>
+          <p:cNvPr id="3" name="Subtitle 2"/>
           <p:cNvSpPr>
             <a:spLocks noGrp="1"/>
           </p:cNvSpPr>
@@ -30059,31 +29966,21 @@
               </a:rPr>
               <a:t>AURORA</a:t>
             </a:r>
+            <a:endParaRPr lang="en-IN">
+              <a:solidFill>
+                <a:srgbClr val="FFFFFF"/>
+              </a:solidFill>
+            </a:endParaRPr>
           </a:p>
         </p:txBody>
       </p:sp>
       <p:cxnSp>
         <p:nvCxnSpPr>
-          <p:cNvPr id="21" name="Straight Connector 13">
-            <a:extLst>
-              <a:ext uri="{FF2B5EF4-FFF2-40B4-BE49-F238E27FC236}">
-                <a16:creationId xmlns:a16="http://schemas.microsoft.com/office/drawing/2014/main" id="{C9A1F79C-E4D1-4AAE-BA11-3A09005252E3}"/>
-              </a:ext>
-              <a:ext uri="{C183D7F6-B498-43B3-948B-1728B52AA6E4}">
-                <adec:decorative xmlns:adec="http://schemas.microsoft.com/office/drawing/2017/decorative" val="1"/>
-              </a:ext>
-            </a:extLst>
-          </p:cNvPr>
+          <p:cNvPr id="21" name="Straight Connector 13"/>
           <p:cNvCxnSpPr>
             <a:cxnSpLocks noGrp="1" noRot="1" noChangeAspect="1" noMove="1" noResize="1" noEditPoints="1" noAdjustHandles="1" noChangeArrowheads="1" noChangeShapeType="1"/>
           </p:cNvCxnSpPr>
-          <p:nvPr>
-            <p:extLst>
-              <p:ext uri="{386F3935-93C4-4BCD-93E2-E3B085C9AB24}">
-                <p16:designElem xmlns:p16="http://schemas.microsoft.com/office/powerpoint/2015/main" val="1"/>
-              </p:ext>
-            </p:extLst>
-          </p:nvPr>
+          <p:nvPr/>
         </p:nvCxnSpPr>
         <p:spPr>
           <a:xfrm>
@@ -30116,26 +30013,11 @@
       </p:cxnSp>
       <p:sp useBgFill="1">
         <p:nvSpPr>
-          <p:cNvPr id="22" name="Rectangle 15">
-            <a:extLst>
-              <a:ext uri="{FF2B5EF4-FFF2-40B4-BE49-F238E27FC236}">
-                <a16:creationId xmlns:a16="http://schemas.microsoft.com/office/drawing/2014/main" id="{C170DF7D-4686-4BD5-A9CD-C8964928468D}"/>
-              </a:ext>
-              <a:ext uri="{C183D7F6-B498-43B3-948B-1728B52AA6E4}">
-                <adec:decorative xmlns:adec="http://schemas.microsoft.com/office/drawing/2017/decorative" val="1"/>
-              </a:ext>
-            </a:extLst>
-          </p:cNvPr>
+          <p:cNvPr id="22" name="Rectangle 15"/>
           <p:cNvSpPr>
             <a:spLocks noGrp="1" noRot="1" noChangeAspect="1" noMove="1" noResize="1" noEditPoints="1" noAdjustHandles="1" noChangeArrowheads="1" noChangeShapeType="1" noTextEdit="1"/>
           </p:cNvSpPr>
-          <p:nvPr>
-            <p:extLst>
-              <p:ext uri="{386F3935-93C4-4BCD-93E2-E3B085C9AB24}">
-                <p16:designElem xmlns:p16="http://schemas.microsoft.com/office/powerpoint/2015/main" val="1"/>
-              </p:ext>
-            </p:extLst>
-          </p:nvPr>
+          <p:nvPr/>
         </p:nvSpPr>
         <p:spPr>
           <a:xfrm>
@@ -30175,11 +30057,6 @@
         </p:txBody>
       </p:sp>
     </p:spTree>
-    <p:extLst>
-      <p:ext uri="{BB962C8B-B14F-4D97-AF65-F5344CB8AC3E}">
-        <p14:creationId xmlns:p14="http://schemas.microsoft.com/office/powerpoint/2010/main" val="2392620102"/>
-      </p:ext>
-    </p:extLst>
   </p:cSld>
   <p:clrMapOvr>
     <a:masterClrMapping/>
@@ -30345,13 +30222,7 @@
       </p:grpSpPr>
       <p:sp>
         <p:nvSpPr>
-          <p:cNvPr id="2" name="Title 1">
-            <a:extLst>
-              <a:ext uri="{FF2B5EF4-FFF2-40B4-BE49-F238E27FC236}">
-                <a16:creationId xmlns:a16="http://schemas.microsoft.com/office/drawing/2014/main" id="{D0FC0C6B-78B2-6B27-9973-596280C5D6E3}"/>
-              </a:ext>
-            </a:extLst>
-          </p:cNvPr>
+          <p:cNvPr id="2" name="Title 1"/>
           <p:cNvSpPr>
             <a:spLocks noGrp="1"/>
           </p:cNvSpPr>
@@ -30368,18 +30239,13 @@
               <a:rPr lang="en-IN"/>
               <a:t>DEMO</a:t>
             </a:r>
+            <a:endParaRPr lang="en-IN"/>
           </a:p>
         </p:txBody>
       </p:sp>
       <p:sp>
         <p:nvSpPr>
-          <p:cNvPr id="3" name="Content Placeholder 2">
-            <a:extLst>
-              <a:ext uri="{FF2B5EF4-FFF2-40B4-BE49-F238E27FC236}">
-                <a16:creationId xmlns:a16="http://schemas.microsoft.com/office/drawing/2014/main" id="{4B32D1D6-8BDE-BA31-ACBD-E5D8E3F5486C}"/>
-              </a:ext>
-            </a:extLst>
-          </p:cNvPr>
+          <p:cNvPr id="3" name="Content Placeholder 2"/>
           <p:cNvSpPr>
             <a:spLocks noGrp="1"/>
           </p:cNvSpPr>
@@ -30406,7 +30272,7 @@
               <a:rPr lang="en-IN" u="sng">
                 <a:ea typeface="+mn-lt"/>
                 <a:cs typeface="+mn-lt"/>
-                <a:hlinkClick r:id="rId2"/>
+                <a:hlinkClick r:id="rId1"/>
               </a:rPr>
               <a:t>http://172.24.210.43/Aspire-API/swagger</a:t>
             </a:r>
@@ -30441,10 +30307,14 @@
               <a:rPr lang="en-IN">
                 <a:ea typeface="+mn-lt"/>
                 <a:cs typeface="+mn-lt"/>
-                <a:hlinkClick r:id="rId3"/>
+                <a:hlinkClick r:id="rId2"/>
               </a:rPr>
               <a:t>http://172.24.210.43/AspireOverflow</a:t>
             </a:r>
+            <a:endParaRPr lang="en-IN">
+              <a:ea typeface="+mn-lt"/>
+              <a:cs typeface="+mn-lt"/>
+            </a:endParaRPr>
           </a:p>
           <a:p>
             <a:pPr marL="0" indent="0">
@@ -30458,11 +30328,6 @@
         </p:txBody>
       </p:sp>
     </p:spTree>
-    <p:extLst>
-      <p:ext uri="{BB962C8B-B14F-4D97-AF65-F5344CB8AC3E}">
-        <p14:creationId xmlns:p14="http://schemas.microsoft.com/office/powerpoint/2010/main" val="2823406662"/>
-      </p:ext>
-    </p:extLst>
   </p:cSld>
   <p:clrMapOvr>
     <a:masterClrMapping/>
@@ -30489,13 +30354,7 @@
       </p:grpSpPr>
       <p:sp>
         <p:nvSpPr>
-          <p:cNvPr id="2" name="Title 1">
-            <a:extLst>
-              <a:ext uri="{FF2B5EF4-FFF2-40B4-BE49-F238E27FC236}">
-                <a16:creationId xmlns:a16="http://schemas.microsoft.com/office/drawing/2014/main" id="{094A78D8-F6D6-CCCF-B3EA-45FB48F5B781}"/>
-              </a:ext>
-            </a:extLst>
-          </p:cNvPr>
+          <p:cNvPr id="2" name="Title 1"/>
           <p:cNvSpPr>
             <a:spLocks noGrp="1"/>
           </p:cNvSpPr>
@@ -30512,18 +30371,13 @@
               <a:rPr lang="en-IN"/>
               <a:t>LESSONS LEARNED</a:t>
             </a:r>
+            <a:endParaRPr lang="en-IN"/>
           </a:p>
         </p:txBody>
       </p:sp>
       <p:sp>
         <p:nvSpPr>
-          <p:cNvPr id="3" name="Content Placeholder 2">
-            <a:extLst>
-              <a:ext uri="{FF2B5EF4-FFF2-40B4-BE49-F238E27FC236}">
-                <a16:creationId xmlns:a16="http://schemas.microsoft.com/office/drawing/2014/main" id="{5F1A2351-2CCD-6ABA-8CFD-67AFC77C3777}"/>
-              </a:ext>
-            </a:extLst>
-          </p:cNvPr>
+          <p:cNvPr id="3" name="Content Placeholder 2"/>
           <p:cNvSpPr>
             <a:spLocks noGrp="1"/>
           </p:cNvSpPr>
@@ -30557,6 +30411,7 @@
               <a:rPr lang="en-IN"/>
               <a:t> Requirement gathering is the first-most thing to be done.</a:t>
             </a:r>
+            <a:endParaRPr lang="en-IN"/>
           </a:p>
           <a:p>
             <a:pPr>
@@ -30567,6 +30422,7 @@
               <a:rPr lang="en-IN"/>
               <a:t> User-Stories should tell about the flow of the system.</a:t>
             </a:r>
+            <a:endParaRPr lang="en-IN"/>
           </a:p>
           <a:p>
             <a:pPr>
@@ -30577,6 +30433,7 @@
               <a:rPr lang="en-IN"/>
               <a:t> The system should reflect the wireframe.</a:t>
             </a:r>
+            <a:endParaRPr lang="en-IN"/>
           </a:p>
           <a:p>
             <a:pPr>
@@ -30587,6 +30444,7 @@
               <a:rPr lang="en-IN"/>
               <a:t> Set-up documentation should be written simple for the user manual.</a:t>
             </a:r>
+            <a:endParaRPr lang="en-IN"/>
           </a:p>
           <a:p>
             <a:pPr>
@@ -30597,6 +30455,7 @@
               <a:rPr lang="en-IN"/>
               <a:t> Unused and Dead codes should be removed.</a:t>
             </a:r>
+            <a:endParaRPr lang="en-IN"/>
           </a:p>
           <a:p>
             <a:pPr>
@@ -30607,6 +30466,7 @@
               <a:rPr lang="en-IN"/>
               <a:t> How to Manage the work with the available members.</a:t>
             </a:r>
+            <a:endParaRPr lang="en-IN"/>
           </a:p>
           <a:p>
             <a:pPr>
@@ -30617,6 +30477,7 @@
               <a:rPr lang="en-IN"/>
               <a:t> To take ownership of our work.</a:t>
             </a:r>
+            <a:endParaRPr lang="en-IN"/>
           </a:p>
           <a:p>
             <a:pPr>
@@ -30627,6 +30488,7 @@
               <a:rPr lang="en-IN"/>
               <a:t> Have to include the waiting time of the PAM request needed in the execution time.</a:t>
             </a:r>
+            <a:endParaRPr lang="en-IN"/>
           </a:p>
           <a:p>
             <a:pPr>
@@ -30637,6 +30499,7 @@
               <a:rPr lang="en-IN"/>
               <a:t> Also need to think from the user perspective.</a:t>
             </a:r>
+            <a:endParaRPr lang="en-IN"/>
           </a:p>
           <a:p>
             <a:pPr>
@@ -30703,11 +30566,6 @@
         </p:txBody>
       </p:sp>
     </p:spTree>
-    <p:extLst>
-      <p:ext uri="{BB962C8B-B14F-4D97-AF65-F5344CB8AC3E}">
-        <p14:creationId xmlns:p14="http://schemas.microsoft.com/office/powerpoint/2010/main" val="2165882091"/>
-      </p:ext>
-    </p:extLst>
   </p:cSld>
   <p:clrMapOvr>
     <a:masterClrMapping/>
@@ -30734,13 +30592,7 @@
       </p:grpSpPr>
       <p:sp>
         <p:nvSpPr>
-          <p:cNvPr id="2" name="Title 1">
-            <a:extLst>
-              <a:ext uri="{FF2B5EF4-FFF2-40B4-BE49-F238E27FC236}">
-                <a16:creationId xmlns:a16="http://schemas.microsoft.com/office/drawing/2014/main" id="{094A78D8-F6D6-CCCF-B3EA-45FB48F5B781}"/>
-              </a:ext>
-            </a:extLst>
-          </p:cNvPr>
+          <p:cNvPr id="2" name="Title 1"/>
           <p:cNvSpPr>
             <a:spLocks noGrp="1"/>
           </p:cNvSpPr>
@@ -30757,18 +30609,13 @@
               <a:rPr lang="en-IN"/>
               <a:t>LESSONS LEARNED</a:t>
             </a:r>
+            <a:endParaRPr lang="en-IN"/>
           </a:p>
         </p:txBody>
       </p:sp>
       <p:sp>
         <p:nvSpPr>
-          <p:cNvPr id="3" name="Content Placeholder 2">
-            <a:extLst>
-              <a:ext uri="{FF2B5EF4-FFF2-40B4-BE49-F238E27FC236}">
-                <a16:creationId xmlns:a16="http://schemas.microsoft.com/office/drawing/2014/main" id="{5F1A2351-2CCD-6ABA-8CFD-67AFC77C3777}"/>
-              </a:ext>
-            </a:extLst>
-          </p:cNvPr>
+          <p:cNvPr id="3" name="Content Placeholder 2"/>
           <p:cNvSpPr>
             <a:spLocks noGrp="1"/>
           </p:cNvSpPr>
@@ -30812,6 +30659,7 @@
               <a:rPr lang="en-US"/>
               <a:t> Review your work before the meeting.</a:t>
             </a:r>
+            <a:endParaRPr lang="en-US"/>
           </a:p>
           <a:p>
             <a:pPr>
@@ -30822,6 +30670,7 @@
               <a:rPr lang="en-US"/>
               <a:t> There is no 'me' in the teamwork.</a:t>
             </a:r>
+            <a:endParaRPr lang="en-US"/>
           </a:p>
           <a:p>
             <a:pPr>
@@ -30832,6 +30681,7 @@
               <a:rPr lang="en-US"/>
               <a:t> Always track your timesheet. </a:t>
             </a:r>
+            <a:endParaRPr lang="en-US"/>
           </a:p>
           <a:p>
             <a:pPr>
@@ -30842,6 +30692,7 @@
               <a:rPr lang="en-US"/>
               <a:t> Keep your work on track with your estimation process. </a:t>
             </a:r>
+            <a:endParaRPr lang="en-US"/>
           </a:p>
           <a:p>
             <a:pPr>
@@ -30852,6 +30703,7 @@
               <a:rPr lang="en-US"/>
               <a:t> Work for 11hours a day.</a:t>
             </a:r>
+            <a:endParaRPr lang="en-US"/>
           </a:p>
           <a:p>
             <a:pPr>
@@ -30862,6 +30714,7 @@
               <a:rPr lang="en-US"/>
               <a:t> Set context before staring your work.</a:t>
             </a:r>
+            <a:endParaRPr lang="en-US"/>
           </a:p>
           <a:p>
             <a:pPr>
@@ -30872,6 +30725,7 @@
               <a:rPr lang="en-US"/>
               <a:t> Listen to every one's sugesstion in the group.</a:t>
             </a:r>
+            <a:endParaRPr lang="en-US"/>
           </a:p>
           <a:p>
             <a:pPr>
@@ -30882,6 +30736,7 @@
               <a:rPr lang="en-US"/>
               <a:t> Learning should be grown and should not be stopped.</a:t>
             </a:r>
+            <a:endParaRPr lang="en-US"/>
           </a:p>
           <a:p>
             <a:pPr>
@@ -30892,6 +30747,7 @@
               <a:rPr lang="en-US"/>
               <a:t> Don't stress and enjoy doing your work.</a:t>
             </a:r>
+            <a:endParaRPr lang="en-US"/>
           </a:p>
           <a:p>
             <a:pPr>
@@ -30980,11 +30836,6 @@
         </p:txBody>
       </p:sp>
     </p:spTree>
-    <p:extLst>
-      <p:ext uri="{BB962C8B-B14F-4D97-AF65-F5344CB8AC3E}">
-        <p14:creationId xmlns:p14="http://schemas.microsoft.com/office/powerpoint/2010/main" val="3587435971"/>
-      </p:ext>
-    </p:extLst>
   </p:cSld>
   <p:clrMapOvr>
     <a:masterClrMapping/>
@@ -31011,13 +30862,7 @@
       </p:grpSpPr>
       <p:sp>
         <p:nvSpPr>
-          <p:cNvPr id="2" name="Title 1">
-            <a:extLst>
-              <a:ext uri="{FF2B5EF4-FFF2-40B4-BE49-F238E27FC236}">
-                <a16:creationId xmlns:a16="http://schemas.microsoft.com/office/drawing/2014/main" id="{7041D91E-3DDB-899E-6D6D-B414A289AF20}"/>
-              </a:ext>
-            </a:extLst>
-          </p:cNvPr>
+          <p:cNvPr id="2" name="Title 1"/>
           <p:cNvSpPr>
             <a:spLocks noGrp="1"/>
           </p:cNvSpPr>
@@ -31034,18 +30879,13 @@
               <a:rPr lang="en-IN"/>
               <a:t>THANK YOU</a:t>
             </a:r>
+            <a:endParaRPr lang="en-IN"/>
           </a:p>
         </p:txBody>
       </p:sp>
       <p:sp>
         <p:nvSpPr>
-          <p:cNvPr id="3" name="TextBox 2">
-            <a:extLst>
-              <a:ext uri="{FF2B5EF4-FFF2-40B4-BE49-F238E27FC236}">
-                <a16:creationId xmlns:a16="http://schemas.microsoft.com/office/drawing/2014/main" id="{5E70A375-FDC8-53CF-5780-DFE06A2E689A}"/>
-              </a:ext>
-            </a:extLst>
-          </p:cNvPr>
+          <p:cNvPr id="3" name="TextBox 2"/>
           <p:cNvSpPr txBox="1"/>
           <p:nvPr/>
         </p:nvSpPr>
@@ -31061,9 +30901,6 @@
         </p:spPr>
         <p:txBody>
           <a:bodyPr rot="0" spcFirstLastPara="0" vertOverflow="overflow" horzOverflow="overflow" vert="horz" wrap="square" lIns="91440" tIns="45720" rIns="91440" bIns="45720" numCol="1" spcCol="0" rtlCol="0" fromWordArt="0" anchor="t" anchorCtr="0" forceAA="0" compatLnSpc="1">
-            <a:prstTxWarp prst="textNoShape">
-              <a:avLst/>
-            </a:prstTxWarp>
             <a:spAutoFit/>
           </a:bodyPr>
           <a:lstStyle/>
@@ -31080,15 +30917,15 @@
               </a:rPr>
               <a:t>Aurora</a:t>
             </a:r>
+            <a:endParaRPr lang="en-US" sz="6600">
+              <a:solidFill>
+                <a:srgbClr val="00B0F0"/>
+              </a:solidFill>
+            </a:endParaRPr>
           </a:p>
         </p:txBody>
       </p:sp>
     </p:spTree>
-    <p:extLst>
-      <p:ext uri="{BB962C8B-B14F-4D97-AF65-F5344CB8AC3E}">
-        <p14:creationId xmlns:p14="http://schemas.microsoft.com/office/powerpoint/2010/main" val="3363111261"/>
-      </p:ext>
-    </p:extLst>
   </p:cSld>
   <p:clrMapOvr>
     <a:masterClrMapping/>
@@ -31115,13 +30952,7 @@
       </p:grpSpPr>
       <p:sp>
         <p:nvSpPr>
-          <p:cNvPr id="2" name="Title 1">
-            <a:extLst>
-              <a:ext uri="{FF2B5EF4-FFF2-40B4-BE49-F238E27FC236}">
-                <a16:creationId xmlns:a16="http://schemas.microsoft.com/office/drawing/2014/main" id="{32ACE755-728B-5AAD-C318-8C2E353A2A88}"/>
-              </a:ext>
-            </a:extLst>
-          </p:cNvPr>
+          <p:cNvPr id="2" name="Title 1"/>
           <p:cNvSpPr>
             <a:spLocks noGrp="1"/>
           </p:cNvSpPr>
@@ -31138,18 +30969,13 @@
               <a:rPr lang="en-IN"/>
               <a:t>Team MEMBERS</a:t>
             </a:r>
+            <a:endParaRPr lang="en-IN"/>
           </a:p>
         </p:txBody>
       </p:sp>
       <p:sp>
         <p:nvSpPr>
-          <p:cNvPr id="3" name="Content Placeholder 2">
-            <a:extLst>
-              <a:ext uri="{FF2B5EF4-FFF2-40B4-BE49-F238E27FC236}">
-                <a16:creationId xmlns:a16="http://schemas.microsoft.com/office/drawing/2014/main" id="{72E178D4-50E1-EE83-7AFF-FE33D0D6C607}"/>
-              </a:ext>
-            </a:extLst>
-          </p:cNvPr>
+          <p:cNvPr id="3" name="Content Placeholder 2"/>
           <p:cNvSpPr>
             <a:spLocks noGrp="1"/>
           </p:cNvSpPr>
@@ -31193,6 +31019,11 @@
               </a:rPr>
               <a:t>R</a:t>
             </a:r>
+            <a:endParaRPr lang="en-IN">
+              <a:solidFill>
+                <a:schemeClr val="accent1"/>
+              </a:solidFill>
+            </a:endParaRPr>
           </a:p>
           <a:p>
             <a:pPr>
@@ -31211,6 +31042,11 @@
               </a:rPr>
               <a:t>R</a:t>
             </a:r>
+            <a:endParaRPr lang="en-IN">
+              <a:solidFill>
+                <a:schemeClr val="accent1"/>
+              </a:solidFill>
+            </a:endParaRPr>
           </a:p>
           <a:p>
             <a:pPr>
@@ -31229,6 +31065,11 @@
               </a:rPr>
               <a:t>V</a:t>
             </a:r>
+            <a:endParaRPr lang="en-IN">
+              <a:solidFill>
+                <a:schemeClr val="accent1"/>
+              </a:solidFill>
+            </a:endParaRPr>
           </a:p>
           <a:p>
             <a:pPr>
@@ -31247,6 +31088,11 @@
               </a:rPr>
               <a:t>S</a:t>
             </a:r>
+            <a:endParaRPr lang="en-IN">
+              <a:solidFill>
+                <a:schemeClr val="accent1"/>
+              </a:solidFill>
+            </a:endParaRPr>
           </a:p>
           <a:p>
             <a:pPr>
@@ -31265,6 +31111,11 @@
               </a:rPr>
               <a:t>U</a:t>
             </a:r>
+            <a:endParaRPr lang="en-IN">
+              <a:solidFill>
+                <a:schemeClr val="accent1"/>
+              </a:solidFill>
+            </a:endParaRPr>
           </a:p>
           <a:p>
             <a:pPr>
@@ -31275,18 +31126,13 @@
               <a:rPr lang="en-IN"/>
               <a:t> Project Duration in Days : 40</a:t>
             </a:r>
+            <a:endParaRPr lang="en-IN"/>
           </a:p>
         </p:txBody>
       </p:sp>
       <p:sp>
         <p:nvSpPr>
-          <p:cNvPr id="4" name="TextBox 3">
-            <a:extLst>
-              <a:ext uri="{FF2B5EF4-FFF2-40B4-BE49-F238E27FC236}">
-                <a16:creationId xmlns:a16="http://schemas.microsoft.com/office/drawing/2014/main" id="{66467671-585C-BC19-9A54-5E7E8159CE65}"/>
-              </a:ext>
-            </a:extLst>
-          </p:cNvPr>
+          <p:cNvPr id="4" name="TextBox 3"/>
           <p:cNvSpPr txBox="1"/>
           <p:nvPr/>
         </p:nvSpPr>
@@ -31302,9 +31148,6 @@
         </p:spPr>
         <p:txBody>
           <a:bodyPr rot="0" spcFirstLastPara="0" vertOverflow="overflow" horzOverflow="overflow" vert="horz" wrap="square" lIns="91440" tIns="45720" rIns="91440" bIns="45720" numCol="1" spcCol="0" rtlCol="0" fromWordArt="0" anchor="t" anchorCtr="0" forceAA="0" compatLnSpc="1">
-            <a:prstTxWarp prst="textNoShape">
-              <a:avLst/>
-            </a:prstTxWarp>
             <a:spAutoFit/>
           </a:bodyPr>
           <a:lstStyle/>
@@ -31313,7 +31156,7 @@
               <a:lnSpc>
                 <a:spcPct val="150000"/>
               </a:lnSpc>
-              <a:buFont typeface="Wingdings"/>
+              <a:buFont typeface="Wingdings" panose="05000000000000000000"/>
               <a:buChar char="v"/>
             </a:pPr>
             <a:r>
@@ -31347,7 +31190,7 @@
               <a:lnSpc>
                 <a:spcPct val="150000"/>
               </a:lnSpc>
-              <a:buFont typeface="Wingdings"/>
+              <a:buFont typeface="Wingdings" panose="05000000000000000000"/>
               <a:buChar char="v"/>
             </a:pPr>
             <a:r>
@@ -31370,13 +31213,18 @@
               </a:rPr>
               <a:t> S</a:t>
             </a:r>
+            <a:endParaRPr lang="en-US" sz="2200">
+              <a:solidFill>
+                <a:srgbClr val="00B0F0"/>
+              </a:solidFill>
+            </a:endParaRPr>
           </a:p>
           <a:p>
             <a:pPr marL="285750" indent="-285750">
               <a:lnSpc>
                 <a:spcPct val="150000"/>
               </a:lnSpc>
-              <a:buFont typeface="Wingdings"/>
+              <a:buFont typeface="Wingdings" panose="05000000000000000000"/>
               <a:buChar char="v"/>
             </a:pPr>
             <a:r>
@@ -31399,13 +31247,18 @@
               </a:rPr>
               <a:t> M</a:t>
             </a:r>
+            <a:endParaRPr lang="en-US" sz="2200">
+              <a:solidFill>
+                <a:srgbClr val="00B0F0"/>
+              </a:solidFill>
+            </a:endParaRPr>
           </a:p>
           <a:p>
             <a:pPr marL="285750" indent="-285750">
               <a:lnSpc>
                 <a:spcPct val="150000"/>
               </a:lnSpc>
-              <a:buFont typeface="Wingdings"/>
+              <a:buFont typeface="Wingdings" panose="05000000000000000000"/>
               <a:buChar char="v"/>
             </a:pPr>
             <a:r>
@@ -31443,15 +31296,15 @@
               </a:rPr>
               <a:t> M</a:t>
             </a:r>
+            <a:endParaRPr lang="en-US" sz="2200">
+              <a:solidFill>
+                <a:srgbClr val="00B0F0"/>
+              </a:solidFill>
+            </a:endParaRPr>
           </a:p>
         </p:txBody>
       </p:sp>
     </p:spTree>
-    <p:extLst>
-      <p:ext uri="{BB962C8B-B14F-4D97-AF65-F5344CB8AC3E}">
-        <p14:creationId xmlns:p14="http://schemas.microsoft.com/office/powerpoint/2010/main" val="2688478848"/>
-      </p:ext>
-    </p:extLst>
   </p:cSld>
   <p:clrMapOvr>
     <a:masterClrMapping/>
@@ -31478,13 +31331,7 @@
       </p:grpSpPr>
       <p:sp>
         <p:nvSpPr>
-          <p:cNvPr id="2" name="Title 1">
-            <a:extLst>
-              <a:ext uri="{FF2B5EF4-FFF2-40B4-BE49-F238E27FC236}">
-                <a16:creationId xmlns:a16="http://schemas.microsoft.com/office/drawing/2014/main" id="{A260B8DC-E1C5-7973-E236-01869A6CD938}"/>
-              </a:ext>
-            </a:extLst>
-          </p:cNvPr>
+          <p:cNvPr id="2" name="Title 1"/>
           <p:cNvSpPr>
             <a:spLocks noGrp="1"/>
           </p:cNvSpPr>
@@ -31501,18 +31348,13 @@
               <a:rPr lang="en-IN"/>
               <a:t>ABOUT THIS APPLICATION	</a:t>
             </a:r>
+            <a:endParaRPr lang="en-IN"/>
           </a:p>
         </p:txBody>
       </p:sp>
       <p:sp>
         <p:nvSpPr>
-          <p:cNvPr id="3" name="Content Placeholder 2">
-            <a:extLst>
-              <a:ext uri="{FF2B5EF4-FFF2-40B4-BE49-F238E27FC236}">
-                <a16:creationId xmlns:a16="http://schemas.microsoft.com/office/drawing/2014/main" id="{B0BFA435-7BB5-0FDA-B8A2-7312FF98F4B2}"/>
-              </a:ext>
-            </a:extLst>
-          </p:cNvPr>
+          <p:cNvPr id="3" name="Content Placeholder 2"/>
           <p:cNvSpPr>
             <a:spLocks noGrp="1"/>
           </p:cNvSpPr>
@@ -31535,6 +31377,7 @@
               <a:rPr lang="en-IN"/>
               <a:t> Aspire Overflow is developed for the users inside our office.</a:t>
             </a:r>
+            <a:endParaRPr lang="en-IN"/>
           </a:p>
           <a:p>
             <a:pPr>
@@ -31545,6 +31388,7 @@
               <a:rPr lang="en-IN"/>
               <a:t> The main purpose of this platform is to post your queries and to write articles, mostly about technologies.</a:t>
             </a:r>
+            <a:endParaRPr lang="en-IN"/>
           </a:p>
           <a:p>
             <a:pPr>
@@ -31555,6 +31399,7 @@
               <a:rPr lang="en-IN"/>
               <a:t> Normal employee of the company will be the users.</a:t>
             </a:r>
+            <a:endParaRPr lang="en-IN"/>
           </a:p>
           <a:p>
             <a:pPr>
@@ -31565,6 +31410,7 @@
               <a:rPr lang="en-IN"/>
               <a:t> Reviewer is an extra privilege given to the users. Reviewer is the one who reviews the articles.</a:t>
             </a:r>
+            <a:endParaRPr lang="en-IN"/>
           </a:p>
           <a:p>
             <a:pPr>
@@ -31575,6 +31421,7 @@
               <a:rPr lang="en-IN"/>
               <a:t> Admin is another user who has the permission to verify the register user and allow the user to access the website.</a:t>
             </a:r>
+            <a:endParaRPr lang="en-IN"/>
           </a:p>
           <a:p>
             <a:pPr marL="0" indent="0">
@@ -31585,11 +31432,6 @@
         </p:txBody>
       </p:sp>
     </p:spTree>
-    <p:extLst>
-      <p:ext uri="{BB962C8B-B14F-4D97-AF65-F5344CB8AC3E}">
-        <p14:creationId xmlns:p14="http://schemas.microsoft.com/office/powerpoint/2010/main" val="55124933"/>
-      </p:ext>
-    </p:extLst>
   </p:cSld>
   <p:clrMapOvr>
     <a:masterClrMapping/>
@@ -31616,13 +31458,7 @@
       </p:grpSpPr>
       <p:sp>
         <p:nvSpPr>
-          <p:cNvPr id="2" name="Title 1">
-            <a:extLst>
-              <a:ext uri="{FF2B5EF4-FFF2-40B4-BE49-F238E27FC236}">
-                <a16:creationId xmlns:a16="http://schemas.microsoft.com/office/drawing/2014/main" id="{29925EE2-7E67-8E04-0928-C6A822CC054F}"/>
-              </a:ext>
-            </a:extLst>
-          </p:cNvPr>
+          <p:cNvPr id="2" name="Title 1"/>
           <p:cNvSpPr>
             <a:spLocks noGrp="1"/>
           </p:cNvSpPr>
@@ -31639,18 +31475,13 @@
               <a:rPr lang="en-IN"/>
               <a:t>EXISTING CHALLENGES in the Existing project.</a:t>
             </a:r>
+            <a:endParaRPr lang="en-IN"/>
           </a:p>
         </p:txBody>
       </p:sp>
       <p:sp>
         <p:nvSpPr>
-          <p:cNvPr id="3" name="Content Placeholder 2">
-            <a:extLst>
-              <a:ext uri="{FF2B5EF4-FFF2-40B4-BE49-F238E27FC236}">
-                <a16:creationId xmlns:a16="http://schemas.microsoft.com/office/drawing/2014/main" id="{FC2EE83D-3E68-0246-6E72-68B4CDCD9019}"/>
-              </a:ext>
-            </a:extLst>
-          </p:cNvPr>
+          <p:cNvPr id="3" name="Content Placeholder 2"/>
           <p:cNvSpPr>
             <a:spLocks noGrp="1"/>
           </p:cNvSpPr>
@@ -31673,6 +31504,7 @@
               <a:rPr lang="en-IN"/>
               <a:t> Knowledge sharing will be very limited.</a:t>
             </a:r>
+            <a:endParaRPr lang="en-IN"/>
           </a:p>
           <a:p>
             <a:pPr>
@@ -31683,6 +31515,7 @@
               <a:rPr lang="en-IN"/>
               <a:t> Learnings about the current technologies will not be up-to-date.</a:t>
             </a:r>
+            <a:endParaRPr lang="en-IN"/>
           </a:p>
           <a:p>
             <a:pPr>
@@ -31693,6 +31526,7 @@
               <a:rPr lang="en-IN"/>
               <a:t> Problems and queries takes very much time to resolve.</a:t>
             </a:r>
+            <a:endParaRPr lang="en-IN"/>
           </a:p>
           <a:p>
             <a:pPr>
@@ -31710,11 +31544,6 @@
         </p:txBody>
       </p:sp>
     </p:spTree>
-    <p:extLst>
-      <p:ext uri="{BB962C8B-B14F-4D97-AF65-F5344CB8AC3E}">
-        <p14:creationId xmlns:p14="http://schemas.microsoft.com/office/powerpoint/2010/main" val="2238010370"/>
-      </p:ext>
-    </p:extLst>
   </p:cSld>
   <p:clrMapOvr>
     <a:masterClrMapping/>
@@ -31741,13 +31570,7 @@
       </p:grpSpPr>
       <p:sp>
         <p:nvSpPr>
-          <p:cNvPr id="2" name="Title 1">
-            <a:extLst>
-              <a:ext uri="{FF2B5EF4-FFF2-40B4-BE49-F238E27FC236}">
-                <a16:creationId xmlns:a16="http://schemas.microsoft.com/office/drawing/2014/main" id="{F8958DDC-3FB2-1E52-6CBB-472269ACC0FC}"/>
-              </a:ext>
-            </a:extLst>
-          </p:cNvPr>
+          <p:cNvPr id="2" name="Title 1"/>
           <p:cNvSpPr>
             <a:spLocks noGrp="1"/>
           </p:cNvSpPr>
@@ -31764,18 +31587,13 @@
               <a:rPr lang="en-IN"/>
               <a:t>SOLUTION and ARCHITECTURE</a:t>
             </a:r>
+            <a:endParaRPr lang="en-IN"/>
           </a:p>
         </p:txBody>
       </p:sp>
       <p:sp>
         <p:nvSpPr>
-          <p:cNvPr id="3" name="Content Placeholder 2">
-            <a:extLst>
-              <a:ext uri="{FF2B5EF4-FFF2-40B4-BE49-F238E27FC236}">
-                <a16:creationId xmlns:a16="http://schemas.microsoft.com/office/drawing/2014/main" id="{5EE8EA71-4A04-7196-092F-0E6B6FEEC877}"/>
-              </a:ext>
-            </a:extLst>
-          </p:cNvPr>
+          <p:cNvPr id="3" name="Content Placeholder 2"/>
           <p:cNvSpPr>
             <a:spLocks noGrp="1"/>
           </p:cNvSpPr>
@@ -31809,6 +31627,7 @@
               <a:rPr lang="en-IN"/>
               <a:t> Posting the queries that you have problem with solving.</a:t>
             </a:r>
+            <a:endParaRPr lang="en-IN"/>
           </a:p>
           <a:p>
             <a:pPr>
@@ -31819,6 +31638,7 @@
               <a:rPr lang="en-IN"/>
               <a:t> Answering the queries that you have knowledge of.</a:t>
             </a:r>
+            <a:endParaRPr lang="en-IN"/>
           </a:p>
           <a:p>
             <a:pPr>
@@ -31837,11 +31657,6 @@
         </p:txBody>
       </p:sp>
     </p:spTree>
-    <p:extLst>
-      <p:ext uri="{BB962C8B-B14F-4D97-AF65-F5344CB8AC3E}">
-        <p14:creationId xmlns:p14="http://schemas.microsoft.com/office/powerpoint/2010/main" val="3440127582"/>
-      </p:ext>
-    </p:extLst>
   </p:cSld>
   <p:clrMapOvr>
     <a:masterClrMapping/>
@@ -31868,13 +31683,7 @@
       </p:grpSpPr>
       <p:pic>
         <p:nvPicPr>
-          <p:cNvPr id="5" name="Picture 5" descr="Diagram&#10;&#10;Description automatically generated">
-            <a:extLst>
-              <a:ext uri="{FF2B5EF4-FFF2-40B4-BE49-F238E27FC236}">
-                <a16:creationId xmlns:a16="http://schemas.microsoft.com/office/drawing/2014/main" id="{C978B646-166D-4A91-70BB-831C4C31732E}"/>
-              </a:ext>
-            </a:extLst>
-          </p:cNvPr>
+          <p:cNvPr id="5" name="Picture 5" descr="Diagram&#10;&#10;Description automatically generated"/>
           <p:cNvPicPr>
             <a:picLocks noGrp="1" noChangeAspect="1"/>
           </p:cNvPicPr>
@@ -31883,7 +31692,7 @@
           </p:nvPr>
         </p:nvPicPr>
         <p:blipFill>
-          <a:blip r:embed="rId2"/>
+          <a:blip r:embed="rId1"/>
           <a:stretch>
             <a:fillRect/>
           </a:stretch>
@@ -31896,11 +31705,6 @@
         </p:spPr>
       </p:pic>
     </p:spTree>
-    <p:extLst>
-      <p:ext uri="{BB962C8B-B14F-4D97-AF65-F5344CB8AC3E}">
-        <p14:creationId xmlns:p14="http://schemas.microsoft.com/office/powerpoint/2010/main" val="3869471433"/>
-      </p:ext>
-    </p:extLst>
   </p:cSld>
   <p:clrMapOvr>
     <a:masterClrMapping/>
@@ -31927,13 +31731,7 @@
       </p:grpSpPr>
       <p:sp>
         <p:nvSpPr>
-          <p:cNvPr id="2" name="Title 1">
-            <a:extLst>
-              <a:ext uri="{FF2B5EF4-FFF2-40B4-BE49-F238E27FC236}">
-                <a16:creationId xmlns:a16="http://schemas.microsoft.com/office/drawing/2014/main" id="{F8958DDC-3FB2-1E52-6CBB-472269ACC0FC}"/>
-              </a:ext>
-            </a:extLst>
-          </p:cNvPr>
+          <p:cNvPr id="2" name="Title 1"/>
           <p:cNvSpPr>
             <a:spLocks noGrp="1"/>
           </p:cNvSpPr>
@@ -31950,18 +31748,13 @@
               <a:rPr lang="en-IN"/>
               <a:t>EXECUTION JOURNEY</a:t>
             </a:r>
+            <a:endParaRPr lang="en-IN"/>
           </a:p>
         </p:txBody>
       </p:sp>
       <p:sp>
         <p:nvSpPr>
-          <p:cNvPr id="3" name="Content Placeholder 2">
-            <a:extLst>
-              <a:ext uri="{FF2B5EF4-FFF2-40B4-BE49-F238E27FC236}">
-                <a16:creationId xmlns:a16="http://schemas.microsoft.com/office/drawing/2014/main" id="{5EE8EA71-4A04-7196-092F-0E6B6FEEC877}"/>
-              </a:ext>
-            </a:extLst>
-          </p:cNvPr>
+          <p:cNvPr id="3" name="Content Placeholder 2"/>
           <p:cNvSpPr>
             <a:spLocks noGrp="1"/>
           </p:cNvSpPr>
@@ -32015,6 +31808,7 @@
               <a:rPr lang="en-IN"/>
               <a:t> Functional and Non-Functional Requirements</a:t>
             </a:r>
+            <a:endParaRPr lang="en-IN"/>
           </a:p>
           <a:p>
             <a:pPr>
@@ -32025,6 +31819,7 @@
               <a:rPr lang="en-IN"/>
               <a:t> Wireframe</a:t>
             </a:r>
+            <a:endParaRPr lang="en-IN"/>
           </a:p>
           <a:p>
             <a:pPr>
@@ -32055,6 +31850,10 @@
               </a:rPr>
               <a:t> High Level Design</a:t>
             </a:r>
+            <a:endParaRPr lang="en-US">
+              <a:ea typeface="+mn-lt"/>
+              <a:cs typeface="+mn-lt"/>
+            </a:endParaRPr>
           </a:p>
           <a:p>
             <a:pPr>
@@ -32072,6 +31871,10 @@
               </a:rPr>
               <a:t>Low Level Design</a:t>
             </a:r>
+            <a:endParaRPr lang="en-US">
+              <a:ea typeface="+mn-lt"/>
+              <a:cs typeface="+mn-lt"/>
+            </a:endParaRPr>
           </a:p>
           <a:p>
             <a:pPr>
@@ -32082,6 +31885,7 @@
               <a:rPr lang="en-IN"/>
               <a:t> HTML Template</a:t>
             </a:r>
+            <a:endParaRPr lang="en-IN"/>
           </a:p>
           <a:p>
             <a:pPr>
@@ -32092,6 +31896,7 @@
               <a:rPr lang="en-IN"/>
               <a:t> Angular Components</a:t>
             </a:r>
+            <a:endParaRPr lang="en-IN"/>
           </a:p>
           <a:p>
             <a:pPr>
@@ -32102,6 +31907,7 @@
               <a:rPr lang="en-IN"/>
               <a:t> Estimation Calculation</a:t>
             </a:r>
+            <a:endParaRPr lang="en-IN"/>
           </a:p>
           <a:p>
             <a:pPr>
@@ -32112,6 +31918,7 @@
               <a:rPr lang="en-IN"/>
               <a:t> Web Api</a:t>
             </a:r>
+            <a:endParaRPr lang="en-IN"/>
           </a:p>
           <a:p>
             <a:pPr>
@@ -32122,6 +31929,7 @@
               <a:rPr lang="en-IN"/>
               <a:t> Integration</a:t>
             </a:r>
+            <a:endParaRPr lang="en-IN"/>
           </a:p>
           <a:p>
             <a:pPr>
@@ -32140,13 +31948,7 @@
       </p:sp>
       <p:sp>
         <p:nvSpPr>
-          <p:cNvPr id="4" name="TextBox 3">
-            <a:extLst>
-              <a:ext uri="{FF2B5EF4-FFF2-40B4-BE49-F238E27FC236}">
-                <a16:creationId xmlns:a16="http://schemas.microsoft.com/office/drawing/2014/main" id="{EC70883E-73B2-4A22-FDC2-10224B2181ED}"/>
-              </a:ext>
-            </a:extLst>
-          </p:cNvPr>
+          <p:cNvPr id="4" name="TextBox 3"/>
           <p:cNvSpPr txBox="1"/>
           <p:nvPr/>
         </p:nvSpPr>
@@ -32162,9 +31964,6 @@
         </p:spPr>
         <p:txBody>
           <a:bodyPr rot="0" spcFirstLastPara="0" vertOverflow="overflow" horzOverflow="overflow" vert="horz" wrap="square" lIns="91440" tIns="45720" rIns="91440" bIns="45720" numCol="1" spcCol="0" rtlCol="0" fromWordArt="0" anchor="t" anchorCtr="0" forceAA="0" compatLnSpc="1">
-            <a:prstTxWarp prst="textNoShape">
-              <a:avLst/>
-            </a:prstTxWarp>
             <a:spAutoFit/>
           </a:bodyPr>
           <a:lstStyle/>
@@ -32204,6 +32003,10 @@
               </a:rPr>
               <a:t>nit Testing</a:t>
             </a:r>
+            <a:endParaRPr lang="en-IN" sz="1700">
+              <a:ea typeface="+mn-lt"/>
+              <a:cs typeface="+mn-lt"/>
+            </a:endParaRPr>
           </a:p>
           <a:p>
             <a:pPr marL="285750" indent="-285750">
@@ -32236,6 +32039,10 @@
               </a:rPr>
               <a:t>Set-up Documentation</a:t>
             </a:r>
+            <a:endParaRPr lang="en-IN" sz="1700">
+              <a:ea typeface="+mn-lt"/>
+              <a:cs typeface="+mn-lt"/>
+            </a:endParaRPr>
           </a:p>
           <a:p>
             <a:pPr marL="285750" indent="-285750">
@@ -32275,7 +32082,7 @@
               <a:lnSpc>
                 <a:spcPct val="150000"/>
               </a:lnSpc>
-              <a:buFont typeface="Wingdings"/>
+              <a:buFont typeface="Wingdings" panose="05000000000000000000"/>
               <a:buChar char="v"/>
             </a:pPr>
             <a:r>
@@ -32295,13 +32102,17 @@
               </a:rPr>
               <a:t>SonarQube</a:t>
             </a:r>
+            <a:endParaRPr lang="en-US" sz="1700">
+              <a:ea typeface="+mn-lt"/>
+              <a:cs typeface="+mn-lt"/>
+            </a:endParaRPr>
           </a:p>
           <a:p>
             <a:pPr marL="285750" indent="-285750">
               <a:lnSpc>
                 <a:spcPct val="150000"/>
               </a:lnSpc>
-              <a:buFont typeface="Wingdings"/>
+              <a:buFont typeface="Wingdings" panose="05000000000000000000"/>
               <a:buChar char="v"/>
             </a:pPr>
             <a:r>
@@ -32328,7 +32139,7 @@
               <a:lnSpc>
                 <a:spcPct val="150000"/>
               </a:lnSpc>
-              <a:buFont typeface="Wingdings"/>
+              <a:buFont typeface="Wingdings" panose="05000000000000000000"/>
               <a:buChar char="v"/>
             </a:pPr>
             <a:r>
@@ -32355,7 +32166,7 @@
               <a:lnSpc>
                 <a:spcPct val="150000"/>
               </a:lnSpc>
-              <a:buFont typeface="Wingdings"/>
+              <a:buFont typeface="Wingdings" panose="05000000000000000000"/>
               <a:buChar char="v"/>
             </a:pPr>
             <a:r>
@@ -32382,7 +32193,7 @@
               <a:lnSpc>
                 <a:spcPct val="150000"/>
               </a:lnSpc>
-              <a:buFont typeface="Wingdings"/>
+              <a:buFont typeface="Wingdings" panose="05000000000000000000"/>
               <a:buChar char="v"/>
             </a:pPr>
             <a:r>
@@ -32409,7 +32220,7 @@
               <a:lnSpc>
                 <a:spcPct val="150000"/>
               </a:lnSpc>
-              <a:buFont typeface="Wingdings"/>
+              <a:buFont typeface="Wingdings" panose="05000000000000000000"/>
               <a:buChar char="v"/>
             </a:pPr>
             <a:r>
@@ -32441,7 +32252,7 @@
           </a:p>
           <a:p>
             <a:pPr marL="285750" indent="-285750">
-              <a:buFont typeface="Wingdings"/>
+              <a:buFont typeface="Wingdings" panose="05000000000000000000"/>
               <a:buChar char="v"/>
             </a:pPr>
             <a:endParaRPr lang="en-US" sz="1700"/>
@@ -32449,11 +32260,6 @@
         </p:txBody>
       </p:sp>
     </p:spTree>
-    <p:extLst>
-      <p:ext uri="{BB962C8B-B14F-4D97-AF65-F5344CB8AC3E}">
-        <p14:creationId xmlns:p14="http://schemas.microsoft.com/office/powerpoint/2010/main" val="3862828603"/>
-      </p:ext>
-    </p:extLst>
   </p:cSld>
   <p:clrMapOvr>
     <a:masterClrMapping/>
@@ -32480,13 +32286,7 @@
       </p:grpSpPr>
       <p:sp>
         <p:nvSpPr>
-          <p:cNvPr id="2" name="Title 1">
-            <a:extLst>
-              <a:ext uri="{FF2B5EF4-FFF2-40B4-BE49-F238E27FC236}">
-                <a16:creationId xmlns:a16="http://schemas.microsoft.com/office/drawing/2014/main" id="{ED0B6F54-9F1B-50D0-BCE0-04A244CBFB0B}"/>
-              </a:ext>
-            </a:extLst>
-          </p:cNvPr>
+          <p:cNvPr id="2" name="Title 1"/>
           <p:cNvSpPr>
             <a:spLocks noGrp="1"/>
           </p:cNvSpPr>
@@ -32503,33 +32303,23 @@
               <a:rPr lang="en-IN"/>
               <a:t>Artifacts</a:t>
             </a:r>
+            <a:endParaRPr lang="en-IN"/>
           </a:p>
         </p:txBody>
       </p:sp>
       <p:graphicFrame>
         <p:nvGraphicFramePr>
-          <p:cNvPr id="4" name="Table 4">
-            <a:extLst>
-              <a:ext uri="{FF2B5EF4-FFF2-40B4-BE49-F238E27FC236}">
-                <a16:creationId xmlns:a16="http://schemas.microsoft.com/office/drawing/2014/main" id="{EA882DB7-229F-BA10-54FC-42B8673824C1}"/>
-              </a:ext>
-            </a:extLst>
-          </p:cNvPr>
+          <p:cNvPr id="4" name="Table 4"/>
           <p:cNvGraphicFramePr>
             <a:graphicFrameLocks noGrp="1"/>
           </p:cNvGraphicFramePr>
           <p:nvPr>
             <p:ph idx="1"/>
-            <p:extLst>
-              <p:ext uri="{D42A27DB-BD31-4B8C-83A1-F6EECF244321}">
-                <p14:modId xmlns:p14="http://schemas.microsoft.com/office/powerpoint/2010/main" val="1131364157"/>
-              </p:ext>
-            </p:extLst>
           </p:nvPr>
         </p:nvGraphicFramePr>
         <p:xfrm>
-          <a:off x="1023938" y="2286000"/>
-          <a:ext cx="9720262" cy="3337560"/>
+          <a:off x="1024255" y="2289175"/>
+          <a:ext cx="9719945" cy="4142105"/>
         </p:xfrm>
         <a:graphic>
           <a:graphicData uri="http://schemas.openxmlformats.org/drawingml/2006/table">
@@ -32538,22 +32328,10 @@
                 <a:tableStyleId>{5C22544A-7EE6-4342-B048-85BDC9FD1C3A}</a:tableStyleId>
               </a:tblPr>
               <a:tblGrid>
-                <a:gridCol w="4860131">
-                  <a:extLst>
-                    <a:ext uri="{9D8B030D-6E8A-4147-A177-3AD203B41FA5}">
-                      <a16:colId xmlns:a16="http://schemas.microsoft.com/office/drawing/2014/main" val="2923587592"/>
-                    </a:ext>
-                  </a:extLst>
-                </a:gridCol>
-                <a:gridCol w="4860131">
-                  <a:extLst>
-                    <a:ext uri="{9D8B030D-6E8A-4147-A177-3AD203B41FA5}">
-                      <a16:colId xmlns:a16="http://schemas.microsoft.com/office/drawing/2014/main" val="756473311"/>
-                    </a:ext>
-                  </a:extLst>
-                </a:gridCol>
+                <a:gridCol w="4860290"/>
+                <a:gridCol w="4859655"/>
               </a:tblGrid>
-              <a:tr h="370840">
+              <a:tr h="370205">
                 <a:tc>
                   <a:txBody>
                     <a:bodyPr/>
@@ -32563,6 +32341,7 @@
                         <a:rPr lang="en-IN"/>
                         <a:t>Areas</a:t>
                       </a:r>
+                      <a:endParaRPr lang="en-IN"/>
                     </a:p>
                   </a:txBody>
                   <a:tcPr/>
@@ -32576,17 +32355,13 @@
                         <a:rPr lang="en-IN"/>
                         <a:t>Link</a:t>
                       </a:r>
+                      <a:endParaRPr lang="en-IN"/>
                     </a:p>
                   </a:txBody>
                   <a:tcPr/>
                 </a:tc>
-                <a:extLst>
-                  <a:ext uri="{0D108BD9-81ED-4DB2-BD59-A6C34878D82A}">
-                    <a16:rowId xmlns:a16="http://schemas.microsoft.com/office/drawing/2014/main" val="2291197956"/>
-                  </a:ext>
-                </a:extLst>
               </a:tr>
-              <a:tr h="370840">
+              <a:tr h="640080">
                 <a:tc>
                   <a:txBody>
                     <a:bodyPr/>
@@ -32596,6 +32371,7 @@
                         <a:rPr lang="en-IN"/>
                         <a:t>Requirement – User Stories, Wireframes, Data Flow</a:t>
                       </a:r>
+                      <a:endParaRPr lang="en-IN"/>
                     </a:p>
                   </a:txBody>
                   <a:tcPr/>
@@ -32607,7 +32383,7 @@
                     <a:p>
                       <a:r>
                         <a:rPr lang="en-IN">
-                          <a:hlinkClick r:id="rId2"/>
+                          <a:hlinkClick r:id="rId1"/>
                         </a:rPr>
                         <a:t>Wireframe and User Stories</a:t>
                       </a:r>
@@ -32616,13 +32392,8 @@
                   </a:txBody>
                   <a:tcPr/>
                 </a:tc>
-                <a:extLst>
-                  <a:ext uri="{0D108BD9-81ED-4DB2-BD59-A6C34878D82A}">
-                    <a16:rowId xmlns:a16="http://schemas.microsoft.com/office/drawing/2014/main" val="1391388041"/>
-                  </a:ext>
-                </a:extLst>
               </a:tr>
-              <a:tr h="370840">
+              <a:tr h="640080">
                 <a:tc>
                   <a:txBody>
                     <a:bodyPr/>
@@ -32632,6 +32403,45 @@
                         <a:rPr lang="en-IN"/>
                         <a:t>Swagger - API</a:t>
                       </a:r>
+                      <a:endParaRPr lang="en-IN"/>
+                    </a:p>
+                  </a:txBody>
+                  <a:tcPr/>
+                </a:tc>
+                <a:tc>
+                  <a:txBody>
+                    <a:bodyPr/>
+                    <a:lstStyle/>
+                    <a:p>
+                      <a:pPr lvl="0">
+                        <a:buNone/>
+                      </a:pPr>
+                      <a:r>
+                        <a:rPr lang="en-IN" sz="1800" b="0" i="0" u="none" strike="noStrike" noProof="0">
+                          <a:latin typeface="Tw Cen MT"/>
+                          <a:hlinkClick r:id="rId2"/>
+                        </a:rPr>
+                        <a:t>http://172.24.210.43/Aspire-API/swagger</a:t>
+                      </a:r>
+                      <a:endParaRPr lang="en-IN" sz="1800" b="0" i="0" u="none" strike="noStrike" noProof="0">
+                        <a:latin typeface="Tw Cen MT"/>
+                      </a:endParaRPr>
+                    </a:p>
+                  </a:txBody>
+                  <a:tcPr/>
+                </a:tc>
+              </a:tr>
+              <a:tr h="640080">
+                <a:tc>
+                  <a:txBody>
+                    <a:bodyPr/>
+                    <a:lstStyle/>
+                    <a:p>
+                      <a:r>
+                        <a:rPr lang="en-IN"/>
+                        <a:t>Data Model – EAR (Entity Attribute Relationship)</a:t>
+                      </a:r>
+                      <a:endParaRPr lang="en-IN"/>
                     </a:p>
                   </a:txBody>
                   <a:tcPr/>
@@ -32649,20 +32459,17 @@
                           <a:latin typeface="Tw Cen MT"/>
                           <a:hlinkClick r:id="rId3"/>
                         </a:rPr>
-                        <a:t>http://172.24.210.43/Aspire-API</a:t>
+                        <a:t>Data Model</a:t>
                       </a:r>
-                      <a:endParaRPr lang="en-US"/>
+                      <a:endParaRPr lang="en-IN" sz="1800" b="0" i="0" u="none" strike="noStrike" noProof="0">
+                        <a:latin typeface="Tw Cen MT"/>
+                      </a:endParaRPr>
                     </a:p>
                   </a:txBody>
                   <a:tcPr/>
                 </a:tc>
-                <a:extLst>
-                  <a:ext uri="{0D108BD9-81ED-4DB2-BD59-A6C34878D82A}">
-                    <a16:rowId xmlns:a16="http://schemas.microsoft.com/office/drawing/2014/main" val="2995886522"/>
-                  </a:ext>
-                </a:extLst>
               </a:tr>
-              <a:tr h="370840">
+              <a:tr h="370205">
                 <a:tc>
                   <a:txBody>
                     <a:bodyPr/>
@@ -32670,8 +32477,9 @@
                     <a:p>
                       <a:r>
                         <a:rPr lang="en-IN"/>
-                        <a:t>Data Model – EAR (Entity Attribute Relationship)</a:t>
+                        <a:t>Test Scenarios</a:t>
                       </a:r>
+                      <a:endParaRPr lang="en-IN"/>
                     </a:p>
                   </a:txBody>
                   <a:tcPr/>
@@ -32689,7 +32497,7 @@
                           <a:latin typeface="Tw Cen MT"/>
                           <a:hlinkClick r:id="rId4"/>
                         </a:rPr>
-                        <a:t>Data Model</a:t>
+                        <a:t>Test Secarios</a:t>
                       </a:r>
                       <a:endParaRPr lang="en-IN" sz="1800" b="0" i="0" u="none" strike="noStrike" noProof="0">
                         <a:latin typeface="Tw Cen MT"/>
@@ -32698,13 +32506,8 @@
                   </a:txBody>
                   <a:tcPr/>
                 </a:tc>
-                <a:extLst>
-                  <a:ext uri="{0D108BD9-81ED-4DB2-BD59-A6C34878D82A}">
-                    <a16:rowId xmlns:a16="http://schemas.microsoft.com/office/drawing/2014/main" val="2356865371"/>
-                  </a:ext>
-                </a:extLst>
               </a:tr>
-              <a:tr h="370840">
+              <a:tr h="370205">
                 <a:tc>
                   <a:txBody>
                     <a:bodyPr/>
@@ -32712,8 +32515,9 @@
                     <a:p>
                       <a:r>
                         <a:rPr lang="en-IN"/>
-                        <a:t>Test Scenarios</a:t>
+                        <a:t>Sequence Diagrams</a:t>
                       </a:r>
+                      <a:endParaRPr lang="en-IN"/>
                     </a:p>
                   </a:txBody>
                   <a:tcPr/>
@@ -32723,30 +32527,27 @@
                     <a:bodyPr/>
                     <a:lstStyle/>
                     <a:p>
-                      <a:pPr lvl="0">
-                        <a:buNone/>
-                      </a:pPr>
                       <a:r>
-                        <a:rPr lang="en-IN" sz="1800" b="0" i="0" u="none" strike="noStrike" noProof="0">
-                          <a:latin typeface="Tw Cen MT"/>
+                        <a:rPr lang="en-IN">
                           <a:hlinkClick r:id="rId5"/>
                         </a:rPr>
-                        <a:t>Test Secarios</a:t>
+                        <a:t>Sequence </a:t>
                       </a:r>
-                      <a:endParaRPr lang="en-IN" sz="1800" b="0" i="0" u="none" strike="noStrike" noProof="0">
-                        <a:latin typeface="Tw Cen MT"/>
+                      <a:r>
+                        <a:rPr lang="en-IN" err="1">
+                          <a:hlinkClick r:id="rId5"/>
+                        </a:rPr>
+                        <a:t>Diagarm</a:t>
+                      </a:r>
+                      <a:endParaRPr lang="en-IN" err="1">
+                        <a:hlinkClick r:id="rId5"/>
                       </a:endParaRPr>
                     </a:p>
                   </a:txBody>
                   <a:tcPr/>
                 </a:tc>
-                <a:extLst>
-                  <a:ext uri="{0D108BD9-81ED-4DB2-BD59-A6C34878D82A}">
-                    <a16:rowId xmlns:a16="http://schemas.microsoft.com/office/drawing/2014/main" val="2939039858"/>
-                  </a:ext>
-                </a:extLst>
               </a:tr>
-              <a:tr h="370840">
+              <a:tr h="370205">
                 <a:tc>
                   <a:txBody>
                     <a:bodyPr/>
@@ -32754,8 +32555,9 @@
                     <a:p>
                       <a:r>
                         <a:rPr lang="en-IN"/>
-                        <a:t>Sequence Diagrams</a:t>
+                        <a:t>Defect Logs</a:t>
                       </a:r>
+                      <a:endParaRPr lang="en-IN"/>
                     </a:p>
                   </a:txBody>
                   <a:tcPr/>
@@ -32769,23 +32571,13 @@
                         <a:rPr lang="en-IN">
                           <a:hlinkClick r:id="rId6"/>
                         </a:rPr>
-                        <a:t>Sequence </a:t>
+                        <a:t>Defect Logs</a:t>
                       </a:r>
-                      <a:r>
-                        <a:rPr lang="en-IN" err="1">
-                          <a:hlinkClick r:id="rId6"/>
-                        </a:rPr>
-                        <a:t>Diagarm</a:t>
-                      </a:r>
+                      <a:endParaRPr lang="en-IN"/>
                     </a:p>
                   </a:txBody>
                   <a:tcPr/>
                 </a:tc>
-                <a:extLst>
-                  <a:ext uri="{0D108BD9-81ED-4DB2-BD59-A6C34878D82A}">
-                    <a16:rowId xmlns:a16="http://schemas.microsoft.com/office/drawing/2014/main" val="2026267292"/>
-                  </a:ext>
-                </a:extLst>
               </a:tr>
               <a:tr h="370840">
                 <a:tc>
@@ -32795,8 +32587,39 @@
                     <a:p>
                       <a:r>
                         <a:rPr lang="en-IN"/>
-                        <a:t>Defect Logs</a:t>
+                        <a:t>Code Quality Metrics</a:t>
                       </a:r>
+                      <a:endParaRPr lang="en-IN"/>
+                    </a:p>
+                  </a:txBody>
+                  <a:tcPr/>
+                </a:tc>
+                <a:tc>
+                  <a:txBody>
+                    <a:bodyPr/>
+                    <a:lstStyle/>
+                    <a:p>
+                      <a:r>
+                        <a:rPr lang="en-IN"/>
+                        <a:t>Sonar and Lint reports</a:t>
+                      </a:r>
+                      <a:endParaRPr lang="en-IN"/>
+                    </a:p>
+                  </a:txBody>
+                  <a:tcPr/>
+                </a:tc>
+              </a:tr>
+              <a:tr h="370205">
+                <a:tc>
+                  <a:txBody>
+                    <a:bodyPr/>
+                    <a:lstStyle/>
+                    <a:p>
+                      <a:r>
+                        <a:rPr lang="en-IN"/>
+                        <a:t>Setup Manual</a:t>
+                      </a:r>
+                      <a:endParaRPr lang="en-IN"/>
                     </a:p>
                   </a:txBody>
                   <a:tcPr/>
@@ -32810,75 +32633,6 @@
                         <a:rPr lang="en-IN">
                           <a:hlinkClick r:id="rId7"/>
                         </a:rPr>
-                        <a:t>Defect Logs</a:t>
-                      </a:r>
-                      <a:endParaRPr lang="en-IN"/>
-                    </a:p>
-                  </a:txBody>
-                  <a:tcPr/>
-                </a:tc>
-                <a:extLst>
-                  <a:ext uri="{0D108BD9-81ED-4DB2-BD59-A6C34878D82A}">
-                    <a16:rowId xmlns:a16="http://schemas.microsoft.com/office/drawing/2014/main" val="164923034"/>
-                  </a:ext>
-                </a:extLst>
-              </a:tr>
-              <a:tr h="370840">
-                <a:tc>
-                  <a:txBody>
-                    <a:bodyPr/>
-                    <a:lstStyle/>
-                    <a:p>
-                      <a:r>
-                        <a:rPr lang="en-IN"/>
-                        <a:t>Code Quality Metrics</a:t>
-                      </a:r>
-                    </a:p>
-                  </a:txBody>
-                  <a:tcPr/>
-                </a:tc>
-                <a:tc>
-                  <a:txBody>
-                    <a:bodyPr/>
-                    <a:lstStyle/>
-                    <a:p>
-                      <a:r>
-                        <a:rPr lang="en-IN"/>
-                        <a:t>Sonar and Lint reports</a:t>
-                      </a:r>
-                    </a:p>
-                  </a:txBody>
-                  <a:tcPr/>
-                </a:tc>
-                <a:extLst>
-                  <a:ext uri="{0D108BD9-81ED-4DB2-BD59-A6C34878D82A}">
-                    <a16:rowId xmlns:a16="http://schemas.microsoft.com/office/drawing/2014/main" val="2558600139"/>
-                  </a:ext>
-                </a:extLst>
-              </a:tr>
-              <a:tr h="370840">
-                <a:tc>
-                  <a:txBody>
-                    <a:bodyPr/>
-                    <a:lstStyle/>
-                    <a:p>
-                      <a:r>
-                        <a:rPr lang="en-IN"/>
-                        <a:t>Setup Manual</a:t>
-                      </a:r>
-                    </a:p>
-                  </a:txBody>
-                  <a:tcPr/>
-                </a:tc>
-                <a:tc>
-                  <a:txBody>
-                    <a:bodyPr/>
-                    <a:lstStyle/>
-                    <a:p>
-                      <a:r>
-                        <a:rPr lang="en-IN">
-                          <a:hlinkClick r:id="rId8"/>
-                        </a:rPr>
                         <a:t>Setup Manual</a:t>
                       </a:r>
                       <a:endParaRPr lang="en-IN"/>
@@ -32886,22 +32640,12 @@
                   </a:txBody>
                   <a:tcPr/>
                 </a:tc>
-                <a:extLst>
-                  <a:ext uri="{0D108BD9-81ED-4DB2-BD59-A6C34878D82A}">
-                    <a16:rowId xmlns:a16="http://schemas.microsoft.com/office/drawing/2014/main" val="3209384644"/>
-                  </a:ext>
-                </a:extLst>
               </a:tr>
             </a:tbl>
           </a:graphicData>
         </a:graphic>
       </p:graphicFrame>
     </p:spTree>
-    <p:extLst>
-      <p:ext uri="{BB962C8B-B14F-4D97-AF65-F5344CB8AC3E}">
-        <p14:creationId xmlns:p14="http://schemas.microsoft.com/office/powerpoint/2010/main" val="1804012117"/>
-      </p:ext>
-    </p:extLst>
   </p:cSld>
   <p:clrMapOvr>
     <a:masterClrMapping/>
@@ -32928,13 +32672,7 @@
       </p:grpSpPr>
       <p:sp>
         <p:nvSpPr>
-          <p:cNvPr id="2" name="Title 1">
-            <a:extLst>
-              <a:ext uri="{FF2B5EF4-FFF2-40B4-BE49-F238E27FC236}">
-                <a16:creationId xmlns:a16="http://schemas.microsoft.com/office/drawing/2014/main" id="{4DCB94A0-2A3D-C9A8-6A49-47D3EAA5FD6F}"/>
-              </a:ext>
-            </a:extLst>
-          </p:cNvPr>
+          <p:cNvPr id="2" name="Title 1"/>
           <p:cNvSpPr>
             <a:spLocks noGrp="1"/>
           </p:cNvSpPr>
@@ -32951,18 +32689,13 @@
               <a:rPr lang="en-IN"/>
               <a:t>TECHNOLOGIES , Tools &amp; PLUGINS USED</a:t>
             </a:r>
+            <a:endParaRPr lang="en-IN"/>
           </a:p>
         </p:txBody>
       </p:sp>
       <p:sp>
         <p:nvSpPr>
-          <p:cNvPr id="3" name="Content Placeholder 2">
-            <a:extLst>
-              <a:ext uri="{FF2B5EF4-FFF2-40B4-BE49-F238E27FC236}">
-                <a16:creationId xmlns:a16="http://schemas.microsoft.com/office/drawing/2014/main" id="{489A04B4-3DC3-7C89-F7CB-831D200E025A}"/>
-              </a:ext>
-            </a:extLst>
-          </p:cNvPr>
+          <p:cNvPr id="3" name="Content Placeholder 2"/>
           <p:cNvSpPr>
             <a:spLocks noGrp="1"/>
           </p:cNvSpPr>
@@ -32990,6 +32723,7 @@
               <a:rPr lang="en-IN"/>
               <a:t> Dotnet Core 6.0</a:t>
             </a:r>
+            <a:endParaRPr lang="en-IN"/>
           </a:p>
           <a:p>
             <a:pPr>
@@ -33000,6 +32734,7 @@
               <a:rPr lang="en-IN"/>
               <a:t> Angular 13</a:t>
             </a:r>
+            <a:endParaRPr lang="en-IN"/>
           </a:p>
           <a:p>
             <a:pPr>
@@ -33010,6 +32745,7 @@
               <a:rPr lang="en-IN"/>
               <a:t> Visual Studio Code</a:t>
             </a:r>
+            <a:endParaRPr lang="en-IN"/>
           </a:p>
           <a:p>
             <a:pPr>
@@ -33035,6 +32771,7 @@
               <a:rPr lang="en-IN"/>
               <a:t> Angular</a:t>
             </a:r>
+            <a:endParaRPr lang="en-IN"/>
           </a:p>
           <a:p>
             <a:pPr>
@@ -33045,6 +32782,7 @@
               <a:rPr lang="en-IN"/>
               <a:t> SonarQube</a:t>
             </a:r>
+            <a:endParaRPr lang="en-IN"/>
           </a:p>
           <a:p>
             <a:pPr>
@@ -33055,6 +32793,7 @@
               <a:rPr lang="en-IN"/>
               <a:t> SQL Server Management System</a:t>
             </a:r>
+            <a:endParaRPr lang="en-IN"/>
           </a:p>
           <a:p>
             <a:pPr>
@@ -33065,6 +32804,7 @@
               <a:rPr lang="en-IN"/>
               <a:t> JMeter</a:t>
             </a:r>
+            <a:endParaRPr lang="en-IN"/>
           </a:p>
           <a:p>
             <a:pPr>
@@ -33085,13 +32825,7 @@
       </p:sp>
       <p:sp>
         <p:nvSpPr>
-          <p:cNvPr id="4" name="TextBox 3">
-            <a:extLst>
-              <a:ext uri="{FF2B5EF4-FFF2-40B4-BE49-F238E27FC236}">
-                <a16:creationId xmlns:a16="http://schemas.microsoft.com/office/drawing/2014/main" id="{81961ED8-8C53-35C0-BCA6-8C0988D7AF34}"/>
-              </a:ext>
-            </a:extLst>
-          </p:cNvPr>
+          <p:cNvPr id="4" name="TextBox 3"/>
           <p:cNvSpPr txBox="1"/>
           <p:nvPr/>
         </p:nvSpPr>
@@ -33107,15 +32841,12 @@
         </p:spPr>
         <p:txBody>
           <a:bodyPr rot="0" spcFirstLastPara="0" vertOverflow="overflow" horzOverflow="overflow" vert="horz" wrap="square" lIns="91440" tIns="45720" rIns="91440" bIns="45720" numCol="1" spcCol="0" rtlCol="0" fromWordArt="0" anchor="t" anchorCtr="0" forceAA="0" compatLnSpc="1">
-            <a:prstTxWarp prst="textNoShape">
-              <a:avLst/>
-            </a:prstTxWarp>
             <a:spAutoFit/>
           </a:bodyPr>
           <a:lstStyle/>
           <a:p>
             <a:pPr marL="285750" indent="-285750">
-              <a:buFont typeface="Wingdings"/>
+              <a:buFont typeface="Wingdings" panose="05000000000000000000"/>
               <a:buChar char="v"/>
             </a:pPr>
             <a:r>
@@ -33130,10 +32861,11 @@
               <a:rPr lang="en-US"/>
               <a:t>Data Table – JQuery</a:t>
             </a:r>
+            <a:endParaRPr lang="en-US"/>
           </a:p>
           <a:p>
             <a:pPr marL="285750" indent="-285750">
-              <a:buFont typeface="Wingdings"/>
+              <a:buFont typeface="Wingdings" panose="05000000000000000000"/>
               <a:buChar char="v"/>
             </a:pPr>
             <a:r>
@@ -33156,15 +32888,15 @@
               </a:rPr>
               <a:t> </a:t>
             </a:r>
+            <a:endParaRPr lang="en-US" dirty="0">
+              <a:solidFill>
+                <a:schemeClr val="accent1"/>
+              </a:solidFill>
+            </a:endParaRPr>
           </a:p>
         </p:txBody>
       </p:sp>
     </p:spTree>
-    <p:extLst>
-      <p:ext uri="{BB962C8B-B14F-4D97-AF65-F5344CB8AC3E}">
-        <p14:creationId xmlns:p14="http://schemas.microsoft.com/office/powerpoint/2010/main" val="1251030418"/>
-      </p:ext>
-    </p:extLst>
   </p:cSld>
   <p:clrMapOvr>
     <a:masterClrMapping/>
@@ -33215,7 +32947,7 @@
     </a:clrScheme>
     <a:fontScheme name="Integral">
       <a:majorFont>
-        <a:latin typeface="Tw Cen MT Condensed" panose="020B0606020104020203"/>
+        <a:latin typeface="Tw Cen MT Condensed"/>
         <a:ea typeface=""/>
         <a:cs typeface=""/>
         <a:font script="Grek" typeface="Calibri"/>
@@ -33252,7 +32984,7 @@
         <a:font script="Geor" typeface="Sylfaen"/>
       </a:majorFont>
       <a:minorFont>
-        <a:latin typeface="Tw Cen MT" panose="020B0602020104020603"/>
+        <a:latin typeface="Tw Cen MT"/>
         <a:ea typeface=""/>
         <a:cs typeface=""/>
         <a:font script="Grek" typeface="Calibri"/>
@@ -33430,11 +33162,9 @@
       </a:bgFillStyleLst>
     </a:fmtScheme>
   </a:themeElements>
-  <a:objectDefaults/>
-  <a:extraClrSchemeLst/>
   <a:extLst>
     <a:ext uri="{05A4C25C-085E-4340-85A3-A5531E510DB2}">
-      <thm15:themeFamily xmlns:thm15="http://schemas.microsoft.com/office/thememl/2012/main" name="Integral" id="{3577F8C9-A904-41D8-97D2-FD898F53F20E}" vid="{682D6EBE-8D36-4FF2-9DB3-F3D8D7B6715D}"/>
+      <thm15:themeFamily xmlns:thm15="http://schemas.microsoft.com/office/thememl/2012/main" name="Office Theme" id="{62F939B6-93AF-4DB8-9C6B-D6C7DFDC589F}" vid="{4A3C46E8-61CC-4603-A589-7422A47A8E4A}"/>
     </a:ext>
   </a:extLst>
 </a:theme>

--- a/Aurora/Demo/Aurora Demo.pptx
+++ b/Aurora/Demo/Aurora Demo.pptx
@@ -1,23 +1,23 @@
 
 <file path=ppt/presentation.xml><?xml version="1.0" encoding="utf-8"?>
-<p:presentation xmlns:a="http://schemas.openxmlformats.org/drawingml/2006/main" xmlns:r="http://schemas.openxmlformats.org/officeDocument/2006/relationships" xmlns:p="http://schemas.openxmlformats.org/presentationml/2006/main" strictFirstAndLastChars="0" autoCompressPictures="0">
+<p:presentation xmlns:a="http://schemas.openxmlformats.org/drawingml/2006/main" xmlns:r="http://schemas.openxmlformats.org/officeDocument/2006/relationships" xmlns:p="http://schemas.openxmlformats.org/presentationml/2006/main" strictFirstAndLastChars="0" saveSubsetFonts="1" autoCompressPictures="0">
   <p:sldMasterIdLst>
-    <p:sldMasterId id="2147483648" r:id="rId1"/>
+    <p:sldMasterId id="2147483672" r:id="rId1"/>
   </p:sldMasterIdLst>
   <p:sldIdLst>
-    <p:sldId id="256" r:id="rId3"/>
-    <p:sldId id="257" r:id="rId4"/>
-    <p:sldId id="258" r:id="rId5"/>
-    <p:sldId id="259" r:id="rId6"/>
-    <p:sldId id="260" r:id="rId7"/>
-    <p:sldId id="267" r:id="rId8"/>
-    <p:sldId id="261" r:id="rId9"/>
-    <p:sldId id="262" r:id="rId10"/>
-    <p:sldId id="263" r:id="rId11"/>
-    <p:sldId id="264" r:id="rId12"/>
-    <p:sldId id="265" r:id="rId13"/>
-    <p:sldId id="268" r:id="rId14"/>
-    <p:sldId id="266" r:id="rId15"/>
+    <p:sldId id="256" r:id="rId2"/>
+    <p:sldId id="257" r:id="rId3"/>
+    <p:sldId id="258" r:id="rId4"/>
+    <p:sldId id="259" r:id="rId5"/>
+    <p:sldId id="260" r:id="rId6"/>
+    <p:sldId id="267" r:id="rId7"/>
+    <p:sldId id="261" r:id="rId8"/>
+    <p:sldId id="262" r:id="rId9"/>
+    <p:sldId id="263" r:id="rId10"/>
+    <p:sldId id="264" r:id="rId11"/>
+    <p:sldId id="265" r:id="rId12"/>
+    <p:sldId id="268" r:id="rId13"/>
+    <p:sldId id="266" r:id="rId14"/>
   </p:sldIdLst>
   <p:sldSz cx="12192000" cy="6858000"/>
   <p:notesSz cx="6858000" cy="9144000"/>
@@ -119,8 +119,25 @@
 </p:presentation>
 </file>
 
+<file path=ppt/revisionInfo.xml><?xml version="1.0" encoding="utf-8"?>
+<p1510:revInfo xmlns:a="http://schemas.openxmlformats.org/drawingml/2006/main" xmlns:r="http://schemas.openxmlformats.org/officeDocument/2006/relationships" xmlns:p1510="http://schemas.microsoft.com/office/powerpoint/2015/10/main">
+  <p1510:revLst>
+    <p1510:client id="{1FCC13A7-B680-4356-2855-AB94BD635E79}" v="270" dt="2022-07-14T04:19:40.692"/>
+    <p1510:client id="{6E4572D1-C08F-D033-A716-AD2E9F9DD504}" v="691" dt="2022-07-18T06:09:04.362"/>
+    <p1510:client id="{70488FFF-4380-11ED-23B6-F56B6BAA697C}" v="568" dt="2022-07-18T07:10:04.525"/>
+    <p1510:client id="{7E04A547-C460-4A8A-A0B8-30A41E27C305}" v="10" dt="2022-07-18T04:29:26.737"/>
+    <p1510:client id="{877AB700-D69B-894A-43B3-3589E9848A06}" v="108" dt="2022-07-18T02:07:09.943"/>
+    <p1510:client id="{9E5A8A14-A88E-463B-B84E-803F5AA02259}" v="4" dt="2022-07-17T05:57:17.977"/>
+    <p1510:client id="{9F0CD0BB-B1BE-4D27-9727-8E4B3D86EC6B}" v="9" dt="2022-07-17T06:02:12.067"/>
+    <p1510:client id="{BCC069F3-233D-2FC3-19DD-E4DB74F9BC9C}" v="49" dt="2022-07-14T13:30:48.077"/>
+    <p1510:client id="{ED9B5B05-7722-439B-08BC-B0CC3B0E61CD}" v="913" dt="2022-07-14T02:23:02.563"/>
+    <p1510:client id="{F32EE2B6-AB3A-22B1-6321-B4B631868ED2}" v="810" dt="2022-07-13T17:49:24.944"/>
+  </p1510:revLst>
+</p1510:revInfo>
+</file>
+
 <file path=ppt/slideLayouts/slideLayout1.xml><?xml version="1.0" encoding="utf-8"?>
-<p:sldLayout xmlns:a="http://schemas.openxmlformats.org/drawingml/2006/main" xmlns:r="http://schemas.openxmlformats.org/officeDocument/2006/relationships" xmlns:p="http://schemas.openxmlformats.org/presentationml/2006/main" type="title" preserve="1" showMasterSp="0">
+<p:sldLayout xmlns:a="http://schemas.openxmlformats.org/drawingml/2006/main" xmlns:r="http://schemas.openxmlformats.org/officeDocument/2006/relationships" xmlns:p="http://schemas.openxmlformats.org/presentationml/2006/main" showMasterSp="0" type="title" preserve="1">
   <p:cSld name="Title Slide">
     <p:spTree>
       <p:nvGrpSpPr>
@@ -8807,7 +8824,6 @@
               <a:rPr lang="en-US"/>
               <a:t>Click to edit Master title style</a:t>
             </a:r>
-            <a:endParaRPr lang="en-US"/>
           </a:p>
         </p:txBody>
       </p:sp>
@@ -8887,7 +8903,6 @@
               <a:rPr lang="en-US"/>
               <a:t>Click to edit Master subtitle style</a:t>
             </a:r>
-            <a:endParaRPr lang="en-US"/>
           </a:p>
         </p:txBody>
       </p:sp>
@@ -8912,6 +8927,7 @@
           <a:p>
             <a:fld id="{6AD6EE87-EBD5-4F12-A48A-63ACA297AC8F}" type="datetimeFigureOut">
               <a:rPr lang="en-US" dirty="0"/>
+              <a:t>7/18/2022</a:t>
             </a:fld>
             <a:endParaRPr lang="en-US"/>
           </a:p>
@@ -8953,6 +8969,7 @@
           <a:p>
             <a:fld id="{4FAB73BC-B049-4115-A692-8D63A059BFB8}" type="slidenum">
               <a:rPr lang="en-US" dirty="0"/>
+              <a:t>‹#›</a:t>
             </a:fld>
             <a:endParaRPr lang="en-US"/>
           </a:p>
@@ -8996,6 +9013,11 @@
         </p:style>
       </p:cxnSp>
     </p:spTree>
+    <p:extLst>
+      <p:ext uri="{BB962C8B-B14F-4D97-AF65-F5344CB8AC3E}">
+        <p14:creationId xmlns:p14="http://schemas.microsoft.com/office/powerpoint/2010/main" val="1334180439"/>
+      </p:ext>
+    </p:extLst>
   </p:cSld>
   <p:clrMapOvr>
     <a:masterClrMapping/>
@@ -9039,7 +9061,6 @@
               <a:rPr lang="en-US"/>
               <a:t>Click to edit Master title style</a:t>
             </a:r>
-            <a:endParaRPr lang="en-US"/>
           </a:p>
         </p:txBody>
       </p:sp>
@@ -9063,7 +9084,6 @@
               <a:rPr lang="en-US"/>
               <a:t>Click to edit Master text styles</a:t>
             </a:r>
-            <a:endParaRPr lang="en-US"/>
           </a:p>
           <a:p>
             <a:pPr lvl="1"/>
@@ -9071,7 +9091,6 @@
               <a:rPr lang="en-US"/>
               <a:t>Second level</a:t>
             </a:r>
-            <a:endParaRPr lang="en-US"/>
           </a:p>
           <a:p>
             <a:pPr lvl="2"/>
@@ -9079,7 +9098,6 @@
               <a:rPr lang="en-US"/>
               <a:t>Third level</a:t>
             </a:r>
-            <a:endParaRPr lang="en-US"/>
           </a:p>
           <a:p>
             <a:pPr lvl="3"/>
@@ -9087,7 +9105,6 @@
               <a:rPr lang="en-US"/>
               <a:t>Fourth level</a:t>
             </a:r>
-            <a:endParaRPr lang="en-US"/>
           </a:p>
           <a:p>
             <a:pPr lvl="4"/>
@@ -9095,7 +9112,6 @@
               <a:rPr lang="en-US"/>
               <a:t>Fifth level</a:t>
             </a:r>
-            <a:endParaRPr lang="en-US"/>
           </a:p>
         </p:txBody>
       </p:sp>
@@ -9116,6 +9132,7 @@
           <a:p>
             <a:fld id="{4CD73815-2707-4475-8F1A-B873CB631BB4}" type="datetimeFigureOut">
               <a:rPr lang="en-US" dirty="0"/>
+              <a:t>7/18/2022</a:t>
             </a:fld>
             <a:endParaRPr lang="en-US"/>
           </a:p>
@@ -9157,12 +9174,18 @@
           <a:p>
             <a:fld id="{4FAB73BC-B049-4115-A692-8D63A059BFB8}" type="slidenum">
               <a:rPr lang="en-US" dirty="0"/>
+              <a:t>‹#›</a:t>
             </a:fld>
             <a:endParaRPr lang="en-US"/>
           </a:p>
         </p:txBody>
       </p:sp>
     </p:spTree>
+    <p:extLst>
+      <p:ext uri="{BB962C8B-B14F-4D97-AF65-F5344CB8AC3E}">
+        <p14:creationId xmlns:p14="http://schemas.microsoft.com/office/powerpoint/2010/main" val="1237444396"/>
+      </p:ext>
+    </p:extLst>
   </p:cSld>
   <p:clrMapOvr>
     <a:masterClrMapping/>
@@ -9171,7 +9194,7 @@
 </file>
 
 <file path=ppt/slideLayouts/slideLayout11.xml><?xml version="1.0" encoding="utf-8"?>
-<p:sldLayout xmlns:a="http://schemas.openxmlformats.org/drawingml/2006/main" xmlns:r="http://schemas.openxmlformats.org/officeDocument/2006/relationships" xmlns:p="http://schemas.openxmlformats.org/presentationml/2006/main" type="vertTitleAndTx" preserve="1" showMasterSp="0">
+<p:sldLayout xmlns:a="http://schemas.openxmlformats.org/drawingml/2006/main" xmlns:r="http://schemas.openxmlformats.org/officeDocument/2006/relationships" xmlns:p="http://schemas.openxmlformats.org/presentationml/2006/main" showMasterSp="0" type="vertTitleAndTx" preserve="1">
   <p:cSld name="Vertical Title and Text">
     <p:spTree>
       <p:nvGrpSpPr>
@@ -9211,7 +9234,6 @@
               <a:rPr lang="en-US"/>
               <a:t>Click to edit Master title style</a:t>
             </a:r>
-            <a:endParaRPr lang="en-US"/>
           </a:p>
         </p:txBody>
       </p:sp>
@@ -9240,7 +9262,6 @@
               <a:rPr lang="en-US"/>
               <a:t>Click to edit Master text styles</a:t>
             </a:r>
-            <a:endParaRPr lang="en-US"/>
           </a:p>
           <a:p>
             <a:pPr lvl="1"/>
@@ -9248,7 +9269,6 @@
               <a:rPr lang="en-US"/>
               <a:t>Second level</a:t>
             </a:r>
-            <a:endParaRPr lang="en-US"/>
           </a:p>
           <a:p>
             <a:pPr lvl="2"/>
@@ -9256,7 +9276,6 @@
               <a:rPr lang="en-US"/>
               <a:t>Third level</a:t>
             </a:r>
-            <a:endParaRPr lang="en-US"/>
           </a:p>
           <a:p>
             <a:pPr lvl="3"/>
@@ -9264,7 +9283,6 @@
               <a:rPr lang="en-US"/>
               <a:t>Fourth level</a:t>
             </a:r>
-            <a:endParaRPr lang="en-US"/>
           </a:p>
           <a:p>
             <a:pPr lvl="4"/>
@@ -9272,7 +9290,6 @@
               <a:rPr lang="en-US"/>
               <a:t>Fifth level</a:t>
             </a:r>
-            <a:endParaRPr lang="en-US"/>
           </a:p>
         </p:txBody>
       </p:sp>
@@ -9293,6 +9310,7 @@
           <a:p>
             <a:fld id="{2A4AFB99-0EAB-4182-AFF8-E214C82A68F6}" type="datetimeFigureOut">
               <a:rPr lang="en-US" dirty="0"/>
+              <a:t>7/18/2022</a:t>
             </a:fld>
             <a:endParaRPr lang="en-US"/>
           </a:p>
@@ -9334,6 +9352,7 @@
           <a:p>
             <a:fld id="{4FAB73BC-B049-4115-A692-8D63A059BFB8}" type="slidenum">
               <a:rPr lang="en-US" dirty="0"/>
+              <a:t>‹#›</a:t>
             </a:fld>
             <a:endParaRPr lang="en-US"/>
           </a:p>
@@ -9375,6 +9394,11 @@
         </p:style>
       </p:cxnSp>
     </p:spTree>
+    <p:extLst>
+      <p:ext uri="{BB962C8B-B14F-4D97-AF65-F5344CB8AC3E}">
+        <p14:creationId xmlns:p14="http://schemas.microsoft.com/office/powerpoint/2010/main" val="1012876954"/>
+      </p:ext>
+    </p:extLst>
   </p:cSld>
   <p:clrMapOvr>
     <a:masterClrMapping/>
@@ -9418,7 +9442,6 @@
               <a:rPr lang="en-US"/>
               <a:t>Click to edit Master title style</a:t>
             </a:r>
-            <a:endParaRPr lang="en-US"/>
           </a:p>
         </p:txBody>
       </p:sp>
@@ -9442,7 +9465,6 @@
               <a:rPr lang="en-US"/>
               <a:t>Click to edit Master text styles</a:t>
             </a:r>
-            <a:endParaRPr lang="en-US"/>
           </a:p>
           <a:p>
             <a:pPr lvl="1"/>
@@ -9450,7 +9472,6 @@
               <a:rPr lang="en-US"/>
               <a:t>Second level</a:t>
             </a:r>
-            <a:endParaRPr lang="en-US"/>
           </a:p>
           <a:p>
             <a:pPr lvl="2"/>
@@ -9458,7 +9479,6 @@
               <a:rPr lang="en-US"/>
               <a:t>Third level</a:t>
             </a:r>
-            <a:endParaRPr lang="en-US"/>
           </a:p>
           <a:p>
             <a:pPr lvl="3"/>
@@ -9466,7 +9486,6 @@
               <a:rPr lang="en-US"/>
               <a:t>Fourth level</a:t>
             </a:r>
-            <a:endParaRPr lang="en-US"/>
           </a:p>
           <a:p>
             <a:pPr lvl="4"/>
@@ -9474,7 +9493,6 @@
               <a:rPr lang="en-US"/>
               <a:t>Fifth level</a:t>
             </a:r>
-            <a:endParaRPr lang="en-US"/>
           </a:p>
         </p:txBody>
       </p:sp>
@@ -9495,6 +9513,7 @@
           <a:p>
             <a:fld id="{A5D3794B-289A-4A80-97D7-111025398D45}" type="datetimeFigureOut">
               <a:rPr lang="en-US" dirty="0"/>
+              <a:t>7/18/2022</a:t>
             </a:fld>
             <a:endParaRPr lang="en-US"/>
           </a:p>
@@ -9536,12 +9555,18 @@
           <a:p>
             <a:fld id="{4FAB73BC-B049-4115-A692-8D63A059BFB8}" type="slidenum">
               <a:rPr lang="en-US" dirty="0"/>
+              <a:t>‹#›</a:t>
             </a:fld>
             <a:endParaRPr lang="en-US"/>
           </a:p>
         </p:txBody>
       </p:sp>
     </p:spTree>
+    <p:extLst>
+      <p:ext uri="{BB962C8B-B14F-4D97-AF65-F5344CB8AC3E}">
+        <p14:creationId xmlns:p14="http://schemas.microsoft.com/office/powerpoint/2010/main" val="2832869217"/>
+      </p:ext>
+    </p:extLst>
   </p:cSld>
   <p:clrMapOvr>
     <a:masterClrMapping/>
@@ -9550,7 +9575,7 @@
 </file>
 
 <file path=ppt/slideLayouts/slideLayout3.xml><?xml version="1.0" encoding="utf-8"?>
-<p:sldLayout xmlns:a="http://schemas.openxmlformats.org/drawingml/2006/main" xmlns:r="http://schemas.openxmlformats.org/officeDocument/2006/relationships" xmlns:p="http://schemas.openxmlformats.org/presentationml/2006/main" type="secHead" preserve="1" showMasterSp="0">
+<p:sldLayout xmlns:a="http://schemas.openxmlformats.org/drawingml/2006/main" xmlns:r="http://schemas.openxmlformats.org/officeDocument/2006/relationships" xmlns:p="http://schemas.openxmlformats.org/presentationml/2006/main" showMasterSp="0" type="secHead" preserve="1">
   <p:cSld name="Section Header">
     <p:spTree>
       <p:nvGrpSpPr>
@@ -18237,7 +18262,6 @@
               <a:rPr lang="en-US"/>
               <a:t>Click to edit Master title style</a:t>
             </a:r>
-            <a:endParaRPr lang="en-US"/>
           </a:p>
         </p:txBody>
       </p:sp>
@@ -18366,7 +18390,6 @@
               <a:rPr lang="en-US"/>
               <a:t>Click to edit Master text styles</a:t>
             </a:r>
-            <a:endParaRPr lang="en-US"/>
           </a:p>
         </p:txBody>
       </p:sp>
@@ -18387,6 +18410,7 @@
           <a:p>
             <a:fld id="{5A61015F-7CC6-4D0A-9D87-873EA4C304CC}" type="datetimeFigureOut">
               <a:rPr lang="en-US" dirty="0"/>
+              <a:t>7/18/2022</a:t>
             </a:fld>
             <a:endParaRPr lang="en-US"/>
           </a:p>
@@ -18428,6 +18452,7 @@
           <a:p>
             <a:fld id="{4FAB73BC-B049-4115-A692-8D63A059BFB8}" type="slidenum">
               <a:rPr lang="en-US" dirty="0"/>
+              <a:t>‹#›</a:t>
             </a:fld>
             <a:endParaRPr lang="en-US"/>
           </a:p>
@@ -18471,6 +18496,11 @@
         </p:style>
       </p:cxnSp>
     </p:spTree>
+    <p:extLst>
+      <p:ext uri="{BB962C8B-B14F-4D97-AF65-F5344CB8AC3E}">
+        <p14:creationId xmlns:p14="http://schemas.microsoft.com/office/powerpoint/2010/main" val="2016244614"/>
+      </p:ext>
+    </p:extLst>
   </p:cSld>
   <p:clrMapOvr>
     <a:masterClrMapping/>
@@ -18519,7 +18549,6 @@
               <a:rPr lang="en-US"/>
               <a:t>Click to edit Master title style</a:t>
             </a:r>
-            <a:endParaRPr lang="en-US"/>
           </a:p>
         </p:txBody>
       </p:sp>
@@ -18548,7 +18577,6 @@
               <a:rPr lang="en-US"/>
               <a:t>Click to edit Master text styles</a:t>
             </a:r>
-            <a:endParaRPr lang="en-US"/>
           </a:p>
           <a:p>
             <a:pPr lvl="1"/>
@@ -18556,7 +18584,6 @@
               <a:rPr lang="en-US"/>
               <a:t>Second level</a:t>
             </a:r>
-            <a:endParaRPr lang="en-US"/>
           </a:p>
           <a:p>
             <a:pPr lvl="2"/>
@@ -18564,7 +18591,6 @@
               <a:rPr lang="en-US"/>
               <a:t>Third level</a:t>
             </a:r>
-            <a:endParaRPr lang="en-US"/>
           </a:p>
           <a:p>
             <a:pPr lvl="3"/>
@@ -18572,7 +18598,6 @@
               <a:rPr lang="en-US"/>
               <a:t>Fourth level</a:t>
             </a:r>
-            <a:endParaRPr lang="en-US"/>
           </a:p>
           <a:p>
             <a:pPr lvl="4"/>
@@ -18580,7 +18605,6 @@
               <a:rPr lang="en-US"/>
               <a:t>Fifth level</a:t>
             </a:r>
-            <a:endParaRPr lang="en-US"/>
           </a:p>
         </p:txBody>
       </p:sp>
@@ -18609,7 +18633,6 @@
               <a:rPr lang="en-US"/>
               <a:t>Click to edit Master text styles</a:t>
             </a:r>
-            <a:endParaRPr lang="en-US"/>
           </a:p>
           <a:p>
             <a:pPr lvl="1"/>
@@ -18617,7 +18640,6 @@
               <a:rPr lang="en-US"/>
               <a:t>Second level</a:t>
             </a:r>
-            <a:endParaRPr lang="en-US"/>
           </a:p>
           <a:p>
             <a:pPr lvl="2"/>
@@ -18625,7 +18647,6 @@
               <a:rPr lang="en-US"/>
               <a:t>Third level</a:t>
             </a:r>
-            <a:endParaRPr lang="en-US"/>
           </a:p>
           <a:p>
             <a:pPr lvl="3"/>
@@ -18633,7 +18654,6 @@
               <a:rPr lang="en-US"/>
               <a:t>Fourth level</a:t>
             </a:r>
-            <a:endParaRPr lang="en-US"/>
           </a:p>
           <a:p>
             <a:pPr lvl="4"/>
@@ -18641,7 +18661,6 @@
               <a:rPr lang="en-US"/>
               <a:t>Fifth level</a:t>
             </a:r>
-            <a:endParaRPr lang="en-US"/>
           </a:p>
         </p:txBody>
       </p:sp>
@@ -18662,6 +18681,7 @@
           <a:p>
             <a:fld id="{93C6A301-0538-44EC-B09D-202E1042A48B}" type="datetimeFigureOut">
               <a:rPr lang="en-US" dirty="0"/>
+              <a:t>7/18/2022</a:t>
             </a:fld>
             <a:endParaRPr lang="en-US"/>
           </a:p>
@@ -18703,12 +18723,18 @@
           <a:p>
             <a:fld id="{4FAB73BC-B049-4115-A692-8D63A059BFB8}" type="slidenum">
               <a:rPr lang="en-US" dirty="0"/>
+              <a:t>‹#›</a:t>
             </a:fld>
             <a:endParaRPr lang="en-US"/>
           </a:p>
         </p:txBody>
       </p:sp>
     </p:spTree>
+    <p:extLst>
+      <p:ext uri="{BB962C8B-B14F-4D97-AF65-F5344CB8AC3E}">
+        <p14:creationId xmlns:p14="http://schemas.microsoft.com/office/powerpoint/2010/main" val="3919288356"/>
+      </p:ext>
+    </p:extLst>
   </p:cSld>
   <p:clrMapOvr>
     <a:masterClrMapping/>
@@ -18752,7 +18778,6 @@
               <a:rPr lang="en-US"/>
               <a:t>Click to edit Master title style</a:t>
             </a:r>
-            <a:endParaRPr lang="en-US"/>
           </a:p>
         </p:txBody>
       </p:sp>
@@ -18831,7 +18856,6 @@
               <a:rPr lang="en-US"/>
               <a:t>Click to edit Master text styles</a:t>
             </a:r>
-            <a:endParaRPr lang="en-US"/>
           </a:p>
         </p:txBody>
       </p:sp>
@@ -18860,7 +18884,6 @@
               <a:rPr lang="en-US"/>
               <a:t>Click to edit Master text styles</a:t>
             </a:r>
-            <a:endParaRPr lang="en-US"/>
           </a:p>
           <a:p>
             <a:pPr lvl="1"/>
@@ -18868,7 +18891,6 @@
               <a:rPr lang="en-US"/>
               <a:t>Second level</a:t>
             </a:r>
-            <a:endParaRPr lang="en-US"/>
           </a:p>
           <a:p>
             <a:pPr lvl="2"/>
@@ -18876,7 +18898,6 @@
               <a:rPr lang="en-US"/>
               <a:t>Third level</a:t>
             </a:r>
-            <a:endParaRPr lang="en-US"/>
           </a:p>
           <a:p>
             <a:pPr lvl="3"/>
@@ -18884,7 +18905,6 @@
               <a:rPr lang="en-US"/>
               <a:t>Fourth level</a:t>
             </a:r>
-            <a:endParaRPr lang="en-US"/>
           </a:p>
           <a:p>
             <a:pPr lvl="4"/>
@@ -18892,7 +18912,6 @@
               <a:rPr lang="en-US"/>
               <a:t>Fifth level</a:t>
             </a:r>
-            <a:endParaRPr lang="en-US"/>
           </a:p>
         </p:txBody>
       </p:sp>
@@ -18981,7 +19000,6 @@
               <a:rPr lang="en-US"/>
               <a:t>Click to edit Master text styles</a:t>
             </a:r>
-            <a:endParaRPr lang="en-US"/>
           </a:p>
         </p:txBody>
       </p:sp>
@@ -19010,7 +19028,6 @@
               <a:rPr lang="en-US"/>
               <a:t>Click to edit Master text styles</a:t>
             </a:r>
-            <a:endParaRPr lang="en-US"/>
           </a:p>
           <a:p>
             <a:pPr lvl="1"/>
@@ -19018,7 +19035,6 @@
               <a:rPr lang="en-US"/>
               <a:t>Second level</a:t>
             </a:r>
-            <a:endParaRPr lang="en-US"/>
           </a:p>
           <a:p>
             <a:pPr lvl="2"/>
@@ -19026,7 +19042,6 @@
               <a:rPr lang="en-US"/>
               <a:t>Third level</a:t>
             </a:r>
-            <a:endParaRPr lang="en-US"/>
           </a:p>
           <a:p>
             <a:pPr lvl="3"/>
@@ -19034,7 +19049,6 @@
               <a:rPr lang="en-US"/>
               <a:t>Fourth level</a:t>
             </a:r>
-            <a:endParaRPr lang="en-US"/>
           </a:p>
           <a:p>
             <a:pPr lvl="4"/>
@@ -19042,7 +19056,6 @@
               <a:rPr lang="en-US"/>
               <a:t>Fifth level</a:t>
             </a:r>
-            <a:endParaRPr lang="en-US"/>
           </a:p>
         </p:txBody>
       </p:sp>
@@ -19063,6 +19076,7 @@
           <a:p>
             <a:fld id="{D789574A-8875-45EF-8EA2-3CAA0F7ABC4C}" type="datetimeFigureOut">
               <a:rPr lang="en-US" dirty="0"/>
+              <a:t>7/18/2022</a:t>
             </a:fld>
             <a:endParaRPr lang="en-US"/>
           </a:p>
@@ -19104,12 +19118,18 @@
           <a:p>
             <a:fld id="{4FAB73BC-B049-4115-A692-8D63A059BFB8}" type="slidenum">
               <a:rPr lang="en-US" dirty="0"/>
+              <a:t>‹#›</a:t>
             </a:fld>
             <a:endParaRPr lang="en-US"/>
           </a:p>
         </p:txBody>
       </p:sp>
     </p:spTree>
+    <p:extLst>
+      <p:ext uri="{BB962C8B-B14F-4D97-AF65-F5344CB8AC3E}">
+        <p14:creationId xmlns:p14="http://schemas.microsoft.com/office/powerpoint/2010/main" val="60923676"/>
+      </p:ext>
+    </p:extLst>
   </p:cSld>
   <p:clrMapOvr>
     <a:masterClrMapping/>
@@ -19153,7 +19173,6 @@
               <a:rPr lang="en-US"/>
               <a:t>Click to edit Master title style</a:t>
             </a:r>
-            <a:endParaRPr lang="en-US"/>
           </a:p>
         </p:txBody>
       </p:sp>
@@ -19174,6 +19193,7 @@
           <a:p>
             <a:fld id="{67EF4D4C-5367-4C26-9E2B-D8088D7FCA81}" type="datetimeFigureOut">
               <a:rPr lang="en-US" dirty="0"/>
+              <a:t>7/18/2022</a:t>
             </a:fld>
             <a:endParaRPr lang="en-US"/>
           </a:p>
@@ -19215,12 +19235,18 @@
           <a:p>
             <a:fld id="{4FAB73BC-B049-4115-A692-8D63A059BFB8}" type="slidenum">
               <a:rPr lang="en-US" dirty="0"/>
+              <a:t>‹#›</a:t>
             </a:fld>
             <a:endParaRPr lang="en-US"/>
           </a:p>
         </p:txBody>
       </p:sp>
     </p:spTree>
+    <p:extLst>
+      <p:ext uri="{BB962C8B-B14F-4D97-AF65-F5344CB8AC3E}">
+        <p14:creationId xmlns:p14="http://schemas.microsoft.com/office/powerpoint/2010/main" val="2263303725"/>
+      </p:ext>
+    </p:extLst>
   </p:cSld>
   <p:clrMapOvr>
     <a:masterClrMapping/>
@@ -19229,7 +19255,7 @@
 </file>
 
 <file path=ppt/slideLayouts/slideLayout7.xml><?xml version="1.0" encoding="utf-8"?>
-<p:sldLayout xmlns:a="http://schemas.openxmlformats.org/drawingml/2006/main" xmlns:r="http://schemas.openxmlformats.org/officeDocument/2006/relationships" xmlns:p="http://schemas.openxmlformats.org/presentationml/2006/main" type="blank" preserve="1" showMasterSp="0">
+<p:sldLayout xmlns:a="http://schemas.openxmlformats.org/drawingml/2006/main" xmlns:r="http://schemas.openxmlformats.org/officeDocument/2006/relationships" xmlns:p="http://schemas.openxmlformats.org/presentationml/2006/main" showMasterSp="0" type="blank" preserve="1">
   <p:cSld name="Blank">
     <p:spTree>
       <p:nvGrpSpPr>
@@ -19262,6 +19288,7 @@
           <a:p>
             <a:fld id="{56E91E96-98B0-4413-9547-46F3504108EF}" type="datetimeFigureOut">
               <a:rPr lang="en-US" dirty="0"/>
+              <a:t>7/18/2022</a:t>
             </a:fld>
             <a:endParaRPr lang="en-US"/>
           </a:p>
@@ -19303,12 +19330,18 @@
           <a:p>
             <a:fld id="{4FAB73BC-B049-4115-A692-8D63A059BFB8}" type="slidenum">
               <a:rPr lang="en-US" dirty="0"/>
+              <a:t>‹#›</a:t>
             </a:fld>
             <a:endParaRPr lang="en-US"/>
           </a:p>
         </p:txBody>
       </p:sp>
     </p:spTree>
+    <p:extLst>
+      <p:ext uri="{BB962C8B-B14F-4D97-AF65-F5344CB8AC3E}">
+        <p14:creationId xmlns:p14="http://schemas.microsoft.com/office/powerpoint/2010/main" val="482577552"/>
+      </p:ext>
+    </p:extLst>
   </p:cSld>
   <p:clrMapOvr>
     <a:masterClrMapping/>
@@ -19366,7 +19399,6 @@
               <a:rPr lang="en-US"/>
               <a:t>Click to edit Master title style</a:t>
             </a:r>
-            <a:endParaRPr lang="en-US"/>
           </a:p>
         </p:txBody>
       </p:sp>
@@ -19423,7 +19455,6 @@
               <a:rPr lang="en-US"/>
               <a:t>Click to edit Master text styles</a:t>
             </a:r>
-            <a:endParaRPr lang="en-US"/>
           </a:p>
           <a:p>
             <a:pPr lvl="1"/>
@@ -19431,7 +19462,6 @@
               <a:rPr lang="en-US"/>
               <a:t>Second level</a:t>
             </a:r>
-            <a:endParaRPr lang="en-US"/>
           </a:p>
           <a:p>
             <a:pPr lvl="2"/>
@@ -19439,7 +19469,6 @@
               <a:rPr lang="en-US"/>
               <a:t>Third level</a:t>
             </a:r>
-            <a:endParaRPr lang="en-US"/>
           </a:p>
           <a:p>
             <a:pPr lvl="3"/>
@@ -19447,7 +19476,6 @@
               <a:rPr lang="en-US"/>
               <a:t>Fourth level</a:t>
             </a:r>
-            <a:endParaRPr lang="en-US"/>
           </a:p>
           <a:p>
             <a:pPr lvl="4"/>
@@ -19455,7 +19483,6 @@
               <a:rPr lang="en-US"/>
               <a:t>Fifth level</a:t>
             </a:r>
-            <a:endParaRPr lang="en-US"/>
           </a:p>
         </p:txBody>
       </p:sp>
@@ -19529,7 +19556,6 @@
               <a:rPr lang="en-US"/>
               <a:t>Click to edit Master text styles</a:t>
             </a:r>
-            <a:endParaRPr lang="en-US"/>
           </a:p>
         </p:txBody>
       </p:sp>
@@ -19550,6 +19576,7 @@
           <a:p>
             <a:fld id="{05C68B11-C5A8-448C-8CE9-B1A273C79CFC}" type="datetimeFigureOut">
               <a:rPr lang="en-US" dirty="0"/>
+              <a:t>7/18/2022</a:t>
             </a:fld>
             <a:endParaRPr lang="en-US"/>
           </a:p>
@@ -19591,12 +19618,18 @@
           <a:p>
             <a:fld id="{4FAB73BC-B049-4115-A692-8D63A059BFB8}" type="slidenum">
               <a:rPr lang="en-US" dirty="0"/>
+              <a:t>‹#›</a:t>
             </a:fld>
             <a:endParaRPr lang="en-US"/>
           </a:p>
         </p:txBody>
       </p:sp>
     </p:spTree>
+    <p:extLst>
+      <p:ext uri="{BB962C8B-B14F-4D97-AF65-F5344CB8AC3E}">
+        <p14:creationId xmlns:p14="http://schemas.microsoft.com/office/powerpoint/2010/main" val="2518651616"/>
+      </p:ext>
+    </p:extLst>
   </p:cSld>
   <p:clrMapOvr>
     <a:masterClrMapping/>
@@ -19605,7 +19638,7 @@
 </file>
 
 <file path=ppt/slideLayouts/slideLayout9.xml><?xml version="1.0" encoding="utf-8"?>
-<p:sldLayout xmlns:a="http://schemas.openxmlformats.org/drawingml/2006/main" xmlns:r="http://schemas.openxmlformats.org/officeDocument/2006/relationships" xmlns:p="http://schemas.openxmlformats.org/presentationml/2006/main" type="picTx" preserve="1" showMasterSp="0">
+<p:sldLayout xmlns:a="http://schemas.openxmlformats.org/drawingml/2006/main" xmlns:r="http://schemas.openxmlformats.org/officeDocument/2006/relationships" xmlns:p="http://schemas.openxmlformats.org/presentationml/2006/main" showMasterSp="0" type="picTx" preserve="1">
   <p:cSld name="Picture with Caption">
     <p:spTree>
       <p:nvGrpSpPr>
@@ -19651,7 +19684,6 @@
               <a:rPr lang="en-US"/>
               <a:t>Click to edit Master title style</a:t>
             </a:r>
-            <a:endParaRPr lang="en-US"/>
           </a:p>
         </p:txBody>
       </p:sp>
@@ -19799,7 +19831,6 @@
               <a:rPr lang="en-US"/>
               <a:t>Click to edit Master text styles</a:t>
             </a:r>
-            <a:endParaRPr lang="en-US"/>
           </a:p>
         </p:txBody>
       </p:sp>
@@ -19820,6 +19851,7 @@
           <a:p>
             <a:fld id="{C7616CA0-919D-4A49-9C8A-62FDFB3A5183}" type="datetimeFigureOut">
               <a:rPr lang="en-US" dirty="0"/>
+              <a:t>7/18/2022</a:t>
             </a:fld>
             <a:endParaRPr lang="en-US"/>
           </a:p>
@@ -19861,6 +19893,7 @@
           <a:p>
             <a:fld id="{867E5644-1E61-4311-A31E-84CB9C7AA8A9}" type="slidenum">
               <a:rPr lang="en-US" dirty="0"/>
+              <a:t>‹#›</a:t>
             </a:fld>
             <a:endParaRPr lang="en-US"/>
           </a:p>
@@ -19902,6 +19935,11 @@
         </p:style>
       </p:cxnSp>
     </p:spTree>
+    <p:extLst>
+      <p:ext uri="{BB962C8B-B14F-4D97-AF65-F5344CB8AC3E}">
+        <p14:creationId xmlns:p14="http://schemas.microsoft.com/office/powerpoint/2010/main" val="3761450762"/>
+      </p:ext>
+    </p:extLst>
   </p:cSld>
   <p:clrMapOvr>
     <a:masterClrMapping/>
@@ -19960,7 +19998,6 @@
               <a:rPr lang="en-US"/>
               <a:t>Click to edit Master title style</a:t>
             </a:r>
-            <a:endParaRPr lang="en-US"/>
           </a:p>
         </p:txBody>
       </p:sp>
@@ -19994,7 +20031,6 @@
               <a:rPr lang="en-US"/>
               <a:t>Click to edit Master text styles</a:t>
             </a:r>
-            <a:endParaRPr lang="en-US"/>
           </a:p>
           <a:p>
             <a:pPr lvl="1"/>
@@ -20002,7 +20038,6 @@
               <a:rPr lang="en-US"/>
               <a:t>Second level</a:t>
             </a:r>
-            <a:endParaRPr lang="en-US"/>
           </a:p>
           <a:p>
             <a:pPr lvl="2"/>
@@ -20010,7 +20045,6 @@
               <a:rPr lang="en-US"/>
               <a:t>Third level</a:t>
             </a:r>
-            <a:endParaRPr lang="en-US"/>
           </a:p>
           <a:p>
             <a:pPr lvl="3"/>
@@ -20018,7 +20052,6 @@
               <a:rPr lang="en-US"/>
               <a:t>Fourth level</a:t>
             </a:r>
-            <a:endParaRPr lang="en-US"/>
           </a:p>
           <a:p>
             <a:pPr lvl="4"/>
@@ -20026,7 +20059,6 @@
               <a:rPr lang="en-US"/>
               <a:t>Fifth level</a:t>
             </a:r>
-            <a:endParaRPr lang="en-US"/>
           </a:p>
         </p:txBody>
       </p:sp>
@@ -20067,6 +20099,8 @@
           <a:p>
             <a:fld id="{90298CD5-6C1E-4009-B41F-6DF62E31D3BE}" type="datetimeFigureOut">
               <a:rPr lang="en-US" dirty="0"/>
+              <a:pPr/>
+              <a:t>7/18/2022</a:t>
             </a:fld>
             <a:endParaRPr lang="en-US"/>
           </a:p>
@@ -20148,6 +20182,8 @@
           <a:p>
             <a:fld id="{4FAB73BC-B049-4115-A692-8D63A059BFB8}" type="slidenum">
               <a:rPr lang="en-US" dirty="0"/>
+              <a:pPr/>
+              <a:t>‹#›</a:t>
             </a:fld>
             <a:endParaRPr lang="en-US"/>
           </a:p>
@@ -20189,20 +20225,25 @@
         </p:style>
       </p:cxnSp>
     </p:spTree>
+    <p:extLst>
+      <p:ext uri="{BB962C8B-B14F-4D97-AF65-F5344CB8AC3E}">
+        <p14:creationId xmlns:p14="http://schemas.microsoft.com/office/powerpoint/2010/main" val="1661487379"/>
+      </p:ext>
+    </p:extLst>
   </p:cSld>
   <p:clrMap bg1="lt1" tx1="dk1" bg2="lt2" tx2="dk2" accent1="accent1" accent2="accent2" accent3="accent3" accent4="accent4" accent5="accent5" accent6="accent6" hlink="hlink" folHlink="folHlink"/>
   <p:sldLayoutIdLst>
-    <p:sldLayoutId id="2147483649" r:id="rId1"/>
-    <p:sldLayoutId id="2147483650" r:id="rId2"/>
-    <p:sldLayoutId id="2147483651" r:id="rId3"/>
-    <p:sldLayoutId id="2147483652" r:id="rId4"/>
-    <p:sldLayoutId id="2147483653" r:id="rId5"/>
-    <p:sldLayoutId id="2147483654" r:id="rId6"/>
-    <p:sldLayoutId id="2147483655" r:id="rId7"/>
-    <p:sldLayoutId id="2147483656" r:id="rId8"/>
-    <p:sldLayoutId id="2147483657" r:id="rId9"/>
-    <p:sldLayoutId id="2147483658" r:id="rId10"/>
-    <p:sldLayoutId id="2147483659" r:id="rId11"/>
+    <p:sldLayoutId id="2147483673" r:id="rId1"/>
+    <p:sldLayoutId id="2147483674" r:id="rId2"/>
+    <p:sldLayoutId id="2147483675" r:id="rId3"/>
+    <p:sldLayoutId id="2147483676" r:id="rId4"/>
+    <p:sldLayoutId id="2147483677" r:id="rId5"/>
+    <p:sldLayoutId id="2147483678" r:id="rId6"/>
+    <p:sldLayoutId id="2147483679" r:id="rId7"/>
+    <p:sldLayoutId id="2147483680" r:id="rId8"/>
+    <p:sldLayoutId id="2147483681" r:id="rId9"/>
+    <p:sldLayoutId id="2147483682" r:id="rId10"/>
+    <p:sldLayoutId id="2147483683" r:id="rId11"/>
   </p:sldLayoutIdLst>
   <p:txStyles>
     <p:titleStyle>
@@ -20253,7 +20294,7 @@
           <a:cs typeface="+mn-cs"/>
         </a:defRPr>
       </a:lvl1pPr>
-      <a:lvl2pPr marL="265430" indent="-137160" algn="l" defTabSz="914400" rtl="0" eaLnBrk="1" latinLnBrk="0" hangingPunct="1">
+      <a:lvl2pPr marL="265176" indent="-137160" algn="l" defTabSz="914400" rtl="0" eaLnBrk="1" latinLnBrk="0" hangingPunct="1">
         <a:lnSpc>
           <a:spcPct val="90000"/>
         </a:lnSpc>
@@ -20277,7 +20318,7 @@
           <a:cs typeface="+mn-cs"/>
         </a:defRPr>
       </a:lvl2pPr>
-      <a:lvl3pPr marL="448310" indent="-137160" algn="l" defTabSz="914400" rtl="0" eaLnBrk="1" latinLnBrk="0" hangingPunct="1">
+      <a:lvl3pPr marL="448056" indent="-137160" algn="l" defTabSz="914400" rtl="0" eaLnBrk="1" latinLnBrk="0" hangingPunct="1">
         <a:lnSpc>
           <a:spcPct val="90000"/>
         </a:lnSpc>
@@ -20373,7 +20414,7 @@
           <a:cs typeface="+mn-cs"/>
         </a:defRPr>
       </a:lvl6pPr>
-      <a:lvl7pPr marL="1060450" indent="-137160" algn="l" defTabSz="914400" rtl="0" eaLnBrk="1" latinLnBrk="0" hangingPunct="1">
+      <a:lvl7pPr marL="1060704" indent="-137160" algn="l" defTabSz="914400" rtl="0" eaLnBrk="1" latinLnBrk="0" hangingPunct="1">
         <a:lnSpc>
           <a:spcPct val="90000"/>
         </a:lnSpc>
@@ -20397,7 +20438,7 @@
           <a:cs typeface="+mn-cs"/>
         </a:defRPr>
       </a:lvl7pPr>
-      <a:lvl8pPr marL="1216025" indent="-137160" algn="l" defTabSz="914400" rtl="0" eaLnBrk="1" latinLnBrk="0" hangingPunct="1">
+      <a:lvl8pPr marL="1216152" indent="-137160" algn="l" defTabSz="914400" rtl="0" eaLnBrk="1" latinLnBrk="0" hangingPunct="1">
         <a:lnSpc>
           <a:spcPct val="90000"/>
         </a:lnSpc>
@@ -20421,7 +20462,7 @@
           <a:cs typeface="+mn-cs"/>
         </a:defRPr>
       </a:lvl8pPr>
-      <a:lvl9pPr marL="1362710" indent="-137160" algn="l" defTabSz="914400" rtl="0" eaLnBrk="1" latinLnBrk="0" hangingPunct="1">
+      <a:lvl9pPr marL="1362456" indent="-137160" algn="l" defTabSz="914400" rtl="0" eaLnBrk="1" latinLnBrk="0" hangingPunct="1">
         <a:lnSpc>
           <a:spcPct val="90000"/>
         </a:lnSpc>
@@ -20572,11 +20613,26 @@
       </p:grpSpPr>
       <p:sp useBgFill="1">
         <p:nvSpPr>
-          <p:cNvPr id="18" name="Rectangle 7"/>
+          <p:cNvPr id="18" name="Rectangle 7">
+            <a:extLst>
+              <a:ext uri="{FF2B5EF4-FFF2-40B4-BE49-F238E27FC236}">
+                <a16:creationId xmlns:a16="http://schemas.microsoft.com/office/drawing/2014/main" id="{62AE8E50-35D4-4D5A-A4BB-168CBB027DA2}"/>
+              </a:ext>
+              <a:ext uri="{C183D7F6-B498-43B3-948B-1728B52AA6E4}">
+                <adec:decorative xmlns:adec="http://schemas.microsoft.com/office/drawing/2017/decorative" val="1"/>
+              </a:ext>
+            </a:extLst>
+          </p:cNvPr>
           <p:cNvSpPr>
             <a:spLocks noGrp="1" noRot="1" noChangeAspect="1" noMove="1" noResize="1" noEditPoints="1" noAdjustHandles="1" noChangeArrowheads="1" noChangeShapeType="1" noTextEdit="1"/>
           </p:cNvSpPr>
-          <p:nvPr/>
+          <p:nvPr>
+            <p:extLst>
+              <p:ext uri="{386F3935-93C4-4BCD-93E2-E3B085C9AB24}">
+                <p16:designElem xmlns:p16="http://schemas.microsoft.com/office/powerpoint/2015/main" val="1"/>
+              </p:ext>
+            </p:extLst>
+          </p:nvPr>
         </p:nvSpPr>
         <p:spPr>
           <a:xfrm flipH="1">
@@ -20617,11 +20673,26 @@
       </p:sp>
       <p:sp>
         <p:nvSpPr>
-          <p:cNvPr id="19" name="Freeform 16"/>
+          <p:cNvPr id="19" name="Freeform 16">
+            <a:extLst>
+              <a:ext uri="{FF2B5EF4-FFF2-40B4-BE49-F238E27FC236}">
+                <a16:creationId xmlns:a16="http://schemas.microsoft.com/office/drawing/2014/main" id="{C37D1D6D-17D8-4296-B000-665D1892D01E}"/>
+              </a:ext>
+              <a:ext uri="{C183D7F6-B498-43B3-948B-1728B52AA6E4}">
+                <adec:decorative xmlns:adec="http://schemas.microsoft.com/office/drawing/2017/decorative" val="1"/>
+              </a:ext>
+            </a:extLst>
+          </p:cNvPr>
           <p:cNvSpPr>
             <a:spLocks noGrp="1" noRot="1" noChangeAspect="1" noMove="1" noResize="1" noEditPoints="1" noAdjustHandles="1" noChangeArrowheads="1" noChangeShapeType="1" noTextEdit="1"/>
           </p:cNvSpPr>
-          <p:nvPr/>
+          <p:nvPr>
+            <p:extLst>
+              <p:ext uri="{386F3935-93C4-4BCD-93E2-E3B085C9AB24}">
+                <p16:designElem xmlns:p16="http://schemas.microsoft.com/office/powerpoint/2015/main" val="1"/>
+              </p:ext>
+            </p:extLst>
+          </p:nvPr>
         </p:nvSpPr>
         <p:spPr>
           <a:xfrm rot="5400000">
@@ -29851,11 +29922,26 @@
       </p:sp>
       <p:sp>
         <p:nvSpPr>
-          <p:cNvPr id="20" name="Rectangle 11"/>
+          <p:cNvPr id="20" name="Rectangle 11">
+            <a:extLst>
+              <a:ext uri="{FF2B5EF4-FFF2-40B4-BE49-F238E27FC236}">
+                <a16:creationId xmlns:a16="http://schemas.microsoft.com/office/drawing/2014/main" id="{1B26E892-1320-40AA-9CA1-246721C18768}"/>
+              </a:ext>
+              <a:ext uri="{C183D7F6-B498-43B3-948B-1728B52AA6E4}">
+                <adec:decorative xmlns:adec="http://schemas.microsoft.com/office/drawing/2017/decorative" val="1"/>
+              </a:ext>
+            </a:extLst>
+          </p:cNvPr>
           <p:cNvSpPr>
             <a:spLocks noGrp="1" noRot="1" noChangeAspect="1" noMove="1" noResize="1" noEditPoints="1" noAdjustHandles="1" noChangeArrowheads="1" noChangeShapeType="1" noTextEdit="1"/>
           </p:cNvSpPr>
-          <p:nvPr/>
+          <p:nvPr>
+            <p:extLst>
+              <p:ext uri="{386F3935-93C4-4BCD-93E2-E3B085C9AB24}">
+                <p16:designElem xmlns:p16="http://schemas.microsoft.com/office/powerpoint/2015/main" val="1"/>
+              </p:ext>
+            </p:extLst>
+          </p:nvPr>
         </p:nvSpPr>
         <p:spPr>
           <a:xfrm>
@@ -29899,7 +29985,13 @@
       </p:sp>
       <p:sp>
         <p:nvSpPr>
-          <p:cNvPr id="2" name="Title 1"/>
+          <p:cNvPr id="2" name="Title 1">
+            <a:extLst>
+              <a:ext uri="{FF2B5EF4-FFF2-40B4-BE49-F238E27FC236}">
+                <a16:creationId xmlns:a16="http://schemas.microsoft.com/office/drawing/2014/main" id="{A2FFD971-8D12-EEF8-182A-48D00E42F99B}"/>
+              </a:ext>
+            </a:extLst>
+          </p:cNvPr>
           <p:cNvSpPr>
             <a:spLocks noGrp="1"/>
           </p:cNvSpPr>
@@ -29928,17 +30020,18 @@
               </a:rPr>
               <a:t>ASPIRE OVERFLOW</a:t>
             </a:r>
-            <a:endParaRPr lang="en-IN" sz="4800">
-              <a:solidFill>
-                <a:srgbClr val="FFFFFF"/>
-              </a:solidFill>
-            </a:endParaRPr>
           </a:p>
         </p:txBody>
       </p:sp>
       <p:sp>
         <p:nvSpPr>
-          <p:cNvPr id="3" name="Subtitle 2"/>
+          <p:cNvPr id="3" name="Subtitle 2">
+            <a:extLst>
+              <a:ext uri="{FF2B5EF4-FFF2-40B4-BE49-F238E27FC236}">
+                <a16:creationId xmlns:a16="http://schemas.microsoft.com/office/drawing/2014/main" id="{ACB78615-207D-AAB7-9A4F-782353AAD440}"/>
+              </a:ext>
+            </a:extLst>
+          </p:cNvPr>
           <p:cNvSpPr>
             <a:spLocks noGrp="1"/>
           </p:cNvSpPr>
@@ -29966,21 +30059,31 @@
               </a:rPr>
               <a:t>AURORA</a:t>
             </a:r>
-            <a:endParaRPr lang="en-IN">
-              <a:solidFill>
-                <a:srgbClr val="FFFFFF"/>
-              </a:solidFill>
-            </a:endParaRPr>
           </a:p>
         </p:txBody>
       </p:sp>
       <p:cxnSp>
         <p:nvCxnSpPr>
-          <p:cNvPr id="21" name="Straight Connector 13"/>
+          <p:cNvPr id="21" name="Straight Connector 13">
+            <a:extLst>
+              <a:ext uri="{FF2B5EF4-FFF2-40B4-BE49-F238E27FC236}">
+                <a16:creationId xmlns:a16="http://schemas.microsoft.com/office/drawing/2014/main" id="{C9A1F79C-E4D1-4AAE-BA11-3A09005252E3}"/>
+              </a:ext>
+              <a:ext uri="{C183D7F6-B498-43B3-948B-1728B52AA6E4}">
+                <adec:decorative xmlns:adec="http://schemas.microsoft.com/office/drawing/2017/decorative" val="1"/>
+              </a:ext>
+            </a:extLst>
+          </p:cNvPr>
           <p:cNvCxnSpPr>
             <a:cxnSpLocks noGrp="1" noRot="1" noChangeAspect="1" noMove="1" noResize="1" noEditPoints="1" noAdjustHandles="1" noChangeArrowheads="1" noChangeShapeType="1"/>
           </p:cNvCxnSpPr>
-          <p:nvPr/>
+          <p:nvPr>
+            <p:extLst>
+              <p:ext uri="{386F3935-93C4-4BCD-93E2-E3B085C9AB24}">
+                <p16:designElem xmlns:p16="http://schemas.microsoft.com/office/powerpoint/2015/main" val="1"/>
+              </p:ext>
+            </p:extLst>
+          </p:nvPr>
         </p:nvCxnSpPr>
         <p:spPr>
           <a:xfrm>
@@ -30013,11 +30116,26 @@
       </p:cxnSp>
       <p:sp useBgFill="1">
         <p:nvSpPr>
-          <p:cNvPr id="22" name="Rectangle 15"/>
+          <p:cNvPr id="22" name="Rectangle 15">
+            <a:extLst>
+              <a:ext uri="{FF2B5EF4-FFF2-40B4-BE49-F238E27FC236}">
+                <a16:creationId xmlns:a16="http://schemas.microsoft.com/office/drawing/2014/main" id="{C170DF7D-4686-4BD5-A9CD-C8964928468D}"/>
+              </a:ext>
+              <a:ext uri="{C183D7F6-B498-43B3-948B-1728B52AA6E4}">
+                <adec:decorative xmlns:adec="http://schemas.microsoft.com/office/drawing/2017/decorative" val="1"/>
+              </a:ext>
+            </a:extLst>
+          </p:cNvPr>
           <p:cNvSpPr>
             <a:spLocks noGrp="1" noRot="1" noChangeAspect="1" noMove="1" noResize="1" noEditPoints="1" noAdjustHandles="1" noChangeArrowheads="1" noChangeShapeType="1" noTextEdit="1"/>
           </p:cNvSpPr>
-          <p:nvPr/>
+          <p:nvPr>
+            <p:extLst>
+              <p:ext uri="{386F3935-93C4-4BCD-93E2-E3B085C9AB24}">
+                <p16:designElem xmlns:p16="http://schemas.microsoft.com/office/powerpoint/2015/main" val="1"/>
+              </p:ext>
+            </p:extLst>
+          </p:nvPr>
         </p:nvSpPr>
         <p:spPr>
           <a:xfrm>
@@ -30057,6 +30175,11 @@
         </p:txBody>
       </p:sp>
     </p:spTree>
+    <p:extLst>
+      <p:ext uri="{BB962C8B-B14F-4D97-AF65-F5344CB8AC3E}">
+        <p14:creationId xmlns:p14="http://schemas.microsoft.com/office/powerpoint/2010/main" val="2392620102"/>
+      </p:ext>
+    </p:extLst>
   </p:cSld>
   <p:clrMapOvr>
     <a:masterClrMapping/>
@@ -30222,7 +30345,13 @@
       </p:grpSpPr>
       <p:sp>
         <p:nvSpPr>
-          <p:cNvPr id="2" name="Title 1"/>
+          <p:cNvPr id="2" name="Title 1">
+            <a:extLst>
+              <a:ext uri="{FF2B5EF4-FFF2-40B4-BE49-F238E27FC236}">
+                <a16:creationId xmlns:a16="http://schemas.microsoft.com/office/drawing/2014/main" id="{D0FC0C6B-78B2-6B27-9973-596280C5D6E3}"/>
+              </a:ext>
+            </a:extLst>
+          </p:cNvPr>
           <p:cNvSpPr>
             <a:spLocks noGrp="1"/>
           </p:cNvSpPr>
@@ -30239,13 +30368,18 @@
               <a:rPr lang="en-IN"/>
               <a:t>DEMO</a:t>
             </a:r>
-            <a:endParaRPr lang="en-IN"/>
           </a:p>
         </p:txBody>
       </p:sp>
       <p:sp>
         <p:nvSpPr>
-          <p:cNvPr id="3" name="Content Placeholder 2"/>
+          <p:cNvPr id="3" name="Content Placeholder 2">
+            <a:extLst>
+              <a:ext uri="{FF2B5EF4-FFF2-40B4-BE49-F238E27FC236}">
+                <a16:creationId xmlns:a16="http://schemas.microsoft.com/office/drawing/2014/main" id="{4B32D1D6-8BDE-BA31-ACBD-E5D8E3F5486C}"/>
+              </a:ext>
+            </a:extLst>
+          </p:cNvPr>
           <p:cNvSpPr>
             <a:spLocks noGrp="1"/>
           </p:cNvSpPr>
@@ -30272,7 +30406,7 @@
               <a:rPr lang="en-IN" u="sng">
                 <a:ea typeface="+mn-lt"/>
                 <a:cs typeface="+mn-lt"/>
-                <a:hlinkClick r:id="rId1"/>
+                <a:hlinkClick r:id="rId2"/>
               </a:rPr>
               <a:t>http://172.24.210.43/Aspire-API/swagger</a:t>
             </a:r>
@@ -30307,14 +30441,10 @@
               <a:rPr lang="en-IN">
                 <a:ea typeface="+mn-lt"/>
                 <a:cs typeface="+mn-lt"/>
-                <a:hlinkClick r:id="rId2"/>
+                <a:hlinkClick r:id="rId3"/>
               </a:rPr>
               <a:t>http://172.24.210.43/AspireOverflow</a:t>
             </a:r>
-            <a:endParaRPr lang="en-IN">
-              <a:ea typeface="+mn-lt"/>
-              <a:cs typeface="+mn-lt"/>
-            </a:endParaRPr>
           </a:p>
           <a:p>
             <a:pPr marL="0" indent="0">
@@ -30328,6 +30458,11 @@
         </p:txBody>
       </p:sp>
     </p:spTree>
+    <p:extLst>
+      <p:ext uri="{BB962C8B-B14F-4D97-AF65-F5344CB8AC3E}">
+        <p14:creationId xmlns:p14="http://schemas.microsoft.com/office/powerpoint/2010/main" val="2823406662"/>
+      </p:ext>
+    </p:extLst>
   </p:cSld>
   <p:clrMapOvr>
     <a:masterClrMapping/>
@@ -30354,7 +30489,13 @@
       </p:grpSpPr>
       <p:sp>
         <p:nvSpPr>
-          <p:cNvPr id="2" name="Title 1"/>
+          <p:cNvPr id="2" name="Title 1">
+            <a:extLst>
+              <a:ext uri="{FF2B5EF4-FFF2-40B4-BE49-F238E27FC236}">
+                <a16:creationId xmlns:a16="http://schemas.microsoft.com/office/drawing/2014/main" id="{094A78D8-F6D6-CCCF-B3EA-45FB48F5B781}"/>
+              </a:ext>
+            </a:extLst>
+          </p:cNvPr>
           <p:cNvSpPr>
             <a:spLocks noGrp="1"/>
           </p:cNvSpPr>
@@ -30371,13 +30512,18 @@
               <a:rPr lang="en-IN"/>
               <a:t>LESSONS LEARNED</a:t>
             </a:r>
-            <a:endParaRPr lang="en-IN"/>
           </a:p>
         </p:txBody>
       </p:sp>
       <p:sp>
         <p:nvSpPr>
-          <p:cNvPr id="3" name="Content Placeholder 2"/>
+          <p:cNvPr id="3" name="Content Placeholder 2">
+            <a:extLst>
+              <a:ext uri="{FF2B5EF4-FFF2-40B4-BE49-F238E27FC236}">
+                <a16:creationId xmlns:a16="http://schemas.microsoft.com/office/drawing/2014/main" id="{5F1A2351-2CCD-6ABA-8CFD-67AFC77C3777}"/>
+              </a:ext>
+            </a:extLst>
+          </p:cNvPr>
           <p:cNvSpPr>
             <a:spLocks noGrp="1"/>
           </p:cNvSpPr>
@@ -30411,7 +30557,6 @@
               <a:rPr lang="en-IN"/>
               <a:t> Requirement gathering is the first-most thing to be done.</a:t>
             </a:r>
-            <a:endParaRPr lang="en-IN"/>
           </a:p>
           <a:p>
             <a:pPr>
@@ -30422,7 +30567,6 @@
               <a:rPr lang="en-IN"/>
               <a:t> User-Stories should tell about the flow of the system.</a:t>
             </a:r>
-            <a:endParaRPr lang="en-IN"/>
           </a:p>
           <a:p>
             <a:pPr>
@@ -30433,7 +30577,6 @@
               <a:rPr lang="en-IN"/>
               <a:t> The system should reflect the wireframe.</a:t>
             </a:r>
-            <a:endParaRPr lang="en-IN"/>
           </a:p>
           <a:p>
             <a:pPr>
@@ -30444,7 +30587,6 @@
               <a:rPr lang="en-IN"/>
               <a:t> Set-up documentation should be written simple for the user manual.</a:t>
             </a:r>
-            <a:endParaRPr lang="en-IN"/>
           </a:p>
           <a:p>
             <a:pPr>
@@ -30455,7 +30597,6 @@
               <a:rPr lang="en-IN"/>
               <a:t> Unused and Dead codes should be removed.</a:t>
             </a:r>
-            <a:endParaRPr lang="en-IN"/>
           </a:p>
           <a:p>
             <a:pPr>
@@ -30466,7 +30607,6 @@
               <a:rPr lang="en-IN"/>
               <a:t> How to Manage the work with the available members.</a:t>
             </a:r>
-            <a:endParaRPr lang="en-IN"/>
           </a:p>
           <a:p>
             <a:pPr>
@@ -30477,7 +30617,6 @@
               <a:rPr lang="en-IN"/>
               <a:t> To take ownership of our work.</a:t>
             </a:r>
-            <a:endParaRPr lang="en-IN"/>
           </a:p>
           <a:p>
             <a:pPr>
@@ -30488,7 +30627,6 @@
               <a:rPr lang="en-IN"/>
               <a:t> Have to include the waiting time of the PAM request needed in the execution time.</a:t>
             </a:r>
-            <a:endParaRPr lang="en-IN"/>
           </a:p>
           <a:p>
             <a:pPr>
@@ -30499,7 +30637,6 @@
               <a:rPr lang="en-IN"/>
               <a:t> Also need to think from the user perspective.</a:t>
             </a:r>
-            <a:endParaRPr lang="en-IN"/>
           </a:p>
           <a:p>
             <a:pPr>
@@ -30566,6 +30703,11 @@
         </p:txBody>
       </p:sp>
     </p:spTree>
+    <p:extLst>
+      <p:ext uri="{BB962C8B-B14F-4D97-AF65-F5344CB8AC3E}">
+        <p14:creationId xmlns:p14="http://schemas.microsoft.com/office/powerpoint/2010/main" val="2165882091"/>
+      </p:ext>
+    </p:extLst>
   </p:cSld>
   <p:clrMapOvr>
     <a:masterClrMapping/>
@@ -30592,7 +30734,13 @@
       </p:grpSpPr>
       <p:sp>
         <p:nvSpPr>
-          <p:cNvPr id="2" name="Title 1"/>
+          <p:cNvPr id="2" name="Title 1">
+            <a:extLst>
+              <a:ext uri="{FF2B5EF4-FFF2-40B4-BE49-F238E27FC236}">
+                <a16:creationId xmlns:a16="http://schemas.microsoft.com/office/drawing/2014/main" id="{094A78D8-F6D6-CCCF-B3EA-45FB48F5B781}"/>
+              </a:ext>
+            </a:extLst>
+          </p:cNvPr>
           <p:cNvSpPr>
             <a:spLocks noGrp="1"/>
           </p:cNvSpPr>
@@ -30609,13 +30757,18 @@
               <a:rPr lang="en-IN"/>
               <a:t>LESSONS LEARNED</a:t>
             </a:r>
-            <a:endParaRPr lang="en-IN"/>
           </a:p>
         </p:txBody>
       </p:sp>
       <p:sp>
         <p:nvSpPr>
-          <p:cNvPr id="3" name="Content Placeholder 2"/>
+          <p:cNvPr id="3" name="Content Placeholder 2">
+            <a:extLst>
+              <a:ext uri="{FF2B5EF4-FFF2-40B4-BE49-F238E27FC236}">
+                <a16:creationId xmlns:a16="http://schemas.microsoft.com/office/drawing/2014/main" id="{5F1A2351-2CCD-6ABA-8CFD-67AFC77C3777}"/>
+              </a:ext>
+            </a:extLst>
+          </p:cNvPr>
           <p:cNvSpPr>
             <a:spLocks noGrp="1"/>
           </p:cNvSpPr>
@@ -30659,7 +30812,6 @@
               <a:rPr lang="en-US"/>
               <a:t> Review your work before the meeting.</a:t>
             </a:r>
-            <a:endParaRPr lang="en-US"/>
           </a:p>
           <a:p>
             <a:pPr>
@@ -30670,7 +30822,6 @@
               <a:rPr lang="en-US"/>
               <a:t> There is no 'me' in the teamwork.</a:t>
             </a:r>
-            <a:endParaRPr lang="en-US"/>
           </a:p>
           <a:p>
             <a:pPr>
@@ -30681,7 +30832,6 @@
               <a:rPr lang="en-US"/>
               <a:t> Always track your timesheet. </a:t>
             </a:r>
-            <a:endParaRPr lang="en-US"/>
           </a:p>
           <a:p>
             <a:pPr>
@@ -30692,7 +30842,6 @@
               <a:rPr lang="en-US"/>
               <a:t> Keep your work on track with your estimation process. </a:t>
             </a:r>
-            <a:endParaRPr lang="en-US"/>
           </a:p>
           <a:p>
             <a:pPr>
@@ -30703,7 +30852,6 @@
               <a:rPr lang="en-US"/>
               <a:t> Work for 11hours a day.</a:t>
             </a:r>
-            <a:endParaRPr lang="en-US"/>
           </a:p>
           <a:p>
             <a:pPr>
@@ -30714,7 +30862,6 @@
               <a:rPr lang="en-US"/>
               <a:t> Set context before staring your work.</a:t>
             </a:r>
-            <a:endParaRPr lang="en-US"/>
           </a:p>
           <a:p>
             <a:pPr>
@@ -30725,7 +30872,6 @@
               <a:rPr lang="en-US"/>
               <a:t> Listen to every one's sugesstion in the group.</a:t>
             </a:r>
-            <a:endParaRPr lang="en-US"/>
           </a:p>
           <a:p>
             <a:pPr>
@@ -30736,7 +30882,6 @@
               <a:rPr lang="en-US"/>
               <a:t> Learning should be grown and should not be stopped.</a:t>
             </a:r>
-            <a:endParaRPr lang="en-US"/>
           </a:p>
           <a:p>
             <a:pPr>
@@ -30747,7 +30892,6 @@
               <a:rPr lang="en-US"/>
               <a:t> Don't stress and enjoy doing your work.</a:t>
             </a:r>
-            <a:endParaRPr lang="en-US"/>
           </a:p>
           <a:p>
             <a:pPr>
@@ -30836,6 +30980,11 @@
         </p:txBody>
       </p:sp>
     </p:spTree>
+    <p:extLst>
+      <p:ext uri="{BB962C8B-B14F-4D97-AF65-F5344CB8AC3E}">
+        <p14:creationId xmlns:p14="http://schemas.microsoft.com/office/powerpoint/2010/main" val="3587435971"/>
+      </p:ext>
+    </p:extLst>
   </p:cSld>
   <p:clrMapOvr>
     <a:masterClrMapping/>
@@ -30862,7 +31011,13 @@
       </p:grpSpPr>
       <p:sp>
         <p:nvSpPr>
-          <p:cNvPr id="2" name="Title 1"/>
+          <p:cNvPr id="2" name="Title 1">
+            <a:extLst>
+              <a:ext uri="{FF2B5EF4-FFF2-40B4-BE49-F238E27FC236}">
+                <a16:creationId xmlns:a16="http://schemas.microsoft.com/office/drawing/2014/main" id="{7041D91E-3DDB-899E-6D6D-B414A289AF20}"/>
+              </a:ext>
+            </a:extLst>
+          </p:cNvPr>
           <p:cNvSpPr>
             <a:spLocks noGrp="1"/>
           </p:cNvSpPr>
@@ -30879,13 +31034,18 @@
               <a:rPr lang="en-IN"/>
               <a:t>THANK YOU</a:t>
             </a:r>
-            <a:endParaRPr lang="en-IN"/>
           </a:p>
         </p:txBody>
       </p:sp>
       <p:sp>
         <p:nvSpPr>
-          <p:cNvPr id="3" name="TextBox 2"/>
+          <p:cNvPr id="3" name="TextBox 2">
+            <a:extLst>
+              <a:ext uri="{FF2B5EF4-FFF2-40B4-BE49-F238E27FC236}">
+                <a16:creationId xmlns:a16="http://schemas.microsoft.com/office/drawing/2014/main" id="{5E70A375-FDC8-53CF-5780-DFE06A2E689A}"/>
+              </a:ext>
+            </a:extLst>
+          </p:cNvPr>
           <p:cNvSpPr txBox="1"/>
           <p:nvPr/>
         </p:nvSpPr>
@@ -30901,6 +31061,9 @@
         </p:spPr>
         <p:txBody>
           <a:bodyPr rot="0" spcFirstLastPara="0" vertOverflow="overflow" horzOverflow="overflow" vert="horz" wrap="square" lIns="91440" tIns="45720" rIns="91440" bIns="45720" numCol="1" spcCol="0" rtlCol="0" fromWordArt="0" anchor="t" anchorCtr="0" forceAA="0" compatLnSpc="1">
+            <a:prstTxWarp prst="textNoShape">
+              <a:avLst/>
+            </a:prstTxWarp>
             <a:spAutoFit/>
           </a:bodyPr>
           <a:lstStyle/>
@@ -30917,15 +31080,15 @@
               </a:rPr>
               <a:t>Aurora</a:t>
             </a:r>
-            <a:endParaRPr lang="en-US" sz="6600">
-              <a:solidFill>
-                <a:srgbClr val="00B0F0"/>
-              </a:solidFill>
-            </a:endParaRPr>
           </a:p>
         </p:txBody>
       </p:sp>
     </p:spTree>
+    <p:extLst>
+      <p:ext uri="{BB962C8B-B14F-4D97-AF65-F5344CB8AC3E}">
+        <p14:creationId xmlns:p14="http://schemas.microsoft.com/office/powerpoint/2010/main" val="3363111261"/>
+      </p:ext>
+    </p:extLst>
   </p:cSld>
   <p:clrMapOvr>
     <a:masterClrMapping/>
@@ -30952,7 +31115,13 @@
       </p:grpSpPr>
       <p:sp>
         <p:nvSpPr>
-          <p:cNvPr id="2" name="Title 1"/>
+          <p:cNvPr id="2" name="Title 1">
+            <a:extLst>
+              <a:ext uri="{FF2B5EF4-FFF2-40B4-BE49-F238E27FC236}">
+                <a16:creationId xmlns:a16="http://schemas.microsoft.com/office/drawing/2014/main" id="{32ACE755-728B-5AAD-C318-8C2E353A2A88}"/>
+              </a:ext>
+            </a:extLst>
+          </p:cNvPr>
           <p:cNvSpPr>
             <a:spLocks noGrp="1"/>
           </p:cNvSpPr>
@@ -30969,13 +31138,18 @@
               <a:rPr lang="en-IN"/>
               <a:t>Team MEMBERS</a:t>
             </a:r>
-            <a:endParaRPr lang="en-IN"/>
           </a:p>
         </p:txBody>
       </p:sp>
       <p:sp>
         <p:nvSpPr>
-          <p:cNvPr id="3" name="Content Placeholder 2"/>
+          <p:cNvPr id="3" name="Content Placeholder 2">
+            <a:extLst>
+              <a:ext uri="{FF2B5EF4-FFF2-40B4-BE49-F238E27FC236}">
+                <a16:creationId xmlns:a16="http://schemas.microsoft.com/office/drawing/2014/main" id="{72E178D4-50E1-EE83-7AFF-FE33D0D6C607}"/>
+              </a:ext>
+            </a:extLst>
+          </p:cNvPr>
           <p:cNvSpPr>
             <a:spLocks noGrp="1"/>
           </p:cNvSpPr>
@@ -31019,11 +31193,6 @@
               </a:rPr>
               <a:t>R</a:t>
             </a:r>
-            <a:endParaRPr lang="en-IN">
-              <a:solidFill>
-                <a:schemeClr val="accent1"/>
-              </a:solidFill>
-            </a:endParaRPr>
           </a:p>
           <a:p>
             <a:pPr>
@@ -31042,11 +31211,6 @@
               </a:rPr>
               <a:t>R</a:t>
             </a:r>
-            <a:endParaRPr lang="en-IN">
-              <a:solidFill>
-                <a:schemeClr val="accent1"/>
-              </a:solidFill>
-            </a:endParaRPr>
           </a:p>
           <a:p>
             <a:pPr>
@@ -31065,11 +31229,6 @@
               </a:rPr>
               <a:t>V</a:t>
             </a:r>
-            <a:endParaRPr lang="en-IN">
-              <a:solidFill>
-                <a:schemeClr val="accent1"/>
-              </a:solidFill>
-            </a:endParaRPr>
           </a:p>
           <a:p>
             <a:pPr>
@@ -31088,11 +31247,6 @@
               </a:rPr>
               <a:t>S</a:t>
             </a:r>
-            <a:endParaRPr lang="en-IN">
-              <a:solidFill>
-                <a:schemeClr val="accent1"/>
-              </a:solidFill>
-            </a:endParaRPr>
           </a:p>
           <a:p>
             <a:pPr>
@@ -31111,11 +31265,6 @@
               </a:rPr>
               <a:t>U</a:t>
             </a:r>
-            <a:endParaRPr lang="en-IN">
-              <a:solidFill>
-                <a:schemeClr val="accent1"/>
-              </a:solidFill>
-            </a:endParaRPr>
           </a:p>
           <a:p>
             <a:pPr>
@@ -31126,13 +31275,18 @@
               <a:rPr lang="en-IN"/>
               <a:t> Project Duration in Days : 40</a:t>
             </a:r>
-            <a:endParaRPr lang="en-IN"/>
           </a:p>
         </p:txBody>
       </p:sp>
       <p:sp>
         <p:nvSpPr>
-          <p:cNvPr id="4" name="TextBox 3"/>
+          <p:cNvPr id="4" name="TextBox 3">
+            <a:extLst>
+              <a:ext uri="{FF2B5EF4-FFF2-40B4-BE49-F238E27FC236}">
+                <a16:creationId xmlns:a16="http://schemas.microsoft.com/office/drawing/2014/main" id="{66467671-585C-BC19-9A54-5E7E8159CE65}"/>
+              </a:ext>
+            </a:extLst>
+          </p:cNvPr>
           <p:cNvSpPr txBox="1"/>
           <p:nvPr/>
         </p:nvSpPr>
@@ -31148,6 +31302,9 @@
         </p:spPr>
         <p:txBody>
           <a:bodyPr rot="0" spcFirstLastPara="0" vertOverflow="overflow" horzOverflow="overflow" vert="horz" wrap="square" lIns="91440" tIns="45720" rIns="91440" bIns="45720" numCol="1" spcCol="0" rtlCol="0" fromWordArt="0" anchor="t" anchorCtr="0" forceAA="0" compatLnSpc="1">
+            <a:prstTxWarp prst="textNoShape">
+              <a:avLst/>
+            </a:prstTxWarp>
             <a:spAutoFit/>
           </a:bodyPr>
           <a:lstStyle/>
@@ -31156,7 +31313,7 @@
               <a:lnSpc>
                 <a:spcPct val="150000"/>
               </a:lnSpc>
-              <a:buFont typeface="Wingdings" panose="05000000000000000000"/>
+              <a:buFont typeface="Wingdings"/>
               <a:buChar char="v"/>
             </a:pPr>
             <a:r>
@@ -31190,7 +31347,7 @@
               <a:lnSpc>
                 <a:spcPct val="150000"/>
               </a:lnSpc>
-              <a:buFont typeface="Wingdings" panose="05000000000000000000"/>
+              <a:buFont typeface="Wingdings"/>
               <a:buChar char="v"/>
             </a:pPr>
             <a:r>
@@ -31213,18 +31370,13 @@
               </a:rPr>
               <a:t> S</a:t>
             </a:r>
-            <a:endParaRPr lang="en-US" sz="2200">
-              <a:solidFill>
-                <a:srgbClr val="00B0F0"/>
-              </a:solidFill>
-            </a:endParaRPr>
           </a:p>
           <a:p>
             <a:pPr marL="285750" indent="-285750">
               <a:lnSpc>
                 <a:spcPct val="150000"/>
               </a:lnSpc>
-              <a:buFont typeface="Wingdings" panose="05000000000000000000"/>
+              <a:buFont typeface="Wingdings"/>
               <a:buChar char="v"/>
             </a:pPr>
             <a:r>
@@ -31247,18 +31399,13 @@
               </a:rPr>
               <a:t> M</a:t>
             </a:r>
-            <a:endParaRPr lang="en-US" sz="2200">
-              <a:solidFill>
-                <a:srgbClr val="00B0F0"/>
-              </a:solidFill>
-            </a:endParaRPr>
           </a:p>
           <a:p>
             <a:pPr marL="285750" indent="-285750">
               <a:lnSpc>
                 <a:spcPct val="150000"/>
               </a:lnSpc>
-              <a:buFont typeface="Wingdings" panose="05000000000000000000"/>
+              <a:buFont typeface="Wingdings"/>
               <a:buChar char="v"/>
             </a:pPr>
             <a:r>
@@ -31296,15 +31443,15 @@
               </a:rPr>
               <a:t> M</a:t>
             </a:r>
-            <a:endParaRPr lang="en-US" sz="2200">
-              <a:solidFill>
-                <a:srgbClr val="00B0F0"/>
-              </a:solidFill>
-            </a:endParaRPr>
           </a:p>
         </p:txBody>
       </p:sp>
     </p:spTree>
+    <p:extLst>
+      <p:ext uri="{BB962C8B-B14F-4D97-AF65-F5344CB8AC3E}">
+        <p14:creationId xmlns:p14="http://schemas.microsoft.com/office/powerpoint/2010/main" val="2688478848"/>
+      </p:ext>
+    </p:extLst>
   </p:cSld>
   <p:clrMapOvr>
     <a:masterClrMapping/>
@@ -31331,7 +31478,13 @@
       </p:grpSpPr>
       <p:sp>
         <p:nvSpPr>
-          <p:cNvPr id="2" name="Title 1"/>
+          <p:cNvPr id="2" name="Title 1">
+            <a:extLst>
+              <a:ext uri="{FF2B5EF4-FFF2-40B4-BE49-F238E27FC236}">
+                <a16:creationId xmlns:a16="http://schemas.microsoft.com/office/drawing/2014/main" id="{A260B8DC-E1C5-7973-E236-01869A6CD938}"/>
+              </a:ext>
+            </a:extLst>
+          </p:cNvPr>
           <p:cNvSpPr>
             <a:spLocks noGrp="1"/>
           </p:cNvSpPr>
@@ -31348,13 +31501,18 @@
               <a:rPr lang="en-IN"/>
               <a:t>ABOUT THIS APPLICATION	</a:t>
             </a:r>
-            <a:endParaRPr lang="en-IN"/>
           </a:p>
         </p:txBody>
       </p:sp>
       <p:sp>
         <p:nvSpPr>
-          <p:cNvPr id="3" name="Content Placeholder 2"/>
+          <p:cNvPr id="3" name="Content Placeholder 2">
+            <a:extLst>
+              <a:ext uri="{FF2B5EF4-FFF2-40B4-BE49-F238E27FC236}">
+                <a16:creationId xmlns:a16="http://schemas.microsoft.com/office/drawing/2014/main" id="{B0BFA435-7BB5-0FDA-B8A2-7312FF98F4B2}"/>
+              </a:ext>
+            </a:extLst>
+          </p:cNvPr>
           <p:cNvSpPr>
             <a:spLocks noGrp="1"/>
           </p:cNvSpPr>
@@ -31377,7 +31535,6 @@
               <a:rPr lang="en-IN"/>
               <a:t> Aspire Overflow is developed for the users inside our office.</a:t>
             </a:r>
-            <a:endParaRPr lang="en-IN"/>
           </a:p>
           <a:p>
             <a:pPr>
@@ -31388,7 +31545,6 @@
               <a:rPr lang="en-IN"/>
               <a:t> The main purpose of this platform is to post your queries and to write articles, mostly about technologies.</a:t>
             </a:r>
-            <a:endParaRPr lang="en-IN"/>
           </a:p>
           <a:p>
             <a:pPr>
@@ -31399,7 +31555,6 @@
               <a:rPr lang="en-IN"/>
               <a:t> Normal employee of the company will be the users.</a:t>
             </a:r>
-            <a:endParaRPr lang="en-IN"/>
           </a:p>
           <a:p>
             <a:pPr>
@@ -31410,7 +31565,6 @@
               <a:rPr lang="en-IN"/>
               <a:t> Reviewer is an extra privilege given to the users. Reviewer is the one who reviews the articles.</a:t>
             </a:r>
-            <a:endParaRPr lang="en-IN"/>
           </a:p>
           <a:p>
             <a:pPr>
@@ -31421,7 +31575,6 @@
               <a:rPr lang="en-IN"/>
               <a:t> Admin is another user who has the permission to verify the register user and allow the user to access the website.</a:t>
             </a:r>
-            <a:endParaRPr lang="en-IN"/>
           </a:p>
           <a:p>
             <a:pPr marL="0" indent="0">
@@ -31432,6 +31585,11 @@
         </p:txBody>
       </p:sp>
     </p:spTree>
+    <p:extLst>
+      <p:ext uri="{BB962C8B-B14F-4D97-AF65-F5344CB8AC3E}">
+        <p14:creationId xmlns:p14="http://schemas.microsoft.com/office/powerpoint/2010/main" val="55124933"/>
+      </p:ext>
+    </p:extLst>
   </p:cSld>
   <p:clrMapOvr>
     <a:masterClrMapping/>
@@ -31458,7 +31616,13 @@
       </p:grpSpPr>
       <p:sp>
         <p:nvSpPr>
-          <p:cNvPr id="2" name="Title 1"/>
+          <p:cNvPr id="2" name="Title 1">
+            <a:extLst>
+              <a:ext uri="{FF2B5EF4-FFF2-40B4-BE49-F238E27FC236}">
+                <a16:creationId xmlns:a16="http://schemas.microsoft.com/office/drawing/2014/main" id="{29925EE2-7E67-8E04-0928-C6A822CC054F}"/>
+              </a:ext>
+            </a:extLst>
+          </p:cNvPr>
           <p:cNvSpPr>
             <a:spLocks noGrp="1"/>
           </p:cNvSpPr>
@@ -31475,13 +31639,18 @@
               <a:rPr lang="en-IN"/>
               <a:t>EXISTING CHALLENGES in the Existing project.</a:t>
             </a:r>
-            <a:endParaRPr lang="en-IN"/>
           </a:p>
         </p:txBody>
       </p:sp>
       <p:sp>
         <p:nvSpPr>
-          <p:cNvPr id="3" name="Content Placeholder 2"/>
+          <p:cNvPr id="3" name="Content Placeholder 2">
+            <a:extLst>
+              <a:ext uri="{FF2B5EF4-FFF2-40B4-BE49-F238E27FC236}">
+                <a16:creationId xmlns:a16="http://schemas.microsoft.com/office/drawing/2014/main" id="{FC2EE83D-3E68-0246-6E72-68B4CDCD9019}"/>
+              </a:ext>
+            </a:extLst>
+          </p:cNvPr>
           <p:cNvSpPr>
             <a:spLocks noGrp="1"/>
           </p:cNvSpPr>
@@ -31504,7 +31673,6 @@
               <a:rPr lang="en-IN"/>
               <a:t> Knowledge sharing will be very limited.</a:t>
             </a:r>
-            <a:endParaRPr lang="en-IN"/>
           </a:p>
           <a:p>
             <a:pPr>
@@ -31515,7 +31683,6 @@
               <a:rPr lang="en-IN"/>
               <a:t> Learnings about the current technologies will not be up-to-date.</a:t>
             </a:r>
-            <a:endParaRPr lang="en-IN"/>
           </a:p>
           <a:p>
             <a:pPr>
@@ -31526,7 +31693,6 @@
               <a:rPr lang="en-IN"/>
               <a:t> Problems and queries takes very much time to resolve.</a:t>
             </a:r>
-            <a:endParaRPr lang="en-IN"/>
           </a:p>
           <a:p>
             <a:pPr>
@@ -31544,6 +31710,11 @@
         </p:txBody>
       </p:sp>
     </p:spTree>
+    <p:extLst>
+      <p:ext uri="{BB962C8B-B14F-4D97-AF65-F5344CB8AC3E}">
+        <p14:creationId xmlns:p14="http://schemas.microsoft.com/office/powerpoint/2010/main" val="2238010370"/>
+      </p:ext>
+    </p:extLst>
   </p:cSld>
   <p:clrMapOvr>
     <a:masterClrMapping/>
@@ -31570,7 +31741,13 @@
       </p:grpSpPr>
       <p:sp>
         <p:nvSpPr>
-          <p:cNvPr id="2" name="Title 1"/>
+          <p:cNvPr id="2" name="Title 1">
+            <a:extLst>
+              <a:ext uri="{FF2B5EF4-FFF2-40B4-BE49-F238E27FC236}">
+                <a16:creationId xmlns:a16="http://schemas.microsoft.com/office/drawing/2014/main" id="{F8958DDC-3FB2-1E52-6CBB-472269ACC0FC}"/>
+              </a:ext>
+            </a:extLst>
+          </p:cNvPr>
           <p:cNvSpPr>
             <a:spLocks noGrp="1"/>
           </p:cNvSpPr>
@@ -31587,13 +31764,18 @@
               <a:rPr lang="en-IN"/>
               <a:t>SOLUTION and ARCHITECTURE</a:t>
             </a:r>
-            <a:endParaRPr lang="en-IN"/>
           </a:p>
         </p:txBody>
       </p:sp>
       <p:sp>
         <p:nvSpPr>
-          <p:cNvPr id="3" name="Content Placeholder 2"/>
+          <p:cNvPr id="3" name="Content Placeholder 2">
+            <a:extLst>
+              <a:ext uri="{FF2B5EF4-FFF2-40B4-BE49-F238E27FC236}">
+                <a16:creationId xmlns:a16="http://schemas.microsoft.com/office/drawing/2014/main" id="{5EE8EA71-4A04-7196-092F-0E6B6FEEC877}"/>
+              </a:ext>
+            </a:extLst>
+          </p:cNvPr>
           <p:cNvSpPr>
             <a:spLocks noGrp="1"/>
           </p:cNvSpPr>
@@ -31627,7 +31809,6 @@
               <a:rPr lang="en-IN"/>
               <a:t> Posting the queries that you have problem with solving.</a:t>
             </a:r>
-            <a:endParaRPr lang="en-IN"/>
           </a:p>
           <a:p>
             <a:pPr>
@@ -31638,7 +31819,6 @@
               <a:rPr lang="en-IN"/>
               <a:t> Answering the queries that you have knowledge of.</a:t>
             </a:r>
-            <a:endParaRPr lang="en-IN"/>
           </a:p>
           <a:p>
             <a:pPr>
@@ -31657,6 +31837,11 @@
         </p:txBody>
       </p:sp>
     </p:spTree>
+    <p:extLst>
+      <p:ext uri="{BB962C8B-B14F-4D97-AF65-F5344CB8AC3E}">
+        <p14:creationId xmlns:p14="http://schemas.microsoft.com/office/powerpoint/2010/main" val="3440127582"/>
+      </p:ext>
+    </p:extLst>
   </p:cSld>
   <p:clrMapOvr>
     <a:masterClrMapping/>
@@ -31683,7 +31868,13 @@
       </p:grpSpPr>
       <p:pic>
         <p:nvPicPr>
-          <p:cNvPr id="5" name="Picture 5" descr="Diagram&#10;&#10;Description automatically generated"/>
+          <p:cNvPr id="5" name="Picture 5" descr="Diagram&#10;&#10;Description automatically generated">
+            <a:extLst>
+              <a:ext uri="{FF2B5EF4-FFF2-40B4-BE49-F238E27FC236}">
+                <a16:creationId xmlns:a16="http://schemas.microsoft.com/office/drawing/2014/main" id="{C978B646-166D-4A91-70BB-831C4C31732E}"/>
+              </a:ext>
+            </a:extLst>
+          </p:cNvPr>
           <p:cNvPicPr>
             <a:picLocks noGrp="1" noChangeAspect="1"/>
           </p:cNvPicPr>
@@ -31692,7 +31883,7 @@
           </p:nvPr>
         </p:nvPicPr>
         <p:blipFill>
-          <a:blip r:embed="rId1"/>
+          <a:blip r:embed="rId2"/>
           <a:stretch>
             <a:fillRect/>
           </a:stretch>
@@ -31705,6 +31896,11 @@
         </p:spPr>
       </p:pic>
     </p:spTree>
+    <p:extLst>
+      <p:ext uri="{BB962C8B-B14F-4D97-AF65-F5344CB8AC3E}">
+        <p14:creationId xmlns:p14="http://schemas.microsoft.com/office/powerpoint/2010/main" val="3869471433"/>
+      </p:ext>
+    </p:extLst>
   </p:cSld>
   <p:clrMapOvr>
     <a:masterClrMapping/>
@@ -31731,7 +31927,13 @@
       </p:grpSpPr>
       <p:sp>
         <p:nvSpPr>
-          <p:cNvPr id="2" name="Title 1"/>
+          <p:cNvPr id="2" name="Title 1">
+            <a:extLst>
+              <a:ext uri="{FF2B5EF4-FFF2-40B4-BE49-F238E27FC236}">
+                <a16:creationId xmlns:a16="http://schemas.microsoft.com/office/drawing/2014/main" id="{F8958DDC-3FB2-1E52-6CBB-472269ACC0FC}"/>
+              </a:ext>
+            </a:extLst>
+          </p:cNvPr>
           <p:cNvSpPr>
             <a:spLocks noGrp="1"/>
           </p:cNvSpPr>
@@ -31748,13 +31950,18 @@
               <a:rPr lang="en-IN"/>
               <a:t>EXECUTION JOURNEY</a:t>
             </a:r>
-            <a:endParaRPr lang="en-IN"/>
           </a:p>
         </p:txBody>
       </p:sp>
       <p:sp>
         <p:nvSpPr>
-          <p:cNvPr id="3" name="Content Placeholder 2"/>
+          <p:cNvPr id="3" name="Content Placeholder 2">
+            <a:extLst>
+              <a:ext uri="{FF2B5EF4-FFF2-40B4-BE49-F238E27FC236}">
+                <a16:creationId xmlns:a16="http://schemas.microsoft.com/office/drawing/2014/main" id="{5EE8EA71-4A04-7196-092F-0E6B6FEEC877}"/>
+              </a:ext>
+            </a:extLst>
+          </p:cNvPr>
           <p:cNvSpPr>
             <a:spLocks noGrp="1"/>
           </p:cNvSpPr>
@@ -31808,7 +32015,6 @@
               <a:rPr lang="en-IN"/>
               <a:t> Functional and Non-Functional Requirements</a:t>
             </a:r>
-            <a:endParaRPr lang="en-IN"/>
           </a:p>
           <a:p>
             <a:pPr>
@@ -31819,7 +32025,6 @@
               <a:rPr lang="en-IN"/>
               <a:t> Wireframe</a:t>
             </a:r>
-            <a:endParaRPr lang="en-IN"/>
           </a:p>
           <a:p>
             <a:pPr>
@@ -31850,10 +32055,6 @@
               </a:rPr>
               <a:t> High Level Design</a:t>
             </a:r>
-            <a:endParaRPr lang="en-US">
-              <a:ea typeface="+mn-lt"/>
-              <a:cs typeface="+mn-lt"/>
-            </a:endParaRPr>
           </a:p>
           <a:p>
             <a:pPr>
@@ -31871,10 +32072,6 @@
               </a:rPr>
               <a:t>Low Level Design</a:t>
             </a:r>
-            <a:endParaRPr lang="en-US">
-              <a:ea typeface="+mn-lt"/>
-              <a:cs typeface="+mn-lt"/>
-            </a:endParaRPr>
           </a:p>
           <a:p>
             <a:pPr>
@@ -31885,7 +32082,6 @@
               <a:rPr lang="en-IN"/>
               <a:t> HTML Template</a:t>
             </a:r>
-            <a:endParaRPr lang="en-IN"/>
           </a:p>
           <a:p>
             <a:pPr>
@@ -31896,7 +32092,6 @@
               <a:rPr lang="en-IN"/>
               <a:t> Angular Components</a:t>
             </a:r>
-            <a:endParaRPr lang="en-IN"/>
           </a:p>
           <a:p>
             <a:pPr>
@@ -31907,7 +32102,6 @@
               <a:rPr lang="en-IN"/>
               <a:t> Estimation Calculation</a:t>
             </a:r>
-            <a:endParaRPr lang="en-IN"/>
           </a:p>
           <a:p>
             <a:pPr>
@@ -31918,7 +32112,6 @@
               <a:rPr lang="en-IN"/>
               <a:t> Web Api</a:t>
             </a:r>
-            <a:endParaRPr lang="en-IN"/>
           </a:p>
           <a:p>
             <a:pPr>
@@ -31929,7 +32122,6 @@
               <a:rPr lang="en-IN"/>
               <a:t> Integration</a:t>
             </a:r>
-            <a:endParaRPr lang="en-IN"/>
           </a:p>
           <a:p>
             <a:pPr>
@@ -31948,7 +32140,13 @@
       </p:sp>
       <p:sp>
         <p:nvSpPr>
-          <p:cNvPr id="4" name="TextBox 3"/>
+          <p:cNvPr id="4" name="TextBox 3">
+            <a:extLst>
+              <a:ext uri="{FF2B5EF4-FFF2-40B4-BE49-F238E27FC236}">
+                <a16:creationId xmlns:a16="http://schemas.microsoft.com/office/drawing/2014/main" id="{EC70883E-73B2-4A22-FDC2-10224B2181ED}"/>
+              </a:ext>
+            </a:extLst>
+          </p:cNvPr>
           <p:cNvSpPr txBox="1"/>
           <p:nvPr/>
         </p:nvSpPr>
@@ -31964,6 +32162,9 @@
         </p:spPr>
         <p:txBody>
           <a:bodyPr rot="0" spcFirstLastPara="0" vertOverflow="overflow" horzOverflow="overflow" vert="horz" wrap="square" lIns="91440" tIns="45720" rIns="91440" bIns="45720" numCol="1" spcCol="0" rtlCol="0" fromWordArt="0" anchor="t" anchorCtr="0" forceAA="0" compatLnSpc="1">
+            <a:prstTxWarp prst="textNoShape">
+              <a:avLst/>
+            </a:prstTxWarp>
             <a:spAutoFit/>
           </a:bodyPr>
           <a:lstStyle/>
@@ -32003,10 +32204,6 @@
               </a:rPr>
               <a:t>nit Testing</a:t>
             </a:r>
-            <a:endParaRPr lang="en-IN" sz="1700">
-              <a:ea typeface="+mn-lt"/>
-              <a:cs typeface="+mn-lt"/>
-            </a:endParaRPr>
           </a:p>
           <a:p>
             <a:pPr marL="285750" indent="-285750">
@@ -32039,10 +32236,6 @@
               </a:rPr>
               <a:t>Set-up Documentation</a:t>
             </a:r>
-            <a:endParaRPr lang="en-IN" sz="1700">
-              <a:ea typeface="+mn-lt"/>
-              <a:cs typeface="+mn-lt"/>
-            </a:endParaRPr>
           </a:p>
           <a:p>
             <a:pPr marL="285750" indent="-285750">
@@ -32082,7 +32275,7 @@
               <a:lnSpc>
                 <a:spcPct val="150000"/>
               </a:lnSpc>
-              <a:buFont typeface="Wingdings" panose="05000000000000000000"/>
+              <a:buFont typeface="Wingdings"/>
               <a:buChar char="v"/>
             </a:pPr>
             <a:r>
@@ -32102,17 +32295,13 @@
               </a:rPr>
               <a:t>SonarQube</a:t>
             </a:r>
-            <a:endParaRPr lang="en-US" sz="1700">
-              <a:ea typeface="+mn-lt"/>
-              <a:cs typeface="+mn-lt"/>
-            </a:endParaRPr>
           </a:p>
           <a:p>
             <a:pPr marL="285750" indent="-285750">
               <a:lnSpc>
                 <a:spcPct val="150000"/>
               </a:lnSpc>
-              <a:buFont typeface="Wingdings" panose="05000000000000000000"/>
+              <a:buFont typeface="Wingdings"/>
               <a:buChar char="v"/>
             </a:pPr>
             <a:r>
@@ -32139,7 +32328,7 @@
               <a:lnSpc>
                 <a:spcPct val="150000"/>
               </a:lnSpc>
-              <a:buFont typeface="Wingdings" panose="05000000000000000000"/>
+              <a:buFont typeface="Wingdings"/>
               <a:buChar char="v"/>
             </a:pPr>
             <a:r>
@@ -32166,7 +32355,7 @@
               <a:lnSpc>
                 <a:spcPct val="150000"/>
               </a:lnSpc>
-              <a:buFont typeface="Wingdings" panose="05000000000000000000"/>
+              <a:buFont typeface="Wingdings"/>
               <a:buChar char="v"/>
             </a:pPr>
             <a:r>
@@ -32193,7 +32382,7 @@
               <a:lnSpc>
                 <a:spcPct val="150000"/>
               </a:lnSpc>
-              <a:buFont typeface="Wingdings" panose="05000000000000000000"/>
+              <a:buFont typeface="Wingdings"/>
               <a:buChar char="v"/>
             </a:pPr>
             <a:r>
@@ -32220,7 +32409,7 @@
               <a:lnSpc>
                 <a:spcPct val="150000"/>
               </a:lnSpc>
-              <a:buFont typeface="Wingdings" panose="05000000000000000000"/>
+              <a:buFont typeface="Wingdings"/>
               <a:buChar char="v"/>
             </a:pPr>
             <a:r>
@@ -32252,7 +32441,7 @@
           </a:p>
           <a:p>
             <a:pPr marL="285750" indent="-285750">
-              <a:buFont typeface="Wingdings" panose="05000000000000000000"/>
+              <a:buFont typeface="Wingdings"/>
               <a:buChar char="v"/>
             </a:pPr>
             <a:endParaRPr lang="en-US" sz="1700"/>
@@ -32260,6 +32449,11 @@
         </p:txBody>
       </p:sp>
     </p:spTree>
+    <p:extLst>
+      <p:ext uri="{BB962C8B-B14F-4D97-AF65-F5344CB8AC3E}">
+        <p14:creationId xmlns:p14="http://schemas.microsoft.com/office/powerpoint/2010/main" val="3862828603"/>
+      </p:ext>
+    </p:extLst>
   </p:cSld>
   <p:clrMapOvr>
     <a:masterClrMapping/>
@@ -32286,7 +32480,13 @@
       </p:grpSpPr>
       <p:sp>
         <p:nvSpPr>
-          <p:cNvPr id="2" name="Title 1"/>
+          <p:cNvPr id="2" name="Title 1">
+            <a:extLst>
+              <a:ext uri="{FF2B5EF4-FFF2-40B4-BE49-F238E27FC236}">
+                <a16:creationId xmlns:a16="http://schemas.microsoft.com/office/drawing/2014/main" id="{ED0B6F54-9F1B-50D0-BCE0-04A244CBFB0B}"/>
+              </a:ext>
+            </a:extLst>
+          </p:cNvPr>
           <p:cNvSpPr>
             <a:spLocks noGrp="1"/>
           </p:cNvSpPr>
@@ -32303,23 +32503,33 @@
               <a:rPr lang="en-IN"/>
               <a:t>Artifacts</a:t>
             </a:r>
-            <a:endParaRPr lang="en-IN"/>
           </a:p>
         </p:txBody>
       </p:sp>
       <p:graphicFrame>
         <p:nvGraphicFramePr>
-          <p:cNvPr id="4" name="Table 4"/>
+          <p:cNvPr id="4" name="Table 4">
+            <a:extLst>
+              <a:ext uri="{FF2B5EF4-FFF2-40B4-BE49-F238E27FC236}">
+                <a16:creationId xmlns:a16="http://schemas.microsoft.com/office/drawing/2014/main" id="{EA882DB7-229F-BA10-54FC-42B8673824C1}"/>
+              </a:ext>
+            </a:extLst>
+          </p:cNvPr>
           <p:cNvGraphicFramePr>
             <a:graphicFrameLocks noGrp="1"/>
           </p:cNvGraphicFramePr>
           <p:nvPr>
             <p:ph idx="1"/>
+            <p:extLst>
+              <p:ext uri="{D42A27DB-BD31-4B8C-83A1-F6EECF244321}">
+                <p14:modId xmlns:p14="http://schemas.microsoft.com/office/powerpoint/2010/main" val="316720039"/>
+              </p:ext>
+            </p:extLst>
           </p:nvPr>
         </p:nvGraphicFramePr>
         <p:xfrm>
-          <a:off x="1024255" y="2289175"/>
-          <a:ext cx="9719945" cy="4142105"/>
+          <a:off x="1023938" y="2286000"/>
+          <a:ext cx="9720262" cy="3337560"/>
         </p:xfrm>
         <a:graphic>
           <a:graphicData uri="http://schemas.openxmlformats.org/drawingml/2006/table">
@@ -32328,20 +32538,31 @@
                 <a:tableStyleId>{5C22544A-7EE6-4342-B048-85BDC9FD1C3A}</a:tableStyleId>
               </a:tblPr>
               <a:tblGrid>
-                <a:gridCol w="4860290"/>
-                <a:gridCol w="4859655"/>
+                <a:gridCol w="4860131">
+                  <a:extLst>
+                    <a:ext uri="{9D8B030D-6E8A-4147-A177-3AD203B41FA5}">
+                      <a16:colId xmlns:a16="http://schemas.microsoft.com/office/drawing/2014/main" val="2923587592"/>
+                    </a:ext>
+                  </a:extLst>
+                </a:gridCol>
+                <a:gridCol w="4860131">
+                  <a:extLst>
+                    <a:ext uri="{9D8B030D-6E8A-4147-A177-3AD203B41FA5}">
+                      <a16:colId xmlns:a16="http://schemas.microsoft.com/office/drawing/2014/main" val="756473311"/>
+                    </a:ext>
+                  </a:extLst>
+                </a:gridCol>
               </a:tblGrid>
-              <a:tr h="370205">
+              <a:tr h="370840">
                 <a:tc>
                   <a:txBody>
                     <a:bodyPr/>
                     <a:lstStyle/>
                     <a:p>
                       <a:r>
-                        <a:rPr lang="en-IN"/>
+                        <a:rPr lang="en-IN" dirty="0"/>
                         <a:t>Areas</a:t>
                       </a:r>
-                      <a:endParaRPr lang="en-IN"/>
                     </a:p>
                   </a:txBody>
                   <a:tcPr/>
@@ -32352,26 +32573,29 @@
                     <a:lstStyle/>
                     <a:p>
                       <a:r>
-                        <a:rPr lang="en-IN"/>
+                        <a:rPr lang="en-IN" dirty="0"/>
                         <a:t>Link</a:t>
                       </a:r>
-                      <a:endParaRPr lang="en-IN"/>
                     </a:p>
                   </a:txBody>
                   <a:tcPr/>
                 </a:tc>
+                <a:extLst>
+                  <a:ext uri="{0D108BD9-81ED-4DB2-BD59-A6C34878D82A}">
+                    <a16:rowId xmlns:a16="http://schemas.microsoft.com/office/drawing/2014/main" val="2291197956"/>
+                  </a:ext>
+                </a:extLst>
               </a:tr>
-              <a:tr h="640080">
+              <a:tr h="370840">
                 <a:tc>
                   <a:txBody>
                     <a:bodyPr/>
                     <a:lstStyle/>
                     <a:p>
                       <a:r>
-                        <a:rPr lang="en-IN"/>
+                        <a:rPr lang="en-IN" dirty="0"/>
                         <a:t>Requirement – User Stories, Wireframes, Data Flow</a:t>
                       </a:r>
-                      <a:endParaRPr lang="en-IN"/>
                     </a:p>
                   </a:txBody>
                   <a:tcPr/>
@@ -32382,28 +32606,32 @@
                     <a:lstStyle/>
                     <a:p>
                       <a:r>
-                        <a:rPr lang="en-IN">
-                          <a:hlinkClick r:id="rId1"/>
+                        <a:rPr lang="en-IN" dirty="0">
+                          <a:hlinkClick r:id="rId2"/>
                         </a:rPr>
                         <a:t>Wireframe and User Stories</a:t>
                       </a:r>
-                      <a:endParaRPr lang="en-IN"/>
+                      <a:endParaRPr lang="en-IN" dirty="0"/>
                     </a:p>
                   </a:txBody>
                   <a:tcPr/>
                 </a:tc>
+                <a:extLst>
+                  <a:ext uri="{0D108BD9-81ED-4DB2-BD59-A6C34878D82A}">
+                    <a16:rowId xmlns:a16="http://schemas.microsoft.com/office/drawing/2014/main" val="1391388041"/>
+                  </a:ext>
+                </a:extLst>
               </a:tr>
-              <a:tr h="640080">
+              <a:tr h="370840">
                 <a:tc>
                   <a:txBody>
                     <a:bodyPr/>
                     <a:lstStyle/>
                     <a:p>
                       <a:r>
-                        <a:rPr lang="en-IN"/>
+                        <a:rPr lang="en-IN" dirty="0"/>
                         <a:t>Swagger - API</a:t>
                       </a:r>
-                      <a:endParaRPr lang="en-IN"/>
                     </a:p>
                   </a:txBody>
                   <a:tcPr/>
@@ -32417,31 +32645,32 @@
                         <a:buNone/>
                       </a:pPr>
                       <a:r>
-                        <a:rPr lang="en-IN" sz="1800" b="0" i="0" u="none" strike="noStrike" noProof="0">
-                          <a:latin typeface="Tw Cen MT"/>
-                          <a:hlinkClick r:id="rId2"/>
+                        <a:rPr lang="en-IN" sz="1800" b="0" i="0" u="none" strike="noStrike" noProof="0" dirty="0">
+                          <a:hlinkClick r:id="rId3"/>
                         </a:rPr>
-                        <a:t>http://172.24.210.43/Aspire-API/swagger</a:t>
+                        <a:t>Api-Swagger</a:t>
                       </a:r>
-                      <a:endParaRPr lang="en-IN" sz="1800" b="0" i="0" u="none" strike="noStrike" noProof="0">
-                        <a:latin typeface="Tw Cen MT"/>
-                      </a:endParaRPr>
+                      <a:endParaRPr lang="en-US"/>
                     </a:p>
                   </a:txBody>
                   <a:tcPr/>
                 </a:tc>
+                <a:extLst>
+                  <a:ext uri="{0D108BD9-81ED-4DB2-BD59-A6C34878D82A}">
+                    <a16:rowId xmlns:a16="http://schemas.microsoft.com/office/drawing/2014/main" val="2995886522"/>
+                  </a:ext>
+                </a:extLst>
               </a:tr>
-              <a:tr h="640080">
+              <a:tr h="370840">
                 <a:tc>
                   <a:txBody>
                     <a:bodyPr/>
                     <a:lstStyle/>
                     <a:p>
                       <a:r>
-                        <a:rPr lang="en-IN"/>
+                        <a:rPr lang="en-IN" dirty="0"/>
                         <a:t>Data Model – EAR (Entity Attribute Relationship)</a:t>
                       </a:r>
-                      <a:endParaRPr lang="en-IN"/>
                     </a:p>
                   </a:txBody>
                   <a:tcPr/>
@@ -32455,31 +32684,35 @@
                         <a:buNone/>
                       </a:pPr>
                       <a:r>
-                        <a:rPr lang="en-IN" sz="1800" b="0" i="0" u="none" strike="noStrike" noProof="0">
+                        <a:rPr lang="en-IN" sz="1800" b="0" i="0" u="none" strike="noStrike" noProof="0" dirty="0">
                           <a:latin typeface="Tw Cen MT"/>
-                          <a:hlinkClick r:id="rId3"/>
+                          <a:hlinkClick r:id="rId4"/>
                         </a:rPr>
                         <a:t>Data Model</a:t>
                       </a:r>
-                      <a:endParaRPr lang="en-IN" sz="1800" b="0" i="0" u="none" strike="noStrike" noProof="0">
+                      <a:endParaRPr lang="en-IN" sz="1800" b="0" i="0" u="none" strike="noStrike" noProof="0" dirty="0">
                         <a:latin typeface="Tw Cen MT"/>
                       </a:endParaRPr>
                     </a:p>
                   </a:txBody>
                   <a:tcPr/>
                 </a:tc>
+                <a:extLst>
+                  <a:ext uri="{0D108BD9-81ED-4DB2-BD59-A6C34878D82A}">
+                    <a16:rowId xmlns:a16="http://schemas.microsoft.com/office/drawing/2014/main" val="2356865371"/>
+                  </a:ext>
+                </a:extLst>
               </a:tr>
-              <a:tr h="370205">
+              <a:tr h="370840">
                 <a:tc>
                   <a:txBody>
                     <a:bodyPr/>
                     <a:lstStyle/>
                     <a:p>
                       <a:r>
-                        <a:rPr lang="en-IN"/>
+                        <a:rPr lang="en-IN" dirty="0"/>
                         <a:t>Test Scenarios</a:t>
                       </a:r>
-                      <a:endParaRPr lang="en-IN"/>
                     </a:p>
                   </a:txBody>
                   <a:tcPr/>
@@ -32493,31 +32726,35 @@
                         <a:buNone/>
                       </a:pPr>
                       <a:r>
-                        <a:rPr lang="en-IN" sz="1800" b="0" i="0" u="none" strike="noStrike" noProof="0">
+                        <a:rPr lang="en-IN" sz="1800" b="0" i="0" u="none" strike="noStrike" noProof="0" dirty="0">
                           <a:latin typeface="Tw Cen MT"/>
-                          <a:hlinkClick r:id="rId4"/>
+                          <a:hlinkClick r:id="rId5"/>
                         </a:rPr>
                         <a:t>Test Secarios</a:t>
                       </a:r>
-                      <a:endParaRPr lang="en-IN" sz="1800" b="0" i="0" u="none" strike="noStrike" noProof="0">
+                      <a:endParaRPr lang="en-IN" sz="1800" b="0" i="0" u="none" strike="noStrike" noProof="0" dirty="0">
                         <a:latin typeface="Tw Cen MT"/>
                       </a:endParaRPr>
                     </a:p>
                   </a:txBody>
                   <a:tcPr/>
                 </a:tc>
+                <a:extLst>
+                  <a:ext uri="{0D108BD9-81ED-4DB2-BD59-A6C34878D82A}">
+                    <a16:rowId xmlns:a16="http://schemas.microsoft.com/office/drawing/2014/main" val="2939039858"/>
+                  </a:ext>
+                </a:extLst>
               </a:tr>
-              <a:tr h="370205">
+              <a:tr h="370840">
                 <a:tc>
                   <a:txBody>
                     <a:bodyPr/>
                     <a:lstStyle/>
                     <a:p>
                       <a:r>
-                        <a:rPr lang="en-IN"/>
+                        <a:rPr lang="en-IN" dirty="0"/>
                         <a:t>Sequence Diagrams</a:t>
                       </a:r>
-                      <a:endParaRPr lang="en-IN"/>
                     </a:p>
                   </a:txBody>
                   <a:tcPr/>
@@ -32528,36 +32765,34 @@
                     <a:lstStyle/>
                     <a:p>
                       <a:r>
-                        <a:rPr lang="en-IN">
-                          <a:hlinkClick r:id="rId5"/>
+                        <a:rPr lang="en-IN" dirty="0">
+                          <a:hlinkClick r:id="rId6"/>
                         </a:rPr>
-                        <a:t>Sequence </a:t>
+                        <a:t>Sequence Diagarm</a:t>
                       </a:r>
-                      <a:r>
-                        <a:rPr lang="en-IN" err="1">
-                          <a:hlinkClick r:id="rId5"/>
-                        </a:rPr>
-                        <a:t>Diagarm</a:t>
-                      </a:r>
-                      <a:endParaRPr lang="en-IN" err="1">
-                        <a:hlinkClick r:id="rId5"/>
+                      <a:endParaRPr lang="en-IN" dirty="0">
+                        <a:hlinkClick r:id="rId6"/>
                       </a:endParaRPr>
                     </a:p>
                   </a:txBody>
                   <a:tcPr/>
                 </a:tc>
+                <a:extLst>
+                  <a:ext uri="{0D108BD9-81ED-4DB2-BD59-A6C34878D82A}">
+                    <a16:rowId xmlns:a16="http://schemas.microsoft.com/office/drawing/2014/main" val="2026267292"/>
+                  </a:ext>
+                </a:extLst>
               </a:tr>
-              <a:tr h="370205">
+              <a:tr h="370840">
                 <a:tc>
                   <a:txBody>
                     <a:bodyPr/>
                     <a:lstStyle/>
                     <a:p>
                       <a:r>
-                        <a:rPr lang="en-IN"/>
+                        <a:rPr lang="en-IN" dirty="0"/>
                         <a:t>Defect Logs</a:t>
                       </a:r>
-                      <a:endParaRPr lang="en-IN"/>
                     </a:p>
                   </a:txBody>
                   <a:tcPr/>
@@ -32568,16 +32803,21 @@
                     <a:lstStyle/>
                     <a:p>
                       <a:r>
-                        <a:rPr lang="en-IN">
-                          <a:hlinkClick r:id="rId6"/>
+                        <a:rPr lang="en-IN" dirty="0">
+                          <a:hlinkClick r:id="rId7"/>
                         </a:rPr>
                         <a:t>Defect Logs</a:t>
                       </a:r>
-                      <a:endParaRPr lang="en-IN"/>
+                      <a:endParaRPr lang="en-IN" dirty="0"/>
                     </a:p>
                   </a:txBody>
                   <a:tcPr/>
                 </a:tc>
+                <a:extLst>
+                  <a:ext uri="{0D108BD9-81ED-4DB2-BD59-A6C34878D82A}">
+                    <a16:rowId xmlns:a16="http://schemas.microsoft.com/office/drawing/2014/main" val="164923034"/>
+                  </a:ext>
+                </a:extLst>
               </a:tr>
               <a:tr h="370840">
                 <a:tc>
@@ -32586,10 +32826,9 @@
                     <a:lstStyle/>
                     <a:p>
                       <a:r>
-                        <a:rPr lang="en-IN"/>
+                        <a:rPr lang="en-IN" dirty="0"/>
                         <a:t>Code Quality Metrics</a:t>
                       </a:r>
-                      <a:endParaRPr lang="en-IN"/>
                     </a:p>
                   </a:txBody>
                   <a:tcPr/>
@@ -32600,7 +32839,9 @@
                     <a:lstStyle/>
                     <a:p>
                       <a:r>
-                        <a:rPr lang="en-IN"/>
+                        <a:rPr lang="en-IN" dirty="0">
+                          <a:hlinkClick r:id="rId8"/>
+                        </a:rPr>
                         <a:t>Sonar and Lint reports</a:t>
                       </a:r>
                       <a:endParaRPr lang="en-IN"/>
@@ -32608,18 +32849,22 @@
                   </a:txBody>
                   <a:tcPr/>
                 </a:tc>
+                <a:extLst>
+                  <a:ext uri="{0D108BD9-81ED-4DB2-BD59-A6C34878D82A}">
+                    <a16:rowId xmlns:a16="http://schemas.microsoft.com/office/drawing/2014/main" val="2558600139"/>
+                  </a:ext>
+                </a:extLst>
               </a:tr>
-              <a:tr h="370205">
+              <a:tr h="370840">
                 <a:tc>
                   <a:txBody>
                     <a:bodyPr/>
                     <a:lstStyle/>
                     <a:p>
                       <a:r>
-                        <a:rPr lang="en-IN"/>
+                        <a:rPr lang="en-IN" dirty="0"/>
                         <a:t>Setup Manual</a:t>
                       </a:r>
-                      <a:endParaRPr lang="en-IN"/>
                     </a:p>
                   </a:txBody>
                   <a:tcPr/>
@@ -32630,22 +32875,32 @@
                     <a:lstStyle/>
                     <a:p>
                       <a:r>
-                        <a:rPr lang="en-IN">
-                          <a:hlinkClick r:id="rId7"/>
+                        <a:rPr lang="en-IN" dirty="0">
+                          <a:hlinkClick r:id="rId9"/>
                         </a:rPr>
                         <a:t>Setup Manual</a:t>
                       </a:r>
-                      <a:endParaRPr lang="en-IN"/>
+                      <a:endParaRPr lang="en-IN" dirty="0"/>
                     </a:p>
                   </a:txBody>
                   <a:tcPr/>
                 </a:tc>
+                <a:extLst>
+                  <a:ext uri="{0D108BD9-81ED-4DB2-BD59-A6C34878D82A}">
+                    <a16:rowId xmlns:a16="http://schemas.microsoft.com/office/drawing/2014/main" val="3209384644"/>
+                  </a:ext>
+                </a:extLst>
               </a:tr>
             </a:tbl>
           </a:graphicData>
         </a:graphic>
       </p:graphicFrame>
     </p:spTree>
+    <p:extLst>
+      <p:ext uri="{BB962C8B-B14F-4D97-AF65-F5344CB8AC3E}">
+        <p14:creationId xmlns:p14="http://schemas.microsoft.com/office/powerpoint/2010/main" val="1804012117"/>
+      </p:ext>
+    </p:extLst>
   </p:cSld>
   <p:clrMapOvr>
     <a:masterClrMapping/>
@@ -32672,7 +32927,13 @@
       </p:grpSpPr>
       <p:sp>
         <p:nvSpPr>
-          <p:cNvPr id="2" name="Title 1"/>
+          <p:cNvPr id="2" name="Title 1">
+            <a:extLst>
+              <a:ext uri="{FF2B5EF4-FFF2-40B4-BE49-F238E27FC236}">
+                <a16:creationId xmlns:a16="http://schemas.microsoft.com/office/drawing/2014/main" id="{4DCB94A0-2A3D-C9A8-6A49-47D3EAA5FD6F}"/>
+              </a:ext>
+            </a:extLst>
+          </p:cNvPr>
           <p:cNvSpPr>
             <a:spLocks noGrp="1"/>
           </p:cNvSpPr>
@@ -32689,13 +32950,18 @@
               <a:rPr lang="en-IN"/>
               <a:t>TECHNOLOGIES , Tools &amp; PLUGINS USED</a:t>
             </a:r>
-            <a:endParaRPr lang="en-IN"/>
           </a:p>
         </p:txBody>
       </p:sp>
       <p:sp>
         <p:nvSpPr>
-          <p:cNvPr id="3" name="Content Placeholder 2"/>
+          <p:cNvPr id="3" name="Content Placeholder 2">
+            <a:extLst>
+              <a:ext uri="{FF2B5EF4-FFF2-40B4-BE49-F238E27FC236}">
+                <a16:creationId xmlns:a16="http://schemas.microsoft.com/office/drawing/2014/main" id="{489A04B4-3DC3-7C89-F7CB-831D200E025A}"/>
+              </a:ext>
+            </a:extLst>
+          </p:cNvPr>
           <p:cNvSpPr>
             <a:spLocks noGrp="1"/>
           </p:cNvSpPr>
@@ -32723,7 +32989,6 @@
               <a:rPr lang="en-IN"/>
               <a:t> Dotnet Core 6.0</a:t>
             </a:r>
-            <a:endParaRPr lang="en-IN"/>
           </a:p>
           <a:p>
             <a:pPr>
@@ -32734,7 +32999,6 @@
               <a:rPr lang="en-IN"/>
               <a:t> Angular 13</a:t>
             </a:r>
-            <a:endParaRPr lang="en-IN"/>
           </a:p>
           <a:p>
             <a:pPr>
@@ -32745,7 +33009,6 @@
               <a:rPr lang="en-IN"/>
               <a:t> Visual Studio Code</a:t>
             </a:r>
-            <a:endParaRPr lang="en-IN"/>
           </a:p>
           <a:p>
             <a:pPr>
@@ -32771,7 +33034,6 @@
               <a:rPr lang="en-IN"/>
               <a:t> Angular</a:t>
             </a:r>
-            <a:endParaRPr lang="en-IN"/>
           </a:p>
           <a:p>
             <a:pPr>
@@ -32782,7 +33044,6 @@
               <a:rPr lang="en-IN"/>
               <a:t> SonarQube</a:t>
             </a:r>
-            <a:endParaRPr lang="en-IN"/>
           </a:p>
           <a:p>
             <a:pPr>
@@ -32793,7 +33054,6 @@
               <a:rPr lang="en-IN"/>
               <a:t> SQL Server Management System</a:t>
             </a:r>
-            <a:endParaRPr lang="en-IN"/>
           </a:p>
           <a:p>
             <a:pPr>
@@ -32804,7 +33064,6 @@
               <a:rPr lang="en-IN"/>
               <a:t> JMeter</a:t>
             </a:r>
-            <a:endParaRPr lang="en-IN"/>
           </a:p>
           <a:p>
             <a:pPr>
@@ -32825,7 +33084,13 @@
       </p:sp>
       <p:sp>
         <p:nvSpPr>
-          <p:cNvPr id="4" name="TextBox 3"/>
+          <p:cNvPr id="4" name="TextBox 3">
+            <a:extLst>
+              <a:ext uri="{FF2B5EF4-FFF2-40B4-BE49-F238E27FC236}">
+                <a16:creationId xmlns:a16="http://schemas.microsoft.com/office/drawing/2014/main" id="{81961ED8-8C53-35C0-BCA6-8C0988D7AF34}"/>
+              </a:ext>
+            </a:extLst>
+          </p:cNvPr>
           <p:cNvSpPr txBox="1"/>
           <p:nvPr/>
         </p:nvSpPr>
@@ -32841,16 +33106,19 @@
         </p:spPr>
         <p:txBody>
           <a:bodyPr rot="0" spcFirstLastPara="0" vertOverflow="overflow" horzOverflow="overflow" vert="horz" wrap="square" lIns="91440" tIns="45720" rIns="91440" bIns="45720" numCol="1" spcCol="0" rtlCol="0" fromWordArt="0" anchor="t" anchorCtr="0" forceAA="0" compatLnSpc="1">
+            <a:prstTxWarp prst="textNoShape">
+              <a:avLst/>
+            </a:prstTxWarp>
             <a:spAutoFit/>
           </a:bodyPr>
           <a:lstStyle/>
           <a:p>
             <a:pPr marL="285750" indent="-285750">
-              <a:buFont typeface="Wingdings" panose="05000000000000000000"/>
+              <a:buFont typeface="Wingdings"/>
               <a:buChar char="v"/>
             </a:pPr>
             <a:r>
-              <a:rPr lang="en-US" dirty="0">
+              <a:rPr lang="en-US">
                 <a:solidFill>
                   <a:schemeClr val="accent1"/>
                 </a:solidFill>
@@ -32861,11 +33129,10 @@
               <a:rPr lang="en-US"/>
               <a:t>Data Table – JQuery</a:t>
             </a:r>
-            <a:endParaRPr lang="en-US"/>
           </a:p>
           <a:p>
             <a:pPr marL="285750" indent="-285750">
-              <a:buFont typeface="Wingdings" panose="05000000000000000000"/>
+              <a:buFont typeface="Wingdings"/>
               <a:buChar char="v"/>
             </a:pPr>
             <a:r>
@@ -32888,15 +33155,15 @@
               </a:rPr>
               <a:t> </a:t>
             </a:r>
-            <a:endParaRPr lang="en-US" dirty="0">
-              <a:solidFill>
-                <a:schemeClr val="accent1"/>
-              </a:solidFill>
-            </a:endParaRPr>
           </a:p>
         </p:txBody>
       </p:sp>
     </p:spTree>
+    <p:extLst>
+      <p:ext uri="{BB962C8B-B14F-4D97-AF65-F5344CB8AC3E}">
+        <p14:creationId xmlns:p14="http://schemas.microsoft.com/office/powerpoint/2010/main" val="1251030418"/>
+      </p:ext>
+    </p:extLst>
   </p:cSld>
   <p:clrMapOvr>
     <a:masterClrMapping/>
@@ -32947,7 +33214,7 @@
     </a:clrScheme>
     <a:fontScheme name="Integral">
       <a:majorFont>
-        <a:latin typeface="Tw Cen MT Condensed"/>
+        <a:latin typeface="Tw Cen MT Condensed" panose="020B0606020104020203"/>
         <a:ea typeface=""/>
         <a:cs typeface=""/>
         <a:font script="Grek" typeface="Calibri"/>
@@ -32984,7 +33251,7 @@
         <a:font script="Geor" typeface="Sylfaen"/>
       </a:majorFont>
       <a:minorFont>
-        <a:latin typeface="Tw Cen MT"/>
+        <a:latin typeface="Tw Cen MT" panose="020B0602020104020603"/>
         <a:ea typeface=""/>
         <a:cs typeface=""/>
         <a:font script="Grek" typeface="Calibri"/>
@@ -33162,9 +33429,11 @@
       </a:bgFillStyleLst>
     </a:fmtScheme>
   </a:themeElements>
+  <a:objectDefaults/>
+  <a:extraClrSchemeLst/>
   <a:extLst>
     <a:ext uri="{05A4C25C-085E-4340-85A3-A5531E510DB2}">
-      <thm15:themeFamily xmlns:thm15="http://schemas.microsoft.com/office/thememl/2012/main" name="Office Theme" id="{62F939B6-93AF-4DB8-9C6B-D6C7DFDC589F}" vid="{4A3C46E8-61CC-4603-A589-7422A47A8E4A}"/>
+      <thm15:themeFamily xmlns:thm15="http://schemas.microsoft.com/office/thememl/2012/main" name="Integral" id="{3577F8C9-A904-41D8-97D2-FD898F53F20E}" vid="{682D6EBE-8D36-4FF2-9DB3-F3D8D7B6715D}"/>
     </a:ext>
   </a:extLst>
 </a:theme>

--- a/Aurora/Demo/Aurora Demo.pptx
+++ b/Aurora/Demo/Aurora Demo.pptx
@@ -5,7 +5,7 @@
     <p:sldMasterId id="2147483672" r:id="rId1"/>
   </p:sldMasterIdLst>
   <p:sldIdLst>
-    <p:sldId id="256" r:id="rId2"/>
+    <p:sldId id="269" r:id="rId2"/>
     <p:sldId id="257" r:id="rId3"/>
     <p:sldId id="258" r:id="rId4"/>
     <p:sldId id="259" r:id="rId5"/>
@@ -123,8 +123,8 @@
 <p1510:revInfo xmlns:a="http://schemas.openxmlformats.org/drawingml/2006/main" xmlns:r="http://schemas.openxmlformats.org/officeDocument/2006/relationships" xmlns:p1510="http://schemas.microsoft.com/office/powerpoint/2015/10/main">
   <p1510:revLst>
     <p1510:client id="{1FCC13A7-B680-4356-2855-AB94BD635E79}" v="270" dt="2022-07-14T04:19:40.692"/>
-    <p1510:client id="{6E4572D1-C08F-D033-A716-AD2E9F9DD504}" v="691" dt="2022-07-18T06:09:04.362"/>
-    <p1510:client id="{70488FFF-4380-11ED-23B6-F56B6BAA697C}" v="568" dt="2022-07-18T07:10:04.525"/>
+    <p1510:client id="{6E4572D1-C08F-D033-A716-AD2E9F9DD504}" v="699" dt="2022-07-18T07:27:57.335"/>
+    <p1510:client id="{70488FFF-4380-11ED-23B6-F56B6BAA697C}" v="582" dt="2022-07-18T07:25:05.816"/>
     <p1510:client id="{7E04A547-C460-4A8A-A0B8-30A41E27C305}" v="10" dt="2022-07-18T04:29:26.737"/>
     <p1510:client id="{877AB700-D69B-894A-43B3-3589E9848A06}" v="108" dt="2022-07-18T02:07:09.943"/>
     <p1510:client id="{9E5A8A14-A88E-463B-B84E-803F5AA02259}" v="4" dt="2022-07-17T05:57:17.977"/>
@@ -20589,14 +20589,6 @@
 <file path=ppt/slides/slide1.xml><?xml version="1.0" encoding="utf-8"?>
 <p:sld xmlns:a="http://schemas.openxmlformats.org/drawingml/2006/main" xmlns:r="http://schemas.openxmlformats.org/officeDocument/2006/relationships" xmlns:p="http://schemas.openxmlformats.org/presentationml/2006/main">
   <p:cSld>
-    <p:bg>
-      <p:bgPr>
-        <a:solidFill>
-          <a:schemeClr val="bg1"/>
-        </a:solidFill>
-        <a:effectLst/>
-      </p:bgPr>
-    </p:bg>
     <p:spTree>
       <p:nvGrpSpPr>
         <p:cNvPr id="1" name=""/>
@@ -20611,9718 +20603,46 @@
           <a:chExt cx="0" cy="0"/>
         </a:xfrm>
       </p:grpSpPr>
-      <p:sp useBgFill="1">
-        <p:nvSpPr>
-          <p:cNvPr id="18" name="Rectangle 7">
+      <p:pic>
+        <p:nvPicPr>
+          <p:cNvPr id="5" name="Picture 5" descr="Background pattern&#10;&#10;Description automatically generated">
             <a:extLst>
               <a:ext uri="{FF2B5EF4-FFF2-40B4-BE49-F238E27FC236}">
-                <a16:creationId xmlns:a16="http://schemas.microsoft.com/office/drawing/2014/main" id="{62AE8E50-35D4-4D5A-A4BB-168CBB027DA2}"/>
-              </a:ext>
-              <a:ext uri="{C183D7F6-B498-43B3-948B-1728B52AA6E4}">
-                <adec:decorative xmlns:adec="http://schemas.microsoft.com/office/drawing/2017/decorative" val="1"/>
+                <a16:creationId xmlns:a16="http://schemas.microsoft.com/office/drawing/2014/main" id="{2DC91CAB-5E97-8D81-A48E-C583E24A4D1F}"/>
               </a:ext>
             </a:extLst>
           </p:cNvPr>
-          <p:cNvSpPr>
-            <a:spLocks noGrp="1" noRot="1" noChangeAspect="1" noMove="1" noResize="1" noEditPoints="1" noAdjustHandles="1" noChangeArrowheads="1" noChangeShapeType="1" noTextEdit="1"/>
-          </p:cNvSpPr>
-          <p:nvPr>
-            <p:extLst>
-              <p:ext uri="{386F3935-93C4-4BCD-93E2-E3B085C9AB24}">
-                <p16:designElem xmlns:p16="http://schemas.microsoft.com/office/powerpoint/2015/main" val="1"/>
-              </p:ext>
-            </p:extLst>
-          </p:nvPr>
-        </p:nvSpPr>
+          <p:cNvPicPr>
+            <a:picLocks noChangeAspect="1"/>
+          </p:cNvPicPr>
+          <p:nvPr/>
+        </p:nvPicPr>
+        <p:blipFill>
+          <a:blip r:embed="rId2"/>
+          <a:stretch>
+            <a:fillRect/>
+          </a:stretch>
+        </p:blipFill>
         <p:spPr>
-          <a:xfrm flipH="1">
-            <a:off x="0" y="0"/>
-            <a:ext cx="12188726" cy="6858975"/>
+          <a:xfrm>
+            <a:off x="0" y="3175"/>
+            <a:ext cx="12192000" cy="6838950"/>
           </a:xfrm>
           <a:prstGeom prst="rect">
             <a:avLst/>
           </a:prstGeom>
-          <a:ln>
-            <a:noFill/>
-          </a:ln>
         </p:spPr>
-        <p:style>
-          <a:lnRef idx="2">
-            <a:schemeClr val="accent1">
-              <a:shade val="50000"/>
-            </a:schemeClr>
-          </a:lnRef>
-          <a:fillRef idx="1">
-            <a:schemeClr val="accent1"/>
-          </a:fillRef>
-          <a:effectRef idx="0">
-            <a:schemeClr val="accent1"/>
-          </a:effectRef>
-          <a:fontRef idx="minor">
-            <a:schemeClr val="lt1"/>
-          </a:fontRef>
-        </p:style>
-        <p:txBody>
-          <a:bodyPr rtlCol="0" anchor="ctr"/>
-          <a:lstStyle/>
-          <a:p>
-            <a:pPr algn="ctr"/>
-            <a:endParaRPr lang="en-US"/>
-          </a:p>
-        </p:txBody>
-      </p:sp>
-      <p:sp>
-        <p:nvSpPr>
-          <p:cNvPr id="19" name="Freeform 16">
-            <a:extLst>
-              <a:ext uri="{FF2B5EF4-FFF2-40B4-BE49-F238E27FC236}">
-                <a16:creationId xmlns:a16="http://schemas.microsoft.com/office/drawing/2014/main" id="{C37D1D6D-17D8-4296-B000-665D1892D01E}"/>
-              </a:ext>
-              <a:ext uri="{C183D7F6-B498-43B3-948B-1728B52AA6E4}">
-                <adec:decorative xmlns:adec="http://schemas.microsoft.com/office/drawing/2017/decorative" val="1"/>
-              </a:ext>
-            </a:extLst>
-          </p:cNvPr>
-          <p:cNvSpPr>
-            <a:spLocks noGrp="1" noRot="1" noChangeAspect="1" noMove="1" noResize="1" noEditPoints="1" noAdjustHandles="1" noChangeArrowheads="1" noChangeShapeType="1" noTextEdit="1"/>
-          </p:cNvSpPr>
-          <p:nvPr>
-            <p:extLst>
-              <p:ext uri="{386F3935-93C4-4BCD-93E2-E3B085C9AB24}">
-                <p16:designElem xmlns:p16="http://schemas.microsoft.com/office/powerpoint/2015/main" val="1"/>
-              </p:ext>
-            </p:extLst>
-          </p:nvPr>
-        </p:nvSpPr>
-        <p:spPr>
-          <a:xfrm rot="5400000">
-            <a:off x="10396" y="1276539"/>
-            <a:ext cx="5570417" cy="4304276"/>
-          </a:xfrm>
-          <a:custGeom>
-            <a:avLst/>
-            <a:gdLst>
-              <a:gd name="connsiteX0" fmla="*/ 4985599 w 5593163"/>
-              <a:gd name="connsiteY0" fmla="*/ 636203 h 4305008"/>
-              <a:gd name="connsiteX1" fmla="*/ 5528908 w 5593163"/>
-              <a:gd name="connsiteY1" fmla="*/ 1181049 h 4305008"/>
-              <a:gd name="connsiteX2" fmla="*/ 4985599 w 5593163"/>
-              <a:gd name="connsiteY2" fmla="*/ 636203 h 4305008"/>
-              <a:gd name="connsiteX3" fmla="*/ 4985599 w 5593163"/>
-              <a:gd name="connsiteY3" fmla="*/ 2333028 h 4305008"/>
-              <a:gd name="connsiteX4" fmla="*/ 5528908 w 5593163"/>
-              <a:gd name="connsiteY4" fmla="*/ 2877874 h 4305008"/>
-              <a:gd name="connsiteX5" fmla="*/ 4985599 w 5593163"/>
-              <a:gd name="connsiteY5" fmla="*/ 2333028 h 4305008"/>
-              <a:gd name="connsiteX6" fmla="*/ 4985597 w 5593163"/>
-              <a:gd name="connsiteY6" fmla="*/ 2034258 h 4305008"/>
-              <a:gd name="connsiteX7" fmla="*/ 5528906 w 5593163"/>
-              <a:gd name="connsiteY7" fmla="*/ 1493690 h 4305008"/>
-              <a:gd name="connsiteX8" fmla="*/ 4985597 w 5593163"/>
-              <a:gd name="connsiteY8" fmla="*/ 2034258 h 4305008"/>
-              <a:gd name="connsiteX9" fmla="*/ 4985597 w 5593163"/>
-              <a:gd name="connsiteY9" fmla="*/ 3731083 h 4305008"/>
-              <a:gd name="connsiteX10" fmla="*/ 5528906 w 5593163"/>
-              <a:gd name="connsiteY10" fmla="*/ 3190516 h 4305008"/>
-              <a:gd name="connsiteX11" fmla="*/ 4985597 w 5593163"/>
-              <a:gd name="connsiteY11" fmla="*/ 3731083 h 4305008"/>
-              <a:gd name="connsiteX12" fmla="*/ 4842232 w 5593163"/>
-              <a:gd name="connsiteY12" fmla="*/ 503273 h 4305008"/>
-              <a:gd name="connsiteX13" fmla="*/ 4842826 w 5593163"/>
-              <a:gd name="connsiteY13" fmla="*/ 491833 h 4305008"/>
-              <a:gd name="connsiteX14" fmla="*/ 4843324 w 5593163"/>
-              <a:gd name="connsiteY14" fmla="*/ 491866 h 4305008"/>
-              <a:gd name="connsiteX15" fmla="*/ 4843350 w 5593163"/>
-              <a:gd name="connsiteY15" fmla="*/ 491372 h 4305008"/>
-              <a:gd name="connsiteX16" fmla="*/ 4860437 w 5593163"/>
-              <a:gd name="connsiteY16" fmla="*/ 492995 h 4305008"/>
-              <a:gd name="connsiteX17" fmla="*/ 4955899 w 5593163"/>
-              <a:gd name="connsiteY17" fmla="*/ 502060 h 4305008"/>
-              <a:gd name="connsiteX18" fmla="*/ 4972112 w 5593163"/>
-              <a:gd name="connsiteY18" fmla="*/ 503599 h 4305008"/>
-              <a:gd name="connsiteX19" fmla="*/ 4972229 w 5593163"/>
-              <a:gd name="connsiteY19" fmla="*/ 504747 h 4305008"/>
-              <a:gd name="connsiteX20" fmla="*/ 5583809 w 5593163"/>
-              <a:gd name="connsiteY20" fmla="*/ 948988 h 4305008"/>
-              <a:gd name="connsiteX21" fmla="*/ 5593163 w 5593163"/>
-              <a:gd name="connsiteY21" fmla="*/ 971822 h 4305008"/>
-              <a:gd name="connsiteX22" fmla="*/ 5593163 w 5593163"/>
-              <a:gd name="connsiteY22" fmla="*/ 1318474 h 4305008"/>
-              <a:gd name="connsiteX23" fmla="*/ 5558612 w 5593163"/>
-              <a:gd name="connsiteY23" fmla="*/ 1315193 h 4305008"/>
-              <a:gd name="connsiteX24" fmla="*/ 5542395 w 5593163"/>
-              <a:gd name="connsiteY24" fmla="*/ 1313653 h 4305008"/>
-              <a:gd name="connsiteX25" fmla="*/ 5542279 w 5593163"/>
-              <a:gd name="connsiteY25" fmla="*/ 1312505 h 4305008"/>
-              <a:gd name="connsiteX26" fmla="*/ 4852114 w 5593163"/>
-              <a:gd name="connsiteY26" fmla="*/ 619464 h 4305008"/>
-              <a:gd name="connsiteX27" fmla="*/ 4851608 w 5593163"/>
-              <a:gd name="connsiteY27" fmla="*/ 619401 h 4305008"/>
-              <a:gd name="connsiteX28" fmla="*/ 4851070 w 5593163"/>
-              <a:gd name="connsiteY28" fmla="*/ 612725 h 4305008"/>
-              <a:gd name="connsiteX29" fmla="*/ 4843603 w 5593163"/>
-              <a:gd name="connsiteY29" fmla="*/ 520249 h 4305008"/>
-              <a:gd name="connsiteX30" fmla="*/ 4842232 w 5593163"/>
-              <a:gd name="connsiteY30" fmla="*/ 503273 h 4305008"/>
-              <a:gd name="connsiteX31" fmla="*/ 4842232 w 5593163"/>
-              <a:gd name="connsiteY31" fmla="*/ 2200098 h 4305008"/>
-              <a:gd name="connsiteX32" fmla="*/ 4842826 w 5593163"/>
-              <a:gd name="connsiteY32" fmla="*/ 2188658 h 4305008"/>
-              <a:gd name="connsiteX33" fmla="*/ 4843324 w 5593163"/>
-              <a:gd name="connsiteY33" fmla="*/ 2188691 h 4305008"/>
-              <a:gd name="connsiteX34" fmla="*/ 4843350 w 5593163"/>
-              <a:gd name="connsiteY34" fmla="*/ 2188197 h 4305008"/>
-              <a:gd name="connsiteX35" fmla="*/ 4860437 w 5593163"/>
-              <a:gd name="connsiteY35" fmla="*/ 2189820 h 4305008"/>
-              <a:gd name="connsiteX36" fmla="*/ 4955899 w 5593163"/>
-              <a:gd name="connsiteY36" fmla="*/ 2198885 h 4305008"/>
-              <a:gd name="connsiteX37" fmla="*/ 4972112 w 5593163"/>
-              <a:gd name="connsiteY37" fmla="*/ 2200424 h 4305008"/>
-              <a:gd name="connsiteX38" fmla="*/ 4972229 w 5593163"/>
-              <a:gd name="connsiteY38" fmla="*/ 2201572 h 4305008"/>
-              <a:gd name="connsiteX39" fmla="*/ 5583809 w 5593163"/>
-              <a:gd name="connsiteY39" fmla="*/ 2645813 h 4305008"/>
-              <a:gd name="connsiteX40" fmla="*/ 5593163 w 5593163"/>
-              <a:gd name="connsiteY40" fmla="*/ 2668647 h 4305008"/>
-              <a:gd name="connsiteX41" fmla="*/ 5593163 w 5593163"/>
-              <a:gd name="connsiteY41" fmla="*/ 3015299 h 4305008"/>
-              <a:gd name="connsiteX42" fmla="*/ 5558612 w 5593163"/>
-              <a:gd name="connsiteY42" fmla="*/ 3012018 h 4305008"/>
-              <a:gd name="connsiteX43" fmla="*/ 5542395 w 5593163"/>
-              <a:gd name="connsiteY43" fmla="*/ 3010478 h 4305008"/>
-              <a:gd name="connsiteX44" fmla="*/ 5542279 w 5593163"/>
-              <a:gd name="connsiteY44" fmla="*/ 3009330 h 4305008"/>
-              <a:gd name="connsiteX45" fmla="*/ 4852114 w 5593163"/>
-              <a:gd name="connsiteY45" fmla="*/ 2316289 h 4305008"/>
-              <a:gd name="connsiteX46" fmla="*/ 4851608 w 5593163"/>
-              <a:gd name="connsiteY46" fmla="*/ 2316226 h 4305008"/>
-              <a:gd name="connsiteX47" fmla="*/ 4851070 w 5593163"/>
-              <a:gd name="connsiteY47" fmla="*/ 2309550 h 4305008"/>
-              <a:gd name="connsiteX48" fmla="*/ 4843603 w 5593163"/>
-              <a:gd name="connsiteY48" fmla="*/ 2217074 h 4305008"/>
-              <a:gd name="connsiteX49" fmla="*/ 4842232 w 5593163"/>
-              <a:gd name="connsiteY49" fmla="*/ 2200098 h 4305008"/>
-              <a:gd name="connsiteX50" fmla="*/ 4842232 w 5593163"/>
-              <a:gd name="connsiteY50" fmla="*/ 3896923 h 4305008"/>
-              <a:gd name="connsiteX51" fmla="*/ 4842826 w 5593163"/>
-              <a:gd name="connsiteY51" fmla="*/ 3885483 h 4305008"/>
-              <a:gd name="connsiteX52" fmla="*/ 4843324 w 5593163"/>
-              <a:gd name="connsiteY52" fmla="*/ 3885516 h 4305008"/>
-              <a:gd name="connsiteX53" fmla="*/ 4843350 w 5593163"/>
-              <a:gd name="connsiteY53" fmla="*/ 3885022 h 4305008"/>
-              <a:gd name="connsiteX54" fmla="*/ 4860437 w 5593163"/>
-              <a:gd name="connsiteY54" fmla="*/ 3886645 h 4305008"/>
-              <a:gd name="connsiteX55" fmla="*/ 4955899 w 5593163"/>
-              <a:gd name="connsiteY55" fmla="*/ 3895710 h 4305008"/>
-              <a:gd name="connsiteX56" fmla="*/ 4972112 w 5593163"/>
-              <a:gd name="connsiteY56" fmla="*/ 3897249 h 4305008"/>
-              <a:gd name="connsiteX57" fmla="*/ 4972229 w 5593163"/>
-              <a:gd name="connsiteY57" fmla="*/ 3898397 h 4305008"/>
-              <a:gd name="connsiteX58" fmla="*/ 5532481 w 5593163"/>
-              <a:gd name="connsiteY58" fmla="*/ 4255797 h 4305008"/>
-              <a:gd name="connsiteX59" fmla="*/ 5560926 w 5593163"/>
-              <a:gd name="connsiteY59" fmla="*/ 4305008 h 4305008"/>
-              <a:gd name="connsiteX60" fmla="*/ 5409877 w 5593163"/>
-              <a:gd name="connsiteY60" fmla="*/ 4305008 h 4305008"/>
-              <a:gd name="connsiteX61" fmla="*/ 5357754 w 5593163"/>
-              <a:gd name="connsiteY61" fmla="*/ 4241205 h 4305008"/>
-              <a:gd name="connsiteX62" fmla="*/ 4985599 w 5593163"/>
-              <a:gd name="connsiteY62" fmla="*/ 4029853 h 4305008"/>
-              <a:gd name="connsiteX63" fmla="*/ 5084780 w 5593163"/>
-              <a:gd name="connsiteY63" fmla="*/ 4271827 h 4305008"/>
-              <a:gd name="connsiteX64" fmla="*/ 5111462 w 5593163"/>
-              <a:gd name="connsiteY64" fmla="*/ 4305008 h 4305008"/>
-              <a:gd name="connsiteX65" fmla="*/ 4957353 w 5593163"/>
-              <a:gd name="connsiteY65" fmla="*/ 4305008 h 4305008"/>
-              <a:gd name="connsiteX66" fmla="*/ 4927231 w 5593163"/>
-              <a:gd name="connsiteY66" fmla="*/ 4254710 h 4305008"/>
-              <a:gd name="connsiteX67" fmla="*/ 4852114 w 5593163"/>
-              <a:gd name="connsiteY67" fmla="*/ 4013114 h 4305008"/>
-              <a:gd name="connsiteX68" fmla="*/ 4851608 w 5593163"/>
-              <a:gd name="connsiteY68" fmla="*/ 4013051 h 4305008"/>
-              <a:gd name="connsiteX69" fmla="*/ 4851070 w 5593163"/>
-              <a:gd name="connsiteY69" fmla="*/ 4006375 h 4305008"/>
-              <a:gd name="connsiteX70" fmla="*/ 4843603 w 5593163"/>
-              <a:gd name="connsiteY70" fmla="*/ 3913899 h 4305008"/>
-              <a:gd name="connsiteX71" fmla="*/ 4842232 w 5593163"/>
-              <a:gd name="connsiteY71" fmla="*/ 3896923 h 4305008"/>
-              <a:gd name="connsiteX72" fmla="*/ 4842230 w 5593163"/>
-              <a:gd name="connsiteY72" fmla="*/ 469318 h 4305008"/>
-              <a:gd name="connsiteX73" fmla="*/ 4843601 w 5593163"/>
-              <a:gd name="connsiteY73" fmla="*/ 452471 h 4305008"/>
-              <a:gd name="connsiteX74" fmla="*/ 4851065 w 5593163"/>
-              <a:gd name="connsiteY74" fmla="*/ 360740 h 4305008"/>
-              <a:gd name="connsiteX75" fmla="*/ 4851605 w 5593163"/>
-              <a:gd name="connsiteY75" fmla="*/ 354103 h 4305008"/>
-              <a:gd name="connsiteX76" fmla="*/ 4852110 w 5593163"/>
-              <a:gd name="connsiteY76" fmla="*/ 354040 h 4305008"/>
-              <a:gd name="connsiteX77" fmla="*/ 4936323 w 5593163"/>
-              <a:gd name="connsiteY77" fmla="*/ 96778 h 4305008"/>
-              <a:gd name="connsiteX78" fmla="*/ 4998957 w 5593163"/>
-              <a:gd name="connsiteY78" fmla="*/ 0 h 4305008"/>
-              <a:gd name="connsiteX79" fmla="*/ 5167333 w 5593163"/>
-              <a:gd name="connsiteY79" fmla="*/ 0 h 4305008"/>
-              <a:gd name="connsiteX80" fmla="*/ 5099105 w 5593163"/>
-              <a:gd name="connsiteY80" fmla="*/ 76659 h 4305008"/>
-              <a:gd name="connsiteX81" fmla="*/ 4985597 w 5593163"/>
-              <a:gd name="connsiteY81" fmla="*/ 337433 h 4305008"/>
-              <a:gd name="connsiteX82" fmla="*/ 5424571 w 5593163"/>
-              <a:gd name="connsiteY82" fmla="*/ 44350 h 4305008"/>
-              <a:gd name="connsiteX83" fmla="*/ 5446799 w 5593163"/>
-              <a:gd name="connsiteY83" fmla="*/ 0 h 4305008"/>
-              <a:gd name="connsiteX84" fmla="*/ 5593163 w 5593163"/>
-              <a:gd name="connsiteY84" fmla="*/ 0 h 4305008"/>
-              <a:gd name="connsiteX85" fmla="*/ 5593163 w 5593163"/>
-              <a:gd name="connsiteY85" fmla="*/ 4197 h 4305008"/>
-              <a:gd name="connsiteX86" fmla="*/ 5543598 w 5593163"/>
-              <a:gd name="connsiteY86" fmla="*/ 95636 h 4305008"/>
-              <a:gd name="connsiteX87" fmla="*/ 4972226 w 5593163"/>
-              <a:gd name="connsiteY87" fmla="*/ 467856 h 4305008"/>
-              <a:gd name="connsiteX88" fmla="*/ 4972110 w 5593163"/>
-              <a:gd name="connsiteY88" fmla="*/ 468995 h 4305008"/>
-              <a:gd name="connsiteX89" fmla="*/ 4955893 w 5593163"/>
-              <a:gd name="connsiteY89" fmla="*/ 470523 h 4305008"/>
-              <a:gd name="connsiteX90" fmla="*/ 4860466 w 5593163"/>
-              <a:gd name="connsiteY90" fmla="*/ 479514 h 4305008"/>
-              <a:gd name="connsiteX91" fmla="*/ 4843348 w 5593163"/>
-              <a:gd name="connsiteY91" fmla="*/ 481127 h 4305008"/>
-              <a:gd name="connsiteX92" fmla="*/ 4843322 w 5593163"/>
-              <a:gd name="connsiteY92" fmla="*/ 480636 h 4305008"/>
-              <a:gd name="connsiteX93" fmla="*/ 4842823 w 5593163"/>
-              <a:gd name="connsiteY93" fmla="*/ 480669 h 4305008"/>
-              <a:gd name="connsiteX94" fmla="*/ 4842230 w 5593163"/>
-              <a:gd name="connsiteY94" fmla="*/ 469318 h 4305008"/>
-              <a:gd name="connsiteX95" fmla="*/ 4842230 w 5593163"/>
-              <a:gd name="connsiteY95" fmla="*/ 2166144 h 4305008"/>
-              <a:gd name="connsiteX96" fmla="*/ 4843601 w 5593163"/>
-              <a:gd name="connsiteY96" fmla="*/ 2149296 h 4305008"/>
-              <a:gd name="connsiteX97" fmla="*/ 4851065 w 5593163"/>
-              <a:gd name="connsiteY97" fmla="*/ 2057565 h 4305008"/>
-              <a:gd name="connsiteX98" fmla="*/ 4851605 w 5593163"/>
-              <a:gd name="connsiteY98" fmla="*/ 2050928 h 4305008"/>
-              <a:gd name="connsiteX99" fmla="*/ 4852110 w 5593163"/>
-              <a:gd name="connsiteY99" fmla="*/ 2050865 h 4305008"/>
-              <a:gd name="connsiteX100" fmla="*/ 5542276 w 5593163"/>
-              <a:gd name="connsiteY100" fmla="*/ 1363267 h 4305008"/>
-              <a:gd name="connsiteX101" fmla="*/ 5542393 w 5593163"/>
-              <a:gd name="connsiteY101" fmla="*/ 1362128 h 4305008"/>
-              <a:gd name="connsiteX102" fmla="*/ 5558606 w 5593163"/>
-              <a:gd name="connsiteY102" fmla="*/ 1360601 h 4305008"/>
-              <a:gd name="connsiteX103" fmla="*/ 5593163 w 5593163"/>
-              <a:gd name="connsiteY103" fmla="*/ 1357345 h 4305008"/>
-              <a:gd name="connsiteX104" fmla="*/ 5593163 w 5593163"/>
-              <a:gd name="connsiteY104" fmla="*/ 1701268 h 4305008"/>
-              <a:gd name="connsiteX105" fmla="*/ 5583807 w 5593163"/>
-              <a:gd name="connsiteY105" fmla="*/ 1723929 h 4305008"/>
-              <a:gd name="connsiteX106" fmla="*/ 4972226 w 5593163"/>
-              <a:gd name="connsiteY106" fmla="*/ 2164681 h 4305008"/>
-              <a:gd name="connsiteX107" fmla="*/ 4972110 w 5593163"/>
-              <a:gd name="connsiteY107" fmla="*/ 2165820 h 4305008"/>
-              <a:gd name="connsiteX108" fmla="*/ 4955893 w 5593163"/>
-              <a:gd name="connsiteY108" fmla="*/ 2167348 h 4305008"/>
-              <a:gd name="connsiteX109" fmla="*/ 4860466 w 5593163"/>
-              <a:gd name="connsiteY109" fmla="*/ 2176339 h 4305008"/>
-              <a:gd name="connsiteX110" fmla="*/ 4843348 w 5593163"/>
-              <a:gd name="connsiteY110" fmla="*/ 2177952 h 4305008"/>
-              <a:gd name="connsiteX111" fmla="*/ 4843322 w 5593163"/>
-              <a:gd name="connsiteY111" fmla="*/ 2177461 h 4305008"/>
-              <a:gd name="connsiteX112" fmla="*/ 4842823 w 5593163"/>
-              <a:gd name="connsiteY112" fmla="*/ 2177494 h 4305008"/>
-              <a:gd name="connsiteX113" fmla="*/ 4842230 w 5593163"/>
-              <a:gd name="connsiteY113" fmla="*/ 2166144 h 4305008"/>
-              <a:gd name="connsiteX114" fmla="*/ 4842230 w 5593163"/>
-              <a:gd name="connsiteY114" fmla="*/ 3862969 h 4305008"/>
-              <a:gd name="connsiteX115" fmla="*/ 4843601 w 5593163"/>
-              <a:gd name="connsiteY115" fmla="*/ 3846121 h 4305008"/>
-              <a:gd name="connsiteX116" fmla="*/ 4851065 w 5593163"/>
-              <a:gd name="connsiteY116" fmla="*/ 3754390 h 4305008"/>
-              <a:gd name="connsiteX117" fmla="*/ 4851605 w 5593163"/>
-              <a:gd name="connsiteY117" fmla="*/ 3747753 h 4305008"/>
-              <a:gd name="connsiteX118" fmla="*/ 4852110 w 5593163"/>
-              <a:gd name="connsiteY118" fmla="*/ 3747690 h 4305008"/>
-              <a:gd name="connsiteX119" fmla="*/ 5542276 w 5593163"/>
-              <a:gd name="connsiteY119" fmla="*/ 3060092 h 4305008"/>
-              <a:gd name="connsiteX120" fmla="*/ 5542393 w 5593163"/>
-              <a:gd name="connsiteY120" fmla="*/ 3058953 h 4305008"/>
-              <a:gd name="connsiteX121" fmla="*/ 5558606 w 5593163"/>
-              <a:gd name="connsiteY121" fmla="*/ 3057426 h 4305008"/>
-              <a:gd name="connsiteX122" fmla="*/ 5593163 w 5593163"/>
-              <a:gd name="connsiteY122" fmla="*/ 3054170 h 4305008"/>
-              <a:gd name="connsiteX123" fmla="*/ 5593163 w 5593163"/>
-              <a:gd name="connsiteY123" fmla="*/ 3398093 h 4305008"/>
-              <a:gd name="connsiteX124" fmla="*/ 5583807 w 5593163"/>
-              <a:gd name="connsiteY124" fmla="*/ 3420754 h 4305008"/>
-              <a:gd name="connsiteX125" fmla="*/ 4972226 w 5593163"/>
-              <a:gd name="connsiteY125" fmla="*/ 3861506 h 4305008"/>
-              <a:gd name="connsiteX126" fmla="*/ 4972110 w 5593163"/>
-              <a:gd name="connsiteY126" fmla="*/ 3862645 h 4305008"/>
-              <a:gd name="connsiteX127" fmla="*/ 4955893 w 5593163"/>
-              <a:gd name="connsiteY127" fmla="*/ 3864173 h 4305008"/>
-              <a:gd name="connsiteX128" fmla="*/ 4860466 w 5593163"/>
-              <a:gd name="connsiteY128" fmla="*/ 3873164 h 4305008"/>
-              <a:gd name="connsiteX129" fmla="*/ 4843348 w 5593163"/>
-              <a:gd name="connsiteY129" fmla="*/ 3874777 h 4305008"/>
-              <a:gd name="connsiteX130" fmla="*/ 4843322 w 5593163"/>
-              <a:gd name="connsiteY130" fmla="*/ 3874286 h 4305008"/>
-              <a:gd name="connsiteX131" fmla="*/ 4842823 w 5593163"/>
-              <a:gd name="connsiteY131" fmla="*/ 3874319 h 4305008"/>
-              <a:gd name="connsiteX132" fmla="*/ 4842230 w 5593163"/>
-              <a:gd name="connsiteY132" fmla="*/ 3862969 h 4305008"/>
-              <a:gd name="connsiteX133" fmla="*/ 4135041 w 5593163"/>
-              <a:gd name="connsiteY133" fmla="*/ 1181049 h 4305008"/>
-              <a:gd name="connsiteX134" fmla="*/ 4678350 w 5593163"/>
-              <a:gd name="connsiteY134" fmla="*/ 636203 h 4305008"/>
-              <a:gd name="connsiteX135" fmla="*/ 4135041 w 5593163"/>
-              <a:gd name="connsiteY135" fmla="*/ 1181049 h 4305008"/>
-              <a:gd name="connsiteX136" fmla="*/ 4135041 w 5593163"/>
-              <a:gd name="connsiteY136" fmla="*/ 1493690 h 4305008"/>
-              <a:gd name="connsiteX137" fmla="*/ 4678350 w 5593163"/>
-              <a:gd name="connsiteY137" fmla="*/ 2034258 h 4305008"/>
-              <a:gd name="connsiteX138" fmla="*/ 4135041 w 5593163"/>
-              <a:gd name="connsiteY138" fmla="*/ 1493690 h 4305008"/>
-              <a:gd name="connsiteX139" fmla="*/ 4135041 w 5593163"/>
-              <a:gd name="connsiteY139" fmla="*/ 2877874 h 4305008"/>
-              <a:gd name="connsiteX140" fmla="*/ 4678350 w 5593163"/>
-              <a:gd name="connsiteY140" fmla="*/ 2333028 h 4305008"/>
-              <a:gd name="connsiteX141" fmla="*/ 4135041 w 5593163"/>
-              <a:gd name="connsiteY141" fmla="*/ 2877874 h 4305008"/>
-              <a:gd name="connsiteX142" fmla="*/ 4135041 w 5593163"/>
-              <a:gd name="connsiteY142" fmla="*/ 3190516 h 4305008"/>
-              <a:gd name="connsiteX143" fmla="*/ 4678350 w 5593163"/>
-              <a:gd name="connsiteY143" fmla="*/ 3731083 h 4305008"/>
-              <a:gd name="connsiteX144" fmla="*/ 4135041 w 5593163"/>
-              <a:gd name="connsiteY144" fmla="*/ 3190516 h 4305008"/>
-              <a:gd name="connsiteX145" fmla="*/ 4103022 w 5593163"/>
-              <a:gd name="connsiteY145" fmla="*/ 4305008 h 4305008"/>
-              <a:gd name="connsiteX146" fmla="*/ 4131467 w 5593163"/>
-              <a:gd name="connsiteY146" fmla="*/ 4255797 h 4305008"/>
-              <a:gd name="connsiteX147" fmla="*/ 4691720 w 5593163"/>
-              <a:gd name="connsiteY147" fmla="*/ 3898397 h 4305008"/>
-              <a:gd name="connsiteX148" fmla="*/ 4691837 w 5593163"/>
-              <a:gd name="connsiteY148" fmla="*/ 3897249 h 4305008"/>
-              <a:gd name="connsiteX149" fmla="*/ 4708050 w 5593163"/>
-              <a:gd name="connsiteY149" fmla="*/ 3895710 h 4305008"/>
-              <a:gd name="connsiteX150" fmla="*/ 4803512 w 5593163"/>
-              <a:gd name="connsiteY150" fmla="*/ 3886645 h 4305008"/>
-              <a:gd name="connsiteX151" fmla="*/ 4820599 w 5593163"/>
-              <a:gd name="connsiteY151" fmla="*/ 3885022 h 4305008"/>
-              <a:gd name="connsiteX152" fmla="*/ 4820625 w 5593163"/>
-              <a:gd name="connsiteY152" fmla="*/ 3885516 h 4305008"/>
-              <a:gd name="connsiteX153" fmla="*/ 4821123 w 5593163"/>
-              <a:gd name="connsiteY153" fmla="*/ 3885483 h 4305008"/>
-              <a:gd name="connsiteX154" fmla="*/ 4821717 w 5593163"/>
-              <a:gd name="connsiteY154" fmla="*/ 3896923 h 4305008"/>
-              <a:gd name="connsiteX155" fmla="*/ 4820346 w 5593163"/>
-              <a:gd name="connsiteY155" fmla="*/ 3913899 h 4305008"/>
-              <a:gd name="connsiteX156" fmla="*/ 4812879 w 5593163"/>
-              <a:gd name="connsiteY156" fmla="*/ 4006375 h 4305008"/>
-              <a:gd name="connsiteX157" fmla="*/ 4812341 w 5593163"/>
-              <a:gd name="connsiteY157" fmla="*/ 4013051 h 4305008"/>
-              <a:gd name="connsiteX158" fmla="*/ 4811835 w 5593163"/>
-              <a:gd name="connsiteY158" fmla="*/ 4013114 h 4305008"/>
-              <a:gd name="connsiteX159" fmla="*/ 4736718 w 5593163"/>
-              <a:gd name="connsiteY159" fmla="*/ 4254710 h 4305008"/>
-              <a:gd name="connsiteX160" fmla="*/ 4706597 w 5593163"/>
-              <a:gd name="connsiteY160" fmla="*/ 4305008 h 4305008"/>
-              <a:gd name="connsiteX161" fmla="*/ 4552487 w 5593163"/>
-              <a:gd name="connsiteY161" fmla="*/ 4305008 h 4305008"/>
-              <a:gd name="connsiteX162" fmla="*/ 4579169 w 5593163"/>
-              <a:gd name="connsiteY162" fmla="*/ 4271827 h 4305008"/>
-              <a:gd name="connsiteX163" fmla="*/ 4678350 w 5593163"/>
-              <a:gd name="connsiteY163" fmla="*/ 4029853 h 4305008"/>
-              <a:gd name="connsiteX164" fmla="*/ 4306196 w 5593163"/>
-              <a:gd name="connsiteY164" fmla="*/ 4241205 h 4305008"/>
-              <a:gd name="connsiteX165" fmla="*/ 4254073 w 5593163"/>
-              <a:gd name="connsiteY165" fmla="*/ 4305008 h 4305008"/>
-              <a:gd name="connsiteX166" fmla="*/ 4068511 w 5593163"/>
-              <a:gd name="connsiteY166" fmla="*/ 0 h 4305008"/>
-              <a:gd name="connsiteX167" fmla="*/ 4217148 w 5593163"/>
-              <a:gd name="connsiteY167" fmla="*/ 0 h 4305008"/>
-              <a:gd name="connsiteX168" fmla="*/ 4239376 w 5593163"/>
-              <a:gd name="connsiteY168" fmla="*/ 44350 h 4305008"/>
-              <a:gd name="connsiteX169" fmla="*/ 4678350 w 5593163"/>
-              <a:gd name="connsiteY169" fmla="*/ 337433 h 4305008"/>
-              <a:gd name="connsiteX170" fmla="*/ 4564842 w 5593163"/>
-              <a:gd name="connsiteY170" fmla="*/ 76659 h 4305008"/>
-              <a:gd name="connsiteX171" fmla="*/ 4496615 w 5593163"/>
-              <a:gd name="connsiteY171" fmla="*/ 0 h 4305008"/>
-              <a:gd name="connsiteX172" fmla="*/ 4664989 w 5593163"/>
-              <a:gd name="connsiteY172" fmla="*/ 0 h 4305008"/>
-              <a:gd name="connsiteX173" fmla="*/ 4727623 w 5593163"/>
-              <a:gd name="connsiteY173" fmla="*/ 96778 h 4305008"/>
-              <a:gd name="connsiteX174" fmla="*/ 4811836 w 5593163"/>
-              <a:gd name="connsiteY174" fmla="*/ 354040 h 4305008"/>
-              <a:gd name="connsiteX175" fmla="*/ 4812342 w 5593163"/>
-              <a:gd name="connsiteY175" fmla="*/ 354103 h 4305008"/>
-              <a:gd name="connsiteX176" fmla="*/ 4812882 w 5593163"/>
-              <a:gd name="connsiteY176" fmla="*/ 360740 h 4305008"/>
-              <a:gd name="connsiteX177" fmla="*/ 4820346 w 5593163"/>
-              <a:gd name="connsiteY177" fmla="*/ 452471 h 4305008"/>
-              <a:gd name="connsiteX178" fmla="*/ 4821717 w 5593163"/>
-              <a:gd name="connsiteY178" fmla="*/ 469318 h 4305008"/>
-              <a:gd name="connsiteX179" fmla="*/ 4821124 w 5593163"/>
-              <a:gd name="connsiteY179" fmla="*/ 480669 h 4305008"/>
-              <a:gd name="connsiteX180" fmla="*/ 4820625 w 5593163"/>
-              <a:gd name="connsiteY180" fmla="*/ 480636 h 4305008"/>
-              <a:gd name="connsiteX181" fmla="*/ 4820599 w 5593163"/>
-              <a:gd name="connsiteY181" fmla="*/ 481127 h 4305008"/>
-              <a:gd name="connsiteX182" fmla="*/ 4803481 w 5593163"/>
-              <a:gd name="connsiteY182" fmla="*/ 479514 h 4305008"/>
-              <a:gd name="connsiteX183" fmla="*/ 4708054 w 5593163"/>
-              <a:gd name="connsiteY183" fmla="*/ 470523 h 4305008"/>
-              <a:gd name="connsiteX184" fmla="*/ 4691837 w 5593163"/>
-              <a:gd name="connsiteY184" fmla="*/ 468995 h 4305008"/>
-              <a:gd name="connsiteX185" fmla="*/ 4691721 w 5593163"/>
-              <a:gd name="connsiteY185" fmla="*/ 467856 h 4305008"/>
-              <a:gd name="connsiteX186" fmla="*/ 4120350 w 5593163"/>
-              <a:gd name="connsiteY186" fmla="*/ 95636 h 4305008"/>
-              <a:gd name="connsiteX187" fmla="*/ 3991674 w 5593163"/>
-              <a:gd name="connsiteY187" fmla="*/ 1313979 h 4305008"/>
-              <a:gd name="connsiteX188" fmla="*/ 3993045 w 5593163"/>
-              <a:gd name="connsiteY188" fmla="*/ 1296998 h 4305008"/>
-              <a:gd name="connsiteX189" fmla="*/ 4000509 w 5593163"/>
-              <a:gd name="connsiteY189" fmla="*/ 1204541 h 4305008"/>
-              <a:gd name="connsiteX190" fmla="*/ 4001049 w 5593163"/>
-              <a:gd name="connsiteY190" fmla="*/ 1197851 h 4305008"/>
-              <a:gd name="connsiteX191" fmla="*/ 4001555 w 5593163"/>
-              <a:gd name="connsiteY191" fmla="*/ 1197788 h 4305008"/>
-              <a:gd name="connsiteX192" fmla="*/ 4691720 w 5593163"/>
-              <a:gd name="connsiteY192" fmla="*/ 504747 h 4305008"/>
-              <a:gd name="connsiteX193" fmla="*/ 4691837 w 5593163"/>
-              <a:gd name="connsiteY193" fmla="*/ 503599 h 4305008"/>
-              <a:gd name="connsiteX194" fmla="*/ 4708050 w 5593163"/>
-              <a:gd name="connsiteY194" fmla="*/ 502060 h 4305008"/>
-              <a:gd name="connsiteX195" fmla="*/ 4803512 w 5593163"/>
-              <a:gd name="connsiteY195" fmla="*/ 492995 h 4305008"/>
-              <a:gd name="connsiteX196" fmla="*/ 4820599 w 5593163"/>
-              <a:gd name="connsiteY196" fmla="*/ 491372 h 4305008"/>
-              <a:gd name="connsiteX197" fmla="*/ 4820625 w 5593163"/>
-              <a:gd name="connsiteY197" fmla="*/ 491866 h 4305008"/>
-              <a:gd name="connsiteX198" fmla="*/ 4821123 w 5593163"/>
-              <a:gd name="connsiteY198" fmla="*/ 491833 h 4305008"/>
-              <a:gd name="connsiteX199" fmla="*/ 4821717 w 5593163"/>
-              <a:gd name="connsiteY199" fmla="*/ 503273 h 4305008"/>
-              <a:gd name="connsiteX200" fmla="*/ 4820346 w 5593163"/>
-              <a:gd name="connsiteY200" fmla="*/ 520249 h 4305008"/>
-              <a:gd name="connsiteX201" fmla="*/ 4812879 w 5593163"/>
-              <a:gd name="connsiteY201" fmla="*/ 612725 h 4305008"/>
-              <a:gd name="connsiteX202" fmla="*/ 4812341 w 5593163"/>
-              <a:gd name="connsiteY202" fmla="*/ 619401 h 4305008"/>
-              <a:gd name="connsiteX203" fmla="*/ 4811835 w 5593163"/>
-              <a:gd name="connsiteY203" fmla="*/ 619464 h 4305008"/>
-              <a:gd name="connsiteX204" fmla="*/ 4121670 w 5593163"/>
-              <a:gd name="connsiteY204" fmla="*/ 1312505 h 4305008"/>
-              <a:gd name="connsiteX205" fmla="*/ 4121554 w 5593163"/>
-              <a:gd name="connsiteY205" fmla="*/ 1313653 h 4305008"/>
-              <a:gd name="connsiteX206" fmla="*/ 4105337 w 5593163"/>
-              <a:gd name="connsiteY206" fmla="*/ 1315193 h 4305008"/>
-              <a:gd name="connsiteX207" fmla="*/ 4009911 w 5593163"/>
-              <a:gd name="connsiteY207" fmla="*/ 1324255 h 4305008"/>
-              <a:gd name="connsiteX208" fmla="*/ 3992792 w 5593163"/>
-              <a:gd name="connsiteY208" fmla="*/ 1325881 h 4305008"/>
-              <a:gd name="connsiteX209" fmla="*/ 3992766 w 5593163"/>
-              <a:gd name="connsiteY209" fmla="*/ 1325386 h 4305008"/>
-              <a:gd name="connsiteX210" fmla="*/ 3992267 w 5593163"/>
-              <a:gd name="connsiteY210" fmla="*/ 1325419 h 4305008"/>
-              <a:gd name="connsiteX211" fmla="*/ 3991674 w 5593163"/>
-              <a:gd name="connsiteY211" fmla="*/ 1313979 h 4305008"/>
-              <a:gd name="connsiteX212" fmla="*/ 3991674 w 5593163"/>
-              <a:gd name="connsiteY212" fmla="*/ 1361805 h 4305008"/>
-              <a:gd name="connsiteX213" fmla="*/ 3992268 w 5593163"/>
-              <a:gd name="connsiteY213" fmla="*/ 1350455 h 4305008"/>
-              <a:gd name="connsiteX214" fmla="*/ 3992766 w 5593163"/>
-              <a:gd name="connsiteY214" fmla="*/ 1350487 h 4305008"/>
-              <a:gd name="connsiteX215" fmla="*/ 3992792 w 5593163"/>
-              <a:gd name="connsiteY215" fmla="*/ 1349997 h 4305008"/>
-              <a:gd name="connsiteX216" fmla="*/ 4009880 w 5593163"/>
-              <a:gd name="connsiteY216" fmla="*/ 1351607 h 4305008"/>
-              <a:gd name="connsiteX217" fmla="*/ 4105341 w 5593163"/>
-              <a:gd name="connsiteY217" fmla="*/ 1360601 h 4305008"/>
-              <a:gd name="connsiteX218" fmla="*/ 4121554 w 5593163"/>
-              <a:gd name="connsiteY218" fmla="*/ 1362128 h 4305008"/>
-              <a:gd name="connsiteX219" fmla="*/ 4121671 w 5593163"/>
-              <a:gd name="connsiteY219" fmla="*/ 1363267 h 4305008"/>
-              <a:gd name="connsiteX220" fmla="*/ 4811836 w 5593163"/>
-              <a:gd name="connsiteY220" fmla="*/ 2050865 h 4305008"/>
-              <a:gd name="connsiteX221" fmla="*/ 4812342 w 5593163"/>
-              <a:gd name="connsiteY221" fmla="*/ 2050928 h 4305008"/>
-              <a:gd name="connsiteX222" fmla="*/ 4812882 w 5593163"/>
-              <a:gd name="connsiteY222" fmla="*/ 2057565 h 4305008"/>
-              <a:gd name="connsiteX223" fmla="*/ 4820346 w 5593163"/>
-              <a:gd name="connsiteY223" fmla="*/ 2149296 h 4305008"/>
-              <a:gd name="connsiteX224" fmla="*/ 4821717 w 5593163"/>
-              <a:gd name="connsiteY224" fmla="*/ 2166144 h 4305008"/>
-              <a:gd name="connsiteX225" fmla="*/ 4821124 w 5593163"/>
-              <a:gd name="connsiteY225" fmla="*/ 2177494 h 4305008"/>
-              <a:gd name="connsiteX226" fmla="*/ 4820625 w 5593163"/>
-              <a:gd name="connsiteY226" fmla="*/ 2177461 h 4305008"/>
-              <a:gd name="connsiteX227" fmla="*/ 4820599 w 5593163"/>
-              <a:gd name="connsiteY227" fmla="*/ 2177952 h 4305008"/>
-              <a:gd name="connsiteX228" fmla="*/ 4803481 w 5593163"/>
-              <a:gd name="connsiteY228" fmla="*/ 2176339 h 4305008"/>
-              <a:gd name="connsiteX229" fmla="*/ 4708054 w 5593163"/>
-              <a:gd name="connsiteY229" fmla="*/ 2167348 h 4305008"/>
-              <a:gd name="connsiteX230" fmla="*/ 4691837 w 5593163"/>
-              <a:gd name="connsiteY230" fmla="*/ 2165820 h 4305008"/>
-              <a:gd name="connsiteX231" fmla="*/ 4691721 w 5593163"/>
-              <a:gd name="connsiteY231" fmla="*/ 2164681 h 4305008"/>
-              <a:gd name="connsiteX232" fmla="*/ 4001556 w 5593163"/>
-              <a:gd name="connsiteY232" fmla="*/ 1477083 h 4305008"/>
-              <a:gd name="connsiteX233" fmla="*/ 4001050 w 5593163"/>
-              <a:gd name="connsiteY233" fmla="*/ 1477021 h 4305008"/>
-              <a:gd name="connsiteX234" fmla="*/ 4000512 w 5593163"/>
-              <a:gd name="connsiteY234" fmla="*/ 1470397 h 4305008"/>
-              <a:gd name="connsiteX235" fmla="*/ 3993045 w 5593163"/>
-              <a:gd name="connsiteY235" fmla="*/ 1378647 h 4305008"/>
-              <a:gd name="connsiteX236" fmla="*/ 3991674 w 5593163"/>
-              <a:gd name="connsiteY236" fmla="*/ 1361805 h 4305008"/>
-              <a:gd name="connsiteX237" fmla="*/ 3991674 w 5593163"/>
-              <a:gd name="connsiteY237" fmla="*/ 3010804 h 4305008"/>
-              <a:gd name="connsiteX238" fmla="*/ 3993045 w 5593163"/>
-              <a:gd name="connsiteY238" fmla="*/ 2993823 h 4305008"/>
-              <a:gd name="connsiteX239" fmla="*/ 4000509 w 5593163"/>
-              <a:gd name="connsiteY239" fmla="*/ 2901366 h 4305008"/>
-              <a:gd name="connsiteX240" fmla="*/ 4001049 w 5593163"/>
-              <a:gd name="connsiteY240" fmla="*/ 2894676 h 4305008"/>
-              <a:gd name="connsiteX241" fmla="*/ 4001555 w 5593163"/>
-              <a:gd name="connsiteY241" fmla="*/ 2894613 h 4305008"/>
-              <a:gd name="connsiteX242" fmla="*/ 4691720 w 5593163"/>
-              <a:gd name="connsiteY242" fmla="*/ 2201572 h 4305008"/>
-              <a:gd name="connsiteX243" fmla="*/ 4691837 w 5593163"/>
-              <a:gd name="connsiteY243" fmla="*/ 2200424 h 4305008"/>
-              <a:gd name="connsiteX244" fmla="*/ 4708050 w 5593163"/>
-              <a:gd name="connsiteY244" fmla="*/ 2198885 h 4305008"/>
-              <a:gd name="connsiteX245" fmla="*/ 4803512 w 5593163"/>
-              <a:gd name="connsiteY245" fmla="*/ 2189820 h 4305008"/>
-              <a:gd name="connsiteX246" fmla="*/ 4820599 w 5593163"/>
-              <a:gd name="connsiteY246" fmla="*/ 2188197 h 4305008"/>
-              <a:gd name="connsiteX247" fmla="*/ 4820625 w 5593163"/>
-              <a:gd name="connsiteY247" fmla="*/ 2188691 h 4305008"/>
-              <a:gd name="connsiteX248" fmla="*/ 4821123 w 5593163"/>
-              <a:gd name="connsiteY248" fmla="*/ 2188658 h 4305008"/>
-              <a:gd name="connsiteX249" fmla="*/ 4821717 w 5593163"/>
-              <a:gd name="connsiteY249" fmla="*/ 2200098 h 4305008"/>
-              <a:gd name="connsiteX250" fmla="*/ 4820346 w 5593163"/>
-              <a:gd name="connsiteY250" fmla="*/ 2217074 h 4305008"/>
-              <a:gd name="connsiteX251" fmla="*/ 4812879 w 5593163"/>
-              <a:gd name="connsiteY251" fmla="*/ 2309550 h 4305008"/>
-              <a:gd name="connsiteX252" fmla="*/ 4812341 w 5593163"/>
-              <a:gd name="connsiteY252" fmla="*/ 2316226 h 4305008"/>
-              <a:gd name="connsiteX253" fmla="*/ 4811835 w 5593163"/>
-              <a:gd name="connsiteY253" fmla="*/ 2316289 h 4305008"/>
-              <a:gd name="connsiteX254" fmla="*/ 4121670 w 5593163"/>
-              <a:gd name="connsiteY254" fmla="*/ 3009330 h 4305008"/>
-              <a:gd name="connsiteX255" fmla="*/ 4121554 w 5593163"/>
-              <a:gd name="connsiteY255" fmla="*/ 3010478 h 4305008"/>
-              <a:gd name="connsiteX256" fmla="*/ 4105337 w 5593163"/>
-              <a:gd name="connsiteY256" fmla="*/ 3012018 h 4305008"/>
-              <a:gd name="connsiteX257" fmla="*/ 4009911 w 5593163"/>
-              <a:gd name="connsiteY257" fmla="*/ 3021080 h 4305008"/>
-              <a:gd name="connsiteX258" fmla="*/ 3992792 w 5593163"/>
-              <a:gd name="connsiteY258" fmla="*/ 3022706 h 4305008"/>
-              <a:gd name="connsiteX259" fmla="*/ 3992766 w 5593163"/>
-              <a:gd name="connsiteY259" fmla="*/ 3022211 h 4305008"/>
-              <a:gd name="connsiteX260" fmla="*/ 3992267 w 5593163"/>
-              <a:gd name="connsiteY260" fmla="*/ 3022244 h 4305008"/>
-              <a:gd name="connsiteX261" fmla="*/ 3991674 w 5593163"/>
-              <a:gd name="connsiteY261" fmla="*/ 3010804 h 4305008"/>
-              <a:gd name="connsiteX262" fmla="*/ 3991674 w 5593163"/>
-              <a:gd name="connsiteY262" fmla="*/ 3058630 h 4305008"/>
-              <a:gd name="connsiteX263" fmla="*/ 3992268 w 5593163"/>
-              <a:gd name="connsiteY263" fmla="*/ 3047280 h 4305008"/>
-              <a:gd name="connsiteX264" fmla="*/ 3992766 w 5593163"/>
-              <a:gd name="connsiteY264" fmla="*/ 3047312 h 4305008"/>
-              <a:gd name="connsiteX265" fmla="*/ 3992792 w 5593163"/>
-              <a:gd name="connsiteY265" fmla="*/ 3046822 h 4305008"/>
-              <a:gd name="connsiteX266" fmla="*/ 4009880 w 5593163"/>
-              <a:gd name="connsiteY266" fmla="*/ 3048432 h 4305008"/>
-              <a:gd name="connsiteX267" fmla="*/ 4105341 w 5593163"/>
-              <a:gd name="connsiteY267" fmla="*/ 3057426 h 4305008"/>
-              <a:gd name="connsiteX268" fmla="*/ 4121554 w 5593163"/>
-              <a:gd name="connsiteY268" fmla="*/ 3058953 h 4305008"/>
-              <a:gd name="connsiteX269" fmla="*/ 4121671 w 5593163"/>
-              <a:gd name="connsiteY269" fmla="*/ 3060092 h 4305008"/>
-              <a:gd name="connsiteX270" fmla="*/ 4811836 w 5593163"/>
-              <a:gd name="connsiteY270" fmla="*/ 3747690 h 4305008"/>
-              <a:gd name="connsiteX271" fmla="*/ 4812342 w 5593163"/>
-              <a:gd name="connsiteY271" fmla="*/ 3747753 h 4305008"/>
-              <a:gd name="connsiteX272" fmla="*/ 4812882 w 5593163"/>
-              <a:gd name="connsiteY272" fmla="*/ 3754390 h 4305008"/>
-              <a:gd name="connsiteX273" fmla="*/ 4820346 w 5593163"/>
-              <a:gd name="connsiteY273" fmla="*/ 3846121 h 4305008"/>
-              <a:gd name="connsiteX274" fmla="*/ 4821717 w 5593163"/>
-              <a:gd name="connsiteY274" fmla="*/ 3862969 h 4305008"/>
-              <a:gd name="connsiteX275" fmla="*/ 4821124 w 5593163"/>
-              <a:gd name="connsiteY275" fmla="*/ 3874319 h 4305008"/>
-              <a:gd name="connsiteX276" fmla="*/ 4820625 w 5593163"/>
-              <a:gd name="connsiteY276" fmla="*/ 3874286 h 4305008"/>
-              <a:gd name="connsiteX277" fmla="*/ 4820599 w 5593163"/>
-              <a:gd name="connsiteY277" fmla="*/ 3874777 h 4305008"/>
-              <a:gd name="connsiteX278" fmla="*/ 4803481 w 5593163"/>
-              <a:gd name="connsiteY278" fmla="*/ 3873164 h 4305008"/>
-              <a:gd name="connsiteX279" fmla="*/ 4708054 w 5593163"/>
-              <a:gd name="connsiteY279" fmla="*/ 3864173 h 4305008"/>
-              <a:gd name="connsiteX280" fmla="*/ 4691837 w 5593163"/>
-              <a:gd name="connsiteY280" fmla="*/ 3862645 h 4305008"/>
-              <a:gd name="connsiteX281" fmla="*/ 4691721 w 5593163"/>
-              <a:gd name="connsiteY281" fmla="*/ 3861506 h 4305008"/>
-              <a:gd name="connsiteX282" fmla="*/ 4001556 w 5593163"/>
-              <a:gd name="connsiteY282" fmla="*/ 3173908 h 4305008"/>
-              <a:gd name="connsiteX283" fmla="*/ 4001050 w 5593163"/>
-              <a:gd name="connsiteY283" fmla="*/ 3173846 h 4305008"/>
-              <a:gd name="connsiteX284" fmla="*/ 4000512 w 5593163"/>
-              <a:gd name="connsiteY284" fmla="*/ 3167222 h 4305008"/>
-              <a:gd name="connsiteX285" fmla="*/ 3993045 w 5593163"/>
-              <a:gd name="connsiteY285" fmla="*/ 3075472 h 4305008"/>
-              <a:gd name="connsiteX286" fmla="*/ 3991674 w 5593163"/>
-              <a:gd name="connsiteY286" fmla="*/ 3058630 h 4305008"/>
-              <a:gd name="connsiteX287" fmla="*/ 3293448 w 5593163"/>
-              <a:gd name="connsiteY287" fmla="*/ 636203 h 4305008"/>
-              <a:gd name="connsiteX288" fmla="*/ 3836757 w 5593163"/>
-              <a:gd name="connsiteY288" fmla="*/ 1181049 h 4305008"/>
-              <a:gd name="connsiteX289" fmla="*/ 3293448 w 5593163"/>
-              <a:gd name="connsiteY289" fmla="*/ 636203 h 4305008"/>
-              <a:gd name="connsiteX290" fmla="*/ 3293448 w 5593163"/>
-              <a:gd name="connsiteY290" fmla="*/ 2333028 h 4305008"/>
-              <a:gd name="connsiteX291" fmla="*/ 3836757 w 5593163"/>
-              <a:gd name="connsiteY291" fmla="*/ 2877874 h 4305008"/>
-              <a:gd name="connsiteX292" fmla="*/ 3293448 w 5593163"/>
-              <a:gd name="connsiteY292" fmla="*/ 2333028 h 4305008"/>
-              <a:gd name="connsiteX293" fmla="*/ 3293446 w 5593163"/>
-              <a:gd name="connsiteY293" fmla="*/ 2034258 h 4305008"/>
-              <a:gd name="connsiteX294" fmla="*/ 3836755 w 5593163"/>
-              <a:gd name="connsiteY294" fmla="*/ 1493690 h 4305008"/>
-              <a:gd name="connsiteX295" fmla="*/ 3293446 w 5593163"/>
-              <a:gd name="connsiteY295" fmla="*/ 2034258 h 4305008"/>
-              <a:gd name="connsiteX296" fmla="*/ 3293446 w 5593163"/>
-              <a:gd name="connsiteY296" fmla="*/ 3731083 h 4305008"/>
-              <a:gd name="connsiteX297" fmla="*/ 3836755 w 5593163"/>
-              <a:gd name="connsiteY297" fmla="*/ 3190516 h 4305008"/>
-              <a:gd name="connsiteX298" fmla="*/ 3293446 w 5593163"/>
-              <a:gd name="connsiteY298" fmla="*/ 3731083 h 4305008"/>
-              <a:gd name="connsiteX299" fmla="*/ 3150081 w 5593163"/>
-              <a:gd name="connsiteY299" fmla="*/ 503273 h 4305008"/>
-              <a:gd name="connsiteX300" fmla="*/ 3150675 w 5593163"/>
-              <a:gd name="connsiteY300" fmla="*/ 491833 h 4305008"/>
-              <a:gd name="connsiteX301" fmla="*/ 3151173 w 5593163"/>
-              <a:gd name="connsiteY301" fmla="*/ 491866 h 4305008"/>
-              <a:gd name="connsiteX302" fmla="*/ 3151199 w 5593163"/>
-              <a:gd name="connsiteY302" fmla="*/ 491372 h 4305008"/>
-              <a:gd name="connsiteX303" fmla="*/ 3168287 w 5593163"/>
-              <a:gd name="connsiteY303" fmla="*/ 492995 h 4305008"/>
-              <a:gd name="connsiteX304" fmla="*/ 3263748 w 5593163"/>
-              <a:gd name="connsiteY304" fmla="*/ 502060 h 4305008"/>
-              <a:gd name="connsiteX305" fmla="*/ 3279961 w 5593163"/>
-              <a:gd name="connsiteY305" fmla="*/ 503599 h 4305008"/>
-              <a:gd name="connsiteX306" fmla="*/ 3280078 w 5593163"/>
-              <a:gd name="connsiteY306" fmla="*/ 504747 h 4305008"/>
-              <a:gd name="connsiteX307" fmla="*/ 3970244 w 5593163"/>
-              <a:gd name="connsiteY307" fmla="*/ 1197788 h 4305008"/>
-              <a:gd name="connsiteX308" fmla="*/ 3970749 w 5593163"/>
-              <a:gd name="connsiteY308" fmla="*/ 1197851 h 4305008"/>
-              <a:gd name="connsiteX309" fmla="*/ 3971290 w 5593163"/>
-              <a:gd name="connsiteY309" fmla="*/ 1204541 h 4305008"/>
-              <a:gd name="connsiteX310" fmla="*/ 3978754 w 5593163"/>
-              <a:gd name="connsiteY310" fmla="*/ 1296998 h 4305008"/>
-              <a:gd name="connsiteX311" fmla="*/ 3980124 w 5593163"/>
-              <a:gd name="connsiteY311" fmla="*/ 1313979 h 4305008"/>
-              <a:gd name="connsiteX312" fmla="*/ 3979531 w 5593163"/>
-              <a:gd name="connsiteY312" fmla="*/ 1325419 h 4305008"/>
-              <a:gd name="connsiteX313" fmla="*/ 3979032 w 5593163"/>
-              <a:gd name="connsiteY313" fmla="*/ 1325386 h 4305008"/>
-              <a:gd name="connsiteX314" fmla="*/ 3979006 w 5593163"/>
-              <a:gd name="connsiteY314" fmla="*/ 1325881 h 4305008"/>
-              <a:gd name="connsiteX315" fmla="*/ 3961888 w 5593163"/>
-              <a:gd name="connsiteY315" fmla="*/ 1324255 h 4305008"/>
-              <a:gd name="connsiteX316" fmla="*/ 3866461 w 5593163"/>
-              <a:gd name="connsiteY316" fmla="*/ 1315193 h 4305008"/>
-              <a:gd name="connsiteX317" fmla="*/ 3850245 w 5593163"/>
-              <a:gd name="connsiteY317" fmla="*/ 1313653 h 4305008"/>
-              <a:gd name="connsiteX318" fmla="*/ 3850129 w 5593163"/>
-              <a:gd name="connsiteY318" fmla="*/ 1312505 h 4305008"/>
-              <a:gd name="connsiteX319" fmla="*/ 3159963 w 5593163"/>
-              <a:gd name="connsiteY319" fmla="*/ 619464 h 4305008"/>
-              <a:gd name="connsiteX320" fmla="*/ 3159457 w 5593163"/>
-              <a:gd name="connsiteY320" fmla="*/ 619401 h 4305008"/>
-              <a:gd name="connsiteX321" fmla="*/ 3158919 w 5593163"/>
-              <a:gd name="connsiteY321" fmla="*/ 612725 h 4305008"/>
-              <a:gd name="connsiteX322" fmla="*/ 3151452 w 5593163"/>
-              <a:gd name="connsiteY322" fmla="*/ 520249 h 4305008"/>
-              <a:gd name="connsiteX323" fmla="*/ 3150081 w 5593163"/>
-              <a:gd name="connsiteY323" fmla="*/ 503273 h 4305008"/>
-              <a:gd name="connsiteX324" fmla="*/ 3150081 w 5593163"/>
-              <a:gd name="connsiteY324" fmla="*/ 2200098 h 4305008"/>
-              <a:gd name="connsiteX325" fmla="*/ 3150675 w 5593163"/>
-              <a:gd name="connsiteY325" fmla="*/ 2188658 h 4305008"/>
-              <a:gd name="connsiteX326" fmla="*/ 3151173 w 5593163"/>
-              <a:gd name="connsiteY326" fmla="*/ 2188691 h 4305008"/>
-              <a:gd name="connsiteX327" fmla="*/ 3151199 w 5593163"/>
-              <a:gd name="connsiteY327" fmla="*/ 2188197 h 4305008"/>
-              <a:gd name="connsiteX328" fmla="*/ 3168287 w 5593163"/>
-              <a:gd name="connsiteY328" fmla="*/ 2189820 h 4305008"/>
-              <a:gd name="connsiteX329" fmla="*/ 3263748 w 5593163"/>
-              <a:gd name="connsiteY329" fmla="*/ 2198885 h 4305008"/>
-              <a:gd name="connsiteX330" fmla="*/ 3279961 w 5593163"/>
-              <a:gd name="connsiteY330" fmla="*/ 2200424 h 4305008"/>
-              <a:gd name="connsiteX331" fmla="*/ 3280078 w 5593163"/>
-              <a:gd name="connsiteY331" fmla="*/ 2201572 h 4305008"/>
-              <a:gd name="connsiteX332" fmla="*/ 3970244 w 5593163"/>
-              <a:gd name="connsiteY332" fmla="*/ 2894613 h 4305008"/>
-              <a:gd name="connsiteX333" fmla="*/ 3970749 w 5593163"/>
-              <a:gd name="connsiteY333" fmla="*/ 2894676 h 4305008"/>
-              <a:gd name="connsiteX334" fmla="*/ 3971290 w 5593163"/>
-              <a:gd name="connsiteY334" fmla="*/ 2901366 h 4305008"/>
-              <a:gd name="connsiteX335" fmla="*/ 3978754 w 5593163"/>
-              <a:gd name="connsiteY335" fmla="*/ 2993823 h 4305008"/>
-              <a:gd name="connsiteX336" fmla="*/ 3980124 w 5593163"/>
-              <a:gd name="connsiteY336" fmla="*/ 3010804 h 4305008"/>
-              <a:gd name="connsiteX337" fmla="*/ 3979531 w 5593163"/>
-              <a:gd name="connsiteY337" fmla="*/ 3022244 h 4305008"/>
-              <a:gd name="connsiteX338" fmla="*/ 3979032 w 5593163"/>
-              <a:gd name="connsiteY338" fmla="*/ 3022211 h 4305008"/>
-              <a:gd name="connsiteX339" fmla="*/ 3979006 w 5593163"/>
-              <a:gd name="connsiteY339" fmla="*/ 3022706 h 4305008"/>
-              <a:gd name="connsiteX340" fmla="*/ 3961888 w 5593163"/>
-              <a:gd name="connsiteY340" fmla="*/ 3021080 h 4305008"/>
-              <a:gd name="connsiteX341" fmla="*/ 3866461 w 5593163"/>
-              <a:gd name="connsiteY341" fmla="*/ 3012018 h 4305008"/>
-              <a:gd name="connsiteX342" fmla="*/ 3850245 w 5593163"/>
-              <a:gd name="connsiteY342" fmla="*/ 3010478 h 4305008"/>
-              <a:gd name="connsiteX343" fmla="*/ 3850129 w 5593163"/>
-              <a:gd name="connsiteY343" fmla="*/ 3009330 h 4305008"/>
-              <a:gd name="connsiteX344" fmla="*/ 3159963 w 5593163"/>
-              <a:gd name="connsiteY344" fmla="*/ 2316289 h 4305008"/>
-              <a:gd name="connsiteX345" fmla="*/ 3159457 w 5593163"/>
-              <a:gd name="connsiteY345" fmla="*/ 2316226 h 4305008"/>
-              <a:gd name="connsiteX346" fmla="*/ 3158919 w 5593163"/>
-              <a:gd name="connsiteY346" fmla="*/ 2309550 h 4305008"/>
-              <a:gd name="connsiteX347" fmla="*/ 3151452 w 5593163"/>
-              <a:gd name="connsiteY347" fmla="*/ 2217074 h 4305008"/>
-              <a:gd name="connsiteX348" fmla="*/ 3150081 w 5593163"/>
-              <a:gd name="connsiteY348" fmla="*/ 2200098 h 4305008"/>
-              <a:gd name="connsiteX349" fmla="*/ 3150081 w 5593163"/>
-              <a:gd name="connsiteY349" fmla="*/ 3896923 h 4305008"/>
-              <a:gd name="connsiteX350" fmla="*/ 3150675 w 5593163"/>
-              <a:gd name="connsiteY350" fmla="*/ 3885483 h 4305008"/>
-              <a:gd name="connsiteX351" fmla="*/ 3151173 w 5593163"/>
-              <a:gd name="connsiteY351" fmla="*/ 3885516 h 4305008"/>
-              <a:gd name="connsiteX352" fmla="*/ 3151199 w 5593163"/>
-              <a:gd name="connsiteY352" fmla="*/ 3885022 h 4305008"/>
-              <a:gd name="connsiteX353" fmla="*/ 3168287 w 5593163"/>
-              <a:gd name="connsiteY353" fmla="*/ 3886645 h 4305008"/>
-              <a:gd name="connsiteX354" fmla="*/ 3263748 w 5593163"/>
-              <a:gd name="connsiteY354" fmla="*/ 3895710 h 4305008"/>
-              <a:gd name="connsiteX355" fmla="*/ 3279961 w 5593163"/>
-              <a:gd name="connsiteY355" fmla="*/ 3897249 h 4305008"/>
-              <a:gd name="connsiteX356" fmla="*/ 3280078 w 5593163"/>
-              <a:gd name="connsiteY356" fmla="*/ 3898397 h 4305008"/>
-              <a:gd name="connsiteX357" fmla="*/ 3840331 w 5593163"/>
-              <a:gd name="connsiteY357" fmla="*/ 4255797 h 4305008"/>
-              <a:gd name="connsiteX358" fmla="*/ 3868775 w 5593163"/>
-              <a:gd name="connsiteY358" fmla="*/ 4305008 h 4305008"/>
-              <a:gd name="connsiteX359" fmla="*/ 3717725 w 5593163"/>
-              <a:gd name="connsiteY359" fmla="*/ 4305008 h 4305008"/>
-              <a:gd name="connsiteX360" fmla="*/ 3665602 w 5593163"/>
-              <a:gd name="connsiteY360" fmla="*/ 4241205 h 4305008"/>
-              <a:gd name="connsiteX361" fmla="*/ 3293448 w 5593163"/>
-              <a:gd name="connsiteY361" fmla="*/ 4029853 h 4305008"/>
-              <a:gd name="connsiteX362" fmla="*/ 3392629 w 5593163"/>
-              <a:gd name="connsiteY362" fmla="*/ 4271827 h 4305008"/>
-              <a:gd name="connsiteX363" fmla="*/ 3419311 w 5593163"/>
-              <a:gd name="connsiteY363" fmla="*/ 4305008 h 4305008"/>
-              <a:gd name="connsiteX364" fmla="*/ 3265201 w 5593163"/>
-              <a:gd name="connsiteY364" fmla="*/ 4305008 h 4305008"/>
-              <a:gd name="connsiteX365" fmla="*/ 3235080 w 5593163"/>
-              <a:gd name="connsiteY365" fmla="*/ 4254710 h 4305008"/>
-              <a:gd name="connsiteX366" fmla="*/ 3159963 w 5593163"/>
-              <a:gd name="connsiteY366" fmla="*/ 4013114 h 4305008"/>
-              <a:gd name="connsiteX367" fmla="*/ 3159457 w 5593163"/>
-              <a:gd name="connsiteY367" fmla="*/ 4013051 h 4305008"/>
-              <a:gd name="connsiteX368" fmla="*/ 3158919 w 5593163"/>
-              <a:gd name="connsiteY368" fmla="*/ 4006375 h 4305008"/>
-              <a:gd name="connsiteX369" fmla="*/ 3151452 w 5593163"/>
-              <a:gd name="connsiteY369" fmla="*/ 3913899 h 4305008"/>
-              <a:gd name="connsiteX370" fmla="*/ 3150081 w 5593163"/>
-              <a:gd name="connsiteY370" fmla="*/ 3896923 h 4305008"/>
-              <a:gd name="connsiteX371" fmla="*/ 3150079 w 5593163"/>
-              <a:gd name="connsiteY371" fmla="*/ 469318 h 4305008"/>
-              <a:gd name="connsiteX372" fmla="*/ 3151450 w 5593163"/>
-              <a:gd name="connsiteY372" fmla="*/ 452471 h 4305008"/>
-              <a:gd name="connsiteX373" fmla="*/ 3158914 w 5593163"/>
-              <a:gd name="connsiteY373" fmla="*/ 360740 h 4305008"/>
-              <a:gd name="connsiteX374" fmla="*/ 3159454 w 5593163"/>
-              <a:gd name="connsiteY374" fmla="*/ 354103 h 4305008"/>
-              <a:gd name="connsiteX375" fmla="*/ 3159960 w 5593163"/>
-              <a:gd name="connsiteY375" fmla="*/ 354040 h 4305008"/>
-              <a:gd name="connsiteX376" fmla="*/ 3244173 w 5593163"/>
-              <a:gd name="connsiteY376" fmla="*/ 96778 h 4305008"/>
-              <a:gd name="connsiteX377" fmla="*/ 3306807 w 5593163"/>
-              <a:gd name="connsiteY377" fmla="*/ 0 h 4305008"/>
-              <a:gd name="connsiteX378" fmla="*/ 3475182 w 5593163"/>
-              <a:gd name="connsiteY378" fmla="*/ 0 h 4305008"/>
-              <a:gd name="connsiteX379" fmla="*/ 3406954 w 5593163"/>
-              <a:gd name="connsiteY379" fmla="*/ 76659 h 4305008"/>
-              <a:gd name="connsiteX380" fmla="*/ 3293446 w 5593163"/>
-              <a:gd name="connsiteY380" fmla="*/ 337433 h 4305008"/>
-              <a:gd name="connsiteX381" fmla="*/ 3732420 w 5593163"/>
-              <a:gd name="connsiteY381" fmla="*/ 44350 h 4305008"/>
-              <a:gd name="connsiteX382" fmla="*/ 3754649 w 5593163"/>
-              <a:gd name="connsiteY382" fmla="*/ 0 h 4305008"/>
-              <a:gd name="connsiteX383" fmla="*/ 3903287 w 5593163"/>
-              <a:gd name="connsiteY383" fmla="*/ 0 h 4305008"/>
-              <a:gd name="connsiteX384" fmla="*/ 3851448 w 5593163"/>
-              <a:gd name="connsiteY384" fmla="*/ 95636 h 4305008"/>
-              <a:gd name="connsiteX385" fmla="*/ 3280075 w 5593163"/>
-              <a:gd name="connsiteY385" fmla="*/ 467856 h 4305008"/>
-              <a:gd name="connsiteX386" fmla="*/ 3279959 w 5593163"/>
-              <a:gd name="connsiteY386" fmla="*/ 468995 h 4305008"/>
-              <a:gd name="connsiteX387" fmla="*/ 3263742 w 5593163"/>
-              <a:gd name="connsiteY387" fmla="*/ 470523 h 4305008"/>
-              <a:gd name="connsiteX388" fmla="*/ 3168316 w 5593163"/>
-              <a:gd name="connsiteY388" fmla="*/ 479514 h 4305008"/>
-              <a:gd name="connsiteX389" fmla="*/ 3151197 w 5593163"/>
-              <a:gd name="connsiteY389" fmla="*/ 481127 h 4305008"/>
-              <a:gd name="connsiteX390" fmla="*/ 3151171 w 5593163"/>
-              <a:gd name="connsiteY390" fmla="*/ 480636 h 4305008"/>
-              <a:gd name="connsiteX391" fmla="*/ 3150672 w 5593163"/>
-              <a:gd name="connsiteY391" fmla="*/ 480669 h 4305008"/>
-              <a:gd name="connsiteX392" fmla="*/ 3150079 w 5593163"/>
-              <a:gd name="connsiteY392" fmla="*/ 469318 h 4305008"/>
-              <a:gd name="connsiteX393" fmla="*/ 3150079 w 5593163"/>
-              <a:gd name="connsiteY393" fmla="*/ 2166144 h 4305008"/>
-              <a:gd name="connsiteX394" fmla="*/ 3151450 w 5593163"/>
-              <a:gd name="connsiteY394" fmla="*/ 2149296 h 4305008"/>
-              <a:gd name="connsiteX395" fmla="*/ 3158914 w 5593163"/>
-              <a:gd name="connsiteY395" fmla="*/ 2057565 h 4305008"/>
-              <a:gd name="connsiteX396" fmla="*/ 3159454 w 5593163"/>
-              <a:gd name="connsiteY396" fmla="*/ 2050928 h 4305008"/>
-              <a:gd name="connsiteX397" fmla="*/ 3159960 w 5593163"/>
-              <a:gd name="connsiteY397" fmla="*/ 2050865 h 4305008"/>
-              <a:gd name="connsiteX398" fmla="*/ 3850126 w 5593163"/>
-              <a:gd name="connsiteY398" fmla="*/ 1363267 h 4305008"/>
-              <a:gd name="connsiteX399" fmla="*/ 3850243 w 5593163"/>
-              <a:gd name="connsiteY399" fmla="*/ 1362128 h 4305008"/>
-              <a:gd name="connsiteX400" fmla="*/ 3866455 w 5593163"/>
-              <a:gd name="connsiteY400" fmla="*/ 1360601 h 4305008"/>
-              <a:gd name="connsiteX401" fmla="*/ 3961917 w 5593163"/>
-              <a:gd name="connsiteY401" fmla="*/ 1351607 h 4305008"/>
-              <a:gd name="connsiteX402" fmla="*/ 3979004 w 5593163"/>
-              <a:gd name="connsiteY402" fmla="*/ 1349997 h 4305008"/>
-              <a:gd name="connsiteX403" fmla="*/ 3979030 w 5593163"/>
-              <a:gd name="connsiteY403" fmla="*/ 1350487 h 4305008"/>
-              <a:gd name="connsiteX404" fmla="*/ 3979528 w 5593163"/>
-              <a:gd name="connsiteY404" fmla="*/ 1350455 h 4305008"/>
-              <a:gd name="connsiteX405" fmla="*/ 3980122 w 5593163"/>
-              <a:gd name="connsiteY405" fmla="*/ 1361805 h 4305008"/>
-              <a:gd name="connsiteX406" fmla="*/ 3978752 w 5593163"/>
-              <a:gd name="connsiteY406" fmla="*/ 1378647 h 4305008"/>
-              <a:gd name="connsiteX407" fmla="*/ 3971285 w 5593163"/>
-              <a:gd name="connsiteY407" fmla="*/ 1470397 h 4305008"/>
-              <a:gd name="connsiteX408" fmla="*/ 3970746 w 5593163"/>
-              <a:gd name="connsiteY408" fmla="*/ 1477021 h 4305008"/>
-              <a:gd name="connsiteX409" fmla="*/ 3970241 w 5593163"/>
-              <a:gd name="connsiteY409" fmla="*/ 1477083 h 4305008"/>
-              <a:gd name="connsiteX410" fmla="*/ 3280075 w 5593163"/>
-              <a:gd name="connsiteY410" fmla="*/ 2164681 h 4305008"/>
-              <a:gd name="connsiteX411" fmla="*/ 3279959 w 5593163"/>
-              <a:gd name="connsiteY411" fmla="*/ 2165820 h 4305008"/>
-              <a:gd name="connsiteX412" fmla="*/ 3263742 w 5593163"/>
-              <a:gd name="connsiteY412" fmla="*/ 2167348 h 4305008"/>
-              <a:gd name="connsiteX413" fmla="*/ 3168316 w 5593163"/>
-              <a:gd name="connsiteY413" fmla="*/ 2176339 h 4305008"/>
-              <a:gd name="connsiteX414" fmla="*/ 3151197 w 5593163"/>
-              <a:gd name="connsiteY414" fmla="*/ 2177952 h 4305008"/>
-              <a:gd name="connsiteX415" fmla="*/ 3151171 w 5593163"/>
-              <a:gd name="connsiteY415" fmla="*/ 2177461 h 4305008"/>
-              <a:gd name="connsiteX416" fmla="*/ 3150672 w 5593163"/>
-              <a:gd name="connsiteY416" fmla="*/ 2177494 h 4305008"/>
-              <a:gd name="connsiteX417" fmla="*/ 3150079 w 5593163"/>
-              <a:gd name="connsiteY417" fmla="*/ 2166144 h 4305008"/>
-              <a:gd name="connsiteX418" fmla="*/ 3150079 w 5593163"/>
-              <a:gd name="connsiteY418" fmla="*/ 3862969 h 4305008"/>
-              <a:gd name="connsiteX419" fmla="*/ 3151450 w 5593163"/>
-              <a:gd name="connsiteY419" fmla="*/ 3846121 h 4305008"/>
-              <a:gd name="connsiteX420" fmla="*/ 3158914 w 5593163"/>
-              <a:gd name="connsiteY420" fmla="*/ 3754390 h 4305008"/>
-              <a:gd name="connsiteX421" fmla="*/ 3159454 w 5593163"/>
-              <a:gd name="connsiteY421" fmla="*/ 3747753 h 4305008"/>
-              <a:gd name="connsiteX422" fmla="*/ 3159960 w 5593163"/>
-              <a:gd name="connsiteY422" fmla="*/ 3747690 h 4305008"/>
-              <a:gd name="connsiteX423" fmla="*/ 3850126 w 5593163"/>
-              <a:gd name="connsiteY423" fmla="*/ 3060092 h 4305008"/>
-              <a:gd name="connsiteX424" fmla="*/ 3850243 w 5593163"/>
-              <a:gd name="connsiteY424" fmla="*/ 3058953 h 4305008"/>
-              <a:gd name="connsiteX425" fmla="*/ 3866455 w 5593163"/>
-              <a:gd name="connsiteY425" fmla="*/ 3057426 h 4305008"/>
-              <a:gd name="connsiteX426" fmla="*/ 3961917 w 5593163"/>
-              <a:gd name="connsiteY426" fmla="*/ 3048432 h 4305008"/>
-              <a:gd name="connsiteX427" fmla="*/ 3979004 w 5593163"/>
-              <a:gd name="connsiteY427" fmla="*/ 3046822 h 4305008"/>
-              <a:gd name="connsiteX428" fmla="*/ 3979030 w 5593163"/>
-              <a:gd name="connsiteY428" fmla="*/ 3047312 h 4305008"/>
-              <a:gd name="connsiteX429" fmla="*/ 3979528 w 5593163"/>
-              <a:gd name="connsiteY429" fmla="*/ 3047280 h 4305008"/>
-              <a:gd name="connsiteX430" fmla="*/ 3980122 w 5593163"/>
-              <a:gd name="connsiteY430" fmla="*/ 3058630 h 4305008"/>
-              <a:gd name="connsiteX431" fmla="*/ 3978752 w 5593163"/>
-              <a:gd name="connsiteY431" fmla="*/ 3075472 h 4305008"/>
-              <a:gd name="connsiteX432" fmla="*/ 3971285 w 5593163"/>
-              <a:gd name="connsiteY432" fmla="*/ 3167222 h 4305008"/>
-              <a:gd name="connsiteX433" fmla="*/ 3970746 w 5593163"/>
-              <a:gd name="connsiteY433" fmla="*/ 3173846 h 4305008"/>
-              <a:gd name="connsiteX434" fmla="*/ 3970241 w 5593163"/>
-              <a:gd name="connsiteY434" fmla="*/ 3173908 h 4305008"/>
-              <a:gd name="connsiteX435" fmla="*/ 3280075 w 5593163"/>
-              <a:gd name="connsiteY435" fmla="*/ 3861506 h 4305008"/>
-              <a:gd name="connsiteX436" fmla="*/ 3279959 w 5593163"/>
-              <a:gd name="connsiteY436" fmla="*/ 3862645 h 4305008"/>
-              <a:gd name="connsiteX437" fmla="*/ 3263742 w 5593163"/>
-              <a:gd name="connsiteY437" fmla="*/ 3864173 h 4305008"/>
-              <a:gd name="connsiteX438" fmla="*/ 3168316 w 5593163"/>
-              <a:gd name="connsiteY438" fmla="*/ 3873164 h 4305008"/>
-              <a:gd name="connsiteX439" fmla="*/ 3151197 w 5593163"/>
-              <a:gd name="connsiteY439" fmla="*/ 3874777 h 4305008"/>
-              <a:gd name="connsiteX440" fmla="*/ 3151171 w 5593163"/>
-              <a:gd name="connsiteY440" fmla="*/ 3874286 h 4305008"/>
-              <a:gd name="connsiteX441" fmla="*/ 3150672 w 5593163"/>
-              <a:gd name="connsiteY441" fmla="*/ 3874319 h 4305008"/>
-              <a:gd name="connsiteX442" fmla="*/ 3150079 w 5593163"/>
-              <a:gd name="connsiteY442" fmla="*/ 3862969 h 4305008"/>
-              <a:gd name="connsiteX443" fmla="*/ 2442890 w 5593163"/>
-              <a:gd name="connsiteY443" fmla="*/ 1181049 h 4305008"/>
-              <a:gd name="connsiteX444" fmla="*/ 2986199 w 5593163"/>
-              <a:gd name="connsiteY444" fmla="*/ 636203 h 4305008"/>
-              <a:gd name="connsiteX445" fmla="*/ 2442890 w 5593163"/>
-              <a:gd name="connsiteY445" fmla="*/ 1181049 h 4305008"/>
-              <a:gd name="connsiteX446" fmla="*/ 2442890 w 5593163"/>
-              <a:gd name="connsiteY446" fmla="*/ 1493690 h 4305008"/>
-              <a:gd name="connsiteX447" fmla="*/ 2986199 w 5593163"/>
-              <a:gd name="connsiteY447" fmla="*/ 2034258 h 4305008"/>
-              <a:gd name="connsiteX448" fmla="*/ 2442890 w 5593163"/>
-              <a:gd name="connsiteY448" fmla="*/ 1493690 h 4305008"/>
-              <a:gd name="connsiteX449" fmla="*/ 2442890 w 5593163"/>
-              <a:gd name="connsiteY449" fmla="*/ 2877874 h 4305008"/>
-              <a:gd name="connsiteX450" fmla="*/ 2986199 w 5593163"/>
-              <a:gd name="connsiteY450" fmla="*/ 2333028 h 4305008"/>
-              <a:gd name="connsiteX451" fmla="*/ 2442890 w 5593163"/>
-              <a:gd name="connsiteY451" fmla="*/ 2877874 h 4305008"/>
-              <a:gd name="connsiteX452" fmla="*/ 2442890 w 5593163"/>
-              <a:gd name="connsiteY452" fmla="*/ 3190516 h 4305008"/>
-              <a:gd name="connsiteX453" fmla="*/ 2986199 w 5593163"/>
-              <a:gd name="connsiteY453" fmla="*/ 3731083 h 4305008"/>
-              <a:gd name="connsiteX454" fmla="*/ 2442890 w 5593163"/>
-              <a:gd name="connsiteY454" fmla="*/ 3190516 h 4305008"/>
-              <a:gd name="connsiteX455" fmla="*/ 2410871 w 5593163"/>
-              <a:gd name="connsiteY455" fmla="*/ 4305008 h 4305008"/>
-              <a:gd name="connsiteX456" fmla="*/ 2439316 w 5593163"/>
-              <a:gd name="connsiteY456" fmla="*/ 4255797 h 4305008"/>
-              <a:gd name="connsiteX457" fmla="*/ 2999569 w 5593163"/>
-              <a:gd name="connsiteY457" fmla="*/ 3898397 h 4305008"/>
-              <a:gd name="connsiteX458" fmla="*/ 2999686 w 5593163"/>
-              <a:gd name="connsiteY458" fmla="*/ 3897249 h 4305008"/>
-              <a:gd name="connsiteX459" fmla="*/ 3015899 w 5593163"/>
-              <a:gd name="connsiteY459" fmla="*/ 3895710 h 4305008"/>
-              <a:gd name="connsiteX460" fmla="*/ 3111360 w 5593163"/>
-              <a:gd name="connsiteY460" fmla="*/ 3886645 h 4305008"/>
-              <a:gd name="connsiteX461" fmla="*/ 3128448 w 5593163"/>
-              <a:gd name="connsiteY461" fmla="*/ 3885022 h 4305008"/>
-              <a:gd name="connsiteX462" fmla="*/ 3128474 w 5593163"/>
-              <a:gd name="connsiteY462" fmla="*/ 3885516 h 4305008"/>
-              <a:gd name="connsiteX463" fmla="*/ 3128972 w 5593163"/>
-              <a:gd name="connsiteY463" fmla="*/ 3885483 h 4305008"/>
-              <a:gd name="connsiteX464" fmla="*/ 3129566 w 5593163"/>
-              <a:gd name="connsiteY464" fmla="*/ 3896923 h 4305008"/>
-              <a:gd name="connsiteX465" fmla="*/ 3128195 w 5593163"/>
-              <a:gd name="connsiteY465" fmla="*/ 3913899 h 4305008"/>
-              <a:gd name="connsiteX466" fmla="*/ 3120728 w 5593163"/>
-              <a:gd name="connsiteY466" fmla="*/ 4006375 h 4305008"/>
-              <a:gd name="connsiteX467" fmla="*/ 3120190 w 5593163"/>
-              <a:gd name="connsiteY467" fmla="*/ 4013051 h 4305008"/>
-              <a:gd name="connsiteX468" fmla="*/ 3119684 w 5593163"/>
-              <a:gd name="connsiteY468" fmla="*/ 4013114 h 4305008"/>
-              <a:gd name="connsiteX469" fmla="*/ 3044567 w 5593163"/>
-              <a:gd name="connsiteY469" fmla="*/ 4254710 h 4305008"/>
-              <a:gd name="connsiteX470" fmla="*/ 3014445 w 5593163"/>
-              <a:gd name="connsiteY470" fmla="*/ 4305008 h 4305008"/>
-              <a:gd name="connsiteX471" fmla="*/ 2860336 w 5593163"/>
-              <a:gd name="connsiteY471" fmla="*/ 4305008 h 4305008"/>
-              <a:gd name="connsiteX472" fmla="*/ 2887018 w 5593163"/>
-              <a:gd name="connsiteY472" fmla="*/ 4271827 h 4305008"/>
-              <a:gd name="connsiteX473" fmla="*/ 2986199 w 5593163"/>
-              <a:gd name="connsiteY473" fmla="*/ 4029853 h 4305008"/>
-              <a:gd name="connsiteX474" fmla="*/ 2614045 w 5593163"/>
-              <a:gd name="connsiteY474" fmla="*/ 4241205 h 4305008"/>
-              <a:gd name="connsiteX475" fmla="*/ 2561922 w 5593163"/>
-              <a:gd name="connsiteY475" fmla="*/ 4305008 h 4305008"/>
-              <a:gd name="connsiteX476" fmla="*/ 2376360 w 5593163"/>
-              <a:gd name="connsiteY476" fmla="*/ 0 h 4305008"/>
-              <a:gd name="connsiteX477" fmla="*/ 2524998 w 5593163"/>
-              <a:gd name="connsiteY477" fmla="*/ 0 h 4305008"/>
-              <a:gd name="connsiteX478" fmla="*/ 2547226 w 5593163"/>
-              <a:gd name="connsiteY478" fmla="*/ 44350 h 4305008"/>
-              <a:gd name="connsiteX479" fmla="*/ 2986199 w 5593163"/>
-              <a:gd name="connsiteY479" fmla="*/ 337433 h 4305008"/>
-              <a:gd name="connsiteX480" fmla="*/ 2872691 w 5593163"/>
-              <a:gd name="connsiteY480" fmla="*/ 76659 h 4305008"/>
-              <a:gd name="connsiteX481" fmla="*/ 2804464 w 5593163"/>
-              <a:gd name="connsiteY481" fmla="*/ 0 h 4305008"/>
-              <a:gd name="connsiteX482" fmla="*/ 2972839 w 5593163"/>
-              <a:gd name="connsiteY482" fmla="*/ 0 h 4305008"/>
-              <a:gd name="connsiteX483" fmla="*/ 3035473 w 5593163"/>
-              <a:gd name="connsiteY483" fmla="*/ 96778 h 4305008"/>
-              <a:gd name="connsiteX484" fmla="*/ 3119686 w 5593163"/>
-              <a:gd name="connsiteY484" fmla="*/ 354040 h 4305008"/>
-              <a:gd name="connsiteX485" fmla="*/ 3120191 w 5593163"/>
-              <a:gd name="connsiteY485" fmla="*/ 354103 h 4305008"/>
-              <a:gd name="connsiteX486" fmla="*/ 3120732 w 5593163"/>
-              <a:gd name="connsiteY486" fmla="*/ 360740 h 4305008"/>
-              <a:gd name="connsiteX487" fmla="*/ 3128196 w 5593163"/>
-              <a:gd name="connsiteY487" fmla="*/ 452471 h 4305008"/>
-              <a:gd name="connsiteX488" fmla="*/ 3129566 w 5593163"/>
-              <a:gd name="connsiteY488" fmla="*/ 469318 h 4305008"/>
-              <a:gd name="connsiteX489" fmla="*/ 3128973 w 5593163"/>
-              <a:gd name="connsiteY489" fmla="*/ 480669 h 4305008"/>
-              <a:gd name="connsiteX490" fmla="*/ 3128474 w 5593163"/>
-              <a:gd name="connsiteY490" fmla="*/ 480636 h 4305008"/>
-              <a:gd name="connsiteX491" fmla="*/ 3128448 w 5593163"/>
-              <a:gd name="connsiteY491" fmla="*/ 481127 h 4305008"/>
-              <a:gd name="connsiteX492" fmla="*/ 3111330 w 5593163"/>
-              <a:gd name="connsiteY492" fmla="*/ 479514 h 4305008"/>
-              <a:gd name="connsiteX493" fmla="*/ 3015903 w 5593163"/>
-              <a:gd name="connsiteY493" fmla="*/ 470523 h 4305008"/>
-              <a:gd name="connsiteX494" fmla="*/ 2999687 w 5593163"/>
-              <a:gd name="connsiteY494" fmla="*/ 468995 h 4305008"/>
-              <a:gd name="connsiteX495" fmla="*/ 2999571 w 5593163"/>
-              <a:gd name="connsiteY495" fmla="*/ 467856 h 4305008"/>
-              <a:gd name="connsiteX496" fmla="*/ 2428199 w 5593163"/>
-              <a:gd name="connsiteY496" fmla="*/ 95636 h 4305008"/>
-              <a:gd name="connsiteX497" fmla="*/ 2299523 w 5593163"/>
-              <a:gd name="connsiteY497" fmla="*/ 1313979 h 4305008"/>
-              <a:gd name="connsiteX498" fmla="*/ 2300894 w 5593163"/>
-              <a:gd name="connsiteY498" fmla="*/ 1296998 h 4305008"/>
-              <a:gd name="connsiteX499" fmla="*/ 2308358 w 5593163"/>
-              <a:gd name="connsiteY499" fmla="*/ 1204541 h 4305008"/>
-              <a:gd name="connsiteX500" fmla="*/ 2308898 w 5593163"/>
-              <a:gd name="connsiteY500" fmla="*/ 1197851 h 4305008"/>
-              <a:gd name="connsiteX501" fmla="*/ 2309404 w 5593163"/>
-              <a:gd name="connsiteY501" fmla="*/ 1197788 h 4305008"/>
-              <a:gd name="connsiteX502" fmla="*/ 2999570 w 5593163"/>
-              <a:gd name="connsiteY502" fmla="*/ 504747 h 4305008"/>
-              <a:gd name="connsiteX503" fmla="*/ 2999687 w 5593163"/>
-              <a:gd name="connsiteY503" fmla="*/ 503599 h 4305008"/>
-              <a:gd name="connsiteX504" fmla="*/ 3015899 w 5593163"/>
-              <a:gd name="connsiteY504" fmla="*/ 502060 h 4305008"/>
-              <a:gd name="connsiteX505" fmla="*/ 3111361 w 5593163"/>
-              <a:gd name="connsiteY505" fmla="*/ 492995 h 4305008"/>
-              <a:gd name="connsiteX506" fmla="*/ 3128448 w 5593163"/>
-              <a:gd name="connsiteY506" fmla="*/ 491372 h 4305008"/>
-              <a:gd name="connsiteX507" fmla="*/ 3128474 w 5593163"/>
-              <a:gd name="connsiteY507" fmla="*/ 491866 h 4305008"/>
-              <a:gd name="connsiteX508" fmla="*/ 3128972 w 5593163"/>
-              <a:gd name="connsiteY508" fmla="*/ 491833 h 4305008"/>
-              <a:gd name="connsiteX509" fmla="*/ 3129566 w 5593163"/>
-              <a:gd name="connsiteY509" fmla="*/ 503273 h 4305008"/>
-              <a:gd name="connsiteX510" fmla="*/ 3128196 w 5593163"/>
-              <a:gd name="connsiteY510" fmla="*/ 520249 h 4305008"/>
-              <a:gd name="connsiteX511" fmla="*/ 3120729 w 5593163"/>
-              <a:gd name="connsiteY511" fmla="*/ 612725 h 4305008"/>
-              <a:gd name="connsiteX512" fmla="*/ 3120190 w 5593163"/>
-              <a:gd name="connsiteY512" fmla="*/ 619401 h 4305008"/>
-              <a:gd name="connsiteX513" fmla="*/ 3119685 w 5593163"/>
-              <a:gd name="connsiteY513" fmla="*/ 619464 h 4305008"/>
-              <a:gd name="connsiteX514" fmla="*/ 2429519 w 5593163"/>
-              <a:gd name="connsiteY514" fmla="*/ 1312505 h 4305008"/>
-              <a:gd name="connsiteX515" fmla="*/ 2429403 w 5593163"/>
-              <a:gd name="connsiteY515" fmla="*/ 1313653 h 4305008"/>
-              <a:gd name="connsiteX516" fmla="*/ 2413186 w 5593163"/>
-              <a:gd name="connsiteY516" fmla="*/ 1315193 h 4305008"/>
-              <a:gd name="connsiteX517" fmla="*/ 2317760 w 5593163"/>
-              <a:gd name="connsiteY517" fmla="*/ 1324255 h 4305008"/>
-              <a:gd name="connsiteX518" fmla="*/ 2300641 w 5593163"/>
-              <a:gd name="connsiteY518" fmla="*/ 1325881 h 4305008"/>
-              <a:gd name="connsiteX519" fmla="*/ 2300615 w 5593163"/>
-              <a:gd name="connsiteY519" fmla="*/ 1325386 h 4305008"/>
-              <a:gd name="connsiteX520" fmla="*/ 2300116 w 5593163"/>
-              <a:gd name="connsiteY520" fmla="*/ 1325419 h 4305008"/>
-              <a:gd name="connsiteX521" fmla="*/ 2299523 w 5593163"/>
-              <a:gd name="connsiteY521" fmla="*/ 1313979 h 4305008"/>
-              <a:gd name="connsiteX522" fmla="*/ 2299523 w 5593163"/>
-              <a:gd name="connsiteY522" fmla="*/ 1361805 h 4305008"/>
-              <a:gd name="connsiteX523" fmla="*/ 2300117 w 5593163"/>
-              <a:gd name="connsiteY523" fmla="*/ 1350455 h 4305008"/>
-              <a:gd name="connsiteX524" fmla="*/ 2300615 w 5593163"/>
-              <a:gd name="connsiteY524" fmla="*/ 1350487 h 4305008"/>
-              <a:gd name="connsiteX525" fmla="*/ 2300641 w 5593163"/>
-              <a:gd name="connsiteY525" fmla="*/ 1349997 h 4305008"/>
-              <a:gd name="connsiteX526" fmla="*/ 2317729 w 5593163"/>
-              <a:gd name="connsiteY526" fmla="*/ 1351607 h 4305008"/>
-              <a:gd name="connsiteX527" fmla="*/ 2413190 w 5593163"/>
-              <a:gd name="connsiteY527" fmla="*/ 1360601 h 4305008"/>
-              <a:gd name="connsiteX528" fmla="*/ 2429403 w 5593163"/>
-              <a:gd name="connsiteY528" fmla="*/ 1362128 h 4305008"/>
-              <a:gd name="connsiteX529" fmla="*/ 2429520 w 5593163"/>
-              <a:gd name="connsiteY529" fmla="*/ 1363267 h 4305008"/>
-              <a:gd name="connsiteX530" fmla="*/ 3119686 w 5593163"/>
-              <a:gd name="connsiteY530" fmla="*/ 2050865 h 4305008"/>
-              <a:gd name="connsiteX531" fmla="*/ 3120191 w 5593163"/>
-              <a:gd name="connsiteY531" fmla="*/ 2050928 h 4305008"/>
-              <a:gd name="connsiteX532" fmla="*/ 3120732 w 5593163"/>
-              <a:gd name="connsiteY532" fmla="*/ 2057565 h 4305008"/>
-              <a:gd name="connsiteX533" fmla="*/ 3128196 w 5593163"/>
-              <a:gd name="connsiteY533" fmla="*/ 2149296 h 4305008"/>
-              <a:gd name="connsiteX534" fmla="*/ 3129566 w 5593163"/>
-              <a:gd name="connsiteY534" fmla="*/ 2166144 h 4305008"/>
-              <a:gd name="connsiteX535" fmla="*/ 3128973 w 5593163"/>
-              <a:gd name="connsiteY535" fmla="*/ 2177494 h 4305008"/>
-              <a:gd name="connsiteX536" fmla="*/ 3128474 w 5593163"/>
-              <a:gd name="connsiteY536" fmla="*/ 2177461 h 4305008"/>
-              <a:gd name="connsiteX537" fmla="*/ 3128448 w 5593163"/>
-              <a:gd name="connsiteY537" fmla="*/ 2177952 h 4305008"/>
-              <a:gd name="connsiteX538" fmla="*/ 3111330 w 5593163"/>
-              <a:gd name="connsiteY538" fmla="*/ 2176339 h 4305008"/>
-              <a:gd name="connsiteX539" fmla="*/ 3015903 w 5593163"/>
-              <a:gd name="connsiteY539" fmla="*/ 2167348 h 4305008"/>
-              <a:gd name="connsiteX540" fmla="*/ 2999687 w 5593163"/>
-              <a:gd name="connsiteY540" fmla="*/ 2165820 h 4305008"/>
-              <a:gd name="connsiteX541" fmla="*/ 2999571 w 5593163"/>
-              <a:gd name="connsiteY541" fmla="*/ 2164681 h 4305008"/>
-              <a:gd name="connsiteX542" fmla="*/ 2309405 w 5593163"/>
-              <a:gd name="connsiteY542" fmla="*/ 1477083 h 4305008"/>
-              <a:gd name="connsiteX543" fmla="*/ 2308899 w 5593163"/>
-              <a:gd name="connsiteY543" fmla="*/ 1477021 h 4305008"/>
-              <a:gd name="connsiteX544" fmla="*/ 2308361 w 5593163"/>
-              <a:gd name="connsiteY544" fmla="*/ 1470397 h 4305008"/>
-              <a:gd name="connsiteX545" fmla="*/ 2300894 w 5593163"/>
-              <a:gd name="connsiteY545" fmla="*/ 1378647 h 4305008"/>
-              <a:gd name="connsiteX546" fmla="*/ 2299523 w 5593163"/>
-              <a:gd name="connsiteY546" fmla="*/ 1361805 h 4305008"/>
-              <a:gd name="connsiteX547" fmla="*/ 2299523 w 5593163"/>
-              <a:gd name="connsiteY547" fmla="*/ 3010804 h 4305008"/>
-              <a:gd name="connsiteX548" fmla="*/ 2300894 w 5593163"/>
-              <a:gd name="connsiteY548" fmla="*/ 2993823 h 4305008"/>
-              <a:gd name="connsiteX549" fmla="*/ 2308358 w 5593163"/>
-              <a:gd name="connsiteY549" fmla="*/ 2901366 h 4305008"/>
-              <a:gd name="connsiteX550" fmla="*/ 2308898 w 5593163"/>
-              <a:gd name="connsiteY550" fmla="*/ 2894676 h 4305008"/>
-              <a:gd name="connsiteX551" fmla="*/ 2309404 w 5593163"/>
-              <a:gd name="connsiteY551" fmla="*/ 2894613 h 4305008"/>
-              <a:gd name="connsiteX552" fmla="*/ 2999570 w 5593163"/>
-              <a:gd name="connsiteY552" fmla="*/ 2201572 h 4305008"/>
-              <a:gd name="connsiteX553" fmla="*/ 2999687 w 5593163"/>
-              <a:gd name="connsiteY553" fmla="*/ 2200424 h 4305008"/>
-              <a:gd name="connsiteX554" fmla="*/ 3015899 w 5593163"/>
-              <a:gd name="connsiteY554" fmla="*/ 2198885 h 4305008"/>
-              <a:gd name="connsiteX555" fmla="*/ 3111361 w 5593163"/>
-              <a:gd name="connsiteY555" fmla="*/ 2189820 h 4305008"/>
-              <a:gd name="connsiteX556" fmla="*/ 3128448 w 5593163"/>
-              <a:gd name="connsiteY556" fmla="*/ 2188197 h 4305008"/>
-              <a:gd name="connsiteX557" fmla="*/ 3128474 w 5593163"/>
-              <a:gd name="connsiteY557" fmla="*/ 2188691 h 4305008"/>
-              <a:gd name="connsiteX558" fmla="*/ 3128972 w 5593163"/>
-              <a:gd name="connsiteY558" fmla="*/ 2188658 h 4305008"/>
-              <a:gd name="connsiteX559" fmla="*/ 3129566 w 5593163"/>
-              <a:gd name="connsiteY559" fmla="*/ 2200098 h 4305008"/>
-              <a:gd name="connsiteX560" fmla="*/ 3128196 w 5593163"/>
-              <a:gd name="connsiteY560" fmla="*/ 2217074 h 4305008"/>
-              <a:gd name="connsiteX561" fmla="*/ 3120729 w 5593163"/>
-              <a:gd name="connsiteY561" fmla="*/ 2309550 h 4305008"/>
-              <a:gd name="connsiteX562" fmla="*/ 3120190 w 5593163"/>
-              <a:gd name="connsiteY562" fmla="*/ 2316226 h 4305008"/>
-              <a:gd name="connsiteX563" fmla="*/ 3119685 w 5593163"/>
-              <a:gd name="connsiteY563" fmla="*/ 2316289 h 4305008"/>
-              <a:gd name="connsiteX564" fmla="*/ 2429519 w 5593163"/>
-              <a:gd name="connsiteY564" fmla="*/ 3009330 h 4305008"/>
-              <a:gd name="connsiteX565" fmla="*/ 2429403 w 5593163"/>
-              <a:gd name="connsiteY565" fmla="*/ 3010478 h 4305008"/>
-              <a:gd name="connsiteX566" fmla="*/ 2413186 w 5593163"/>
-              <a:gd name="connsiteY566" fmla="*/ 3012018 h 4305008"/>
-              <a:gd name="connsiteX567" fmla="*/ 2317760 w 5593163"/>
-              <a:gd name="connsiteY567" fmla="*/ 3021080 h 4305008"/>
-              <a:gd name="connsiteX568" fmla="*/ 2300641 w 5593163"/>
-              <a:gd name="connsiteY568" fmla="*/ 3022706 h 4305008"/>
-              <a:gd name="connsiteX569" fmla="*/ 2300615 w 5593163"/>
-              <a:gd name="connsiteY569" fmla="*/ 3022211 h 4305008"/>
-              <a:gd name="connsiteX570" fmla="*/ 2300116 w 5593163"/>
-              <a:gd name="connsiteY570" fmla="*/ 3022244 h 4305008"/>
-              <a:gd name="connsiteX571" fmla="*/ 2299523 w 5593163"/>
-              <a:gd name="connsiteY571" fmla="*/ 3010804 h 4305008"/>
-              <a:gd name="connsiteX572" fmla="*/ 2299523 w 5593163"/>
-              <a:gd name="connsiteY572" fmla="*/ 3058630 h 4305008"/>
-              <a:gd name="connsiteX573" fmla="*/ 2300117 w 5593163"/>
-              <a:gd name="connsiteY573" fmla="*/ 3047280 h 4305008"/>
-              <a:gd name="connsiteX574" fmla="*/ 2300615 w 5593163"/>
-              <a:gd name="connsiteY574" fmla="*/ 3047312 h 4305008"/>
-              <a:gd name="connsiteX575" fmla="*/ 2300641 w 5593163"/>
-              <a:gd name="connsiteY575" fmla="*/ 3046822 h 4305008"/>
-              <a:gd name="connsiteX576" fmla="*/ 2317729 w 5593163"/>
-              <a:gd name="connsiteY576" fmla="*/ 3048432 h 4305008"/>
-              <a:gd name="connsiteX577" fmla="*/ 2413190 w 5593163"/>
-              <a:gd name="connsiteY577" fmla="*/ 3057426 h 4305008"/>
-              <a:gd name="connsiteX578" fmla="*/ 2429403 w 5593163"/>
-              <a:gd name="connsiteY578" fmla="*/ 3058953 h 4305008"/>
-              <a:gd name="connsiteX579" fmla="*/ 2429520 w 5593163"/>
-              <a:gd name="connsiteY579" fmla="*/ 3060092 h 4305008"/>
-              <a:gd name="connsiteX580" fmla="*/ 3119686 w 5593163"/>
-              <a:gd name="connsiteY580" fmla="*/ 3747690 h 4305008"/>
-              <a:gd name="connsiteX581" fmla="*/ 3120191 w 5593163"/>
-              <a:gd name="connsiteY581" fmla="*/ 3747753 h 4305008"/>
-              <a:gd name="connsiteX582" fmla="*/ 3120732 w 5593163"/>
-              <a:gd name="connsiteY582" fmla="*/ 3754390 h 4305008"/>
-              <a:gd name="connsiteX583" fmla="*/ 3128196 w 5593163"/>
-              <a:gd name="connsiteY583" fmla="*/ 3846121 h 4305008"/>
-              <a:gd name="connsiteX584" fmla="*/ 3129566 w 5593163"/>
-              <a:gd name="connsiteY584" fmla="*/ 3862969 h 4305008"/>
-              <a:gd name="connsiteX585" fmla="*/ 3128973 w 5593163"/>
-              <a:gd name="connsiteY585" fmla="*/ 3874319 h 4305008"/>
-              <a:gd name="connsiteX586" fmla="*/ 3128474 w 5593163"/>
-              <a:gd name="connsiteY586" fmla="*/ 3874286 h 4305008"/>
-              <a:gd name="connsiteX587" fmla="*/ 3128448 w 5593163"/>
-              <a:gd name="connsiteY587" fmla="*/ 3874777 h 4305008"/>
-              <a:gd name="connsiteX588" fmla="*/ 3111330 w 5593163"/>
-              <a:gd name="connsiteY588" fmla="*/ 3873164 h 4305008"/>
-              <a:gd name="connsiteX589" fmla="*/ 3015903 w 5593163"/>
-              <a:gd name="connsiteY589" fmla="*/ 3864173 h 4305008"/>
-              <a:gd name="connsiteX590" fmla="*/ 2999687 w 5593163"/>
-              <a:gd name="connsiteY590" fmla="*/ 3862645 h 4305008"/>
-              <a:gd name="connsiteX591" fmla="*/ 2999571 w 5593163"/>
-              <a:gd name="connsiteY591" fmla="*/ 3861506 h 4305008"/>
-              <a:gd name="connsiteX592" fmla="*/ 2309405 w 5593163"/>
-              <a:gd name="connsiteY592" fmla="*/ 3173908 h 4305008"/>
-              <a:gd name="connsiteX593" fmla="*/ 2308899 w 5593163"/>
-              <a:gd name="connsiteY593" fmla="*/ 3173846 h 4305008"/>
-              <a:gd name="connsiteX594" fmla="*/ 2308361 w 5593163"/>
-              <a:gd name="connsiteY594" fmla="*/ 3167222 h 4305008"/>
-              <a:gd name="connsiteX595" fmla="*/ 2300894 w 5593163"/>
-              <a:gd name="connsiteY595" fmla="*/ 3075472 h 4305008"/>
-              <a:gd name="connsiteX596" fmla="*/ 2299523 w 5593163"/>
-              <a:gd name="connsiteY596" fmla="*/ 3058630 h 4305008"/>
-              <a:gd name="connsiteX597" fmla="*/ 1601297 w 5593163"/>
-              <a:gd name="connsiteY597" fmla="*/ 636203 h 4305008"/>
-              <a:gd name="connsiteX598" fmla="*/ 2144606 w 5593163"/>
-              <a:gd name="connsiteY598" fmla="*/ 1181049 h 4305008"/>
-              <a:gd name="connsiteX599" fmla="*/ 1601297 w 5593163"/>
-              <a:gd name="connsiteY599" fmla="*/ 636203 h 4305008"/>
-              <a:gd name="connsiteX600" fmla="*/ 1601297 w 5593163"/>
-              <a:gd name="connsiteY600" fmla="*/ 2333028 h 4305008"/>
-              <a:gd name="connsiteX601" fmla="*/ 2144606 w 5593163"/>
-              <a:gd name="connsiteY601" fmla="*/ 2877874 h 4305008"/>
-              <a:gd name="connsiteX602" fmla="*/ 1601297 w 5593163"/>
-              <a:gd name="connsiteY602" fmla="*/ 2333028 h 4305008"/>
-              <a:gd name="connsiteX603" fmla="*/ 1601295 w 5593163"/>
-              <a:gd name="connsiteY603" fmla="*/ 2034258 h 4305008"/>
-              <a:gd name="connsiteX604" fmla="*/ 2144604 w 5593163"/>
-              <a:gd name="connsiteY604" fmla="*/ 1493690 h 4305008"/>
-              <a:gd name="connsiteX605" fmla="*/ 1601295 w 5593163"/>
-              <a:gd name="connsiteY605" fmla="*/ 2034258 h 4305008"/>
-              <a:gd name="connsiteX606" fmla="*/ 1601295 w 5593163"/>
-              <a:gd name="connsiteY606" fmla="*/ 3731083 h 4305008"/>
-              <a:gd name="connsiteX607" fmla="*/ 2144604 w 5593163"/>
-              <a:gd name="connsiteY607" fmla="*/ 3190516 h 4305008"/>
-              <a:gd name="connsiteX608" fmla="*/ 1601295 w 5593163"/>
-              <a:gd name="connsiteY608" fmla="*/ 3731083 h 4305008"/>
-              <a:gd name="connsiteX609" fmla="*/ 1457930 w 5593163"/>
-              <a:gd name="connsiteY609" fmla="*/ 503273 h 4305008"/>
-              <a:gd name="connsiteX610" fmla="*/ 1458524 w 5593163"/>
-              <a:gd name="connsiteY610" fmla="*/ 491833 h 4305008"/>
-              <a:gd name="connsiteX611" fmla="*/ 1459022 w 5593163"/>
-              <a:gd name="connsiteY611" fmla="*/ 491866 h 4305008"/>
-              <a:gd name="connsiteX612" fmla="*/ 1459048 w 5593163"/>
-              <a:gd name="connsiteY612" fmla="*/ 491372 h 4305008"/>
-              <a:gd name="connsiteX613" fmla="*/ 1476135 w 5593163"/>
-              <a:gd name="connsiteY613" fmla="*/ 492995 h 4305008"/>
-              <a:gd name="connsiteX614" fmla="*/ 1571597 w 5593163"/>
-              <a:gd name="connsiteY614" fmla="*/ 502060 h 4305008"/>
-              <a:gd name="connsiteX615" fmla="*/ 1587809 w 5593163"/>
-              <a:gd name="connsiteY615" fmla="*/ 503599 h 4305008"/>
-              <a:gd name="connsiteX616" fmla="*/ 1587926 w 5593163"/>
-              <a:gd name="connsiteY616" fmla="*/ 504747 h 4305008"/>
-              <a:gd name="connsiteX617" fmla="*/ 2278092 w 5593163"/>
-              <a:gd name="connsiteY617" fmla="*/ 1197788 h 4305008"/>
-              <a:gd name="connsiteX618" fmla="*/ 2278598 w 5593163"/>
-              <a:gd name="connsiteY618" fmla="*/ 1197851 h 4305008"/>
-              <a:gd name="connsiteX619" fmla="*/ 2279138 w 5593163"/>
-              <a:gd name="connsiteY619" fmla="*/ 1204541 h 4305008"/>
-              <a:gd name="connsiteX620" fmla="*/ 2286602 w 5593163"/>
-              <a:gd name="connsiteY620" fmla="*/ 1296998 h 4305008"/>
-              <a:gd name="connsiteX621" fmla="*/ 2287973 w 5593163"/>
-              <a:gd name="connsiteY621" fmla="*/ 1313979 h 4305008"/>
-              <a:gd name="connsiteX622" fmla="*/ 2287380 w 5593163"/>
-              <a:gd name="connsiteY622" fmla="*/ 1325419 h 4305008"/>
-              <a:gd name="connsiteX623" fmla="*/ 2286881 w 5593163"/>
-              <a:gd name="connsiteY623" fmla="*/ 1325386 h 4305008"/>
-              <a:gd name="connsiteX624" fmla="*/ 2286855 w 5593163"/>
-              <a:gd name="connsiteY624" fmla="*/ 1325881 h 4305008"/>
-              <a:gd name="connsiteX625" fmla="*/ 2269736 w 5593163"/>
-              <a:gd name="connsiteY625" fmla="*/ 1324255 h 4305008"/>
-              <a:gd name="connsiteX626" fmla="*/ 2174310 w 5593163"/>
-              <a:gd name="connsiteY626" fmla="*/ 1315193 h 4305008"/>
-              <a:gd name="connsiteX627" fmla="*/ 2158093 w 5593163"/>
-              <a:gd name="connsiteY627" fmla="*/ 1313653 h 4305008"/>
-              <a:gd name="connsiteX628" fmla="*/ 2157977 w 5593163"/>
-              <a:gd name="connsiteY628" fmla="*/ 1312505 h 4305008"/>
-              <a:gd name="connsiteX629" fmla="*/ 1467811 w 5593163"/>
-              <a:gd name="connsiteY629" fmla="*/ 619464 h 4305008"/>
-              <a:gd name="connsiteX630" fmla="*/ 1467306 w 5593163"/>
-              <a:gd name="connsiteY630" fmla="*/ 619401 h 4305008"/>
-              <a:gd name="connsiteX631" fmla="*/ 1466767 w 5593163"/>
-              <a:gd name="connsiteY631" fmla="*/ 612725 h 4305008"/>
-              <a:gd name="connsiteX632" fmla="*/ 1459300 w 5593163"/>
-              <a:gd name="connsiteY632" fmla="*/ 520249 h 4305008"/>
-              <a:gd name="connsiteX633" fmla="*/ 1457930 w 5593163"/>
-              <a:gd name="connsiteY633" fmla="*/ 503273 h 4305008"/>
-              <a:gd name="connsiteX634" fmla="*/ 1457930 w 5593163"/>
-              <a:gd name="connsiteY634" fmla="*/ 2200098 h 4305008"/>
-              <a:gd name="connsiteX635" fmla="*/ 1458524 w 5593163"/>
-              <a:gd name="connsiteY635" fmla="*/ 2188658 h 4305008"/>
-              <a:gd name="connsiteX636" fmla="*/ 1459022 w 5593163"/>
-              <a:gd name="connsiteY636" fmla="*/ 2188691 h 4305008"/>
-              <a:gd name="connsiteX637" fmla="*/ 1459048 w 5593163"/>
-              <a:gd name="connsiteY637" fmla="*/ 2188197 h 4305008"/>
-              <a:gd name="connsiteX638" fmla="*/ 1476135 w 5593163"/>
-              <a:gd name="connsiteY638" fmla="*/ 2189820 h 4305008"/>
-              <a:gd name="connsiteX639" fmla="*/ 1571597 w 5593163"/>
-              <a:gd name="connsiteY639" fmla="*/ 2198885 h 4305008"/>
-              <a:gd name="connsiteX640" fmla="*/ 1587809 w 5593163"/>
-              <a:gd name="connsiteY640" fmla="*/ 2200424 h 4305008"/>
-              <a:gd name="connsiteX641" fmla="*/ 1587926 w 5593163"/>
-              <a:gd name="connsiteY641" fmla="*/ 2201572 h 4305008"/>
-              <a:gd name="connsiteX642" fmla="*/ 2278092 w 5593163"/>
-              <a:gd name="connsiteY642" fmla="*/ 2894613 h 4305008"/>
-              <a:gd name="connsiteX643" fmla="*/ 2278598 w 5593163"/>
-              <a:gd name="connsiteY643" fmla="*/ 2894676 h 4305008"/>
-              <a:gd name="connsiteX644" fmla="*/ 2279138 w 5593163"/>
-              <a:gd name="connsiteY644" fmla="*/ 2901366 h 4305008"/>
-              <a:gd name="connsiteX645" fmla="*/ 2286602 w 5593163"/>
-              <a:gd name="connsiteY645" fmla="*/ 2993823 h 4305008"/>
-              <a:gd name="connsiteX646" fmla="*/ 2287973 w 5593163"/>
-              <a:gd name="connsiteY646" fmla="*/ 3010804 h 4305008"/>
-              <a:gd name="connsiteX647" fmla="*/ 2287380 w 5593163"/>
-              <a:gd name="connsiteY647" fmla="*/ 3022244 h 4305008"/>
-              <a:gd name="connsiteX648" fmla="*/ 2286881 w 5593163"/>
-              <a:gd name="connsiteY648" fmla="*/ 3022211 h 4305008"/>
-              <a:gd name="connsiteX649" fmla="*/ 2286855 w 5593163"/>
-              <a:gd name="connsiteY649" fmla="*/ 3022706 h 4305008"/>
-              <a:gd name="connsiteX650" fmla="*/ 2269736 w 5593163"/>
-              <a:gd name="connsiteY650" fmla="*/ 3021080 h 4305008"/>
-              <a:gd name="connsiteX651" fmla="*/ 2174310 w 5593163"/>
-              <a:gd name="connsiteY651" fmla="*/ 3012018 h 4305008"/>
-              <a:gd name="connsiteX652" fmla="*/ 2158093 w 5593163"/>
-              <a:gd name="connsiteY652" fmla="*/ 3010478 h 4305008"/>
-              <a:gd name="connsiteX653" fmla="*/ 2157977 w 5593163"/>
-              <a:gd name="connsiteY653" fmla="*/ 3009330 h 4305008"/>
-              <a:gd name="connsiteX654" fmla="*/ 1467811 w 5593163"/>
-              <a:gd name="connsiteY654" fmla="*/ 2316289 h 4305008"/>
-              <a:gd name="connsiteX655" fmla="*/ 1467306 w 5593163"/>
-              <a:gd name="connsiteY655" fmla="*/ 2316226 h 4305008"/>
-              <a:gd name="connsiteX656" fmla="*/ 1466767 w 5593163"/>
-              <a:gd name="connsiteY656" fmla="*/ 2309550 h 4305008"/>
-              <a:gd name="connsiteX657" fmla="*/ 1459300 w 5593163"/>
-              <a:gd name="connsiteY657" fmla="*/ 2217074 h 4305008"/>
-              <a:gd name="connsiteX658" fmla="*/ 1457930 w 5593163"/>
-              <a:gd name="connsiteY658" fmla="*/ 2200098 h 4305008"/>
-              <a:gd name="connsiteX659" fmla="*/ 1457930 w 5593163"/>
-              <a:gd name="connsiteY659" fmla="*/ 3896923 h 4305008"/>
-              <a:gd name="connsiteX660" fmla="*/ 1458524 w 5593163"/>
-              <a:gd name="connsiteY660" fmla="*/ 3885483 h 4305008"/>
-              <a:gd name="connsiteX661" fmla="*/ 1459022 w 5593163"/>
-              <a:gd name="connsiteY661" fmla="*/ 3885516 h 4305008"/>
-              <a:gd name="connsiteX662" fmla="*/ 1459048 w 5593163"/>
-              <a:gd name="connsiteY662" fmla="*/ 3885022 h 4305008"/>
-              <a:gd name="connsiteX663" fmla="*/ 1476135 w 5593163"/>
-              <a:gd name="connsiteY663" fmla="*/ 3886645 h 4305008"/>
-              <a:gd name="connsiteX664" fmla="*/ 1571597 w 5593163"/>
-              <a:gd name="connsiteY664" fmla="*/ 3895710 h 4305008"/>
-              <a:gd name="connsiteX665" fmla="*/ 1587809 w 5593163"/>
-              <a:gd name="connsiteY665" fmla="*/ 3897249 h 4305008"/>
-              <a:gd name="connsiteX666" fmla="*/ 1587926 w 5593163"/>
-              <a:gd name="connsiteY666" fmla="*/ 3898397 h 4305008"/>
-              <a:gd name="connsiteX667" fmla="*/ 2148179 w 5593163"/>
-              <a:gd name="connsiteY667" fmla="*/ 4255797 h 4305008"/>
-              <a:gd name="connsiteX668" fmla="*/ 2176624 w 5593163"/>
-              <a:gd name="connsiteY668" fmla="*/ 4305008 h 4305008"/>
-              <a:gd name="connsiteX669" fmla="*/ 2025574 w 5593163"/>
-              <a:gd name="connsiteY669" fmla="*/ 4305008 h 4305008"/>
-              <a:gd name="connsiteX670" fmla="*/ 1973451 w 5593163"/>
-              <a:gd name="connsiteY670" fmla="*/ 4241205 h 4305008"/>
-              <a:gd name="connsiteX671" fmla="*/ 1601297 w 5593163"/>
-              <a:gd name="connsiteY671" fmla="*/ 4029853 h 4305008"/>
-              <a:gd name="connsiteX672" fmla="*/ 1700478 w 5593163"/>
-              <a:gd name="connsiteY672" fmla="*/ 4271827 h 4305008"/>
-              <a:gd name="connsiteX673" fmla="*/ 1727160 w 5593163"/>
-              <a:gd name="connsiteY673" fmla="*/ 4305008 h 4305008"/>
-              <a:gd name="connsiteX674" fmla="*/ 1573050 w 5593163"/>
-              <a:gd name="connsiteY674" fmla="*/ 4305008 h 4305008"/>
-              <a:gd name="connsiteX675" fmla="*/ 1542929 w 5593163"/>
-              <a:gd name="connsiteY675" fmla="*/ 4254710 h 4305008"/>
-              <a:gd name="connsiteX676" fmla="*/ 1467811 w 5593163"/>
-              <a:gd name="connsiteY676" fmla="*/ 4013114 h 4305008"/>
-              <a:gd name="connsiteX677" fmla="*/ 1467306 w 5593163"/>
-              <a:gd name="connsiteY677" fmla="*/ 4013051 h 4305008"/>
-              <a:gd name="connsiteX678" fmla="*/ 1466767 w 5593163"/>
-              <a:gd name="connsiteY678" fmla="*/ 4006375 h 4305008"/>
-              <a:gd name="connsiteX679" fmla="*/ 1459300 w 5593163"/>
-              <a:gd name="connsiteY679" fmla="*/ 3913899 h 4305008"/>
-              <a:gd name="connsiteX680" fmla="*/ 1457930 w 5593163"/>
-              <a:gd name="connsiteY680" fmla="*/ 3896923 h 4305008"/>
-              <a:gd name="connsiteX681" fmla="*/ 1457928 w 5593163"/>
-              <a:gd name="connsiteY681" fmla="*/ 469318 h 4305008"/>
-              <a:gd name="connsiteX682" fmla="*/ 1459298 w 5593163"/>
-              <a:gd name="connsiteY682" fmla="*/ 452471 h 4305008"/>
-              <a:gd name="connsiteX683" fmla="*/ 1466762 w 5593163"/>
-              <a:gd name="connsiteY683" fmla="*/ 360740 h 4305008"/>
-              <a:gd name="connsiteX684" fmla="*/ 1467303 w 5593163"/>
-              <a:gd name="connsiteY684" fmla="*/ 354103 h 4305008"/>
-              <a:gd name="connsiteX685" fmla="*/ 1467808 w 5593163"/>
-              <a:gd name="connsiteY685" fmla="*/ 354040 h 4305008"/>
-              <a:gd name="connsiteX686" fmla="*/ 1552022 w 5593163"/>
-              <a:gd name="connsiteY686" fmla="*/ 96778 h 4305008"/>
-              <a:gd name="connsiteX687" fmla="*/ 1614656 w 5593163"/>
-              <a:gd name="connsiteY687" fmla="*/ 0 h 4305008"/>
-              <a:gd name="connsiteX688" fmla="*/ 1783031 w 5593163"/>
-              <a:gd name="connsiteY688" fmla="*/ 0 h 4305008"/>
-              <a:gd name="connsiteX689" fmla="*/ 1714803 w 5593163"/>
-              <a:gd name="connsiteY689" fmla="*/ 76659 h 4305008"/>
-              <a:gd name="connsiteX690" fmla="*/ 1601295 w 5593163"/>
-              <a:gd name="connsiteY690" fmla="*/ 337433 h 4305008"/>
-              <a:gd name="connsiteX691" fmla="*/ 2040269 w 5593163"/>
-              <a:gd name="connsiteY691" fmla="*/ 44350 h 4305008"/>
-              <a:gd name="connsiteX692" fmla="*/ 2062497 w 5593163"/>
-              <a:gd name="connsiteY692" fmla="*/ 0 h 4305008"/>
-              <a:gd name="connsiteX693" fmla="*/ 2211135 w 5593163"/>
-              <a:gd name="connsiteY693" fmla="*/ 0 h 4305008"/>
-              <a:gd name="connsiteX694" fmla="*/ 2159296 w 5593163"/>
-              <a:gd name="connsiteY694" fmla="*/ 95636 h 4305008"/>
-              <a:gd name="connsiteX695" fmla="*/ 1587923 w 5593163"/>
-              <a:gd name="connsiteY695" fmla="*/ 467856 h 4305008"/>
-              <a:gd name="connsiteX696" fmla="*/ 1587807 w 5593163"/>
-              <a:gd name="connsiteY696" fmla="*/ 468995 h 4305008"/>
-              <a:gd name="connsiteX697" fmla="*/ 1571591 w 5593163"/>
-              <a:gd name="connsiteY697" fmla="*/ 470523 h 4305008"/>
-              <a:gd name="connsiteX698" fmla="*/ 1476164 w 5593163"/>
-              <a:gd name="connsiteY698" fmla="*/ 479514 h 4305008"/>
-              <a:gd name="connsiteX699" fmla="*/ 1459046 w 5593163"/>
-              <a:gd name="connsiteY699" fmla="*/ 481127 h 4305008"/>
-              <a:gd name="connsiteX700" fmla="*/ 1459020 w 5593163"/>
-              <a:gd name="connsiteY700" fmla="*/ 480636 h 4305008"/>
-              <a:gd name="connsiteX701" fmla="*/ 1458521 w 5593163"/>
-              <a:gd name="connsiteY701" fmla="*/ 480669 h 4305008"/>
-              <a:gd name="connsiteX702" fmla="*/ 1457928 w 5593163"/>
-              <a:gd name="connsiteY702" fmla="*/ 469318 h 4305008"/>
-              <a:gd name="connsiteX703" fmla="*/ 1457928 w 5593163"/>
-              <a:gd name="connsiteY703" fmla="*/ 2166144 h 4305008"/>
-              <a:gd name="connsiteX704" fmla="*/ 1459298 w 5593163"/>
-              <a:gd name="connsiteY704" fmla="*/ 2149296 h 4305008"/>
-              <a:gd name="connsiteX705" fmla="*/ 1466762 w 5593163"/>
-              <a:gd name="connsiteY705" fmla="*/ 2057565 h 4305008"/>
-              <a:gd name="connsiteX706" fmla="*/ 1467303 w 5593163"/>
-              <a:gd name="connsiteY706" fmla="*/ 2050928 h 4305008"/>
-              <a:gd name="connsiteX707" fmla="*/ 1467808 w 5593163"/>
-              <a:gd name="connsiteY707" fmla="*/ 2050865 h 4305008"/>
-              <a:gd name="connsiteX708" fmla="*/ 2157974 w 5593163"/>
-              <a:gd name="connsiteY708" fmla="*/ 1363267 h 4305008"/>
-              <a:gd name="connsiteX709" fmla="*/ 2158091 w 5593163"/>
-              <a:gd name="connsiteY709" fmla="*/ 1362128 h 4305008"/>
-              <a:gd name="connsiteX710" fmla="*/ 2174304 w 5593163"/>
-              <a:gd name="connsiteY710" fmla="*/ 1360601 h 4305008"/>
-              <a:gd name="connsiteX711" fmla="*/ 2269765 w 5593163"/>
-              <a:gd name="connsiteY711" fmla="*/ 1351607 h 4305008"/>
-              <a:gd name="connsiteX712" fmla="*/ 2286853 w 5593163"/>
-              <a:gd name="connsiteY712" fmla="*/ 1349997 h 4305008"/>
-              <a:gd name="connsiteX713" fmla="*/ 2286879 w 5593163"/>
-              <a:gd name="connsiteY713" fmla="*/ 1350487 h 4305008"/>
-              <a:gd name="connsiteX714" fmla="*/ 2287377 w 5593163"/>
-              <a:gd name="connsiteY714" fmla="*/ 1350455 h 4305008"/>
-              <a:gd name="connsiteX715" fmla="*/ 2287971 w 5593163"/>
-              <a:gd name="connsiteY715" fmla="*/ 1361805 h 4305008"/>
-              <a:gd name="connsiteX716" fmla="*/ 2286600 w 5593163"/>
-              <a:gd name="connsiteY716" fmla="*/ 1378647 h 4305008"/>
-              <a:gd name="connsiteX717" fmla="*/ 2279133 w 5593163"/>
-              <a:gd name="connsiteY717" fmla="*/ 1470397 h 4305008"/>
-              <a:gd name="connsiteX718" fmla="*/ 2278595 w 5593163"/>
-              <a:gd name="connsiteY718" fmla="*/ 1477021 h 4305008"/>
-              <a:gd name="connsiteX719" fmla="*/ 2278089 w 5593163"/>
-              <a:gd name="connsiteY719" fmla="*/ 1477083 h 4305008"/>
-              <a:gd name="connsiteX720" fmla="*/ 1587923 w 5593163"/>
-              <a:gd name="connsiteY720" fmla="*/ 2164681 h 4305008"/>
-              <a:gd name="connsiteX721" fmla="*/ 1587807 w 5593163"/>
-              <a:gd name="connsiteY721" fmla="*/ 2165820 h 4305008"/>
-              <a:gd name="connsiteX722" fmla="*/ 1571591 w 5593163"/>
-              <a:gd name="connsiteY722" fmla="*/ 2167348 h 4305008"/>
-              <a:gd name="connsiteX723" fmla="*/ 1476164 w 5593163"/>
-              <a:gd name="connsiteY723" fmla="*/ 2176339 h 4305008"/>
-              <a:gd name="connsiteX724" fmla="*/ 1459046 w 5593163"/>
-              <a:gd name="connsiteY724" fmla="*/ 2177952 h 4305008"/>
-              <a:gd name="connsiteX725" fmla="*/ 1459020 w 5593163"/>
-              <a:gd name="connsiteY725" fmla="*/ 2177461 h 4305008"/>
-              <a:gd name="connsiteX726" fmla="*/ 1458521 w 5593163"/>
-              <a:gd name="connsiteY726" fmla="*/ 2177494 h 4305008"/>
-              <a:gd name="connsiteX727" fmla="*/ 1457928 w 5593163"/>
-              <a:gd name="connsiteY727" fmla="*/ 2166144 h 4305008"/>
-              <a:gd name="connsiteX728" fmla="*/ 1457928 w 5593163"/>
-              <a:gd name="connsiteY728" fmla="*/ 3862969 h 4305008"/>
-              <a:gd name="connsiteX729" fmla="*/ 1459298 w 5593163"/>
-              <a:gd name="connsiteY729" fmla="*/ 3846121 h 4305008"/>
-              <a:gd name="connsiteX730" fmla="*/ 1466762 w 5593163"/>
-              <a:gd name="connsiteY730" fmla="*/ 3754390 h 4305008"/>
-              <a:gd name="connsiteX731" fmla="*/ 1467303 w 5593163"/>
-              <a:gd name="connsiteY731" fmla="*/ 3747753 h 4305008"/>
-              <a:gd name="connsiteX732" fmla="*/ 1467808 w 5593163"/>
-              <a:gd name="connsiteY732" fmla="*/ 3747690 h 4305008"/>
-              <a:gd name="connsiteX733" fmla="*/ 2157974 w 5593163"/>
-              <a:gd name="connsiteY733" fmla="*/ 3060092 h 4305008"/>
-              <a:gd name="connsiteX734" fmla="*/ 2158091 w 5593163"/>
-              <a:gd name="connsiteY734" fmla="*/ 3058953 h 4305008"/>
-              <a:gd name="connsiteX735" fmla="*/ 2174304 w 5593163"/>
-              <a:gd name="connsiteY735" fmla="*/ 3057426 h 4305008"/>
-              <a:gd name="connsiteX736" fmla="*/ 2269765 w 5593163"/>
-              <a:gd name="connsiteY736" fmla="*/ 3048432 h 4305008"/>
-              <a:gd name="connsiteX737" fmla="*/ 2286853 w 5593163"/>
-              <a:gd name="connsiteY737" fmla="*/ 3046822 h 4305008"/>
-              <a:gd name="connsiteX738" fmla="*/ 2286879 w 5593163"/>
-              <a:gd name="connsiteY738" fmla="*/ 3047312 h 4305008"/>
-              <a:gd name="connsiteX739" fmla="*/ 2287377 w 5593163"/>
-              <a:gd name="connsiteY739" fmla="*/ 3047280 h 4305008"/>
-              <a:gd name="connsiteX740" fmla="*/ 2287971 w 5593163"/>
-              <a:gd name="connsiteY740" fmla="*/ 3058630 h 4305008"/>
-              <a:gd name="connsiteX741" fmla="*/ 2286600 w 5593163"/>
-              <a:gd name="connsiteY741" fmla="*/ 3075472 h 4305008"/>
-              <a:gd name="connsiteX742" fmla="*/ 2279133 w 5593163"/>
-              <a:gd name="connsiteY742" fmla="*/ 3167222 h 4305008"/>
-              <a:gd name="connsiteX743" fmla="*/ 2278595 w 5593163"/>
-              <a:gd name="connsiteY743" fmla="*/ 3173846 h 4305008"/>
-              <a:gd name="connsiteX744" fmla="*/ 2278089 w 5593163"/>
-              <a:gd name="connsiteY744" fmla="*/ 3173908 h 4305008"/>
-              <a:gd name="connsiteX745" fmla="*/ 1587923 w 5593163"/>
-              <a:gd name="connsiteY745" fmla="*/ 3861506 h 4305008"/>
-              <a:gd name="connsiteX746" fmla="*/ 1587807 w 5593163"/>
-              <a:gd name="connsiteY746" fmla="*/ 3862645 h 4305008"/>
-              <a:gd name="connsiteX747" fmla="*/ 1571591 w 5593163"/>
-              <a:gd name="connsiteY747" fmla="*/ 3864173 h 4305008"/>
-              <a:gd name="connsiteX748" fmla="*/ 1476164 w 5593163"/>
-              <a:gd name="connsiteY748" fmla="*/ 3873164 h 4305008"/>
-              <a:gd name="connsiteX749" fmla="*/ 1459046 w 5593163"/>
-              <a:gd name="connsiteY749" fmla="*/ 3874777 h 4305008"/>
-              <a:gd name="connsiteX750" fmla="*/ 1459020 w 5593163"/>
-              <a:gd name="connsiteY750" fmla="*/ 3874286 h 4305008"/>
-              <a:gd name="connsiteX751" fmla="*/ 1458521 w 5593163"/>
-              <a:gd name="connsiteY751" fmla="*/ 3874319 h 4305008"/>
-              <a:gd name="connsiteX752" fmla="*/ 1457928 w 5593163"/>
-              <a:gd name="connsiteY752" fmla="*/ 3862969 h 4305008"/>
-              <a:gd name="connsiteX753" fmla="*/ 750739 w 5593163"/>
-              <a:gd name="connsiteY753" fmla="*/ 1181049 h 4305008"/>
-              <a:gd name="connsiteX754" fmla="*/ 1294048 w 5593163"/>
-              <a:gd name="connsiteY754" fmla="*/ 636203 h 4305008"/>
-              <a:gd name="connsiteX755" fmla="*/ 750739 w 5593163"/>
-              <a:gd name="connsiteY755" fmla="*/ 1181049 h 4305008"/>
-              <a:gd name="connsiteX756" fmla="*/ 750739 w 5593163"/>
-              <a:gd name="connsiteY756" fmla="*/ 1493690 h 4305008"/>
-              <a:gd name="connsiteX757" fmla="*/ 1294048 w 5593163"/>
-              <a:gd name="connsiteY757" fmla="*/ 2034258 h 4305008"/>
-              <a:gd name="connsiteX758" fmla="*/ 750739 w 5593163"/>
-              <a:gd name="connsiteY758" fmla="*/ 1493690 h 4305008"/>
-              <a:gd name="connsiteX759" fmla="*/ 750739 w 5593163"/>
-              <a:gd name="connsiteY759" fmla="*/ 2877874 h 4305008"/>
-              <a:gd name="connsiteX760" fmla="*/ 1294048 w 5593163"/>
-              <a:gd name="connsiteY760" fmla="*/ 2333028 h 4305008"/>
-              <a:gd name="connsiteX761" fmla="*/ 750739 w 5593163"/>
-              <a:gd name="connsiteY761" fmla="*/ 2877874 h 4305008"/>
-              <a:gd name="connsiteX762" fmla="*/ 750739 w 5593163"/>
-              <a:gd name="connsiteY762" fmla="*/ 3190516 h 4305008"/>
-              <a:gd name="connsiteX763" fmla="*/ 1294048 w 5593163"/>
-              <a:gd name="connsiteY763" fmla="*/ 3731083 h 4305008"/>
-              <a:gd name="connsiteX764" fmla="*/ 750739 w 5593163"/>
-              <a:gd name="connsiteY764" fmla="*/ 3190516 h 4305008"/>
-              <a:gd name="connsiteX765" fmla="*/ 718720 w 5593163"/>
-              <a:gd name="connsiteY765" fmla="*/ 4305008 h 4305008"/>
-              <a:gd name="connsiteX766" fmla="*/ 747165 w 5593163"/>
-              <a:gd name="connsiteY766" fmla="*/ 4255797 h 4305008"/>
-              <a:gd name="connsiteX767" fmla="*/ 1307418 w 5593163"/>
-              <a:gd name="connsiteY767" fmla="*/ 3898397 h 4305008"/>
-              <a:gd name="connsiteX768" fmla="*/ 1307535 w 5593163"/>
-              <a:gd name="connsiteY768" fmla="*/ 3897249 h 4305008"/>
-              <a:gd name="connsiteX769" fmla="*/ 1323748 w 5593163"/>
-              <a:gd name="connsiteY769" fmla="*/ 3895710 h 4305008"/>
-              <a:gd name="connsiteX770" fmla="*/ 1419209 w 5593163"/>
-              <a:gd name="connsiteY770" fmla="*/ 3886645 h 4305008"/>
-              <a:gd name="connsiteX771" fmla="*/ 1436297 w 5593163"/>
-              <a:gd name="connsiteY771" fmla="*/ 3885022 h 4305008"/>
-              <a:gd name="connsiteX772" fmla="*/ 1436323 w 5593163"/>
-              <a:gd name="connsiteY772" fmla="*/ 3885516 h 4305008"/>
-              <a:gd name="connsiteX773" fmla="*/ 1436821 w 5593163"/>
-              <a:gd name="connsiteY773" fmla="*/ 3885483 h 4305008"/>
-              <a:gd name="connsiteX774" fmla="*/ 1437415 w 5593163"/>
-              <a:gd name="connsiteY774" fmla="*/ 3896923 h 4305008"/>
-              <a:gd name="connsiteX775" fmla="*/ 1436044 w 5593163"/>
-              <a:gd name="connsiteY775" fmla="*/ 3913899 h 4305008"/>
-              <a:gd name="connsiteX776" fmla="*/ 1428577 w 5593163"/>
-              <a:gd name="connsiteY776" fmla="*/ 4006375 h 4305008"/>
-              <a:gd name="connsiteX777" fmla="*/ 1428039 w 5593163"/>
-              <a:gd name="connsiteY777" fmla="*/ 4013051 h 4305008"/>
-              <a:gd name="connsiteX778" fmla="*/ 1427533 w 5593163"/>
-              <a:gd name="connsiteY778" fmla="*/ 4013114 h 4305008"/>
-              <a:gd name="connsiteX779" fmla="*/ 1352416 w 5593163"/>
-              <a:gd name="connsiteY779" fmla="*/ 4254710 h 4305008"/>
-              <a:gd name="connsiteX780" fmla="*/ 1322295 w 5593163"/>
-              <a:gd name="connsiteY780" fmla="*/ 4305008 h 4305008"/>
-              <a:gd name="connsiteX781" fmla="*/ 1168185 w 5593163"/>
-              <a:gd name="connsiteY781" fmla="*/ 4305008 h 4305008"/>
-              <a:gd name="connsiteX782" fmla="*/ 1194867 w 5593163"/>
-              <a:gd name="connsiteY782" fmla="*/ 4271827 h 4305008"/>
-              <a:gd name="connsiteX783" fmla="*/ 1294048 w 5593163"/>
-              <a:gd name="connsiteY783" fmla="*/ 4029853 h 4305008"/>
-              <a:gd name="connsiteX784" fmla="*/ 921894 w 5593163"/>
-              <a:gd name="connsiteY784" fmla="*/ 4241205 h 4305008"/>
-              <a:gd name="connsiteX785" fmla="*/ 869771 w 5593163"/>
-              <a:gd name="connsiteY785" fmla="*/ 4305008 h 4305008"/>
-              <a:gd name="connsiteX786" fmla="*/ 684209 w 5593163"/>
-              <a:gd name="connsiteY786" fmla="*/ 0 h 4305008"/>
-              <a:gd name="connsiteX787" fmla="*/ 832847 w 5593163"/>
-              <a:gd name="connsiteY787" fmla="*/ 0 h 4305008"/>
-              <a:gd name="connsiteX788" fmla="*/ 855075 w 5593163"/>
-              <a:gd name="connsiteY788" fmla="*/ 44350 h 4305008"/>
-              <a:gd name="connsiteX789" fmla="*/ 1294048 w 5593163"/>
-              <a:gd name="connsiteY789" fmla="*/ 337433 h 4305008"/>
-              <a:gd name="connsiteX790" fmla="*/ 1180541 w 5593163"/>
-              <a:gd name="connsiteY790" fmla="*/ 76659 h 4305008"/>
-              <a:gd name="connsiteX791" fmla="*/ 1112313 w 5593163"/>
-              <a:gd name="connsiteY791" fmla="*/ 0 h 4305008"/>
-              <a:gd name="connsiteX792" fmla="*/ 1280688 w 5593163"/>
-              <a:gd name="connsiteY792" fmla="*/ 0 h 4305008"/>
-              <a:gd name="connsiteX793" fmla="*/ 1343322 w 5593163"/>
-              <a:gd name="connsiteY793" fmla="*/ 96778 h 4305008"/>
-              <a:gd name="connsiteX794" fmla="*/ 1427534 w 5593163"/>
-              <a:gd name="connsiteY794" fmla="*/ 354040 h 4305008"/>
-              <a:gd name="connsiteX795" fmla="*/ 1428040 w 5593163"/>
-              <a:gd name="connsiteY795" fmla="*/ 354102 h 4305008"/>
-              <a:gd name="connsiteX796" fmla="*/ 1428580 w 5593163"/>
-              <a:gd name="connsiteY796" fmla="*/ 360740 h 4305008"/>
-              <a:gd name="connsiteX797" fmla="*/ 1436044 w 5593163"/>
-              <a:gd name="connsiteY797" fmla="*/ 452471 h 4305008"/>
-              <a:gd name="connsiteX798" fmla="*/ 1437415 w 5593163"/>
-              <a:gd name="connsiteY798" fmla="*/ 469318 h 4305008"/>
-              <a:gd name="connsiteX799" fmla="*/ 1436822 w 5593163"/>
-              <a:gd name="connsiteY799" fmla="*/ 480669 h 4305008"/>
-              <a:gd name="connsiteX800" fmla="*/ 1436323 w 5593163"/>
-              <a:gd name="connsiteY800" fmla="*/ 480636 h 4305008"/>
-              <a:gd name="connsiteX801" fmla="*/ 1436297 w 5593163"/>
-              <a:gd name="connsiteY801" fmla="*/ 481127 h 4305008"/>
-              <a:gd name="connsiteX802" fmla="*/ 1419178 w 5593163"/>
-              <a:gd name="connsiteY802" fmla="*/ 479514 h 4305008"/>
-              <a:gd name="connsiteX803" fmla="*/ 1323752 w 5593163"/>
-              <a:gd name="connsiteY803" fmla="*/ 470523 h 4305008"/>
-              <a:gd name="connsiteX804" fmla="*/ 1307535 w 5593163"/>
-              <a:gd name="connsiteY804" fmla="*/ 468995 h 4305008"/>
-              <a:gd name="connsiteX805" fmla="*/ 1307419 w 5593163"/>
-              <a:gd name="connsiteY805" fmla="*/ 467856 h 4305008"/>
-              <a:gd name="connsiteX806" fmla="*/ 736048 w 5593163"/>
-              <a:gd name="connsiteY806" fmla="*/ 95636 h 4305008"/>
-              <a:gd name="connsiteX807" fmla="*/ 607372 w 5593163"/>
-              <a:gd name="connsiteY807" fmla="*/ 1313979 h 4305008"/>
-              <a:gd name="connsiteX808" fmla="*/ 608742 w 5593163"/>
-              <a:gd name="connsiteY808" fmla="*/ 1296998 h 4305008"/>
-              <a:gd name="connsiteX809" fmla="*/ 616206 w 5593163"/>
-              <a:gd name="connsiteY809" fmla="*/ 1204541 h 4305008"/>
-              <a:gd name="connsiteX810" fmla="*/ 616747 w 5593163"/>
-              <a:gd name="connsiteY810" fmla="*/ 1197851 h 4305008"/>
-              <a:gd name="connsiteX811" fmla="*/ 617252 w 5593163"/>
-              <a:gd name="connsiteY811" fmla="*/ 1197788 h 4305008"/>
-              <a:gd name="connsiteX812" fmla="*/ 1307418 w 5593163"/>
-              <a:gd name="connsiteY812" fmla="*/ 504747 h 4305008"/>
-              <a:gd name="connsiteX813" fmla="*/ 1307535 w 5593163"/>
-              <a:gd name="connsiteY813" fmla="*/ 503599 h 4305008"/>
-              <a:gd name="connsiteX814" fmla="*/ 1323748 w 5593163"/>
-              <a:gd name="connsiteY814" fmla="*/ 502060 h 4305008"/>
-              <a:gd name="connsiteX815" fmla="*/ 1419209 w 5593163"/>
-              <a:gd name="connsiteY815" fmla="*/ 492995 h 4305008"/>
-              <a:gd name="connsiteX816" fmla="*/ 1436297 w 5593163"/>
-              <a:gd name="connsiteY816" fmla="*/ 491372 h 4305008"/>
-              <a:gd name="connsiteX817" fmla="*/ 1436323 w 5593163"/>
-              <a:gd name="connsiteY817" fmla="*/ 491866 h 4305008"/>
-              <a:gd name="connsiteX818" fmla="*/ 1436821 w 5593163"/>
-              <a:gd name="connsiteY818" fmla="*/ 491833 h 4305008"/>
-              <a:gd name="connsiteX819" fmla="*/ 1437415 w 5593163"/>
-              <a:gd name="connsiteY819" fmla="*/ 503273 h 4305008"/>
-              <a:gd name="connsiteX820" fmla="*/ 1436044 w 5593163"/>
-              <a:gd name="connsiteY820" fmla="*/ 520249 h 4305008"/>
-              <a:gd name="connsiteX821" fmla="*/ 1428577 w 5593163"/>
-              <a:gd name="connsiteY821" fmla="*/ 612725 h 4305008"/>
-              <a:gd name="connsiteX822" fmla="*/ 1428039 w 5593163"/>
-              <a:gd name="connsiteY822" fmla="*/ 619401 h 4305008"/>
-              <a:gd name="connsiteX823" fmla="*/ 1427533 w 5593163"/>
-              <a:gd name="connsiteY823" fmla="*/ 619464 h 4305008"/>
-              <a:gd name="connsiteX824" fmla="*/ 737367 w 5593163"/>
-              <a:gd name="connsiteY824" fmla="*/ 1312505 h 4305008"/>
-              <a:gd name="connsiteX825" fmla="*/ 737251 w 5593163"/>
-              <a:gd name="connsiteY825" fmla="*/ 1313653 h 4305008"/>
-              <a:gd name="connsiteX826" fmla="*/ 721035 w 5593163"/>
-              <a:gd name="connsiteY826" fmla="*/ 1315193 h 4305008"/>
-              <a:gd name="connsiteX827" fmla="*/ 625608 w 5593163"/>
-              <a:gd name="connsiteY827" fmla="*/ 1324255 h 4305008"/>
-              <a:gd name="connsiteX828" fmla="*/ 608490 w 5593163"/>
-              <a:gd name="connsiteY828" fmla="*/ 1325881 h 4305008"/>
-              <a:gd name="connsiteX829" fmla="*/ 608464 w 5593163"/>
-              <a:gd name="connsiteY829" fmla="*/ 1325386 h 4305008"/>
-              <a:gd name="connsiteX830" fmla="*/ 607965 w 5593163"/>
-              <a:gd name="connsiteY830" fmla="*/ 1325419 h 4305008"/>
-              <a:gd name="connsiteX831" fmla="*/ 607372 w 5593163"/>
-              <a:gd name="connsiteY831" fmla="*/ 1313979 h 4305008"/>
-              <a:gd name="connsiteX832" fmla="*/ 607372 w 5593163"/>
-              <a:gd name="connsiteY832" fmla="*/ 1361805 h 4305008"/>
-              <a:gd name="connsiteX833" fmla="*/ 607966 w 5593163"/>
-              <a:gd name="connsiteY833" fmla="*/ 1350455 h 4305008"/>
-              <a:gd name="connsiteX834" fmla="*/ 608464 w 5593163"/>
-              <a:gd name="connsiteY834" fmla="*/ 1350487 h 4305008"/>
-              <a:gd name="connsiteX835" fmla="*/ 608490 w 5593163"/>
-              <a:gd name="connsiteY835" fmla="*/ 1349997 h 4305008"/>
-              <a:gd name="connsiteX836" fmla="*/ 625577 w 5593163"/>
-              <a:gd name="connsiteY836" fmla="*/ 1351607 h 4305008"/>
-              <a:gd name="connsiteX837" fmla="*/ 721039 w 5593163"/>
-              <a:gd name="connsiteY837" fmla="*/ 1360601 h 4305008"/>
-              <a:gd name="connsiteX838" fmla="*/ 737251 w 5593163"/>
-              <a:gd name="connsiteY838" fmla="*/ 1362128 h 4305008"/>
-              <a:gd name="connsiteX839" fmla="*/ 737368 w 5593163"/>
-              <a:gd name="connsiteY839" fmla="*/ 1363267 h 4305008"/>
-              <a:gd name="connsiteX840" fmla="*/ 1427534 w 5593163"/>
-              <a:gd name="connsiteY840" fmla="*/ 2050865 h 4305008"/>
-              <a:gd name="connsiteX841" fmla="*/ 1428040 w 5593163"/>
-              <a:gd name="connsiteY841" fmla="*/ 2050928 h 4305008"/>
-              <a:gd name="connsiteX842" fmla="*/ 1428580 w 5593163"/>
-              <a:gd name="connsiteY842" fmla="*/ 2057565 h 4305008"/>
-              <a:gd name="connsiteX843" fmla="*/ 1436044 w 5593163"/>
-              <a:gd name="connsiteY843" fmla="*/ 2149296 h 4305008"/>
-              <a:gd name="connsiteX844" fmla="*/ 1437415 w 5593163"/>
-              <a:gd name="connsiteY844" fmla="*/ 2166144 h 4305008"/>
-              <a:gd name="connsiteX845" fmla="*/ 1436822 w 5593163"/>
-              <a:gd name="connsiteY845" fmla="*/ 2177494 h 4305008"/>
-              <a:gd name="connsiteX846" fmla="*/ 1436323 w 5593163"/>
-              <a:gd name="connsiteY846" fmla="*/ 2177461 h 4305008"/>
-              <a:gd name="connsiteX847" fmla="*/ 1436297 w 5593163"/>
-              <a:gd name="connsiteY847" fmla="*/ 2177952 h 4305008"/>
-              <a:gd name="connsiteX848" fmla="*/ 1419178 w 5593163"/>
-              <a:gd name="connsiteY848" fmla="*/ 2176339 h 4305008"/>
-              <a:gd name="connsiteX849" fmla="*/ 1323752 w 5593163"/>
-              <a:gd name="connsiteY849" fmla="*/ 2167348 h 4305008"/>
-              <a:gd name="connsiteX850" fmla="*/ 1307535 w 5593163"/>
-              <a:gd name="connsiteY850" fmla="*/ 2165820 h 4305008"/>
-              <a:gd name="connsiteX851" fmla="*/ 1307419 w 5593163"/>
-              <a:gd name="connsiteY851" fmla="*/ 2164681 h 4305008"/>
-              <a:gd name="connsiteX852" fmla="*/ 617253 w 5593163"/>
-              <a:gd name="connsiteY852" fmla="*/ 1477083 h 4305008"/>
-              <a:gd name="connsiteX853" fmla="*/ 616748 w 5593163"/>
-              <a:gd name="connsiteY853" fmla="*/ 1477021 h 4305008"/>
-              <a:gd name="connsiteX854" fmla="*/ 616209 w 5593163"/>
-              <a:gd name="connsiteY854" fmla="*/ 1470397 h 4305008"/>
-              <a:gd name="connsiteX855" fmla="*/ 608742 w 5593163"/>
-              <a:gd name="connsiteY855" fmla="*/ 1378647 h 4305008"/>
-              <a:gd name="connsiteX856" fmla="*/ 607372 w 5593163"/>
-              <a:gd name="connsiteY856" fmla="*/ 1361805 h 4305008"/>
-              <a:gd name="connsiteX857" fmla="*/ 607372 w 5593163"/>
-              <a:gd name="connsiteY857" fmla="*/ 3010804 h 4305008"/>
-              <a:gd name="connsiteX858" fmla="*/ 608742 w 5593163"/>
-              <a:gd name="connsiteY858" fmla="*/ 2993823 h 4305008"/>
-              <a:gd name="connsiteX859" fmla="*/ 616206 w 5593163"/>
-              <a:gd name="connsiteY859" fmla="*/ 2901366 h 4305008"/>
-              <a:gd name="connsiteX860" fmla="*/ 616747 w 5593163"/>
-              <a:gd name="connsiteY860" fmla="*/ 2894676 h 4305008"/>
-              <a:gd name="connsiteX861" fmla="*/ 617252 w 5593163"/>
-              <a:gd name="connsiteY861" fmla="*/ 2894613 h 4305008"/>
-              <a:gd name="connsiteX862" fmla="*/ 1307418 w 5593163"/>
-              <a:gd name="connsiteY862" fmla="*/ 2201572 h 4305008"/>
-              <a:gd name="connsiteX863" fmla="*/ 1307535 w 5593163"/>
-              <a:gd name="connsiteY863" fmla="*/ 2200424 h 4305008"/>
-              <a:gd name="connsiteX864" fmla="*/ 1323748 w 5593163"/>
-              <a:gd name="connsiteY864" fmla="*/ 2198885 h 4305008"/>
-              <a:gd name="connsiteX865" fmla="*/ 1419209 w 5593163"/>
-              <a:gd name="connsiteY865" fmla="*/ 2189820 h 4305008"/>
-              <a:gd name="connsiteX866" fmla="*/ 1436297 w 5593163"/>
-              <a:gd name="connsiteY866" fmla="*/ 2188197 h 4305008"/>
-              <a:gd name="connsiteX867" fmla="*/ 1436323 w 5593163"/>
-              <a:gd name="connsiteY867" fmla="*/ 2188691 h 4305008"/>
-              <a:gd name="connsiteX868" fmla="*/ 1436821 w 5593163"/>
-              <a:gd name="connsiteY868" fmla="*/ 2188658 h 4305008"/>
-              <a:gd name="connsiteX869" fmla="*/ 1437415 w 5593163"/>
-              <a:gd name="connsiteY869" fmla="*/ 2200098 h 4305008"/>
-              <a:gd name="connsiteX870" fmla="*/ 1436044 w 5593163"/>
-              <a:gd name="connsiteY870" fmla="*/ 2217074 h 4305008"/>
-              <a:gd name="connsiteX871" fmla="*/ 1428577 w 5593163"/>
-              <a:gd name="connsiteY871" fmla="*/ 2309550 h 4305008"/>
-              <a:gd name="connsiteX872" fmla="*/ 1428039 w 5593163"/>
-              <a:gd name="connsiteY872" fmla="*/ 2316226 h 4305008"/>
-              <a:gd name="connsiteX873" fmla="*/ 1427533 w 5593163"/>
-              <a:gd name="connsiteY873" fmla="*/ 2316289 h 4305008"/>
-              <a:gd name="connsiteX874" fmla="*/ 737367 w 5593163"/>
-              <a:gd name="connsiteY874" fmla="*/ 3009330 h 4305008"/>
-              <a:gd name="connsiteX875" fmla="*/ 737251 w 5593163"/>
-              <a:gd name="connsiteY875" fmla="*/ 3010478 h 4305008"/>
-              <a:gd name="connsiteX876" fmla="*/ 721035 w 5593163"/>
-              <a:gd name="connsiteY876" fmla="*/ 3012018 h 4305008"/>
-              <a:gd name="connsiteX877" fmla="*/ 625608 w 5593163"/>
-              <a:gd name="connsiteY877" fmla="*/ 3021080 h 4305008"/>
-              <a:gd name="connsiteX878" fmla="*/ 608490 w 5593163"/>
-              <a:gd name="connsiteY878" fmla="*/ 3022706 h 4305008"/>
-              <a:gd name="connsiteX879" fmla="*/ 608464 w 5593163"/>
-              <a:gd name="connsiteY879" fmla="*/ 3022211 h 4305008"/>
-              <a:gd name="connsiteX880" fmla="*/ 607965 w 5593163"/>
-              <a:gd name="connsiteY880" fmla="*/ 3022244 h 4305008"/>
-              <a:gd name="connsiteX881" fmla="*/ 607372 w 5593163"/>
-              <a:gd name="connsiteY881" fmla="*/ 3010804 h 4305008"/>
-              <a:gd name="connsiteX882" fmla="*/ 607372 w 5593163"/>
-              <a:gd name="connsiteY882" fmla="*/ 3058630 h 4305008"/>
-              <a:gd name="connsiteX883" fmla="*/ 607966 w 5593163"/>
-              <a:gd name="connsiteY883" fmla="*/ 3047280 h 4305008"/>
-              <a:gd name="connsiteX884" fmla="*/ 608464 w 5593163"/>
-              <a:gd name="connsiteY884" fmla="*/ 3047312 h 4305008"/>
-              <a:gd name="connsiteX885" fmla="*/ 608490 w 5593163"/>
-              <a:gd name="connsiteY885" fmla="*/ 3046822 h 4305008"/>
-              <a:gd name="connsiteX886" fmla="*/ 625577 w 5593163"/>
-              <a:gd name="connsiteY886" fmla="*/ 3048432 h 4305008"/>
-              <a:gd name="connsiteX887" fmla="*/ 721039 w 5593163"/>
-              <a:gd name="connsiteY887" fmla="*/ 3057426 h 4305008"/>
-              <a:gd name="connsiteX888" fmla="*/ 737251 w 5593163"/>
-              <a:gd name="connsiteY888" fmla="*/ 3058953 h 4305008"/>
-              <a:gd name="connsiteX889" fmla="*/ 737368 w 5593163"/>
-              <a:gd name="connsiteY889" fmla="*/ 3060092 h 4305008"/>
-              <a:gd name="connsiteX890" fmla="*/ 1427534 w 5593163"/>
-              <a:gd name="connsiteY890" fmla="*/ 3747690 h 4305008"/>
-              <a:gd name="connsiteX891" fmla="*/ 1428040 w 5593163"/>
-              <a:gd name="connsiteY891" fmla="*/ 3747753 h 4305008"/>
-              <a:gd name="connsiteX892" fmla="*/ 1428580 w 5593163"/>
-              <a:gd name="connsiteY892" fmla="*/ 3754390 h 4305008"/>
-              <a:gd name="connsiteX893" fmla="*/ 1436044 w 5593163"/>
-              <a:gd name="connsiteY893" fmla="*/ 3846121 h 4305008"/>
-              <a:gd name="connsiteX894" fmla="*/ 1437415 w 5593163"/>
-              <a:gd name="connsiteY894" fmla="*/ 3862969 h 4305008"/>
-              <a:gd name="connsiteX895" fmla="*/ 1436822 w 5593163"/>
-              <a:gd name="connsiteY895" fmla="*/ 3874319 h 4305008"/>
-              <a:gd name="connsiteX896" fmla="*/ 1436323 w 5593163"/>
-              <a:gd name="connsiteY896" fmla="*/ 3874286 h 4305008"/>
-              <a:gd name="connsiteX897" fmla="*/ 1436297 w 5593163"/>
-              <a:gd name="connsiteY897" fmla="*/ 3874777 h 4305008"/>
-              <a:gd name="connsiteX898" fmla="*/ 1419178 w 5593163"/>
-              <a:gd name="connsiteY898" fmla="*/ 3873164 h 4305008"/>
-              <a:gd name="connsiteX899" fmla="*/ 1323752 w 5593163"/>
-              <a:gd name="connsiteY899" fmla="*/ 3864173 h 4305008"/>
-              <a:gd name="connsiteX900" fmla="*/ 1307535 w 5593163"/>
-              <a:gd name="connsiteY900" fmla="*/ 3862645 h 4305008"/>
-              <a:gd name="connsiteX901" fmla="*/ 1307419 w 5593163"/>
-              <a:gd name="connsiteY901" fmla="*/ 3861506 h 4305008"/>
-              <a:gd name="connsiteX902" fmla="*/ 617253 w 5593163"/>
-              <a:gd name="connsiteY902" fmla="*/ 3173908 h 4305008"/>
-              <a:gd name="connsiteX903" fmla="*/ 616748 w 5593163"/>
-              <a:gd name="connsiteY903" fmla="*/ 3173846 h 4305008"/>
-              <a:gd name="connsiteX904" fmla="*/ 616209 w 5593163"/>
-              <a:gd name="connsiteY904" fmla="*/ 3167222 h 4305008"/>
-              <a:gd name="connsiteX905" fmla="*/ 608742 w 5593163"/>
-              <a:gd name="connsiteY905" fmla="*/ 3075472 h 4305008"/>
-              <a:gd name="connsiteX906" fmla="*/ 607372 w 5593163"/>
-              <a:gd name="connsiteY906" fmla="*/ 3058630 h 4305008"/>
-              <a:gd name="connsiteX907" fmla="*/ 0 w 5593163"/>
-              <a:gd name="connsiteY907" fmla="*/ 116373 h 4305008"/>
-              <a:gd name="connsiteX908" fmla="*/ 0 w 5593163"/>
-              <a:gd name="connsiteY908" fmla="*/ 0 h 4305008"/>
-              <a:gd name="connsiteX909" fmla="*/ 90880 w 5593163"/>
-              <a:gd name="connsiteY909" fmla="*/ 0 h 4305008"/>
-              <a:gd name="connsiteX910" fmla="*/ 22652 w 5593163"/>
-              <a:gd name="connsiteY910" fmla="*/ 76659 h 4305008"/>
-              <a:gd name="connsiteX911" fmla="*/ 0 w 5593163"/>
-              <a:gd name="connsiteY911" fmla="*/ 443121 h 4305008"/>
-              <a:gd name="connsiteX912" fmla="*/ 0 w 5593163"/>
-              <a:gd name="connsiteY912" fmla="*/ 311637 h 4305008"/>
-              <a:gd name="connsiteX913" fmla="*/ 82171 w 5593163"/>
-              <a:gd name="connsiteY913" fmla="*/ 276703 h 4305008"/>
-              <a:gd name="connsiteX914" fmla="*/ 348118 w 5593163"/>
-              <a:gd name="connsiteY914" fmla="*/ 44350 h 4305008"/>
-              <a:gd name="connsiteX915" fmla="*/ 370347 w 5593163"/>
-              <a:gd name="connsiteY915" fmla="*/ 0 h 4305008"/>
-              <a:gd name="connsiteX916" fmla="*/ 518984 w 5593163"/>
-              <a:gd name="connsiteY916" fmla="*/ 0 h 4305008"/>
-              <a:gd name="connsiteX917" fmla="*/ 467145 w 5593163"/>
-              <a:gd name="connsiteY917" fmla="*/ 95636 h 4305008"/>
-              <a:gd name="connsiteX918" fmla="*/ 13323 w 5593163"/>
-              <a:gd name="connsiteY918" fmla="*/ 439959 h 4305008"/>
-              <a:gd name="connsiteX919" fmla="*/ 0 w 5593163"/>
-              <a:gd name="connsiteY919" fmla="*/ 1070142 h 4305008"/>
-              <a:gd name="connsiteX920" fmla="*/ 0 w 5593163"/>
-              <a:gd name="connsiteY920" fmla="*/ 862064 h 4305008"/>
-              <a:gd name="connsiteX921" fmla="*/ 31905 w 5593163"/>
-              <a:gd name="connsiteY921" fmla="*/ 912052 h 4305008"/>
-              <a:gd name="connsiteX922" fmla="*/ 452455 w 5593163"/>
-              <a:gd name="connsiteY922" fmla="*/ 1181049 h 4305008"/>
-              <a:gd name="connsiteX923" fmla="*/ 9316 w 5593163"/>
-              <a:gd name="connsiteY923" fmla="*/ 665484 h 4305008"/>
-              <a:gd name="connsiteX924" fmla="*/ 0 w 5593163"/>
-              <a:gd name="connsiteY924" fmla="*/ 662760 h 4305008"/>
-              <a:gd name="connsiteX925" fmla="*/ 0 w 5593163"/>
-              <a:gd name="connsiteY925" fmla="*/ 530567 h 4305008"/>
-              <a:gd name="connsiteX926" fmla="*/ 26399 w 5593163"/>
-              <a:gd name="connsiteY926" fmla="*/ 537107 h 4305008"/>
-              <a:gd name="connsiteX927" fmla="*/ 585941 w 5593163"/>
-              <a:gd name="connsiteY927" fmla="*/ 1197788 h 4305008"/>
-              <a:gd name="connsiteX928" fmla="*/ 586447 w 5593163"/>
-              <a:gd name="connsiteY928" fmla="*/ 1197851 h 4305008"/>
-              <a:gd name="connsiteX929" fmla="*/ 586987 w 5593163"/>
-              <a:gd name="connsiteY929" fmla="*/ 1204541 h 4305008"/>
-              <a:gd name="connsiteX930" fmla="*/ 594451 w 5593163"/>
-              <a:gd name="connsiteY930" fmla="*/ 1296998 h 4305008"/>
-              <a:gd name="connsiteX931" fmla="*/ 595822 w 5593163"/>
-              <a:gd name="connsiteY931" fmla="*/ 1313979 h 4305008"/>
-              <a:gd name="connsiteX932" fmla="*/ 595229 w 5593163"/>
-              <a:gd name="connsiteY932" fmla="*/ 1325419 h 4305008"/>
-              <a:gd name="connsiteX933" fmla="*/ 594730 w 5593163"/>
-              <a:gd name="connsiteY933" fmla="*/ 1325386 h 4305008"/>
-              <a:gd name="connsiteX934" fmla="*/ 594704 w 5593163"/>
-              <a:gd name="connsiteY934" fmla="*/ 1325881 h 4305008"/>
-              <a:gd name="connsiteX935" fmla="*/ 577585 w 5593163"/>
-              <a:gd name="connsiteY935" fmla="*/ 1324255 h 4305008"/>
-              <a:gd name="connsiteX936" fmla="*/ 482159 w 5593163"/>
-              <a:gd name="connsiteY936" fmla="*/ 1315193 h 4305008"/>
-              <a:gd name="connsiteX937" fmla="*/ 465942 w 5593163"/>
-              <a:gd name="connsiteY937" fmla="*/ 1313653 h 4305008"/>
-              <a:gd name="connsiteX938" fmla="*/ 465826 w 5593163"/>
-              <a:gd name="connsiteY938" fmla="*/ 1312505 h 4305008"/>
-              <a:gd name="connsiteX939" fmla="*/ 5028 w 5593163"/>
-              <a:gd name="connsiteY939" fmla="*/ 1076034 h 4305008"/>
-              <a:gd name="connsiteX940" fmla="*/ 0 w 5593163"/>
-              <a:gd name="connsiteY940" fmla="*/ 2139063 h 4305008"/>
-              <a:gd name="connsiteX941" fmla="*/ 0 w 5593163"/>
-              <a:gd name="connsiteY941" fmla="*/ 2007909 h 4305008"/>
-              <a:gd name="connsiteX942" fmla="*/ 9314 w 5593163"/>
-              <a:gd name="connsiteY942" fmla="*/ 2005207 h 4305008"/>
-              <a:gd name="connsiteX943" fmla="*/ 452453 w 5593163"/>
-              <a:gd name="connsiteY943" fmla="*/ 1493690 h 4305008"/>
-              <a:gd name="connsiteX944" fmla="*/ 31903 w 5593163"/>
-              <a:gd name="connsiteY944" fmla="*/ 1760575 h 4305008"/>
-              <a:gd name="connsiteX945" fmla="*/ 0 w 5593163"/>
-              <a:gd name="connsiteY945" fmla="*/ 1810167 h 4305008"/>
-              <a:gd name="connsiteX946" fmla="*/ 0 w 5593163"/>
-              <a:gd name="connsiteY946" fmla="*/ 1603724 h 4305008"/>
-              <a:gd name="connsiteX947" fmla="*/ 5025 w 5593163"/>
-              <a:gd name="connsiteY947" fmla="*/ 1597880 h 4305008"/>
-              <a:gd name="connsiteX948" fmla="*/ 465823 w 5593163"/>
-              <a:gd name="connsiteY948" fmla="*/ 1363267 h 4305008"/>
-              <a:gd name="connsiteX949" fmla="*/ 465940 w 5593163"/>
-              <a:gd name="connsiteY949" fmla="*/ 1362128 h 4305008"/>
-              <a:gd name="connsiteX950" fmla="*/ 482153 w 5593163"/>
-              <a:gd name="connsiteY950" fmla="*/ 1360601 h 4305008"/>
-              <a:gd name="connsiteX951" fmla="*/ 577614 w 5593163"/>
-              <a:gd name="connsiteY951" fmla="*/ 1351607 h 4305008"/>
-              <a:gd name="connsiteX952" fmla="*/ 594702 w 5593163"/>
-              <a:gd name="connsiteY952" fmla="*/ 1349997 h 4305008"/>
-              <a:gd name="connsiteX953" fmla="*/ 594728 w 5593163"/>
-              <a:gd name="connsiteY953" fmla="*/ 1350487 h 4305008"/>
-              <a:gd name="connsiteX954" fmla="*/ 595226 w 5593163"/>
-              <a:gd name="connsiteY954" fmla="*/ 1350455 h 4305008"/>
-              <a:gd name="connsiteX955" fmla="*/ 595820 w 5593163"/>
-              <a:gd name="connsiteY955" fmla="*/ 1361805 h 4305008"/>
-              <a:gd name="connsiteX956" fmla="*/ 594449 w 5593163"/>
-              <a:gd name="connsiteY956" fmla="*/ 1378647 h 4305008"/>
-              <a:gd name="connsiteX957" fmla="*/ 586982 w 5593163"/>
-              <a:gd name="connsiteY957" fmla="*/ 1470397 h 4305008"/>
-              <a:gd name="connsiteX958" fmla="*/ 586444 w 5593163"/>
-              <a:gd name="connsiteY958" fmla="*/ 1477021 h 4305008"/>
-              <a:gd name="connsiteX959" fmla="*/ 585938 w 5593163"/>
-              <a:gd name="connsiteY959" fmla="*/ 1477083 h 4305008"/>
-              <a:gd name="connsiteX960" fmla="*/ 26396 w 5593163"/>
-              <a:gd name="connsiteY960" fmla="*/ 2132575 h 4305008"/>
-              <a:gd name="connsiteX961" fmla="*/ 0 w 5593163"/>
-              <a:gd name="connsiteY961" fmla="*/ 2766967 h 4305008"/>
-              <a:gd name="connsiteX962" fmla="*/ 0 w 5593163"/>
-              <a:gd name="connsiteY962" fmla="*/ 2558889 h 4305008"/>
-              <a:gd name="connsiteX963" fmla="*/ 31905 w 5593163"/>
-              <a:gd name="connsiteY963" fmla="*/ 2608877 h 4305008"/>
-              <a:gd name="connsiteX964" fmla="*/ 452455 w 5593163"/>
-              <a:gd name="connsiteY964" fmla="*/ 2877874 h 4305008"/>
-              <a:gd name="connsiteX965" fmla="*/ 9316 w 5593163"/>
-              <a:gd name="connsiteY965" fmla="*/ 2362309 h 4305008"/>
-              <a:gd name="connsiteX966" fmla="*/ 0 w 5593163"/>
-              <a:gd name="connsiteY966" fmla="*/ 2359585 h 4305008"/>
-              <a:gd name="connsiteX967" fmla="*/ 0 w 5593163"/>
-              <a:gd name="connsiteY967" fmla="*/ 2227392 h 4305008"/>
-              <a:gd name="connsiteX968" fmla="*/ 26399 w 5593163"/>
-              <a:gd name="connsiteY968" fmla="*/ 2233932 h 4305008"/>
-              <a:gd name="connsiteX969" fmla="*/ 585941 w 5593163"/>
-              <a:gd name="connsiteY969" fmla="*/ 2894613 h 4305008"/>
-              <a:gd name="connsiteX970" fmla="*/ 586447 w 5593163"/>
-              <a:gd name="connsiteY970" fmla="*/ 2894676 h 4305008"/>
-              <a:gd name="connsiteX971" fmla="*/ 586987 w 5593163"/>
-              <a:gd name="connsiteY971" fmla="*/ 2901366 h 4305008"/>
-              <a:gd name="connsiteX972" fmla="*/ 594451 w 5593163"/>
-              <a:gd name="connsiteY972" fmla="*/ 2993823 h 4305008"/>
-              <a:gd name="connsiteX973" fmla="*/ 595822 w 5593163"/>
-              <a:gd name="connsiteY973" fmla="*/ 3010804 h 4305008"/>
-              <a:gd name="connsiteX974" fmla="*/ 595229 w 5593163"/>
-              <a:gd name="connsiteY974" fmla="*/ 3022244 h 4305008"/>
-              <a:gd name="connsiteX975" fmla="*/ 594730 w 5593163"/>
-              <a:gd name="connsiteY975" fmla="*/ 3022211 h 4305008"/>
-              <a:gd name="connsiteX976" fmla="*/ 594704 w 5593163"/>
-              <a:gd name="connsiteY976" fmla="*/ 3022706 h 4305008"/>
-              <a:gd name="connsiteX977" fmla="*/ 577585 w 5593163"/>
-              <a:gd name="connsiteY977" fmla="*/ 3021080 h 4305008"/>
-              <a:gd name="connsiteX978" fmla="*/ 482159 w 5593163"/>
-              <a:gd name="connsiteY978" fmla="*/ 3012018 h 4305008"/>
-              <a:gd name="connsiteX979" fmla="*/ 465942 w 5593163"/>
-              <a:gd name="connsiteY979" fmla="*/ 3010478 h 4305008"/>
-              <a:gd name="connsiteX980" fmla="*/ 465826 w 5593163"/>
-              <a:gd name="connsiteY980" fmla="*/ 3009330 h 4305008"/>
-              <a:gd name="connsiteX981" fmla="*/ 5028 w 5593163"/>
-              <a:gd name="connsiteY981" fmla="*/ 2772859 h 4305008"/>
-              <a:gd name="connsiteX982" fmla="*/ 0 w 5593163"/>
-              <a:gd name="connsiteY982" fmla="*/ 3835888 h 4305008"/>
-              <a:gd name="connsiteX983" fmla="*/ 0 w 5593163"/>
-              <a:gd name="connsiteY983" fmla="*/ 3704734 h 4305008"/>
-              <a:gd name="connsiteX984" fmla="*/ 9314 w 5593163"/>
-              <a:gd name="connsiteY984" fmla="*/ 3702032 h 4305008"/>
-              <a:gd name="connsiteX985" fmla="*/ 452453 w 5593163"/>
-              <a:gd name="connsiteY985" fmla="*/ 3190516 h 4305008"/>
-              <a:gd name="connsiteX986" fmla="*/ 31903 w 5593163"/>
-              <a:gd name="connsiteY986" fmla="*/ 3457400 h 4305008"/>
-              <a:gd name="connsiteX987" fmla="*/ 0 w 5593163"/>
-              <a:gd name="connsiteY987" fmla="*/ 3506992 h 4305008"/>
-              <a:gd name="connsiteX988" fmla="*/ 0 w 5593163"/>
-              <a:gd name="connsiteY988" fmla="*/ 3300549 h 4305008"/>
-              <a:gd name="connsiteX989" fmla="*/ 5025 w 5593163"/>
-              <a:gd name="connsiteY989" fmla="*/ 3294705 h 4305008"/>
-              <a:gd name="connsiteX990" fmla="*/ 465823 w 5593163"/>
-              <a:gd name="connsiteY990" fmla="*/ 3060092 h 4305008"/>
-              <a:gd name="connsiteX991" fmla="*/ 465940 w 5593163"/>
-              <a:gd name="connsiteY991" fmla="*/ 3058953 h 4305008"/>
-              <a:gd name="connsiteX992" fmla="*/ 482153 w 5593163"/>
-              <a:gd name="connsiteY992" fmla="*/ 3057426 h 4305008"/>
-              <a:gd name="connsiteX993" fmla="*/ 577614 w 5593163"/>
-              <a:gd name="connsiteY993" fmla="*/ 3048432 h 4305008"/>
-              <a:gd name="connsiteX994" fmla="*/ 594702 w 5593163"/>
-              <a:gd name="connsiteY994" fmla="*/ 3046822 h 4305008"/>
-              <a:gd name="connsiteX995" fmla="*/ 594728 w 5593163"/>
-              <a:gd name="connsiteY995" fmla="*/ 3047312 h 4305008"/>
-              <a:gd name="connsiteX996" fmla="*/ 595226 w 5593163"/>
-              <a:gd name="connsiteY996" fmla="*/ 3047280 h 4305008"/>
-              <a:gd name="connsiteX997" fmla="*/ 595820 w 5593163"/>
-              <a:gd name="connsiteY997" fmla="*/ 3058630 h 4305008"/>
-              <a:gd name="connsiteX998" fmla="*/ 594449 w 5593163"/>
-              <a:gd name="connsiteY998" fmla="*/ 3075472 h 4305008"/>
-              <a:gd name="connsiteX999" fmla="*/ 586982 w 5593163"/>
-              <a:gd name="connsiteY999" fmla="*/ 3167222 h 4305008"/>
-              <a:gd name="connsiteX1000" fmla="*/ 586444 w 5593163"/>
-              <a:gd name="connsiteY1000" fmla="*/ 3173846 h 4305008"/>
-              <a:gd name="connsiteX1001" fmla="*/ 585938 w 5593163"/>
-              <a:gd name="connsiteY1001" fmla="*/ 3173908 h 4305008"/>
-              <a:gd name="connsiteX1002" fmla="*/ 26396 w 5593163"/>
-              <a:gd name="connsiteY1002" fmla="*/ 3829400 h 4305008"/>
-              <a:gd name="connsiteX1003" fmla="*/ 0 w 5593163"/>
-              <a:gd name="connsiteY1003" fmla="*/ 4056079 h 4305008"/>
-              <a:gd name="connsiteX1004" fmla="*/ 0 w 5593163"/>
-              <a:gd name="connsiteY1004" fmla="*/ 3923091 h 4305008"/>
-              <a:gd name="connsiteX1005" fmla="*/ 9850 w 5593163"/>
-              <a:gd name="connsiteY1005" fmla="*/ 3925425 h 4305008"/>
-              <a:gd name="connsiteX1006" fmla="*/ 456028 w 5593163"/>
-              <a:gd name="connsiteY1006" fmla="*/ 4255797 h 4305008"/>
-              <a:gd name="connsiteX1007" fmla="*/ 484473 w 5593163"/>
-              <a:gd name="connsiteY1007" fmla="*/ 4305008 h 4305008"/>
-              <a:gd name="connsiteX1008" fmla="*/ 333423 w 5593163"/>
-              <a:gd name="connsiteY1008" fmla="*/ 4305008 h 4305008"/>
-              <a:gd name="connsiteX1009" fmla="*/ 281300 w 5593163"/>
-              <a:gd name="connsiteY1009" fmla="*/ 4241205 h 4305008"/>
-              <a:gd name="connsiteX1010" fmla="*/ 75476 w 5593163"/>
-              <a:gd name="connsiteY1010" fmla="*/ 4087725 h 4305008"/>
-              <a:gd name="connsiteX1011" fmla="*/ 0 w 5593163"/>
-              <a:gd name="connsiteY1011" fmla="*/ 4305008 h 4305008"/>
-              <a:gd name="connsiteX1012" fmla="*/ 0 w 5593163"/>
-              <a:gd name="connsiteY1012" fmla="*/ 4256099 h 4305008"/>
-              <a:gd name="connsiteX1013" fmla="*/ 8327 w 5593163"/>
-              <a:gd name="connsiteY1013" fmla="*/ 4271827 h 4305008"/>
-              <a:gd name="connsiteX1014" fmla="*/ 35009 w 5593163"/>
-              <a:gd name="connsiteY1014" fmla="*/ 4305008 h 4305008"/>
-            </a:gdLst>
-            <a:ahLst/>
-            <a:cxnLst>
-              <a:cxn ang="0">
-                <a:pos x="connsiteX0" y="connsiteY0"/>
-              </a:cxn>
-              <a:cxn ang="0">
-                <a:pos x="connsiteX1" y="connsiteY1"/>
-              </a:cxn>
-              <a:cxn ang="0">
-                <a:pos x="connsiteX2" y="connsiteY2"/>
-              </a:cxn>
-              <a:cxn ang="0">
-                <a:pos x="connsiteX3" y="connsiteY3"/>
-              </a:cxn>
-              <a:cxn ang="0">
-                <a:pos x="connsiteX4" y="connsiteY4"/>
-              </a:cxn>
-              <a:cxn ang="0">
-                <a:pos x="connsiteX5" y="connsiteY5"/>
-              </a:cxn>
-              <a:cxn ang="0">
-                <a:pos x="connsiteX6" y="connsiteY6"/>
-              </a:cxn>
-              <a:cxn ang="0">
-                <a:pos x="connsiteX7" y="connsiteY7"/>
-              </a:cxn>
-              <a:cxn ang="0">
-                <a:pos x="connsiteX8" y="connsiteY8"/>
-              </a:cxn>
-              <a:cxn ang="0">
-                <a:pos x="connsiteX9" y="connsiteY9"/>
-              </a:cxn>
-              <a:cxn ang="0">
-                <a:pos x="connsiteX10" y="connsiteY10"/>
-              </a:cxn>
-              <a:cxn ang="0">
-                <a:pos x="connsiteX11" y="connsiteY11"/>
-              </a:cxn>
-              <a:cxn ang="0">
-                <a:pos x="connsiteX12" y="connsiteY12"/>
-              </a:cxn>
-              <a:cxn ang="0">
-                <a:pos x="connsiteX13" y="connsiteY13"/>
-              </a:cxn>
-              <a:cxn ang="0">
-                <a:pos x="connsiteX14" y="connsiteY14"/>
-              </a:cxn>
-              <a:cxn ang="0">
-                <a:pos x="connsiteX15" y="connsiteY15"/>
-              </a:cxn>
-              <a:cxn ang="0">
-                <a:pos x="connsiteX16" y="connsiteY16"/>
-              </a:cxn>
-              <a:cxn ang="0">
-                <a:pos x="connsiteX17" y="connsiteY17"/>
-              </a:cxn>
-              <a:cxn ang="0">
-                <a:pos x="connsiteX18" y="connsiteY18"/>
-              </a:cxn>
-              <a:cxn ang="0">
-                <a:pos x="connsiteX19" y="connsiteY19"/>
-              </a:cxn>
-              <a:cxn ang="0">
-                <a:pos x="connsiteX20" y="connsiteY20"/>
-              </a:cxn>
-              <a:cxn ang="0">
-                <a:pos x="connsiteX21" y="connsiteY21"/>
-              </a:cxn>
-              <a:cxn ang="0">
-                <a:pos x="connsiteX22" y="connsiteY22"/>
-              </a:cxn>
-              <a:cxn ang="0">
-                <a:pos x="connsiteX23" y="connsiteY23"/>
-              </a:cxn>
-              <a:cxn ang="0">
-                <a:pos x="connsiteX24" y="connsiteY24"/>
-              </a:cxn>
-              <a:cxn ang="0">
-                <a:pos x="connsiteX25" y="connsiteY25"/>
-              </a:cxn>
-              <a:cxn ang="0">
-                <a:pos x="connsiteX26" y="connsiteY26"/>
-              </a:cxn>
-              <a:cxn ang="0">
-                <a:pos x="connsiteX27" y="connsiteY27"/>
-              </a:cxn>
-              <a:cxn ang="0">
-                <a:pos x="connsiteX28" y="connsiteY28"/>
-              </a:cxn>
-              <a:cxn ang="0">
-                <a:pos x="connsiteX29" y="connsiteY29"/>
-              </a:cxn>
-              <a:cxn ang="0">
-                <a:pos x="connsiteX30" y="connsiteY30"/>
-              </a:cxn>
-              <a:cxn ang="0">
-                <a:pos x="connsiteX31" y="connsiteY31"/>
-              </a:cxn>
-              <a:cxn ang="0">
-                <a:pos x="connsiteX32" y="connsiteY32"/>
-              </a:cxn>
-              <a:cxn ang="0">
-                <a:pos x="connsiteX33" y="connsiteY33"/>
-              </a:cxn>
-              <a:cxn ang="0">
-                <a:pos x="connsiteX34" y="connsiteY34"/>
-              </a:cxn>
-              <a:cxn ang="0">
-                <a:pos x="connsiteX35" y="connsiteY35"/>
-              </a:cxn>
-              <a:cxn ang="0">
-                <a:pos x="connsiteX36" y="connsiteY36"/>
-              </a:cxn>
-              <a:cxn ang="0">
-                <a:pos x="connsiteX37" y="connsiteY37"/>
-              </a:cxn>
-              <a:cxn ang="0">
-                <a:pos x="connsiteX38" y="connsiteY38"/>
-              </a:cxn>
-              <a:cxn ang="0">
-                <a:pos x="connsiteX39" y="connsiteY39"/>
-              </a:cxn>
-              <a:cxn ang="0">
-                <a:pos x="connsiteX40" y="connsiteY40"/>
-              </a:cxn>
-              <a:cxn ang="0">
-                <a:pos x="connsiteX41" y="connsiteY41"/>
-              </a:cxn>
-              <a:cxn ang="0">
-                <a:pos x="connsiteX42" y="connsiteY42"/>
-              </a:cxn>
-              <a:cxn ang="0">
-                <a:pos x="connsiteX43" y="connsiteY43"/>
-              </a:cxn>
-              <a:cxn ang="0">
-                <a:pos x="connsiteX44" y="connsiteY44"/>
-              </a:cxn>
-              <a:cxn ang="0">
-                <a:pos x="connsiteX45" y="connsiteY45"/>
-              </a:cxn>
-              <a:cxn ang="0">
-                <a:pos x="connsiteX46" y="connsiteY46"/>
-              </a:cxn>
-              <a:cxn ang="0">
-                <a:pos x="connsiteX47" y="connsiteY47"/>
-              </a:cxn>
-              <a:cxn ang="0">
-                <a:pos x="connsiteX48" y="connsiteY48"/>
-              </a:cxn>
-              <a:cxn ang="0">
-                <a:pos x="connsiteX49" y="connsiteY49"/>
-              </a:cxn>
-              <a:cxn ang="0">
-                <a:pos x="connsiteX50" y="connsiteY50"/>
-              </a:cxn>
-              <a:cxn ang="0">
-                <a:pos x="connsiteX51" y="connsiteY51"/>
-              </a:cxn>
-              <a:cxn ang="0">
-                <a:pos x="connsiteX52" y="connsiteY52"/>
-              </a:cxn>
-              <a:cxn ang="0">
-                <a:pos x="connsiteX53" y="connsiteY53"/>
-              </a:cxn>
-              <a:cxn ang="0">
-                <a:pos x="connsiteX54" y="connsiteY54"/>
-              </a:cxn>
-              <a:cxn ang="0">
-                <a:pos x="connsiteX55" y="connsiteY55"/>
-              </a:cxn>
-              <a:cxn ang="0">
-                <a:pos x="connsiteX56" y="connsiteY56"/>
-              </a:cxn>
-              <a:cxn ang="0">
-                <a:pos x="connsiteX57" y="connsiteY57"/>
-              </a:cxn>
-              <a:cxn ang="0">
-                <a:pos x="connsiteX58" y="connsiteY58"/>
-              </a:cxn>
-              <a:cxn ang="0">
-                <a:pos x="connsiteX59" y="connsiteY59"/>
-              </a:cxn>
-              <a:cxn ang="0">
-                <a:pos x="connsiteX60" y="connsiteY60"/>
-              </a:cxn>
-              <a:cxn ang="0">
-                <a:pos x="connsiteX61" y="connsiteY61"/>
-              </a:cxn>
-              <a:cxn ang="0">
-                <a:pos x="connsiteX62" y="connsiteY62"/>
-              </a:cxn>
-              <a:cxn ang="0">
-                <a:pos x="connsiteX63" y="connsiteY63"/>
-              </a:cxn>
-              <a:cxn ang="0">
-                <a:pos x="connsiteX64" y="connsiteY64"/>
-              </a:cxn>
-              <a:cxn ang="0">
-                <a:pos x="connsiteX65" y="connsiteY65"/>
-              </a:cxn>
-              <a:cxn ang="0">
-                <a:pos x="connsiteX66" y="connsiteY66"/>
-              </a:cxn>
-              <a:cxn ang="0">
-                <a:pos x="connsiteX67" y="connsiteY67"/>
-              </a:cxn>
-              <a:cxn ang="0">
-                <a:pos x="connsiteX68" y="connsiteY68"/>
-              </a:cxn>
-              <a:cxn ang="0">
-                <a:pos x="connsiteX69" y="connsiteY69"/>
-              </a:cxn>
-              <a:cxn ang="0">
-                <a:pos x="connsiteX70" y="connsiteY70"/>
-              </a:cxn>
-              <a:cxn ang="0">
-                <a:pos x="connsiteX71" y="connsiteY71"/>
-              </a:cxn>
-              <a:cxn ang="0">
-                <a:pos x="connsiteX72" y="connsiteY72"/>
-              </a:cxn>
-              <a:cxn ang="0">
-                <a:pos x="connsiteX73" y="connsiteY73"/>
-              </a:cxn>
-              <a:cxn ang="0">
-                <a:pos x="connsiteX74" y="connsiteY74"/>
-              </a:cxn>
-              <a:cxn ang="0">
-                <a:pos x="connsiteX75" y="connsiteY75"/>
-              </a:cxn>
-              <a:cxn ang="0">
-                <a:pos x="connsiteX76" y="connsiteY76"/>
-              </a:cxn>
-              <a:cxn ang="0">
-                <a:pos x="connsiteX77" y="connsiteY77"/>
-              </a:cxn>
-              <a:cxn ang="0">
-                <a:pos x="connsiteX78" y="connsiteY78"/>
-              </a:cxn>
-              <a:cxn ang="0">
-                <a:pos x="connsiteX79" y="connsiteY79"/>
-              </a:cxn>
-              <a:cxn ang="0">
-                <a:pos x="connsiteX80" y="connsiteY80"/>
-              </a:cxn>
-              <a:cxn ang="0">
-                <a:pos x="connsiteX81" y="connsiteY81"/>
-              </a:cxn>
-              <a:cxn ang="0">
-                <a:pos x="connsiteX82" y="connsiteY82"/>
-              </a:cxn>
-              <a:cxn ang="0">
-                <a:pos x="connsiteX83" y="connsiteY83"/>
-              </a:cxn>
-              <a:cxn ang="0">
-                <a:pos x="connsiteX84" y="connsiteY84"/>
-              </a:cxn>
-              <a:cxn ang="0">
-                <a:pos x="connsiteX85" y="connsiteY85"/>
-              </a:cxn>
-              <a:cxn ang="0">
-                <a:pos x="connsiteX86" y="connsiteY86"/>
-              </a:cxn>
-              <a:cxn ang="0">
-                <a:pos x="connsiteX87" y="connsiteY87"/>
-              </a:cxn>
-              <a:cxn ang="0">
-                <a:pos x="connsiteX88" y="connsiteY88"/>
-              </a:cxn>
-              <a:cxn ang="0">
-                <a:pos x="connsiteX89" y="connsiteY89"/>
-              </a:cxn>
-              <a:cxn ang="0">
-                <a:pos x="connsiteX90" y="connsiteY90"/>
-              </a:cxn>
-              <a:cxn ang="0">
-                <a:pos x="connsiteX91" y="connsiteY91"/>
-              </a:cxn>
-              <a:cxn ang="0">
-                <a:pos x="connsiteX92" y="connsiteY92"/>
-              </a:cxn>
-              <a:cxn ang="0">
-                <a:pos x="connsiteX93" y="connsiteY93"/>
-              </a:cxn>
-              <a:cxn ang="0">
-                <a:pos x="connsiteX94" y="connsiteY94"/>
-              </a:cxn>
-              <a:cxn ang="0">
-                <a:pos x="connsiteX95" y="connsiteY95"/>
-              </a:cxn>
-              <a:cxn ang="0">
-                <a:pos x="connsiteX96" y="connsiteY96"/>
-              </a:cxn>
-              <a:cxn ang="0">
-                <a:pos x="connsiteX97" y="connsiteY97"/>
-              </a:cxn>
-              <a:cxn ang="0">
-                <a:pos x="connsiteX98" y="connsiteY98"/>
-              </a:cxn>
-              <a:cxn ang="0">
-                <a:pos x="connsiteX99" y="connsiteY99"/>
-              </a:cxn>
-              <a:cxn ang="0">
-                <a:pos x="connsiteX100" y="connsiteY100"/>
-              </a:cxn>
-              <a:cxn ang="0">
-                <a:pos x="connsiteX101" y="connsiteY101"/>
-              </a:cxn>
-              <a:cxn ang="0">
-                <a:pos x="connsiteX102" y="connsiteY102"/>
-              </a:cxn>
-              <a:cxn ang="0">
-                <a:pos x="connsiteX103" y="connsiteY103"/>
-              </a:cxn>
-              <a:cxn ang="0">
-                <a:pos x="connsiteX104" y="connsiteY104"/>
-              </a:cxn>
-              <a:cxn ang="0">
-                <a:pos x="connsiteX105" y="connsiteY105"/>
-              </a:cxn>
-              <a:cxn ang="0">
-                <a:pos x="connsiteX106" y="connsiteY106"/>
-              </a:cxn>
-              <a:cxn ang="0">
-                <a:pos x="connsiteX107" y="connsiteY107"/>
-              </a:cxn>
-              <a:cxn ang="0">
-                <a:pos x="connsiteX108" y="connsiteY108"/>
-              </a:cxn>
-              <a:cxn ang="0">
-                <a:pos x="connsiteX109" y="connsiteY109"/>
-              </a:cxn>
-              <a:cxn ang="0">
-                <a:pos x="connsiteX110" y="connsiteY110"/>
-              </a:cxn>
-              <a:cxn ang="0">
-                <a:pos x="connsiteX111" y="connsiteY111"/>
-              </a:cxn>
-              <a:cxn ang="0">
-                <a:pos x="connsiteX112" y="connsiteY112"/>
-              </a:cxn>
-              <a:cxn ang="0">
-                <a:pos x="connsiteX113" y="connsiteY113"/>
-              </a:cxn>
-              <a:cxn ang="0">
-                <a:pos x="connsiteX114" y="connsiteY114"/>
-              </a:cxn>
-              <a:cxn ang="0">
-                <a:pos x="connsiteX115" y="connsiteY115"/>
-              </a:cxn>
-              <a:cxn ang="0">
-                <a:pos x="connsiteX116" y="connsiteY116"/>
-              </a:cxn>
-              <a:cxn ang="0">
-                <a:pos x="connsiteX117" y="connsiteY117"/>
-              </a:cxn>
-              <a:cxn ang="0">
-                <a:pos x="connsiteX118" y="connsiteY118"/>
-              </a:cxn>
-              <a:cxn ang="0">
-                <a:pos x="connsiteX119" y="connsiteY119"/>
-              </a:cxn>
-              <a:cxn ang="0">
-                <a:pos x="connsiteX120" y="connsiteY120"/>
-              </a:cxn>
-              <a:cxn ang="0">
-                <a:pos x="connsiteX121" y="connsiteY121"/>
-              </a:cxn>
-              <a:cxn ang="0">
-                <a:pos x="connsiteX122" y="connsiteY122"/>
-              </a:cxn>
-              <a:cxn ang="0">
-                <a:pos x="connsiteX123" y="connsiteY123"/>
-              </a:cxn>
-              <a:cxn ang="0">
-                <a:pos x="connsiteX124" y="connsiteY124"/>
-              </a:cxn>
-              <a:cxn ang="0">
-                <a:pos x="connsiteX125" y="connsiteY125"/>
-              </a:cxn>
-              <a:cxn ang="0">
-                <a:pos x="connsiteX126" y="connsiteY126"/>
-              </a:cxn>
-              <a:cxn ang="0">
-                <a:pos x="connsiteX127" y="connsiteY127"/>
-              </a:cxn>
-              <a:cxn ang="0">
-                <a:pos x="connsiteX128" y="connsiteY128"/>
-              </a:cxn>
-              <a:cxn ang="0">
-                <a:pos x="connsiteX129" y="connsiteY129"/>
-              </a:cxn>
-              <a:cxn ang="0">
-                <a:pos x="connsiteX130" y="connsiteY130"/>
-              </a:cxn>
-              <a:cxn ang="0">
-                <a:pos x="connsiteX131" y="connsiteY131"/>
-              </a:cxn>
-              <a:cxn ang="0">
-                <a:pos x="connsiteX132" y="connsiteY132"/>
-              </a:cxn>
-              <a:cxn ang="0">
-                <a:pos x="connsiteX133" y="connsiteY133"/>
-              </a:cxn>
-              <a:cxn ang="0">
-                <a:pos x="connsiteX134" y="connsiteY134"/>
-              </a:cxn>
-              <a:cxn ang="0">
-                <a:pos x="connsiteX135" y="connsiteY135"/>
-              </a:cxn>
-              <a:cxn ang="0">
-                <a:pos x="connsiteX136" y="connsiteY136"/>
-              </a:cxn>
-              <a:cxn ang="0">
-                <a:pos x="connsiteX137" y="connsiteY137"/>
-              </a:cxn>
-              <a:cxn ang="0">
-                <a:pos x="connsiteX138" y="connsiteY138"/>
-              </a:cxn>
-              <a:cxn ang="0">
-                <a:pos x="connsiteX139" y="connsiteY139"/>
-              </a:cxn>
-              <a:cxn ang="0">
-                <a:pos x="connsiteX140" y="connsiteY140"/>
-              </a:cxn>
-              <a:cxn ang="0">
-                <a:pos x="connsiteX141" y="connsiteY141"/>
-              </a:cxn>
-              <a:cxn ang="0">
-                <a:pos x="connsiteX142" y="connsiteY142"/>
-              </a:cxn>
-              <a:cxn ang="0">
-                <a:pos x="connsiteX143" y="connsiteY143"/>
-              </a:cxn>
-              <a:cxn ang="0">
-                <a:pos x="connsiteX144" y="connsiteY144"/>
-              </a:cxn>
-              <a:cxn ang="0">
-                <a:pos x="connsiteX145" y="connsiteY145"/>
-              </a:cxn>
-              <a:cxn ang="0">
-                <a:pos x="connsiteX146" y="connsiteY146"/>
-              </a:cxn>
-              <a:cxn ang="0">
-                <a:pos x="connsiteX147" y="connsiteY147"/>
-              </a:cxn>
-              <a:cxn ang="0">
-                <a:pos x="connsiteX148" y="connsiteY148"/>
-              </a:cxn>
-              <a:cxn ang="0">
-                <a:pos x="connsiteX149" y="connsiteY149"/>
-              </a:cxn>
-              <a:cxn ang="0">
-                <a:pos x="connsiteX150" y="connsiteY150"/>
-              </a:cxn>
-              <a:cxn ang="0">
-                <a:pos x="connsiteX151" y="connsiteY151"/>
-              </a:cxn>
-              <a:cxn ang="0">
-                <a:pos x="connsiteX152" y="connsiteY152"/>
-              </a:cxn>
-              <a:cxn ang="0">
-                <a:pos x="connsiteX153" y="connsiteY153"/>
-              </a:cxn>
-              <a:cxn ang="0">
-                <a:pos x="connsiteX154" y="connsiteY154"/>
-              </a:cxn>
-              <a:cxn ang="0">
-                <a:pos x="connsiteX155" y="connsiteY155"/>
-              </a:cxn>
-              <a:cxn ang="0">
-                <a:pos x="connsiteX156" y="connsiteY156"/>
-              </a:cxn>
-              <a:cxn ang="0">
-                <a:pos x="connsiteX157" y="connsiteY157"/>
-              </a:cxn>
-              <a:cxn ang="0">
-                <a:pos x="connsiteX158" y="connsiteY158"/>
-              </a:cxn>
-              <a:cxn ang="0">
-                <a:pos x="connsiteX159" y="connsiteY159"/>
-              </a:cxn>
-              <a:cxn ang="0">
-                <a:pos x="connsiteX160" y="connsiteY160"/>
-              </a:cxn>
-              <a:cxn ang="0">
-                <a:pos x="connsiteX161" y="connsiteY161"/>
-              </a:cxn>
-              <a:cxn ang="0">
-                <a:pos x="connsiteX162" y="connsiteY162"/>
-              </a:cxn>
-              <a:cxn ang="0">
-                <a:pos x="connsiteX163" y="connsiteY163"/>
-              </a:cxn>
-              <a:cxn ang="0">
-                <a:pos x="connsiteX164" y="connsiteY164"/>
-              </a:cxn>
-              <a:cxn ang="0">
-                <a:pos x="connsiteX165" y="connsiteY165"/>
-              </a:cxn>
-              <a:cxn ang="0">
-                <a:pos x="connsiteX166" y="connsiteY166"/>
-              </a:cxn>
-              <a:cxn ang="0">
-                <a:pos x="connsiteX167" y="connsiteY167"/>
-              </a:cxn>
-              <a:cxn ang="0">
-                <a:pos x="connsiteX168" y="connsiteY168"/>
-              </a:cxn>
-              <a:cxn ang="0">
-                <a:pos x="connsiteX169" y="connsiteY169"/>
-              </a:cxn>
-              <a:cxn ang="0">
-                <a:pos x="connsiteX170" y="connsiteY170"/>
-              </a:cxn>
-              <a:cxn ang="0">
-                <a:pos x="connsiteX171" y="connsiteY171"/>
-              </a:cxn>
-              <a:cxn ang="0">
-                <a:pos x="connsiteX172" y="connsiteY172"/>
-              </a:cxn>
-              <a:cxn ang="0">
-                <a:pos x="connsiteX173" y="connsiteY173"/>
-              </a:cxn>
-              <a:cxn ang="0">
-                <a:pos x="connsiteX174" y="connsiteY174"/>
-              </a:cxn>
-              <a:cxn ang="0">
-                <a:pos x="connsiteX175" y="connsiteY175"/>
-              </a:cxn>
-              <a:cxn ang="0">
-                <a:pos x="connsiteX176" y="connsiteY176"/>
-              </a:cxn>
-              <a:cxn ang="0">
-                <a:pos x="connsiteX177" y="connsiteY177"/>
-              </a:cxn>
-              <a:cxn ang="0">
-                <a:pos x="connsiteX178" y="connsiteY178"/>
-              </a:cxn>
-              <a:cxn ang="0">
-                <a:pos x="connsiteX179" y="connsiteY179"/>
-              </a:cxn>
-              <a:cxn ang="0">
-                <a:pos x="connsiteX180" y="connsiteY180"/>
-              </a:cxn>
-              <a:cxn ang="0">
-                <a:pos x="connsiteX181" y="connsiteY181"/>
-              </a:cxn>
-              <a:cxn ang="0">
-                <a:pos x="connsiteX182" y="connsiteY182"/>
-              </a:cxn>
-              <a:cxn ang="0">
-                <a:pos x="connsiteX183" y="connsiteY183"/>
-              </a:cxn>
-              <a:cxn ang="0">
-                <a:pos x="connsiteX184" y="connsiteY184"/>
-              </a:cxn>
-              <a:cxn ang="0">
-                <a:pos x="connsiteX185" y="connsiteY185"/>
-              </a:cxn>
-              <a:cxn ang="0">
-                <a:pos x="connsiteX186" y="connsiteY186"/>
-              </a:cxn>
-              <a:cxn ang="0">
-                <a:pos x="connsiteX187" y="connsiteY187"/>
-              </a:cxn>
-              <a:cxn ang="0">
-                <a:pos x="connsiteX188" y="connsiteY188"/>
-              </a:cxn>
-              <a:cxn ang="0">
-                <a:pos x="connsiteX189" y="connsiteY189"/>
-              </a:cxn>
-              <a:cxn ang="0">
-                <a:pos x="connsiteX190" y="connsiteY190"/>
-              </a:cxn>
-              <a:cxn ang="0">
-                <a:pos x="connsiteX191" y="connsiteY191"/>
-              </a:cxn>
-              <a:cxn ang="0">
-                <a:pos x="connsiteX192" y="connsiteY192"/>
-              </a:cxn>
-              <a:cxn ang="0">
-                <a:pos x="connsiteX193" y="connsiteY193"/>
-              </a:cxn>
-              <a:cxn ang="0">
-                <a:pos x="connsiteX194" y="connsiteY194"/>
-              </a:cxn>
-              <a:cxn ang="0">
-                <a:pos x="connsiteX195" y="connsiteY195"/>
-              </a:cxn>
-              <a:cxn ang="0">
-                <a:pos x="connsiteX196" y="connsiteY196"/>
-              </a:cxn>
-              <a:cxn ang="0">
-                <a:pos x="connsiteX197" y="connsiteY197"/>
-              </a:cxn>
-              <a:cxn ang="0">
-                <a:pos x="connsiteX198" y="connsiteY198"/>
-              </a:cxn>
-              <a:cxn ang="0">
-                <a:pos x="connsiteX199" y="connsiteY199"/>
-              </a:cxn>
-              <a:cxn ang="0">
-                <a:pos x="connsiteX200" y="connsiteY200"/>
-              </a:cxn>
-              <a:cxn ang="0">
-                <a:pos x="connsiteX201" y="connsiteY201"/>
-              </a:cxn>
-              <a:cxn ang="0">
-                <a:pos x="connsiteX202" y="connsiteY202"/>
-              </a:cxn>
-              <a:cxn ang="0">
-                <a:pos x="connsiteX203" y="connsiteY203"/>
-              </a:cxn>
-              <a:cxn ang="0">
-                <a:pos x="connsiteX204" y="connsiteY204"/>
-              </a:cxn>
-              <a:cxn ang="0">
-                <a:pos x="connsiteX205" y="connsiteY205"/>
-              </a:cxn>
-              <a:cxn ang="0">
-                <a:pos x="connsiteX206" y="connsiteY206"/>
-              </a:cxn>
-              <a:cxn ang="0">
-                <a:pos x="connsiteX207" y="connsiteY207"/>
-              </a:cxn>
-              <a:cxn ang="0">
-                <a:pos x="connsiteX208" y="connsiteY208"/>
-              </a:cxn>
-              <a:cxn ang="0">
-                <a:pos x="connsiteX209" y="connsiteY209"/>
-              </a:cxn>
-              <a:cxn ang="0">
-                <a:pos x="connsiteX210" y="connsiteY210"/>
-              </a:cxn>
-              <a:cxn ang="0">
-                <a:pos x="connsiteX211" y="connsiteY211"/>
-              </a:cxn>
-              <a:cxn ang="0">
-                <a:pos x="connsiteX212" y="connsiteY212"/>
-              </a:cxn>
-              <a:cxn ang="0">
-                <a:pos x="connsiteX213" y="connsiteY213"/>
-              </a:cxn>
-              <a:cxn ang="0">
-                <a:pos x="connsiteX214" y="connsiteY214"/>
-              </a:cxn>
-              <a:cxn ang="0">
-                <a:pos x="connsiteX215" y="connsiteY215"/>
-              </a:cxn>
-              <a:cxn ang="0">
-                <a:pos x="connsiteX216" y="connsiteY216"/>
-              </a:cxn>
-              <a:cxn ang="0">
-                <a:pos x="connsiteX217" y="connsiteY217"/>
-              </a:cxn>
-              <a:cxn ang="0">
-                <a:pos x="connsiteX218" y="connsiteY218"/>
-              </a:cxn>
-              <a:cxn ang="0">
-                <a:pos x="connsiteX219" y="connsiteY219"/>
-              </a:cxn>
-              <a:cxn ang="0">
-                <a:pos x="connsiteX220" y="connsiteY220"/>
-              </a:cxn>
-              <a:cxn ang="0">
-                <a:pos x="connsiteX221" y="connsiteY221"/>
-              </a:cxn>
-              <a:cxn ang="0">
-                <a:pos x="connsiteX222" y="connsiteY222"/>
-              </a:cxn>
-              <a:cxn ang="0">
-                <a:pos x="connsiteX223" y="connsiteY223"/>
-              </a:cxn>
-              <a:cxn ang="0">
-                <a:pos x="connsiteX224" y="connsiteY224"/>
-              </a:cxn>
-              <a:cxn ang="0">
-                <a:pos x="connsiteX225" y="connsiteY225"/>
-              </a:cxn>
-              <a:cxn ang="0">
-                <a:pos x="connsiteX226" y="connsiteY226"/>
-              </a:cxn>
-              <a:cxn ang="0">
-                <a:pos x="connsiteX227" y="connsiteY227"/>
-              </a:cxn>
-              <a:cxn ang="0">
-                <a:pos x="connsiteX228" y="connsiteY228"/>
-              </a:cxn>
-              <a:cxn ang="0">
-                <a:pos x="connsiteX229" y="connsiteY229"/>
-              </a:cxn>
-              <a:cxn ang="0">
-                <a:pos x="connsiteX230" y="connsiteY230"/>
-              </a:cxn>
-              <a:cxn ang="0">
-                <a:pos x="connsiteX231" y="connsiteY231"/>
-              </a:cxn>
-              <a:cxn ang="0">
-                <a:pos x="connsiteX232" y="connsiteY232"/>
-              </a:cxn>
-              <a:cxn ang="0">
-                <a:pos x="connsiteX233" y="connsiteY233"/>
-              </a:cxn>
-              <a:cxn ang="0">
-                <a:pos x="connsiteX234" y="connsiteY234"/>
-              </a:cxn>
-              <a:cxn ang="0">
-                <a:pos x="connsiteX235" y="connsiteY235"/>
-              </a:cxn>
-              <a:cxn ang="0">
-                <a:pos x="connsiteX236" y="connsiteY236"/>
-              </a:cxn>
-              <a:cxn ang="0">
-                <a:pos x="connsiteX237" y="connsiteY237"/>
-              </a:cxn>
-              <a:cxn ang="0">
-                <a:pos x="connsiteX238" y="connsiteY238"/>
-              </a:cxn>
-              <a:cxn ang="0">
-                <a:pos x="connsiteX239" y="connsiteY239"/>
-              </a:cxn>
-              <a:cxn ang="0">
-                <a:pos x="connsiteX240" y="connsiteY240"/>
-              </a:cxn>
-              <a:cxn ang="0">
-                <a:pos x="connsiteX241" y="connsiteY241"/>
-              </a:cxn>
-              <a:cxn ang="0">
-                <a:pos x="connsiteX242" y="connsiteY242"/>
-              </a:cxn>
-              <a:cxn ang="0">
-                <a:pos x="connsiteX243" y="connsiteY243"/>
-              </a:cxn>
-              <a:cxn ang="0">
-                <a:pos x="connsiteX244" y="connsiteY244"/>
-              </a:cxn>
-              <a:cxn ang="0">
-                <a:pos x="connsiteX245" y="connsiteY245"/>
-              </a:cxn>
-              <a:cxn ang="0">
-                <a:pos x="connsiteX246" y="connsiteY246"/>
-              </a:cxn>
-              <a:cxn ang="0">
-                <a:pos x="connsiteX247" y="connsiteY247"/>
-              </a:cxn>
-              <a:cxn ang="0">
-                <a:pos x="connsiteX248" y="connsiteY248"/>
-              </a:cxn>
-              <a:cxn ang="0">
-                <a:pos x="connsiteX249" y="connsiteY249"/>
-              </a:cxn>
-              <a:cxn ang="0">
-                <a:pos x="connsiteX250" y="connsiteY250"/>
-              </a:cxn>
-              <a:cxn ang="0">
-                <a:pos x="connsiteX251" y="connsiteY251"/>
-              </a:cxn>
-              <a:cxn ang="0">
-                <a:pos x="connsiteX252" y="connsiteY252"/>
-              </a:cxn>
-              <a:cxn ang="0">
-                <a:pos x="connsiteX253" y="connsiteY253"/>
-              </a:cxn>
-              <a:cxn ang="0">
-                <a:pos x="connsiteX254" y="connsiteY254"/>
-              </a:cxn>
-              <a:cxn ang="0">
-                <a:pos x="connsiteX255" y="connsiteY255"/>
-              </a:cxn>
-              <a:cxn ang="0">
-                <a:pos x="connsiteX256" y="connsiteY256"/>
-              </a:cxn>
-              <a:cxn ang="0">
-                <a:pos x="connsiteX257" y="connsiteY257"/>
-              </a:cxn>
-              <a:cxn ang="0">
-                <a:pos x="connsiteX258" y="connsiteY258"/>
-              </a:cxn>
-              <a:cxn ang="0">
-                <a:pos x="connsiteX259" y="connsiteY259"/>
-              </a:cxn>
-              <a:cxn ang="0">
-                <a:pos x="connsiteX260" y="connsiteY260"/>
-              </a:cxn>
-              <a:cxn ang="0">
-                <a:pos x="connsiteX261" y="connsiteY261"/>
-              </a:cxn>
-              <a:cxn ang="0">
-                <a:pos x="connsiteX262" y="connsiteY262"/>
-              </a:cxn>
-              <a:cxn ang="0">
-                <a:pos x="connsiteX263" y="connsiteY263"/>
-              </a:cxn>
-              <a:cxn ang="0">
-                <a:pos x="connsiteX264" y="connsiteY264"/>
-              </a:cxn>
-              <a:cxn ang="0">
-                <a:pos x="connsiteX265" y="connsiteY265"/>
-              </a:cxn>
-              <a:cxn ang="0">
-                <a:pos x="connsiteX266" y="connsiteY266"/>
-              </a:cxn>
-              <a:cxn ang="0">
-                <a:pos x="connsiteX267" y="connsiteY267"/>
-              </a:cxn>
-              <a:cxn ang="0">
-                <a:pos x="connsiteX268" y="connsiteY268"/>
-              </a:cxn>
-              <a:cxn ang="0">
-                <a:pos x="connsiteX269" y="connsiteY269"/>
-              </a:cxn>
-              <a:cxn ang="0">
-                <a:pos x="connsiteX270" y="connsiteY270"/>
-              </a:cxn>
-              <a:cxn ang="0">
-                <a:pos x="connsiteX271" y="connsiteY271"/>
-              </a:cxn>
-              <a:cxn ang="0">
-                <a:pos x="connsiteX272" y="connsiteY272"/>
-              </a:cxn>
-              <a:cxn ang="0">
-                <a:pos x="connsiteX273" y="connsiteY273"/>
-              </a:cxn>
-              <a:cxn ang="0">
-                <a:pos x="connsiteX274" y="connsiteY274"/>
-              </a:cxn>
-              <a:cxn ang="0">
-                <a:pos x="connsiteX275" y="connsiteY275"/>
-              </a:cxn>
-              <a:cxn ang="0">
-                <a:pos x="connsiteX276" y="connsiteY276"/>
-              </a:cxn>
-              <a:cxn ang="0">
-                <a:pos x="connsiteX277" y="connsiteY277"/>
-              </a:cxn>
-              <a:cxn ang="0">
-                <a:pos x="connsiteX278" y="connsiteY278"/>
-              </a:cxn>
-              <a:cxn ang="0">
-                <a:pos x="connsiteX279" y="connsiteY279"/>
-              </a:cxn>
-              <a:cxn ang="0">
-                <a:pos x="connsiteX280" y="connsiteY280"/>
-              </a:cxn>
-              <a:cxn ang="0">
-                <a:pos x="connsiteX281" y="connsiteY281"/>
-              </a:cxn>
-              <a:cxn ang="0">
-                <a:pos x="connsiteX282" y="connsiteY282"/>
-              </a:cxn>
-              <a:cxn ang="0">
-                <a:pos x="connsiteX283" y="connsiteY283"/>
-              </a:cxn>
-              <a:cxn ang="0">
-                <a:pos x="connsiteX284" y="connsiteY284"/>
-              </a:cxn>
-              <a:cxn ang="0">
-                <a:pos x="connsiteX285" y="connsiteY285"/>
-              </a:cxn>
-              <a:cxn ang="0">
-                <a:pos x="connsiteX286" y="connsiteY286"/>
-              </a:cxn>
-              <a:cxn ang="0">
-                <a:pos x="connsiteX287" y="connsiteY287"/>
-              </a:cxn>
-              <a:cxn ang="0">
-                <a:pos x="connsiteX288" y="connsiteY288"/>
-              </a:cxn>
-              <a:cxn ang="0">
-                <a:pos x="connsiteX289" y="connsiteY289"/>
-              </a:cxn>
-              <a:cxn ang="0">
-                <a:pos x="connsiteX290" y="connsiteY290"/>
-              </a:cxn>
-              <a:cxn ang="0">
-                <a:pos x="connsiteX291" y="connsiteY291"/>
-              </a:cxn>
-              <a:cxn ang="0">
-                <a:pos x="connsiteX292" y="connsiteY292"/>
-              </a:cxn>
-              <a:cxn ang="0">
-                <a:pos x="connsiteX293" y="connsiteY293"/>
-              </a:cxn>
-              <a:cxn ang="0">
-                <a:pos x="connsiteX294" y="connsiteY294"/>
-              </a:cxn>
-              <a:cxn ang="0">
-                <a:pos x="connsiteX295" y="connsiteY295"/>
-              </a:cxn>
-              <a:cxn ang="0">
-                <a:pos x="connsiteX296" y="connsiteY296"/>
-              </a:cxn>
-              <a:cxn ang="0">
-                <a:pos x="connsiteX297" y="connsiteY297"/>
-              </a:cxn>
-              <a:cxn ang="0">
-                <a:pos x="connsiteX298" y="connsiteY298"/>
-              </a:cxn>
-              <a:cxn ang="0">
-                <a:pos x="connsiteX299" y="connsiteY299"/>
-              </a:cxn>
-              <a:cxn ang="0">
-                <a:pos x="connsiteX300" y="connsiteY300"/>
-              </a:cxn>
-              <a:cxn ang="0">
-                <a:pos x="connsiteX301" y="connsiteY301"/>
-              </a:cxn>
-              <a:cxn ang="0">
-                <a:pos x="connsiteX302" y="connsiteY302"/>
-              </a:cxn>
-              <a:cxn ang="0">
-                <a:pos x="connsiteX303" y="connsiteY303"/>
-              </a:cxn>
-              <a:cxn ang="0">
-                <a:pos x="connsiteX304" y="connsiteY304"/>
-              </a:cxn>
-              <a:cxn ang="0">
-                <a:pos x="connsiteX305" y="connsiteY305"/>
-              </a:cxn>
-              <a:cxn ang="0">
-                <a:pos x="connsiteX306" y="connsiteY306"/>
-              </a:cxn>
-              <a:cxn ang="0">
-                <a:pos x="connsiteX307" y="connsiteY307"/>
-              </a:cxn>
-              <a:cxn ang="0">
-                <a:pos x="connsiteX308" y="connsiteY308"/>
-              </a:cxn>
-              <a:cxn ang="0">
-                <a:pos x="connsiteX309" y="connsiteY309"/>
-              </a:cxn>
-              <a:cxn ang="0">
-                <a:pos x="connsiteX310" y="connsiteY310"/>
-              </a:cxn>
-              <a:cxn ang="0">
-                <a:pos x="connsiteX311" y="connsiteY311"/>
-              </a:cxn>
-              <a:cxn ang="0">
-                <a:pos x="connsiteX312" y="connsiteY312"/>
-              </a:cxn>
-              <a:cxn ang="0">
-                <a:pos x="connsiteX313" y="connsiteY313"/>
-              </a:cxn>
-              <a:cxn ang="0">
-                <a:pos x="connsiteX314" y="connsiteY314"/>
-              </a:cxn>
-              <a:cxn ang="0">
-                <a:pos x="connsiteX315" y="connsiteY315"/>
-              </a:cxn>
-              <a:cxn ang="0">
-                <a:pos x="connsiteX316" y="connsiteY316"/>
-              </a:cxn>
-              <a:cxn ang="0">
-                <a:pos x="connsiteX317" y="connsiteY317"/>
-              </a:cxn>
-              <a:cxn ang="0">
-                <a:pos x="connsiteX318" y="connsiteY318"/>
-              </a:cxn>
-              <a:cxn ang="0">
-                <a:pos x="connsiteX319" y="connsiteY319"/>
-              </a:cxn>
-              <a:cxn ang="0">
-                <a:pos x="connsiteX320" y="connsiteY320"/>
-              </a:cxn>
-              <a:cxn ang="0">
-                <a:pos x="connsiteX321" y="connsiteY321"/>
-              </a:cxn>
-              <a:cxn ang="0">
-                <a:pos x="connsiteX322" y="connsiteY322"/>
-              </a:cxn>
-              <a:cxn ang="0">
-                <a:pos x="connsiteX323" y="connsiteY323"/>
-              </a:cxn>
-              <a:cxn ang="0">
-                <a:pos x="connsiteX324" y="connsiteY324"/>
-              </a:cxn>
-              <a:cxn ang="0">
-                <a:pos x="connsiteX325" y="connsiteY325"/>
-              </a:cxn>
-              <a:cxn ang="0">
-                <a:pos x="connsiteX326" y="connsiteY326"/>
-              </a:cxn>
-              <a:cxn ang="0">
-                <a:pos x="connsiteX327" y="connsiteY327"/>
-              </a:cxn>
-              <a:cxn ang="0">
-                <a:pos x="connsiteX328" y="connsiteY328"/>
-              </a:cxn>
-              <a:cxn ang="0">
-                <a:pos x="connsiteX329" y="connsiteY329"/>
-              </a:cxn>
-              <a:cxn ang="0">
-                <a:pos x="connsiteX330" y="connsiteY330"/>
-              </a:cxn>
-              <a:cxn ang="0">
-                <a:pos x="connsiteX331" y="connsiteY331"/>
-              </a:cxn>
-              <a:cxn ang="0">
-                <a:pos x="connsiteX332" y="connsiteY332"/>
-              </a:cxn>
-              <a:cxn ang="0">
-                <a:pos x="connsiteX333" y="connsiteY333"/>
-              </a:cxn>
-              <a:cxn ang="0">
-                <a:pos x="connsiteX334" y="connsiteY334"/>
-              </a:cxn>
-              <a:cxn ang="0">
-                <a:pos x="connsiteX335" y="connsiteY335"/>
-              </a:cxn>
-              <a:cxn ang="0">
-                <a:pos x="connsiteX336" y="connsiteY336"/>
-              </a:cxn>
-              <a:cxn ang="0">
-                <a:pos x="connsiteX337" y="connsiteY337"/>
-              </a:cxn>
-              <a:cxn ang="0">
-                <a:pos x="connsiteX338" y="connsiteY338"/>
-              </a:cxn>
-              <a:cxn ang="0">
-                <a:pos x="connsiteX339" y="connsiteY339"/>
-              </a:cxn>
-              <a:cxn ang="0">
-                <a:pos x="connsiteX340" y="connsiteY340"/>
-              </a:cxn>
-              <a:cxn ang="0">
-                <a:pos x="connsiteX341" y="connsiteY341"/>
-              </a:cxn>
-              <a:cxn ang="0">
-                <a:pos x="connsiteX342" y="connsiteY342"/>
-              </a:cxn>
-              <a:cxn ang="0">
-                <a:pos x="connsiteX343" y="connsiteY343"/>
-              </a:cxn>
-              <a:cxn ang="0">
-                <a:pos x="connsiteX344" y="connsiteY344"/>
-              </a:cxn>
-              <a:cxn ang="0">
-                <a:pos x="connsiteX345" y="connsiteY345"/>
-              </a:cxn>
-              <a:cxn ang="0">
-                <a:pos x="connsiteX346" y="connsiteY346"/>
-              </a:cxn>
-              <a:cxn ang="0">
-                <a:pos x="connsiteX347" y="connsiteY347"/>
-              </a:cxn>
-              <a:cxn ang="0">
-                <a:pos x="connsiteX348" y="connsiteY348"/>
-              </a:cxn>
-              <a:cxn ang="0">
-                <a:pos x="connsiteX349" y="connsiteY349"/>
-              </a:cxn>
-              <a:cxn ang="0">
-                <a:pos x="connsiteX350" y="connsiteY350"/>
-              </a:cxn>
-              <a:cxn ang="0">
-                <a:pos x="connsiteX351" y="connsiteY351"/>
-              </a:cxn>
-              <a:cxn ang="0">
-                <a:pos x="connsiteX352" y="connsiteY352"/>
-              </a:cxn>
-              <a:cxn ang="0">
-                <a:pos x="connsiteX353" y="connsiteY353"/>
-              </a:cxn>
-              <a:cxn ang="0">
-                <a:pos x="connsiteX354" y="connsiteY354"/>
-              </a:cxn>
-              <a:cxn ang="0">
-                <a:pos x="connsiteX355" y="connsiteY355"/>
-              </a:cxn>
-              <a:cxn ang="0">
-                <a:pos x="connsiteX356" y="connsiteY356"/>
-              </a:cxn>
-              <a:cxn ang="0">
-                <a:pos x="connsiteX357" y="connsiteY357"/>
-              </a:cxn>
-              <a:cxn ang="0">
-                <a:pos x="connsiteX358" y="connsiteY358"/>
-              </a:cxn>
-              <a:cxn ang="0">
-                <a:pos x="connsiteX359" y="connsiteY359"/>
-              </a:cxn>
-              <a:cxn ang="0">
-                <a:pos x="connsiteX360" y="connsiteY360"/>
-              </a:cxn>
-              <a:cxn ang="0">
-                <a:pos x="connsiteX361" y="connsiteY361"/>
-              </a:cxn>
-              <a:cxn ang="0">
-                <a:pos x="connsiteX362" y="connsiteY362"/>
-              </a:cxn>
-              <a:cxn ang="0">
-                <a:pos x="connsiteX363" y="connsiteY363"/>
-              </a:cxn>
-              <a:cxn ang="0">
-                <a:pos x="connsiteX364" y="connsiteY364"/>
-              </a:cxn>
-              <a:cxn ang="0">
-                <a:pos x="connsiteX365" y="connsiteY365"/>
-              </a:cxn>
-              <a:cxn ang="0">
-                <a:pos x="connsiteX366" y="connsiteY366"/>
-              </a:cxn>
-              <a:cxn ang="0">
-                <a:pos x="connsiteX367" y="connsiteY367"/>
-              </a:cxn>
-              <a:cxn ang="0">
-                <a:pos x="connsiteX368" y="connsiteY368"/>
-              </a:cxn>
-              <a:cxn ang="0">
-                <a:pos x="connsiteX369" y="connsiteY369"/>
-              </a:cxn>
-              <a:cxn ang="0">
-                <a:pos x="connsiteX370" y="connsiteY370"/>
-              </a:cxn>
-              <a:cxn ang="0">
-                <a:pos x="connsiteX371" y="connsiteY371"/>
-              </a:cxn>
-              <a:cxn ang="0">
-                <a:pos x="connsiteX372" y="connsiteY372"/>
-              </a:cxn>
-              <a:cxn ang="0">
-                <a:pos x="connsiteX373" y="connsiteY373"/>
-              </a:cxn>
-              <a:cxn ang="0">
-                <a:pos x="connsiteX374" y="connsiteY374"/>
-              </a:cxn>
-              <a:cxn ang="0">
-                <a:pos x="connsiteX375" y="connsiteY375"/>
-              </a:cxn>
-              <a:cxn ang="0">
-                <a:pos x="connsiteX376" y="connsiteY376"/>
-              </a:cxn>
-              <a:cxn ang="0">
-                <a:pos x="connsiteX377" y="connsiteY377"/>
-              </a:cxn>
-              <a:cxn ang="0">
-                <a:pos x="connsiteX378" y="connsiteY378"/>
-              </a:cxn>
-              <a:cxn ang="0">
-                <a:pos x="connsiteX379" y="connsiteY379"/>
-              </a:cxn>
-              <a:cxn ang="0">
-                <a:pos x="connsiteX380" y="connsiteY380"/>
-              </a:cxn>
-              <a:cxn ang="0">
-                <a:pos x="connsiteX381" y="connsiteY381"/>
-              </a:cxn>
-              <a:cxn ang="0">
-                <a:pos x="connsiteX382" y="connsiteY382"/>
-              </a:cxn>
-              <a:cxn ang="0">
-                <a:pos x="connsiteX383" y="connsiteY383"/>
-              </a:cxn>
-              <a:cxn ang="0">
-                <a:pos x="connsiteX384" y="connsiteY384"/>
-              </a:cxn>
-              <a:cxn ang="0">
-                <a:pos x="connsiteX385" y="connsiteY385"/>
-              </a:cxn>
-              <a:cxn ang="0">
-                <a:pos x="connsiteX386" y="connsiteY386"/>
-              </a:cxn>
-              <a:cxn ang="0">
-                <a:pos x="connsiteX387" y="connsiteY387"/>
-              </a:cxn>
-              <a:cxn ang="0">
-                <a:pos x="connsiteX388" y="connsiteY388"/>
-              </a:cxn>
-              <a:cxn ang="0">
-                <a:pos x="connsiteX389" y="connsiteY389"/>
-              </a:cxn>
-              <a:cxn ang="0">
-                <a:pos x="connsiteX390" y="connsiteY390"/>
-              </a:cxn>
-              <a:cxn ang="0">
-                <a:pos x="connsiteX391" y="connsiteY391"/>
-              </a:cxn>
-              <a:cxn ang="0">
-                <a:pos x="connsiteX392" y="connsiteY392"/>
-              </a:cxn>
-              <a:cxn ang="0">
-                <a:pos x="connsiteX393" y="connsiteY393"/>
-              </a:cxn>
-              <a:cxn ang="0">
-                <a:pos x="connsiteX394" y="connsiteY394"/>
-              </a:cxn>
-              <a:cxn ang="0">
-                <a:pos x="connsiteX395" y="connsiteY395"/>
-              </a:cxn>
-              <a:cxn ang="0">
-                <a:pos x="connsiteX396" y="connsiteY396"/>
-              </a:cxn>
-              <a:cxn ang="0">
-                <a:pos x="connsiteX397" y="connsiteY397"/>
-              </a:cxn>
-              <a:cxn ang="0">
-                <a:pos x="connsiteX398" y="connsiteY398"/>
-              </a:cxn>
-              <a:cxn ang="0">
-                <a:pos x="connsiteX399" y="connsiteY399"/>
-              </a:cxn>
-              <a:cxn ang="0">
-                <a:pos x="connsiteX400" y="connsiteY400"/>
-              </a:cxn>
-              <a:cxn ang="0">
-                <a:pos x="connsiteX401" y="connsiteY401"/>
-              </a:cxn>
-              <a:cxn ang="0">
-                <a:pos x="connsiteX402" y="connsiteY402"/>
-              </a:cxn>
-              <a:cxn ang="0">
-                <a:pos x="connsiteX403" y="connsiteY403"/>
-              </a:cxn>
-              <a:cxn ang="0">
-                <a:pos x="connsiteX404" y="connsiteY404"/>
-              </a:cxn>
-              <a:cxn ang="0">
-                <a:pos x="connsiteX405" y="connsiteY405"/>
-              </a:cxn>
-              <a:cxn ang="0">
-                <a:pos x="connsiteX406" y="connsiteY406"/>
-              </a:cxn>
-              <a:cxn ang="0">
-                <a:pos x="connsiteX407" y="connsiteY407"/>
-              </a:cxn>
-              <a:cxn ang="0">
-                <a:pos x="connsiteX408" y="connsiteY408"/>
-              </a:cxn>
-              <a:cxn ang="0">
-                <a:pos x="connsiteX409" y="connsiteY409"/>
-              </a:cxn>
-              <a:cxn ang="0">
-                <a:pos x="connsiteX410" y="connsiteY410"/>
-              </a:cxn>
-              <a:cxn ang="0">
-                <a:pos x="connsiteX411" y="connsiteY411"/>
-              </a:cxn>
-              <a:cxn ang="0">
-                <a:pos x="connsiteX412" y="connsiteY412"/>
-              </a:cxn>
-              <a:cxn ang="0">
-                <a:pos x="connsiteX413" y="connsiteY413"/>
-              </a:cxn>
-              <a:cxn ang="0">
-                <a:pos x="connsiteX414" y="connsiteY414"/>
-              </a:cxn>
-              <a:cxn ang="0">
-                <a:pos x="connsiteX415" y="connsiteY415"/>
-              </a:cxn>
-              <a:cxn ang="0">
-                <a:pos x="connsiteX416" y="connsiteY416"/>
-              </a:cxn>
-              <a:cxn ang="0">
-                <a:pos x="connsiteX417" y="connsiteY417"/>
-              </a:cxn>
-              <a:cxn ang="0">
-                <a:pos x="connsiteX418" y="connsiteY418"/>
-              </a:cxn>
-              <a:cxn ang="0">
-                <a:pos x="connsiteX419" y="connsiteY419"/>
-              </a:cxn>
-              <a:cxn ang="0">
-                <a:pos x="connsiteX420" y="connsiteY420"/>
-              </a:cxn>
-              <a:cxn ang="0">
-                <a:pos x="connsiteX421" y="connsiteY421"/>
-              </a:cxn>
-              <a:cxn ang="0">
-                <a:pos x="connsiteX422" y="connsiteY422"/>
-              </a:cxn>
-              <a:cxn ang="0">
-                <a:pos x="connsiteX423" y="connsiteY423"/>
-              </a:cxn>
-              <a:cxn ang="0">
-                <a:pos x="connsiteX424" y="connsiteY424"/>
-              </a:cxn>
-              <a:cxn ang="0">
-                <a:pos x="connsiteX425" y="connsiteY425"/>
-              </a:cxn>
-              <a:cxn ang="0">
-                <a:pos x="connsiteX426" y="connsiteY426"/>
-              </a:cxn>
-              <a:cxn ang="0">
-                <a:pos x="connsiteX427" y="connsiteY427"/>
-              </a:cxn>
-              <a:cxn ang="0">
-                <a:pos x="connsiteX428" y="connsiteY428"/>
-              </a:cxn>
-              <a:cxn ang="0">
-                <a:pos x="connsiteX429" y="connsiteY429"/>
-              </a:cxn>
-              <a:cxn ang="0">
-                <a:pos x="connsiteX430" y="connsiteY430"/>
-              </a:cxn>
-              <a:cxn ang="0">
-                <a:pos x="connsiteX431" y="connsiteY431"/>
-              </a:cxn>
-              <a:cxn ang="0">
-                <a:pos x="connsiteX432" y="connsiteY432"/>
-              </a:cxn>
-              <a:cxn ang="0">
-                <a:pos x="connsiteX433" y="connsiteY433"/>
-              </a:cxn>
-              <a:cxn ang="0">
-                <a:pos x="connsiteX434" y="connsiteY434"/>
-              </a:cxn>
-              <a:cxn ang="0">
-                <a:pos x="connsiteX435" y="connsiteY435"/>
-              </a:cxn>
-              <a:cxn ang="0">
-                <a:pos x="connsiteX436" y="connsiteY436"/>
-              </a:cxn>
-              <a:cxn ang="0">
-                <a:pos x="connsiteX437" y="connsiteY437"/>
-              </a:cxn>
-              <a:cxn ang="0">
-                <a:pos x="connsiteX438" y="connsiteY438"/>
-              </a:cxn>
-              <a:cxn ang="0">
-                <a:pos x="connsiteX439" y="connsiteY439"/>
-              </a:cxn>
-              <a:cxn ang="0">
-                <a:pos x="connsiteX440" y="connsiteY440"/>
-              </a:cxn>
-              <a:cxn ang="0">
-                <a:pos x="connsiteX441" y="connsiteY441"/>
-              </a:cxn>
-              <a:cxn ang="0">
-                <a:pos x="connsiteX442" y="connsiteY442"/>
-              </a:cxn>
-              <a:cxn ang="0">
-                <a:pos x="connsiteX443" y="connsiteY443"/>
-              </a:cxn>
-              <a:cxn ang="0">
-                <a:pos x="connsiteX444" y="connsiteY444"/>
-              </a:cxn>
-              <a:cxn ang="0">
-                <a:pos x="connsiteX445" y="connsiteY445"/>
-              </a:cxn>
-              <a:cxn ang="0">
-                <a:pos x="connsiteX446" y="connsiteY446"/>
-              </a:cxn>
-              <a:cxn ang="0">
-                <a:pos x="connsiteX447" y="connsiteY447"/>
-              </a:cxn>
-              <a:cxn ang="0">
-                <a:pos x="connsiteX448" y="connsiteY448"/>
-              </a:cxn>
-              <a:cxn ang="0">
-                <a:pos x="connsiteX449" y="connsiteY449"/>
-              </a:cxn>
-              <a:cxn ang="0">
-                <a:pos x="connsiteX450" y="connsiteY450"/>
-              </a:cxn>
-              <a:cxn ang="0">
-                <a:pos x="connsiteX451" y="connsiteY451"/>
-              </a:cxn>
-              <a:cxn ang="0">
-                <a:pos x="connsiteX452" y="connsiteY452"/>
-              </a:cxn>
-              <a:cxn ang="0">
-                <a:pos x="connsiteX453" y="connsiteY453"/>
-              </a:cxn>
-              <a:cxn ang="0">
-                <a:pos x="connsiteX454" y="connsiteY454"/>
-              </a:cxn>
-              <a:cxn ang="0">
-                <a:pos x="connsiteX455" y="connsiteY455"/>
-              </a:cxn>
-              <a:cxn ang="0">
-                <a:pos x="connsiteX456" y="connsiteY456"/>
-              </a:cxn>
-              <a:cxn ang="0">
-                <a:pos x="connsiteX457" y="connsiteY457"/>
-              </a:cxn>
-              <a:cxn ang="0">
-                <a:pos x="connsiteX458" y="connsiteY458"/>
-              </a:cxn>
-              <a:cxn ang="0">
-                <a:pos x="connsiteX459" y="connsiteY459"/>
-              </a:cxn>
-              <a:cxn ang="0">
-                <a:pos x="connsiteX460" y="connsiteY460"/>
-              </a:cxn>
-              <a:cxn ang="0">
-                <a:pos x="connsiteX461" y="connsiteY461"/>
-              </a:cxn>
-              <a:cxn ang="0">
-                <a:pos x="connsiteX462" y="connsiteY462"/>
-              </a:cxn>
-              <a:cxn ang="0">
-                <a:pos x="connsiteX463" y="connsiteY463"/>
-              </a:cxn>
-              <a:cxn ang="0">
-                <a:pos x="connsiteX464" y="connsiteY464"/>
-              </a:cxn>
-              <a:cxn ang="0">
-                <a:pos x="connsiteX465" y="connsiteY465"/>
-              </a:cxn>
-              <a:cxn ang="0">
-                <a:pos x="connsiteX466" y="connsiteY466"/>
-              </a:cxn>
-              <a:cxn ang="0">
-                <a:pos x="connsiteX467" y="connsiteY467"/>
-              </a:cxn>
-              <a:cxn ang="0">
-                <a:pos x="connsiteX468" y="connsiteY468"/>
-              </a:cxn>
-              <a:cxn ang="0">
-                <a:pos x="connsiteX469" y="connsiteY469"/>
-              </a:cxn>
-              <a:cxn ang="0">
-                <a:pos x="connsiteX470" y="connsiteY470"/>
-              </a:cxn>
-              <a:cxn ang="0">
-                <a:pos x="connsiteX471" y="connsiteY471"/>
-              </a:cxn>
-              <a:cxn ang="0">
-                <a:pos x="connsiteX472" y="connsiteY472"/>
-              </a:cxn>
-              <a:cxn ang="0">
-                <a:pos x="connsiteX473" y="connsiteY473"/>
-              </a:cxn>
-              <a:cxn ang="0">
-                <a:pos x="connsiteX474" y="connsiteY474"/>
-              </a:cxn>
-              <a:cxn ang="0">
-                <a:pos x="connsiteX475" y="connsiteY475"/>
-              </a:cxn>
-              <a:cxn ang="0">
-                <a:pos x="connsiteX476" y="connsiteY476"/>
-              </a:cxn>
-              <a:cxn ang="0">
-                <a:pos x="connsiteX477" y="connsiteY477"/>
-              </a:cxn>
-              <a:cxn ang="0">
-                <a:pos x="connsiteX478" y="connsiteY478"/>
-              </a:cxn>
-              <a:cxn ang="0">
-                <a:pos x="connsiteX479" y="connsiteY479"/>
-              </a:cxn>
-              <a:cxn ang="0">
-                <a:pos x="connsiteX480" y="connsiteY480"/>
-              </a:cxn>
-              <a:cxn ang="0">
-                <a:pos x="connsiteX481" y="connsiteY481"/>
-              </a:cxn>
-              <a:cxn ang="0">
-                <a:pos x="connsiteX482" y="connsiteY482"/>
-              </a:cxn>
-              <a:cxn ang="0">
-                <a:pos x="connsiteX483" y="connsiteY483"/>
-              </a:cxn>
-              <a:cxn ang="0">
-                <a:pos x="connsiteX484" y="connsiteY484"/>
-              </a:cxn>
-              <a:cxn ang="0">
-                <a:pos x="connsiteX485" y="connsiteY485"/>
-              </a:cxn>
-              <a:cxn ang="0">
-                <a:pos x="connsiteX486" y="connsiteY486"/>
-              </a:cxn>
-              <a:cxn ang="0">
-                <a:pos x="connsiteX487" y="connsiteY487"/>
-              </a:cxn>
-              <a:cxn ang="0">
-                <a:pos x="connsiteX488" y="connsiteY488"/>
-              </a:cxn>
-              <a:cxn ang="0">
-                <a:pos x="connsiteX489" y="connsiteY489"/>
-              </a:cxn>
-              <a:cxn ang="0">
-                <a:pos x="connsiteX490" y="connsiteY490"/>
-              </a:cxn>
-              <a:cxn ang="0">
-                <a:pos x="connsiteX491" y="connsiteY491"/>
-              </a:cxn>
-              <a:cxn ang="0">
-                <a:pos x="connsiteX492" y="connsiteY492"/>
-              </a:cxn>
-              <a:cxn ang="0">
-                <a:pos x="connsiteX493" y="connsiteY493"/>
-              </a:cxn>
-              <a:cxn ang="0">
-                <a:pos x="connsiteX494" y="connsiteY494"/>
-              </a:cxn>
-              <a:cxn ang="0">
-                <a:pos x="connsiteX495" y="connsiteY495"/>
-              </a:cxn>
-              <a:cxn ang="0">
-                <a:pos x="connsiteX496" y="connsiteY496"/>
-              </a:cxn>
-              <a:cxn ang="0">
-                <a:pos x="connsiteX497" y="connsiteY497"/>
-              </a:cxn>
-              <a:cxn ang="0">
-                <a:pos x="connsiteX498" y="connsiteY498"/>
-              </a:cxn>
-              <a:cxn ang="0">
-                <a:pos x="connsiteX499" y="connsiteY499"/>
-              </a:cxn>
-              <a:cxn ang="0">
-                <a:pos x="connsiteX500" y="connsiteY500"/>
-              </a:cxn>
-              <a:cxn ang="0">
-                <a:pos x="connsiteX501" y="connsiteY501"/>
-              </a:cxn>
-              <a:cxn ang="0">
-                <a:pos x="connsiteX502" y="connsiteY502"/>
-              </a:cxn>
-              <a:cxn ang="0">
-                <a:pos x="connsiteX503" y="connsiteY503"/>
-              </a:cxn>
-              <a:cxn ang="0">
-                <a:pos x="connsiteX504" y="connsiteY504"/>
-              </a:cxn>
-              <a:cxn ang="0">
-                <a:pos x="connsiteX505" y="connsiteY505"/>
-              </a:cxn>
-              <a:cxn ang="0">
-                <a:pos x="connsiteX506" y="connsiteY506"/>
-              </a:cxn>
-              <a:cxn ang="0">
-                <a:pos x="connsiteX507" y="connsiteY507"/>
-              </a:cxn>
-              <a:cxn ang="0">
-                <a:pos x="connsiteX508" y="connsiteY508"/>
-              </a:cxn>
-              <a:cxn ang="0">
-                <a:pos x="connsiteX509" y="connsiteY509"/>
-              </a:cxn>
-              <a:cxn ang="0">
-                <a:pos x="connsiteX510" y="connsiteY510"/>
-              </a:cxn>
-              <a:cxn ang="0">
-                <a:pos x="connsiteX511" y="connsiteY511"/>
-              </a:cxn>
-              <a:cxn ang="0">
-                <a:pos x="connsiteX512" y="connsiteY512"/>
-              </a:cxn>
-              <a:cxn ang="0">
-                <a:pos x="connsiteX513" y="connsiteY513"/>
-              </a:cxn>
-              <a:cxn ang="0">
-                <a:pos x="connsiteX514" y="connsiteY514"/>
-              </a:cxn>
-              <a:cxn ang="0">
-                <a:pos x="connsiteX515" y="connsiteY515"/>
-              </a:cxn>
-              <a:cxn ang="0">
-                <a:pos x="connsiteX516" y="connsiteY516"/>
-              </a:cxn>
-              <a:cxn ang="0">
-                <a:pos x="connsiteX517" y="connsiteY517"/>
-              </a:cxn>
-              <a:cxn ang="0">
-                <a:pos x="connsiteX518" y="connsiteY518"/>
-              </a:cxn>
-              <a:cxn ang="0">
-                <a:pos x="connsiteX519" y="connsiteY519"/>
-              </a:cxn>
-              <a:cxn ang="0">
-                <a:pos x="connsiteX520" y="connsiteY520"/>
-              </a:cxn>
-              <a:cxn ang="0">
-                <a:pos x="connsiteX521" y="connsiteY521"/>
-              </a:cxn>
-              <a:cxn ang="0">
-                <a:pos x="connsiteX522" y="connsiteY522"/>
-              </a:cxn>
-              <a:cxn ang="0">
-                <a:pos x="connsiteX523" y="connsiteY523"/>
-              </a:cxn>
-              <a:cxn ang="0">
-                <a:pos x="connsiteX524" y="connsiteY524"/>
-              </a:cxn>
-              <a:cxn ang="0">
-                <a:pos x="connsiteX525" y="connsiteY525"/>
-              </a:cxn>
-              <a:cxn ang="0">
-                <a:pos x="connsiteX526" y="connsiteY526"/>
-              </a:cxn>
-              <a:cxn ang="0">
-                <a:pos x="connsiteX527" y="connsiteY527"/>
-              </a:cxn>
-              <a:cxn ang="0">
-                <a:pos x="connsiteX528" y="connsiteY528"/>
-              </a:cxn>
-              <a:cxn ang="0">
-                <a:pos x="connsiteX529" y="connsiteY529"/>
-              </a:cxn>
-              <a:cxn ang="0">
-                <a:pos x="connsiteX530" y="connsiteY530"/>
-              </a:cxn>
-              <a:cxn ang="0">
-                <a:pos x="connsiteX531" y="connsiteY531"/>
-              </a:cxn>
-              <a:cxn ang="0">
-                <a:pos x="connsiteX532" y="connsiteY532"/>
-              </a:cxn>
-              <a:cxn ang="0">
-                <a:pos x="connsiteX533" y="connsiteY533"/>
-              </a:cxn>
-              <a:cxn ang="0">
-                <a:pos x="connsiteX534" y="connsiteY534"/>
-              </a:cxn>
-              <a:cxn ang="0">
-                <a:pos x="connsiteX535" y="connsiteY535"/>
-              </a:cxn>
-              <a:cxn ang="0">
-                <a:pos x="connsiteX536" y="connsiteY536"/>
-              </a:cxn>
-              <a:cxn ang="0">
-                <a:pos x="connsiteX537" y="connsiteY537"/>
-              </a:cxn>
-              <a:cxn ang="0">
-                <a:pos x="connsiteX538" y="connsiteY538"/>
-              </a:cxn>
-              <a:cxn ang="0">
-                <a:pos x="connsiteX539" y="connsiteY539"/>
-              </a:cxn>
-              <a:cxn ang="0">
-                <a:pos x="connsiteX540" y="connsiteY540"/>
-              </a:cxn>
-              <a:cxn ang="0">
-                <a:pos x="connsiteX541" y="connsiteY541"/>
-              </a:cxn>
-              <a:cxn ang="0">
-                <a:pos x="connsiteX542" y="connsiteY542"/>
-              </a:cxn>
-              <a:cxn ang="0">
-                <a:pos x="connsiteX543" y="connsiteY543"/>
-              </a:cxn>
-              <a:cxn ang="0">
-                <a:pos x="connsiteX544" y="connsiteY544"/>
-              </a:cxn>
-              <a:cxn ang="0">
-                <a:pos x="connsiteX545" y="connsiteY545"/>
-              </a:cxn>
-              <a:cxn ang="0">
-                <a:pos x="connsiteX546" y="connsiteY546"/>
-              </a:cxn>
-              <a:cxn ang="0">
-                <a:pos x="connsiteX547" y="connsiteY547"/>
-              </a:cxn>
-              <a:cxn ang="0">
-                <a:pos x="connsiteX548" y="connsiteY548"/>
-              </a:cxn>
-              <a:cxn ang="0">
-                <a:pos x="connsiteX549" y="connsiteY549"/>
-              </a:cxn>
-              <a:cxn ang="0">
-                <a:pos x="connsiteX550" y="connsiteY550"/>
-              </a:cxn>
-              <a:cxn ang="0">
-                <a:pos x="connsiteX551" y="connsiteY551"/>
-              </a:cxn>
-              <a:cxn ang="0">
-                <a:pos x="connsiteX552" y="connsiteY552"/>
-              </a:cxn>
-              <a:cxn ang="0">
-                <a:pos x="connsiteX553" y="connsiteY553"/>
-              </a:cxn>
-              <a:cxn ang="0">
-                <a:pos x="connsiteX554" y="connsiteY554"/>
-              </a:cxn>
-              <a:cxn ang="0">
-                <a:pos x="connsiteX555" y="connsiteY555"/>
-              </a:cxn>
-              <a:cxn ang="0">
-                <a:pos x="connsiteX556" y="connsiteY556"/>
-              </a:cxn>
-              <a:cxn ang="0">
-                <a:pos x="connsiteX557" y="connsiteY557"/>
-              </a:cxn>
-              <a:cxn ang="0">
-                <a:pos x="connsiteX558" y="connsiteY558"/>
-              </a:cxn>
-              <a:cxn ang="0">
-                <a:pos x="connsiteX559" y="connsiteY559"/>
-              </a:cxn>
-              <a:cxn ang="0">
-                <a:pos x="connsiteX560" y="connsiteY560"/>
-              </a:cxn>
-              <a:cxn ang="0">
-                <a:pos x="connsiteX561" y="connsiteY561"/>
-              </a:cxn>
-              <a:cxn ang="0">
-                <a:pos x="connsiteX562" y="connsiteY562"/>
-              </a:cxn>
-              <a:cxn ang="0">
-                <a:pos x="connsiteX563" y="connsiteY563"/>
-              </a:cxn>
-              <a:cxn ang="0">
-                <a:pos x="connsiteX564" y="connsiteY564"/>
-              </a:cxn>
-              <a:cxn ang="0">
-                <a:pos x="connsiteX565" y="connsiteY565"/>
-              </a:cxn>
-              <a:cxn ang="0">
-                <a:pos x="connsiteX566" y="connsiteY566"/>
-              </a:cxn>
-              <a:cxn ang="0">
-                <a:pos x="connsiteX567" y="connsiteY567"/>
-              </a:cxn>
-              <a:cxn ang="0">
-                <a:pos x="connsiteX568" y="connsiteY568"/>
-              </a:cxn>
-              <a:cxn ang="0">
-                <a:pos x="connsiteX569" y="connsiteY569"/>
-              </a:cxn>
-              <a:cxn ang="0">
-                <a:pos x="connsiteX570" y="connsiteY570"/>
-              </a:cxn>
-              <a:cxn ang="0">
-                <a:pos x="connsiteX571" y="connsiteY571"/>
-              </a:cxn>
-              <a:cxn ang="0">
-                <a:pos x="connsiteX572" y="connsiteY572"/>
-              </a:cxn>
-              <a:cxn ang="0">
-                <a:pos x="connsiteX573" y="connsiteY573"/>
-              </a:cxn>
-              <a:cxn ang="0">
-                <a:pos x="connsiteX574" y="connsiteY574"/>
-              </a:cxn>
-              <a:cxn ang="0">
-                <a:pos x="connsiteX575" y="connsiteY575"/>
-              </a:cxn>
-              <a:cxn ang="0">
-                <a:pos x="connsiteX576" y="connsiteY576"/>
-              </a:cxn>
-              <a:cxn ang="0">
-                <a:pos x="connsiteX577" y="connsiteY577"/>
-              </a:cxn>
-              <a:cxn ang="0">
-                <a:pos x="connsiteX578" y="connsiteY578"/>
-              </a:cxn>
-              <a:cxn ang="0">
-                <a:pos x="connsiteX579" y="connsiteY579"/>
-              </a:cxn>
-              <a:cxn ang="0">
-                <a:pos x="connsiteX580" y="connsiteY580"/>
-              </a:cxn>
-              <a:cxn ang="0">
-                <a:pos x="connsiteX581" y="connsiteY581"/>
-              </a:cxn>
-              <a:cxn ang="0">
-                <a:pos x="connsiteX582" y="connsiteY582"/>
-              </a:cxn>
-              <a:cxn ang="0">
-                <a:pos x="connsiteX583" y="connsiteY583"/>
-              </a:cxn>
-              <a:cxn ang="0">
-                <a:pos x="connsiteX584" y="connsiteY584"/>
-              </a:cxn>
-              <a:cxn ang="0">
-                <a:pos x="connsiteX585" y="connsiteY585"/>
-              </a:cxn>
-              <a:cxn ang="0">
-                <a:pos x="connsiteX586" y="connsiteY586"/>
-              </a:cxn>
-              <a:cxn ang="0">
-                <a:pos x="connsiteX587" y="connsiteY587"/>
-              </a:cxn>
-              <a:cxn ang="0">
-                <a:pos x="connsiteX588" y="connsiteY588"/>
-              </a:cxn>
-              <a:cxn ang="0">
-                <a:pos x="connsiteX589" y="connsiteY589"/>
-              </a:cxn>
-              <a:cxn ang="0">
-                <a:pos x="connsiteX590" y="connsiteY590"/>
-              </a:cxn>
-              <a:cxn ang="0">
-                <a:pos x="connsiteX591" y="connsiteY591"/>
-              </a:cxn>
-              <a:cxn ang="0">
-                <a:pos x="connsiteX592" y="connsiteY592"/>
-              </a:cxn>
-              <a:cxn ang="0">
-                <a:pos x="connsiteX593" y="connsiteY593"/>
-              </a:cxn>
-              <a:cxn ang="0">
-                <a:pos x="connsiteX594" y="connsiteY594"/>
-              </a:cxn>
-              <a:cxn ang="0">
-                <a:pos x="connsiteX595" y="connsiteY595"/>
-              </a:cxn>
-              <a:cxn ang="0">
-                <a:pos x="connsiteX596" y="connsiteY596"/>
-              </a:cxn>
-              <a:cxn ang="0">
-                <a:pos x="connsiteX597" y="connsiteY597"/>
-              </a:cxn>
-              <a:cxn ang="0">
-                <a:pos x="connsiteX598" y="connsiteY598"/>
-              </a:cxn>
-              <a:cxn ang="0">
-                <a:pos x="connsiteX599" y="connsiteY599"/>
-              </a:cxn>
-              <a:cxn ang="0">
-                <a:pos x="connsiteX600" y="connsiteY600"/>
-              </a:cxn>
-              <a:cxn ang="0">
-                <a:pos x="connsiteX601" y="connsiteY601"/>
-              </a:cxn>
-              <a:cxn ang="0">
-                <a:pos x="connsiteX602" y="connsiteY602"/>
-              </a:cxn>
-              <a:cxn ang="0">
-                <a:pos x="connsiteX603" y="connsiteY603"/>
-              </a:cxn>
-              <a:cxn ang="0">
-                <a:pos x="connsiteX604" y="connsiteY604"/>
-              </a:cxn>
-              <a:cxn ang="0">
-                <a:pos x="connsiteX605" y="connsiteY605"/>
-              </a:cxn>
-              <a:cxn ang="0">
-                <a:pos x="connsiteX606" y="connsiteY606"/>
-              </a:cxn>
-              <a:cxn ang="0">
-                <a:pos x="connsiteX607" y="connsiteY607"/>
-              </a:cxn>
-              <a:cxn ang="0">
-                <a:pos x="connsiteX608" y="connsiteY608"/>
-              </a:cxn>
-              <a:cxn ang="0">
-                <a:pos x="connsiteX609" y="connsiteY609"/>
-              </a:cxn>
-              <a:cxn ang="0">
-                <a:pos x="connsiteX610" y="connsiteY610"/>
-              </a:cxn>
-              <a:cxn ang="0">
-                <a:pos x="connsiteX611" y="connsiteY611"/>
-              </a:cxn>
-              <a:cxn ang="0">
-                <a:pos x="connsiteX612" y="connsiteY612"/>
-              </a:cxn>
-              <a:cxn ang="0">
-                <a:pos x="connsiteX613" y="connsiteY613"/>
-              </a:cxn>
-              <a:cxn ang="0">
-                <a:pos x="connsiteX614" y="connsiteY614"/>
-              </a:cxn>
-              <a:cxn ang="0">
-                <a:pos x="connsiteX615" y="connsiteY615"/>
-              </a:cxn>
-              <a:cxn ang="0">
-                <a:pos x="connsiteX616" y="connsiteY616"/>
-              </a:cxn>
-              <a:cxn ang="0">
-                <a:pos x="connsiteX617" y="connsiteY617"/>
-              </a:cxn>
-              <a:cxn ang="0">
-                <a:pos x="connsiteX618" y="connsiteY618"/>
-              </a:cxn>
-              <a:cxn ang="0">
-                <a:pos x="connsiteX619" y="connsiteY619"/>
-              </a:cxn>
-              <a:cxn ang="0">
-                <a:pos x="connsiteX620" y="connsiteY620"/>
-              </a:cxn>
-              <a:cxn ang="0">
-                <a:pos x="connsiteX621" y="connsiteY621"/>
-              </a:cxn>
-              <a:cxn ang="0">
-                <a:pos x="connsiteX622" y="connsiteY622"/>
-              </a:cxn>
-              <a:cxn ang="0">
-                <a:pos x="connsiteX623" y="connsiteY623"/>
-              </a:cxn>
-              <a:cxn ang="0">
-                <a:pos x="connsiteX624" y="connsiteY624"/>
-              </a:cxn>
-              <a:cxn ang="0">
-                <a:pos x="connsiteX625" y="connsiteY625"/>
-              </a:cxn>
-              <a:cxn ang="0">
-                <a:pos x="connsiteX626" y="connsiteY626"/>
-              </a:cxn>
-              <a:cxn ang="0">
-                <a:pos x="connsiteX627" y="connsiteY627"/>
-              </a:cxn>
-              <a:cxn ang="0">
-                <a:pos x="connsiteX628" y="connsiteY628"/>
-              </a:cxn>
-              <a:cxn ang="0">
-                <a:pos x="connsiteX629" y="connsiteY629"/>
-              </a:cxn>
-              <a:cxn ang="0">
-                <a:pos x="connsiteX630" y="connsiteY630"/>
-              </a:cxn>
-              <a:cxn ang="0">
-                <a:pos x="connsiteX631" y="connsiteY631"/>
-              </a:cxn>
-              <a:cxn ang="0">
-                <a:pos x="connsiteX632" y="connsiteY632"/>
-              </a:cxn>
-              <a:cxn ang="0">
-                <a:pos x="connsiteX633" y="connsiteY633"/>
-              </a:cxn>
-              <a:cxn ang="0">
-                <a:pos x="connsiteX634" y="connsiteY634"/>
-              </a:cxn>
-              <a:cxn ang="0">
-                <a:pos x="connsiteX635" y="connsiteY635"/>
-              </a:cxn>
-              <a:cxn ang="0">
-                <a:pos x="connsiteX636" y="connsiteY636"/>
-              </a:cxn>
-              <a:cxn ang="0">
-                <a:pos x="connsiteX637" y="connsiteY637"/>
-              </a:cxn>
-              <a:cxn ang="0">
-                <a:pos x="connsiteX638" y="connsiteY638"/>
-              </a:cxn>
-              <a:cxn ang="0">
-                <a:pos x="connsiteX639" y="connsiteY639"/>
-              </a:cxn>
-              <a:cxn ang="0">
-                <a:pos x="connsiteX640" y="connsiteY640"/>
-              </a:cxn>
-              <a:cxn ang="0">
-                <a:pos x="connsiteX641" y="connsiteY641"/>
-              </a:cxn>
-              <a:cxn ang="0">
-                <a:pos x="connsiteX642" y="connsiteY642"/>
-              </a:cxn>
-              <a:cxn ang="0">
-                <a:pos x="connsiteX643" y="connsiteY643"/>
-              </a:cxn>
-              <a:cxn ang="0">
-                <a:pos x="connsiteX644" y="connsiteY644"/>
-              </a:cxn>
-              <a:cxn ang="0">
-                <a:pos x="connsiteX645" y="connsiteY645"/>
-              </a:cxn>
-              <a:cxn ang="0">
-                <a:pos x="connsiteX646" y="connsiteY646"/>
-              </a:cxn>
-              <a:cxn ang="0">
-                <a:pos x="connsiteX647" y="connsiteY647"/>
-              </a:cxn>
-              <a:cxn ang="0">
-                <a:pos x="connsiteX648" y="connsiteY648"/>
-              </a:cxn>
-              <a:cxn ang="0">
-                <a:pos x="connsiteX649" y="connsiteY649"/>
-              </a:cxn>
-              <a:cxn ang="0">
-                <a:pos x="connsiteX650" y="connsiteY650"/>
-              </a:cxn>
-              <a:cxn ang="0">
-                <a:pos x="connsiteX651" y="connsiteY651"/>
-              </a:cxn>
-              <a:cxn ang="0">
-                <a:pos x="connsiteX652" y="connsiteY652"/>
-              </a:cxn>
-              <a:cxn ang="0">
-                <a:pos x="connsiteX653" y="connsiteY653"/>
-              </a:cxn>
-              <a:cxn ang="0">
-                <a:pos x="connsiteX654" y="connsiteY654"/>
-              </a:cxn>
-              <a:cxn ang="0">
-                <a:pos x="connsiteX655" y="connsiteY655"/>
-              </a:cxn>
-              <a:cxn ang="0">
-                <a:pos x="connsiteX656" y="connsiteY656"/>
-              </a:cxn>
-              <a:cxn ang="0">
-                <a:pos x="connsiteX657" y="connsiteY657"/>
-              </a:cxn>
-              <a:cxn ang="0">
-                <a:pos x="connsiteX658" y="connsiteY658"/>
-              </a:cxn>
-              <a:cxn ang="0">
-                <a:pos x="connsiteX659" y="connsiteY659"/>
-              </a:cxn>
-              <a:cxn ang="0">
-                <a:pos x="connsiteX660" y="connsiteY660"/>
-              </a:cxn>
-              <a:cxn ang="0">
-                <a:pos x="connsiteX661" y="connsiteY661"/>
-              </a:cxn>
-              <a:cxn ang="0">
-                <a:pos x="connsiteX662" y="connsiteY662"/>
-              </a:cxn>
-              <a:cxn ang="0">
-                <a:pos x="connsiteX663" y="connsiteY663"/>
-              </a:cxn>
-              <a:cxn ang="0">
-                <a:pos x="connsiteX664" y="connsiteY664"/>
-              </a:cxn>
-              <a:cxn ang="0">
-                <a:pos x="connsiteX665" y="connsiteY665"/>
-              </a:cxn>
-              <a:cxn ang="0">
-                <a:pos x="connsiteX666" y="connsiteY666"/>
-              </a:cxn>
-              <a:cxn ang="0">
-                <a:pos x="connsiteX667" y="connsiteY667"/>
-              </a:cxn>
-              <a:cxn ang="0">
-                <a:pos x="connsiteX668" y="connsiteY668"/>
-              </a:cxn>
-              <a:cxn ang="0">
-                <a:pos x="connsiteX669" y="connsiteY669"/>
-              </a:cxn>
-              <a:cxn ang="0">
-                <a:pos x="connsiteX670" y="connsiteY670"/>
-              </a:cxn>
-              <a:cxn ang="0">
-                <a:pos x="connsiteX671" y="connsiteY671"/>
-              </a:cxn>
-              <a:cxn ang="0">
-                <a:pos x="connsiteX672" y="connsiteY672"/>
-              </a:cxn>
-              <a:cxn ang="0">
-                <a:pos x="connsiteX673" y="connsiteY673"/>
-              </a:cxn>
-              <a:cxn ang="0">
-                <a:pos x="connsiteX674" y="connsiteY674"/>
-              </a:cxn>
-              <a:cxn ang="0">
-                <a:pos x="connsiteX675" y="connsiteY675"/>
-              </a:cxn>
-              <a:cxn ang="0">
-                <a:pos x="connsiteX676" y="connsiteY676"/>
-              </a:cxn>
-              <a:cxn ang="0">
-                <a:pos x="connsiteX677" y="connsiteY677"/>
-              </a:cxn>
-              <a:cxn ang="0">
-                <a:pos x="connsiteX678" y="connsiteY678"/>
-              </a:cxn>
-              <a:cxn ang="0">
-                <a:pos x="connsiteX679" y="connsiteY679"/>
-              </a:cxn>
-              <a:cxn ang="0">
-                <a:pos x="connsiteX680" y="connsiteY680"/>
-              </a:cxn>
-              <a:cxn ang="0">
-                <a:pos x="connsiteX681" y="connsiteY681"/>
-              </a:cxn>
-              <a:cxn ang="0">
-                <a:pos x="connsiteX682" y="connsiteY682"/>
-              </a:cxn>
-              <a:cxn ang="0">
-                <a:pos x="connsiteX683" y="connsiteY683"/>
-              </a:cxn>
-              <a:cxn ang="0">
-                <a:pos x="connsiteX684" y="connsiteY684"/>
-              </a:cxn>
-              <a:cxn ang="0">
-                <a:pos x="connsiteX685" y="connsiteY685"/>
-              </a:cxn>
-              <a:cxn ang="0">
-                <a:pos x="connsiteX686" y="connsiteY686"/>
-              </a:cxn>
-              <a:cxn ang="0">
-                <a:pos x="connsiteX687" y="connsiteY687"/>
-              </a:cxn>
-              <a:cxn ang="0">
-                <a:pos x="connsiteX688" y="connsiteY688"/>
-              </a:cxn>
-              <a:cxn ang="0">
-                <a:pos x="connsiteX689" y="connsiteY689"/>
-              </a:cxn>
-              <a:cxn ang="0">
-                <a:pos x="connsiteX690" y="connsiteY690"/>
-              </a:cxn>
-              <a:cxn ang="0">
-                <a:pos x="connsiteX691" y="connsiteY691"/>
-              </a:cxn>
-              <a:cxn ang="0">
-                <a:pos x="connsiteX692" y="connsiteY692"/>
-              </a:cxn>
-              <a:cxn ang="0">
-                <a:pos x="connsiteX693" y="connsiteY693"/>
-              </a:cxn>
-              <a:cxn ang="0">
-                <a:pos x="connsiteX694" y="connsiteY694"/>
-              </a:cxn>
-              <a:cxn ang="0">
-                <a:pos x="connsiteX695" y="connsiteY695"/>
-              </a:cxn>
-              <a:cxn ang="0">
-                <a:pos x="connsiteX696" y="connsiteY696"/>
-              </a:cxn>
-              <a:cxn ang="0">
-                <a:pos x="connsiteX697" y="connsiteY697"/>
-              </a:cxn>
-              <a:cxn ang="0">
-                <a:pos x="connsiteX698" y="connsiteY698"/>
-              </a:cxn>
-              <a:cxn ang="0">
-                <a:pos x="connsiteX699" y="connsiteY699"/>
-              </a:cxn>
-              <a:cxn ang="0">
-                <a:pos x="connsiteX700" y="connsiteY700"/>
-              </a:cxn>
-              <a:cxn ang="0">
-                <a:pos x="connsiteX701" y="connsiteY701"/>
-              </a:cxn>
-              <a:cxn ang="0">
-                <a:pos x="connsiteX702" y="connsiteY702"/>
-              </a:cxn>
-              <a:cxn ang="0">
-                <a:pos x="connsiteX703" y="connsiteY703"/>
-              </a:cxn>
-              <a:cxn ang="0">
-                <a:pos x="connsiteX704" y="connsiteY704"/>
-              </a:cxn>
-              <a:cxn ang="0">
-                <a:pos x="connsiteX705" y="connsiteY705"/>
-              </a:cxn>
-              <a:cxn ang="0">
-                <a:pos x="connsiteX706" y="connsiteY706"/>
-              </a:cxn>
-              <a:cxn ang="0">
-                <a:pos x="connsiteX707" y="connsiteY707"/>
-              </a:cxn>
-              <a:cxn ang="0">
-                <a:pos x="connsiteX708" y="connsiteY708"/>
-              </a:cxn>
-              <a:cxn ang="0">
-                <a:pos x="connsiteX709" y="connsiteY709"/>
-              </a:cxn>
-              <a:cxn ang="0">
-                <a:pos x="connsiteX710" y="connsiteY710"/>
-              </a:cxn>
-              <a:cxn ang="0">
-                <a:pos x="connsiteX711" y="connsiteY711"/>
-              </a:cxn>
-              <a:cxn ang="0">
-                <a:pos x="connsiteX712" y="connsiteY712"/>
-              </a:cxn>
-              <a:cxn ang="0">
-                <a:pos x="connsiteX713" y="connsiteY713"/>
-              </a:cxn>
-              <a:cxn ang="0">
-                <a:pos x="connsiteX714" y="connsiteY714"/>
-              </a:cxn>
-              <a:cxn ang="0">
-                <a:pos x="connsiteX715" y="connsiteY715"/>
-              </a:cxn>
-              <a:cxn ang="0">
-                <a:pos x="connsiteX716" y="connsiteY716"/>
-              </a:cxn>
-              <a:cxn ang="0">
-                <a:pos x="connsiteX717" y="connsiteY717"/>
-              </a:cxn>
-              <a:cxn ang="0">
-                <a:pos x="connsiteX718" y="connsiteY718"/>
-              </a:cxn>
-              <a:cxn ang="0">
-                <a:pos x="connsiteX719" y="connsiteY719"/>
-              </a:cxn>
-              <a:cxn ang="0">
-                <a:pos x="connsiteX720" y="connsiteY720"/>
-              </a:cxn>
-              <a:cxn ang="0">
-                <a:pos x="connsiteX721" y="connsiteY721"/>
-              </a:cxn>
-              <a:cxn ang="0">
-                <a:pos x="connsiteX722" y="connsiteY722"/>
-              </a:cxn>
-              <a:cxn ang="0">
-                <a:pos x="connsiteX723" y="connsiteY723"/>
-              </a:cxn>
-              <a:cxn ang="0">
-                <a:pos x="connsiteX724" y="connsiteY724"/>
-              </a:cxn>
-              <a:cxn ang="0">
-                <a:pos x="connsiteX725" y="connsiteY725"/>
-              </a:cxn>
-              <a:cxn ang="0">
-                <a:pos x="connsiteX726" y="connsiteY726"/>
-              </a:cxn>
-              <a:cxn ang="0">
-                <a:pos x="connsiteX727" y="connsiteY727"/>
-              </a:cxn>
-              <a:cxn ang="0">
-                <a:pos x="connsiteX728" y="connsiteY728"/>
-              </a:cxn>
-              <a:cxn ang="0">
-                <a:pos x="connsiteX729" y="connsiteY729"/>
-              </a:cxn>
-              <a:cxn ang="0">
-                <a:pos x="connsiteX730" y="connsiteY730"/>
-              </a:cxn>
-              <a:cxn ang="0">
-                <a:pos x="connsiteX731" y="connsiteY731"/>
-              </a:cxn>
-              <a:cxn ang="0">
-                <a:pos x="connsiteX732" y="connsiteY732"/>
-              </a:cxn>
-              <a:cxn ang="0">
-                <a:pos x="connsiteX733" y="connsiteY733"/>
-              </a:cxn>
-              <a:cxn ang="0">
-                <a:pos x="connsiteX734" y="connsiteY734"/>
-              </a:cxn>
-              <a:cxn ang="0">
-                <a:pos x="connsiteX735" y="connsiteY735"/>
-              </a:cxn>
-              <a:cxn ang="0">
-                <a:pos x="connsiteX736" y="connsiteY736"/>
-              </a:cxn>
-              <a:cxn ang="0">
-                <a:pos x="connsiteX737" y="connsiteY737"/>
-              </a:cxn>
-              <a:cxn ang="0">
-                <a:pos x="connsiteX738" y="connsiteY738"/>
-              </a:cxn>
-              <a:cxn ang="0">
-                <a:pos x="connsiteX739" y="connsiteY739"/>
-              </a:cxn>
-              <a:cxn ang="0">
-                <a:pos x="connsiteX740" y="connsiteY740"/>
-              </a:cxn>
-              <a:cxn ang="0">
-                <a:pos x="connsiteX741" y="connsiteY741"/>
-              </a:cxn>
-              <a:cxn ang="0">
-                <a:pos x="connsiteX742" y="connsiteY742"/>
-              </a:cxn>
-              <a:cxn ang="0">
-                <a:pos x="connsiteX743" y="connsiteY743"/>
-              </a:cxn>
-              <a:cxn ang="0">
-                <a:pos x="connsiteX744" y="connsiteY744"/>
-              </a:cxn>
-              <a:cxn ang="0">
-                <a:pos x="connsiteX745" y="connsiteY745"/>
-              </a:cxn>
-              <a:cxn ang="0">
-                <a:pos x="connsiteX746" y="connsiteY746"/>
-              </a:cxn>
-              <a:cxn ang="0">
-                <a:pos x="connsiteX747" y="connsiteY747"/>
-              </a:cxn>
-              <a:cxn ang="0">
-                <a:pos x="connsiteX748" y="connsiteY748"/>
-              </a:cxn>
-              <a:cxn ang="0">
-                <a:pos x="connsiteX749" y="connsiteY749"/>
-              </a:cxn>
-              <a:cxn ang="0">
-                <a:pos x="connsiteX750" y="connsiteY750"/>
-              </a:cxn>
-              <a:cxn ang="0">
-                <a:pos x="connsiteX751" y="connsiteY751"/>
-              </a:cxn>
-              <a:cxn ang="0">
-                <a:pos x="connsiteX752" y="connsiteY752"/>
-              </a:cxn>
-              <a:cxn ang="0">
-                <a:pos x="connsiteX753" y="connsiteY753"/>
-              </a:cxn>
-              <a:cxn ang="0">
-                <a:pos x="connsiteX754" y="connsiteY754"/>
-              </a:cxn>
-              <a:cxn ang="0">
-                <a:pos x="connsiteX755" y="connsiteY755"/>
-              </a:cxn>
-              <a:cxn ang="0">
-                <a:pos x="connsiteX756" y="connsiteY756"/>
-              </a:cxn>
-              <a:cxn ang="0">
-                <a:pos x="connsiteX757" y="connsiteY757"/>
-              </a:cxn>
-              <a:cxn ang="0">
-                <a:pos x="connsiteX758" y="connsiteY758"/>
-              </a:cxn>
-              <a:cxn ang="0">
-                <a:pos x="connsiteX759" y="connsiteY759"/>
-              </a:cxn>
-              <a:cxn ang="0">
-                <a:pos x="connsiteX760" y="connsiteY760"/>
-              </a:cxn>
-              <a:cxn ang="0">
-                <a:pos x="connsiteX761" y="connsiteY761"/>
-              </a:cxn>
-              <a:cxn ang="0">
-                <a:pos x="connsiteX762" y="connsiteY762"/>
-              </a:cxn>
-              <a:cxn ang="0">
-                <a:pos x="connsiteX763" y="connsiteY763"/>
-              </a:cxn>
-              <a:cxn ang="0">
-                <a:pos x="connsiteX764" y="connsiteY764"/>
-              </a:cxn>
-              <a:cxn ang="0">
-                <a:pos x="connsiteX765" y="connsiteY765"/>
-              </a:cxn>
-              <a:cxn ang="0">
-                <a:pos x="connsiteX766" y="connsiteY766"/>
-              </a:cxn>
-              <a:cxn ang="0">
-                <a:pos x="connsiteX767" y="connsiteY767"/>
-              </a:cxn>
-              <a:cxn ang="0">
-                <a:pos x="connsiteX768" y="connsiteY768"/>
-              </a:cxn>
-              <a:cxn ang="0">
-                <a:pos x="connsiteX769" y="connsiteY769"/>
-              </a:cxn>
-              <a:cxn ang="0">
-                <a:pos x="connsiteX770" y="connsiteY770"/>
-              </a:cxn>
-              <a:cxn ang="0">
-                <a:pos x="connsiteX771" y="connsiteY771"/>
-              </a:cxn>
-              <a:cxn ang="0">
-                <a:pos x="connsiteX772" y="connsiteY772"/>
-              </a:cxn>
-              <a:cxn ang="0">
-                <a:pos x="connsiteX773" y="connsiteY773"/>
-              </a:cxn>
-              <a:cxn ang="0">
-                <a:pos x="connsiteX774" y="connsiteY774"/>
-              </a:cxn>
-              <a:cxn ang="0">
-                <a:pos x="connsiteX775" y="connsiteY775"/>
-              </a:cxn>
-              <a:cxn ang="0">
-                <a:pos x="connsiteX776" y="connsiteY776"/>
-              </a:cxn>
-              <a:cxn ang="0">
-                <a:pos x="connsiteX777" y="connsiteY777"/>
-              </a:cxn>
-              <a:cxn ang="0">
-                <a:pos x="connsiteX778" y="connsiteY778"/>
-              </a:cxn>
-              <a:cxn ang="0">
-                <a:pos x="connsiteX779" y="connsiteY779"/>
-              </a:cxn>
-              <a:cxn ang="0">
-                <a:pos x="connsiteX780" y="connsiteY780"/>
-              </a:cxn>
-              <a:cxn ang="0">
-                <a:pos x="connsiteX781" y="connsiteY781"/>
-              </a:cxn>
-              <a:cxn ang="0">
-                <a:pos x="connsiteX782" y="connsiteY782"/>
-              </a:cxn>
-              <a:cxn ang="0">
-                <a:pos x="connsiteX783" y="connsiteY783"/>
-              </a:cxn>
-              <a:cxn ang="0">
-                <a:pos x="connsiteX784" y="connsiteY784"/>
-              </a:cxn>
-              <a:cxn ang="0">
-                <a:pos x="connsiteX785" y="connsiteY785"/>
-              </a:cxn>
-              <a:cxn ang="0">
-                <a:pos x="connsiteX786" y="connsiteY786"/>
-              </a:cxn>
-              <a:cxn ang="0">
-                <a:pos x="connsiteX787" y="connsiteY787"/>
-              </a:cxn>
-              <a:cxn ang="0">
-                <a:pos x="connsiteX788" y="connsiteY788"/>
-              </a:cxn>
-              <a:cxn ang="0">
-                <a:pos x="connsiteX789" y="connsiteY789"/>
-              </a:cxn>
-              <a:cxn ang="0">
-                <a:pos x="connsiteX790" y="connsiteY790"/>
-              </a:cxn>
-              <a:cxn ang="0">
-                <a:pos x="connsiteX791" y="connsiteY791"/>
-              </a:cxn>
-              <a:cxn ang="0">
-                <a:pos x="connsiteX792" y="connsiteY792"/>
-              </a:cxn>
-              <a:cxn ang="0">
-                <a:pos x="connsiteX793" y="connsiteY793"/>
-              </a:cxn>
-              <a:cxn ang="0">
-                <a:pos x="connsiteX794" y="connsiteY794"/>
-              </a:cxn>
-              <a:cxn ang="0">
-                <a:pos x="connsiteX795" y="connsiteY795"/>
-              </a:cxn>
-              <a:cxn ang="0">
-                <a:pos x="connsiteX796" y="connsiteY796"/>
-              </a:cxn>
-              <a:cxn ang="0">
-                <a:pos x="connsiteX797" y="connsiteY797"/>
-              </a:cxn>
-              <a:cxn ang="0">
-                <a:pos x="connsiteX798" y="connsiteY798"/>
-              </a:cxn>
-              <a:cxn ang="0">
-                <a:pos x="connsiteX799" y="connsiteY799"/>
-              </a:cxn>
-              <a:cxn ang="0">
-                <a:pos x="connsiteX800" y="connsiteY800"/>
-              </a:cxn>
-              <a:cxn ang="0">
-                <a:pos x="connsiteX801" y="connsiteY801"/>
-              </a:cxn>
-              <a:cxn ang="0">
-                <a:pos x="connsiteX802" y="connsiteY802"/>
-              </a:cxn>
-              <a:cxn ang="0">
-                <a:pos x="connsiteX803" y="connsiteY803"/>
-              </a:cxn>
-              <a:cxn ang="0">
-                <a:pos x="connsiteX804" y="connsiteY804"/>
-              </a:cxn>
-              <a:cxn ang="0">
-                <a:pos x="connsiteX805" y="connsiteY805"/>
-              </a:cxn>
-              <a:cxn ang="0">
-                <a:pos x="connsiteX806" y="connsiteY806"/>
-              </a:cxn>
-              <a:cxn ang="0">
-                <a:pos x="connsiteX807" y="connsiteY807"/>
-              </a:cxn>
-              <a:cxn ang="0">
-                <a:pos x="connsiteX808" y="connsiteY808"/>
-              </a:cxn>
-              <a:cxn ang="0">
-                <a:pos x="connsiteX809" y="connsiteY809"/>
-              </a:cxn>
-              <a:cxn ang="0">
-                <a:pos x="connsiteX810" y="connsiteY810"/>
-              </a:cxn>
-              <a:cxn ang="0">
-                <a:pos x="connsiteX811" y="connsiteY811"/>
-              </a:cxn>
-              <a:cxn ang="0">
-                <a:pos x="connsiteX812" y="connsiteY812"/>
-              </a:cxn>
-              <a:cxn ang="0">
-                <a:pos x="connsiteX813" y="connsiteY813"/>
-              </a:cxn>
-              <a:cxn ang="0">
-                <a:pos x="connsiteX814" y="connsiteY814"/>
-              </a:cxn>
-              <a:cxn ang="0">
-                <a:pos x="connsiteX815" y="connsiteY815"/>
-              </a:cxn>
-              <a:cxn ang="0">
-                <a:pos x="connsiteX816" y="connsiteY816"/>
-              </a:cxn>
-              <a:cxn ang="0">
-                <a:pos x="connsiteX817" y="connsiteY817"/>
-              </a:cxn>
-              <a:cxn ang="0">
-                <a:pos x="connsiteX818" y="connsiteY818"/>
-              </a:cxn>
-              <a:cxn ang="0">
-                <a:pos x="connsiteX819" y="connsiteY819"/>
-              </a:cxn>
-              <a:cxn ang="0">
-                <a:pos x="connsiteX820" y="connsiteY820"/>
-              </a:cxn>
-              <a:cxn ang="0">
-                <a:pos x="connsiteX821" y="connsiteY821"/>
-              </a:cxn>
-              <a:cxn ang="0">
-                <a:pos x="connsiteX822" y="connsiteY822"/>
-              </a:cxn>
-              <a:cxn ang="0">
-                <a:pos x="connsiteX823" y="connsiteY823"/>
-              </a:cxn>
-              <a:cxn ang="0">
-                <a:pos x="connsiteX824" y="connsiteY824"/>
-              </a:cxn>
-              <a:cxn ang="0">
-                <a:pos x="connsiteX825" y="connsiteY825"/>
-              </a:cxn>
-              <a:cxn ang="0">
-                <a:pos x="connsiteX826" y="connsiteY826"/>
-              </a:cxn>
-              <a:cxn ang="0">
-                <a:pos x="connsiteX827" y="connsiteY827"/>
-              </a:cxn>
-              <a:cxn ang="0">
-                <a:pos x="connsiteX828" y="connsiteY828"/>
-              </a:cxn>
-              <a:cxn ang="0">
-                <a:pos x="connsiteX829" y="connsiteY829"/>
-              </a:cxn>
-              <a:cxn ang="0">
-                <a:pos x="connsiteX830" y="connsiteY830"/>
-              </a:cxn>
-              <a:cxn ang="0">
-                <a:pos x="connsiteX831" y="connsiteY831"/>
-              </a:cxn>
-              <a:cxn ang="0">
-                <a:pos x="connsiteX832" y="connsiteY832"/>
-              </a:cxn>
-              <a:cxn ang="0">
-                <a:pos x="connsiteX833" y="connsiteY833"/>
-              </a:cxn>
-              <a:cxn ang="0">
-                <a:pos x="connsiteX834" y="connsiteY834"/>
-              </a:cxn>
-              <a:cxn ang="0">
-                <a:pos x="connsiteX835" y="connsiteY835"/>
-              </a:cxn>
-              <a:cxn ang="0">
-                <a:pos x="connsiteX836" y="connsiteY836"/>
-              </a:cxn>
-              <a:cxn ang="0">
-                <a:pos x="connsiteX837" y="connsiteY837"/>
-              </a:cxn>
-              <a:cxn ang="0">
-                <a:pos x="connsiteX838" y="connsiteY838"/>
-              </a:cxn>
-              <a:cxn ang="0">
-                <a:pos x="connsiteX839" y="connsiteY839"/>
-              </a:cxn>
-              <a:cxn ang="0">
-                <a:pos x="connsiteX840" y="connsiteY840"/>
-              </a:cxn>
-              <a:cxn ang="0">
-                <a:pos x="connsiteX841" y="connsiteY841"/>
-              </a:cxn>
-              <a:cxn ang="0">
-                <a:pos x="connsiteX842" y="connsiteY842"/>
-              </a:cxn>
-              <a:cxn ang="0">
-                <a:pos x="connsiteX843" y="connsiteY843"/>
-              </a:cxn>
-              <a:cxn ang="0">
-                <a:pos x="connsiteX844" y="connsiteY844"/>
-              </a:cxn>
-              <a:cxn ang="0">
-                <a:pos x="connsiteX845" y="connsiteY845"/>
-              </a:cxn>
-              <a:cxn ang="0">
-                <a:pos x="connsiteX846" y="connsiteY846"/>
-              </a:cxn>
-              <a:cxn ang="0">
-                <a:pos x="connsiteX847" y="connsiteY847"/>
-              </a:cxn>
-              <a:cxn ang="0">
-                <a:pos x="connsiteX848" y="connsiteY848"/>
-              </a:cxn>
-              <a:cxn ang="0">
-                <a:pos x="connsiteX849" y="connsiteY849"/>
-              </a:cxn>
-              <a:cxn ang="0">
-                <a:pos x="connsiteX850" y="connsiteY850"/>
-              </a:cxn>
-              <a:cxn ang="0">
-                <a:pos x="connsiteX851" y="connsiteY851"/>
-              </a:cxn>
-              <a:cxn ang="0">
-                <a:pos x="connsiteX852" y="connsiteY852"/>
-              </a:cxn>
-              <a:cxn ang="0">
-                <a:pos x="connsiteX853" y="connsiteY853"/>
-              </a:cxn>
-              <a:cxn ang="0">
-                <a:pos x="connsiteX854" y="connsiteY854"/>
-              </a:cxn>
-              <a:cxn ang="0">
-                <a:pos x="connsiteX855" y="connsiteY855"/>
-              </a:cxn>
-              <a:cxn ang="0">
-                <a:pos x="connsiteX856" y="connsiteY856"/>
-              </a:cxn>
-              <a:cxn ang="0">
-                <a:pos x="connsiteX857" y="connsiteY857"/>
-              </a:cxn>
-              <a:cxn ang="0">
-                <a:pos x="connsiteX858" y="connsiteY858"/>
-              </a:cxn>
-              <a:cxn ang="0">
-                <a:pos x="connsiteX859" y="connsiteY859"/>
-              </a:cxn>
-              <a:cxn ang="0">
-                <a:pos x="connsiteX860" y="connsiteY860"/>
-              </a:cxn>
-              <a:cxn ang="0">
-                <a:pos x="connsiteX861" y="connsiteY861"/>
-              </a:cxn>
-              <a:cxn ang="0">
-                <a:pos x="connsiteX862" y="connsiteY862"/>
-              </a:cxn>
-              <a:cxn ang="0">
-                <a:pos x="connsiteX863" y="connsiteY863"/>
-              </a:cxn>
-              <a:cxn ang="0">
-                <a:pos x="connsiteX864" y="connsiteY864"/>
-              </a:cxn>
-              <a:cxn ang="0">
-                <a:pos x="connsiteX865" y="connsiteY865"/>
-              </a:cxn>
-              <a:cxn ang="0">
-                <a:pos x="connsiteX866" y="connsiteY866"/>
-              </a:cxn>
-              <a:cxn ang="0">
-                <a:pos x="connsiteX867" y="connsiteY867"/>
-              </a:cxn>
-              <a:cxn ang="0">
-                <a:pos x="connsiteX868" y="connsiteY868"/>
-              </a:cxn>
-              <a:cxn ang="0">
-                <a:pos x="connsiteX869" y="connsiteY869"/>
-              </a:cxn>
-              <a:cxn ang="0">
-                <a:pos x="connsiteX870" y="connsiteY870"/>
-              </a:cxn>
-              <a:cxn ang="0">
-                <a:pos x="connsiteX871" y="connsiteY871"/>
-              </a:cxn>
-              <a:cxn ang="0">
-                <a:pos x="connsiteX872" y="connsiteY872"/>
-              </a:cxn>
-              <a:cxn ang="0">
-                <a:pos x="connsiteX873" y="connsiteY873"/>
-              </a:cxn>
-              <a:cxn ang="0">
-                <a:pos x="connsiteX874" y="connsiteY874"/>
-              </a:cxn>
-              <a:cxn ang="0">
-                <a:pos x="connsiteX875" y="connsiteY875"/>
-              </a:cxn>
-              <a:cxn ang="0">
-                <a:pos x="connsiteX876" y="connsiteY876"/>
-              </a:cxn>
-              <a:cxn ang="0">
-                <a:pos x="connsiteX877" y="connsiteY877"/>
-              </a:cxn>
-              <a:cxn ang="0">
-                <a:pos x="connsiteX878" y="connsiteY878"/>
-              </a:cxn>
-              <a:cxn ang="0">
-                <a:pos x="connsiteX879" y="connsiteY879"/>
-              </a:cxn>
-              <a:cxn ang="0">
-                <a:pos x="connsiteX880" y="connsiteY880"/>
-              </a:cxn>
-              <a:cxn ang="0">
-                <a:pos x="connsiteX881" y="connsiteY881"/>
-              </a:cxn>
-              <a:cxn ang="0">
-                <a:pos x="connsiteX882" y="connsiteY882"/>
-              </a:cxn>
-              <a:cxn ang="0">
-                <a:pos x="connsiteX883" y="connsiteY883"/>
-              </a:cxn>
-              <a:cxn ang="0">
-                <a:pos x="connsiteX884" y="connsiteY884"/>
-              </a:cxn>
-              <a:cxn ang="0">
-                <a:pos x="connsiteX885" y="connsiteY885"/>
-              </a:cxn>
-              <a:cxn ang="0">
-                <a:pos x="connsiteX886" y="connsiteY886"/>
-              </a:cxn>
-              <a:cxn ang="0">
-                <a:pos x="connsiteX887" y="connsiteY887"/>
-              </a:cxn>
-              <a:cxn ang="0">
-                <a:pos x="connsiteX888" y="connsiteY888"/>
-              </a:cxn>
-              <a:cxn ang="0">
-                <a:pos x="connsiteX889" y="connsiteY889"/>
-              </a:cxn>
-              <a:cxn ang="0">
-                <a:pos x="connsiteX890" y="connsiteY890"/>
-              </a:cxn>
-              <a:cxn ang="0">
-                <a:pos x="connsiteX891" y="connsiteY891"/>
-              </a:cxn>
-              <a:cxn ang="0">
-                <a:pos x="connsiteX892" y="connsiteY892"/>
-              </a:cxn>
-              <a:cxn ang="0">
-                <a:pos x="connsiteX893" y="connsiteY893"/>
-              </a:cxn>
-              <a:cxn ang="0">
-                <a:pos x="connsiteX894" y="connsiteY894"/>
-              </a:cxn>
-              <a:cxn ang="0">
-                <a:pos x="connsiteX895" y="connsiteY895"/>
-              </a:cxn>
-              <a:cxn ang="0">
-                <a:pos x="connsiteX896" y="connsiteY896"/>
-              </a:cxn>
-              <a:cxn ang="0">
-                <a:pos x="connsiteX897" y="connsiteY897"/>
-              </a:cxn>
-              <a:cxn ang="0">
-                <a:pos x="connsiteX898" y="connsiteY898"/>
-              </a:cxn>
-              <a:cxn ang="0">
-                <a:pos x="connsiteX899" y="connsiteY899"/>
-              </a:cxn>
-              <a:cxn ang="0">
-                <a:pos x="connsiteX900" y="connsiteY900"/>
-              </a:cxn>
-              <a:cxn ang="0">
-                <a:pos x="connsiteX901" y="connsiteY901"/>
-              </a:cxn>
-              <a:cxn ang="0">
-                <a:pos x="connsiteX902" y="connsiteY902"/>
-              </a:cxn>
-              <a:cxn ang="0">
-                <a:pos x="connsiteX903" y="connsiteY903"/>
-              </a:cxn>
-              <a:cxn ang="0">
-                <a:pos x="connsiteX904" y="connsiteY904"/>
-              </a:cxn>
-              <a:cxn ang="0">
-                <a:pos x="connsiteX905" y="connsiteY905"/>
-              </a:cxn>
-              <a:cxn ang="0">
-                <a:pos x="connsiteX906" y="connsiteY906"/>
-              </a:cxn>
-              <a:cxn ang="0">
-                <a:pos x="connsiteX907" y="connsiteY907"/>
-              </a:cxn>
-              <a:cxn ang="0">
-                <a:pos x="connsiteX908" y="connsiteY908"/>
-              </a:cxn>
-              <a:cxn ang="0">
-                <a:pos x="connsiteX909" y="connsiteY909"/>
-              </a:cxn>
-              <a:cxn ang="0">
-                <a:pos x="connsiteX910" y="connsiteY910"/>
-              </a:cxn>
-              <a:cxn ang="0">
-                <a:pos x="connsiteX911" y="connsiteY911"/>
-              </a:cxn>
-              <a:cxn ang="0">
-                <a:pos x="connsiteX912" y="connsiteY912"/>
-              </a:cxn>
-              <a:cxn ang="0">
-                <a:pos x="connsiteX913" y="connsiteY913"/>
-              </a:cxn>
-              <a:cxn ang="0">
-                <a:pos x="connsiteX914" y="connsiteY914"/>
-              </a:cxn>
-              <a:cxn ang="0">
-                <a:pos x="connsiteX915" y="connsiteY915"/>
-              </a:cxn>
-              <a:cxn ang="0">
-                <a:pos x="connsiteX916" y="connsiteY916"/>
-              </a:cxn>
-              <a:cxn ang="0">
-                <a:pos x="connsiteX917" y="connsiteY917"/>
-              </a:cxn>
-              <a:cxn ang="0">
-                <a:pos x="connsiteX918" y="connsiteY918"/>
-              </a:cxn>
-              <a:cxn ang="0">
-                <a:pos x="connsiteX919" y="connsiteY919"/>
-              </a:cxn>
-              <a:cxn ang="0">
-                <a:pos x="connsiteX920" y="connsiteY920"/>
-              </a:cxn>
-              <a:cxn ang="0">
-                <a:pos x="connsiteX921" y="connsiteY921"/>
-              </a:cxn>
-              <a:cxn ang="0">
-                <a:pos x="connsiteX922" y="connsiteY922"/>
-              </a:cxn>
-              <a:cxn ang="0">
-                <a:pos x="connsiteX923" y="connsiteY923"/>
-              </a:cxn>
-              <a:cxn ang="0">
-                <a:pos x="connsiteX924" y="connsiteY924"/>
-              </a:cxn>
-              <a:cxn ang="0">
-                <a:pos x="connsiteX925" y="connsiteY925"/>
-              </a:cxn>
-              <a:cxn ang="0">
-                <a:pos x="connsiteX926" y="connsiteY926"/>
-              </a:cxn>
-              <a:cxn ang="0">
-                <a:pos x="connsiteX927" y="connsiteY927"/>
-              </a:cxn>
-              <a:cxn ang="0">
-                <a:pos x="connsiteX928" y="connsiteY928"/>
-              </a:cxn>
-              <a:cxn ang="0">
-                <a:pos x="connsiteX929" y="connsiteY929"/>
-              </a:cxn>
-              <a:cxn ang="0">
-                <a:pos x="connsiteX930" y="connsiteY930"/>
-              </a:cxn>
-              <a:cxn ang="0">
-                <a:pos x="connsiteX931" y="connsiteY931"/>
-              </a:cxn>
-              <a:cxn ang="0">
-                <a:pos x="connsiteX932" y="connsiteY932"/>
-              </a:cxn>
-              <a:cxn ang="0">
-                <a:pos x="connsiteX933" y="connsiteY933"/>
-              </a:cxn>
-              <a:cxn ang="0">
-                <a:pos x="connsiteX934" y="connsiteY934"/>
-              </a:cxn>
-              <a:cxn ang="0">
-                <a:pos x="connsiteX935" y="connsiteY935"/>
-              </a:cxn>
-              <a:cxn ang="0">
-                <a:pos x="connsiteX936" y="connsiteY936"/>
-              </a:cxn>
-              <a:cxn ang="0">
-                <a:pos x="connsiteX937" y="connsiteY937"/>
-              </a:cxn>
-              <a:cxn ang="0">
-                <a:pos x="connsiteX938" y="connsiteY938"/>
-              </a:cxn>
-              <a:cxn ang="0">
-                <a:pos x="connsiteX939" y="connsiteY939"/>
-              </a:cxn>
-              <a:cxn ang="0">
-                <a:pos x="connsiteX940" y="connsiteY940"/>
-              </a:cxn>
-              <a:cxn ang="0">
-                <a:pos x="connsiteX941" y="connsiteY941"/>
-              </a:cxn>
-              <a:cxn ang="0">
-                <a:pos x="connsiteX942" y="connsiteY942"/>
-              </a:cxn>
-              <a:cxn ang="0">
-                <a:pos x="connsiteX943" y="connsiteY943"/>
-              </a:cxn>
-              <a:cxn ang="0">
-                <a:pos x="connsiteX944" y="connsiteY944"/>
-              </a:cxn>
-              <a:cxn ang="0">
-                <a:pos x="connsiteX945" y="connsiteY945"/>
-              </a:cxn>
-              <a:cxn ang="0">
-                <a:pos x="connsiteX946" y="connsiteY946"/>
-              </a:cxn>
-              <a:cxn ang="0">
-                <a:pos x="connsiteX947" y="connsiteY947"/>
-              </a:cxn>
-              <a:cxn ang="0">
-                <a:pos x="connsiteX948" y="connsiteY948"/>
-              </a:cxn>
-              <a:cxn ang="0">
-                <a:pos x="connsiteX949" y="connsiteY949"/>
-              </a:cxn>
-              <a:cxn ang="0">
-                <a:pos x="connsiteX950" y="connsiteY950"/>
-              </a:cxn>
-              <a:cxn ang="0">
-                <a:pos x="connsiteX951" y="connsiteY951"/>
-              </a:cxn>
-              <a:cxn ang="0">
-                <a:pos x="connsiteX952" y="connsiteY952"/>
-              </a:cxn>
-              <a:cxn ang="0">
-                <a:pos x="connsiteX953" y="connsiteY953"/>
-              </a:cxn>
-              <a:cxn ang="0">
-                <a:pos x="connsiteX954" y="connsiteY954"/>
-              </a:cxn>
-              <a:cxn ang="0">
-                <a:pos x="connsiteX955" y="connsiteY955"/>
-              </a:cxn>
-              <a:cxn ang="0">
-                <a:pos x="connsiteX956" y="connsiteY956"/>
-              </a:cxn>
-              <a:cxn ang="0">
-                <a:pos x="connsiteX957" y="connsiteY957"/>
-              </a:cxn>
-              <a:cxn ang="0">
-                <a:pos x="connsiteX958" y="connsiteY958"/>
-              </a:cxn>
-              <a:cxn ang="0">
-                <a:pos x="connsiteX959" y="connsiteY959"/>
-              </a:cxn>
-              <a:cxn ang="0">
-                <a:pos x="connsiteX960" y="connsiteY960"/>
-              </a:cxn>
-              <a:cxn ang="0">
-                <a:pos x="connsiteX961" y="connsiteY961"/>
-              </a:cxn>
-              <a:cxn ang="0">
-                <a:pos x="connsiteX962" y="connsiteY962"/>
-              </a:cxn>
-              <a:cxn ang="0">
-                <a:pos x="connsiteX963" y="connsiteY963"/>
-              </a:cxn>
-              <a:cxn ang="0">
-                <a:pos x="connsiteX964" y="connsiteY964"/>
-              </a:cxn>
-              <a:cxn ang="0">
-                <a:pos x="connsiteX965" y="connsiteY965"/>
-              </a:cxn>
-              <a:cxn ang="0">
-                <a:pos x="connsiteX966" y="connsiteY966"/>
-              </a:cxn>
-              <a:cxn ang="0">
-                <a:pos x="connsiteX967" y="connsiteY967"/>
-              </a:cxn>
-              <a:cxn ang="0">
-                <a:pos x="connsiteX968" y="connsiteY968"/>
-              </a:cxn>
-              <a:cxn ang="0">
-                <a:pos x="connsiteX969" y="connsiteY969"/>
-              </a:cxn>
-              <a:cxn ang="0">
-                <a:pos x="connsiteX970" y="connsiteY970"/>
-              </a:cxn>
-              <a:cxn ang="0">
-                <a:pos x="connsiteX971" y="connsiteY971"/>
-              </a:cxn>
-              <a:cxn ang="0">
-                <a:pos x="connsiteX972" y="connsiteY972"/>
-              </a:cxn>
-              <a:cxn ang="0">
-                <a:pos x="connsiteX973" y="connsiteY973"/>
-              </a:cxn>
-              <a:cxn ang="0">
-                <a:pos x="connsiteX974" y="connsiteY974"/>
-              </a:cxn>
-              <a:cxn ang="0">
-                <a:pos x="connsiteX975" y="connsiteY975"/>
-              </a:cxn>
-              <a:cxn ang="0">
-                <a:pos x="connsiteX976" y="connsiteY976"/>
-              </a:cxn>
-              <a:cxn ang="0">
-                <a:pos x="connsiteX977" y="connsiteY977"/>
-              </a:cxn>
-              <a:cxn ang="0">
-                <a:pos x="connsiteX978" y="connsiteY978"/>
-              </a:cxn>
-              <a:cxn ang="0">
-                <a:pos x="connsiteX979" y="connsiteY979"/>
-              </a:cxn>
-              <a:cxn ang="0">
-                <a:pos x="connsiteX980" y="connsiteY980"/>
-              </a:cxn>
-              <a:cxn ang="0">
-                <a:pos x="connsiteX981" y="connsiteY981"/>
-              </a:cxn>
-              <a:cxn ang="0">
-                <a:pos x="connsiteX982" y="connsiteY982"/>
-              </a:cxn>
-              <a:cxn ang="0">
-                <a:pos x="connsiteX983" y="connsiteY983"/>
-              </a:cxn>
-              <a:cxn ang="0">
-                <a:pos x="connsiteX984" y="connsiteY984"/>
-              </a:cxn>
-              <a:cxn ang="0">
-                <a:pos x="connsiteX985" y="connsiteY985"/>
-              </a:cxn>
-              <a:cxn ang="0">
-                <a:pos x="connsiteX986" y="connsiteY986"/>
-              </a:cxn>
-              <a:cxn ang="0">
-                <a:pos x="connsiteX987" y="connsiteY987"/>
-              </a:cxn>
-              <a:cxn ang="0">
-                <a:pos x="connsiteX988" y="connsiteY988"/>
-              </a:cxn>
-              <a:cxn ang="0">
-                <a:pos x="connsiteX989" y="connsiteY989"/>
-              </a:cxn>
-              <a:cxn ang="0">
-                <a:pos x="connsiteX990" y="connsiteY990"/>
-              </a:cxn>
-              <a:cxn ang="0">
-                <a:pos x="connsiteX991" y="connsiteY991"/>
-              </a:cxn>
-              <a:cxn ang="0">
-                <a:pos x="connsiteX992" y="connsiteY992"/>
-              </a:cxn>
-              <a:cxn ang="0">
-                <a:pos x="connsiteX993" y="connsiteY993"/>
-              </a:cxn>
-              <a:cxn ang="0">
-                <a:pos x="connsiteX994" y="connsiteY994"/>
-              </a:cxn>
-              <a:cxn ang="0">
-                <a:pos x="connsiteX995" y="connsiteY995"/>
-              </a:cxn>
-              <a:cxn ang="0">
-                <a:pos x="connsiteX996" y="connsiteY996"/>
-              </a:cxn>
-              <a:cxn ang="0">
-                <a:pos x="connsiteX997" y="connsiteY997"/>
-              </a:cxn>
-              <a:cxn ang="0">
-                <a:pos x="connsiteX998" y="connsiteY998"/>
-              </a:cxn>
-              <a:cxn ang="0">
-                <a:pos x="connsiteX999" y="connsiteY999"/>
-              </a:cxn>
-              <a:cxn ang="0">
-                <a:pos x="connsiteX1000" y="connsiteY1000"/>
-              </a:cxn>
-              <a:cxn ang="0">
-                <a:pos x="connsiteX1001" y="connsiteY1001"/>
-              </a:cxn>
-              <a:cxn ang="0">
-                <a:pos x="connsiteX1002" y="connsiteY1002"/>
-              </a:cxn>
-              <a:cxn ang="0">
-                <a:pos x="connsiteX1003" y="connsiteY1003"/>
-              </a:cxn>
-              <a:cxn ang="0">
-                <a:pos x="connsiteX1004" y="connsiteY1004"/>
-              </a:cxn>
-              <a:cxn ang="0">
-                <a:pos x="connsiteX1005" y="connsiteY1005"/>
-              </a:cxn>
-              <a:cxn ang="0">
-                <a:pos x="connsiteX1006" y="connsiteY1006"/>
-              </a:cxn>
-              <a:cxn ang="0">
-                <a:pos x="connsiteX1007" y="connsiteY1007"/>
-              </a:cxn>
-              <a:cxn ang="0">
-                <a:pos x="connsiteX1008" y="connsiteY1008"/>
-              </a:cxn>
-              <a:cxn ang="0">
-                <a:pos x="connsiteX1009" y="connsiteY1009"/>
-              </a:cxn>
-              <a:cxn ang="0">
-                <a:pos x="connsiteX1010" y="connsiteY1010"/>
-              </a:cxn>
-              <a:cxn ang="0">
-                <a:pos x="connsiteX1011" y="connsiteY1011"/>
-              </a:cxn>
-              <a:cxn ang="0">
-                <a:pos x="connsiteX1012" y="connsiteY1012"/>
-              </a:cxn>
-              <a:cxn ang="0">
-                <a:pos x="connsiteX1013" y="connsiteY1013"/>
-              </a:cxn>
-              <a:cxn ang="0">
-                <a:pos x="connsiteX1014" y="connsiteY1014"/>
-              </a:cxn>
-            </a:cxnLst>
-            <a:rect l="l" t="t" r="r" b="b"/>
-            <a:pathLst>
-              <a:path w="5593163" h="4305008">
-                <a:moveTo>
-                  <a:pt x="4985599" y="636203"/>
-                </a:moveTo>
-                <a:cubicBezTo>
-                  <a:pt x="5038875" y="907109"/>
-                  <a:pt x="5253718" y="1121906"/>
-                  <a:pt x="5528908" y="1181049"/>
-                </a:cubicBezTo>
-                <a:cubicBezTo>
-                  <a:pt x="5475633" y="910143"/>
-                  <a:pt x="5260789" y="695346"/>
-                  <a:pt x="4985599" y="636203"/>
-                </a:cubicBezTo>
-                <a:close/>
-                <a:moveTo>
-                  <a:pt x="4985599" y="2333028"/>
-                </a:moveTo>
-                <a:cubicBezTo>
-                  <a:pt x="5038875" y="2603934"/>
-                  <a:pt x="5253718" y="2818731"/>
-                  <a:pt x="5528908" y="2877874"/>
-                </a:cubicBezTo>
-                <a:cubicBezTo>
-                  <a:pt x="5475633" y="2606968"/>
-                  <a:pt x="5260789" y="2392171"/>
-                  <a:pt x="4985599" y="2333028"/>
-                </a:cubicBezTo>
-                <a:close/>
-                <a:moveTo>
-                  <a:pt x="4985597" y="2034258"/>
-                </a:moveTo>
-                <a:cubicBezTo>
-                  <a:pt x="5260787" y="1975579"/>
-                  <a:pt x="5475630" y="1762469"/>
-                  <a:pt x="5528906" y="1493690"/>
-                </a:cubicBezTo>
-                <a:cubicBezTo>
-                  <a:pt x="5253716" y="1552369"/>
-                  <a:pt x="5038872" y="1765479"/>
-                  <a:pt x="4985597" y="2034258"/>
-                </a:cubicBezTo>
-                <a:close/>
-                <a:moveTo>
-                  <a:pt x="4985597" y="3731083"/>
-                </a:moveTo>
-                <a:cubicBezTo>
-                  <a:pt x="5260787" y="3672404"/>
-                  <a:pt x="5475630" y="3459294"/>
-                  <a:pt x="5528906" y="3190516"/>
-                </a:cubicBezTo>
-                <a:cubicBezTo>
-                  <a:pt x="5253716" y="3249194"/>
-                  <a:pt x="5038872" y="3462304"/>
-                  <a:pt x="4985597" y="3731083"/>
-                </a:cubicBezTo>
-                <a:close/>
-                <a:moveTo>
-                  <a:pt x="4842232" y="503273"/>
-                </a:moveTo>
-                <a:lnTo>
-                  <a:pt x="4842826" y="491833"/>
-                </a:lnTo>
-                <a:lnTo>
-                  <a:pt x="4843324" y="491866"/>
-                </a:lnTo>
-                <a:lnTo>
-                  <a:pt x="4843350" y="491372"/>
-                </a:lnTo>
-                <a:lnTo>
-                  <a:pt x="4860437" y="492995"/>
-                </a:lnTo>
-                <a:cubicBezTo>
-                  <a:pt x="4892823" y="493522"/>
-                  <a:pt x="4924716" y="496503"/>
-                  <a:pt x="4955899" y="502060"/>
-                </a:cubicBezTo>
-                <a:cubicBezTo>
-                  <a:pt x="4961475" y="501641"/>
-                  <a:pt x="4966803" y="502589"/>
-                  <a:pt x="4972112" y="503599"/>
-                </a:cubicBezTo>
-                <a:lnTo>
-                  <a:pt x="4972229" y="504747"/>
-                </a:lnTo>
-                <a:cubicBezTo>
-                  <a:pt x="5241367" y="549296"/>
-                  <a:pt x="5466735" y="718370"/>
-                  <a:pt x="5583809" y="948988"/>
-                </a:cubicBezTo>
-                <a:lnTo>
-                  <a:pt x="5593163" y="971822"/>
-                </a:lnTo>
-                <a:lnTo>
-                  <a:pt x="5593163" y="1318474"/>
-                </a:lnTo>
-                <a:lnTo>
-                  <a:pt x="5558612" y="1315193"/>
-                </a:lnTo>
-                <a:cubicBezTo>
-                  <a:pt x="5553035" y="1315612"/>
-                  <a:pt x="5547706" y="1314664"/>
-                  <a:pt x="5542395" y="1313653"/>
-                </a:cubicBezTo>
-                <a:lnTo>
-                  <a:pt x="5542279" y="1312505"/>
-                </a:lnTo>
-                <a:cubicBezTo>
-                  <a:pt x="5183428" y="1253106"/>
-                  <a:pt x="4902389" y="972329"/>
-                  <a:pt x="4852114" y="619464"/>
-                </a:cubicBezTo>
-                <a:cubicBezTo>
-                  <a:pt x="4851946" y="619411"/>
-                  <a:pt x="4851778" y="619406"/>
-                  <a:pt x="4851608" y="619401"/>
-                </a:cubicBezTo>
-                <a:lnTo>
-                  <a:pt x="4851070" y="612725"/>
-                </a:lnTo>
-                <a:cubicBezTo>
-                  <a:pt x="4846011" y="582475"/>
-                  <a:pt x="4843560" y="551584"/>
-                  <a:pt x="4843603" y="520249"/>
-                </a:cubicBezTo>
-                <a:cubicBezTo>
-                  <a:pt x="4842291" y="514621"/>
-                  <a:pt x="4842232" y="508954"/>
-                  <a:pt x="4842232" y="503273"/>
-                </a:cubicBezTo>
-                <a:close/>
-                <a:moveTo>
-                  <a:pt x="4842232" y="2200098"/>
-                </a:moveTo>
-                <a:lnTo>
-                  <a:pt x="4842826" y="2188658"/>
-                </a:lnTo>
-                <a:lnTo>
-                  <a:pt x="4843324" y="2188691"/>
-                </a:lnTo>
-                <a:lnTo>
-                  <a:pt x="4843350" y="2188197"/>
-                </a:lnTo>
-                <a:lnTo>
-                  <a:pt x="4860437" y="2189820"/>
-                </a:lnTo>
-                <a:cubicBezTo>
-                  <a:pt x="4892823" y="2190347"/>
-                  <a:pt x="4924716" y="2193328"/>
-                  <a:pt x="4955899" y="2198885"/>
-                </a:cubicBezTo>
-                <a:cubicBezTo>
-                  <a:pt x="4961475" y="2198466"/>
-                  <a:pt x="4966803" y="2199414"/>
-                  <a:pt x="4972112" y="2200424"/>
-                </a:cubicBezTo>
-                <a:lnTo>
-                  <a:pt x="4972229" y="2201572"/>
-                </a:lnTo>
-                <a:cubicBezTo>
-                  <a:pt x="5241367" y="2246121"/>
-                  <a:pt x="5466735" y="2415195"/>
-                  <a:pt x="5583809" y="2645813"/>
-                </a:cubicBezTo>
-                <a:lnTo>
-                  <a:pt x="5593163" y="2668647"/>
-                </a:lnTo>
-                <a:lnTo>
-                  <a:pt x="5593163" y="3015299"/>
-                </a:lnTo>
-                <a:lnTo>
-                  <a:pt x="5558612" y="3012018"/>
-                </a:lnTo>
-                <a:cubicBezTo>
-                  <a:pt x="5553035" y="3012437"/>
-                  <a:pt x="5547706" y="3011489"/>
-                  <a:pt x="5542395" y="3010478"/>
-                </a:cubicBezTo>
-                <a:lnTo>
-                  <a:pt x="5542279" y="3009330"/>
-                </a:lnTo>
-                <a:cubicBezTo>
-                  <a:pt x="5183428" y="2949931"/>
-                  <a:pt x="4902389" y="2669154"/>
-                  <a:pt x="4852114" y="2316289"/>
-                </a:cubicBezTo>
-                <a:cubicBezTo>
-                  <a:pt x="4851946" y="2316236"/>
-                  <a:pt x="4851778" y="2316231"/>
-                  <a:pt x="4851608" y="2316226"/>
-                </a:cubicBezTo>
-                <a:lnTo>
-                  <a:pt x="4851070" y="2309550"/>
-                </a:lnTo>
-                <a:cubicBezTo>
-                  <a:pt x="4846011" y="2279300"/>
-                  <a:pt x="4843560" y="2248409"/>
-                  <a:pt x="4843603" y="2217074"/>
-                </a:cubicBezTo>
-                <a:cubicBezTo>
-                  <a:pt x="4842291" y="2211446"/>
-                  <a:pt x="4842232" y="2205779"/>
-                  <a:pt x="4842232" y="2200098"/>
-                </a:cubicBezTo>
-                <a:close/>
-                <a:moveTo>
-                  <a:pt x="4842232" y="3896923"/>
-                </a:moveTo>
-                <a:lnTo>
-                  <a:pt x="4842826" y="3885483"/>
-                </a:lnTo>
-                <a:lnTo>
-                  <a:pt x="4843324" y="3885516"/>
-                </a:lnTo>
-                <a:lnTo>
-                  <a:pt x="4843350" y="3885022"/>
-                </a:lnTo>
-                <a:lnTo>
-                  <a:pt x="4860437" y="3886645"/>
-                </a:lnTo>
-                <a:cubicBezTo>
-                  <a:pt x="4892823" y="3887172"/>
-                  <a:pt x="4924716" y="3890153"/>
-                  <a:pt x="4955899" y="3895710"/>
-                </a:cubicBezTo>
-                <a:cubicBezTo>
-                  <a:pt x="4961475" y="3895291"/>
-                  <a:pt x="4966803" y="3896239"/>
-                  <a:pt x="4972112" y="3897249"/>
-                </a:cubicBezTo>
-                <a:lnTo>
-                  <a:pt x="4972229" y="3898397"/>
-                </a:lnTo>
-                <a:cubicBezTo>
-                  <a:pt x="5206288" y="3937139"/>
-                  <a:pt x="5407245" y="4070062"/>
-                  <a:pt x="5532481" y="4255797"/>
-                </a:cubicBezTo>
-                <a:lnTo>
-                  <a:pt x="5560926" y="4305008"/>
-                </a:lnTo>
-                <a:lnTo>
-                  <a:pt x="5409877" y="4305008"/>
-                </a:lnTo>
-                <a:lnTo>
-                  <a:pt x="5357754" y="4241205"/>
-                </a:lnTo>
-                <a:cubicBezTo>
-                  <a:pt x="5261058" y="4136681"/>
-                  <a:pt x="5131850" y="4061285"/>
-                  <a:pt x="4985599" y="4029853"/>
-                </a:cubicBezTo>
-                <a:cubicBezTo>
-                  <a:pt x="5002846" y="4117553"/>
-                  <a:pt x="5037026" y="4199373"/>
-                  <a:pt x="5084780" y="4271827"/>
-                </a:cubicBezTo>
-                <a:lnTo>
-                  <a:pt x="5111462" y="4305008"/>
-                </a:lnTo>
-                <a:lnTo>
-                  <a:pt x="4957353" y="4305008"/>
-                </a:lnTo>
-                <a:lnTo>
-                  <a:pt x="4927231" y="4254710"/>
-                </a:lnTo>
-                <a:cubicBezTo>
-                  <a:pt x="4890029" y="4179889"/>
-                  <a:pt x="4864297" y="4098618"/>
-                  <a:pt x="4852114" y="4013114"/>
-                </a:cubicBezTo>
-                <a:cubicBezTo>
-                  <a:pt x="4851946" y="4013061"/>
-                  <a:pt x="4851778" y="4013056"/>
-                  <a:pt x="4851608" y="4013051"/>
-                </a:cubicBezTo>
-                <a:lnTo>
-                  <a:pt x="4851070" y="4006375"/>
-                </a:lnTo>
-                <a:cubicBezTo>
-                  <a:pt x="4846011" y="3976125"/>
-                  <a:pt x="4843560" y="3945234"/>
-                  <a:pt x="4843603" y="3913899"/>
-                </a:cubicBezTo>
-                <a:cubicBezTo>
-                  <a:pt x="4842291" y="3908271"/>
-                  <a:pt x="4842232" y="3902604"/>
-                  <a:pt x="4842232" y="3896923"/>
-                </a:cubicBezTo>
-                <a:close/>
-                <a:moveTo>
-                  <a:pt x="4842230" y="469318"/>
-                </a:moveTo>
-                <a:cubicBezTo>
-                  <a:pt x="4842230" y="463681"/>
-                  <a:pt x="4842289" y="458057"/>
-                  <a:pt x="4843601" y="452471"/>
-                </a:cubicBezTo>
-                <a:cubicBezTo>
-                  <a:pt x="4843558" y="421389"/>
-                  <a:pt x="4846008" y="390746"/>
-                  <a:pt x="4851065" y="360740"/>
-                </a:cubicBezTo>
-                <a:lnTo>
-                  <a:pt x="4851605" y="354103"/>
-                </a:lnTo>
-                <a:cubicBezTo>
-                  <a:pt x="4851774" y="354098"/>
-                  <a:pt x="4851943" y="354093"/>
-                  <a:pt x="4852110" y="354040"/>
-                </a:cubicBezTo>
-                <a:cubicBezTo>
-                  <a:pt x="4865262" y="262463"/>
-                  <a:pt x="4894203" y="175780"/>
-                  <a:pt x="4936323" y="96778"/>
-                </a:cubicBezTo>
-                <a:lnTo>
-                  <a:pt x="4998957" y="0"/>
-                </a:lnTo>
-                <a:lnTo>
-                  <a:pt x="5167333" y="0"/>
-                </a:lnTo>
-                <a:lnTo>
-                  <a:pt x="5099105" y="76659"/>
-                </a:lnTo>
-                <a:cubicBezTo>
-                  <a:pt x="5043838" y="153496"/>
-                  <a:pt x="5004523" y="241952"/>
-                  <a:pt x="4985597" y="337433"/>
-                </a:cubicBezTo>
-                <a:cubicBezTo>
-                  <a:pt x="5168636" y="298404"/>
-                  <a:pt x="5324978" y="191052"/>
-                  <a:pt x="5424571" y="44350"/>
-                </a:cubicBezTo>
-                <a:lnTo>
-                  <a:pt x="5446799" y="0"/>
-                </a:lnTo>
-                <a:lnTo>
-                  <a:pt x="5593163" y="0"/>
-                </a:lnTo>
-                <a:lnTo>
-                  <a:pt x="5593163" y="4197"/>
-                </a:lnTo>
-                <a:lnTo>
-                  <a:pt x="5543598" y="95636"/>
-                </a:lnTo>
-                <a:cubicBezTo>
-                  <a:pt x="5419825" y="289169"/>
-                  <a:pt x="5213633" y="428211"/>
-                  <a:pt x="4972226" y="467856"/>
-                </a:cubicBezTo>
-                <a:lnTo>
-                  <a:pt x="4972110" y="468995"/>
-                </a:lnTo>
-                <a:cubicBezTo>
-                  <a:pt x="4966799" y="469998"/>
-                  <a:pt x="4961470" y="470939"/>
-                  <a:pt x="4955893" y="470523"/>
-                </a:cubicBezTo>
-                <a:cubicBezTo>
-                  <a:pt x="4924721" y="476033"/>
-                  <a:pt x="4892841" y="478991"/>
-                  <a:pt x="4860466" y="479514"/>
-                </a:cubicBezTo>
-                <a:lnTo>
-                  <a:pt x="4843348" y="481127"/>
-                </a:lnTo>
-                <a:lnTo>
-                  <a:pt x="4843322" y="480636"/>
-                </a:lnTo>
-                <a:lnTo>
-                  <a:pt x="4842823" y="480669"/>
-                </a:lnTo>
-                <a:cubicBezTo>
-                  <a:pt x="4842257" y="476896"/>
-                  <a:pt x="4842230" y="473110"/>
-                  <a:pt x="4842230" y="469318"/>
-                </a:cubicBezTo>
-                <a:close/>
-                <a:moveTo>
-                  <a:pt x="4842230" y="2166144"/>
-                </a:moveTo>
-                <a:cubicBezTo>
-                  <a:pt x="4842230" y="2160506"/>
-                  <a:pt x="4842289" y="2154882"/>
-                  <a:pt x="4843601" y="2149296"/>
-                </a:cubicBezTo>
-                <a:cubicBezTo>
-                  <a:pt x="4843558" y="2118214"/>
-                  <a:pt x="4846008" y="2087572"/>
-                  <a:pt x="4851065" y="2057565"/>
-                </a:cubicBezTo>
-                <a:lnTo>
-                  <a:pt x="4851605" y="2050928"/>
-                </a:lnTo>
-                <a:cubicBezTo>
-                  <a:pt x="4851774" y="2050923"/>
-                  <a:pt x="4851943" y="2050918"/>
-                  <a:pt x="4852110" y="2050865"/>
-                </a:cubicBezTo>
-                <a:cubicBezTo>
-                  <a:pt x="4902387" y="1700770"/>
-                  <a:pt x="5183426" y="1422199"/>
-                  <a:pt x="5542276" y="1363267"/>
-                </a:cubicBezTo>
-                <a:lnTo>
-                  <a:pt x="5542393" y="1362128"/>
-                </a:lnTo>
-                <a:cubicBezTo>
-                  <a:pt x="5547702" y="1361126"/>
-                  <a:pt x="5553030" y="1360185"/>
-                  <a:pt x="5558606" y="1360601"/>
-                </a:cubicBezTo>
-                <a:lnTo>
-                  <a:pt x="5593163" y="1357345"/>
-                </a:lnTo>
-                <a:lnTo>
-                  <a:pt x="5593163" y="1701268"/>
-                </a:lnTo>
-                <a:lnTo>
-                  <a:pt x="5583807" y="1723929"/>
-                </a:lnTo>
-                <a:cubicBezTo>
-                  <a:pt x="5466733" y="1952736"/>
-                  <a:pt x="5241364" y="2120482"/>
-                  <a:pt x="4972226" y="2164681"/>
-                </a:cubicBezTo>
-                <a:lnTo>
-                  <a:pt x="4972110" y="2165820"/>
-                </a:lnTo>
-                <a:cubicBezTo>
-                  <a:pt x="4966799" y="2166823"/>
-                  <a:pt x="4961470" y="2167764"/>
-                  <a:pt x="4955893" y="2167348"/>
-                </a:cubicBezTo>
-                <a:cubicBezTo>
-                  <a:pt x="4924721" y="2172858"/>
-                  <a:pt x="4892841" y="2175816"/>
-                  <a:pt x="4860466" y="2176339"/>
-                </a:cubicBezTo>
-                <a:lnTo>
-                  <a:pt x="4843348" y="2177952"/>
-                </a:lnTo>
-                <a:lnTo>
-                  <a:pt x="4843322" y="2177461"/>
-                </a:lnTo>
-                <a:lnTo>
-                  <a:pt x="4842823" y="2177494"/>
-                </a:lnTo>
-                <a:cubicBezTo>
-                  <a:pt x="4842257" y="2173722"/>
-                  <a:pt x="4842230" y="2169936"/>
-                  <a:pt x="4842230" y="2166144"/>
-                </a:cubicBezTo>
-                <a:close/>
-                <a:moveTo>
-                  <a:pt x="4842230" y="3862969"/>
-                </a:moveTo>
-                <a:cubicBezTo>
-                  <a:pt x="4842230" y="3857331"/>
-                  <a:pt x="4842289" y="3851707"/>
-                  <a:pt x="4843601" y="3846121"/>
-                </a:cubicBezTo>
-                <a:cubicBezTo>
-                  <a:pt x="4843558" y="3815039"/>
-                  <a:pt x="4846008" y="3784397"/>
-                  <a:pt x="4851065" y="3754390"/>
-                </a:cubicBezTo>
-                <a:lnTo>
-                  <a:pt x="4851605" y="3747753"/>
-                </a:lnTo>
-                <a:cubicBezTo>
-                  <a:pt x="4851774" y="3747748"/>
-                  <a:pt x="4851943" y="3747743"/>
-                  <a:pt x="4852110" y="3747690"/>
-                </a:cubicBezTo>
-                <a:cubicBezTo>
-                  <a:pt x="4902387" y="3397595"/>
-                  <a:pt x="5183426" y="3119024"/>
-                  <a:pt x="5542276" y="3060092"/>
-                </a:cubicBezTo>
-                <a:lnTo>
-                  <a:pt x="5542393" y="3058953"/>
-                </a:lnTo>
-                <a:cubicBezTo>
-                  <a:pt x="5547702" y="3057951"/>
-                  <a:pt x="5553030" y="3057010"/>
-                  <a:pt x="5558606" y="3057426"/>
-                </a:cubicBezTo>
-                <a:lnTo>
-                  <a:pt x="5593163" y="3054170"/>
-                </a:lnTo>
-                <a:lnTo>
-                  <a:pt x="5593163" y="3398093"/>
-                </a:lnTo>
-                <a:lnTo>
-                  <a:pt x="5583807" y="3420754"/>
-                </a:lnTo>
-                <a:cubicBezTo>
-                  <a:pt x="5466733" y="3649560"/>
-                  <a:pt x="5241364" y="3817307"/>
-                  <a:pt x="4972226" y="3861506"/>
-                </a:cubicBezTo>
-                <a:lnTo>
-                  <a:pt x="4972110" y="3862645"/>
-                </a:lnTo>
-                <a:cubicBezTo>
-                  <a:pt x="4966799" y="3863648"/>
-                  <a:pt x="4961470" y="3864589"/>
-                  <a:pt x="4955893" y="3864173"/>
-                </a:cubicBezTo>
-                <a:cubicBezTo>
-                  <a:pt x="4924721" y="3869683"/>
-                  <a:pt x="4892841" y="3872641"/>
-                  <a:pt x="4860466" y="3873164"/>
-                </a:cubicBezTo>
-                <a:lnTo>
-                  <a:pt x="4843348" y="3874777"/>
-                </a:lnTo>
-                <a:lnTo>
-                  <a:pt x="4843322" y="3874286"/>
-                </a:lnTo>
-                <a:lnTo>
-                  <a:pt x="4842823" y="3874319"/>
-                </a:lnTo>
-                <a:cubicBezTo>
-                  <a:pt x="4842257" y="3870547"/>
-                  <a:pt x="4842230" y="3866761"/>
-                  <a:pt x="4842230" y="3862969"/>
-                </a:cubicBezTo>
-                <a:close/>
-                <a:moveTo>
-                  <a:pt x="4135041" y="1181049"/>
-                </a:moveTo>
-                <a:cubicBezTo>
-                  <a:pt x="4410231" y="1121906"/>
-                  <a:pt x="4625074" y="907109"/>
-                  <a:pt x="4678350" y="636203"/>
-                </a:cubicBezTo>
-                <a:cubicBezTo>
-                  <a:pt x="4403160" y="695346"/>
-                  <a:pt x="4188316" y="910143"/>
-                  <a:pt x="4135041" y="1181049"/>
-                </a:cubicBezTo>
-                <a:close/>
-                <a:moveTo>
-                  <a:pt x="4135041" y="1493690"/>
-                </a:moveTo>
-                <a:cubicBezTo>
-                  <a:pt x="4188317" y="1762469"/>
-                  <a:pt x="4403160" y="1975579"/>
-                  <a:pt x="4678350" y="2034258"/>
-                </a:cubicBezTo>
-                <a:cubicBezTo>
-                  <a:pt x="4625075" y="1765479"/>
-                  <a:pt x="4410231" y="1552369"/>
-                  <a:pt x="4135041" y="1493690"/>
-                </a:cubicBezTo>
-                <a:close/>
-                <a:moveTo>
-                  <a:pt x="4135041" y="2877874"/>
-                </a:moveTo>
-                <a:cubicBezTo>
-                  <a:pt x="4410231" y="2818731"/>
-                  <a:pt x="4625074" y="2603934"/>
-                  <a:pt x="4678350" y="2333028"/>
-                </a:cubicBezTo>
-                <a:cubicBezTo>
-                  <a:pt x="4403160" y="2392171"/>
-                  <a:pt x="4188316" y="2606968"/>
-                  <a:pt x="4135041" y="2877874"/>
-                </a:cubicBezTo>
-                <a:close/>
-                <a:moveTo>
-                  <a:pt x="4135041" y="3190516"/>
-                </a:moveTo>
-                <a:cubicBezTo>
-                  <a:pt x="4188317" y="3459294"/>
-                  <a:pt x="4403160" y="3672404"/>
-                  <a:pt x="4678350" y="3731083"/>
-                </a:cubicBezTo>
-                <a:cubicBezTo>
-                  <a:pt x="4625075" y="3462304"/>
-                  <a:pt x="4410231" y="3249194"/>
-                  <a:pt x="4135041" y="3190516"/>
-                </a:cubicBezTo>
-                <a:close/>
-                <a:moveTo>
-                  <a:pt x="4103022" y="4305008"/>
-                </a:moveTo>
-                <a:lnTo>
-                  <a:pt x="4131467" y="4255797"/>
-                </a:lnTo>
-                <a:cubicBezTo>
-                  <a:pt x="4256704" y="4070062"/>
-                  <a:pt x="4457661" y="3937139"/>
-                  <a:pt x="4691720" y="3898397"/>
-                </a:cubicBezTo>
-                <a:lnTo>
-                  <a:pt x="4691837" y="3897249"/>
-                </a:lnTo>
-                <a:cubicBezTo>
-                  <a:pt x="4697146" y="3896239"/>
-                  <a:pt x="4702474" y="3895291"/>
-                  <a:pt x="4708050" y="3895710"/>
-                </a:cubicBezTo>
-                <a:cubicBezTo>
-                  <a:pt x="4739233" y="3890153"/>
-                  <a:pt x="4771126" y="3887172"/>
-                  <a:pt x="4803512" y="3886645"/>
-                </a:cubicBezTo>
-                <a:lnTo>
-                  <a:pt x="4820599" y="3885022"/>
-                </a:lnTo>
-                <a:lnTo>
-                  <a:pt x="4820625" y="3885516"/>
-                </a:lnTo>
-                <a:lnTo>
-                  <a:pt x="4821123" y="3885483"/>
-                </a:lnTo>
-                <a:lnTo>
-                  <a:pt x="4821717" y="3896923"/>
-                </a:lnTo>
-                <a:cubicBezTo>
-                  <a:pt x="4821717" y="3902604"/>
-                  <a:pt x="4821658" y="3908271"/>
-                  <a:pt x="4820346" y="3913899"/>
-                </a:cubicBezTo>
-                <a:cubicBezTo>
-                  <a:pt x="4820389" y="3945234"/>
-                  <a:pt x="4817938" y="3976125"/>
-                  <a:pt x="4812879" y="4006375"/>
-                </a:cubicBezTo>
-                <a:lnTo>
-                  <a:pt x="4812341" y="4013051"/>
-                </a:lnTo>
-                <a:cubicBezTo>
-                  <a:pt x="4812171" y="4013056"/>
-                  <a:pt x="4812003" y="4013061"/>
-                  <a:pt x="4811835" y="4013114"/>
-                </a:cubicBezTo>
-                <a:cubicBezTo>
-                  <a:pt x="4799653" y="4098618"/>
-                  <a:pt x="4773921" y="4179889"/>
-                  <a:pt x="4736718" y="4254710"/>
-                </a:cubicBezTo>
-                <a:lnTo>
-                  <a:pt x="4706597" y="4305008"/>
-                </a:lnTo>
-                <a:lnTo>
-                  <a:pt x="4552487" y="4305008"/>
-                </a:lnTo>
-                <a:lnTo>
-                  <a:pt x="4579169" y="4271827"/>
-                </a:lnTo>
-                <a:cubicBezTo>
-                  <a:pt x="4626924" y="4199373"/>
-                  <a:pt x="4661103" y="4117553"/>
-                  <a:pt x="4678350" y="4029853"/>
-                </a:cubicBezTo>
-                <a:cubicBezTo>
-                  <a:pt x="4532099" y="4061285"/>
-                  <a:pt x="4402892" y="4136681"/>
-                  <a:pt x="4306196" y="4241205"/>
-                </a:cubicBezTo>
-                <a:lnTo>
-                  <a:pt x="4254073" y="4305008"/>
-                </a:lnTo>
-                <a:close/>
-                <a:moveTo>
-                  <a:pt x="4068511" y="0"/>
-                </a:moveTo>
-                <a:lnTo>
-                  <a:pt x="4217148" y="0"/>
-                </a:lnTo>
-                <a:lnTo>
-                  <a:pt x="4239376" y="44350"/>
-                </a:lnTo>
-                <a:cubicBezTo>
-                  <a:pt x="4338970" y="191052"/>
-                  <a:pt x="4495311" y="298404"/>
-                  <a:pt x="4678350" y="337433"/>
-                </a:cubicBezTo>
-                <a:cubicBezTo>
-                  <a:pt x="4659425" y="241952"/>
-                  <a:pt x="4620110" y="153496"/>
-                  <a:pt x="4564842" y="76659"/>
-                </a:cubicBezTo>
-                <a:lnTo>
-                  <a:pt x="4496615" y="0"/>
-                </a:lnTo>
-                <a:lnTo>
-                  <a:pt x="4664989" y="0"/>
-                </a:lnTo>
-                <a:lnTo>
-                  <a:pt x="4727623" y="96778"/>
-                </a:lnTo>
-                <a:cubicBezTo>
-                  <a:pt x="4769744" y="175780"/>
-                  <a:pt x="4798685" y="262463"/>
-                  <a:pt x="4811836" y="354040"/>
-                </a:cubicBezTo>
-                <a:cubicBezTo>
-                  <a:pt x="4812004" y="354093"/>
-                  <a:pt x="4812173" y="354098"/>
-                  <a:pt x="4812342" y="354103"/>
-                </a:cubicBezTo>
-                <a:lnTo>
-                  <a:pt x="4812882" y="360740"/>
-                </a:lnTo>
-                <a:cubicBezTo>
-                  <a:pt x="4817939" y="390746"/>
-                  <a:pt x="4820389" y="421389"/>
-                  <a:pt x="4820346" y="452471"/>
-                </a:cubicBezTo>
-                <a:cubicBezTo>
-                  <a:pt x="4821658" y="458057"/>
-                  <a:pt x="4821717" y="463681"/>
-                  <a:pt x="4821717" y="469318"/>
-                </a:cubicBezTo>
-                <a:cubicBezTo>
-                  <a:pt x="4821717" y="473110"/>
-                  <a:pt x="4821690" y="476896"/>
-                  <a:pt x="4821124" y="480669"/>
-                </a:cubicBezTo>
-                <a:lnTo>
-                  <a:pt x="4820625" y="480636"/>
-                </a:lnTo>
-                <a:lnTo>
-                  <a:pt x="4820599" y="481127"/>
-                </a:lnTo>
-                <a:lnTo>
-                  <a:pt x="4803481" y="479514"/>
-                </a:lnTo>
-                <a:cubicBezTo>
-                  <a:pt x="4771106" y="478991"/>
-                  <a:pt x="4739226" y="476033"/>
-                  <a:pt x="4708054" y="470523"/>
-                </a:cubicBezTo>
-                <a:cubicBezTo>
-                  <a:pt x="4702477" y="470939"/>
-                  <a:pt x="4697148" y="469998"/>
-                  <a:pt x="4691837" y="468995"/>
-                </a:cubicBezTo>
-                <a:lnTo>
-                  <a:pt x="4691721" y="467856"/>
-                </a:lnTo>
-                <a:cubicBezTo>
-                  <a:pt x="4450315" y="428211"/>
-                  <a:pt x="4244123" y="289169"/>
-                  <a:pt x="4120350" y="95636"/>
-                </a:cubicBezTo>
-                <a:close/>
-                <a:moveTo>
-                  <a:pt x="3991674" y="1313979"/>
-                </a:moveTo>
-                <a:cubicBezTo>
-                  <a:pt x="3991674" y="1308297"/>
-                  <a:pt x="3991733" y="1302628"/>
-                  <a:pt x="3993045" y="1296998"/>
-                </a:cubicBezTo>
-                <a:cubicBezTo>
-                  <a:pt x="3993003" y="1265670"/>
-                  <a:pt x="3995452" y="1234785"/>
-                  <a:pt x="4000509" y="1204541"/>
-                </a:cubicBezTo>
-                <a:lnTo>
-                  <a:pt x="4001049" y="1197851"/>
-                </a:lnTo>
-                <a:cubicBezTo>
-                  <a:pt x="4001218" y="1197846"/>
-                  <a:pt x="4001387" y="1197841"/>
-                  <a:pt x="4001555" y="1197788"/>
-                </a:cubicBezTo>
-                <a:cubicBezTo>
-                  <a:pt x="4051831" y="844922"/>
-                  <a:pt x="4332870" y="564145"/>
-                  <a:pt x="4691720" y="504747"/>
-                </a:cubicBezTo>
-                <a:lnTo>
-                  <a:pt x="4691837" y="503599"/>
-                </a:lnTo>
-                <a:cubicBezTo>
-                  <a:pt x="4697146" y="502589"/>
-                  <a:pt x="4702474" y="501641"/>
-                  <a:pt x="4708050" y="502060"/>
-                </a:cubicBezTo>
-                <a:cubicBezTo>
-                  <a:pt x="4739233" y="496503"/>
-                  <a:pt x="4771126" y="493522"/>
-                  <a:pt x="4803512" y="492995"/>
-                </a:cubicBezTo>
-                <a:lnTo>
-                  <a:pt x="4820599" y="491372"/>
-                </a:lnTo>
-                <a:lnTo>
-                  <a:pt x="4820625" y="491866"/>
-                </a:lnTo>
-                <a:lnTo>
-                  <a:pt x="4821123" y="491833"/>
-                </a:lnTo>
-                <a:lnTo>
-                  <a:pt x="4821717" y="503273"/>
-                </a:lnTo>
-                <a:cubicBezTo>
-                  <a:pt x="4821717" y="508954"/>
-                  <a:pt x="4821658" y="514621"/>
-                  <a:pt x="4820346" y="520249"/>
-                </a:cubicBezTo>
-                <a:cubicBezTo>
-                  <a:pt x="4820389" y="551584"/>
-                  <a:pt x="4817938" y="582475"/>
-                  <a:pt x="4812879" y="612725"/>
-                </a:cubicBezTo>
-                <a:lnTo>
-                  <a:pt x="4812341" y="619401"/>
-                </a:lnTo>
-                <a:cubicBezTo>
-                  <a:pt x="4812171" y="619406"/>
-                  <a:pt x="4812003" y="619411"/>
-                  <a:pt x="4811835" y="619464"/>
-                </a:cubicBezTo>
-                <a:cubicBezTo>
-                  <a:pt x="4761560" y="972329"/>
-                  <a:pt x="4480521" y="1253106"/>
-                  <a:pt x="4121670" y="1312505"/>
-                </a:cubicBezTo>
-                <a:lnTo>
-                  <a:pt x="4121554" y="1313653"/>
-                </a:lnTo>
-                <a:cubicBezTo>
-                  <a:pt x="4116243" y="1314664"/>
-                  <a:pt x="4110914" y="1315612"/>
-                  <a:pt x="4105337" y="1315193"/>
-                </a:cubicBezTo>
-                <a:cubicBezTo>
-                  <a:pt x="4074165" y="1320747"/>
-                  <a:pt x="4042285" y="1323728"/>
-                  <a:pt x="4009911" y="1324255"/>
-                </a:cubicBezTo>
-                <a:lnTo>
-                  <a:pt x="3992792" y="1325881"/>
-                </a:lnTo>
-                <a:lnTo>
-                  <a:pt x="3992766" y="1325386"/>
-                </a:lnTo>
-                <a:lnTo>
-                  <a:pt x="3992267" y="1325419"/>
-                </a:lnTo>
-                <a:cubicBezTo>
-                  <a:pt x="3991701" y="1321617"/>
-                  <a:pt x="3991674" y="1317801"/>
-                  <a:pt x="3991674" y="1313979"/>
-                </a:cubicBezTo>
-                <a:close/>
-                <a:moveTo>
-                  <a:pt x="3991674" y="1361805"/>
-                </a:moveTo>
-                <a:lnTo>
-                  <a:pt x="3992268" y="1350455"/>
-                </a:lnTo>
-                <a:lnTo>
-                  <a:pt x="3992766" y="1350487"/>
-                </a:lnTo>
-                <a:lnTo>
-                  <a:pt x="3992792" y="1349997"/>
-                </a:lnTo>
-                <a:lnTo>
-                  <a:pt x="4009880" y="1351607"/>
-                </a:lnTo>
-                <a:cubicBezTo>
-                  <a:pt x="4042265" y="1352130"/>
-                  <a:pt x="4074158" y="1355088"/>
-                  <a:pt x="4105341" y="1360601"/>
-                </a:cubicBezTo>
-                <a:cubicBezTo>
-                  <a:pt x="4110917" y="1360185"/>
-                  <a:pt x="4116245" y="1361126"/>
-                  <a:pt x="4121554" y="1362128"/>
-                </a:cubicBezTo>
-                <a:lnTo>
-                  <a:pt x="4121671" y="1363267"/>
-                </a:lnTo>
-                <a:cubicBezTo>
-                  <a:pt x="4480521" y="1422199"/>
-                  <a:pt x="4761560" y="1700770"/>
-                  <a:pt x="4811836" y="2050865"/>
-                </a:cubicBezTo>
-                <a:cubicBezTo>
-                  <a:pt x="4812004" y="2050918"/>
-                  <a:pt x="4812173" y="2050923"/>
-                  <a:pt x="4812342" y="2050928"/>
-                </a:cubicBezTo>
-                <a:lnTo>
-                  <a:pt x="4812882" y="2057565"/>
-                </a:lnTo>
-                <a:cubicBezTo>
-                  <a:pt x="4817939" y="2087572"/>
-                  <a:pt x="4820389" y="2118214"/>
-                  <a:pt x="4820346" y="2149296"/>
-                </a:cubicBezTo>
-                <a:cubicBezTo>
-                  <a:pt x="4821658" y="2154882"/>
-                  <a:pt x="4821717" y="2160506"/>
-                  <a:pt x="4821717" y="2166144"/>
-                </a:cubicBezTo>
-                <a:cubicBezTo>
-                  <a:pt x="4821717" y="2169936"/>
-                  <a:pt x="4821690" y="2173722"/>
-                  <a:pt x="4821124" y="2177494"/>
-                </a:cubicBezTo>
-                <a:lnTo>
-                  <a:pt x="4820625" y="2177461"/>
-                </a:lnTo>
-                <a:lnTo>
-                  <a:pt x="4820599" y="2177952"/>
-                </a:lnTo>
-                <a:lnTo>
-                  <a:pt x="4803481" y="2176339"/>
-                </a:lnTo>
-                <a:cubicBezTo>
-                  <a:pt x="4771106" y="2175816"/>
-                  <a:pt x="4739226" y="2172858"/>
-                  <a:pt x="4708054" y="2167348"/>
-                </a:cubicBezTo>
-                <a:cubicBezTo>
-                  <a:pt x="4702477" y="2167764"/>
-                  <a:pt x="4697148" y="2166823"/>
-                  <a:pt x="4691837" y="2165820"/>
-                </a:cubicBezTo>
-                <a:lnTo>
-                  <a:pt x="4691721" y="2164681"/>
-                </a:lnTo>
-                <a:cubicBezTo>
-                  <a:pt x="4332870" y="2105749"/>
-                  <a:pt x="4051831" y="1827177"/>
-                  <a:pt x="4001556" y="1477083"/>
-                </a:cubicBezTo>
-                <a:cubicBezTo>
-                  <a:pt x="4001388" y="1477030"/>
-                  <a:pt x="4001220" y="1477026"/>
-                  <a:pt x="4001050" y="1477021"/>
-                </a:cubicBezTo>
-                <a:lnTo>
-                  <a:pt x="4000512" y="1470397"/>
-                </a:lnTo>
-                <a:cubicBezTo>
-                  <a:pt x="3995453" y="1440385"/>
-                  <a:pt x="3993003" y="1409736"/>
-                  <a:pt x="3993045" y="1378647"/>
-                </a:cubicBezTo>
-                <a:cubicBezTo>
-                  <a:pt x="3991733" y="1373063"/>
-                  <a:pt x="3991674" y="1367441"/>
-                  <a:pt x="3991674" y="1361805"/>
-                </a:cubicBezTo>
-                <a:close/>
-                <a:moveTo>
-                  <a:pt x="3991674" y="3010804"/>
-                </a:moveTo>
-                <a:cubicBezTo>
-                  <a:pt x="3991674" y="3005122"/>
-                  <a:pt x="3991733" y="2999453"/>
-                  <a:pt x="3993045" y="2993823"/>
-                </a:cubicBezTo>
-                <a:cubicBezTo>
-                  <a:pt x="3993003" y="2962495"/>
-                  <a:pt x="3995452" y="2931610"/>
-                  <a:pt x="4000509" y="2901366"/>
-                </a:cubicBezTo>
-                <a:lnTo>
-                  <a:pt x="4001049" y="2894676"/>
-                </a:lnTo>
-                <a:cubicBezTo>
-                  <a:pt x="4001218" y="2894671"/>
-                  <a:pt x="4001387" y="2894666"/>
-                  <a:pt x="4001555" y="2894613"/>
-                </a:cubicBezTo>
-                <a:cubicBezTo>
-                  <a:pt x="4051831" y="2541747"/>
-                  <a:pt x="4332870" y="2260970"/>
-                  <a:pt x="4691720" y="2201572"/>
-                </a:cubicBezTo>
-                <a:lnTo>
-                  <a:pt x="4691837" y="2200424"/>
-                </a:lnTo>
-                <a:cubicBezTo>
-                  <a:pt x="4697146" y="2199414"/>
-                  <a:pt x="4702474" y="2198466"/>
-                  <a:pt x="4708050" y="2198885"/>
-                </a:cubicBezTo>
-                <a:cubicBezTo>
-                  <a:pt x="4739233" y="2193328"/>
-                  <a:pt x="4771126" y="2190347"/>
-                  <a:pt x="4803512" y="2189820"/>
-                </a:cubicBezTo>
-                <a:lnTo>
-                  <a:pt x="4820599" y="2188197"/>
-                </a:lnTo>
-                <a:lnTo>
-                  <a:pt x="4820625" y="2188691"/>
-                </a:lnTo>
-                <a:lnTo>
-                  <a:pt x="4821123" y="2188658"/>
-                </a:lnTo>
-                <a:lnTo>
-                  <a:pt x="4821717" y="2200098"/>
-                </a:lnTo>
-                <a:cubicBezTo>
-                  <a:pt x="4821717" y="2205779"/>
-                  <a:pt x="4821658" y="2211446"/>
-                  <a:pt x="4820346" y="2217074"/>
-                </a:cubicBezTo>
-                <a:cubicBezTo>
-                  <a:pt x="4820389" y="2248409"/>
-                  <a:pt x="4817938" y="2279300"/>
-                  <a:pt x="4812879" y="2309550"/>
-                </a:cubicBezTo>
-                <a:lnTo>
-                  <a:pt x="4812341" y="2316226"/>
-                </a:lnTo>
-                <a:cubicBezTo>
-                  <a:pt x="4812171" y="2316231"/>
-                  <a:pt x="4812003" y="2316236"/>
-                  <a:pt x="4811835" y="2316289"/>
-                </a:cubicBezTo>
-                <a:cubicBezTo>
-                  <a:pt x="4761560" y="2669154"/>
-                  <a:pt x="4480521" y="2949931"/>
-                  <a:pt x="4121670" y="3009330"/>
-                </a:cubicBezTo>
-                <a:lnTo>
-                  <a:pt x="4121554" y="3010478"/>
-                </a:lnTo>
-                <a:cubicBezTo>
-                  <a:pt x="4116243" y="3011489"/>
-                  <a:pt x="4110914" y="3012437"/>
-                  <a:pt x="4105337" y="3012018"/>
-                </a:cubicBezTo>
-                <a:cubicBezTo>
-                  <a:pt x="4074165" y="3017572"/>
-                  <a:pt x="4042285" y="3020553"/>
-                  <a:pt x="4009911" y="3021080"/>
-                </a:cubicBezTo>
-                <a:lnTo>
-                  <a:pt x="3992792" y="3022706"/>
-                </a:lnTo>
-                <a:lnTo>
-                  <a:pt x="3992766" y="3022211"/>
-                </a:lnTo>
-                <a:lnTo>
-                  <a:pt x="3992267" y="3022244"/>
-                </a:lnTo>
-                <a:cubicBezTo>
-                  <a:pt x="3991701" y="3018442"/>
-                  <a:pt x="3991674" y="3014626"/>
-                  <a:pt x="3991674" y="3010804"/>
-                </a:cubicBezTo>
-                <a:close/>
-                <a:moveTo>
-                  <a:pt x="3991674" y="3058630"/>
-                </a:moveTo>
-                <a:lnTo>
-                  <a:pt x="3992268" y="3047280"/>
-                </a:lnTo>
-                <a:lnTo>
-                  <a:pt x="3992766" y="3047312"/>
-                </a:lnTo>
-                <a:lnTo>
-                  <a:pt x="3992792" y="3046822"/>
-                </a:lnTo>
-                <a:lnTo>
-                  <a:pt x="4009880" y="3048432"/>
-                </a:lnTo>
-                <a:cubicBezTo>
-                  <a:pt x="4042265" y="3048955"/>
-                  <a:pt x="4074158" y="3051913"/>
-                  <a:pt x="4105341" y="3057426"/>
-                </a:cubicBezTo>
-                <a:cubicBezTo>
-                  <a:pt x="4110917" y="3057010"/>
-                  <a:pt x="4116245" y="3057951"/>
-                  <a:pt x="4121554" y="3058953"/>
-                </a:cubicBezTo>
-                <a:lnTo>
-                  <a:pt x="4121671" y="3060092"/>
-                </a:lnTo>
-                <a:cubicBezTo>
-                  <a:pt x="4480521" y="3119024"/>
-                  <a:pt x="4761560" y="3397595"/>
-                  <a:pt x="4811836" y="3747690"/>
-                </a:cubicBezTo>
-                <a:cubicBezTo>
-                  <a:pt x="4812004" y="3747743"/>
-                  <a:pt x="4812173" y="3747748"/>
-                  <a:pt x="4812342" y="3747753"/>
-                </a:cubicBezTo>
-                <a:lnTo>
-                  <a:pt x="4812882" y="3754390"/>
-                </a:lnTo>
-                <a:cubicBezTo>
-                  <a:pt x="4817939" y="3784397"/>
-                  <a:pt x="4820389" y="3815039"/>
-                  <a:pt x="4820346" y="3846121"/>
-                </a:cubicBezTo>
-                <a:cubicBezTo>
-                  <a:pt x="4821658" y="3851707"/>
-                  <a:pt x="4821717" y="3857331"/>
-                  <a:pt x="4821717" y="3862969"/>
-                </a:cubicBezTo>
-                <a:cubicBezTo>
-                  <a:pt x="4821717" y="3866761"/>
-                  <a:pt x="4821690" y="3870547"/>
-                  <a:pt x="4821124" y="3874319"/>
-                </a:cubicBezTo>
-                <a:lnTo>
-                  <a:pt x="4820625" y="3874286"/>
-                </a:lnTo>
-                <a:lnTo>
-                  <a:pt x="4820599" y="3874777"/>
-                </a:lnTo>
-                <a:lnTo>
-                  <a:pt x="4803481" y="3873164"/>
-                </a:lnTo>
-                <a:cubicBezTo>
-                  <a:pt x="4771106" y="3872641"/>
-                  <a:pt x="4739226" y="3869683"/>
-                  <a:pt x="4708054" y="3864173"/>
-                </a:cubicBezTo>
-                <a:cubicBezTo>
-                  <a:pt x="4702477" y="3864589"/>
-                  <a:pt x="4697148" y="3863648"/>
-                  <a:pt x="4691837" y="3862645"/>
-                </a:cubicBezTo>
-                <a:lnTo>
-                  <a:pt x="4691721" y="3861506"/>
-                </a:lnTo>
-                <a:cubicBezTo>
-                  <a:pt x="4332870" y="3802574"/>
-                  <a:pt x="4051831" y="3524002"/>
-                  <a:pt x="4001556" y="3173908"/>
-                </a:cubicBezTo>
-                <a:cubicBezTo>
-                  <a:pt x="4001388" y="3173856"/>
-                  <a:pt x="4001220" y="3173851"/>
-                  <a:pt x="4001050" y="3173846"/>
-                </a:cubicBezTo>
-                <a:lnTo>
-                  <a:pt x="4000512" y="3167222"/>
-                </a:lnTo>
-                <a:cubicBezTo>
-                  <a:pt x="3995453" y="3137210"/>
-                  <a:pt x="3993003" y="3106561"/>
-                  <a:pt x="3993045" y="3075472"/>
-                </a:cubicBezTo>
-                <a:cubicBezTo>
-                  <a:pt x="3991733" y="3069889"/>
-                  <a:pt x="3991674" y="3064266"/>
-                  <a:pt x="3991674" y="3058630"/>
-                </a:cubicBezTo>
-                <a:close/>
-                <a:moveTo>
-                  <a:pt x="3293448" y="636203"/>
-                </a:moveTo>
-                <a:cubicBezTo>
-                  <a:pt x="3346724" y="907109"/>
-                  <a:pt x="3561567" y="1121906"/>
-                  <a:pt x="3836757" y="1181049"/>
-                </a:cubicBezTo>
-                <a:cubicBezTo>
-                  <a:pt x="3783482" y="910143"/>
-                  <a:pt x="3568638" y="695346"/>
-                  <a:pt x="3293448" y="636203"/>
-                </a:cubicBezTo>
-                <a:close/>
-                <a:moveTo>
-                  <a:pt x="3293448" y="2333028"/>
-                </a:moveTo>
-                <a:cubicBezTo>
-                  <a:pt x="3346724" y="2603934"/>
-                  <a:pt x="3561567" y="2818731"/>
-                  <a:pt x="3836757" y="2877874"/>
-                </a:cubicBezTo>
-                <a:cubicBezTo>
-                  <a:pt x="3783482" y="2606968"/>
-                  <a:pt x="3568638" y="2392171"/>
-                  <a:pt x="3293448" y="2333028"/>
-                </a:cubicBezTo>
-                <a:close/>
-                <a:moveTo>
-                  <a:pt x="3293446" y="2034258"/>
-                </a:moveTo>
-                <a:cubicBezTo>
-                  <a:pt x="3568636" y="1975579"/>
-                  <a:pt x="3783479" y="1762469"/>
-                  <a:pt x="3836755" y="1493690"/>
-                </a:cubicBezTo>
-                <a:cubicBezTo>
-                  <a:pt x="3561565" y="1552369"/>
-                  <a:pt x="3346721" y="1765479"/>
-                  <a:pt x="3293446" y="2034258"/>
-                </a:cubicBezTo>
-                <a:close/>
-                <a:moveTo>
-                  <a:pt x="3293446" y="3731083"/>
-                </a:moveTo>
-                <a:cubicBezTo>
-                  <a:pt x="3568636" y="3672404"/>
-                  <a:pt x="3783479" y="3459294"/>
-                  <a:pt x="3836755" y="3190516"/>
-                </a:cubicBezTo>
-                <a:cubicBezTo>
-                  <a:pt x="3561565" y="3249194"/>
-                  <a:pt x="3346721" y="3462304"/>
-                  <a:pt x="3293446" y="3731083"/>
-                </a:cubicBezTo>
-                <a:close/>
-                <a:moveTo>
-                  <a:pt x="3150081" y="503273"/>
-                </a:moveTo>
-                <a:lnTo>
-                  <a:pt x="3150675" y="491833"/>
-                </a:lnTo>
-                <a:lnTo>
-                  <a:pt x="3151173" y="491866"/>
-                </a:lnTo>
-                <a:lnTo>
-                  <a:pt x="3151199" y="491372"/>
-                </a:lnTo>
-                <a:lnTo>
-                  <a:pt x="3168287" y="492995"/>
-                </a:lnTo>
-                <a:cubicBezTo>
-                  <a:pt x="3200672" y="493522"/>
-                  <a:pt x="3232565" y="496503"/>
-                  <a:pt x="3263748" y="502060"/>
-                </a:cubicBezTo>
-                <a:cubicBezTo>
-                  <a:pt x="3269324" y="501641"/>
-                  <a:pt x="3274652" y="502589"/>
-                  <a:pt x="3279961" y="503599"/>
-                </a:cubicBezTo>
-                <a:lnTo>
-                  <a:pt x="3280078" y="504747"/>
-                </a:lnTo>
-                <a:cubicBezTo>
-                  <a:pt x="3638928" y="564145"/>
-                  <a:pt x="3919967" y="844922"/>
-                  <a:pt x="3970244" y="1197788"/>
-                </a:cubicBezTo>
-                <a:cubicBezTo>
-                  <a:pt x="3970411" y="1197841"/>
-                  <a:pt x="3970581" y="1197846"/>
-                  <a:pt x="3970749" y="1197851"/>
-                </a:cubicBezTo>
-                <a:lnTo>
-                  <a:pt x="3971290" y="1204541"/>
-                </a:lnTo>
-                <a:cubicBezTo>
-                  <a:pt x="3976346" y="1234785"/>
-                  <a:pt x="3978796" y="1265670"/>
-                  <a:pt x="3978754" y="1296998"/>
-                </a:cubicBezTo>
-                <a:cubicBezTo>
-                  <a:pt x="3980066" y="1302628"/>
-                  <a:pt x="3980124" y="1308297"/>
-                  <a:pt x="3980124" y="1313979"/>
-                </a:cubicBezTo>
-                <a:cubicBezTo>
-                  <a:pt x="3980124" y="1317801"/>
-                  <a:pt x="3980097" y="1321617"/>
-                  <a:pt x="3979531" y="1325419"/>
-                </a:cubicBezTo>
-                <a:lnTo>
-                  <a:pt x="3979032" y="1325386"/>
-                </a:lnTo>
-                <a:lnTo>
-                  <a:pt x="3979006" y="1325881"/>
-                </a:lnTo>
-                <a:lnTo>
-                  <a:pt x="3961888" y="1324255"/>
-                </a:lnTo>
-                <a:cubicBezTo>
-                  <a:pt x="3929514" y="1323728"/>
-                  <a:pt x="3897633" y="1320747"/>
-                  <a:pt x="3866461" y="1315193"/>
-                </a:cubicBezTo>
-                <a:cubicBezTo>
-                  <a:pt x="3860884" y="1315612"/>
-                  <a:pt x="3855555" y="1314664"/>
-                  <a:pt x="3850245" y="1313653"/>
-                </a:cubicBezTo>
-                <a:lnTo>
-                  <a:pt x="3850129" y="1312505"/>
-                </a:lnTo>
-                <a:cubicBezTo>
-                  <a:pt x="3491277" y="1253106"/>
-                  <a:pt x="3210238" y="972329"/>
-                  <a:pt x="3159963" y="619464"/>
-                </a:cubicBezTo>
-                <a:cubicBezTo>
-                  <a:pt x="3159795" y="619411"/>
-                  <a:pt x="3159627" y="619406"/>
-                  <a:pt x="3159457" y="619401"/>
-                </a:cubicBezTo>
-                <a:lnTo>
-                  <a:pt x="3158919" y="612725"/>
-                </a:lnTo>
-                <a:cubicBezTo>
-                  <a:pt x="3153860" y="582475"/>
-                  <a:pt x="3151410" y="551584"/>
-                  <a:pt x="3151452" y="520249"/>
-                </a:cubicBezTo>
-                <a:cubicBezTo>
-                  <a:pt x="3150140" y="514621"/>
-                  <a:pt x="3150081" y="508954"/>
-                  <a:pt x="3150081" y="503273"/>
-                </a:cubicBezTo>
-                <a:close/>
-                <a:moveTo>
-                  <a:pt x="3150081" y="2200098"/>
-                </a:moveTo>
-                <a:lnTo>
-                  <a:pt x="3150675" y="2188658"/>
-                </a:lnTo>
-                <a:lnTo>
-                  <a:pt x="3151173" y="2188691"/>
-                </a:lnTo>
-                <a:lnTo>
-                  <a:pt x="3151199" y="2188197"/>
-                </a:lnTo>
-                <a:lnTo>
-                  <a:pt x="3168287" y="2189820"/>
-                </a:lnTo>
-                <a:cubicBezTo>
-                  <a:pt x="3200672" y="2190347"/>
-                  <a:pt x="3232565" y="2193328"/>
-                  <a:pt x="3263748" y="2198885"/>
-                </a:cubicBezTo>
-                <a:cubicBezTo>
-                  <a:pt x="3269324" y="2198466"/>
-                  <a:pt x="3274652" y="2199414"/>
-                  <a:pt x="3279961" y="2200424"/>
-                </a:cubicBezTo>
-                <a:lnTo>
-                  <a:pt x="3280078" y="2201572"/>
-                </a:lnTo>
-                <a:cubicBezTo>
-                  <a:pt x="3638928" y="2260970"/>
-                  <a:pt x="3919967" y="2541747"/>
-                  <a:pt x="3970244" y="2894613"/>
-                </a:cubicBezTo>
-                <a:cubicBezTo>
-                  <a:pt x="3970411" y="2894666"/>
-                  <a:pt x="3970581" y="2894671"/>
-                  <a:pt x="3970749" y="2894676"/>
-                </a:cubicBezTo>
-                <a:lnTo>
-                  <a:pt x="3971290" y="2901366"/>
-                </a:lnTo>
-                <a:cubicBezTo>
-                  <a:pt x="3976346" y="2931610"/>
-                  <a:pt x="3978796" y="2962495"/>
-                  <a:pt x="3978754" y="2993823"/>
-                </a:cubicBezTo>
-                <a:cubicBezTo>
-                  <a:pt x="3980066" y="2999453"/>
-                  <a:pt x="3980124" y="3005122"/>
-                  <a:pt x="3980124" y="3010804"/>
-                </a:cubicBezTo>
-                <a:cubicBezTo>
-                  <a:pt x="3980124" y="3014626"/>
-                  <a:pt x="3980097" y="3018442"/>
-                  <a:pt x="3979531" y="3022244"/>
-                </a:cubicBezTo>
-                <a:lnTo>
-                  <a:pt x="3979032" y="3022211"/>
-                </a:lnTo>
-                <a:lnTo>
-                  <a:pt x="3979006" y="3022706"/>
-                </a:lnTo>
-                <a:lnTo>
-                  <a:pt x="3961888" y="3021080"/>
-                </a:lnTo>
-                <a:cubicBezTo>
-                  <a:pt x="3929514" y="3020553"/>
-                  <a:pt x="3897633" y="3017572"/>
-                  <a:pt x="3866461" y="3012018"/>
-                </a:cubicBezTo>
-                <a:cubicBezTo>
-                  <a:pt x="3860884" y="3012437"/>
-                  <a:pt x="3855555" y="3011489"/>
-                  <a:pt x="3850245" y="3010478"/>
-                </a:cubicBezTo>
-                <a:lnTo>
-                  <a:pt x="3850129" y="3009330"/>
-                </a:lnTo>
-                <a:cubicBezTo>
-                  <a:pt x="3491277" y="2949931"/>
-                  <a:pt x="3210238" y="2669154"/>
-                  <a:pt x="3159963" y="2316289"/>
-                </a:cubicBezTo>
-                <a:cubicBezTo>
-                  <a:pt x="3159795" y="2316236"/>
-                  <a:pt x="3159627" y="2316231"/>
-                  <a:pt x="3159457" y="2316226"/>
-                </a:cubicBezTo>
-                <a:lnTo>
-                  <a:pt x="3158919" y="2309550"/>
-                </a:lnTo>
-                <a:cubicBezTo>
-                  <a:pt x="3153860" y="2279300"/>
-                  <a:pt x="3151410" y="2248409"/>
-                  <a:pt x="3151452" y="2217074"/>
-                </a:cubicBezTo>
-                <a:cubicBezTo>
-                  <a:pt x="3150140" y="2211446"/>
-                  <a:pt x="3150081" y="2205779"/>
-                  <a:pt x="3150081" y="2200098"/>
-                </a:cubicBezTo>
-                <a:close/>
-                <a:moveTo>
-                  <a:pt x="3150081" y="3896923"/>
-                </a:moveTo>
-                <a:lnTo>
-                  <a:pt x="3150675" y="3885483"/>
-                </a:lnTo>
-                <a:lnTo>
-                  <a:pt x="3151173" y="3885516"/>
-                </a:lnTo>
-                <a:lnTo>
-                  <a:pt x="3151199" y="3885022"/>
-                </a:lnTo>
-                <a:lnTo>
-                  <a:pt x="3168287" y="3886645"/>
-                </a:lnTo>
-                <a:cubicBezTo>
-                  <a:pt x="3200672" y="3887172"/>
-                  <a:pt x="3232565" y="3890153"/>
-                  <a:pt x="3263748" y="3895710"/>
-                </a:cubicBezTo>
-                <a:cubicBezTo>
-                  <a:pt x="3269324" y="3895291"/>
-                  <a:pt x="3274652" y="3896239"/>
-                  <a:pt x="3279961" y="3897249"/>
-                </a:cubicBezTo>
-                <a:lnTo>
-                  <a:pt x="3280078" y="3898397"/>
-                </a:lnTo>
-                <a:cubicBezTo>
-                  <a:pt x="3514137" y="3937139"/>
-                  <a:pt x="3715094" y="4070062"/>
-                  <a:pt x="3840331" y="4255797"/>
-                </a:cubicBezTo>
-                <a:lnTo>
-                  <a:pt x="3868775" y="4305008"/>
-                </a:lnTo>
-                <a:lnTo>
-                  <a:pt x="3717725" y="4305008"/>
-                </a:lnTo>
-                <a:lnTo>
-                  <a:pt x="3665602" y="4241205"/>
-                </a:lnTo>
-                <a:cubicBezTo>
-                  <a:pt x="3568906" y="4136681"/>
-                  <a:pt x="3439699" y="4061285"/>
-                  <a:pt x="3293448" y="4029853"/>
-                </a:cubicBezTo>
-                <a:cubicBezTo>
-                  <a:pt x="3310695" y="4117553"/>
-                  <a:pt x="3344874" y="4199373"/>
-                  <a:pt x="3392629" y="4271827"/>
-                </a:cubicBezTo>
-                <a:lnTo>
-                  <a:pt x="3419311" y="4305008"/>
-                </a:lnTo>
-                <a:lnTo>
-                  <a:pt x="3265201" y="4305008"/>
-                </a:lnTo>
-                <a:lnTo>
-                  <a:pt x="3235080" y="4254710"/>
-                </a:lnTo>
-                <a:cubicBezTo>
-                  <a:pt x="3197877" y="4179889"/>
-                  <a:pt x="3172145" y="4098618"/>
-                  <a:pt x="3159963" y="4013114"/>
-                </a:cubicBezTo>
-                <a:cubicBezTo>
-                  <a:pt x="3159795" y="4013061"/>
-                  <a:pt x="3159627" y="4013056"/>
-                  <a:pt x="3159457" y="4013051"/>
-                </a:cubicBezTo>
-                <a:lnTo>
-                  <a:pt x="3158919" y="4006375"/>
-                </a:lnTo>
-                <a:cubicBezTo>
-                  <a:pt x="3153860" y="3976125"/>
-                  <a:pt x="3151410" y="3945234"/>
-                  <a:pt x="3151452" y="3913899"/>
-                </a:cubicBezTo>
-                <a:cubicBezTo>
-                  <a:pt x="3150140" y="3908271"/>
-                  <a:pt x="3150081" y="3902604"/>
-                  <a:pt x="3150081" y="3896923"/>
-                </a:cubicBezTo>
-                <a:close/>
-                <a:moveTo>
-                  <a:pt x="3150079" y="469318"/>
-                </a:moveTo>
-                <a:cubicBezTo>
-                  <a:pt x="3150079" y="463681"/>
-                  <a:pt x="3150138" y="458057"/>
-                  <a:pt x="3151450" y="452471"/>
-                </a:cubicBezTo>
-                <a:cubicBezTo>
-                  <a:pt x="3151408" y="421389"/>
-                  <a:pt x="3153857" y="390746"/>
-                  <a:pt x="3158914" y="360740"/>
-                </a:cubicBezTo>
-                <a:lnTo>
-                  <a:pt x="3159454" y="354103"/>
-                </a:lnTo>
-                <a:cubicBezTo>
-                  <a:pt x="3159623" y="354098"/>
-                  <a:pt x="3159792" y="354093"/>
-                  <a:pt x="3159960" y="354040"/>
-                </a:cubicBezTo>
-                <a:cubicBezTo>
-                  <a:pt x="3173111" y="262463"/>
-                  <a:pt x="3202052" y="175780"/>
-                  <a:pt x="3244173" y="96778"/>
-                </a:cubicBezTo>
-                <a:lnTo>
-                  <a:pt x="3306807" y="0"/>
-                </a:lnTo>
-                <a:lnTo>
-                  <a:pt x="3475182" y="0"/>
-                </a:lnTo>
-                <a:lnTo>
-                  <a:pt x="3406954" y="76659"/>
-                </a:lnTo>
-                <a:cubicBezTo>
-                  <a:pt x="3351687" y="153496"/>
-                  <a:pt x="3312372" y="241952"/>
-                  <a:pt x="3293446" y="337433"/>
-                </a:cubicBezTo>
-                <a:cubicBezTo>
-                  <a:pt x="3476486" y="298404"/>
-                  <a:pt x="3632827" y="191052"/>
-                  <a:pt x="3732420" y="44350"/>
-                </a:cubicBezTo>
-                <a:lnTo>
-                  <a:pt x="3754649" y="0"/>
-                </a:lnTo>
-                <a:lnTo>
-                  <a:pt x="3903287" y="0"/>
-                </a:lnTo>
-                <a:lnTo>
-                  <a:pt x="3851448" y="95636"/>
-                </a:lnTo>
-                <a:cubicBezTo>
-                  <a:pt x="3727674" y="289169"/>
-                  <a:pt x="3521481" y="428211"/>
-                  <a:pt x="3280075" y="467856"/>
-                </a:cubicBezTo>
-                <a:lnTo>
-                  <a:pt x="3279959" y="468995"/>
-                </a:lnTo>
-                <a:cubicBezTo>
-                  <a:pt x="3274648" y="469998"/>
-                  <a:pt x="3269319" y="470939"/>
-                  <a:pt x="3263742" y="470523"/>
-                </a:cubicBezTo>
-                <a:cubicBezTo>
-                  <a:pt x="3232570" y="476033"/>
-                  <a:pt x="3200690" y="478991"/>
-                  <a:pt x="3168316" y="479514"/>
-                </a:cubicBezTo>
-                <a:lnTo>
-                  <a:pt x="3151197" y="481127"/>
-                </a:lnTo>
-                <a:lnTo>
-                  <a:pt x="3151171" y="480636"/>
-                </a:lnTo>
-                <a:lnTo>
-                  <a:pt x="3150672" y="480669"/>
-                </a:lnTo>
-                <a:cubicBezTo>
-                  <a:pt x="3150106" y="476896"/>
-                  <a:pt x="3150079" y="473110"/>
-                  <a:pt x="3150079" y="469318"/>
-                </a:cubicBezTo>
-                <a:close/>
-                <a:moveTo>
-                  <a:pt x="3150079" y="2166144"/>
-                </a:moveTo>
-                <a:cubicBezTo>
-                  <a:pt x="3150079" y="2160506"/>
-                  <a:pt x="3150138" y="2154882"/>
-                  <a:pt x="3151450" y="2149296"/>
-                </a:cubicBezTo>
-                <a:cubicBezTo>
-                  <a:pt x="3151408" y="2118214"/>
-                  <a:pt x="3153857" y="2087572"/>
-                  <a:pt x="3158914" y="2057565"/>
-                </a:cubicBezTo>
-                <a:lnTo>
-                  <a:pt x="3159454" y="2050928"/>
-                </a:lnTo>
-                <a:cubicBezTo>
-                  <a:pt x="3159623" y="2050923"/>
-                  <a:pt x="3159792" y="2050918"/>
-                  <a:pt x="3159960" y="2050865"/>
-                </a:cubicBezTo>
-                <a:cubicBezTo>
-                  <a:pt x="3210236" y="1700770"/>
-                  <a:pt x="3491275" y="1422199"/>
-                  <a:pt x="3850126" y="1363267"/>
-                </a:cubicBezTo>
-                <a:lnTo>
-                  <a:pt x="3850243" y="1362128"/>
-                </a:lnTo>
-                <a:cubicBezTo>
-                  <a:pt x="3855551" y="1361126"/>
-                  <a:pt x="3860879" y="1360185"/>
-                  <a:pt x="3866455" y="1360601"/>
-                </a:cubicBezTo>
-                <a:cubicBezTo>
-                  <a:pt x="3897639" y="1355088"/>
-                  <a:pt x="3929531" y="1352130"/>
-                  <a:pt x="3961917" y="1351607"/>
-                </a:cubicBezTo>
-                <a:lnTo>
-                  <a:pt x="3979004" y="1349997"/>
-                </a:lnTo>
-                <a:lnTo>
-                  <a:pt x="3979030" y="1350487"/>
-                </a:lnTo>
-                <a:lnTo>
-                  <a:pt x="3979528" y="1350455"/>
-                </a:lnTo>
-                <a:lnTo>
-                  <a:pt x="3980122" y="1361805"/>
-                </a:lnTo>
-                <a:cubicBezTo>
-                  <a:pt x="3980122" y="1367441"/>
-                  <a:pt x="3980064" y="1373063"/>
-                  <a:pt x="3978752" y="1378647"/>
-                </a:cubicBezTo>
-                <a:cubicBezTo>
-                  <a:pt x="3978794" y="1409736"/>
-                  <a:pt x="3976343" y="1440385"/>
-                  <a:pt x="3971285" y="1470397"/>
-                </a:cubicBezTo>
-                <a:lnTo>
-                  <a:pt x="3970746" y="1477021"/>
-                </a:lnTo>
-                <a:cubicBezTo>
-                  <a:pt x="3970577" y="1477026"/>
-                  <a:pt x="3970408" y="1477030"/>
-                  <a:pt x="3970241" y="1477083"/>
-                </a:cubicBezTo>
-                <a:cubicBezTo>
-                  <a:pt x="3919965" y="1827177"/>
-                  <a:pt x="3638926" y="2105749"/>
-                  <a:pt x="3280075" y="2164681"/>
-                </a:cubicBezTo>
-                <a:lnTo>
-                  <a:pt x="3279959" y="2165820"/>
-                </a:lnTo>
-                <a:cubicBezTo>
-                  <a:pt x="3274648" y="2166823"/>
-                  <a:pt x="3269319" y="2167764"/>
-                  <a:pt x="3263742" y="2167348"/>
-                </a:cubicBezTo>
-                <a:cubicBezTo>
-                  <a:pt x="3232570" y="2172858"/>
-                  <a:pt x="3200690" y="2175816"/>
-                  <a:pt x="3168316" y="2176339"/>
-                </a:cubicBezTo>
-                <a:lnTo>
-                  <a:pt x="3151197" y="2177952"/>
-                </a:lnTo>
-                <a:lnTo>
-                  <a:pt x="3151171" y="2177461"/>
-                </a:lnTo>
-                <a:lnTo>
-                  <a:pt x="3150672" y="2177494"/>
-                </a:lnTo>
-                <a:cubicBezTo>
-                  <a:pt x="3150106" y="2173722"/>
-                  <a:pt x="3150079" y="2169936"/>
-                  <a:pt x="3150079" y="2166144"/>
-                </a:cubicBezTo>
-                <a:close/>
-                <a:moveTo>
-                  <a:pt x="3150079" y="3862969"/>
-                </a:moveTo>
-                <a:cubicBezTo>
-                  <a:pt x="3150079" y="3857331"/>
-                  <a:pt x="3150138" y="3851707"/>
-                  <a:pt x="3151450" y="3846121"/>
-                </a:cubicBezTo>
-                <a:cubicBezTo>
-                  <a:pt x="3151408" y="3815039"/>
-                  <a:pt x="3153857" y="3784397"/>
-                  <a:pt x="3158914" y="3754390"/>
-                </a:cubicBezTo>
-                <a:lnTo>
-                  <a:pt x="3159454" y="3747753"/>
-                </a:lnTo>
-                <a:cubicBezTo>
-                  <a:pt x="3159623" y="3747748"/>
-                  <a:pt x="3159792" y="3747743"/>
-                  <a:pt x="3159960" y="3747690"/>
-                </a:cubicBezTo>
-                <a:cubicBezTo>
-                  <a:pt x="3210236" y="3397595"/>
-                  <a:pt x="3491275" y="3119024"/>
-                  <a:pt x="3850126" y="3060092"/>
-                </a:cubicBezTo>
-                <a:lnTo>
-                  <a:pt x="3850243" y="3058953"/>
-                </a:lnTo>
-                <a:cubicBezTo>
-                  <a:pt x="3855551" y="3057951"/>
-                  <a:pt x="3860879" y="3057010"/>
-                  <a:pt x="3866455" y="3057426"/>
-                </a:cubicBezTo>
-                <a:cubicBezTo>
-                  <a:pt x="3897639" y="3051913"/>
-                  <a:pt x="3929531" y="3048955"/>
-                  <a:pt x="3961917" y="3048432"/>
-                </a:cubicBezTo>
-                <a:lnTo>
-                  <a:pt x="3979004" y="3046822"/>
-                </a:lnTo>
-                <a:lnTo>
-                  <a:pt x="3979030" y="3047312"/>
-                </a:lnTo>
-                <a:lnTo>
-                  <a:pt x="3979528" y="3047280"/>
-                </a:lnTo>
-                <a:lnTo>
-                  <a:pt x="3980122" y="3058630"/>
-                </a:lnTo>
-                <a:cubicBezTo>
-                  <a:pt x="3980122" y="3064266"/>
-                  <a:pt x="3980064" y="3069889"/>
-                  <a:pt x="3978752" y="3075472"/>
-                </a:cubicBezTo>
-                <a:cubicBezTo>
-                  <a:pt x="3978794" y="3106561"/>
-                  <a:pt x="3976343" y="3137210"/>
-                  <a:pt x="3971285" y="3167222"/>
-                </a:cubicBezTo>
-                <a:lnTo>
-                  <a:pt x="3970746" y="3173846"/>
-                </a:lnTo>
-                <a:cubicBezTo>
-                  <a:pt x="3970577" y="3173851"/>
-                  <a:pt x="3970408" y="3173856"/>
-                  <a:pt x="3970241" y="3173908"/>
-                </a:cubicBezTo>
-                <a:cubicBezTo>
-                  <a:pt x="3919965" y="3524002"/>
-                  <a:pt x="3638926" y="3802574"/>
-                  <a:pt x="3280075" y="3861506"/>
-                </a:cubicBezTo>
-                <a:lnTo>
-                  <a:pt x="3279959" y="3862645"/>
-                </a:lnTo>
-                <a:cubicBezTo>
-                  <a:pt x="3274648" y="3863648"/>
-                  <a:pt x="3269319" y="3864589"/>
-                  <a:pt x="3263742" y="3864173"/>
-                </a:cubicBezTo>
-                <a:cubicBezTo>
-                  <a:pt x="3232570" y="3869683"/>
-                  <a:pt x="3200690" y="3872641"/>
-                  <a:pt x="3168316" y="3873164"/>
-                </a:cubicBezTo>
-                <a:lnTo>
-                  <a:pt x="3151197" y="3874777"/>
-                </a:lnTo>
-                <a:lnTo>
-                  <a:pt x="3151171" y="3874286"/>
-                </a:lnTo>
-                <a:lnTo>
-                  <a:pt x="3150672" y="3874319"/>
-                </a:lnTo>
-                <a:cubicBezTo>
-                  <a:pt x="3150106" y="3870547"/>
-                  <a:pt x="3150079" y="3866761"/>
-                  <a:pt x="3150079" y="3862969"/>
-                </a:cubicBezTo>
-                <a:close/>
-                <a:moveTo>
-                  <a:pt x="2442890" y="1181049"/>
-                </a:moveTo>
-                <a:cubicBezTo>
-                  <a:pt x="2718080" y="1121906"/>
-                  <a:pt x="2932923" y="907109"/>
-                  <a:pt x="2986199" y="636203"/>
-                </a:cubicBezTo>
-                <a:cubicBezTo>
-                  <a:pt x="2711009" y="695346"/>
-                  <a:pt x="2496165" y="910143"/>
-                  <a:pt x="2442890" y="1181049"/>
-                </a:cubicBezTo>
-                <a:close/>
-                <a:moveTo>
-                  <a:pt x="2442890" y="1493690"/>
-                </a:moveTo>
-                <a:cubicBezTo>
-                  <a:pt x="2496166" y="1762469"/>
-                  <a:pt x="2711009" y="1975579"/>
-                  <a:pt x="2986199" y="2034258"/>
-                </a:cubicBezTo>
-                <a:cubicBezTo>
-                  <a:pt x="2932924" y="1765479"/>
-                  <a:pt x="2718080" y="1552369"/>
-                  <a:pt x="2442890" y="1493690"/>
-                </a:cubicBezTo>
-                <a:close/>
-                <a:moveTo>
-                  <a:pt x="2442890" y="2877874"/>
-                </a:moveTo>
-                <a:cubicBezTo>
-                  <a:pt x="2718080" y="2818731"/>
-                  <a:pt x="2932923" y="2603934"/>
-                  <a:pt x="2986199" y="2333028"/>
-                </a:cubicBezTo>
-                <a:cubicBezTo>
-                  <a:pt x="2711009" y="2392171"/>
-                  <a:pt x="2496165" y="2606968"/>
-                  <a:pt x="2442890" y="2877874"/>
-                </a:cubicBezTo>
-                <a:close/>
-                <a:moveTo>
-                  <a:pt x="2442890" y="3190516"/>
-                </a:moveTo>
-                <a:cubicBezTo>
-                  <a:pt x="2496166" y="3459294"/>
-                  <a:pt x="2711009" y="3672404"/>
-                  <a:pt x="2986199" y="3731083"/>
-                </a:cubicBezTo>
-                <a:cubicBezTo>
-                  <a:pt x="2932924" y="3462304"/>
-                  <a:pt x="2718080" y="3249194"/>
-                  <a:pt x="2442890" y="3190516"/>
-                </a:cubicBezTo>
-                <a:close/>
-                <a:moveTo>
-                  <a:pt x="2410871" y="4305008"/>
-                </a:moveTo>
-                <a:lnTo>
-                  <a:pt x="2439316" y="4255797"/>
-                </a:lnTo>
-                <a:cubicBezTo>
-                  <a:pt x="2564553" y="4070062"/>
-                  <a:pt x="2765510" y="3937139"/>
-                  <a:pt x="2999569" y="3898397"/>
-                </a:cubicBezTo>
-                <a:lnTo>
-                  <a:pt x="2999686" y="3897249"/>
-                </a:lnTo>
-                <a:cubicBezTo>
-                  <a:pt x="3004995" y="3896239"/>
-                  <a:pt x="3010323" y="3895291"/>
-                  <a:pt x="3015899" y="3895710"/>
-                </a:cubicBezTo>
-                <a:cubicBezTo>
-                  <a:pt x="3047082" y="3890153"/>
-                  <a:pt x="3078975" y="3887172"/>
-                  <a:pt x="3111360" y="3886645"/>
-                </a:cubicBezTo>
-                <a:lnTo>
-                  <a:pt x="3128448" y="3885022"/>
-                </a:lnTo>
-                <a:lnTo>
-                  <a:pt x="3128474" y="3885516"/>
-                </a:lnTo>
-                <a:lnTo>
-                  <a:pt x="3128972" y="3885483"/>
-                </a:lnTo>
-                <a:lnTo>
-                  <a:pt x="3129566" y="3896923"/>
-                </a:lnTo>
-                <a:cubicBezTo>
-                  <a:pt x="3129566" y="3902604"/>
-                  <a:pt x="3129507" y="3908271"/>
-                  <a:pt x="3128195" y="3913899"/>
-                </a:cubicBezTo>
-                <a:cubicBezTo>
-                  <a:pt x="3128237" y="3945234"/>
-                  <a:pt x="3125787" y="3976125"/>
-                  <a:pt x="3120728" y="4006375"/>
-                </a:cubicBezTo>
-                <a:lnTo>
-                  <a:pt x="3120190" y="4013051"/>
-                </a:lnTo>
-                <a:cubicBezTo>
-                  <a:pt x="3120020" y="4013056"/>
-                  <a:pt x="3119852" y="4013061"/>
-                  <a:pt x="3119684" y="4013114"/>
-                </a:cubicBezTo>
-                <a:cubicBezTo>
-                  <a:pt x="3107502" y="4098618"/>
-                  <a:pt x="3081770" y="4179889"/>
-                  <a:pt x="3044567" y="4254710"/>
-                </a:cubicBezTo>
-                <a:lnTo>
-                  <a:pt x="3014445" y="4305008"/>
-                </a:lnTo>
-                <a:lnTo>
-                  <a:pt x="2860336" y="4305008"/>
-                </a:lnTo>
-                <a:lnTo>
-                  <a:pt x="2887018" y="4271827"/>
-                </a:lnTo>
-                <a:cubicBezTo>
-                  <a:pt x="2934773" y="4199373"/>
-                  <a:pt x="2968952" y="4117553"/>
-                  <a:pt x="2986199" y="4029853"/>
-                </a:cubicBezTo>
-                <a:cubicBezTo>
-                  <a:pt x="2839947" y="4061285"/>
-                  <a:pt x="2710740" y="4136681"/>
-                  <a:pt x="2614045" y="4241205"/>
-                </a:cubicBezTo>
-                <a:lnTo>
-                  <a:pt x="2561922" y="4305008"/>
-                </a:lnTo>
-                <a:close/>
-                <a:moveTo>
-                  <a:pt x="2376360" y="0"/>
-                </a:moveTo>
-                <a:lnTo>
-                  <a:pt x="2524998" y="0"/>
-                </a:lnTo>
-                <a:lnTo>
-                  <a:pt x="2547226" y="44350"/>
-                </a:lnTo>
-                <a:cubicBezTo>
-                  <a:pt x="2646819" y="191052"/>
-                  <a:pt x="2803160" y="298404"/>
-                  <a:pt x="2986199" y="337433"/>
-                </a:cubicBezTo>
-                <a:cubicBezTo>
-                  <a:pt x="2967274" y="241952"/>
-                  <a:pt x="2927959" y="153496"/>
-                  <a:pt x="2872691" y="76659"/>
-                </a:cubicBezTo>
-                <a:lnTo>
-                  <a:pt x="2804464" y="0"/>
-                </a:lnTo>
-                <a:lnTo>
-                  <a:pt x="2972839" y="0"/>
-                </a:lnTo>
-                <a:lnTo>
-                  <a:pt x="3035473" y="96778"/>
-                </a:lnTo>
-                <a:cubicBezTo>
-                  <a:pt x="3077594" y="175780"/>
-                  <a:pt x="3106535" y="262463"/>
-                  <a:pt x="3119686" y="354040"/>
-                </a:cubicBezTo>
-                <a:cubicBezTo>
-                  <a:pt x="3119853" y="354093"/>
-                  <a:pt x="3120023" y="354098"/>
-                  <a:pt x="3120191" y="354103"/>
-                </a:cubicBezTo>
-                <a:lnTo>
-                  <a:pt x="3120732" y="360740"/>
-                </a:lnTo>
-                <a:cubicBezTo>
-                  <a:pt x="3125788" y="390746"/>
-                  <a:pt x="3128238" y="421389"/>
-                  <a:pt x="3128196" y="452471"/>
-                </a:cubicBezTo>
-                <a:cubicBezTo>
-                  <a:pt x="3129508" y="458057"/>
-                  <a:pt x="3129566" y="463681"/>
-                  <a:pt x="3129566" y="469318"/>
-                </a:cubicBezTo>
-                <a:cubicBezTo>
-                  <a:pt x="3129566" y="473110"/>
-                  <a:pt x="3129539" y="476896"/>
-                  <a:pt x="3128973" y="480669"/>
-                </a:cubicBezTo>
-                <a:lnTo>
-                  <a:pt x="3128474" y="480636"/>
-                </a:lnTo>
-                <a:lnTo>
-                  <a:pt x="3128448" y="481127"/>
-                </a:lnTo>
-                <a:lnTo>
-                  <a:pt x="3111330" y="479514"/>
-                </a:lnTo>
-                <a:cubicBezTo>
-                  <a:pt x="3078956" y="478991"/>
-                  <a:pt x="3047075" y="476033"/>
-                  <a:pt x="3015903" y="470523"/>
-                </a:cubicBezTo>
-                <a:cubicBezTo>
-                  <a:pt x="3010326" y="470939"/>
-                  <a:pt x="3004997" y="469998"/>
-                  <a:pt x="2999687" y="468995"/>
-                </a:cubicBezTo>
-                <a:lnTo>
-                  <a:pt x="2999571" y="467856"/>
-                </a:lnTo>
-                <a:cubicBezTo>
-                  <a:pt x="2758165" y="428211"/>
-                  <a:pt x="2551973" y="289169"/>
-                  <a:pt x="2428199" y="95636"/>
-                </a:cubicBezTo>
-                <a:close/>
-                <a:moveTo>
-                  <a:pt x="2299523" y="1313979"/>
-                </a:moveTo>
-                <a:cubicBezTo>
-                  <a:pt x="2299523" y="1308297"/>
-                  <a:pt x="2299582" y="1302628"/>
-                  <a:pt x="2300894" y="1296998"/>
-                </a:cubicBezTo>
-                <a:cubicBezTo>
-                  <a:pt x="2300852" y="1265670"/>
-                  <a:pt x="2303301" y="1234785"/>
-                  <a:pt x="2308358" y="1204541"/>
-                </a:cubicBezTo>
-                <a:lnTo>
-                  <a:pt x="2308898" y="1197851"/>
-                </a:lnTo>
-                <a:cubicBezTo>
-                  <a:pt x="2309067" y="1197846"/>
-                  <a:pt x="2309236" y="1197841"/>
-                  <a:pt x="2309404" y="1197788"/>
-                </a:cubicBezTo>
-                <a:cubicBezTo>
-                  <a:pt x="2359680" y="844922"/>
-                  <a:pt x="2640719" y="564145"/>
-                  <a:pt x="2999570" y="504747"/>
-                </a:cubicBezTo>
-                <a:lnTo>
-                  <a:pt x="2999687" y="503599"/>
-                </a:lnTo>
-                <a:cubicBezTo>
-                  <a:pt x="3004995" y="502589"/>
-                  <a:pt x="3010323" y="501641"/>
-                  <a:pt x="3015899" y="502060"/>
-                </a:cubicBezTo>
-                <a:cubicBezTo>
-                  <a:pt x="3047083" y="496503"/>
-                  <a:pt x="3078975" y="493522"/>
-                  <a:pt x="3111361" y="492995"/>
-                </a:cubicBezTo>
-                <a:lnTo>
-                  <a:pt x="3128448" y="491372"/>
-                </a:lnTo>
-                <a:lnTo>
-                  <a:pt x="3128474" y="491866"/>
-                </a:lnTo>
-                <a:lnTo>
-                  <a:pt x="3128972" y="491833"/>
-                </a:lnTo>
-                <a:lnTo>
-                  <a:pt x="3129566" y="503273"/>
-                </a:lnTo>
-                <a:cubicBezTo>
-                  <a:pt x="3129566" y="508954"/>
-                  <a:pt x="3129508" y="514621"/>
-                  <a:pt x="3128196" y="520249"/>
-                </a:cubicBezTo>
-                <a:cubicBezTo>
-                  <a:pt x="3128238" y="551584"/>
-                  <a:pt x="3125787" y="582475"/>
-                  <a:pt x="3120729" y="612725"/>
-                </a:cubicBezTo>
-                <a:lnTo>
-                  <a:pt x="3120190" y="619401"/>
-                </a:lnTo>
-                <a:cubicBezTo>
-                  <a:pt x="3120021" y="619406"/>
-                  <a:pt x="3119852" y="619411"/>
-                  <a:pt x="3119685" y="619464"/>
-                </a:cubicBezTo>
-                <a:cubicBezTo>
-                  <a:pt x="3069409" y="972329"/>
-                  <a:pt x="2788370" y="1253106"/>
-                  <a:pt x="2429519" y="1312505"/>
-                </a:cubicBezTo>
-                <a:lnTo>
-                  <a:pt x="2429403" y="1313653"/>
-                </a:lnTo>
-                <a:cubicBezTo>
-                  <a:pt x="2424092" y="1314664"/>
-                  <a:pt x="2418763" y="1315612"/>
-                  <a:pt x="2413186" y="1315193"/>
-                </a:cubicBezTo>
-                <a:cubicBezTo>
-                  <a:pt x="2382014" y="1320747"/>
-                  <a:pt x="2350134" y="1323728"/>
-                  <a:pt x="2317760" y="1324255"/>
-                </a:cubicBezTo>
-                <a:lnTo>
-                  <a:pt x="2300641" y="1325881"/>
-                </a:lnTo>
-                <a:lnTo>
-                  <a:pt x="2300615" y="1325386"/>
-                </a:lnTo>
-                <a:lnTo>
-                  <a:pt x="2300116" y="1325419"/>
-                </a:lnTo>
-                <a:cubicBezTo>
-                  <a:pt x="2299550" y="1321617"/>
-                  <a:pt x="2299523" y="1317801"/>
-                  <a:pt x="2299523" y="1313979"/>
-                </a:cubicBezTo>
-                <a:close/>
-                <a:moveTo>
-                  <a:pt x="2299523" y="1361805"/>
-                </a:moveTo>
-                <a:lnTo>
-                  <a:pt x="2300117" y="1350455"/>
-                </a:lnTo>
-                <a:lnTo>
-                  <a:pt x="2300615" y="1350487"/>
-                </a:lnTo>
-                <a:lnTo>
-                  <a:pt x="2300641" y="1349997"/>
-                </a:lnTo>
-                <a:lnTo>
-                  <a:pt x="2317729" y="1351607"/>
-                </a:lnTo>
-                <a:cubicBezTo>
-                  <a:pt x="2350114" y="1352130"/>
-                  <a:pt x="2382007" y="1355088"/>
-                  <a:pt x="2413190" y="1360601"/>
-                </a:cubicBezTo>
-                <a:cubicBezTo>
-                  <a:pt x="2418766" y="1360185"/>
-                  <a:pt x="2424094" y="1361126"/>
-                  <a:pt x="2429403" y="1362128"/>
-                </a:cubicBezTo>
-                <a:lnTo>
-                  <a:pt x="2429520" y="1363267"/>
-                </a:lnTo>
-                <a:cubicBezTo>
-                  <a:pt x="2788370" y="1422199"/>
-                  <a:pt x="3069409" y="1700770"/>
-                  <a:pt x="3119686" y="2050865"/>
-                </a:cubicBezTo>
-                <a:cubicBezTo>
-                  <a:pt x="3119853" y="2050918"/>
-                  <a:pt x="3120023" y="2050923"/>
-                  <a:pt x="3120191" y="2050928"/>
-                </a:cubicBezTo>
-                <a:lnTo>
-                  <a:pt x="3120732" y="2057565"/>
-                </a:lnTo>
-                <a:cubicBezTo>
-                  <a:pt x="3125788" y="2087572"/>
-                  <a:pt x="3128238" y="2118214"/>
-                  <a:pt x="3128196" y="2149296"/>
-                </a:cubicBezTo>
-                <a:cubicBezTo>
-                  <a:pt x="3129508" y="2154882"/>
-                  <a:pt x="3129566" y="2160506"/>
-                  <a:pt x="3129566" y="2166144"/>
-                </a:cubicBezTo>
-                <a:cubicBezTo>
-                  <a:pt x="3129566" y="2169936"/>
-                  <a:pt x="3129539" y="2173722"/>
-                  <a:pt x="3128973" y="2177494"/>
-                </a:cubicBezTo>
-                <a:lnTo>
-                  <a:pt x="3128474" y="2177461"/>
-                </a:lnTo>
-                <a:lnTo>
-                  <a:pt x="3128448" y="2177952"/>
-                </a:lnTo>
-                <a:lnTo>
-                  <a:pt x="3111330" y="2176339"/>
-                </a:lnTo>
-                <a:cubicBezTo>
-                  <a:pt x="3078956" y="2175816"/>
-                  <a:pt x="3047075" y="2172858"/>
-                  <a:pt x="3015903" y="2167348"/>
-                </a:cubicBezTo>
-                <a:cubicBezTo>
-                  <a:pt x="3010326" y="2167764"/>
-                  <a:pt x="3004997" y="2166823"/>
-                  <a:pt x="2999687" y="2165820"/>
-                </a:cubicBezTo>
-                <a:lnTo>
-                  <a:pt x="2999571" y="2164681"/>
-                </a:lnTo>
-                <a:cubicBezTo>
-                  <a:pt x="2640719" y="2105749"/>
-                  <a:pt x="2359680" y="1827177"/>
-                  <a:pt x="2309405" y="1477083"/>
-                </a:cubicBezTo>
-                <a:cubicBezTo>
-                  <a:pt x="2309237" y="1477030"/>
-                  <a:pt x="2309069" y="1477026"/>
-                  <a:pt x="2308899" y="1477021"/>
-                </a:cubicBezTo>
-                <a:lnTo>
-                  <a:pt x="2308361" y="1470397"/>
-                </a:lnTo>
-                <a:cubicBezTo>
-                  <a:pt x="2303302" y="1440385"/>
-                  <a:pt x="2300852" y="1409736"/>
-                  <a:pt x="2300894" y="1378647"/>
-                </a:cubicBezTo>
-                <a:cubicBezTo>
-                  <a:pt x="2299582" y="1373063"/>
-                  <a:pt x="2299523" y="1367441"/>
-                  <a:pt x="2299523" y="1361805"/>
-                </a:cubicBezTo>
-                <a:close/>
-                <a:moveTo>
-                  <a:pt x="2299523" y="3010804"/>
-                </a:moveTo>
-                <a:cubicBezTo>
-                  <a:pt x="2299523" y="3005122"/>
-                  <a:pt x="2299582" y="2999453"/>
-                  <a:pt x="2300894" y="2993823"/>
-                </a:cubicBezTo>
-                <a:cubicBezTo>
-                  <a:pt x="2300852" y="2962495"/>
-                  <a:pt x="2303301" y="2931610"/>
-                  <a:pt x="2308358" y="2901366"/>
-                </a:cubicBezTo>
-                <a:lnTo>
-                  <a:pt x="2308898" y="2894676"/>
-                </a:lnTo>
-                <a:cubicBezTo>
-                  <a:pt x="2309067" y="2894671"/>
-                  <a:pt x="2309236" y="2894666"/>
-                  <a:pt x="2309404" y="2894613"/>
-                </a:cubicBezTo>
-                <a:cubicBezTo>
-                  <a:pt x="2359680" y="2541747"/>
-                  <a:pt x="2640719" y="2260970"/>
-                  <a:pt x="2999570" y="2201572"/>
-                </a:cubicBezTo>
-                <a:lnTo>
-                  <a:pt x="2999687" y="2200424"/>
-                </a:lnTo>
-                <a:cubicBezTo>
-                  <a:pt x="3004995" y="2199414"/>
-                  <a:pt x="3010323" y="2198466"/>
-                  <a:pt x="3015899" y="2198885"/>
-                </a:cubicBezTo>
-                <a:cubicBezTo>
-                  <a:pt x="3047083" y="2193328"/>
-                  <a:pt x="3078975" y="2190347"/>
-                  <a:pt x="3111361" y="2189820"/>
-                </a:cubicBezTo>
-                <a:lnTo>
-                  <a:pt x="3128448" y="2188197"/>
-                </a:lnTo>
-                <a:lnTo>
-                  <a:pt x="3128474" y="2188691"/>
-                </a:lnTo>
-                <a:lnTo>
-                  <a:pt x="3128972" y="2188658"/>
-                </a:lnTo>
-                <a:lnTo>
-                  <a:pt x="3129566" y="2200098"/>
-                </a:lnTo>
-                <a:cubicBezTo>
-                  <a:pt x="3129566" y="2205779"/>
-                  <a:pt x="3129508" y="2211446"/>
-                  <a:pt x="3128196" y="2217074"/>
-                </a:cubicBezTo>
-                <a:cubicBezTo>
-                  <a:pt x="3128238" y="2248409"/>
-                  <a:pt x="3125787" y="2279300"/>
-                  <a:pt x="3120729" y="2309550"/>
-                </a:cubicBezTo>
-                <a:lnTo>
-                  <a:pt x="3120190" y="2316226"/>
-                </a:lnTo>
-                <a:cubicBezTo>
-                  <a:pt x="3120021" y="2316231"/>
-                  <a:pt x="3119852" y="2316236"/>
-                  <a:pt x="3119685" y="2316289"/>
-                </a:cubicBezTo>
-                <a:cubicBezTo>
-                  <a:pt x="3069409" y="2669154"/>
-                  <a:pt x="2788370" y="2949931"/>
-                  <a:pt x="2429519" y="3009330"/>
-                </a:cubicBezTo>
-                <a:lnTo>
-                  <a:pt x="2429403" y="3010478"/>
-                </a:lnTo>
-                <a:cubicBezTo>
-                  <a:pt x="2424092" y="3011489"/>
-                  <a:pt x="2418763" y="3012437"/>
-                  <a:pt x="2413186" y="3012018"/>
-                </a:cubicBezTo>
-                <a:cubicBezTo>
-                  <a:pt x="2382014" y="3017572"/>
-                  <a:pt x="2350134" y="3020553"/>
-                  <a:pt x="2317760" y="3021080"/>
-                </a:cubicBezTo>
-                <a:lnTo>
-                  <a:pt x="2300641" y="3022706"/>
-                </a:lnTo>
-                <a:lnTo>
-                  <a:pt x="2300615" y="3022211"/>
-                </a:lnTo>
-                <a:lnTo>
-                  <a:pt x="2300116" y="3022244"/>
-                </a:lnTo>
-                <a:cubicBezTo>
-                  <a:pt x="2299550" y="3018442"/>
-                  <a:pt x="2299523" y="3014626"/>
-                  <a:pt x="2299523" y="3010804"/>
-                </a:cubicBezTo>
-                <a:close/>
-                <a:moveTo>
-                  <a:pt x="2299523" y="3058630"/>
-                </a:moveTo>
-                <a:lnTo>
-                  <a:pt x="2300117" y="3047280"/>
-                </a:lnTo>
-                <a:lnTo>
-                  <a:pt x="2300615" y="3047312"/>
-                </a:lnTo>
-                <a:lnTo>
-                  <a:pt x="2300641" y="3046822"/>
-                </a:lnTo>
-                <a:lnTo>
-                  <a:pt x="2317729" y="3048432"/>
-                </a:lnTo>
-                <a:cubicBezTo>
-                  <a:pt x="2350114" y="3048955"/>
-                  <a:pt x="2382007" y="3051913"/>
-                  <a:pt x="2413190" y="3057426"/>
-                </a:cubicBezTo>
-                <a:cubicBezTo>
-                  <a:pt x="2418766" y="3057010"/>
-                  <a:pt x="2424094" y="3057951"/>
-                  <a:pt x="2429403" y="3058953"/>
-                </a:cubicBezTo>
-                <a:lnTo>
-                  <a:pt x="2429520" y="3060092"/>
-                </a:lnTo>
-                <a:cubicBezTo>
-                  <a:pt x="2788370" y="3119024"/>
-                  <a:pt x="3069409" y="3397595"/>
-                  <a:pt x="3119686" y="3747690"/>
-                </a:cubicBezTo>
-                <a:cubicBezTo>
-                  <a:pt x="3119853" y="3747743"/>
-                  <a:pt x="3120023" y="3747748"/>
-                  <a:pt x="3120191" y="3747753"/>
-                </a:cubicBezTo>
-                <a:lnTo>
-                  <a:pt x="3120732" y="3754390"/>
-                </a:lnTo>
-                <a:cubicBezTo>
-                  <a:pt x="3125788" y="3784397"/>
-                  <a:pt x="3128238" y="3815039"/>
-                  <a:pt x="3128196" y="3846121"/>
-                </a:cubicBezTo>
-                <a:cubicBezTo>
-                  <a:pt x="3129508" y="3851707"/>
-                  <a:pt x="3129566" y="3857331"/>
-                  <a:pt x="3129566" y="3862969"/>
-                </a:cubicBezTo>
-                <a:cubicBezTo>
-                  <a:pt x="3129566" y="3866761"/>
-                  <a:pt x="3129539" y="3870547"/>
-                  <a:pt x="3128973" y="3874319"/>
-                </a:cubicBezTo>
-                <a:lnTo>
-                  <a:pt x="3128474" y="3874286"/>
-                </a:lnTo>
-                <a:lnTo>
-                  <a:pt x="3128448" y="3874777"/>
-                </a:lnTo>
-                <a:lnTo>
-                  <a:pt x="3111330" y="3873164"/>
-                </a:lnTo>
-                <a:cubicBezTo>
-                  <a:pt x="3078956" y="3872641"/>
-                  <a:pt x="3047075" y="3869683"/>
-                  <a:pt x="3015903" y="3864173"/>
-                </a:cubicBezTo>
-                <a:cubicBezTo>
-                  <a:pt x="3010326" y="3864589"/>
-                  <a:pt x="3004997" y="3863648"/>
-                  <a:pt x="2999687" y="3862645"/>
-                </a:cubicBezTo>
-                <a:lnTo>
-                  <a:pt x="2999571" y="3861506"/>
-                </a:lnTo>
-                <a:cubicBezTo>
-                  <a:pt x="2640719" y="3802574"/>
-                  <a:pt x="2359680" y="3524002"/>
-                  <a:pt x="2309405" y="3173908"/>
-                </a:cubicBezTo>
-                <a:cubicBezTo>
-                  <a:pt x="2309237" y="3173856"/>
-                  <a:pt x="2309069" y="3173851"/>
-                  <a:pt x="2308899" y="3173846"/>
-                </a:cubicBezTo>
-                <a:lnTo>
-                  <a:pt x="2308361" y="3167222"/>
-                </a:lnTo>
-                <a:cubicBezTo>
-                  <a:pt x="2303302" y="3137210"/>
-                  <a:pt x="2300852" y="3106561"/>
-                  <a:pt x="2300894" y="3075472"/>
-                </a:cubicBezTo>
-                <a:cubicBezTo>
-                  <a:pt x="2299582" y="3069889"/>
-                  <a:pt x="2299523" y="3064266"/>
-                  <a:pt x="2299523" y="3058630"/>
-                </a:cubicBezTo>
-                <a:close/>
-                <a:moveTo>
-                  <a:pt x="1601297" y="636203"/>
-                </a:moveTo>
-                <a:cubicBezTo>
-                  <a:pt x="1654573" y="907109"/>
-                  <a:pt x="1869416" y="1121906"/>
-                  <a:pt x="2144606" y="1181049"/>
-                </a:cubicBezTo>
-                <a:cubicBezTo>
-                  <a:pt x="2091331" y="910143"/>
-                  <a:pt x="1876487" y="695346"/>
-                  <a:pt x="1601297" y="636203"/>
-                </a:cubicBezTo>
-                <a:close/>
-                <a:moveTo>
-                  <a:pt x="1601297" y="2333028"/>
-                </a:moveTo>
-                <a:cubicBezTo>
-                  <a:pt x="1654573" y="2603934"/>
-                  <a:pt x="1869416" y="2818731"/>
-                  <a:pt x="2144606" y="2877874"/>
-                </a:cubicBezTo>
-                <a:cubicBezTo>
-                  <a:pt x="2091331" y="2606968"/>
-                  <a:pt x="1876487" y="2392171"/>
-                  <a:pt x="1601297" y="2333028"/>
-                </a:cubicBezTo>
-                <a:close/>
-                <a:moveTo>
-                  <a:pt x="1601295" y="2034258"/>
-                </a:moveTo>
-                <a:cubicBezTo>
-                  <a:pt x="1876485" y="1975579"/>
-                  <a:pt x="2091328" y="1762469"/>
-                  <a:pt x="2144604" y="1493690"/>
-                </a:cubicBezTo>
-                <a:cubicBezTo>
-                  <a:pt x="1869414" y="1552369"/>
-                  <a:pt x="1654570" y="1765479"/>
-                  <a:pt x="1601295" y="2034258"/>
-                </a:cubicBezTo>
-                <a:close/>
-                <a:moveTo>
-                  <a:pt x="1601295" y="3731083"/>
-                </a:moveTo>
-                <a:cubicBezTo>
-                  <a:pt x="1876485" y="3672404"/>
-                  <a:pt x="2091328" y="3459294"/>
-                  <a:pt x="2144604" y="3190516"/>
-                </a:cubicBezTo>
-                <a:cubicBezTo>
-                  <a:pt x="1869414" y="3249194"/>
-                  <a:pt x="1654570" y="3462304"/>
-                  <a:pt x="1601295" y="3731083"/>
-                </a:cubicBezTo>
-                <a:close/>
-                <a:moveTo>
-                  <a:pt x="1457930" y="503273"/>
-                </a:moveTo>
-                <a:lnTo>
-                  <a:pt x="1458524" y="491833"/>
-                </a:lnTo>
-                <a:lnTo>
-                  <a:pt x="1459022" y="491866"/>
-                </a:lnTo>
-                <a:lnTo>
-                  <a:pt x="1459048" y="491372"/>
-                </a:lnTo>
-                <a:lnTo>
-                  <a:pt x="1476135" y="492995"/>
-                </a:lnTo>
-                <a:cubicBezTo>
-                  <a:pt x="1508521" y="493522"/>
-                  <a:pt x="1540413" y="496503"/>
-                  <a:pt x="1571597" y="502060"/>
-                </a:cubicBezTo>
-                <a:cubicBezTo>
-                  <a:pt x="1577173" y="501641"/>
-                  <a:pt x="1582501" y="502589"/>
-                  <a:pt x="1587809" y="503599"/>
-                </a:cubicBezTo>
-                <a:lnTo>
-                  <a:pt x="1587926" y="504747"/>
-                </a:lnTo>
-                <a:cubicBezTo>
-                  <a:pt x="1946777" y="564145"/>
-                  <a:pt x="2227816" y="844922"/>
-                  <a:pt x="2278092" y="1197788"/>
-                </a:cubicBezTo>
-                <a:cubicBezTo>
-                  <a:pt x="2278260" y="1197841"/>
-                  <a:pt x="2278429" y="1197846"/>
-                  <a:pt x="2278598" y="1197851"/>
-                </a:cubicBezTo>
-                <a:lnTo>
-                  <a:pt x="2279138" y="1204541"/>
-                </a:lnTo>
-                <a:cubicBezTo>
-                  <a:pt x="2284195" y="1234785"/>
-                  <a:pt x="2286644" y="1265670"/>
-                  <a:pt x="2286602" y="1296998"/>
-                </a:cubicBezTo>
-                <a:cubicBezTo>
-                  <a:pt x="2287914" y="1302628"/>
-                  <a:pt x="2287973" y="1308297"/>
-                  <a:pt x="2287973" y="1313979"/>
-                </a:cubicBezTo>
-                <a:cubicBezTo>
-                  <a:pt x="2287973" y="1317801"/>
-                  <a:pt x="2287946" y="1321617"/>
-                  <a:pt x="2287380" y="1325419"/>
-                </a:cubicBezTo>
-                <a:lnTo>
-                  <a:pt x="2286881" y="1325386"/>
-                </a:lnTo>
-                <a:lnTo>
-                  <a:pt x="2286855" y="1325881"/>
-                </a:lnTo>
-                <a:lnTo>
-                  <a:pt x="2269736" y="1324255"/>
-                </a:lnTo>
-                <a:cubicBezTo>
-                  <a:pt x="2237362" y="1323728"/>
-                  <a:pt x="2205482" y="1320747"/>
-                  <a:pt x="2174310" y="1315193"/>
-                </a:cubicBezTo>
-                <a:cubicBezTo>
-                  <a:pt x="2168733" y="1315612"/>
-                  <a:pt x="2163404" y="1314664"/>
-                  <a:pt x="2158093" y="1313653"/>
-                </a:cubicBezTo>
-                <a:lnTo>
-                  <a:pt x="2157977" y="1312505"/>
-                </a:lnTo>
-                <a:cubicBezTo>
-                  <a:pt x="1799126" y="1253106"/>
-                  <a:pt x="1518087" y="972329"/>
-                  <a:pt x="1467811" y="619464"/>
-                </a:cubicBezTo>
-                <a:cubicBezTo>
-                  <a:pt x="1467644" y="619411"/>
-                  <a:pt x="1467475" y="619406"/>
-                  <a:pt x="1467306" y="619401"/>
-                </a:cubicBezTo>
-                <a:lnTo>
-                  <a:pt x="1466767" y="612725"/>
-                </a:lnTo>
-                <a:cubicBezTo>
-                  <a:pt x="1461709" y="582475"/>
-                  <a:pt x="1459258" y="551584"/>
-                  <a:pt x="1459300" y="520249"/>
-                </a:cubicBezTo>
-                <a:cubicBezTo>
-                  <a:pt x="1457988" y="514621"/>
-                  <a:pt x="1457930" y="508954"/>
-                  <a:pt x="1457930" y="503273"/>
-                </a:cubicBezTo>
-                <a:close/>
-                <a:moveTo>
-                  <a:pt x="1457930" y="2200098"/>
-                </a:moveTo>
-                <a:lnTo>
-                  <a:pt x="1458524" y="2188658"/>
-                </a:lnTo>
-                <a:lnTo>
-                  <a:pt x="1459022" y="2188691"/>
-                </a:lnTo>
-                <a:lnTo>
-                  <a:pt x="1459048" y="2188197"/>
-                </a:lnTo>
-                <a:lnTo>
-                  <a:pt x="1476135" y="2189820"/>
-                </a:lnTo>
-                <a:cubicBezTo>
-                  <a:pt x="1508521" y="2190347"/>
-                  <a:pt x="1540413" y="2193328"/>
-                  <a:pt x="1571597" y="2198885"/>
-                </a:cubicBezTo>
-                <a:cubicBezTo>
-                  <a:pt x="1577173" y="2198466"/>
-                  <a:pt x="1582501" y="2199414"/>
-                  <a:pt x="1587809" y="2200424"/>
-                </a:cubicBezTo>
-                <a:lnTo>
-                  <a:pt x="1587926" y="2201572"/>
-                </a:lnTo>
-                <a:cubicBezTo>
-                  <a:pt x="1946777" y="2260970"/>
-                  <a:pt x="2227816" y="2541747"/>
-                  <a:pt x="2278092" y="2894613"/>
-                </a:cubicBezTo>
-                <a:cubicBezTo>
-                  <a:pt x="2278260" y="2894666"/>
-                  <a:pt x="2278429" y="2894671"/>
-                  <a:pt x="2278598" y="2894676"/>
-                </a:cubicBezTo>
-                <a:lnTo>
-                  <a:pt x="2279138" y="2901366"/>
-                </a:lnTo>
-                <a:cubicBezTo>
-                  <a:pt x="2284195" y="2931610"/>
-                  <a:pt x="2286644" y="2962495"/>
-                  <a:pt x="2286602" y="2993823"/>
-                </a:cubicBezTo>
-                <a:cubicBezTo>
-                  <a:pt x="2287914" y="2999453"/>
-                  <a:pt x="2287973" y="3005122"/>
-                  <a:pt x="2287973" y="3010804"/>
-                </a:cubicBezTo>
-                <a:cubicBezTo>
-                  <a:pt x="2287973" y="3014626"/>
-                  <a:pt x="2287946" y="3018442"/>
-                  <a:pt x="2287380" y="3022244"/>
-                </a:cubicBezTo>
-                <a:lnTo>
-                  <a:pt x="2286881" y="3022211"/>
-                </a:lnTo>
-                <a:lnTo>
-                  <a:pt x="2286855" y="3022706"/>
-                </a:lnTo>
-                <a:lnTo>
-                  <a:pt x="2269736" y="3021080"/>
-                </a:lnTo>
-                <a:cubicBezTo>
-                  <a:pt x="2237362" y="3020553"/>
-                  <a:pt x="2205482" y="3017572"/>
-                  <a:pt x="2174310" y="3012018"/>
-                </a:cubicBezTo>
-                <a:cubicBezTo>
-                  <a:pt x="2168733" y="3012437"/>
-                  <a:pt x="2163404" y="3011489"/>
-                  <a:pt x="2158093" y="3010478"/>
-                </a:cubicBezTo>
-                <a:lnTo>
-                  <a:pt x="2157977" y="3009330"/>
-                </a:lnTo>
-                <a:cubicBezTo>
-                  <a:pt x="1799126" y="2949931"/>
-                  <a:pt x="1518087" y="2669154"/>
-                  <a:pt x="1467811" y="2316289"/>
-                </a:cubicBezTo>
-                <a:cubicBezTo>
-                  <a:pt x="1467644" y="2316236"/>
-                  <a:pt x="1467475" y="2316231"/>
-                  <a:pt x="1467306" y="2316226"/>
-                </a:cubicBezTo>
-                <a:lnTo>
-                  <a:pt x="1466767" y="2309550"/>
-                </a:lnTo>
-                <a:cubicBezTo>
-                  <a:pt x="1461709" y="2279300"/>
-                  <a:pt x="1459258" y="2248409"/>
-                  <a:pt x="1459300" y="2217074"/>
-                </a:cubicBezTo>
-                <a:cubicBezTo>
-                  <a:pt x="1457988" y="2211446"/>
-                  <a:pt x="1457930" y="2205779"/>
-                  <a:pt x="1457930" y="2200098"/>
-                </a:cubicBezTo>
-                <a:close/>
-                <a:moveTo>
-                  <a:pt x="1457930" y="3896923"/>
-                </a:moveTo>
-                <a:lnTo>
-                  <a:pt x="1458524" y="3885483"/>
-                </a:lnTo>
-                <a:lnTo>
-                  <a:pt x="1459022" y="3885516"/>
-                </a:lnTo>
-                <a:lnTo>
-                  <a:pt x="1459048" y="3885022"/>
-                </a:lnTo>
-                <a:lnTo>
-                  <a:pt x="1476135" y="3886645"/>
-                </a:lnTo>
-                <a:cubicBezTo>
-                  <a:pt x="1508521" y="3887172"/>
-                  <a:pt x="1540413" y="3890153"/>
-                  <a:pt x="1571597" y="3895710"/>
-                </a:cubicBezTo>
-                <a:cubicBezTo>
-                  <a:pt x="1577173" y="3895291"/>
-                  <a:pt x="1582501" y="3896239"/>
-                  <a:pt x="1587809" y="3897249"/>
-                </a:cubicBezTo>
-                <a:lnTo>
-                  <a:pt x="1587926" y="3898397"/>
-                </a:lnTo>
-                <a:cubicBezTo>
-                  <a:pt x="1821986" y="3937139"/>
-                  <a:pt x="2022942" y="4070062"/>
-                  <a:pt x="2148179" y="4255797"/>
-                </a:cubicBezTo>
-                <a:lnTo>
-                  <a:pt x="2176624" y="4305008"/>
-                </a:lnTo>
-                <a:lnTo>
-                  <a:pt x="2025574" y="4305008"/>
-                </a:lnTo>
-                <a:lnTo>
-                  <a:pt x="1973451" y="4241205"/>
-                </a:lnTo>
-                <a:cubicBezTo>
-                  <a:pt x="1876755" y="4136681"/>
-                  <a:pt x="1747549" y="4061285"/>
-                  <a:pt x="1601297" y="4029853"/>
-                </a:cubicBezTo>
-                <a:cubicBezTo>
-                  <a:pt x="1618544" y="4117553"/>
-                  <a:pt x="1652724" y="4199373"/>
-                  <a:pt x="1700478" y="4271827"/>
-                </a:cubicBezTo>
-                <a:lnTo>
-                  <a:pt x="1727160" y="4305008"/>
-                </a:lnTo>
-                <a:lnTo>
-                  <a:pt x="1573050" y="4305008"/>
-                </a:lnTo>
-                <a:lnTo>
-                  <a:pt x="1542929" y="4254710"/>
-                </a:lnTo>
-                <a:cubicBezTo>
-                  <a:pt x="1505726" y="4179889"/>
-                  <a:pt x="1479994" y="4098618"/>
-                  <a:pt x="1467811" y="4013114"/>
-                </a:cubicBezTo>
-                <a:cubicBezTo>
-                  <a:pt x="1467644" y="4013061"/>
-                  <a:pt x="1467475" y="4013056"/>
-                  <a:pt x="1467306" y="4013051"/>
-                </a:cubicBezTo>
-                <a:lnTo>
-                  <a:pt x="1466767" y="4006375"/>
-                </a:lnTo>
-                <a:cubicBezTo>
-                  <a:pt x="1461709" y="3976125"/>
-                  <a:pt x="1459258" y="3945234"/>
-                  <a:pt x="1459300" y="3913899"/>
-                </a:cubicBezTo>
-                <a:cubicBezTo>
-                  <a:pt x="1457988" y="3908271"/>
-                  <a:pt x="1457930" y="3902604"/>
-                  <a:pt x="1457930" y="3896923"/>
-                </a:cubicBezTo>
-                <a:close/>
-                <a:moveTo>
-                  <a:pt x="1457928" y="469318"/>
-                </a:moveTo>
-                <a:cubicBezTo>
-                  <a:pt x="1457928" y="463681"/>
-                  <a:pt x="1457986" y="458057"/>
-                  <a:pt x="1459298" y="452471"/>
-                </a:cubicBezTo>
-                <a:cubicBezTo>
-                  <a:pt x="1459256" y="421389"/>
-                  <a:pt x="1461706" y="390746"/>
-                  <a:pt x="1466762" y="360740"/>
-                </a:cubicBezTo>
-                <a:lnTo>
-                  <a:pt x="1467303" y="354103"/>
-                </a:lnTo>
-                <a:cubicBezTo>
-                  <a:pt x="1467471" y="354098"/>
-                  <a:pt x="1467641" y="354093"/>
-                  <a:pt x="1467808" y="354040"/>
-                </a:cubicBezTo>
-                <a:cubicBezTo>
-                  <a:pt x="1480960" y="262463"/>
-                  <a:pt x="1509901" y="175780"/>
-                  <a:pt x="1552022" y="96778"/>
-                </a:cubicBezTo>
-                <a:lnTo>
-                  <a:pt x="1614656" y="0"/>
-                </a:lnTo>
-                <a:lnTo>
-                  <a:pt x="1783031" y="0"/>
-                </a:lnTo>
-                <a:lnTo>
-                  <a:pt x="1714803" y="76659"/>
-                </a:lnTo>
-                <a:cubicBezTo>
-                  <a:pt x="1659536" y="153496"/>
-                  <a:pt x="1620221" y="241952"/>
-                  <a:pt x="1601295" y="337433"/>
-                </a:cubicBezTo>
-                <a:cubicBezTo>
-                  <a:pt x="1784335" y="298404"/>
-                  <a:pt x="1940676" y="191052"/>
-                  <a:pt x="2040269" y="44350"/>
-                </a:cubicBezTo>
-                <a:lnTo>
-                  <a:pt x="2062497" y="0"/>
-                </a:lnTo>
-                <a:lnTo>
-                  <a:pt x="2211135" y="0"/>
-                </a:lnTo>
-                <a:lnTo>
-                  <a:pt x="2159296" y="95636"/>
-                </a:lnTo>
-                <a:cubicBezTo>
-                  <a:pt x="2035522" y="289169"/>
-                  <a:pt x="1829330" y="428211"/>
-                  <a:pt x="1587923" y="467856"/>
-                </a:cubicBezTo>
-                <a:lnTo>
-                  <a:pt x="1587807" y="468995"/>
-                </a:lnTo>
-                <a:cubicBezTo>
-                  <a:pt x="1582497" y="469998"/>
-                  <a:pt x="1577168" y="470939"/>
-                  <a:pt x="1571591" y="470523"/>
-                </a:cubicBezTo>
-                <a:cubicBezTo>
-                  <a:pt x="1540419" y="476033"/>
-                  <a:pt x="1508538" y="478991"/>
-                  <a:pt x="1476164" y="479514"/>
-                </a:cubicBezTo>
-                <a:lnTo>
-                  <a:pt x="1459046" y="481127"/>
-                </a:lnTo>
-                <a:lnTo>
-                  <a:pt x="1459020" y="480636"/>
-                </a:lnTo>
-                <a:lnTo>
-                  <a:pt x="1458521" y="480669"/>
-                </a:lnTo>
-                <a:cubicBezTo>
-                  <a:pt x="1457955" y="476896"/>
-                  <a:pt x="1457928" y="473110"/>
-                  <a:pt x="1457928" y="469318"/>
-                </a:cubicBezTo>
-                <a:close/>
-                <a:moveTo>
-                  <a:pt x="1457928" y="2166144"/>
-                </a:moveTo>
-                <a:cubicBezTo>
-                  <a:pt x="1457928" y="2160506"/>
-                  <a:pt x="1457986" y="2154882"/>
-                  <a:pt x="1459298" y="2149296"/>
-                </a:cubicBezTo>
-                <a:cubicBezTo>
-                  <a:pt x="1459256" y="2118214"/>
-                  <a:pt x="1461706" y="2087572"/>
-                  <a:pt x="1466762" y="2057565"/>
-                </a:cubicBezTo>
-                <a:lnTo>
-                  <a:pt x="1467303" y="2050928"/>
-                </a:lnTo>
-                <a:cubicBezTo>
-                  <a:pt x="1467471" y="2050923"/>
-                  <a:pt x="1467641" y="2050918"/>
-                  <a:pt x="1467808" y="2050865"/>
-                </a:cubicBezTo>
-                <a:cubicBezTo>
-                  <a:pt x="1518085" y="1700770"/>
-                  <a:pt x="1799124" y="1422199"/>
-                  <a:pt x="2157974" y="1363267"/>
-                </a:cubicBezTo>
-                <a:lnTo>
-                  <a:pt x="2158091" y="1362128"/>
-                </a:lnTo>
-                <a:cubicBezTo>
-                  <a:pt x="2163400" y="1361126"/>
-                  <a:pt x="2168728" y="1360185"/>
-                  <a:pt x="2174304" y="1360601"/>
-                </a:cubicBezTo>
-                <a:cubicBezTo>
-                  <a:pt x="2205487" y="1355088"/>
-                  <a:pt x="2237380" y="1352130"/>
-                  <a:pt x="2269765" y="1351607"/>
-                </a:cubicBezTo>
-                <a:lnTo>
-                  <a:pt x="2286853" y="1349997"/>
-                </a:lnTo>
-                <a:lnTo>
-                  <a:pt x="2286879" y="1350487"/>
-                </a:lnTo>
-                <a:lnTo>
-                  <a:pt x="2287377" y="1350455"/>
-                </a:lnTo>
-                <a:lnTo>
-                  <a:pt x="2287971" y="1361805"/>
-                </a:lnTo>
-                <a:cubicBezTo>
-                  <a:pt x="2287971" y="1367441"/>
-                  <a:pt x="2287912" y="1373063"/>
-                  <a:pt x="2286600" y="1378647"/>
-                </a:cubicBezTo>
-                <a:cubicBezTo>
-                  <a:pt x="2286642" y="1409736"/>
-                  <a:pt x="2284192" y="1440385"/>
-                  <a:pt x="2279133" y="1470397"/>
-                </a:cubicBezTo>
-                <a:lnTo>
-                  <a:pt x="2278595" y="1477021"/>
-                </a:lnTo>
-                <a:cubicBezTo>
-                  <a:pt x="2278425" y="1477026"/>
-                  <a:pt x="2278257" y="1477030"/>
-                  <a:pt x="2278089" y="1477083"/>
-                </a:cubicBezTo>
-                <a:cubicBezTo>
-                  <a:pt x="2227814" y="1827177"/>
-                  <a:pt x="1946775" y="2105749"/>
-                  <a:pt x="1587923" y="2164681"/>
-                </a:cubicBezTo>
-                <a:lnTo>
-                  <a:pt x="1587807" y="2165820"/>
-                </a:lnTo>
-                <a:cubicBezTo>
-                  <a:pt x="1582497" y="2166823"/>
-                  <a:pt x="1577168" y="2167764"/>
-                  <a:pt x="1571591" y="2167348"/>
-                </a:cubicBezTo>
-                <a:cubicBezTo>
-                  <a:pt x="1540419" y="2172858"/>
-                  <a:pt x="1508538" y="2175816"/>
-                  <a:pt x="1476164" y="2176339"/>
-                </a:cubicBezTo>
-                <a:lnTo>
-                  <a:pt x="1459046" y="2177952"/>
-                </a:lnTo>
-                <a:lnTo>
-                  <a:pt x="1459020" y="2177461"/>
-                </a:lnTo>
-                <a:lnTo>
-                  <a:pt x="1458521" y="2177494"/>
-                </a:lnTo>
-                <a:cubicBezTo>
-                  <a:pt x="1457955" y="2173722"/>
-                  <a:pt x="1457928" y="2169936"/>
-                  <a:pt x="1457928" y="2166144"/>
-                </a:cubicBezTo>
-                <a:close/>
-                <a:moveTo>
-                  <a:pt x="1457928" y="3862969"/>
-                </a:moveTo>
-                <a:cubicBezTo>
-                  <a:pt x="1457928" y="3857331"/>
-                  <a:pt x="1457986" y="3851707"/>
-                  <a:pt x="1459298" y="3846121"/>
-                </a:cubicBezTo>
-                <a:cubicBezTo>
-                  <a:pt x="1459256" y="3815039"/>
-                  <a:pt x="1461706" y="3784397"/>
-                  <a:pt x="1466762" y="3754390"/>
-                </a:cubicBezTo>
-                <a:lnTo>
-                  <a:pt x="1467303" y="3747753"/>
-                </a:lnTo>
-                <a:cubicBezTo>
-                  <a:pt x="1467471" y="3747748"/>
-                  <a:pt x="1467641" y="3747743"/>
-                  <a:pt x="1467808" y="3747690"/>
-                </a:cubicBezTo>
-                <a:cubicBezTo>
-                  <a:pt x="1518085" y="3397595"/>
-                  <a:pt x="1799124" y="3119024"/>
-                  <a:pt x="2157974" y="3060092"/>
-                </a:cubicBezTo>
-                <a:lnTo>
-                  <a:pt x="2158091" y="3058953"/>
-                </a:lnTo>
-                <a:cubicBezTo>
-                  <a:pt x="2163400" y="3057951"/>
-                  <a:pt x="2168728" y="3057010"/>
-                  <a:pt x="2174304" y="3057426"/>
-                </a:cubicBezTo>
-                <a:cubicBezTo>
-                  <a:pt x="2205487" y="3051913"/>
-                  <a:pt x="2237380" y="3048955"/>
-                  <a:pt x="2269765" y="3048432"/>
-                </a:cubicBezTo>
-                <a:lnTo>
-                  <a:pt x="2286853" y="3046822"/>
-                </a:lnTo>
-                <a:lnTo>
-                  <a:pt x="2286879" y="3047312"/>
-                </a:lnTo>
-                <a:lnTo>
-                  <a:pt x="2287377" y="3047280"/>
-                </a:lnTo>
-                <a:lnTo>
-                  <a:pt x="2287971" y="3058630"/>
-                </a:lnTo>
-                <a:cubicBezTo>
-                  <a:pt x="2287971" y="3064266"/>
-                  <a:pt x="2287912" y="3069889"/>
-                  <a:pt x="2286600" y="3075472"/>
-                </a:cubicBezTo>
-                <a:cubicBezTo>
-                  <a:pt x="2286642" y="3106561"/>
-                  <a:pt x="2284192" y="3137210"/>
-                  <a:pt x="2279133" y="3167222"/>
-                </a:cubicBezTo>
-                <a:lnTo>
-                  <a:pt x="2278595" y="3173846"/>
-                </a:lnTo>
-                <a:cubicBezTo>
-                  <a:pt x="2278425" y="3173851"/>
-                  <a:pt x="2278257" y="3173856"/>
-                  <a:pt x="2278089" y="3173908"/>
-                </a:cubicBezTo>
-                <a:cubicBezTo>
-                  <a:pt x="2227814" y="3524002"/>
-                  <a:pt x="1946775" y="3802574"/>
-                  <a:pt x="1587923" y="3861506"/>
-                </a:cubicBezTo>
-                <a:lnTo>
-                  <a:pt x="1587807" y="3862645"/>
-                </a:lnTo>
-                <a:cubicBezTo>
-                  <a:pt x="1582497" y="3863648"/>
-                  <a:pt x="1577168" y="3864589"/>
-                  <a:pt x="1571591" y="3864173"/>
-                </a:cubicBezTo>
-                <a:cubicBezTo>
-                  <a:pt x="1540419" y="3869683"/>
-                  <a:pt x="1508538" y="3872641"/>
-                  <a:pt x="1476164" y="3873164"/>
-                </a:cubicBezTo>
-                <a:lnTo>
-                  <a:pt x="1459046" y="3874777"/>
-                </a:lnTo>
-                <a:lnTo>
-                  <a:pt x="1459020" y="3874286"/>
-                </a:lnTo>
-                <a:lnTo>
-                  <a:pt x="1458521" y="3874319"/>
-                </a:lnTo>
-                <a:cubicBezTo>
-                  <a:pt x="1457955" y="3870547"/>
-                  <a:pt x="1457928" y="3866761"/>
-                  <a:pt x="1457928" y="3862969"/>
-                </a:cubicBezTo>
-                <a:close/>
-                <a:moveTo>
-                  <a:pt x="750739" y="1181049"/>
-                </a:moveTo>
-                <a:cubicBezTo>
-                  <a:pt x="1025929" y="1121906"/>
-                  <a:pt x="1240772" y="907109"/>
-                  <a:pt x="1294048" y="636203"/>
-                </a:cubicBezTo>
-                <a:cubicBezTo>
-                  <a:pt x="1018858" y="695346"/>
-                  <a:pt x="804014" y="910143"/>
-                  <a:pt x="750739" y="1181049"/>
-                </a:cubicBezTo>
-                <a:close/>
-                <a:moveTo>
-                  <a:pt x="750739" y="1493690"/>
-                </a:moveTo>
-                <a:cubicBezTo>
-                  <a:pt x="804015" y="1762469"/>
-                  <a:pt x="1018858" y="1975579"/>
-                  <a:pt x="1294048" y="2034258"/>
-                </a:cubicBezTo>
-                <a:cubicBezTo>
-                  <a:pt x="1240773" y="1765479"/>
-                  <a:pt x="1025929" y="1552369"/>
-                  <a:pt x="750739" y="1493690"/>
-                </a:cubicBezTo>
-                <a:close/>
-                <a:moveTo>
-                  <a:pt x="750739" y="2877874"/>
-                </a:moveTo>
-                <a:cubicBezTo>
-                  <a:pt x="1025929" y="2818731"/>
-                  <a:pt x="1240772" y="2603934"/>
-                  <a:pt x="1294048" y="2333028"/>
-                </a:cubicBezTo>
-                <a:cubicBezTo>
-                  <a:pt x="1018858" y="2392171"/>
-                  <a:pt x="804014" y="2606968"/>
-                  <a:pt x="750739" y="2877874"/>
-                </a:cubicBezTo>
-                <a:close/>
-                <a:moveTo>
-                  <a:pt x="750739" y="3190516"/>
-                </a:moveTo>
-                <a:cubicBezTo>
-                  <a:pt x="804015" y="3459294"/>
-                  <a:pt x="1018858" y="3672404"/>
-                  <a:pt x="1294048" y="3731083"/>
-                </a:cubicBezTo>
-                <a:cubicBezTo>
-                  <a:pt x="1240773" y="3462304"/>
-                  <a:pt x="1025929" y="3249194"/>
-                  <a:pt x="750739" y="3190516"/>
-                </a:cubicBezTo>
-                <a:close/>
-                <a:moveTo>
-                  <a:pt x="718720" y="4305008"/>
-                </a:moveTo>
-                <a:lnTo>
-                  <a:pt x="747165" y="4255797"/>
-                </a:lnTo>
-                <a:cubicBezTo>
-                  <a:pt x="872402" y="4070062"/>
-                  <a:pt x="1073359" y="3937139"/>
-                  <a:pt x="1307418" y="3898397"/>
-                </a:cubicBezTo>
-                <a:lnTo>
-                  <a:pt x="1307535" y="3897249"/>
-                </a:lnTo>
-                <a:cubicBezTo>
-                  <a:pt x="1312844" y="3896239"/>
-                  <a:pt x="1318172" y="3895291"/>
-                  <a:pt x="1323748" y="3895710"/>
-                </a:cubicBezTo>
-                <a:cubicBezTo>
-                  <a:pt x="1354931" y="3890153"/>
-                  <a:pt x="1386824" y="3887172"/>
-                  <a:pt x="1419209" y="3886645"/>
-                </a:cubicBezTo>
-                <a:lnTo>
-                  <a:pt x="1436297" y="3885022"/>
-                </a:lnTo>
-                <a:lnTo>
-                  <a:pt x="1436323" y="3885516"/>
-                </a:lnTo>
-                <a:lnTo>
-                  <a:pt x="1436821" y="3885483"/>
-                </a:lnTo>
-                <a:lnTo>
-                  <a:pt x="1437415" y="3896923"/>
-                </a:lnTo>
-                <a:cubicBezTo>
-                  <a:pt x="1437415" y="3902604"/>
-                  <a:pt x="1437356" y="3908271"/>
-                  <a:pt x="1436044" y="3913899"/>
-                </a:cubicBezTo>
-                <a:cubicBezTo>
-                  <a:pt x="1436086" y="3945234"/>
-                  <a:pt x="1433636" y="3976125"/>
-                  <a:pt x="1428577" y="4006375"/>
-                </a:cubicBezTo>
-                <a:lnTo>
-                  <a:pt x="1428039" y="4013051"/>
-                </a:lnTo>
-                <a:cubicBezTo>
-                  <a:pt x="1427869" y="4013056"/>
-                  <a:pt x="1427701" y="4013061"/>
-                  <a:pt x="1427533" y="4013114"/>
-                </a:cubicBezTo>
-                <a:cubicBezTo>
-                  <a:pt x="1415351" y="4098618"/>
-                  <a:pt x="1389619" y="4179889"/>
-                  <a:pt x="1352416" y="4254710"/>
-                </a:cubicBezTo>
-                <a:lnTo>
-                  <a:pt x="1322295" y="4305008"/>
-                </a:lnTo>
-                <a:lnTo>
-                  <a:pt x="1168185" y="4305008"/>
-                </a:lnTo>
-                <a:lnTo>
-                  <a:pt x="1194867" y="4271827"/>
-                </a:lnTo>
-                <a:cubicBezTo>
-                  <a:pt x="1242622" y="4199373"/>
-                  <a:pt x="1276801" y="4117553"/>
-                  <a:pt x="1294048" y="4029853"/>
-                </a:cubicBezTo>
-                <a:cubicBezTo>
-                  <a:pt x="1147796" y="4061285"/>
-                  <a:pt x="1018589" y="4136681"/>
-                  <a:pt x="921894" y="4241205"/>
-                </a:cubicBezTo>
-                <a:lnTo>
-                  <a:pt x="869771" y="4305008"/>
-                </a:lnTo>
-                <a:close/>
-                <a:moveTo>
-                  <a:pt x="684209" y="0"/>
-                </a:moveTo>
-                <a:lnTo>
-                  <a:pt x="832847" y="0"/>
-                </a:lnTo>
-                <a:lnTo>
-                  <a:pt x="855075" y="44350"/>
-                </a:lnTo>
-                <a:cubicBezTo>
-                  <a:pt x="954668" y="191053"/>
-                  <a:pt x="1111009" y="298404"/>
-                  <a:pt x="1294048" y="337433"/>
-                </a:cubicBezTo>
-                <a:cubicBezTo>
-                  <a:pt x="1275123" y="241952"/>
-                  <a:pt x="1235808" y="153496"/>
-                  <a:pt x="1180541" y="76659"/>
-                </a:cubicBezTo>
-                <a:lnTo>
-                  <a:pt x="1112313" y="0"/>
-                </a:lnTo>
-                <a:lnTo>
-                  <a:pt x="1280688" y="0"/>
-                </a:lnTo>
-                <a:lnTo>
-                  <a:pt x="1343322" y="96778"/>
-                </a:lnTo>
-                <a:cubicBezTo>
-                  <a:pt x="1385443" y="175780"/>
-                  <a:pt x="1414383" y="262463"/>
-                  <a:pt x="1427534" y="354040"/>
-                </a:cubicBezTo>
-                <a:cubicBezTo>
-                  <a:pt x="1427702" y="354093"/>
-                  <a:pt x="1427871" y="354098"/>
-                  <a:pt x="1428040" y="354102"/>
-                </a:cubicBezTo>
-                <a:lnTo>
-                  <a:pt x="1428580" y="360740"/>
-                </a:lnTo>
-                <a:cubicBezTo>
-                  <a:pt x="1433637" y="390746"/>
-                  <a:pt x="1436086" y="421389"/>
-                  <a:pt x="1436044" y="452471"/>
-                </a:cubicBezTo>
-                <a:cubicBezTo>
-                  <a:pt x="1437356" y="458057"/>
-                  <a:pt x="1437415" y="463681"/>
-                  <a:pt x="1437415" y="469318"/>
-                </a:cubicBezTo>
-                <a:cubicBezTo>
-                  <a:pt x="1437415" y="473111"/>
-                  <a:pt x="1437388" y="476896"/>
-                  <a:pt x="1436822" y="480669"/>
-                </a:cubicBezTo>
-                <a:lnTo>
-                  <a:pt x="1436323" y="480636"/>
-                </a:lnTo>
-                <a:lnTo>
-                  <a:pt x="1436297" y="481127"/>
-                </a:lnTo>
-                <a:lnTo>
-                  <a:pt x="1419178" y="479514"/>
-                </a:lnTo>
-                <a:cubicBezTo>
-                  <a:pt x="1386804" y="478991"/>
-                  <a:pt x="1354924" y="476033"/>
-                  <a:pt x="1323752" y="470523"/>
-                </a:cubicBezTo>
-                <a:cubicBezTo>
-                  <a:pt x="1318175" y="470939"/>
-                  <a:pt x="1312846" y="469998"/>
-                  <a:pt x="1307535" y="468995"/>
-                </a:cubicBezTo>
-                <a:lnTo>
-                  <a:pt x="1307419" y="467856"/>
-                </a:lnTo>
-                <a:cubicBezTo>
-                  <a:pt x="1066014" y="428211"/>
-                  <a:pt x="859822" y="289169"/>
-                  <a:pt x="736048" y="95636"/>
-                </a:cubicBezTo>
-                <a:close/>
-                <a:moveTo>
-                  <a:pt x="607372" y="1313979"/>
-                </a:moveTo>
-                <a:cubicBezTo>
-                  <a:pt x="607372" y="1308297"/>
-                  <a:pt x="607430" y="1302628"/>
-                  <a:pt x="608742" y="1296998"/>
-                </a:cubicBezTo>
-                <a:cubicBezTo>
-                  <a:pt x="608700" y="1265670"/>
-                  <a:pt x="611150" y="1234785"/>
-                  <a:pt x="616206" y="1204541"/>
-                </a:cubicBezTo>
-                <a:lnTo>
-                  <a:pt x="616747" y="1197851"/>
-                </a:lnTo>
-                <a:cubicBezTo>
-                  <a:pt x="616915" y="1197846"/>
-                  <a:pt x="617085" y="1197841"/>
-                  <a:pt x="617252" y="1197788"/>
-                </a:cubicBezTo>
-                <a:cubicBezTo>
-                  <a:pt x="667529" y="844922"/>
-                  <a:pt x="948568" y="564145"/>
-                  <a:pt x="1307418" y="504747"/>
-                </a:cubicBezTo>
-                <a:lnTo>
-                  <a:pt x="1307535" y="503599"/>
-                </a:lnTo>
-                <a:cubicBezTo>
-                  <a:pt x="1312844" y="502589"/>
-                  <a:pt x="1318172" y="501641"/>
-                  <a:pt x="1323748" y="502060"/>
-                </a:cubicBezTo>
-                <a:cubicBezTo>
-                  <a:pt x="1354931" y="496503"/>
-                  <a:pt x="1386824" y="493522"/>
-                  <a:pt x="1419209" y="492995"/>
-                </a:cubicBezTo>
-                <a:lnTo>
-                  <a:pt x="1436297" y="491372"/>
-                </a:lnTo>
-                <a:lnTo>
-                  <a:pt x="1436323" y="491866"/>
-                </a:lnTo>
-                <a:lnTo>
-                  <a:pt x="1436821" y="491833"/>
-                </a:lnTo>
-                <a:lnTo>
-                  <a:pt x="1437415" y="503273"/>
-                </a:lnTo>
-                <a:cubicBezTo>
-                  <a:pt x="1437415" y="508954"/>
-                  <a:pt x="1437356" y="514621"/>
-                  <a:pt x="1436044" y="520249"/>
-                </a:cubicBezTo>
-                <a:cubicBezTo>
-                  <a:pt x="1436086" y="551584"/>
-                  <a:pt x="1433636" y="582475"/>
-                  <a:pt x="1428577" y="612725"/>
-                </a:cubicBezTo>
-                <a:lnTo>
-                  <a:pt x="1428039" y="619401"/>
-                </a:lnTo>
-                <a:cubicBezTo>
-                  <a:pt x="1427869" y="619406"/>
-                  <a:pt x="1427701" y="619411"/>
-                  <a:pt x="1427533" y="619464"/>
-                </a:cubicBezTo>
-                <a:cubicBezTo>
-                  <a:pt x="1377258" y="972329"/>
-                  <a:pt x="1096219" y="1253106"/>
-                  <a:pt x="737367" y="1312505"/>
-                </a:cubicBezTo>
-                <a:lnTo>
-                  <a:pt x="737251" y="1313653"/>
-                </a:lnTo>
-                <a:cubicBezTo>
-                  <a:pt x="731941" y="1314664"/>
-                  <a:pt x="726612" y="1315612"/>
-                  <a:pt x="721035" y="1315193"/>
-                </a:cubicBezTo>
-                <a:cubicBezTo>
-                  <a:pt x="689863" y="1320747"/>
-                  <a:pt x="657982" y="1323728"/>
-                  <a:pt x="625608" y="1324255"/>
-                </a:cubicBezTo>
-                <a:lnTo>
-                  <a:pt x="608490" y="1325881"/>
-                </a:lnTo>
-                <a:lnTo>
-                  <a:pt x="608464" y="1325386"/>
-                </a:lnTo>
-                <a:lnTo>
-                  <a:pt x="607965" y="1325419"/>
-                </a:lnTo>
-                <a:cubicBezTo>
-                  <a:pt x="607399" y="1321617"/>
-                  <a:pt x="607372" y="1317801"/>
-                  <a:pt x="607372" y="1313979"/>
-                </a:cubicBezTo>
-                <a:close/>
-                <a:moveTo>
-                  <a:pt x="607372" y="1361805"/>
-                </a:moveTo>
-                <a:lnTo>
-                  <a:pt x="607966" y="1350455"/>
-                </a:lnTo>
-                <a:lnTo>
-                  <a:pt x="608464" y="1350487"/>
-                </a:lnTo>
-                <a:lnTo>
-                  <a:pt x="608490" y="1349997"/>
-                </a:lnTo>
-                <a:lnTo>
-                  <a:pt x="625577" y="1351607"/>
-                </a:lnTo>
-                <a:cubicBezTo>
-                  <a:pt x="657963" y="1352130"/>
-                  <a:pt x="689855" y="1355088"/>
-                  <a:pt x="721039" y="1360601"/>
-                </a:cubicBezTo>
-                <a:cubicBezTo>
-                  <a:pt x="726615" y="1360185"/>
-                  <a:pt x="731943" y="1361126"/>
-                  <a:pt x="737251" y="1362128"/>
-                </a:cubicBezTo>
-                <a:lnTo>
-                  <a:pt x="737368" y="1363267"/>
-                </a:lnTo>
-                <a:cubicBezTo>
-                  <a:pt x="1096219" y="1422199"/>
-                  <a:pt x="1377258" y="1700770"/>
-                  <a:pt x="1427534" y="2050865"/>
-                </a:cubicBezTo>
-                <a:cubicBezTo>
-                  <a:pt x="1427702" y="2050918"/>
-                  <a:pt x="1427871" y="2050923"/>
-                  <a:pt x="1428040" y="2050928"/>
-                </a:cubicBezTo>
-                <a:lnTo>
-                  <a:pt x="1428580" y="2057565"/>
-                </a:lnTo>
-                <a:cubicBezTo>
-                  <a:pt x="1433637" y="2087572"/>
-                  <a:pt x="1436086" y="2118214"/>
-                  <a:pt x="1436044" y="2149296"/>
-                </a:cubicBezTo>
-                <a:cubicBezTo>
-                  <a:pt x="1437356" y="2154882"/>
-                  <a:pt x="1437415" y="2160506"/>
-                  <a:pt x="1437415" y="2166144"/>
-                </a:cubicBezTo>
-                <a:cubicBezTo>
-                  <a:pt x="1437415" y="2169936"/>
-                  <a:pt x="1437388" y="2173722"/>
-                  <a:pt x="1436822" y="2177494"/>
-                </a:cubicBezTo>
-                <a:lnTo>
-                  <a:pt x="1436323" y="2177461"/>
-                </a:lnTo>
-                <a:lnTo>
-                  <a:pt x="1436297" y="2177952"/>
-                </a:lnTo>
-                <a:lnTo>
-                  <a:pt x="1419178" y="2176339"/>
-                </a:lnTo>
-                <a:cubicBezTo>
-                  <a:pt x="1386804" y="2175816"/>
-                  <a:pt x="1354924" y="2172858"/>
-                  <a:pt x="1323752" y="2167348"/>
-                </a:cubicBezTo>
-                <a:cubicBezTo>
-                  <a:pt x="1318175" y="2167764"/>
-                  <a:pt x="1312846" y="2166823"/>
-                  <a:pt x="1307535" y="2165820"/>
-                </a:cubicBezTo>
-                <a:lnTo>
-                  <a:pt x="1307419" y="2164681"/>
-                </a:lnTo>
-                <a:cubicBezTo>
-                  <a:pt x="948568" y="2105749"/>
-                  <a:pt x="667529" y="1827177"/>
-                  <a:pt x="617253" y="1477083"/>
-                </a:cubicBezTo>
-                <a:cubicBezTo>
-                  <a:pt x="617086" y="1477030"/>
-                  <a:pt x="616917" y="1477026"/>
-                  <a:pt x="616748" y="1477021"/>
-                </a:cubicBezTo>
-                <a:lnTo>
-                  <a:pt x="616209" y="1470397"/>
-                </a:lnTo>
-                <a:cubicBezTo>
-                  <a:pt x="611151" y="1440385"/>
-                  <a:pt x="608700" y="1409736"/>
-                  <a:pt x="608742" y="1378647"/>
-                </a:cubicBezTo>
-                <a:cubicBezTo>
-                  <a:pt x="607430" y="1373063"/>
-                  <a:pt x="607372" y="1367441"/>
-                  <a:pt x="607372" y="1361805"/>
-                </a:cubicBezTo>
-                <a:close/>
-                <a:moveTo>
-                  <a:pt x="607372" y="3010804"/>
-                </a:moveTo>
-                <a:cubicBezTo>
-                  <a:pt x="607372" y="3005122"/>
-                  <a:pt x="607430" y="2999453"/>
-                  <a:pt x="608742" y="2993823"/>
-                </a:cubicBezTo>
-                <a:cubicBezTo>
-                  <a:pt x="608700" y="2962495"/>
-                  <a:pt x="611150" y="2931610"/>
-                  <a:pt x="616206" y="2901366"/>
-                </a:cubicBezTo>
-                <a:lnTo>
-                  <a:pt x="616747" y="2894676"/>
-                </a:lnTo>
-                <a:cubicBezTo>
-                  <a:pt x="616915" y="2894671"/>
-                  <a:pt x="617085" y="2894666"/>
-                  <a:pt x="617252" y="2894613"/>
-                </a:cubicBezTo>
-                <a:cubicBezTo>
-                  <a:pt x="667529" y="2541747"/>
-                  <a:pt x="948568" y="2260970"/>
-                  <a:pt x="1307418" y="2201572"/>
-                </a:cubicBezTo>
-                <a:lnTo>
-                  <a:pt x="1307535" y="2200424"/>
-                </a:lnTo>
-                <a:cubicBezTo>
-                  <a:pt x="1312844" y="2199414"/>
-                  <a:pt x="1318172" y="2198466"/>
-                  <a:pt x="1323748" y="2198885"/>
-                </a:cubicBezTo>
-                <a:cubicBezTo>
-                  <a:pt x="1354931" y="2193328"/>
-                  <a:pt x="1386824" y="2190347"/>
-                  <a:pt x="1419209" y="2189820"/>
-                </a:cubicBezTo>
-                <a:lnTo>
-                  <a:pt x="1436297" y="2188197"/>
-                </a:lnTo>
-                <a:lnTo>
-                  <a:pt x="1436323" y="2188691"/>
-                </a:lnTo>
-                <a:lnTo>
-                  <a:pt x="1436821" y="2188658"/>
-                </a:lnTo>
-                <a:lnTo>
-                  <a:pt x="1437415" y="2200098"/>
-                </a:lnTo>
-                <a:cubicBezTo>
-                  <a:pt x="1437415" y="2205779"/>
-                  <a:pt x="1437356" y="2211446"/>
-                  <a:pt x="1436044" y="2217074"/>
-                </a:cubicBezTo>
-                <a:cubicBezTo>
-                  <a:pt x="1436086" y="2248409"/>
-                  <a:pt x="1433636" y="2279300"/>
-                  <a:pt x="1428577" y="2309550"/>
-                </a:cubicBezTo>
-                <a:lnTo>
-                  <a:pt x="1428039" y="2316226"/>
-                </a:lnTo>
-                <a:cubicBezTo>
-                  <a:pt x="1427869" y="2316231"/>
-                  <a:pt x="1427701" y="2316236"/>
-                  <a:pt x="1427533" y="2316289"/>
-                </a:cubicBezTo>
-                <a:cubicBezTo>
-                  <a:pt x="1377258" y="2669154"/>
-                  <a:pt x="1096219" y="2949931"/>
-                  <a:pt x="737367" y="3009330"/>
-                </a:cubicBezTo>
-                <a:lnTo>
-                  <a:pt x="737251" y="3010478"/>
-                </a:lnTo>
-                <a:cubicBezTo>
-                  <a:pt x="731941" y="3011489"/>
-                  <a:pt x="726612" y="3012437"/>
-                  <a:pt x="721035" y="3012018"/>
-                </a:cubicBezTo>
-                <a:cubicBezTo>
-                  <a:pt x="689863" y="3017572"/>
-                  <a:pt x="657982" y="3020553"/>
-                  <a:pt x="625608" y="3021080"/>
-                </a:cubicBezTo>
-                <a:lnTo>
-                  <a:pt x="608490" y="3022706"/>
-                </a:lnTo>
-                <a:lnTo>
-                  <a:pt x="608464" y="3022211"/>
-                </a:lnTo>
-                <a:lnTo>
-                  <a:pt x="607965" y="3022244"/>
-                </a:lnTo>
-                <a:cubicBezTo>
-                  <a:pt x="607399" y="3018442"/>
-                  <a:pt x="607372" y="3014626"/>
-                  <a:pt x="607372" y="3010804"/>
-                </a:cubicBezTo>
-                <a:close/>
-                <a:moveTo>
-                  <a:pt x="607372" y="3058630"/>
-                </a:moveTo>
-                <a:lnTo>
-                  <a:pt x="607966" y="3047280"/>
-                </a:lnTo>
-                <a:lnTo>
-                  <a:pt x="608464" y="3047312"/>
-                </a:lnTo>
-                <a:lnTo>
-                  <a:pt x="608490" y="3046822"/>
-                </a:lnTo>
-                <a:lnTo>
-                  <a:pt x="625577" y="3048432"/>
-                </a:lnTo>
-                <a:cubicBezTo>
-                  <a:pt x="657963" y="3048955"/>
-                  <a:pt x="689855" y="3051913"/>
-                  <a:pt x="721039" y="3057426"/>
-                </a:cubicBezTo>
-                <a:cubicBezTo>
-                  <a:pt x="726615" y="3057010"/>
-                  <a:pt x="731943" y="3057951"/>
-                  <a:pt x="737251" y="3058953"/>
-                </a:cubicBezTo>
-                <a:lnTo>
-                  <a:pt x="737368" y="3060092"/>
-                </a:lnTo>
-                <a:cubicBezTo>
-                  <a:pt x="1096219" y="3119024"/>
-                  <a:pt x="1377258" y="3397595"/>
-                  <a:pt x="1427534" y="3747690"/>
-                </a:cubicBezTo>
-                <a:cubicBezTo>
-                  <a:pt x="1427702" y="3747743"/>
-                  <a:pt x="1427871" y="3747748"/>
-                  <a:pt x="1428040" y="3747753"/>
-                </a:cubicBezTo>
-                <a:lnTo>
-                  <a:pt x="1428580" y="3754390"/>
-                </a:lnTo>
-                <a:cubicBezTo>
-                  <a:pt x="1433637" y="3784397"/>
-                  <a:pt x="1436086" y="3815039"/>
-                  <a:pt x="1436044" y="3846121"/>
-                </a:cubicBezTo>
-                <a:cubicBezTo>
-                  <a:pt x="1437356" y="3851707"/>
-                  <a:pt x="1437415" y="3857331"/>
-                  <a:pt x="1437415" y="3862969"/>
-                </a:cubicBezTo>
-                <a:cubicBezTo>
-                  <a:pt x="1437415" y="3866761"/>
-                  <a:pt x="1437388" y="3870547"/>
-                  <a:pt x="1436822" y="3874319"/>
-                </a:cubicBezTo>
-                <a:lnTo>
-                  <a:pt x="1436323" y="3874286"/>
-                </a:lnTo>
-                <a:lnTo>
-                  <a:pt x="1436297" y="3874777"/>
-                </a:lnTo>
-                <a:lnTo>
-                  <a:pt x="1419178" y="3873164"/>
-                </a:lnTo>
-                <a:cubicBezTo>
-                  <a:pt x="1386804" y="3872641"/>
-                  <a:pt x="1354924" y="3869683"/>
-                  <a:pt x="1323752" y="3864173"/>
-                </a:cubicBezTo>
-                <a:cubicBezTo>
-                  <a:pt x="1318175" y="3864589"/>
-                  <a:pt x="1312846" y="3863648"/>
-                  <a:pt x="1307535" y="3862645"/>
-                </a:cubicBezTo>
-                <a:lnTo>
-                  <a:pt x="1307419" y="3861506"/>
-                </a:lnTo>
-                <a:cubicBezTo>
-                  <a:pt x="948568" y="3802574"/>
-                  <a:pt x="667529" y="3524002"/>
-                  <a:pt x="617253" y="3173908"/>
-                </a:cubicBezTo>
-                <a:cubicBezTo>
-                  <a:pt x="617086" y="3173856"/>
-                  <a:pt x="616917" y="3173851"/>
-                  <a:pt x="616748" y="3173846"/>
-                </a:cubicBezTo>
-                <a:lnTo>
-                  <a:pt x="616209" y="3167222"/>
-                </a:lnTo>
-                <a:cubicBezTo>
-                  <a:pt x="611151" y="3137210"/>
-                  <a:pt x="608700" y="3106561"/>
-                  <a:pt x="608742" y="3075472"/>
-                </a:cubicBezTo>
-                <a:cubicBezTo>
-                  <a:pt x="607430" y="3069889"/>
-                  <a:pt x="607372" y="3064266"/>
-                  <a:pt x="607372" y="3058630"/>
-                </a:cubicBezTo>
-                <a:close/>
-                <a:moveTo>
-                  <a:pt x="0" y="116373"/>
-                </a:moveTo>
-                <a:lnTo>
-                  <a:pt x="0" y="0"/>
-                </a:lnTo>
-                <a:lnTo>
-                  <a:pt x="90880" y="0"/>
-                </a:lnTo>
-                <a:lnTo>
-                  <a:pt x="22652" y="76659"/>
-                </a:lnTo>
-                <a:close/>
-                <a:moveTo>
-                  <a:pt x="0" y="443121"/>
-                </a:moveTo>
-                <a:lnTo>
-                  <a:pt x="0" y="311637"/>
-                </a:lnTo>
-                <a:lnTo>
-                  <a:pt x="82171" y="276703"/>
-                </a:lnTo>
-                <a:cubicBezTo>
-                  <a:pt x="190106" y="222464"/>
-                  <a:pt x="281723" y="142152"/>
-                  <a:pt x="348118" y="44350"/>
-                </a:cubicBezTo>
-                <a:lnTo>
-                  <a:pt x="370347" y="0"/>
-                </a:lnTo>
-                <a:lnTo>
-                  <a:pt x="518984" y="0"/>
-                </a:lnTo>
-                <a:lnTo>
-                  <a:pt x="467145" y="95636"/>
-                </a:lnTo>
-                <a:cubicBezTo>
-                  <a:pt x="364000" y="256913"/>
-                  <a:pt x="203621" y="380350"/>
-                  <a:pt x="13323" y="439959"/>
-                </a:cubicBezTo>
-                <a:close/>
-                <a:moveTo>
-                  <a:pt x="0" y="1070142"/>
-                </a:moveTo>
-                <a:lnTo>
-                  <a:pt x="0" y="862064"/>
-                </a:lnTo>
-                <a:lnTo>
-                  <a:pt x="31905" y="912052"/>
-                </a:lnTo>
-                <a:cubicBezTo>
-                  <a:pt x="132041" y="1046318"/>
-                  <a:pt x="280461" y="1144085"/>
-                  <a:pt x="452455" y="1181049"/>
-                </a:cubicBezTo>
-                <a:cubicBezTo>
-                  <a:pt x="405840" y="944006"/>
-                  <a:pt x="235523" y="749922"/>
-                  <a:pt x="9316" y="665484"/>
-                </a:cubicBezTo>
-                <a:lnTo>
-                  <a:pt x="0" y="662760"/>
-                </a:lnTo>
-                <a:lnTo>
-                  <a:pt x="0" y="530567"/>
-                </a:lnTo>
-                <a:lnTo>
-                  <a:pt x="26399" y="537107"/>
-                </a:lnTo>
-                <a:cubicBezTo>
-                  <a:pt x="321280" y="635466"/>
-                  <a:pt x="541950" y="889030"/>
-                  <a:pt x="585941" y="1197788"/>
-                </a:cubicBezTo>
-                <a:cubicBezTo>
-                  <a:pt x="586109" y="1197841"/>
-                  <a:pt x="586278" y="1197846"/>
-                  <a:pt x="586447" y="1197851"/>
-                </a:cubicBezTo>
-                <a:lnTo>
-                  <a:pt x="586987" y="1204541"/>
-                </a:lnTo>
-                <a:cubicBezTo>
-                  <a:pt x="592044" y="1234785"/>
-                  <a:pt x="594493" y="1265670"/>
-                  <a:pt x="594451" y="1296998"/>
-                </a:cubicBezTo>
-                <a:cubicBezTo>
-                  <a:pt x="595763" y="1302628"/>
-                  <a:pt x="595822" y="1308297"/>
-                  <a:pt x="595822" y="1313979"/>
-                </a:cubicBezTo>
-                <a:cubicBezTo>
-                  <a:pt x="595822" y="1317801"/>
-                  <a:pt x="595795" y="1321617"/>
-                  <a:pt x="595229" y="1325419"/>
-                </a:cubicBezTo>
-                <a:lnTo>
-                  <a:pt x="594730" y="1325386"/>
-                </a:lnTo>
-                <a:lnTo>
-                  <a:pt x="594704" y="1325881"/>
-                </a:lnTo>
-                <a:lnTo>
-                  <a:pt x="577585" y="1324255"/>
-                </a:lnTo>
-                <a:cubicBezTo>
-                  <a:pt x="545211" y="1323728"/>
-                  <a:pt x="513331" y="1320747"/>
-                  <a:pt x="482159" y="1315193"/>
-                </a:cubicBezTo>
-                <a:cubicBezTo>
-                  <a:pt x="476582" y="1315612"/>
-                  <a:pt x="471253" y="1314664"/>
-                  <a:pt x="465942" y="1313653"/>
-                </a:cubicBezTo>
-                <a:lnTo>
-                  <a:pt x="465826" y="1312505"/>
-                </a:lnTo>
-                <a:cubicBezTo>
-                  <a:pt x="286401" y="1282806"/>
-                  <a:pt x="126428" y="1197762"/>
-                  <a:pt x="5028" y="1076034"/>
-                </a:cubicBezTo>
-                <a:close/>
-                <a:moveTo>
-                  <a:pt x="0" y="2139063"/>
-                </a:moveTo>
-                <a:lnTo>
-                  <a:pt x="0" y="2007909"/>
-                </a:lnTo>
-                <a:lnTo>
-                  <a:pt x="9314" y="2005207"/>
-                </a:lnTo>
-                <a:cubicBezTo>
-                  <a:pt x="235521" y="1921432"/>
-                  <a:pt x="405837" y="1728872"/>
-                  <a:pt x="452453" y="1493690"/>
-                </a:cubicBezTo>
-                <a:cubicBezTo>
-                  <a:pt x="280459" y="1530364"/>
-                  <a:pt x="132038" y="1627363"/>
-                  <a:pt x="31903" y="1760575"/>
-                </a:cubicBezTo>
-                <a:lnTo>
-                  <a:pt x="0" y="1810167"/>
-                </a:lnTo>
-                <a:lnTo>
-                  <a:pt x="0" y="1603724"/>
-                </a:lnTo>
-                <a:lnTo>
-                  <a:pt x="5025" y="1597880"/>
-                </a:lnTo>
-                <a:cubicBezTo>
-                  <a:pt x="126426" y="1477109"/>
-                  <a:pt x="286398" y="1392733"/>
-                  <a:pt x="465823" y="1363267"/>
-                </a:cubicBezTo>
-                <a:lnTo>
-                  <a:pt x="465940" y="1362128"/>
-                </a:lnTo>
-                <a:cubicBezTo>
-                  <a:pt x="471249" y="1361126"/>
-                  <a:pt x="476577" y="1360185"/>
-                  <a:pt x="482153" y="1360601"/>
-                </a:cubicBezTo>
-                <a:cubicBezTo>
-                  <a:pt x="513336" y="1355088"/>
-                  <a:pt x="545229" y="1352130"/>
-                  <a:pt x="577614" y="1351607"/>
-                </a:cubicBezTo>
-                <a:lnTo>
-                  <a:pt x="594702" y="1349997"/>
-                </a:lnTo>
-                <a:lnTo>
-                  <a:pt x="594728" y="1350487"/>
-                </a:lnTo>
-                <a:lnTo>
-                  <a:pt x="595226" y="1350455"/>
-                </a:lnTo>
-                <a:lnTo>
-                  <a:pt x="595820" y="1361805"/>
-                </a:lnTo>
-                <a:cubicBezTo>
-                  <a:pt x="595820" y="1367441"/>
-                  <a:pt x="595761" y="1373063"/>
-                  <a:pt x="594449" y="1378647"/>
-                </a:cubicBezTo>
-                <a:cubicBezTo>
-                  <a:pt x="594491" y="1409736"/>
-                  <a:pt x="592041" y="1440385"/>
-                  <a:pt x="586982" y="1470397"/>
-                </a:cubicBezTo>
-                <a:lnTo>
-                  <a:pt x="586444" y="1477021"/>
-                </a:lnTo>
-                <a:cubicBezTo>
-                  <a:pt x="586274" y="1477026"/>
-                  <a:pt x="586106" y="1477030"/>
-                  <a:pt x="585938" y="1477083"/>
-                </a:cubicBezTo>
-                <a:cubicBezTo>
-                  <a:pt x="541948" y="1783415"/>
-                  <a:pt x="321278" y="2034989"/>
-                  <a:pt x="26396" y="2132575"/>
-                </a:cubicBezTo>
-                <a:close/>
-                <a:moveTo>
-                  <a:pt x="0" y="2766967"/>
-                </a:moveTo>
-                <a:lnTo>
-                  <a:pt x="0" y="2558889"/>
-                </a:lnTo>
-                <a:lnTo>
-                  <a:pt x="31905" y="2608877"/>
-                </a:lnTo>
-                <a:cubicBezTo>
-                  <a:pt x="132041" y="2743143"/>
-                  <a:pt x="280461" y="2840910"/>
-                  <a:pt x="452455" y="2877874"/>
-                </a:cubicBezTo>
-                <a:cubicBezTo>
-                  <a:pt x="405840" y="2640831"/>
-                  <a:pt x="235523" y="2446747"/>
-                  <a:pt x="9316" y="2362309"/>
-                </a:cubicBezTo>
-                <a:lnTo>
-                  <a:pt x="0" y="2359585"/>
-                </a:lnTo>
-                <a:lnTo>
-                  <a:pt x="0" y="2227392"/>
-                </a:lnTo>
-                <a:lnTo>
-                  <a:pt x="26399" y="2233932"/>
-                </a:lnTo>
-                <a:cubicBezTo>
-                  <a:pt x="321280" y="2332291"/>
-                  <a:pt x="541950" y="2585855"/>
-                  <a:pt x="585941" y="2894613"/>
-                </a:cubicBezTo>
-                <a:cubicBezTo>
-                  <a:pt x="586109" y="2894666"/>
-                  <a:pt x="586278" y="2894671"/>
-                  <a:pt x="586447" y="2894676"/>
-                </a:cubicBezTo>
-                <a:lnTo>
-                  <a:pt x="586987" y="2901366"/>
-                </a:lnTo>
-                <a:cubicBezTo>
-                  <a:pt x="592044" y="2931610"/>
-                  <a:pt x="594493" y="2962495"/>
-                  <a:pt x="594451" y="2993823"/>
-                </a:cubicBezTo>
-                <a:cubicBezTo>
-                  <a:pt x="595763" y="2999453"/>
-                  <a:pt x="595822" y="3005122"/>
-                  <a:pt x="595822" y="3010804"/>
-                </a:cubicBezTo>
-                <a:cubicBezTo>
-                  <a:pt x="595822" y="3014626"/>
-                  <a:pt x="595795" y="3018442"/>
-                  <a:pt x="595229" y="3022244"/>
-                </a:cubicBezTo>
-                <a:lnTo>
-                  <a:pt x="594730" y="3022211"/>
-                </a:lnTo>
-                <a:lnTo>
-                  <a:pt x="594704" y="3022706"/>
-                </a:lnTo>
-                <a:lnTo>
-                  <a:pt x="577585" y="3021080"/>
-                </a:lnTo>
-                <a:cubicBezTo>
-                  <a:pt x="545211" y="3020553"/>
-                  <a:pt x="513331" y="3017572"/>
-                  <a:pt x="482159" y="3012018"/>
-                </a:cubicBezTo>
-                <a:cubicBezTo>
-                  <a:pt x="476582" y="3012437"/>
-                  <a:pt x="471253" y="3011489"/>
-                  <a:pt x="465942" y="3010478"/>
-                </a:cubicBezTo>
-                <a:lnTo>
-                  <a:pt x="465826" y="3009330"/>
-                </a:lnTo>
-                <a:cubicBezTo>
-                  <a:pt x="286401" y="2979630"/>
-                  <a:pt x="126428" y="2894586"/>
-                  <a:pt x="5028" y="2772859"/>
-                </a:cubicBezTo>
-                <a:close/>
-                <a:moveTo>
-                  <a:pt x="0" y="3835888"/>
-                </a:moveTo>
-                <a:lnTo>
-                  <a:pt x="0" y="3704734"/>
-                </a:lnTo>
-                <a:lnTo>
-                  <a:pt x="9314" y="3702032"/>
-                </a:lnTo>
-                <a:cubicBezTo>
-                  <a:pt x="235521" y="3618257"/>
-                  <a:pt x="405837" y="3425697"/>
-                  <a:pt x="452453" y="3190516"/>
-                </a:cubicBezTo>
-                <a:cubicBezTo>
-                  <a:pt x="280459" y="3227190"/>
-                  <a:pt x="132038" y="3324188"/>
-                  <a:pt x="31903" y="3457400"/>
-                </a:cubicBezTo>
-                <a:lnTo>
-                  <a:pt x="0" y="3506992"/>
-                </a:lnTo>
-                <a:lnTo>
-                  <a:pt x="0" y="3300549"/>
-                </a:lnTo>
-                <a:lnTo>
-                  <a:pt x="5025" y="3294705"/>
-                </a:lnTo>
-                <a:cubicBezTo>
-                  <a:pt x="126426" y="3173934"/>
-                  <a:pt x="286398" y="3089558"/>
-                  <a:pt x="465823" y="3060092"/>
-                </a:cubicBezTo>
-                <a:lnTo>
-                  <a:pt x="465940" y="3058953"/>
-                </a:lnTo>
-                <a:cubicBezTo>
-                  <a:pt x="471249" y="3057951"/>
-                  <a:pt x="476577" y="3057010"/>
-                  <a:pt x="482153" y="3057426"/>
-                </a:cubicBezTo>
-                <a:cubicBezTo>
-                  <a:pt x="513336" y="3051913"/>
-                  <a:pt x="545229" y="3048955"/>
-                  <a:pt x="577614" y="3048432"/>
-                </a:cubicBezTo>
-                <a:lnTo>
-                  <a:pt x="594702" y="3046822"/>
-                </a:lnTo>
-                <a:lnTo>
-                  <a:pt x="594728" y="3047312"/>
-                </a:lnTo>
-                <a:lnTo>
-                  <a:pt x="595226" y="3047280"/>
-                </a:lnTo>
-                <a:lnTo>
-                  <a:pt x="595820" y="3058630"/>
-                </a:lnTo>
-                <a:cubicBezTo>
-                  <a:pt x="595820" y="3064266"/>
-                  <a:pt x="595761" y="3069889"/>
-                  <a:pt x="594449" y="3075472"/>
-                </a:cubicBezTo>
-                <a:cubicBezTo>
-                  <a:pt x="594491" y="3106561"/>
-                  <a:pt x="592041" y="3137210"/>
-                  <a:pt x="586982" y="3167222"/>
-                </a:cubicBezTo>
-                <a:lnTo>
-                  <a:pt x="586444" y="3173846"/>
-                </a:lnTo>
-                <a:cubicBezTo>
-                  <a:pt x="586274" y="3173851"/>
-                  <a:pt x="586106" y="3173856"/>
-                  <a:pt x="585938" y="3173908"/>
-                </a:cubicBezTo>
-                <a:cubicBezTo>
-                  <a:pt x="541948" y="3480240"/>
-                  <a:pt x="321278" y="3731813"/>
-                  <a:pt x="26396" y="3829400"/>
-                </a:cubicBezTo>
-                <a:close/>
-                <a:moveTo>
-                  <a:pt x="0" y="4056079"/>
-                </a:moveTo>
-                <a:lnTo>
-                  <a:pt x="0" y="3923091"/>
-                </a:lnTo>
-                <a:lnTo>
-                  <a:pt x="9850" y="3925425"/>
-                </a:lnTo>
-                <a:cubicBezTo>
-                  <a:pt x="194718" y="3982914"/>
-                  <a:pt x="351664" y="4101018"/>
-                  <a:pt x="456028" y="4255797"/>
-                </a:cubicBezTo>
-                <a:lnTo>
-                  <a:pt x="484473" y="4305008"/>
-                </a:lnTo>
-                <a:lnTo>
-                  <a:pt x="333423" y="4305008"/>
-                </a:lnTo>
-                <a:lnTo>
-                  <a:pt x="281300" y="4241205"/>
-                </a:lnTo>
-                <a:cubicBezTo>
-                  <a:pt x="223282" y="4178491"/>
-                  <a:pt x="153561" y="4126262"/>
-                  <a:pt x="75476" y="4087725"/>
-                </a:cubicBezTo>
-                <a:close/>
-                <a:moveTo>
-                  <a:pt x="0" y="4305008"/>
-                </a:moveTo>
-                <a:lnTo>
-                  <a:pt x="0" y="4256099"/>
-                </a:lnTo>
-                <a:lnTo>
-                  <a:pt x="8327" y="4271827"/>
-                </a:lnTo>
-                <a:lnTo>
-                  <a:pt x="35009" y="4305008"/>
-                </a:lnTo>
-                <a:close/>
-              </a:path>
-            </a:pathLst>
-          </a:custGeom>
-          <a:solidFill>
-            <a:schemeClr val="accent1"/>
-          </a:solidFill>
-          <a:ln>
-            <a:noFill/>
-          </a:ln>
-        </p:spPr>
-        <p:style>
-          <a:lnRef idx="2">
-            <a:schemeClr val="accent1">
-              <a:shade val="50000"/>
-            </a:schemeClr>
-          </a:lnRef>
-          <a:fillRef idx="1">
-            <a:schemeClr val="accent1"/>
-          </a:fillRef>
-          <a:effectRef idx="0">
-            <a:schemeClr val="accent1"/>
-          </a:effectRef>
-          <a:fontRef idx="minor">
-            <a:schemeClr val="lt1"/>
-          </a:fontRef>
-        </p:style>
-      </p:sp>
-      <p:sp>
-        <p:nvSpPr>
-          <p:cNvPr id="20" name="Rectangle 11">
-            <a:extLst>
-              <a:ext uri="{FF2B5EF4-FFF2-40B4-BE49-F238E27FC236}">
-                <a16:creationId xmlns:a16="http://schemas.microsoft.com/office/drawing/2014/main" id="{1B26E892-1320-40AA-9CA1-246721C18768}"/>
-              </a:ext>
-              <a:ext uri="{C183D7F6-B498-43B3-948B-1728B52AA6E4}">
-                <adec:decorative xmlns:adec="http://schemas.microsoft.com/office/drawing/2017/decorative" val="1"/>
-              </a:ext>
-            </a:extLst>
-          </p:cNvPr>
-          <p:cNvSpPr>
-            <a:spLocks noGrp="1" noRot="1" noChangeAspect="1" noMove="1" noResize="1" noEditPoints="1" noAdjustHandles="1" noChangeArrowheads="1" noChangeShapeType="1" noTextEdit="1"/>
-          </p:cNvSpPr>
-          <p:nvPr>
-            <p:extLst>
-              <p:ext uri="{386F3935-93C4-4BCD-93E2-E3B085C9AB24}">
-                <p16:designElem xmlns:p16="http://schemas.microsoft.com/office/powerpoint/2015/main" val="1"/>
-              </p:ext>
-            </p:extLst>
-          </p:nvPr>
-        </p:nvSpPr>
-        <p:spPr>
-          <a:xfrm>
-            <a:off x="4228592" y="620720"/>
-            <a:ext cx="7323231" cy="5593163"/>
-          </a:xfrm>
-          <a:prstGeom prst="rect">
-            <a:avLst/>
-          </a:prstGeom>
-          <a:solidFill>
-            <a:schemeClr val="accent1"/>
-          </a:solidFill>
-          <a:ln>
-            <a:noFill/>
-          </a:ln>
-        </p:spPr>
-        <p:style>
-          <a:lnRef idx="2">
-            <a:schemeClr val="accent1">
-              <a:shade val="50000"/>
-            </a:schemeClr>
-          </a:lnRef>
-          <a:fillRef idx="1">
-            <a:schemeClr val="accent1"/>
-          </a:fillRef>
-          <a:effectRef idx="0">
-            <a:schemeClr val="accent1"/>
-          </a:effectRef>
-          <a:fontRef idx="minor">
-            <a:schemeClr val="lt1"/>
-          </a:fontRef>
-        </p:style>
-        <p:txBody>
-          <a:bodyPr rtlCol="0" anchor="ctr"/>
-          <a:lstStyle/>
-          <a:p>
-            <a:pPr algn="ctr"/>
-            <a:endParaRPr lang="en-US"/>
-          </a:p>
-        </p:txBody>
-      </p:sp>
-      <p:sp>
-        <p:nvSpPr>
-          <p:cNvPr id="2" name="Title 1">
-            <a:extLst>
-              <a:ext uri="{FF2B5EF4-FFF2-40B4-BE49-F238E27FC236}">
-                <a16:creationId xmlns:a16="http://schemas.microsoft.com/office/drawing/2014/main" id="{A2FFD971-8D12-EEF8-182A-48D00E42F99B}"/>
-              </a:ext>
-            </a:extLst>
-          </p:cNvPr>
-          <p:cNvSpPr>
-            <a:spLocks noGrp="1"/>
-          </p:cNvSpPr>
-          <p:nvPr>
-            <p:ph type="ctrTitle"/>
-          </p:nvPr>
-        </p:nvSpPr>
-        <p:spPr>
-          <a:xfrm>
-            <a:off x="4713224" y="1105351"/>
-            <a:ext cx="6353967" cy="3023981"/>
-          </a:xfrm>
-        </p:spPr>
-        <p:txBody>
-          <a:bodyPr anchor="b">
-            <a:normAutofit/>
-          </a:bodyPr>
-          <a:lstStyle/>
-          <a:p>
-            <a:pPr algn="l"/>
-            <a:r>
-              <a:rPr lang="en-IN" sz="4800">
-                <a:solidFill>
-                  <a:srgbClr val="FFFFFF"/>
-                </a:solidFill>
-              </a:rPr>
-              <a:t>ASPIRE OVERFLOW</a:t>
-            </a:r>
-          </a:p>
-        </p:txBody>
-      </p:sp>
-      <p:sp>
-        <p:nvSpPr>
-          <p:cNvPr id="3" name="Subtitle 2">
-            <a:extLst>
-              <a:ext uri="{FF2B5EF4-FFF2-40B4-BE49-F238E27FC236}">
-                <a16:creationId xmlns:a16="http://schemas.microsoft.com/office/drawing/2014/main" id="{ACB78615-207D-AAB7-9A4F-782353AAD440}"/>
-              </a:ext>
-            </a:extLst>
-          </p:cNvPr>
-          <p:cNvSpPr>
-            <a:spLocks noGrp="1"/>
-          </p:cNvSpPr>
-          <p:nvPr>
-            <p:ph type="subTitle" idx="1"/>
-          </p:nvPr>
-        </p:nvSpPr>
-        <p:spPr>
-          <a:xfrm>
-            <a:off x="4713224" y="4297556"/>
-            <a:ext cx="6353968" cy="1433391"/>
-          </a:xfrm>
-        </p:spPr>
-        <p:txBody>
-          <a:bodyPr anchor="t">
-            <a:normAutofit/>
-          </a:bodyPr>
-          <a:lstStyle/>
-          <a:p>
-            <a:r>
-              <a:rPr lang="en-IN">
-                <a:solidFill>
-                  <a:srgbClr val="FFFFFF"/>
-                </a:solidFill>
-              </a:rPr>
-              <a:t>AURORA</a:t>
-            </a:r>
-          </a:p>
-        </p:txBody>
-      </p:sp>
-      <p:cxnSp>
-        <p:nvCxnSpPr>
-          <p:cNvPr id="21" name="Straight Connector 13">
-            <a:extLst>
-              <a:ext uri="{FF2B5EF4-FFF2-40B4-BE49-F238E27FC236}">
-                <a16:creationId xmlns:a16="http://schemas.microsoft.com/office/drawing/2014/main" id="{C9A1F79C-E4D1-4AAE-BA11-3A09005252E3}"/>
-              </a:ext>
-              <a:ext uri="{C183D7F6-B498-43B3-948B-1728B52AA6E4}">
-                <adec:decorative xmlns:adec="http://schemas.microsoft.com/office/drawing/2017/decorative" val="1"/>
-              </a:ext>
-            </a:extLst>
-          </p:cNvPr>
-          <p:cNvCxnSpPr>
-            <a:cxnSpLocks noGrp="1" noRot="1" noChangeAspect="1" noMove="1" noResize="1" noEditPoints="1" noAdjustHandles="1" noChangeArrowheads="1" noChangeShapeType="1"/>
-          </p:cNvCxnSpPr>
-          <p:nvPr>
-            <p:extLst>
-              <p:ext uri="{386F3935-93C4-4BCD-93E2-E3B085C9AB24}">
-                <p16:designElem xmlns:p16="http://schemas.microsoft.com/office/powerpoint/2015/main" val="1"/>
-              </p:ext>
-            </p:extLst>
-          </p:nvPr>
-        </p:nvCxnSpPr>
-        <p:spPr>
-          <a:xfrm>
-            <a:off x="4842932" y="4214336"/>
-            <a:ext cx="5120640" cy="0"/>
-          </a:xfrm>
-          <a:prstGeom prst="line">
-            <a:avLst/>
-          </a:prstGeom>
-          <a:ln w="19050">
-            <a:solidFill>
-              <a:srgbClr val="FFFFFF"/>
-            </a:solidFill>
-          </a:ln>
-        </p:spPr>
-        <p:style>
-          <a:lnRef idx="1">
-            <a:schemeClr val="accent1"/>
-          </a:lnRef>
-          <a:fillRef idx="0">
-            <a:schemeClr val="accent1"/>
-          </a:fillRef>
-          <a:effectRef idx="0">
-            <a:schemeClr val="accent1"/>
-          </a:effectRef>
-          <a:fontRef idx="minor">
-            <a:schemeClr val="tx1"/>
-          </a:fontRef>
-        </p:style>
-      </p:cxnSp>
-      <p:sp useBgFill="1">
-        <p:nvSpPr>
-          <p:cNvPr id="22" name="Rectangle 15">
-            <a:extLst>
-              <a:ext uri="{FF2B5EF4-FFF2-40B4-BE49-F238E27FC236}">
-                <a16:creationId xmlns:a16="http://schemas.microsoft.com/office/drawing/2014/main" id="{C170DF7D-4686-4BD5-A9CD-C8964928468D}"/>
-              </a:ext>
-              <a:ext uri="{C183D7F6-B498-43B3-948B-1728B52AA6E4}">
-                <adec:decorative xmlns:adec="http://schemas.microsoft.com/office/drawing/2017/decorative" val="1"/>
-              </a:ext>
-            </a:extLst>
-          </p:cNvPr>
-          <p:cNvSpPr>
-            <a:spLocks noGrp="1" noRot="1" noChangeAspect="1" noMove="1" noResize="1" noEditPoints="1" noAdjustHandles="1" noChangeArrowheads="1" noChangeShapeType="1" noTextEdit="1"/>
-          </p:cNvSpPr>
-          <p:nvPr>
-            <p:extLst>
-              <p:ext uri="{386F3935-93C4-4BCD-93E2-E3B085C9AB24}">
-                <p16:designElem xmlns:p16="http://schemas.microsoft.com/office/powerpoint/2015/main" val="1"/>
-              </p:ext>
-            </p:extLst>
-          </p:nvPr>
-        </p:nvSpPr>
-        <p:spPr>
-          <a:xfrm>
-            <a:off x="4064000" y="-2"/>
-            <a:ext cx="164592" cy="6858002"/>
-          </a:xfrm>
-          <a:prstGeom prst="rect">
-            <a:avLst/>
-          </a:prstGeom>
-          <a:ln>
-            <a:noFill/>
-          </a:ln>
-        </p:spPr>
-        <p:style>
-          <a:lnRef idx="2">
-            <a:schemeClr val="accent1">
-              <a:shade val="50000"/>
-            </a:schemeClr>
-          </a:lnRef>
-          <a:fillRef idx="1">
-            <a:schemeClr val="accent1"/>
-          </a:fillRef>
-          <a:effectRef idx="0">
-            <a:schemeClr val="accent1"/>
-          </a:effectRef>
-          <a:fontRef idx="minor">
-            <a:schemeClr val="lt1"/>
-          </a:fontRef>
-        </p:style>
-        <p:txBody>
-          <a:bodyPr rtlCol="0" anchor="ctr"/>
-          <a:lstStyle/>
-          <a:p>
-            <a:pPr algn="ctr"/>
-            <a:endParaRPr lang="en-US"/>
-          </a:p>
-        </p:txBody>
-      </p:sp>
+      </p:pic>
     </p:spTree>
     <p:extLst>
       <p:ext uri="{BB962C8B-B14F-4D97-AF65-F5344CB8AC3E}">
-        <p14:creationId xmlns:p14="http://schemas.microsoft.com/office/powerpoint/2010/main" val="2392620102"/>
+        <p14:creationId xmlns:p14="http://schemas.microsoft.com/office/powerpoint/2010/main" val="62434982"/>
       </p:ext>
     </p:extLst>
   </p:cSld>
   <p:clrMapOvr>
     <a:masterClrMapping/>
   </p:clrMapOvr>
-  <p:timing>
-    <p:tnLst>
-      <p:par>
-        <p:cTn id="1" dur="indefinite" restart="never" nodeType="tmRoot">
-          <p:childTnLst>
-            <p:seq concurrent="1" nextAc="seek">
-              <p:cTn id="2" dur="indefinite" nodeType="mainSeq">
-                <p:childTnLst>
-                  <p:par>
-                    <p:cTn id="3" fill="hold">
-                      <p:stCondLst>
-                        <p:cond delay="indefinite"/>
-                        <p:cond evt="onBegin" delay="0">
-                          <p:tn val="2"/>
-                        </p:cond>
-                      </p:stCondLst>
-                      <p:childTnLst>
-                        <p:par>
-                          <p:cTn id="4" fill="hold">
-                            <p:stCondLst>
-                              <p:cond delay="0"/>
-                            </p:stCondLst>
-                            <p:childTnLst>
-                              <p:par>
-                                <p:cTn id="5" presetID="10" presetClass="entr" presetSubtype="0" fill="hold" grpId="0" nodeType="withEffect">
-                                  <p:stCondLst>
-                                    <p:cond delay="1000"/>
-                                  </p:stCondLst>
-                                  <p:iterate type="wd">
-                                    <p:tmPct val="15000"/>
-                                  </p:iterate>
-                                  <p:childTnLst>
-                                    <p:set>
-                                      <p:cBhvr>
-                                        <p:cTn id="6" dur="1" fill="hold">
-                                          <p:stCondLst>
-                                            <p:cond delay="0"/>
-                                          </p:stCondLst>
-                                        </p:cTn>
-                                        <p:tgtEl>
-                                          <p:spTgt spid="3">
-                                            <p:txEl>
-                                              <p:pRg st="0" end="0"/>
-                                            </p:txEl>
-                                          </p:spTgt>
-                                        </p:tgtEl>
-                                        <p:attrNameLst>
-                                          <p:attrName>style.visibility</p:attrName>
-                                        </p:attrNameLst>
-                                      </p:cBhvr>
-                                      <p:to>
-                                        <p:strVal val="visible"/>
-                                      </p:to>
-                                    </p:set>
-                                    <p:animEffect transition="in" filter="fade">
-                                      <p:cBhvr>
-                                        <p:cTn id="7" dur="1000"/>
-                                        <p:tgtEl>
-                                          <p:spTgt spid="3">
-                                            <p:txEl>
-                                              <p:pRg st="0" end="0"/>
-                                            </p:txEl>
-                                          </p:spTgt>
-                                        </p:tgtEl>
-                                      </p:cBhvr>
-                                    </p:animEffect>
-                                  </p:childTnLst>
-                                </p:cTn>
-                              </p:par>
-                              <p:par>
-                                <p:cTn id="8" presetID="10" presetClass="entr" presetSubtype="0" fill="hold" grpId="0" nodeType="withEffect">
-                                  <p:stCondLst>
-                                    <p:cond delay="500"/>
-                                  </p:stCondLst>
-                                  <p:iterate type="wd">
-                                    <p:tmPct val="15000"/>
-                                  </p:iterate>
-                                  <p:childTnLst>
-                                    <p:set>
-                                      <p:cBhvr>
-                                        <p:cTn id="9" dur="1" fill="hold">
-                                          <p:stCondLst>
-                                            <p:cond delay="0"/>
-                                          </p:stCondLst>
-                                        </p:cTn>
-                                        <p:tgtEl>
-                                          <p:spTgt spid="2"/>
-                                        </p:tgtEl>
-                                        <p:attrNameLst>
-                                          <p:attrName>style.visibility</p:attrName>
-                                        </p:attrNameLst>
-                                      </p:cBhvr>
-                                      <p:to>
-                                        <p:strVal val="visible"/>
-                                      </p:to>
-                                    </p:set>
-                                    <p:animEffect transition="in" filter="fade">
-                                      <p:cBhvr>
-                                        <p:cTn id="10" dur="1000"/>
-                                        <p:tgtEl>
-                                          <p:spTgt spid="2"/>
-                                        </p:tgtEl>
-                                      </p:cBhvr>
-                                    </p:animEffect>
-                                  </p:childTnLst>
-                                </p:cTn>
-                              </p:par>
-                            </p:childTnLst>
-                          </p:cTn>
-                        </p:par>
-                      </p:childTnLst>
-                    </p:cTn>
-                  </p:par>
-                </p:childTnLst>
-              </p:cTn>
-              <p:prevCondLst>
-                <p:cond evt="onPrev" delay="0">
-                  <p:tgtEl>
-                    <p:sldTgt/>
-                  </p:tgtEl>
-                </p:cond>
-              </p:prevCondLst>
-              <p:nextCondLst>
-                <p:cond evt="onNext" delay="0">
-                  <p:tgtEl>
-                    <p:sldTgt/>
-                  </p:tgtEl>
-                </p:cond>
-              </p:nextCondLst>
-            </p:seq>
-          </p:childTnLst>
-        </p:cTn>
-      </p:par>
-    </p:tnLst>
-    <p:bldLst>
-      <p:bldP spid="2" grpId="0"/>
-      <p:bldP spid="3" grpId="0" build="p"/>
-    </p:bldLst>
-  </p:timing>
 </p:sld>
 </file>
 
@@ -32560,7 +22880,7 @@
                     <a:lstStyle/>
                     <a:p>
                       <a:r>
-                        <a:rPr lang="en-IN" dirty="0"/>
+                        <a:rPr lang="en-IN"/>
                         <a:t>Areas</a:t>
                       </a:r>
                     </a:p>
@@ -32573,7 +22893,7 @@
                     <a:lstStyle/>
                     <a:p>
                       <a:r>
-                        <a:rPr lang="en-IN" dirty="0"/>
+                        <a:rPr lang="en-IN"/>
                         <a:t>Link</a:t>
                       </a:r>
                     </a:p>
@@ -32593,7 +22913,7 @@
                     <a:lstStyle/>
                     <a:p>
                       <a:r>
-                        <a:rPr lang="en-IN" dirty="0"/>
+                        <a:rPr lang="en-IN"/>
                         <a:t>Requirement – User Stories, Wireframes, Data Flow</a:t>
                       </a:r>
                     </a:p>
@@ -32606,12 +22926,12 @@
                     <a:lstStyle/>
                     <a:p>
                       <a:r>
-                        <a:rPr lang="en-IN" dirty="0">
+                        <a:rPr lang="en-IN">
                           <a:hlinkClick r:id="rId2"/>
                         </a:rPr>
                         <a:t>Wireframe and User Stories</a:t>
                       </a:r>
-                      <a:endParaRPr lang="en-IN" dirty="0"/>
+                      <a:endParaRPr lang="en-IN"/>
                     </a:p>
                   </a:txBody>
                   <a:tcPr/>
@@ -32629,7 +22949,7 @@
                     <a:lstStyle/>
                     <a:p>
                       <a:r>
-                        <a:rPr lang="en-IN" dirty="0"/>
+                        <a:rPr lang="en-IN"/>
                         <a:t>Swagger - API</a:t>
                       </a:r>
                     </a:p>
@@ -32645,7 +22965,7 @@
                         <a:buNone/>
                       </a:pPr>
                       <a:r>
-                        <a:rPr lang="en-IN" sz="1800" b="0" i="0" u="none" strike="noStrike" noProof="0" dirty="0">
+                        <a:rPr lang="en-IN" sz="1800" b="0" i="0" u="none" strike="noStrike" noProof="0">
                           <a:hlinkClick r:id="rId3"/>
                         </a:rPr>
                         <a:t>Api-Swagger</a:t>
@@ -32668,7 +22988,7 @@
                     <a:lstStyle/>
                     <a:p>
                       <a:r>
-                        <a:rPr lang="en-IN" dirty="0"/>
+                        <a:rPr lang="en-IN"/>
                         <a:t>Data Model – EAR (Entity Attribute Relationship)</a:t>
                       </a:r>
                     </a:p>
@@ -32684,13 +23004,13 @@
                         <a:buNone/>
                       </a:pPr>
                       <a:r>
-                        <a:rPr lang="en-IN" sz="1800" b="0" i="0" u="none" strike="noStrike" noProof="0" dirty="0">
+                        <a:rPr lang="en-IN" sz="1800" b="0" i="0" u="none" strike="noStrike" noProof="0">
                           <a:latin typeface="Tw Cen MT"/>
                           <a:hlinkClick r:id="rId4"/>
                         </a:rPr>
                         <a:t>Data Model</a:t>
                       </a:r>
-                      <a:endParaRPr lang="en-IN" sz="1800" b="0" i="0" u="none" strike="noStrike" noProof="0" dirty="0">
+                      <a:endParaRPr lang="en-IN" sz="1800" b="0" i="0" u="none" strike="noStrike" noProof="0">
                         <a:latin typeface="Tw Cen MT"/>
                       </a:endParaRPr>
                     </a:p>
@@ -32710,7 +23030,7 @@
                     <a:lstStyle/>
                     <a:p>
                       <a:r>
-                        <a:rPr lang="en-IN" dirty="0"/>
+                        <a:rPr lang="en-IN"/>
                         <a:t>Test Scenarios</a:t>
                       </a:r>
                     </a:p>
@@ -32726,13 +23046,13 @@
                         <a:buNone/>
                       </a:pPr>
                       <a:r>
-                        <a:rPr lang="en-IN" sz="1800" b="0" i="0" u="none" strike="noStrike" noProof="0" dirty="0">
+                        <a:rPr lang="en-IN" sz="1800" b="0" i="0" u="none" strike="noStrike" noProof="0">
                           <a:latin typeface="Tw Cen MT"/>
                           <a:hlinkClick r:id="rId5"/>
                         </a:rPr>
                         <a:t>Test Secarios</a:t>
                       </a:r>
-                      <a:endParaRPr lang="en-IN" sz="1800" b="0" i="0" u="none" strike="noStrike" noProof="0" dirty="0">
+                      <a:endParaRPr lang="en-IN" sz="1800" b="0" i="0" u="none" strike="noStrike" noProof="0">
                         <a:latin typeface="Tw Cen MT"/>
                       </a:endParaRPr>
                     </a:p>
@@ -32752,7 +23072,7 @@
                     <a:lstStyle/>
                     <a:p>
                       <a:r>
-                        <a:rPr lang="en-IN" dirty="0"/>
+                        <a:rPr lang="en-IN"/>
                         <a:t>Sequence Diagrams</a:t>
                       </a:r>
                     </a:p>
@@ -32765,14 +23085,11 @@
                     <a:lstStyle/>
                     <a:p>
                       <a:r>
-                        <a:rPr lang="en-IN" dirty="0">
+                        <a:rPr lang="en-IN">
                           <a:hlinkClick r:id="rId6"/>
                         </a:rPr>
                         <a:t>Sequence Diagarm</a:t>
                       </a:r>
-                      <a:endParaRPr lang="en-IN" dirty="0">
-                        <a:hlinkClick r:id="rId6"/>
-                      </a:endParaRPr>
                     </a:p>
                   </a:txBody>
                   <a:tcPr/>
@@ -32790,7 +23107,7 @@
                     <a:lstStyle/>
                     <a:p>
                       <a:r>
-                        <a:rPr lang="en-IN" dirty="0"/>
+                        <a:rPr lang="en-IN"/>
                         <a:t>Defect Logs</a:t>
                       </a:r>
                     </a:p>
@@ -32803,12 +23120,12 @@
                     <a:lstStyle/>
                     <a:p>
                       <a:r>
-                        <a:rPr lang="en-IN" dirty="0">
+                        <a:rPr lang="en-IN">
                           <a:hlinkClick r:id="rId7"/>
                         </a:rPr>
                         <a:t>Defect Logs</a:t>
                       </a:r>
-                      <a:endParaRPr lang="en-IN" dirty="0"/>
+                      <a:endParaRPr lang="en-IN"/>
                     </a:p>
                   </a:txBody>
                   <a:tcPr/>
@@ -32826,7 +23143,7 @@
                     <a:lstStyle/>
                     <a:p>
                       <a:r>
-                        <a:rPr lang="en-IN" dirty="0"/>
+                        <a:rPr lang="en-IN"/>
                         <a:t>Code Quality Metrics</a:t>
                       </a:r>
                     </a:p>
@@ -32839,7 +23156,7 @@
                     <a:lstStyle/>
                     <a:p>
                       <a:r>
-                        <a:rPr lang="en-IN" dirty="0">
+                        <a:rPr lang="en-IN">
                           <a:hlinkClick r:id="rId8"/>
                         </a:rPr>
                         <a:t>Sonar and Lint reports</a:t>
@@ -32862,7 +23179,7 @@
                     <a:lstStyle/>
                     <a:p>
                       <a:r>
-                        <a:rPr lang="en-IN" dirty="0"/>
+                        <a:rPr lang="en-IN"/>
                         <a:t>Setup Manual</a:t>
                       </a:r>
                     </a:p>
@@ -32875,12 +23192,12 @@
                     <a:lstStyle/>
                     <a:p>
                       <a:r>
-                        <a:rPr lang="en-IN" dirty="0">
+                        <a:rPr lang="en-IN">
                           <a:hlinkClick r:id="rId9"/>
                         </a:rPr>
                         <a:t>Setup Manual</a:t>
                       </a:r>
-                      <a:endParaRPr lang="en-IN" dirty="0"/>
+                      <a:endParaRPr lang="en-IN"/>
                     </a:p>
                   </a:txBody>
                   <a:tcPr/>
@@ -33118,7 +23435,7 @@
               <a:buChar char="v"/>
             </a:pPr>
             <a:r>
-              <a:rPr lang="en-US">
+              <a:rPr lang="en-US" dirty="0">
                 <a:solidFill>
                   <a:schemeClr val="accent1"/>
                 </a:solidFill>

--- a/Aurora/Demo/Aurora Demo.pptx
+++ b/Aurora/Demo/Aurora Demo.pptx
@@ -1,23 +1,23 @@
 
 <file path=ppt/presentation.xml><?xml version="1.0" encoding="utf-8"?>
-<p:presentation xmlns:a="http://schemas.openxmlformats.org/drawingml/2006/main" xmlns:r="http://schemas.openxmlformats.org/officeDocument/2006/relationships" xmlns:p="http://schemas.openxmlformats.org/presentationml/2006/main" strictFirstAndLastChars="0" saveSubsetFonts="1" autoCompressPictures="0">
+<p:presentation xmlns:a="http://schemas.openxmlformats.org/drawingml/2006/main" xmlns:r="http://schemas.openxmlformats.org/officeDocument/2006/relationships" xmlns:p="http://schemas.openxmlformats.org/presentationml/2006/main" strictFirstAndLastChars="0" autoCompressPictures="0">
   <p:sldMasterIdLst>
-    <p:sldMasterId id="2147483672" r:id="rId1"/>
+    <p:sldMasterId id="2147483648" r:id="rId1"/>
   </p:sldMasterIdLst>
   <p:sldIdLst>
-    <p:sldId id="269" r:id="rId2"/>
-    <p:sldId id="257" r:id="rId3"/>
-    <p:sldId id="258" r:id="rId4"/>
-    <p:sldId id="259" r:id="rId5"/>
-    <p:sldId id="260" r:id="rId6"/>
-    <p:sldId id="267" r:id="rId7"/>
-    <p:sldId id="261" r:id="rId8"/>
-    <p:sldId id="262" r:id="rId9"/>
-    <p:sldId id="263" r:id="rId10"/>
-    <p:sldId id="264" r:id="rId11"/>
-    <p:sldId id="265" r:id="rId12"/>
-    <p:sldId id="268" r:id="rId13"/>
-    <p:sldId id="266" r:id="rId14"/>
+    <p:sldId id="269" r:id="rId3"/>
+    <p:sldId id="257" r:id="rId4"/>
+    <p:sldId id="258" r:id="rId5"/>
+    <p:sldId id="259" r:id="rId6"/>
+    <p:sldId id="260" r:id="rId7"/>
+    <p:sldId id="267" r:id="rId8"/>
+    <p:sldId id="261" r:id="rId9"/>
+    <p:sldId id="262" r:id="rId10"/>
+    <p:sldId id="263" r:id="rId11"/>
+    <p:sldId id="264" r:id="rId12"/>
+    <p:sldId id="265" r:id="rId13"/>
+    <p:sldId id="268" r:id="rId14"/>
+    <p:sldId id="266" r:id="rId15"/>
   </p:sldIdLst>
   <p:sldSz cx="12192000" cy="6858000"/>
   <p:notesSz cx="6858000" cy="9144000"/>
@@ -119,25 +119,8 @@
 </p:presentation>
 </file>
 
-<file path=ppt/revisionInfo.xml><?xml version="1.0" encoding="utf-8"?>
-<p1510:revInfo xmlns:a="http://schemas.openxmlformats.org/drawingml/2006/main" xmlns:r="http://schemas.openxmlformats.org/officeDocument/2006/relationships" xmlns:p1510="http://schemas.microsoft.com/office/powerpoint/2015/10/main">
-  <p1510:revLst>
-    <p1510:client id="{1FCC13A7-B680-4356-2855-AB94BD635E79}" v="270" dt="2022-07-14T04:19:40.692"/>
-    <p1510:client id="{6E4572D1-C08F-D033-A716-AD2E9F9DD504}" v="699" dt="2022-07-18T07:27:57.335"/>
-    <p1510:client id="{70488FFF-4380-11ED-23B6-F56B6BAA697C}" v="582" dt="2022-07-18T07:25:05.816"/>
-    <p1510:client id="{7E04A547-C460-4A8A-A0B8-30A41E27C305}" v="10" dt="2022-07-18T04:29:26.737"/>
-    <p1510:client id="{877AB700-D69B-894A-43B3-3589E9848A06}" v="108" dt="2022-07-18T02:07:09.943"/>
-    <p1510:client id="{9E5A8A14-A88E-463B-B84E-803F5AA02259}" v="4" dt="2022-07-17T05:57:17.977"/>
-    <p1510:client id="{9F0CD0BB-B1BE-4D27-9727-8E4B3D86EC6B}" v="9" dt="2022-07-17T06:02:12.067"/>
-    <p1510:client id="{BCC069F3-233D-2FC3-19DD-E4DB74F9BC9C}" v="49" dt="2022-07-14T13:30:48.077"/>
-    <p1510:client id="{ED9B5B05-7722-439B-08BC-B0CC3B0E61CD}" v="913" dt="2022-07-14T02:23:02.563"/>
-    <p1510:client id="{F32EE2B6-AB3A-22B1-6321-B4B631868ED2}" v="810" dt="2022-07-13T17:49:24.944"/>
-  </p1510:revLst>
-</p1510:revInfo>
-</file>
-
 <file path=ppt/slideLayouts/slideLayout1.xml><?xml version="1.0" encoding="utf-8"?>
-<p:sldLayout xmlns:a="http://schemas.openxmlformats.org/drawingml/2006/main" xmlns:r="http://schemas.openxmlformats.org/officeDocument/2006/relationships" xmlns:p="http://schemas.openxmlformats.org/presentationml/2006/main" showMasterSp="0" type="title" preserve="1">
+<p:sldLayout xmlns:a="http://schemas.openxmlformats.org/drawingml/2006/main" xmlns:r="http://schemas.openxmlformats.org/officeDocument/2006/relationships" xmlns:p="http://schemas.openxmlformats.org/presentationml/2006/main" type="title" preserve="1" showMasterSp="0">
   <p:cSld name="Title Slide">
     <p:spTree>
       <p:nvGrpSpPr>
@@ -8824,6 +8807,7 @@
               <a:rPr lang="en-US"/>
               <a:t>Click to edit Master title style</a:t>
             </a:r>
+            <a:endParaRPr lang="en-US"/>
           </a:p>
         </p:txBody>
       </p:sp>
@@ -8903,6 +8887,7 @@
               <a:rPr lang="en-US"/>
               <a:t>Click to edit Master subtitle style</a:t>
             </a:r>
+            <a:endParaRPr lang="en-US"/>
           </a:p>
         </p:txBody>
       </p:sp>
@@ -8927,7 +8912,6 @@
           <a:p>
             <a:fld id="{6AD6EE87-EBD5-4F12-A48A-63ACA297AC8F}" type="datetimeFigureOut">
               <a:rPr lang="en-US" dirty="0"/>
-              <a:t>7/18/2022</a:t>
             </a:fld>
             <a:endParaRPr lang="en-US"/>
           </a:p>
@@ -8969,7 +8953,6 @@
           <a:p>
             <a:fld id="{4FAB73BC-B049-4115-A692-8D63A059BFB8}" type="slidenum">
               <a:rPr lang="en-US" dirty="0"/>
-              <a:t>‹#›</a:t>
             </a:fld>
             <a:endParaRPr lang="en-US"/>
           </a:p>
@@ -9013,11 +8996,6 @@
         </p:style>
       </p:cxnSp>
     </p:spTree>
-    <p:extLst>
-      <p:ext uri="{BB962C8B-B14F-4D97-AF65-F5344CB8AC3E}">
-        <p14:creationId xmlns:p14="http://schemas.microsoft.com/office/powerpoint/2010/main" val="1334180439"/>
-      </p:ext>
-    </p:extLst>
   </p:cSld>
   <p:clrMapOvr>
     <a:masterClrMapping/>
@@ -9061,6 +9039,7 @@
               <a:rPr lang="en-US"/>
               <a:t>Click to edit Master title style</a:t>
             </a:r>
+            <a:endParaRPr lang="en-US"/>
           </a:p>
         </p:txBody>
       </p:sp>
@@ -9084,6 +9063,7 @@
               <a:rPr lang="en-US"/>
               <a:t>Click to edit Master text styles</a:t>
             </a:r>
+            <a:endParaRPr lang="en-US"/>
           </a:p>
           <a:p>
             <a:pPr lvl="1"/>
@@ -9091,6 +9071,7 @@
               <a:rPr lang="en-US"/>
               <a:t>Second level</a:t>
             </a:r>
+            <a:endParaRPr lang="en-US"/>
           </a:p>
           <a:p>
             <a:pPr lvl="2"/>
@@ -9098,6 +9079,7 @@
               <a:rPr lang="en-US"/>
               <a:t>Third level</a:t>
             </a:r>
+            <a:endParaRPr lang="en-US"/>
           </a:p>
           <a:p>
             <a:pPr lvl="3"/>
@@ -9105,6 +9087,7 @@
               <a:rPr lang="en-US"/>
               <a:t>Fourth level</a:t>
             </a:r>
+            <a:endParaRPr lang="en-US"/>
           </a:p>
           <a:p>
             <a:pPr lvl="4"/>
@@ -9112,6 +9095,7 @@
               <a:rPr lang="en-US"/>
               <a:t>Fifth level</a:t>
             </a:r>
+            <a:endParaRPr lang="en-US"/>
           </a:p>
         </p:txBody>
       </p:sp>
@@ -9132,7 +9116,6 @@
           <a:p>
             <a:fld id="{4CD73815-2707-4475-8F1A-B873CB631BB4}" type="datetimeFigureOut">
               <a:rPr lang="en-US" dirty="0"/>
-              <a:t>7/18/2022</a:t>
             </a:fld>
             <a:endParaRPr lang="en-US"/>
           </a:p>
@@ -9174,18 +9157,12 @@
           <a:p>
             <a:fld id="{4FAB73BC-B049-4115-A692-8D63A059BFB8}" type="slidenum">
               <a:rPr lang="en-US" dirty="0"/>
-              <a:t>‹#›</a:t>
             </a:fld>
             <a:endParaRPr lang="en-US"/>
           </a:p>
         </p:txBody>
       </p:sp>
     </p:spTree>
-    <p:extLst>
-      <p:ext uri="{BB962C8B-B14F-4D97-AF65-F5344CB8AC3E}">
-        <p14:creationId xmlns:p14="http://schemas.microsoft.com/office/powerpoint/2010/main" val="1237444396"/>
-      </p:ext>
-    </p:extLst>
   </p:cSld>
   <p:clrMapOvr>
     <a:masterClrMapping/>
@@ -9194,7 +9171,7 @@
 </file>
 
 <file path=ppt/slideLayouts/slideLayout11.xml><?xml version="1.0" encoding="utf-8"?>
-<p:sldLayout xmlns:a="http://schemas.openxmlformats.org/drawingml/2006/main" xmlns:r="http://schemas.openxmlformats.org/officeDocument/2006/relationships" xmlns:p="http://schemas.openxmlformats.org/presentationml/2006/main" showMasterSp="0" type="vertTitleAndTx" preserve="1">
+<p:sldLayout xmlns:a="http://schemas.openxmlformats.org/drawingml/2006/main" xmlns:r="http://schemas.openxmlformats.org/officeDocument/2006/relationships" xmlns:p="http://schemas.openxmlformats.org/presentationml/2006/main" type="vertTitleAndTx" preserve="1" showMasterSp="0">
   <p:cSld name="Vertical Title and Text">
     <p:spTree>
       <p:nvGrpSpPr>
@@ -9234,6 +9211,7 @@
               <a:rPr lang="en-US"/>
               <a:t>Click to edit Master title style</a:t>
             </a:r>
+            <a:endParaRPr lang="en-US"/>
           </a:p>
         </p:txBody>
       </p:sp>
@@ -9262,6 +9240,7 @@
               <a:rPr lang="en-US"/>
               <a:t>Click to edit Master text styles</a:t>
             </a:r>
+            <a:endParaRPr lang="en-US"/>
           </a:p>
           <a:p>
             <a:pPr lvl="1"/>
@@ -9269,6 +9248,7 @@
               <a:rPr lang="en-US"/>
               <a:t>Second level</a:t>
             </a:r>
+            <a:endParaRPr lang="en-US"/>
           </a:p>
           <a:p>
             <a:pPr lvl="2"/>
@@ -9276,6 +9256,7 @@
               <a:rPr lang="en-US"/>
               <a:t>Third level</a:t>
             </a:r>
+            <a:endParaRPr lang="en-US"/>
           </a:p>
           <a:p>
             <a:pPr lvl="3"/>
@@ -9283,6 +9264,7 @@
               <a:rPr lang="en-US"/>
               <a:t>Fourth level</a:t>
             </a:r>
+            <a:endParaRPr lang="en-US"/>
           </a:p>
           <a:p>
             <a:pPr lvl="4"/>
@@ -9290,6 +9272,7 @@
               <a:rPr lang="en-US"/>
               <a:t>Fifth level</a:t>
             </a:r>
+            <a:endParaRPr lang="en-US"/>
           </a:p>
         </p:txBody>
       </p:sp>
@@ -9310,7 +9293,6 @@
           <a:p>
             <a:fld id="{2A4AFB99-0EAB-4182-AFF8-E214C82A68F6}" type="datetimeFigureOut">
               <a:rPr lang="en-US" dirty="0"/>
-              <a:t>7/18/2022</a:t>
             </a:fld>
             <a:endParaRPr lang="en-US"/>
           </a:p>
@@ -9352,7 +9334,6 @@
           <a:p>
             <a:fld id="{4FAB73BC-B049-4115-A692-8D63A059BFB8}" type="slidenum">
               <a:rPr lang="en-US" dirty="0"/>
-              <a:t>‹#›</a:t>
             </a:fld>
             <a:endParaRPr lang="en-US"/>
           </a:p>
@@ -9394,11 +9375,6 @@
         </p:style>
       </p:cxnSp>
     </p:spTree>
-    <p:extLst>
-      <p:ext uri="{BB962C8B-B14F-4D97-AF65-F5344CB8AC3E}">
-        <p14:creationId xmlns:p14="http://schemas.microsoft.com/office/powerpoint/2010/main" val="1012876954"/>
-      </p:ext>
-    </p:extLst>
   </p:cSld>
   <p:clrMapOvr>
     <a:masterClrMapping/>
@@ -9442,6 +9418,7 @@
               <a:rPr lang="en-US"/>
               <a:t>Click to edit Master title style</a:t>
             </a:r>
+            <a:endParaRPr lang="en-US"/>
           </a:p>
         </p:txBody>
       </p:sp>
@@ -9465,6 +9442,7 @@
               <a:rPr lang="en-US"/>
               <a:t>Click to edit Master text styles</a:t>
             </a:r>
+            <a:endParaRPr lang="en-US"/>
           </a:p>
           <a:p>
             <a:pPr lvl="1"/>
@@ -9472,6 +9450,7 @@
               <a:rPr lang="en-US"/>
               <a:t>Second level</a:t>
             </a:r>
+            <a:endParaRPr lang="en-US"/>
           </a:p>
           <a:p>
             <a:pPr lvl="2"/>
@@ -9479,6 +9458,7 @@
               <a:rPr lang="en-US"/>
               <a:t>Third level</a:t>
             </a:r>
+            <a:endParaRPr lang="en-US"/>
           </a:p>
           <a:p>
             <a:pPr lvl="3"/>
@@ -9486,6 +9466,7 @@
               <a:rPr lang="en-US"/>
               <a:t>Fourth level</a:t>
             </a:r>
+            <a:endParaRPr lang="en-US"/>
           </a:p>
           <a:p>
             <a:pPr lvl="4"/>
@@ -9493,6 +9474,7 @@
               <a:rPr lang="en-US"/>
               <a:t>Fifth level</a:t>
             </a:r>
+            <a:endParaRPr lang="en-US"/>
           </a:p>
         </p:txBody>
       </p:sp>
@@ -9513,7 +9495,6 @@
           <a:p>
             <a:fld id="{A5D3794B-289A-4A80-97D7-111025398D45}" type="datetimeFigureOut">
               <a:rPr lang="en-US" dirty="0"/>
-              <a:t>7/18/2022</a:t>
             </a:fld>
             <a:endParaRPr lang="en-US"/>
           </a:p>
@@ -9555,18 +9536,12 @@
           <a:p>
             <a:fld id="{4FAB73BC-B049-4115-A692-8D63A059BFB8}" type="slidenum">
               <a:rPr lang="en-US" dirty="0"/>
-              <a:t>‹#›</a:t>
             </a:fld>
             <a:endParaRPr lang="en-US"/>
           </a:p>
         </p:txBody>
       </p:sp>
     </p:spTree>
-    <p:extLst>
-      <p:ext uri="{BB962C8B-B14F-4D97-AF65-F5344CB8AC3E}">
-        <p14:creationId xmlns:p14="http://schemas.microsoft.com/office/powerpoint/2010/main" val="2832869217"/>
-      </p:ext>
-    </p:extLst>
   </p:cSld>
   <p:clrMapOvr>
     <a:masterClrMapping/>
@@ -9575,7 +9550,7 @@
 </file>
 
 <file path=ppt/slideLayouts/slideLayout3.xml><?xml version="1.0" encoding="utf-8"?>
-<p:sldLayout xmlns:a="http://schemas.openxmlformats.org/drawingml/2006/main" xmlns:r="http://schemas.openxmlformats.org/officeDocument/2006/relationships" xmlns:p="http://schemas.openxmlformats.org/presentationml/2006/main" showMasterSp="0" type="secHead" preserve="1">
+<p:sldLayout xmlns:a="http://schemas.openxmlformats.org/drawingml/2006/main" xmlns:r="http://schemas.openxmlformats.org/officeDocument/2006/relationships" xmlns:p="http://schemas.openxmlformats.org/presentationml/2006/main" type="secHead" preserve="1" showMasterSp="0">
   <p:cSld name="Section Header">
     <p:spTree>
       <p:nvGrpSpPr>
@@ -18262,6 +18237,7 @@
               <a:rPr lang="en-US"/>
               <a:t>Click to edit Master title style</a:t>
             </a:r>
+            <a:endParaRPr lang="en-US"/>
           </a:p>
         </p:txBody>
       </p:sp>
@@ -18390,6 +18366,7 @@
               <a:rPr lang="en-US"/>
               <a:t>Click to edit Master text styles</a:t>
             </a:r>
+            <a:endParaRPr lang="en-US"/>
           </a:p>
         </p:txBody>
       </p:sp>
@@ -18410,7 +18387,6 @@
           <a:p>
             <a:fld id="{5A61015F-7CC6-4D0A-9D87-873EA4C304CC}" type="datetimeFigureOut">
               <a:rPr lang="en-US" dirty="0"/>
-              <a:t>7/18/2022</a:t>
             </a:fld>
             <a:endParaRPr lang="en-US"/>
           </a:p>
@@ -18452,7 +18428,6 @@
           <a:p>
             <a:fld id="{4FAB73BC-B049-4115-A692-8D63A059BFB8}" type="slidenum">
               <a:rPr lang="en-US" dirty="0"/>
-              <a:t>‹#›</a:t>
             </a:fld>
             <a:endParaRPr lang="en-US"/>
           </a:p>
@@ -18496,11 +18471,6 @@
         </p:style>
       </p:cxnSp>
     </p:spTree>
-    <p:extLst>
-      <p:ext uri="{BB962C8B-B14F-4D97-AF65-F5344CB8AC3E}">
-        <p14:creationId xmlns:p14="http://schemas.microsoft.com/office/powerpoint/2010/main" val="2016244614"/>
-      </p:ext>
-    </p:extLst>
   </p:cSld>
   <p:clrMapOvr>
     <a:masterClrMapping/>
@@ -18549,6 +18519,7 @@
               <a:rPr lang="en-US"/>
               <a:t>Click to edit Master title style</a:t>
             </a:r>
+            <a:endParaRPr lang="en-US"/>
           </a:p>
         </p:txBody>
       </p:sp>
@@ -18577,6 +18548,7 @@
               <a:rPr lang="en-US"/>
               <a:t>Click to edit Master text styles</a:t>
             </a:r>
+            <a:endParaRPr lang="en-US"/>
           </a:p>
           <a:p>
             <a:pPr lvl="1"/>
@@ -18584,6 +18556,7 @@
               <a:rPr lang="en-US"/>
               <a:t>Second level</a:t>
             </a:r>
+            <a:endParaRPr lang="en-US"/>
           </a:p>
           <a:p>
             <a:pPr lvl="2"/>
@@ -18591,6 +18564,7 @@
               <a:rPr lang="en-US"/>
               <a:t>Third level</a:t>
             </a:r>
+            <a:endParaRPr lang="en-US"/>
           </a:p>
           <a:p>
             <a:pPr lvl="3"/>
@@ -18598,6 +18572,7 @@
               <a:rPr lang="en-US"/>
               <a:t>Fourth level</a:t>
             </a:r>
+            <a:endParaRPr lang="en-US"/>
           </a:p>
           <a:p>
             <a:pPr lvl="4"/>
@@ -18605,6 +18580,7 @@
               <a:rPr lang="en-US"/>
               <a:t>Fifth level</a:t>
             </a:r>
+            <a:endParaRPr lang="en-US"/>
           </a:p>
         </p:txBody>
       </p:sp>
@@ -18633,6 +18609,7 @@
               <a:rPr lang="en-US"/>
               <a:t>Click to edit Master text styles</a:t>
             </a:r>
+            <a:endParaRPr lang="en-US"/>
           </a:p>
           <a:p>
             <a:pPr lvl="1"/>
@@ -18640,6 +18617,7 @@
               <a:rPr lang="en-US"/>
               <a:t>Second level</a:t>
             </a:r>
+            <a:endParaRPr lang="en-US"/>
           </a:p>
           <a:p>
             <a:pPr lvl="2"/>
@@ -18647,6 +18625,7 @@
               <a:rPr lang="en-US"/>
               <a:t>Third level</a:t>
             </a:r>
+            <a:endParaRPr lang="en-US"/>
           </a:p>
           <a:p>
             <a:pPr lvl="3"/>
@@ -18654,6 +18633,7 @@
               <a:rPr lang="en-US"/>
               <a:t>Fourth level</a:t>
             </a:r>
+            <a:endParaRPr lang="en-US"/>
           </a:p>
           <a:p>
             <a:pPr lvl="4"/>
@@ -18661,6 +18641,7 @@
               <a:rPr lang="en-US"/>
               <a:t>Fifth level</a:t>
             </a:r>
+            <a:endParaRPr lang="en-US"/>
           </a:p>
         </p:txBody>
       </p:sp>
@@ -18681,7 +18662,6 @@
           <a:p>
             <a:fld id="{93C6A301-0538-44EC-B09D-202E1042A48B}" type="datetimeFigureOut">
               <a:rPr lang="en-US" dirty="0"/>
-              <a:t>7/18/2022</a:t>
             </a:fld>
             <a:endParaRPr lang="en-US"/>
           </a:p>
@@ -18723,18 +18703,12 @@
           <a:p>
             <a:fld id="{4FAB73BC-B049-4115-A692-8D63A059BFB8}" type="slidenum">
               <a:rPr lang="en-US" dirty="0"/>
-              <a:t>‹#›</a:t>
             </a:fld>
             <a:endParaRPr lang="en-US"/>
           </a:p>
         </p:txBody>
       </p:sp>
     </p:spTree>
-    <p:extLst>
-      <p:ext uri="{BB962C8B-B14F-4D97-AF65-F5344CB8AC3E}">
-        <p14:creationId xmlns:p14="http://schemas.microsoft.com/office/powerpoint/2010/main" val="3919288356"/>
-      </p:ext>
-    </p:extLst>
   </p:cSld>
   <p:clrMapOvr>
     <a:masterClrMapping/>
@@ -18778,6 +18752,7 @@
               <a:rPr lang="en-US"/>
               <a:t>Click to edit Master title style</a:t>
             </a:r>
+            <a:endParaRPr lang="en-US"/>
           </a:p>
         </p:txBody>
       </p:sp>
@@ -18856,6 +18831,7 @@
               <a:rPr lang="en-US"/>
               <a:t>Click to edit Master text styles</a:t>
             </a:r>
+            <a:endParaRPr lang="en-US"/>
           </a:p>
         </p:txBody>
       </p:sp>
@@ -18884,6 +18860,7 @@
               <a:rPr lang="en-US"/>
               <a:t>Click to edit Master text styles</a:t>
             </a:r>
+            <a:endParaRPr lang="en-US"/>
           </a:p>
           <a:p>
             <a:pPr lvl="1"/>
@@ -18891,6 +18868,7 @@
               <a:rPr lang="en-US"/>
               <a:t>Second level</a:t>
             </a:r>
+            <a:endParaRPr lang="en-US"/>
           </a:p>
           <a:p>
             <a:pPr lvl="2"/>
@@ -18898,6 +18876,7 @@
               <a:rPr lang="en-US"/>
               <a:t>Third level</a:t>
             </a:r>
+            <a:endParaRPr lang="en-US"/>
           </a:p>
           <a:p>
             <a:pPr lvl="3"/>
@@ -18905,6 +18884,7 @@
               <a:rPr lang="en-US"/>
               <a:t>Fourth level</a:t>
             </a:r>
+            <a:endParaRPr lang="en-US"/>
           </a:p>
           <a:p>
             <a:pPr lvl="4"/>
@@ -18912,6 +18892,7 @@
               <a:rPr lang="en-US"/>
               <a:t>Fifth level</a:t>
             </a:r>
+            <a:endParaRPr lang="en-US"/>
           </a:p>
         </p:txBody>
       </p:sp>
@@ -19000,6 +18981,7 @@
               <a:rPr lang="en-US"/>
               <a:t>Click to edit Master text styles</a:t>
             </a:r>
+            <a:endParaRPr lang="en-US"/>
           </a:p>
         </p:txBody>
       </p:sp>
@@ -19028,6 +19010,7 @@
               <a:rPr lang="en-US"/>
               <a:t>Click to edit Master text styles</a:t>
             </a:r>
+            <a:endParaRPr lang="en-US"/>
           </a:p>
           <a:p>
             <a:pPr lvl="1"/>
@@ -19035,6 +19018,7 @@
               <a:rPr lang="en-US"/>
               <a:t>Second level</a:t>
             </a:r>
+            <a:endParaRPr lang="en-US"/>
           </a:p>
           <a:p>
             <a:pPr lvl="2"/>
@@ -19042,6 +19026,7 @@
               <a:rPr lang="en-US"/>
               <a:t>Third level</a:t>
             </a:r>
+            <a:endParaRPr lang="en-US"/>
           </a:p>
           <a:p>
             <a:pPr lvl="3"/>
@@ -19049,6 +19034,7 @@
               <a:rPr lang="en-US"/>
               <a:t>Fourth level</a:t>
             </a:r>
+            <a:endParaRPr lang="en-US"/>
           </a:p>
           <a:p>
             <a:pPr lvl="4"/>
@@ -19056,6 +19042,7 @@
               <a:rPr lang="en-US"/>
               <a:t>Fifth level</a:t>
             </a:r>
+            <a:endParaRPr lang="en-US"/>
           </a:p>
         </p:txBody>
       </p:sp>
@@ -19076,7 +19063,6 @@
           <a:p>
             <a:fld id="{D789574A-8875-45EF-8EA2-3CAA0F7ABC4C}" type="datetimeFigureOut">
               <a:rPr lang="en-US" dirty="0"/>
-              <a:t>7/18/2022</a:t>
             </a:fld>
             <a:endParaRPr lang="en-US"/>
           </a:p>
@@ -19118,18 +19104,12 @@
           <a:p>
             <a:fld id="{4FAB73BC-B049-4115-A692-8D63A059BFB8}" type="slidenum">
               <a:rPr lang="en-US" dirty="0"/>
-              <a:t>‹#›</a:t>
             </a:fld>
             <a:endParaRPr lang="en-US"/>
           </a:p>
         </p:txBody>
       </p:sp>
     </p:spTree>
-    <p:extLst>
-      <p:ext uri="{BB962C8B-B14F-4D97-AF65-F5344CB8AC3E}">
-        <p14:creationId xmlns:p14="http://schemas.microsoft.com/office/powerpoint/2010/main" val="60923676"/>
-      </p:ext>
-    </p:extLst>
   </p:cSld>
   <p:clrMapOvr>
     <a:masterClrMapping/>
@@ -19173,6 +19153,7 @@
               <a:rPr lang="en-US"/>
               <a:t>Click to edit Master title style</a:t>
             </a:r>
+            <a:endParaRPr lang="en-US"/>
           </a:p>
         </p:txBody>
       </p:sp>
@@ -19193,7 +19174,6 @@
           <a:p>
             <a:fld id="{67EF4D4C-5367-4C26-9E2B-D8088D7FCA81}" type="datetimeFigureOut">
               <a:rPr lang="en-US" dirty="0"/>
-              <a:t>7/18/2022</a:t>
             </a:fld>
             <a:endParaRPr lang="en-US"/>
           </a:p>
@@ -19235,18 +19215,12 @@
           <a:p>
             <a:fld id="{4FAB73BC-B049-4115-A692-8D63A059BFB8}" type="slidenum">
               <a:rPr lang="en-US" dirty="0"/>
-              <a:t>‹#›</a:t>
             </a:fld>
             <a:endParaRPr lang="en-US"/>
           </a:p>
         </p:txBody>
       </p:sp>
     </p:spTree>
-    <p:extLst>
-      <p:ext uri="{BB962C8B-B14F-4D97-AF65-F5344CB8AC3E}">
-        <p14:creationId xmlns:p14="http://schemas.microsoft.com/office/powerpoint/2010/main" val="2263303725"/>
-      </p:ext>
-    </p:extLst>
   </p:cSld>
   <p:clrMapOvr>
     <a:masterClrMapping/>
@@ -19255,7 +19229,7 @@
 </file>
 
 <file path=ppt/slideLayouts/slideLayout7.xml><?xml version="1.0" encoding="utf-8"?>
-<p:sldLayout xmlns:a="http://schemas.openxmlformats.org/drawingml/2006/main" xmlns:r="http://schemas.openxmlformats.org/officeDocument/2006/relationships" xmlns:p="http://schemas.openxmlformats.org/presentationml/2006/main" showMasterSp="0" type="blank" preserve="1">
+<p:sldLayout xmlns:a="http://schemas.openxmlformats.org/drawingml/2006/main" xmlns:r="http://schemas.openxmlformats.org/officeDocument/2006/relationships" xmlns:p="http://schemas.openxmlformats.org/presentationml/2006/main" type="blank" preserve="1" showMasterSp="0">
   <p:cSld name="Blank">
     <p:spTree>
       <p:nvGrpSpPr>
@@ -19288,7 +19262,6 @@
           <a:p>
             <a:fld id="{56E91E96-98B0-4413-9547-46F3504108EF}" type="datetimeFigureOut">
               <a:rPr lang="en-US" dirty="0"/>
-              <a:t>7/18/2022</a:t>
             </a:fld>
             <a:endParaRPr lang="en-US"/>
           </a:p>
@@ -19330,18 +19303,12 @@
           <a:p>
             <a:fld id="{4FAB73BC-B049-4115-A692-8D63A059BFB8}" type="slidenum">
               <a:rPr lang="en-US" dirty="0"/>
-              <a:t>‹#›</a:t>
             </a:fld>
             <a:endParaRPr lang="en-US"/>
           </a:p>
         </p:txBody>
       </p:sp>
     </p:spTree>
-    <p:extLst>
-      <p:ext uri="{BB962C8B-B14F-4D97-AF65-F5344CB8AC3E}">
-        <p14:creationId xmlns:p14="http://schemas.microsoft.com/office/powerpoint/2010/main" val="482577552"/>
-      </p:ext>
-    </p:extLst>
   </p:cSld>
   <p:clrMapOvr>
     <a:masterClrMapping/>
@@ -19399,6 +19366,7 @@
               <a:rPr lang="en-US"/>
               <a:t>Click to edit Master title style</a:t>
             </a:r>
+            <a:endParaRPr lang="en-US"/>
           </a:p>
         </p:txBody>
       </p:sp>
@@ -19455,6 +19423,7 @@
               <a:rPr lang="en-US"/>
               <a:t>Click to edit Master text styles</a:t>
             </a:r>
+            <a:endParaRPr lang="en-US"/>
           </a:p>
           <a:p>
             <a:pPr lvl="1"/>
@@ -19462,6 +19431,7 @@
               <a:rPr lang="en-US"/>
               <a:t>Second level</a:t>
             </a:r>
+            <a:endParaRPr lang="en-US"/>
           </a:p>
           <a:p>
             <a:pPr lvl="2"/>
@@ -19469,6 +19439,7 @@
               <a:rPr lang="en-US"/>
               <a:t>Third level</a:t>
             </a:r>
+            <a:endParaRPr lang="en-US"/>
           </a:p>
           <a:p>
             <a:pPr lvl="3"/>
@@ -19476,6 +19447,7 @@
               <a:rPr lang="en-US"/>
               <a:t>Fourth level</a:t>
             </a:r>
+            <a:endParaRPr lang="en-US"/>
           </a:p>
           <a:p>
             <a:pPr lvl="4"/>
@@ -19483,6 +19455,7 @@
               <a:rPr lang="en-US"/>
               <a:t>Fifth level</a:t>
             </a:r>
+            <a:endParaRPr lang="en-US"/>
           </a:p>
         </p:txBody>
       </p:sp>
@@ -19556,6 +19529,7 @@
               <a:rPr lang="en-US"/>
               <a:t>Click to edit Master text styles</a:t>
             </a:r>
+            <a:endParaRPr lang="en-US"/>
           </a:p>
         </p:txBody>
       </p:sp>
@@ -19576,7 +19550,6 @@
           <a:p>
             <a:fld id="{05C68B11-C5A8-448C-8CE9-B1A273C79CFC}" type="datetimeFigureOut">
               <a:rPr lang="en-US" dirty="0"/>
-              <a:t>7/18/2022</a:t>
             </a:fld>
             <a:endParaRPr lang="en-US"/>
           </a:p>
@@ -19618,18 +19591,12 @@
           <a:p>
             <a:fld id="{4FAB73BC-B049-4115-A692-8D63A059BFB8}" type="slidenum">
               <a:rPr lang="en-US" dirty="0"/>
-              <a:t>‹#›</a:t>
             </a:fld>
             <a:endParaRPr lang="en-US"/>
           </a:p>
         </p:txBody>
       </p:sp>
     </p:spTree>
-    <p:extLst>
-      <p:ext uri="{BB962C8B-B14F-4D97-AF65-F5344CB8AC3E}">
-        <p14:creationId xmlns:p14="http://schemas.microsoft.com/office/powerpoint/2010/main" val="2518651616"/>
-      </p:ext>
-    </p:extLst>
   </p:cSld>
   <p:clrMapOvr>
     <a:masterClrMapping/>
@@ -19638,7 +19605,7 @@
 </file>
 
 <file path=ppt/slideLayouts/slideLayout9.xml><?xml version="1.0" encoding="utf-8"?>
-<p:sldLayout xmlns:a="http://schemas.openxmlformats.org/drawingml/2006/main" xmlns:r="http://schemas.openxmlformats.org/officeDocument/2006/relationships" xmlns:p="http://schemas.openxmlformats.org/presentationml/2006/main" showMasterSp="0" type="picTx" preserve="1">
+<p:sldLayout xmlns:a="http://schemas.openxmlformats.org/drawingml/2006/main" xmlns:r="http://schemas.openxmlformats.org/officeDocument/2006/relationships" xmlns:p="http://schemas.openxmlformats.org/presentationml/2006/main" type="picTx" preserve="1" showMasterSp="0">
   <p:cSld name="Picture with Caption">
     <p:spTree>
       <p:nvGrpSpPr>
@@ -19684,6 +19651,7 @@
               <a:rPr lang="en-US"/>
               <a:t>Click to edit Master title style</a:t>
             </a:r>
+            <a:endParaRPr lang="en-US"/>
           </a:p>
         </p:txBody>
       </p:sp>
@@ -19831,6 +19799,7 @@
               <a:rPr lang="en-US"/>
               <a:t>Click to edit Master text styles</a:t>
             </a:r>
+            <a:endParaRPr lang="en-US"/>
           </a:p>
         </p:txBody>
       </p:sp>
@@ -19851,7 +19820,6 @@
           <a:p>
             <a:fld id="{C7616CA0-919D-4A49-9C8A-62FDFB3A5183}" type="datetimeFigureOut">
               <a:rPr lang="en-US" dirty="0"/>
-              <a:t>7/18/2022</a:t>
             </a:fld>
             <a:endParaRPr lang="en-US"/>
           </a:p>
@@ -19893,7 +19861,6 @@
           <a:p>
             <a:fld id="{867E5644-1E61-4311-A31E-84CB9C7AA8A9}" type="slidenum">
               <a:rPr lang="en-US" dirty="0"/>
-              <a:t>‹#›</a:t>
             </a:fld>
             <a:endParaRPr lang="en-US"/>
           </a:p>
@@ -19935,11 +19902,6 @@
         </p:style>
       </p:cxnSp>
     </p:spTree>
-    <p:extLst>
-      <p:ext uri="{BB962C8B-B14F-4D97-AF65-F5344CB8AC3E}">
-        <p14:creationId xmlns:p14="http://schemas.microsoft.com/office/powerpoint/2010/main" val="3761450762"/>
-      </p:ext>
-    </p:extLst>
   </p:cSld>
   <p:clrMapOvr>
     <a:masterClrMapping/>
@@ -19998,6 +19960,7 @@
               <a:rPr lang="en-US"/>
               <a:t>Click to edit Master title style</a:t>
             </a:r>
+            <a:endParaRPr lang="en-US"/>
           </a:p>
         </p:txBody>
       </p:sp>
@@ -20031,6 +19994,7 @@
               <a:rPr lang="en-US"/>
               <a:t>Click to edit Master text styles</a:t>
             </a:r>
+            <a:endParaRPr lang="en-US"/>
           </a:p>
           <a:p>
             <a:pPr lvl="1"/>
@@ -20038,6 +20002,7 @@
               <a:rPr lang="en-US"/>
               <a:t>Second level</a:t>
             </a:r>
+            <a:endParaRPr lang="en-US"/>
           </a:p>
           <a:p>
             <a:pPr lvl="2"/>
@@ -20045,6 +20010,7 @@
               <a:rPr lang="en-US"/>
               <a:t>Third level</a:t>
             </a:r>
+            <a:endParaRPr lang="en-US"/>
           </a:p>
           <a:p>
             <a:pPr lvl="3"/>
@@ -20052,6 +20018,7 @@
               <a:rPr lang="en-US"/>
               <a:t>Fourth level</a:t>
             </a:r>
+            <a:endParaRPr lang="en-US"/>
           </a:p>
           <a:p>
             <a:pPr lvl="4"/>
@@ -20059,6 +20026,7 @@
               <a:rPr lang="en-US"/>
               <a:t>Fifth level</a:t>
             </a:r>
+            <a:endParaRPr lang="en-US"/>
           </a:p>
         </p:txBody>
       </p:sp>
@@ -20099,8 +20067,6 @@
           <a:p>
             <a:fld id="{90298CD5-6C1E-4009-B41F-6DF62E31D3BE}" type="datetimeFigureOut">
               <a:rPr lang="en-US" dirty="0"/>
-              <a:pPr/>
-              <a:t>7/18/2022</a:t>
             </a:fld>
             <a:endParaRPr lang="en-US"/>
           </a:p>
@@ -20182,8 +20148,6 @@
           <a:p>
             <a:fld id="{4FAB73BC-B049-4115-A692-8D63A059BFB8}" type="slidenum">
               <a:rPr lang="en-US" dirty="0"/>
-              <a:pPr/>
-              <a:t>‹#›</a:t>
             </a:fld>
             <a:endParaRPr lang="en-US"/>
           </a:p>
@@ -20225,25 +20189,20 @@
         </p:style>
       </p:cxnSp>
     </p:spTree>
-    <p:extLst>
-      <p:ext uri="{BB962C8B-B14F-4D97-AF65-F5344CB8AC3E}">
-        <p14:creationId xmlns:p14="http://schemas.microsoft.com/office/powerpoint/2010/main" val="1661487379"/>
-      </p:ext>
-    </p:extLst>
   </p:cSld>
   <p:clrMap bg1="lt1" tx1="dk1" bg2="lt2" tx2="dk2" accent1="accent1" accent2="accent2" accent3="accent3" accent4="accent4" accent5="accent5" accent6="accent6" hlink="hlink" folHlink="folHlink"/>
   <p:sldLayoutIdLst>
-    <p:sldLayoutId id="2147483673" r:id="rId1"/>
-    <p:sldLayoutId id="2147483674" r:id="rId2"/>
-    <p:sldLayoutId id="2147483675" r:id="rId3"/>
-    <p:sldLayoutId id="2147483676" r:id="rId4"/>
-    <p:sldLayoutId id="2147483677" r:id="rId5"/>
-    <p:sldLayoutId id="2147483678" r:id="rId6"/>
-    <p:sldLayoutId id="2147483679" r:id="rId7"/>
-    <p:sldLayoutId id="2147483680" r:id="rId8"/>
-    <p:sldLayoutId id="2147483681" r:id="rId9"/>
-    <p:sldLayoutId id="2147483682" r:id="rId10"/>
-    <p:sldLayoutId id="2147483683" r:id="rId11"/>
+    <p:sldLayoutId id="2147483649" r:id="rId1"/>
+    <p:sldLayoutId id="2147483650" r:id="rId2"/>
+    <p:sldLayoutId id="2147483651" r:id="rId3"/>
+    <p:sldLayoutId id="2147483652" r:id="rId4"/>
+    <p:sldLayoutId id="2147483653" r:id="rId5"/>
+    <p:sldLayoutId id="2147483654" r:id="rId6"/>
+    <p:sldLayoutId id="2147483655" r:id="rId7"/>
+    <p:sldLayoutId id="2147483656" r:id="rId8"/>
+    <p:sldLayoutId id="2147483657" r:id="rId9"/>
+    <p:sldLayoutId id="2147483658" r:id="rId10"/>
+    <p:sldLayoutId id="2147483659" r:id="rId11"/>
   </p:sldLayoutIdLst>
   <p:txStyles>
     <p:titleStyle>
@@ -20294,7 +20253,7 @@
           <a:cs typeface="+mn-cs"/>
         </a:defRPr>
       </a:lvl1pPr>
-      <a:lvl2pPr marL="265176" indent="-137160" algn="l" defTabSz="914400" rtl="0" eaLnBrk="1" latinLnBrk="0" hangingPunct="1">
+      <a:lvl2pPr marL="265430" indent="-137160" algn="l" defTabSz="914400" rtl="0" eaLnBrk="1" latinLnBrk="0" hangingPunct="1">
         <a:lnSpc>
           <a:spcPct val="90000"/>
         </a:lnSpc>
@@ -20318,7 +20277,7 @@
           <a:cs typeface="+mn-cs"/>
         </a:defRPr>
       </a:lvl2pPr>
-      <a:lvl3pPr marL="448056" indent="-137160" algn="l" defTabSz="914400" rtl="0" eaLnBrk="1" latinLnBrk="0" hangingPunct="1">
+      <a:lvl3pPr marL="448310" indent="-137160" algn="l" defTabSz="914400" rtl="0" eaLnBrk="1" latinLnBrk="0" hangingPunct="1">
         <a:lnSpc>
           <a:spcPct val="90000"/>
         </a:lnSpc>
@@ -20414,7 +20373,7 @@
           <a:cs typeface="+mn-cs"/>
         </a:defRPr>
       </a:lvl6pPr>
-      <a:lvl7pPr marL="1060704" indent="-137160" algn="l" defTabSz="914400" rtl="0" eaLnBrk="1" latinLnBrk="0" hangingPunct="1">
+      <a:lvl7pPr marL="1060450" indent="-137160" algn="l" defTabSz="914400" rtl="0" eaLnBrk="1" latinLnBrk="0" hangingPunct="1">
         <a:lnSpc>
           <a:spcPct val="90000"/>
         </a:lnSpc>
@@ -20438,7 +20397,7 @@
           <a:cs typeface="+mn-cs"/>
         </a:defRPr>
       </a:lvl7pPr>
-      <a:lvl8pPr marL="1216152" indent="-137160" algn="l" defTabSz="914400" rtl="0" eaLnBrk="1" latinLnBrk="0" hangingPunct="1">
+      <a:lvl8pPr marL="1216025" indent="-137160" algn="l" defTabSz="914400" rtl="0" eaLnBrk="1" latinLnBrk="0" hangingPunct="1">
         <a:lnSpc>
           <a:spcPct val="90000"/>
         </a:lnSpc>
@@ -20462,7 +20421,7 @@
           <a:cs typeface="+mn-cs"/>
         </a:defRPr>
       </a:lvl8pPr>
-      <a:lvl9pPr marL="1362456" indent="-137160" algn="l" defTabSz="914400" rtl="0" eaLnBrk="1" latinLnBrk="0" hangingPunct="1">
+      <a:lvl9pPr marL="1362710" indent="-137160" algn="l" defTabSz="914400" rtl="0" eaLnBrk="1" latinLnBrk="0" hangingPunct="1">
         <a:lnSpc>
           <a:spcPct val="90000"/>
         </a:lnSpc>
@@ -20605,20 +20564,14 @@
       </p:grpSpPr>
       <p:pic>
         <p:nvPicPr>
-          <p:cNvPr id="5" name="Picture 5" descr="Background pattern&#10;&#10;Description automatically generated">
-            <a:extLst>
-              <a:ext uri="{FF2B5EF4-FFF2-40B4-BE49-F238E27FC236}">
-                <a16:creationId xmlns:a16="http://schemas.microsoft.com/office/drawing/2014/main" id="{2DC91CAB-5E97-8D81-A48E-C583E24A4D1F}"/>
-              </a:ext>
-            </a:extLst>
-          </p:cNvPr>
+          <p:cNvPr id="5" name="Picture 5" descr="Background pattern&#10;&#10;Description automatically generated"/>
           <p:cNvPicPr>
             <a:picLocks noChangeAspect="1"/>
           </p:cNvPicPr>
           <p:nvPr/>
         </p:nvPicPr>
         <p:blipFill>
-          <a:blip r:embed="rId2"/>
+          <a:blip r:embed="rId1"/>
           <a:stretch>
             <a:fillRect/>
           </a:stretch>
@@ -20634,11 +20587,6 @@
         </p:spPr>
       </p:pic>
     </p:spTree>
-    <p:extLst>
-      <p:ext uri="{BB962C8B-B14F-4D97-AF65-F5344CB8AC3E}">
-        <p14:creationId xmlns:p14="http://schemas.microsoft.com/office/powerpoint/2010/main" val="62434982"/>
-      </p:ext>
-    </p:extLst>
   </p:cSld>
   <p:clrMapOvr>
     <a:masterClrMapping/>
@@ -20665,13 +20613,7 @@
       </p:grpSpPr>
       <p:sp>
         <p:nvSpPr>
-          <p:cNvPr id="2" name="Title 1">
-            <a:extLst>
-              <a:ext uri="{FF2B5EF4-FFF2-40B4-BE49-F238E27FC236}">
-                <a16:creationId xmlns:a16="http://schemas.microsoft.com/office/drawing/2014/main" id="{D0FC0C6B-78B2-6B27-9973-596280C5D6E3}"/>
-              </a:ext>
-            </a:extLst>
-          </p:cNvPr>
+          <p:cNvPr id="2" name="Title 1"/>
           <p:cNvSpPr>
             <a:spLocks noGrp="1"/>
           </p:cNvSpPr>
@@ -20688,18 +20630,13 @@
               <a:rPr lang="en-IN"/>
               <a:t>DEMO</a:t>
             </a:r>
+            <a:endParaRPr lang="en-IN"/>
           </a:p>
         </p:txBody>
       </p:sp>
       <p:sp>
         <p:nvSpPr>
-          <p:cNvPr id="3" name="Content Placeholder 2">
-            <a:extLst>
-              <a:ext uri="{FF2B5EF4-FFF2-40B4-BE49-F238E27FC236}">
-                <a16:creationId xmlns:a16="http://schemas.microsoft.com/office/drawing/2014/main" id="{4B32D1D6-8BDE-BA31-ACBD-E5D8E3F5486C}"/>
-              </a:ext>
-            </a:extLst>
-          </p:cNvPr>
+          <p:cNvPr id="3" name="Content Placeholder 2"/>
           <p:cNvSpPr>
             <a:spLocks noGrp="1"/>
           </p:cNvSpPr>
@@ -20726,7 +20663,7 @@
               <a:rPr lang="en-IN" u="sng">
                 <a:ea typeface="+mn-lt"/>
                 <a:cs typeface="+mn-lt"/>
-                <a:hlinkClick r:id="rId2"/>
+                <a:hlinkClick r:id="rId1"/>
               </a:rPr>
               <a:t>http://172.24.210.43/Aspire-API/swagger</a:t>
             </a:r>
@@ -20761,10 +20698,14 @@
               <a:rPr lang="en-IN">
                 <a:ea typeface="+mn-lt"/>
                 <a:cs typeface="+mn-lt"/>
-                <a:hlinkClick r:id="rId3"/>
+                <a:hlinkClick r:id="rId2"/>
               </a:rPr>
               <a:t>http://172.24.210.43/AspireOverflow</a:t>
             </a:r>
+            <a:endParaRPr lang="en-IN">
+              <a:ea typeface="+mn-lt"/>
+              <a:cs typeface="+mn-lt"/>
+            </a:endParaRPr>
           </a:p>
           <a:p>
             <a:pPr marL="0" indent="0">
@@ -20778,11 +20719,6 @@
         </p:txBody>
       </p:sp>
     </p:spTree>
-    <p:extLst>
-      <p:ext uri="{BB962C8B-B14F-4D97-AF65-F5344CB8AC3E}">
-        <p14:creationId xmlns:p14="http://schemas.microsoft.com/office/powerpoint/2010/main" val="2823406662"/>
-      </p:ext>
-    </p:extLst>
   </p:cSld>
   <p:clrMapOvr>
     <a:masterClrMapping/>
@@ -20809,13 +20745,7 @@
       </p:grpSpPr>
       <p:sp>
         <p:nvSpPr>
-          <p:cNvPr id="2" name="Title 1">
-            <a:extLst>
-              <a:ext uri="{FF2B5EF4-FFF2-40B4-BE49-F238E27FC236}">
-                <a16:creationId xmlns:a16="http://schemas.microsoft.com/office/drawing/2014/main" id="{094A78D8-F6D6-CCCF-B3EA-45FB48F5B781}"/>
-              </a:ext>
-            </a:extLst>
-          </p:cNvPr>
+          <p:cNvPr id="2" name="Title 1"/>
           <p:cNvSpPr>
             <a:spLocks noGrp="1"/>
           </p:cNvSpPr>
@@ -20832,18 +20762,13 @@
               <a:rPr lang="en-IN"/>
               <a:t>LESSONS LEARNED</a:t>
             </a:r>
+            <a:endParaRPr lang="en-IN"/>
           </a:p>
         </p:txBody>
       </p:sp>
       <p:sp>
         <p:nvSpPr>
-          <p:cNvPr id="3" name="Content Placeholder 2">
-            <a:extLst>
-              <a:ext uri="{FF2B5EF4-FFF2-40B4-BE49-F238E27FC236}">
-                <a16:creationId xmlns:a16="http://schemas.microsoft.com/office/drawing/2014/main" id="{5F1A2351-2CCD-6ABA-8CFD-67AFC77C3777}"/>
-              </a:ext>
-            </a:extLst>
-          </p:cNvPr>
+          <p:cNvPr id="3" name="Content Placeholder 2"/>
           <p:cNvSpPr>
             <a:spLocks noGrp="1"/>
           </p:cNvSpPr>
@@ -20877,6 +20802,7 @@
               <a:rPr lang="en-IN"/>
               <a:t> Requirement gathering is the first-most thing to be done.</a:t>
             </a:r>
+            <a:endParaRPr lang="en-IN"/>
           </a:p>
           <a:p>
             <a:pPr>
@@ -20887,6 +20813,7 @@
               <a:rPr lang="en-IN"/>
               <a:t> User-Stories should tell about the flow of the system.</a:t>
             </a:r>
+            <a:endParaRPr lang="en-IN"/>
           </a:p>
           <a:p>
             <a:pPr>
@@ -20897,6 +20824,7 @@
               <a:rPr lang="en-IN"/>
               <a:t> The system should reflect the wireframe.</a:t>
             </a:r>
+            <a:endParaRPr lang="en-IN"/>
           </a:p>
           <a:p>
             <a:pPr>
@@ -20907,6 +20835,7 @@
               <a:rPr lang="en-IN"/>
               <a:t> Set-up documentation should be written simple for the user manual.</a:t>
             </a:r>
+            <a:endParaRPr lang="en-IN"/>
           </a:p>
           <a:p>
             <a:pPr>
@@ -20917,6 +20846,7 @@
               <a:rPr lang="en-IN"/>
               <a:t> Unused and Dead codes should be removed.</a:t>
             </a:r>
+            <a:endParaRPr lang="en-IN"/>
           </a:p>
           <a:p>
             <a:pPr>
@@ -20927,6 +20857,7 @@
               <a:rPr lang="en-IN"/>
               <a:t> How to Manage the work with the available members.</a:t>
             </a:r>
+            <a:endParaRPr lang="en-IN"/>
           </a:p>
           <a:p>
             <a:pPr>
@@ -20937,6 +20868,7 @@
               <a:rPr lang="en-IN"/>
               <a:t> To take ownership of our work.</a:t>
             </a:r>
+            <a:endParaRPr lang="en-IN"/>
           </a:p>
           <a:p>
             <a:pPr>
@@ -20947,6 +20879,7 @@
               <a:rPr lang="en-IN"/>
               <a:t> Have to include the waiting time of the PAM request needed in the execution time.</a:t>
             </a:r>
+            <a:endParaRPr lang="en-IN"/>
           </a:p>
           <a:p>
             <a:pPr>
@@ -20957,6 +20890,7 @@
               <a:rPr lang="en-IN"/>
               <a:t> Also need to think from the user perspective.</a:t>
             </a:r>
+            <a:endParaRPr lang="en-IN"/>
           </a:p>
           <a:p>
             <a:pPr>
@@ -21023,11 +20957,6 @@
         </p:txBody>
       </p:sp>
     </p:spTree>
-    <p:extLst>
-      <p:ext uri="{BB962C8B-B14F-4D97-AF65-F5344CB8AC3E}">
-        <p14:creationId xmlns:p14="http://schemas.microsoft.com/office/powerpoint/2010/main" val="2165882091"/>
-      </p:ext>
-    </p:extLst>
   </p:cSld>
   <p:clrMapOvr>
     <a:masterClrMapping/>
@@ -21054,13 +20983,7 @@
       </p:grpSpPr>
       <p:sp>
         <p:nvSpPr>
-          <p:cNvPr id="2" name="Title 1">
-            <a:extLst>
-              <a:ext uri="{FF2B5EF4-FFF2-40B4-BE49-F238E27FC236}">
-                <a16:creationId xmlns:a16="http://schemas.microsoft.com/office/drawing/2014/main" id="{094A78D8-F6D6-CCCF-B3EA-45FB48F5B781}"/>
-              </a:ext>
-            </a:extLst>
-          </p:cNvPr>
+          <p:cNvPr id="2" name="Title 1"/>
           <p:cNvSpPr>
             <a:spLocks noGrp="1"/>
           </p:cNvSpPr>
@@ -21077,18 +21000,13 @@
               <a:rPr lang="en-IN"/>
               <a:t>LESSONS LEARNED</a:t>
             </a:r>
+            <a:endParaRPr lang="en-IN"/>
           </a:p>
         </p:txBody>
       </p:sp>
       <p:sp>
         <p:nvSpPr>
-          <p:cNvPr id="3" name="Content Placeholder 2">
-            <a:extLst>
-              <a:ext uri="{FF2B5EF4-FFF2-40B4-BE49-F238E27FC236}">
-                <a16:creationId xmlns:a16="http://schemas.microsoft.com/office/drawing/2014/main" id="{5F1A2351-2CCD-6ABA-8CFD-67AFC77C3777}"/>
-              </a:ext>
-            </a:extLst>
-          </p:cNvPr>
+          <p:cNvPr id="3" name="Content Placeholder 2"/>
           <p:cNvSpPr>
             <a:spLocks noGrp="1"/>
           </p:cNvSpPr>
@@ -21132,6 +21050,7 @@
               <a:rPr lang="en-US"/>
               <a:t> Review your work before the meeting.</a:t>
             </a:r>
+            <a:endParaRPr lang="en-US"/>
           </a:p>
           <a:p>
             <a:pPr>
@@ -21142,6 +21061,7 @@
               <a:rPr lang="en-US"/>
               <a:t> There is no 'me' in the teamwork.</a:t>
             </a:r>
+            <a:endParaRPr lang="en-US"/>
           </a:p>
           <a:p>
             <a:pPr>
@@ -21152,6 +21072,7 @@
               <a:rPr lang="en-US"/>
               <a:t> Always track your timesheet. </a:t>
             </a:r>
+            <a:endParaRPr lang="en-US"/>
           </a:p>
           <a:p>
             <a:pPr>
@@ -21162,6 +21083,7 @@
               <a:rPr lang="en-US"/>
               <a:t> Keep your work on track with your estimation process. </a:t>
             </a:r>
+            <a:endParaRPr lang="en-US"/>
           </a:p>
           <a:p>
             <a:pPr>
@@ -21172,6 +21094,7 @@
               <a:rPr lang="en-US"/>
               <a:t> Work for 11hours a day.</a:t>
             </a:r>
+            <a:endParaRPr lang="en-US"/>
           </a:p>
           <a:p>
             <a:pPr>
@@ -21182,6 +21105,7 @@
               <a:rPr lang="en-US"/>
               <a:t> Set context before staring your work.</a:t>
             </a:r>
+            <a:endParaRPr lang="en-US"/>
           </a:p>
           <a:p>
             <a:pPr>
@@ -21192,6 +21116,7 @@
               <a:rPr lang="en-US"/>
               <a:t> Listen to every one's sugesstion in the group.</a:t>
             </a:r>
+            <a:endParaRPr lang="en-US"/>
           </a:p>
           <a:p>
             <a:pPr>
@@ -21202,6 +21127,7 @@
               <a:rPr lang="en-US"/>
               <a:t> Learning should be grown and should not be stopped.</a:t>
             </a:r>
+            <a:endParaRPr lang="en-US"/>
           </a:p>
           <a:p>
             <a:pPr>
@@ -21212,6 +21138,7 @@
               <a:rPr lang="en-US"/>
               <a:t> Don't stress and enjoy doing your work.</a:t>
             </a:r>
+            <a:endParaRPr lang="en-US"/>
           </a:p>
           <a:p>
             <a:pPr>
@@ -21300,11 +21227,6 @@
         </p:txBody>
       </p:sp>
     </p:spTree>
-    <p:extLst>
-      <p:ext uri="{BB962C8B-B14F-4D97-AF65-F5344CB8AC3E}">
-        <p14:creationId xmlns:p14="http://schemas.microsoft.com/office/powerpoint/2010/main" val="3587435971"/>
-      </p:ext>
-    </p:extLst>
   </p:cSld>
   <p:clrMapOvr>
     <a:masterClrMapping/>
@@ -21331,13 +21253,7 @@
       </p:grpSpPr>
       <p:sp>
         <p:nvSpPr>
-          <p:cNvPr id="2" name="Title 1">
-            <a:extLst>
-              <a:ext uri="{FF2B5EF4-FFF2-40B4-BE49-F238E27FC236}">
-                <a16:creationId xmlns:a16="http://schemas.microsoft.com/office/drawing/2014/main" id="{7041D91E-3DDB-899E-6D6D-B414A289AF20}"/>
-              </a:ext>
-            </a:extLst>
-          </p:cNvPr>
+          <p:cNvPr id="2" name="Title 1"/>
           <p:cNvSpPr>
             <a:spLocks noGrp="1"/>
           </p:cNvSpPr>
@@ -21354,18 +21270,13 @@
               <a:rPr lang="en-IN"/>
               <a:t>THANK YOU</a:t>
             </a:r>
+            <a:endParaRPr lang="en-IN"/>
           </a:p>
         </p:txBody>
       </p:sp>
       <p:sp>
         <p:nvSpPr>
-          <p:cNvPr id="3" name="TextBox 2">
-            <a:extLst>
-              <a:ext uri="{FF2B5EF4-FFF2-40B4-BE49-F238E27FC236}">
-                <a16:creationId xmlns:a16="http://schemas.microsoft.com/office/drawing/2014/main" id="{5E70A375-FDC8-53CF-5780-DFE06A2E689A}"/>
-              </a:ext>
-            </a:extLst>
-          </p:cNvPr>
+          <p:cNvPr id="3" name="TextBox 2"/>
           <p:cNvSpPr txBox="1"/>
           <p:nvPr/>
         </p:nvSpPr>
@@ -21381,9 +21292,6 @@
         </p:spPr>
         <p:txBody>
           <a:bodyPr rot="0" spcFirstLastPara="0" vertOverflow="overflow" horzOverflow="overflow" vert="horz" wrap="square" lIns="91440" tIns="45720" rIns="91440" bIns="45720" numCol="1" spcCol="0" rtlCol="0" fromWordArt="0" anchor="t" anchorCtr="0" forceAA="0" compatLnSpc="1">
-            <a:prstTxWarp prst="textNoShape">
-              <a:avLst/>
-            </a:prstTxWarp>
             <a:spAutoFit/>
           </a:bodyPr>
           <a:lstStyle/>
@@ -21400,15 +21308,15 @@
               </a:rPr>
               <a:t>Aurora</a:t>
             </a:r>
+            <a:endParaRPr lang="en-US" sz="6600">
+              <a:solidFill>
+                <a:srgbClr val="00B0F0"/>
+              </a:solidFill>
+            </a:endParaRPr>
           </a:p>
         </p:txBody>
       </p:sp>
     </p:spTree>
-    <p:extLst>
-      <p:ext uri="{BB962C8B-B14F-4D97-AF65-F5344CB8AC3E}">
-        <p14:creationId xmlns:p14="http://schemas.microsoft.com/office/powerpoint/2010/main" val="3363111261"/>
-      </p:ext>
-    </p:extLst>
   </p:cSld>
   <p:clrMapOvr>
     <a:masterClrMapping/>
@@ -21435,13 +21343,7 @@
       </p:grpSpPr>
       <p:sp>
         <p:nvSpPr>
-          <p:cNvPr id="2" name="Title 1">
-            <a:extLst>
-              <a:ext uri="{FF2B5EF4-FFF2-40B4-BE49-F238E27FC236}">
-                <a16:creationId xmlns:a16="http://schemas.microsoft.com/office/drawing/2014/main" id="{32ACE755-728B-5AAD-C318-8C2E353A2A88}"/>
-              </a:ext>
-            </a:extLst>
-          </p:cNvPr>
+          <p:cNvPr id="2" name="Title 1"/>
           <p:cNvSpPr>
             <a:spLocks noGrp="1"/>
           </p:cNvSpPr>
@@ -21458,18 +21360,13 @@
               <a:rPr lang="en-IN"/>
               <a:t>Team MEMBERS</a:t>
             </a:r>
+            <a:endParaRPr lang="en-IN"/>
           </a:p>
         </p:txBody>
       </p:sp>
       <p:sp>
         <p:nvSpPr>
-          <p:cNvPr id="3" name="Content Placeholder 2">
-            <a:extLst>
-              <a:ext uri="{FF2B5EF4-FFF2-40B4-BE49-F238E27FC236}">
-                <a16:creationId xmlns:a16="http://schemas.microsoft.com/office/drawing/2014/main" id="{72E178D4-50E1-EE83-7AFF-FE33D0D6C607}"/>
-              </a:ext>
-            </a:extLst>
-          </p:cNvPr>
+          <p:cNvPr id="3" name="Content Placeholder 2"/>
           <p:cNvSpPr>
             <a:spLocks noGrp="1"/>
           </p:cNvSpPr>
@@ -21513,6 +21410,11 @@
               </a:rPr>
               <a:t>R</a:t>
             </a:r>
+            <a:endParaRPr lang="en-IN">
+              <a:solidFill>
+                <a:schemeClr val="accent1"/>
+              </a:solidFill>
+            </a:endParaRPr>
           </a:p>
           <a:p>
             <a:pPr>
@@ -21531,6 +21433,11 @@
               </a:rPr>
               <a:t>R</a:t>
             </a:r>
+            <a:endParaRPr lang="en-IN">
+              <a:solidFill>
+                <a:schemeClr val="accent1"/>
+              </a:solidFill>
+            </a:endParaRPr>
           </a:p>
           <a:p>
             <a:pPr>
@@ -21549,6 +21456,11 @@
               </a:rPr>
               <a:t>V</a:t>
             </a:r>
+            <a:endParaRPr lang="en-IN">
+              <a:solidFill>
+                <a:schemeClr val="accent1"/>
+              </a:solidFill>
+            </a:endParaRPr>
           </a:p>
           <a:p>
             <a:pPr>
@@ -21567,6 +21479,11 @@
               </a:rPr>
               <a:t>S</a:t>
             </a:r>
+            <a:endParaRPr lang="en-IN">
+              <a:solidFill>
+                <a:schemeClr val="accent1"/>
+              </a:solidFill>
+            </a:endParaRPr>
           </a:p>
           <a:p>
             <a:pPr>
@@ -21585,6 +21502,11 @@
               </a:rPr>
               <a:t>U</a:t>
             </a:r>
+            <a:endParaRPr lang="en-IN">
+              <a:solidFill>
+                <a:schemeClr val="accent1"/>
+              </a:solidFill>
+            </a:endParaRPr>
           </a:p>
           <a:p>
             <a:pPr>
@@ -21595,18 +21517,13 @@
               <a:rPr lang="en-IN"/>
               <a:t> Project Duration in Days : 40</a:t>
             </a:r>
+            <a:endParaRPr lang="en-IN"/>
           </a:p>
         </p:txBody>
       </p:sp>
       <p:sp>
         <p:nvSpPr>
-          <p:cNvPr id="4" name="TextBox 3">
-            <a:extLst>
-              <a:ext uri="{FF2B5EF4-FFF2-40B4-BE49-F238E27FC236}">
-                <a16:creationId xmlns:a16="http://schemas.microsoft.com/office/drawing/2014/main" id="{66467671-585C-BC19-9A54-5E7E8159CE65}"/>
-              </a:ext>
-            </a:extLst>
-          </p:cNvPr>
+          <p:cNvPr id="4" name="TextBox 3"/>
           <p:cNvSpPr txBox="1"/>
           <p:nvPr/>
         </p:nvSpPr>
@@ -21622,9 +21539,6 @@
         </p:spPr>
         <p:txBody>
           <a:bodyPr rot="0" spcFirstLastPara="0" vertOverflow="overflow" horzOverflow="overflow" vert="horz" wrap="square" lIns="91440" tIns="45720" rIns="91440" bIns="45720" numCol="1" spcCol="0" rtlCol="0" fromWordArt="0" anchor="t" anchorCtr="0" forceAA="0" compatLnSpc="1">
-            <a:prstTxWarp prst="textNoShape">
-              <a:avLst/>
-            </a:prstTxWarp>
             <a:spAutoFit/>
           </a:bodyPr>
           <a:lstStyle/>
@@ -21633,7 +21547,7 @@
               <a:lnSpc>
                 <a:spcPct val="150000"/>
               </a:lnSpc>
-              <a:buFont typeface="Wingdings"/>
+              <a:buFont typeface="Wingdings" panose="05000000000000000000"/>
               <a:buChar char="v"/>
             </a:pPr>
             <a:r>
@@ -21667,7 +21581,7 @@
               <a:lnSpc>
                 <a:spcPct val="150000"/>
               </a:lnSpc>
-              <a:buFont typeface="Wingdings"/>
+              <a:buFont typeface="Wingdings" panose="05000000000000000000"/>
               <a:buChar char="v"/>
             </a:pPr>
             <a:r>
@@ -21690,13 +21604,18 @@
               </a:rPr>
               <a:t> S</a:t>
             </a:r>
+            <a:endParaRPr lang="en-US" sz="2200">
+              <a:solidFill>
+                <a:srgbClr val="00B0F0"/>
+              </a:solidFill>
+            </a:endParaRPr>
           </a:p>
           <a:p>
             <a:pPr marL="285750" indent="-285750">
               <a:lnSpc>
                 <a:spcPct val="150000"/>
               </a:lnSpc>
-              <a:buFont typeface="Wingdings"/>
+              <a:buFont typeface="Wingdings" panose="05000000000000000000"/>
               <a:buChar char="v"/>
             </a:pPr>
             <a:r>
@@ -21719,13 +21638,18 @@
               </a:rPr>
               <a:t> M</a:t>
             </a:r>
+            <a:endParaRPr lang="en-US" sz="2200">
+              <a:solidFill>
+                <a:srgbClr val="00B0F0"/>
+              </a:solidFill>
+            </a:endParaRPr>
           </a:p>
           <a:p>
             <a:pPr marL="285750" indent="-285750">
               <a:lnSpc>
                 <a:spcPct val="150000"/>
               </a:lnSpc>
-              <a:buFont typeface="Wingdings"/>
+              <a:buFont typeface="Wingdings" panose="05000000000000000000"/>
               <a:buChar char="v"/>
             </a:pPr>
             <a:r>
@@ -21763,15 +21687,15 @@
               </a:rPr>
               <a:t> M</a:t>
             </a:r>
+            <a:endParaRPr lang="en-US" sz="2200">
+              <a:solidFill>
+                <a:srgbClr val="00B0F0"/>
+              </a:solidFill>
+            </a:endParaRPr>
           </a:p>
         </p:txBody>
       </p:sp>
     </p:spTree>
-    <p:extLst>
-      <p:ext uri="{BB962C8B-B14F-4D97-AF65-F5344CB8AC3E}">
-        <p14:creationId xmlns:p14="http://schemas.microsoft.com/office/powerpoint/2010/main" val="2688478848"/>
-      </p:ext>
-    </p:extLst>
   </p:cSld>
   <p:clrMapOvr>
     <a:masterClrMapping/>
@@ -21798,13 +21722,7 @@
       </p:grpSpPr>
       <p:sp>
         <p:nvSpPr>
-          <p:cNvPr id="2" name="Title 1">
-            <a:extLst>
-              <a:ext uri="{FF2B5EF4-FFF2-40B4-BE49-F238E27FC236}">
-                <a16:creationId xmlns:a16="http://schemas.microsoft.com/office/drawing/2014/main" id="{A260B8DC-E1C5-7973-E236-01869A6CD938}"/>
-              </a:ext>
-            </a:extLst>
-          </p:cNvPr>
+          <p:cNvPr id="2" name="Title 1"/>
           <p:cNvSpPr>
             <a:spLocks noGrp="1"/>
           </p:cNvSpPr>
@@ -21821,18 +21739,13 @@
               <a:rPr lang="en-IN"/>
               <a:t>ABOUT THIS APPLICATION	</a:t>
             </a:r>
+            <a:endParaRPr lang="en-IN"/>
           </a:p>
         </p:txBody>
       </p:sp>
       <p:sp>
         <p:nvSpPr>
-          <p:cNvPr id="3" name="Content Placeholder 2">
-            <a:extLst>
-              <a:ext uri="{FF2B5EF4-FFF2-40B4-BE49-F238E27FC236}">
-                <a16:creationId xmlns:a16="http://schemas.microsoft.com/office/drawing/2014/main" id="{B0BFA435-7BB5-0FDA-B8A2-7312FF98F4B2}"/>
-              </a:ext>
-            </a:extLst>
-          </p:cNvPr>
+          <p:cNvPr id="3" name="Content Placeholder 2"/>
           <p:cNvSpPr>
             <a:spLocks noGrp="1"/>
           </p:cNvSpPr>
@@ -21855,6 +21768,7 @@
               <a:rPr lang="en-IN"/>
               <a:t> Aspire Overflow is developed for the users inside our office.</a:t>
             </a:r>
+            <a:endParaRPr lang="en-IN"/>
           </a:p>
           <a:p>
             <a:pPr>
@@ -21865,6 +21779,7 @@
               <a:rPr lang="en-IN"/>
               <a:t> The main purpose of this platform is to post your queries and to write articles, mostly about technologies.</a:t>
             </a:r>
+            <a:endParaRPr lang="en-IN"/>
           </a:p>
           <a:p>
             <a:pPr>
@@ -21875,6 +21790,7 @@
               <a:rPr lang="en-IN"/>
               <a:t> Normal employee of the company will be the users.</a:t>
             </a:r>
+            <a:endParaRPr lang="en-IN"/>
           </a:p>
           <a:p>
             <a:pPr>
@@ -21885,6 +21801,7 @@
               <a:rPr lang="en-IN"/>
               <a:t> Reviewer is an extra privilege given to the users. Reviewer is the one who reviews the articles.</a:t>
             </a:r>
+            <a:endParaRPr lang="en-IN"/>
           </a:p>
           <a:p>
             <a:pPr>
@@ -21895,6 +21812,7 @@
               <a:rPr lang="en-IN"/>
               <a:t> Admin is another user who has the permission to verify the register user and allow the user to access the website.</a:t>
             </a:r>
+            <a:endParaRPr lang="en-IN"/>
           </a:p>
           <a:p>
             <a:pPr marL="0" indent="0">
@@ -21905,11 +21823,6 @@
         </p:txBody>
       </p:sp>
     </p:spTree>
-    <p:extLst>
-      <p:ext uri="{BB962C8B-B14F-4D97-AF65-F5344CB8AC3E}">
-        <p14:creationId xmlns:p14="http://schemas.microsoft.com/office/powerpoint/2010/main" val="55124933"/>
-      </p:ext>
-    </p:extLst>
   </p:cSld>
   <p:clrMapOvr>
     <a:masterClrMapping/>
@@ -21936,13 +21849,7 @@
       </p:grpSpPr>
       <p:sp>
         <p:nvSpPr>
-          <p:cNvPr id="2" name="Title 1">
-            <a:extLst>
-              <a:ext uri="{FF2B5EF4-FFF2-40B4-BE49-F238E27FC236}">
-                <a16:creationId xmlns:a16="http://schemas.microsoft.com/office/drawing/2014/main" id="{29925EE2-7E67-8E04-0928-C6A822CC054F}"/>
-              </a:ext>
-            </a:extLst>
-          </p:cNvPr>
+          <p:cNvPr id="2" name="Title 1"/>
           <p:cNvSpPr>
             <a:spLocks noGrp="1"/>
           </p:cNvSpPr>
@@ -21959,18 +21866,13 @@
               <a:rPr lang="en-IN"/>
               <a:t>EXISTING CHALLENGES in the Existing project.</a:t>
             </a:r>
+            <a:endParaRPr lang="en-IN"/>
           </a:p>
         </p:txBody>
       </p:sp>
       <p:sp>
         <p:nvSpPr>
-          <p:cNvPr id="3" name="Content Placeholder 2">
-            <a:extLst>
-              <a:ext uri="{FF2B5EF4-FFF2-40B4-BE49-F238E27FC236}">
-                <a16:creationId xmlns:a16="http://schemas.microsoft.com/office/drawing/2014/main" id="{FC2EE83D-3E68-0246-6E72-68B4CDCD9019}"/>
-              </a:ext>
-            </a:extLst>
-          </p:cNvPr>
+          <p:cNvPr id="3" name="Content Placeholder 2"/>
           <p:cNvSpPr>
             <a:spLocks noGrp="1"/>
           </p:cNvSpPr>
@@ -21993,6 +21895,7 @@
               <a:rPr lang="en-IN"/>
               <a:t> Knowledge sharing will be very limited.</a:t>
             </a:r>
+            <a:endParaRPr lang="en-IN"/>
           </a:p>
           <a:p>
             <a:pPr>
@@ -22003,6 +21906,7 @@
               <a:rPr lang="en-IN"/>
               <a:t> Learnings about the current technologies will not be up-to-date.</a:t>
             </a:r>
+            <a:endParaRPr lang="en-IN"/>
           </a:p>
           <a:p>
             <a:pPr>
@@ -22013,6 +21917,7 @@
               <a:rPr lang="en-IN"/>
               <a:t> Problems and queries takes very much time to resolve.</a:t>
             </a:r>
+            <a:endParaRPr lang="en-IN"/>
           </a:p>
           <a:p>
             <a:pPr>
@@ -22030,11 +21935,6 @@
         </p:txBody>
       </p:sp>
     </p:spTree>
-    <p:extLst>
-      <p:ext uri="{BB962C8B-B14F-4D97-AF65-F5344CB8AC3E}">
-        <p14:creationId xmlns:p14="http://schemas.microsoft.com/office/powerpoint/2010/main" val="2238010370"/>
-      </p:ext>
-    </p:extLst>
   </p:cSld>
   <p:clrMapOvr>
     <a:masterClrMapping/>
@@ -22061,13 +21961,7 @@
       </p:grpSpPr>
       <p:sp>
         <p:nvSpPr>
-          <p:cNvPr id="2" name="Title 1">
-            <a:extLst>
-              <a:ext uri="{FF2B5EF4-FFF2-40B4-BE49-F238E27FC236}">
-                <a16:creationId xmlns:a16="http://schemas.microsoft.com/office/drawing/2014/main" id="{F8958DDC-3FB2-1E52-6CBB-472269ACC0FC}"/>
-              </a:ext>
-            </a:extLst>
-          </p:cNvPr>
+          <p:cNvPr id="2" name="Title 1"/>
           <p:cNvSpPr>
             <a:spLocks noGrp="1"/>
           </p:cNvSpPr>
@@ -22084,18 +21978,13 @@
               <a:rPr lang="en-IN"/>
               <a:t>SOLUTION and ARCHITECTURE</a:t>
             </a:r>
+            <a:endParaRPr lang="en-IN"/>
           </a:p>
         </p:txBody>
       </p:sp>
       <p:sp>
         <p:nvSpPr>
-          <p:cNvPr id="3" name="Content Placeholder 2">
-            <a:extLst>
-              <a:ext uri="{FF2B5EF4-FFF2-40B4-BE49-F238E27FC236}">
-                <a16:creationId xmlns:a16="http://schemas.microsoft.com/office/drawing/2014/main" id="{5EE8EA71-4A04-7196-092F-0E6B6FEEC877}"/>
-              </a:ext>
-            </a:extLst>
-          </p:cNvPr>
+          <p:cNvPr id="3" name="Content Placeholder 2"/>
           <p:cNvSpPr>
             <a:spLocks noGrp="1"/>
           </p:cNvSpPr>
@@ -22129,6 +22018,7 @@
               <a:rPr lang="en-IN"/>
               <a:t> Posting the queries that you have problem with solving.</a:t>
             </a:r>
+            <a:endParaRPr lang="en-IN"/>
           </a:p>
           <a:p>
             <a:pPr>
@@ -22139,6 +22029,7 @@
               <a:rPr lang="en-IN"/>
               <a:t> Answering the queries that you have knowledge of.</a:t>
             </a:r>
+            <a:endParaRPr lang="en-IN"/>
           </a:p>
           <a:p>
             <a:pPr>
@@ -22157,11 +22048,6 @@
         </p:txBody>
       </p:sp>
     </p:spTree>
-    <p:extLst>
-      <p:ext uri="{BB962C8B-B14F-4D97-AF65-F5344CB8AC3E}">
-        <p14:creationId xmlns:p14="http://schemas.microsoft.com/office/powerpoint/2010/main" val="3440127582"/>
-      </p:ext>
-    </p:extLst>
   </p:cSld>
   <p:clrMapOvr>
     <a:masterClrMapping/>
@@ -22188,13 +22074,7 @@
       </p:grpSpPr>
       <p:pic>
         <p:nvPicPr>
-          <p:cNvPr id="5" name="Picture 5" descr="Diagram&#10;&#10;Description automatically generated">
-            <a:extLst>
-              <a:ext uri="{FF2B5EF4-FFF2-40B4-BE49-F238E27FC236}">
-                <a16:creationId xmlns:a16="http://schemas.microsoft.com/office/drawing/2014/main" id="{C978B646-166D-4A91-70BB-831C4C31732E}"/>
-              </a:ext>
-            </a:extLst>
-          </p:cNvPr>
+          <p:cNvPr id="5" name="Picture 5" descr="Diagram&#10;&#10;Description automatically generated"/>
           <p:cNvPicPr>
             <a:picLocks noGrp="1" noChangeAspect="1"/>
           </p:cNvPicPr>
@@ -22203,7 +22083,7 @@
           </p:nvPr>
         </p:nvPicPr>
         <p:blipFill>
-          <a:blip r:embed="rId2"/>
+          <a:blip r:embed="rId1"/>
           <a:stretch>
             <a:fillRect/>
           </a:stretch>
@@ -22216,11 +22096,6 @@
         </p:spPr>
       </p:pic>
     </p:spTree>
-    <p:extLst>
-      <p:ext uri="{BB962C8B-B14F-4D97-AF65-F5344CB8AC3E}">
-        <p14:creationId xmlns:p14="http://schemas.microsoft.com/office/powerpoint/2010/main" val="3869471433"/>
-      </p:ext>
-    </p:extLst>
   </p:cSld>
   <p:clrMapOvr>
     <a:masterClrMapping/>
@@ -22247,13 +22122,7 @@
       </p:grpSpPr>
       <p:sp>
         <p:nvSpPr>
-          <p:cNvPr id="2" name="Title 1">
-            <a:extLst>
-              <a:ext uri="{FF2B5EF4-FFF2-40B4-BE49-F238E27FC236}">
-                <a16:creationId xmlns:a16="http://schemas.microsoft.com/office/drawing/2014/main" id="{F8958DDC-3FB2-1E52-6CBB-472269ACC0FC}"/>
-              </a:ext>
-            </a:extLst>
-          </p:cNvPr>
+          <p:cNvPr id="2" name="Title 1"/>
           <p:cNvSpPr>
             <a:spLocks noGrp="1"/>
           </p:cNvSpPr>
@@ -22270,18 +22139,13 @@
               <a:rPr lang="en-IN"/>
               <a:t>EXECUTION JOURNEY</a:t>
             </a:r>
+            <a:endParaRPr lang="en-IN"/>
           </a:p>
         </p:txBody>
       </p:sp>
       <p:sp>
         <p:nvSpPr>
-          <p:cNvPr id="3" name="Content Placeholder 2">
-            <a:extLst>
-              <a:ext uri="{FF2B5EF4-FFF2-40B4-BE49-F238E27FC236}">
-                <a16:creationId xmlns:a16="http://schemas.microsoft.com/office/drawing/2014/main" id="{5EE8EA71-4A04-7196-092F-0E6B6FEEC877}"/>
-              </a:ext>
-            </a:extLst>
-          </p:cNvPr>
+          <p:cNvPr id="3" name="Content Placeholder 2"/>
           <p:cNvSpPr>
             <a:spLocks noGrp="1"/>
           </p:cNvSpPr>
@@ -22335,6 +22199,7 @@
               <a:rPr lang="en-IN"/>
               <a:t> Functional and Non-Functional Requirements</a:t>
             </a:r>
+            <a:endParaRPr lang="en-IN"/>
           </a:p>
           <a:p>
             <a:pPr>
@@ -22345,6 +22210,7 @@
               <a:rPr lang="en-IN"/>
               <a:t> Wireframe</a:t>
             </a:r>
+            <a:endParaRPr lang="en-IN"/>
           </a:p>
           <a:p>
             <a:pPr>
@@ -22375,6 +22241,10 @@
               </a:rPr>
               <a:t> High Level Design</a:t>
             </a:r>
+            <a:endParaRPr lang="en-US">
+              <a:ea typeface="+mn-lt"/>
+              <a:cs typeface="+mn-lt"/>
+            </a:endParaRPr>
           </a:p>
           <a:p>
             <a:pPr>
@@ -22392,6 +22262,10 @@
               </a:rPr>
               <a:t>Low Level Design</a:t>
             </a:r>
+            <a:endParaRPr lang="en-US">
+              <a:ea typeface="+mn-lt"/>
+              <a:cs typeface="+mn-lt"/>
+            </a:endParaRPr>
           </a:p>
           <a:p>
             <a:pPr>
@@ -22402,6 +22276,7 @@
               <a:rPr lang="en-IN"/>
               <a:t> HTML Template</a:t>
             </a:r>
+            <a:endParaRPr lang="en-IN"/>
           </a:p>
           <a:p>
             <a:pPr>
@@ -22412,6 +22287,7 @@
               <a:rPr lang="en-IN"/>
               <a:t> Angular Components</a:t>
             </a:r>
+            <a:endParaRPr lang="en-IN"/>
           </a:p>
           <a:p>
             <a:pPr>
@@ -22422,6 +22298,7 @@
               <a:rPr lang="en-IN"/>
               <a:t> Estimation Calculation</a:t>
             </a:r>
+            <a:endParaRPr lang="en-IN"/>
           </a:p>
           <a:p>
             <a:pPr>
@@ -22432,6 +22309,7 @@
               <a:rPr lang="en-IN"/>
               <a:t> Web Api</a:t>
             </a:r>
+            <a:endParaRPr lang="en-IN"/>
           </a:p>
           <a:p>
             <a:pPr>
@@ -22442,6 +22320,7 @@
               <a:rPr lang="en-IN"/>
               <a:t> Integration</a:t>
             </a:r>
+            <a:endParaRPr lang="en-IN"/>
           </a:p>
           <a:p>
             <a:pPr>
@@ -22460,13 +22339,7 @@
       </p:sp>
       <p:sp>
         <p:nvSpPr>
-          <p:cNvPr id="4" name="TextBox 3">
-            <a:extLst>
-              <a:ext uri="{FF2B5EF4-FFF2-40B4-BE49-F238E27FC236}">
-                <a16:creationId xmlns:a16="http://schemas.microsoft.com/office/drawing/2014/main" id="{EC70883E-73B2-4A22-FDC2-10224B2181ED}"/>
-              </a:ext>
-            </a:extLst>
-          </p:cNvPr>
+          <p:cNvPr id="4" name="TextBox 3"/>
           <p:cNvSpPr txBox="1"/>
           <p:nvPr/>
         </p:nvSpPr>
@@ -22482,9 +22355,6 @@
         </p:spPr>
         <p:txBody>
           <a:bodyPr rot="0" spcFirstLastPara="0" vertOverflow="overflow" horzOverflow="overflow" vert="horz" wrap="square" lIns="91440" tIns="45720" rIns="91440" bIns="45720" numCol="1" spcCol="0" rtlCol="0" fromWordArt="0" anchor="t" anchorCtr="0" forceAA="0" compatLnSpc="1">
-            <a:prstTxWarp prst="textNoShape">
-              <a:avLst/>
-            </a:prstTxWarp>
             <a:spAutoFit/>
           </a:bodyPr>
           <a:lstStyle/>
@@ -22524,6 +22394,10 @@
               </a:rPr>
               <a:t>nit Testing</a:t>
             </a:r>
+            <a:endParaRPr lang="en-IN" sz="1700">
+              <a:ea typeface="+mn-lt"/>
+              <a:cs typeface="+mn-lt"/>
+            </a:endParaRPr>
           </a:p>
           <a:p>
             <a:pPr marL="285750" indent="-285750">
@@ -22556,6 +22430,10 @@
               </a:rPr>
               <a:t>Set-up Documentation</a:t>
             </a:r>
+            <a:endParaRPr lang="en-IN" sz="1700">
+              <a:ea typeface="+mn-lt"/>
+              <a:cs typeface="+mn-lt"/>
+            </a:endParaRPr>
           </a:p>
           <a:p>
             <a:pPr marL="285750" indent="-285750">
@@ -22595,7 +22473,7 @@
               <a:lnSpc>
                 <a:spcPct val="150000"/>
               </a:lnSpc>
-              <a:buFont typeface="Wingdings"/>
+              <a:buFont typeface="Wingdings" panose="05000000000000000000"/>
               <a:buChar char="v"/>
             </a:pPr>
             <a:r>
@@ -22615,13 +22493,17 @@
               </a:rPr>
               <a:t>SonarQube</a:t>
             </a:r>
+            <a:endParaRPr lang="en-US" sz="1700">
+              <a:ea typeface="+mn-lt"/>
+              <a:cs typeface="+mn-lt"/>
+            </a:endParaRPr>
           </a:p>
           <a:p>
             <a:pPr marL="285750" indent="-285750">
               <a:lnSpc>
                 <a:spcPct val="150000"/>
               </a:lnSpc>
-              <a:buFont typeface="Wingdings"/>
+              <a:buFont typeface="Wingdings" panose="05000000000000000000"/>
               <a:buChar char="v"/>
             </a:pPr>
             <a:r>
@@ -22648,7 +22530,7 @@
               <a:lnSpc>
                 <a:spcPct val="150000"/>
               </a:lnSpc>
-              <a:buFont typeface="Wingdings"/>
+              <a:buFont typeface="Wingdings" panose="05000000000000000000"/>
               <a:buChar char="v"/>
             </a:pPr>
             <a:r>
@@ -22675,7 +22557,7 @@
               <a:lnSpc>
                 <a:spcPct val="150000"/>
               </a:lnSpc>
-              <a:buFont typeface="Wingdings"/>
+              <a:buFont typeface="Wingdings" panose="05000000000000000000"/>
               <a:buChar char="v"/>
             </a:pPr>
             <a:r>
@@ -22702,7 +22584,7 @@
               <a:lnSpc>
                 <a:spcPct val="150000"/>
               </a:lnSpc>
-              <a:buFont typeface="Wingdings"/>
+              <a:buFont typeface="Wingdings" panose="05000000000000000000"/>
               <a:buChar char="v"/>
             </a:pPr>
             <a:r>
@@ -22729,7 +22611,7 @@
               <a:lnSpc>
                 <a:spcPct val="150000"/>
               </a:lnSpc>
-              <a:buFont typeface="Wingdings"/>
+              <a:buFont typeface="Wingdings" panose="05000000000000000000"/>
               <a:buChar char="v"/>
             </a:pPr>
             <a:r>
@@ -22761,7 +22643,7 @@
           </a:p>
           <a:p>
             <a:pPr marL="285750" indent="-285750">
-              <a:buFont typeface="Wingdings"/>
+              <a:buFont typeface="Wingdings" panose="05000000000000000000"/>
               <a:buChar char="v"/>
             </a:pPr>
             <a:endParaRPr lang="en-US" sz="1700"/>
@@ -22769,11 +22651,6 @@
         </p:txBody>
       </p:sp>
     </p:spTree>
-    <p:extLst>
-      <p:ext uri="{BB962C8B-B14F-4D97-AF65-F5344CB8AC3E}">
-        <p14:creationId xmlns:p14="http://schemas.microsoft.com/office/powerpoint/2010/main" val="3862828603"/>
-      </p:ext>
-    </p:extLst>
   </p:cSld>
   <p:clrMapOvr>
     <a:masterClrMapping/>
@@ -22800,13 +22677,7 @@
       </p:grpSpPr>
       <p:sp>
         <p:nvSpPr>
-          <p:cNvPr id="2" name="Title 1">
-            <a:extLst>
-              <a:ext uri="{FF2B5EF4-FFF2-40B4-BE49-F238E27FC236}">
-                <a16:creationId xmlns:a16="http://schemas.microsoft.com/office/drawing/2014/main" id="{ED0B6F54-9F1B-50D0-BCE0-04A244CBFB0B}"/>
-              </a:ext>
-            </a:extLst>
-          </p:cNvPr>
+          <p:cNvPr id="2" name="Title 1"/>
           <p:cNvSpPr>
             <a:spLocks noGrp="1"/>
           </p:cNvSpPr>
@@ -22823,28 +22694,18 @@
               <a:rPr lang="en-IN"/>
               <a:t>Artifacts</a:t>
             </a:r>
+            <a:endParaRPr lang="en-IN"/>
           </a:p>
         </p:txBody>
       </p:sp>
       <p:graphicFrame>
         <p:nvGraphicFramePr>
-          <p:cNvPr id="4" name="Table 4">
-            <a:extLst>
-              <a:ext uri="{FF2B5EF4-FFF2-40B4-BE49-F238E27FC236}">
-                <a16:creationId xmlns:a16="http://schemas.microsoft.com/office/drawing/2014/main" id="{EA882DB7-229F-BA10-54FC-42B8673824C1}"/>
-              </a:ext>
-            </a:extLst>
-          </p:cNvPr>
+          <p:cNvPr id="4" name="Table 4"/>
           <p:cNvGraphicFramePr>
             <a:graphicFrameLocks noGrp="1"/>
           </p:cNvGraphicFramePr>
           <p:nvPr>
             <p:ph idx="1"/>
-            <p:extLst>
-              <p:ext uri="{D42A27DB-BD31-4B8C-83A1-F6EECF244321}">
-                <p14:modId xmlns:p14="http://schemas.microsoft.com/office/powerpoint/2010/main" val="316720039"/>
-              </p:ext>
-            </p:extLst>
           </p:nvPr>
         </p:nvGraphicFramePr>
         <p:xfrm>
@@ -22858,20 +22719,8 @@
                 <a:tableStyleId>{5C22544A-7EE6-4342-B048-85BDC9FD1C3A}</a:tableStyleId>
               </a:tblPr>
               <a:tblGrid>
-                <a:gridCol w="4860131">
-                  <a:extLst>
-                    <a:ext uri="{9D8B030D-6E8A-4147-A177-3AD203B41FA5}">
-                      <a16:colId xmlns:a16="http://schemas.microsoft.com/office/drawing/2014/main" val="2923587592"/>
-                    </a:ext>
-                  </a:extLst>
-                </a:gridCol>
-                <a:gridCol w="4860131">
-                  <a:extLst>
-                    <a:ext uri="{9D8B030D-6E8A-4147-A177-3AD203B41FA5}">
-                      <a16:colId xmlns:a16="http://schemas.microsoft.com/office/drawing/2014/main" val="756473311"/>
-                    </a:ext>
-                  </a:extLst>
-                </a:gridCol>
+                <a:gridCol w="4860131"/>
+                <a:gridCol w="4860131"/>
               </a:tblGrid>
               <a:tr h="370840">
                 <a:tc>
@@ -22883,6 +22732,7 @@
                         <a:rPr lang="en-IN"/>
                         <a:t>Areas</a:t>
                       </a:r>
+                      <a:endParaRPr lang="en-IN"/>
                     </a:p>
                   </a:txBody>
                   <a:tcPr/>
@@ -22896,15 +22746,11 @@
                         <a:rPr lang="en-IN"/>
                         <a:t>Link</a:t>
                       </a:r>
+                      <a:endParaRPr lang="en-IN"/>
                     </a:p>
                   </a:txBody>
                   <a:tcPr/>
                 </a:tc>
-                <a:extLst>
-                  <a:ext uri="{0D108BD9-81ED-4DB2-BD59-A6C34878D82A}">
-                    <a16:rowId xmlns:a16="http://schemas.microsoft.com/office/drawing/2014/main" val="2291197956"/>
-                  </a:ext>
-                </a:extLst>
               </a:tr>
               <a:tr h="370840">
                 <a:tc>
@@ -22916,6 +22762,7 @@
                         <a:rPr lang="en-IN"/>
                         <a:t>Requirement – User Stories, Wireframes, Data Flow</a:t>
                       </a:r>
+                      <a:endParaRPr lang="en-IN"/>
                     </a:p>
                   </a:txBody>
                   <a:tcPr/>
@@ -22927,7 +22774,7 @@
                     <a:p>
                       <a:r>
                         <a:rPr lang="en-IN">
-                          <a:hlinkClick r:id="rId2"/>
+                          <a:hlinkClick r:id="rId1"/>
                         </a:rPr>
                         <a:t>Wireframe and User Stories</a:t>
                       </a:r>
@@ -22936,11 +22783,6 @@
                   </a:txBody>
                   <a:tcPr/>
                 </a:tc>
-                <a:extLst>
-                  <a:ext uri="{0D108BD9-81ED-4DB2-BD59-A6C34878D82A}">
-                    <a16:rowId xmlns:a16="http://schemas.microsoft.com/office/drawing/2014/main" val="1391388041"/>
-                  </a:ext>
-                </a:extLst>
               </a:tr>
               <a:tr h="370840">
                 <a:tc>
@@ -22952,6 +22794,7 @@
                         <a:rPr lang="en-IN"/>
                         <a:t>Swagger - API</a:t>
                       </a:r>
+                      <a:endParaRPr lang="en-IN"/>
                     </a:p>
                   </a:txBody>
                   <a:tcPr/>
@@ -22966,7 +22809,7 @@
                       </a:pPr>
                       <a:r>
                         <a:rPr lang="en-IN" sz="1800" b="0" i="0" u="none" strike="noStrike" noProof="0">
-                          <a:hlinkClick r:id="rId3"/>
+                          <a:hlinkClick r:id="rId2"/>
                         </a:rPr>
                         <a:t>Api-Swagger</a:t>
                       </a:r>
@@ -22975,11 +22818,44 @@
                   </a:txBody>
                   <a:tcPr/>
                 </a:tc>
-                <a:extLst>
-                  <a:ext uri="{0D108BD9-81ED-4DB2-BD59-A6C34878D82A}">
-                    <a16:rowId xmlns:a16="http://schemas.microsoft.com/office/drawing/2014/main" val="2995886522"/>
-                  </a:ext>
-                </a:extLst>
+              </a:tr>
+              <a:tr h="640080">
+                <a:tc>
+                  <a:txBody>
+                    <a:bodyPr/>
+                    <a:lstStyle/>
+                    <a:p>
+                      <a:r>
+                        <a:rPr lang="en-IN"/>
+                        <a:t>Data Model – EAR (Entity Attribute Relationship)</a:t>
+                      </a:r>
+                      <a:endParaRPr lang="en-IN"/>
+                    </a:p>
+                  </a:txBody>
+                  <a:tcPr/>
+                </a:tc>
+                <a:tc>
+                  <a:txBody>
+                    <a:bodyPr/>
+                    <a:lstStyle/>
+                    <a:p>
+                      <a:pPr lvl="0">
+                        <a:buNone/>
+                      </a:pPr>
+                      <a:r>
+                        <a:rPr lang="en-IN" sz="1800" b="0" i="0" u="none" strike="noStrike" noProof="0">
+                          <a:latin typeface="Tw Cen MT"/>
+                          <a:hlinkClick r:id="rId3"/>
+                        </a:rPr>
+                        <a:t>Data Model</a:t>
+                      </a:r>
+                      <a:endParaRPr lang="en-IN" sz="1800" b="0" i="0" u="none" strike="noStrike" noProof="0">
+                        <a:latin typeface="Tw Cen MT"/>
+                      </a:endParaRPr>
+                    </a:p>
+                  </a:txBody>
+                  <a:tcPr/>
+                </a:tc>
               </a:tr>
               <a:tr h="370840">
                 <a:tc>
@@ -22989,8 +22865,9 @@
                     <a:p>
                       <a:r>
                         <a:rPr lang="en-IN"/>
-                        <a:t>Data Model – EAR (Entity Attribute Relationship)</a:t>
+                        <a:t>Test Scenarios</a:t>
                       </a:r>
+                      <a:endParaRPr lang="en-IN"/>
                     </a:p>
                   </a:txBody>
                   <a:tcPr/>
@@ -23008,48 +22885,6 @@
                           <a:latin typeface="Tw Cen MT"/>
                           <a:hlinkClick r:id="rId4"/>
                         </a:rPr>
-                        <a:t>Data Model</a:t>
-                      </a:r>
-                      <a:endParaRPr lang="en-IN" sz="1800" b="0" i="0" u="none" strike="noStrike" noProof="0">
-                        <a:latin typeface="Tw Cen MT"/>
-                      </a:endParaRPr>
-                    </a:p>
-                  </a:txBody>
-                  <a:tcPr/>
-                </a:tc>
-                <a:extLst>
-                  <a:ext uri="{0D108BD9-81ED-4DB2-BD59-A6C34878D82A}">
-                    <a16:rowId xmlns:a16="http://schemas.microsoft.com/office/drawing/2014/main" val="2356865371"/>
-                  </a:ext>
-                </a:extLst>
-              </a:tr>
-              <a:tr h="370840">
-                <a:tc>
-                  <a:txBody>
-                    <a:bodyPr/>
-                    <a:lstStyle/>
-                    <a:p>
-                      <a:r>
-                        <a:rPr lang="en-IN"/>
-                        <a:t>Test Scenarios</a:t>
-                      </a:r>
-                    </a:p>
-                  </a:txBody>
-                  <a:tcPr/>
-                </a:tc>
-                <a:tc>
-                  <a:txBody>
-                    <a:bodyPr/>
-                    <a:lstStyle/>
-                    <a:p>
-                      <a:pPr lvl="0">
-                        <a:buNone/>
-                      </a:pPr>
-                      <a:r>
-                        <a:rPr lang="en-IN" sz="1800" b="0" i="0" u="none" strike="noStrike" noProof="0">
-                          <a:latin typeface="Tw Cen MT"/>
-                          <a:hlinkClick r:id="rId5"/>
-                        </a:rPr>
                         <a:t>Test Secarios</a:t>
                       </a:r>
                       <a:endParaRPr lang="en-IN" sz="1800" b="0" i="0" u="none" strike="noStrike" noProof="0">
@@ -23059,11 +22894,6 @@
                   </a:txBody>
                   <a:tcPr/>
                 </a:tc>
-                <a:extLst>
-                  <a:ext uri="{0D108BD9-81ED-4DB2-BD59-A6C34878D82A}">
-                    <a16:rowId xmlns:a16="http://schemas.microsoft.com/office/drawing/2014/main" val="2939039858"/>
-                  </a:ext>
-                </a:extLst>
               </a:tr>
               <a:tr h="370840">
                 <a:tc>
@@ -23075,6 +22905,41 @@
                         <a:rPr lang="en-IN"/>
                         <a:t>Sequence Diagrams</a:t>
                       </a:r>
+                      <a:endParaRPr lang="en-IN"/>
+                    </a:p>
+                  </a:txBody>
+                  <a:tcPr/>
+                </a:tc>
+                <a:tc>
+                  <a:txBody>
+                    <a:bodyPr/>
+                    <a:lstStyle/>
+                    <a:p>
+                      <a:r>
+                        <a:rPr lang="en-IN">
+                          <a:hlinkClick r:id="rId5"/>
+                        </a:rPr>
+                        <a:t>Sequence Diagarm</a:t>
+                      </a:r>
+                      <a:endParaRPr lang="en-IN">
+                        <a:hlinkClick r:id="rId5"/>
+                      </a:endParaRPr>
+                    </a:p>
+                  </a:txBody>
+                  <a:tcPr/>
+                </a:tc>
+              </a:tr>
+              <a:tr h="370840">
+                <a:tc>
+                  <a:txBody>
+                    <a:bodyPr/>
+                    <a:lstStyle/>
+                    <a:p>
+                      <a:r>
+                        <a:rPr lang="en-IN"/>
+                        <a:t>Defect Logs</a:t>
+                      </a:r>
+                      <a:endParaRPr lang="en-IN"/>
                     </a:p>
                   </a:txBody>
                   <a:tcPr/>
@@ -23088,17 +22953,13 @@
                         <a:rPr lang="en-IN">
                           <a:hlinkClick r:id="rId6"/>
                         </a:rPr>
-                        <a:t>Sequence Diagarm</a:t>
+                        <a:t>Defect Logs</a:t>
                       </a:r>
+                      <a:endParaRPr lang="en-IN"/>
                     </a:p>
                   </a:txBody>
                   <a:tcPr/>
                 </a:tc>
-                <a:extLst>
-                  <a:ext uri="{0D108BD9-81ED-4DB2-BD59-A6C34878D82A}">
-                    <a16:rowId xmlns:a16="http://schemas.microsoft.com/office/drawing/2014/main" val="2026267292"/>
-                  </a:ext>
-                </a:extLst>
               </a:tr>
               <a:tr h="370840">
                 <a:tc>
@@ -23108,8 +22969,9 @@
                     <a:p>
                       <a:r>
                         <a:rPr lang="en-IN"/>
-                        <a:t>Defect Logs</a:t>
+                        <a:t>Code Quality Metrics</a:t>
                       </a:r>
+                      <a:endParaRPr lang="en-IN"/>
                     </a:p>
                   </a:txBody>
                   <a:tcPr/>
@@ -23123,18 +22985,13 @@
                         <a:rPr lang="en-IN">
                           <a:hlinkClick r:id="rId7"/>
                         </a:rPr>
-                        <a:t>Defect Logs</a:t>
+                        <a:t>Sonar and Lint reports</a:t>
                       </a:r>
                       <a:endParaRPr lang="en-IN"/>
                     </a:p>
                   </a:txBody>
                   <a:tcPr/>
                 </a:tc>
-                <a:extLst>
-                  <a:ext uri="{0D108BD9-81ED-4DB2-BD59-A6C34878D82A}">
-                    <a16:rowId xmlns:a16="http://schemas.microsoft.com/office/drawing/2014/main" val="164923034"/>
-                  </a:ext>
-                </a:extLst>
               </a:tr>
               <a:tr h="370840">
                 <a:tc>
@@ -23144,8 +23001,9 @@
                     <a:p>
                       <a:r>
                         <a:rPr lang="en-IN"/>
-                        <a:t>Code Quality Metrics</a:t>
+                        <a:t>Setup Manual</a:t>
                       </a:r>
+                      <a:endParaRPr lang="en-IN"/>
                     </a:p>
                   </a:txBody>
                   <a:tcPr/>
@@ -23159,42 +23017,6 @@
                         <a:rPr lang="en-IN">
                           <a:hlinkClick r:id="rId8"/>
                         </a:rPr>
-                        <a:t>Sonar and Lint reports</a:t>
-                      </a:r>
-                      <a:endParaRPr lang="en-IN"/>
-                    </a:p>
-                  </a:txBody>
-                  <a:tcPr/>
-                </a:tc>
-                <a:extLst>
-                  <a:ext uri="{0D108BD9-81ED-4DB2-BD59-A6C34878D82A}">
-                    <a16:rowId xmlns:a16="http://schemas.microsoft.com/office/drawing/2014/main" val="2558600139"/>
-                  </a:ext>
-                </a:extLst>
-              </a:tr>
-              <a:tr h="370840">
-                <a:tc>
-                  <a:txBody>
-                    <a:bodyPr/>
-                    <a:lstStyle/>
-                    <a:p>
-                      <a:r>
-                        <a:rPr lang="en-IN"/>
-                        <a:t>Setup Manual</a:t>
-                      </a:r>
-                    </a:p>
-                  </a:txBody>
-                  <a:tcPr/>
-                </a:tc>
-                <a:tc>
-                  <a:txBody>
-                    <a:bodyPr/>
-                    <a:lstStyle/>
-                    <a:p>
-                      <a:r>
-                        <a:rPr lang="en-IN">
-                          <a:hlinkClick r:id="rId9"/>
-                        </a:rPr>
                         <a:t>Setup Manual</a:t>
                       </a:r>
                       <a:endParaRPr lang="en-IN"/>
@@ -23202,22 +23024,12 @@
                   </a:txBody>
                   <a:tcPr/>
                 </a:tc>
-                <a:extLst>
-                  <a:ext uri="{0D108BD9-81ED-4DB2-BD59-A6C34878D82A}">
-                    <a16:rowId xmlns:a16="http://schemas.microsoft.com/office/drawing/2014/main" val="3209384644"/>
-                  </a:ext>
-                </a:extLst>
               </a:tr>
             </a:tbl>
           </a:graphicData>
         </a:graphic>
       </p:graphicFrame>
     </p:spTree>
-    <p:extLst>
-      <p:ext uri="{BB962C8B-B14F-4D97-AF65-F5344CB8AC3E}">
-        <p14:creationId xmlns:p14="http://schemas.microsoft.com/office/powerpoint/2010/main" val="1804012117"/>
-      </p:ext>
-    </p:extLst>
   </p:cSld>
   <p:clrMapOvr>
     <a:masterClrMapping/>
@@ -23244,13 +23056,7 @@
       </p:grpSpPr>
       <p:sp>
         <p:nvSpPr>
-          <p:cNvPr id="2" name="Title 1">
-            <a:extLst>
-              <a:ext uri="{FF2B5EF4-FFF2-40B4-BE49-F238E27FC236}">
-                <a16:creationId xmlns:a16="http://schemas.microsoft.com/office/drawing/2014/main" id="{4DCB94A0-2A3D-C9A8-6A49-47D3EAA5FD6F}"/>
-              </a:ext>
-            </a:extLst>
-          </p:cNvPr>
+          <p:cNvPr id="2" name="Title 1"/>
           <p:cNvSpPr>
             <a:spLocks noGrp="1"/>
           </p:cNvSpPr>
@@ -23267,18 +23073,13 @@
               <a:rPr lang="en-IN"/>
               <a:t>TECHNOLOGIES , Tools &amp; PLUGINS USED</a:t>
             </a:r>
+            <a:endParaRPr lang="en-IN"/>
           </a:p>
         </p:txBody>
       </p:sp>
       <p:sp>
         <p:nvSpPr>
-          <p:cNvPr id="3" name="Content Placeholder 2">
-            <a:extLst>
-              <a:ext uri="{FF2B5EF4-FFF2-40B4-BE49-F238E27FC236}">
-                <a16:creationId xmlns:a16="http://schemas.microsoft.com/office/drawing/2014/main" id="{489A04B4-3DC3-7C89-F7CB-831D200E025A}"/>
-              </a:ext>
-            </a:extLst>
-          </p:cNvPr>
+          <p:cNvPr id="3" name="Content Placeholder 2"/>
           <p:cNvSpPr>
             <a:spLocks noGrp="1"/>
           </p:cNvSpPr>
@@ -23306,6 +23107,7 @@
               <a:rPr lang="en-IN"/>
               <a:t> Dotnet Core 6.0</a:t>
             </a:r>
+            <a:endParaRPr lang="en-IN"/>
           </a:p>
           <a:p>
             <a:pPr>
@@ -23316,6 +23118,7 @@
               <a:rPr lang="en-IN"/>
               <a:t> Angular 13</a:t>
             </a:r>
+            <a:endParaRPr lang="en-IN"/>
           </a:p>
           <a:p>
             <a:pPr>
@@ -23326,6 +23129,7 @@
               <a:rPr lang="en-IN"/>
               <a:t> Visual Studio Code</a:t>
             </a:r>
+            <a:endParaRPr lang="en-IN"/>
           </a:p>
           <a:p>
             <a:pPr>
@@ -23351,6 +23155,7 @@
               <a:rPr lang="en-IN"/>
               <a:t> Angular</a:t>
             </a:r>
+            <a:endParaRPr lang="en-IN"/>
           </a:p>
           <a:p>
             <a:pPr>
@@ -23361,6 +23166,7 @@
               <a:rPr lang="en-IN"/>
               <a:t> SonarQube</a:t>
             </a:r>
+            <a:endParaRPr lang="en-IN"/>
           </a:p>
           <a:p>
             <a:pPr>
@@ -23371,6 +23177,7 @@
               <a:rPr lang="en-IN"/>
               <a:t> SQL Server Management System</a:t>
             </a:r>
+            <a:endParaRPr lang="en-IN"/>
           </a:p>
           <a:p>
             <a:pPr>
@@ -23381,6 +23188,7 @@
               <a:rPr lang="en-IN"/>
               <a:t> JMeter</a:t>
             </a:r>
+            <a:endParaRPr lang="en-IN"/>
           </a:p>
           <a:p>
             <a:pPr>
@@ -23401,13 +23209,7 @@
       </p:sp>
       <p:sp>
         <p:nvSpPr>
-          <p:cNvPr id="4" name="TextBox 3">
-            <a:extLst>
-              <a:ext uri="{FF2B5EF4-FFF2-40B4-BE49-F238E27FC236}">
-                <a16:creationId xmlns:a16="http://schemas.microsoft.com/office/drawing/2014/main" id="{81961ED8-8C53-35C0-BCA6-8C0988D7AF34}"/>
-              </a:ext>
-            </a:extLst>
-          </p:cNvPr>
+          <p:cNvPr id="4" name="TextBox 3"/>
           <p:cNvSpPr txBox="1"/>
           <p:nvPr/>
         </p:nvSpPr>
@@ -23423,15 +23225,12 @@
         </p:spPr>
         <p:txBody>
           <a:bodyPr rot="0" spcFirstLastPara="0" vertOverflow="overflow" horzOverflow="overflow" vert="horz" wrap="square" lIns="91440" tIns="45720" rIns="91440" bIns="45720" numCol="1" spcCol="0" rtlCol="0" fromWordArt="0" anchor="t" anchorCtr="0" forceAA="0" compatLnSpc="1">
-            <a:prstTxWarp prst="textNoShape">
-              <a:avLst/>
-            </a:prstTxWarp>
             <a:spAutoFit/>
           </a:bodyPr>
           <a:lstStyle/>
           <a:p>
             <a:pPr marL="285750" indent="-285750">
-              <a:buFont typeface="Wingdings"/>
+              <a:buFont typeface="Wingdings" panose="05000000000000000000"/>
               <a:buChar char="v"/>
             </a:pPr>
             <a:r>
@@ -23446,10 +23245,11 @@
               <a:rPr lang="en-US"/>
               <a:t>Data Table – JQuery</a:t>
             </a:r>
+            <a:endParaRPr lang="en-US"/>
           </a:p>
           <a:p>
             <a:pPr marL="285750" indent="-285750">
-              <a:buFont typeface="Wingdings"/>
+              <a:buFont typeface="Wingdings" panose="05000000000000000000"/>
               <a:buChar char="v"/>
             </a:pPr>
             <a:r>
@@ -23472,15 +23272,15 @@
               </a:rPr>
               <a:t> </a:t>
             </a:r>
+            <a:endParaRPr lang="en-US" dirty="0">
+              <a:solidFill>
+                <a:schemeClr val="accent1"/>
+              </a:solidFill>
+            </a:endParaRPr>
           </a:p>
         </p:txBody>
       </p:sp>
     </p:spTree>
-    <p:extLst>
-      <p:ext uri="{BB962C8B-B14F-4D97-AF65-F5344CB8AC3E}">
-        <p14:creationId xmlns:p14="http://schemas.microsoft.com/office/powerpoint/2010/main" val="1251030418"/>
-      </p:ext>
-    </p:extLst>
   </p:cSld>
   <p:clrMapOvr>
     <a:masterClrMapping/>
@@ -23531,7 +23331,7 @@
     </a:clrScheme>
     <a:fontScheme name="Integral">
       <a:majorFont>
-        <a:latin typeface="Tw Cen MT Condensed" panose="020B0606020104020203"/>
+        <a:latin typeface="Tw Cen MT Condensed"/>
         <a:ea typeface=""/>
         <a:cs typeface=""/>
         <a:font script="Grek" typeface="Calibri"/>
@@ -23568,7 +23368,7 @@
         <a:font script="Geor" typeface="Sylfaen"/>
       </a:majorFont>
       <a:minorFont>
-        <a:latin typeface="Tw Cen MT" panose="020B0602020104020603"/>
+        <a:latin typeface="Tw Cen MT"/>
         <a:ea typeface=""/>
         <a:cs typeface=""/>
         <a:font script="Grek" typeface="Calibri"/>
@@ -23746,11 +23546,9 @@
       </a:bgFillStyleLst>
     </a:fmtScheme>
   </a:themeElements>
-  <a:objectDefaults/>
-  <a:extraClrSchemeLst/>
   <a:extLst>
     <a:ext uri="{05A4C25C-085E-4340-85A3-A5531E510DB2}">
-      <thm15:themeFamily xmlns:thm15="http://schemas.microsoft.com/office/thememl/2012/main" name="Integral" id="{3577F8C9-A904-41D8-97D2-FD898F53F20E}" vid="{682D6EBE-8D36-4FF2-9DB3-F3D8D7B6715D}"/>
+      <thm15:themeFamily xmlns:thm15="http://schemas.microsoft.com/office/thememl/2012/main" name="Office Theme" id="{62F939B6-93AF-4DB8-9C6B-D6C7DFDC589F}" vid="{4A3C46E8-61CC-4603-A589-7422A47A8E4A}"/>
     </a:ext>
   </a:extLst>
 </a:theme>
